--- a/mmcvrp/MM-CVRP.pptx
+++ b/mmcvrp/MM-CVRP.pptx
@@ -6,6 +6,11 @@
   </p:sldMasterIdLst>
   <p:sldIdLst>
     <p:sldId id="256" r:id="rId2"/>
+    <p:sldId id="258" r:id="rId3"/>
+    <p:sldId id="257" r:id="rId4"/>
+    <p:sldId id="259" r:id="rId5"/>
+    <p:sldId id="260" r:id="rId6"/>
+    <p:sldId id="261" r:id="rId7"/>
   </p:sldIdLst>
   <p:sldSz cx="12192000" cy="6858000"/>
   <p:notesSz cx="6858000" cy="9144000"/>
@@ -104,6 +109,11 @@
       </a:defRPr>
     </a:lvl9pPr>
   </p:defaultTextStyle>
+  <p:extLst>
+    <p:ext uri="{EFAFB233-063F-42B5-8137-9DF3F51BA10A}">
+      <p15:sldGuideLst xmlns:p15="http://schemas.microsoft.com/office/powerpoint/2012/main"/>
+    </p:ext>
+  </p:extLst>
 </p:presentation>
 </file>
 
@@ -3307,6 +3317,254 @@
 <file path=ppt/slides/slide1.xml><?xml version="1.0" encoding="utf-8"?>
 <p:sld xmlns:a="http://schemas.openxmlformats.org/drawingml/2006/main" xmlns:r="http://schemas.openxmlformats.org/officeDocument/2006/relationships" xmlns:p="http://schemas.openxmlformats.org/presentationml/2006/main">
   <p:cSld>
+    <p:bg>
+      <p:bgPr>
+        <a:solidFill>
+          <a:schemeClr val="bg1"/>
+        </a:solidFill>
+        <a:effectLst/>
+      </p:bgPr>
+    </p:bg>
+    <p:spTree>
+      <p:nvGrpSpPr>
+        <p:cNvPr id="1" name=""/>
+        <p:cNvGrpSpPr/>
+        <p:nvPr/>
+      </p:nvGrpSpPr>
+      <p:grpSpPr>
+        <a:xfrm>
+          <a:off x="0" y="0"/>
+          <a:ext cx="0" cy="0"/>
+          <a:chOff x="0" y="0"/>
+          <a:chExt cx="0" cy="0"/>
+        </a:xfrm>
+      </p:grpSpPr>
+      <p:sp useBgFill="1">
+        <p:nvSpPr>
+          <p:cNvPr id="31" name="Rectangle 30">
+            <a:extLst>
+              <a:ext uri="{FF2B5EF4-FFF2-40B4-BE49-F238E27FC236}">
+                <a16:creationId xmlns:a16="http://schemas.microsoft.com/office/drawing/2014/main" id="{22587ECF-85E9-4393-9D87-8EB6F3F6C208}"/>
+              </a:ext>
+              <a:ext uri="{C183D7F6-B498-43B3-948B-1728B52AA6E4}">
+                <adec:decorative xmlns:adec="http://schemas.microsoft.com/office/drawing/2017/decorative" val="1"/>
+              </a:ext>
+            </a:extLst>
+          </p:cNvPr>
+          <p:cNvSpPr>
+            <a:spLocks noGrp="1" noRot="1" noChangeAspect="1" noMove="1" noResize="1" noEditPoints="1" noAdjustHandles="1" noChangeArrowheads="1" noChangeShapeType="1" noTextEdit="1"/>
+          </p:cNvSpPr>
+          <p:nvPr>
+            <p:extLst>
+              <p:ext uri="{386F3935-93C4-4BCD-93E2-E3B085C9AB24}">
+                <p16:designElem xmlns:p16="http://schemas.microsoft.com/office/powerpoint/2015/main" val="1"/>
+              </p:ext>
+            </p:extLst>
+          </p:nvPr>
+        </p:nvSpPr>
+        <p:spPr>
+          <a:xfrm>
+            <a:off x="-1" y="0"/>
+            <a:ext cx="12188952" cy="6858000"/>
+          </a:xfrm>
+          <a:prstGeom prst="rect">
+            <a:avLst/>
+          </a:prstGeom>
+          <a:ln>
+            <a:noFill/>
+          </a:ln>
+        </p:spPr>
+        <p:style>
+          <a:lnRef idx="2">
+            <a:schemeClr val="accent1">
+              <a:shade val="50000"/>
+            </a:schemeClr>
+          </a:lnRef>
+          <a:fillRef idx="1">
+            <a:schemeClr val="accent1"/>
+          </a:fillRef>
+          <a:effectRef idx="0">
+            <a:schemeClr val="accent1"/>
+          </a:effectRef>
+          <a:fontRef idx="minor">
+            <a:schemeClr val="lt1"/>
+          </a:fontRef>
+        </p:style>
+        <p:txBody>
+          <a:bodyPr rtlCol="0" anchor="ctr"/>
+          <a:lstStyle/>
+          <a:p>
+            <a:pPr algn="ctr"/>
+            <a:endParaRPr lang="en-US"/>
+          </a:p>
+        </p:txBody>
+      </p:sp>
+      <p:sp>
+        <p:nvSpPr>
+          <p:cNvPr id="4" name="Titolo 3">
+            <a:extLst>
+              <a:ext uri="{FF2B5EF4-FFF2-40B4-BE49-F238E27FC236}">
+                <a16:creationId xmlns:a16="http://schemas.microsoft.com/office/drawing/2014/main" id="{A22A4502-5390-87A9-BD25-D3A7951D841A}"/>
+              </a:ext>
+            </a:extLst>
+          </p:cNvPr>
+          <p:cNvSpPr>
+            <a:spLocks noGrp="1"/>
+          </p:cNvSpPr>
+          <p:nvPr>
+            <p:ph type="title"/>
+          </p:nvPr>
+        </p:nvSpPr>
+        <p:spPr>
+          <a:xfrm>
+            <a:off x="838199" y="537883"/>
+            <a:ext cx="4783697" cy="1942810"/>
+          </a:xfrm>
+        </p:spPr>
+        <p:txBody>
+          <a:bodyPr anchor="b">
+            <a:normAutofit/>
+          </a:bodyPr>
+          <a:lstStyle/>
+          <a:p>
+            <a:r>
+              <a:rPr lang="it-IT" sz="4000"/>
+              <a:t>Min-Max Capacited Vehicle Routing Problem</a:t>
+            </a:r>
+          </a:p>
+        </p:txBody>
+      </p:sp>
+      <p:sp>
+        <p:nvSpPr>
+          <p:cNvPr id="26" name="Content Placeholder 10">
+            <a:extLst>
+              <a:ext uri="{FF2B5EF4-FFF2-40B4-BE49-F238E27FC236}">
+                <a16:creationId xmlns:a16="http://schemas.microsoft.com/office/drawing/2014/main" id="{883B3ACC-C512-BA6D-35FB-A233BFBACF5C}"/>
+              </a:ext>
+            </a:extLst>
+          </p:cNvPr>
+          <p:cNvSpPr>
+            <a:spLocks noGrp="1"/>
+          </p:cNvSpPr>
+          <p:nvPr>
+            <p:ph idx="1"/>
+          </p:nvPr>
+        </p:nvSpPr>
+        <p:spPr>
+          <a:xfrm>
+            <a:off x="838199" y="2686323"/>
+            <a:ext cx="4783697" cy="3433583"/>
+          </a:xfrm>
+        </p:spPr>
+        <p:txBody>
+          <a:bodyPr>
+            <a:normAutofit/>
+          </a:bodyPr>
+          <a:lstStyle/>
+          <a:p>
+            <a:r>
+              <a:rPr lang="en-US" sz="2000"/>
+              <a:t>m vehicles</a:t>
+            </a:r>
+          </a:p>
+          <a:p>
+            <a:r>
+              <a:rPr lang="en-US" sz="2000"/>
+              <a:t>n locations (n-1 customers + depot)</a:t>
+            </a:r>
+          </a:p>
+          <a:p>
+            <a:r>
+              <a:rPr lang="en-US" sz="2000"/>
+              <a:t>Each customer has a demand d</a:t>
+            </a:r>
+            <a:r>
+              <a:rPr lang="en-US" sz="2000" baseline="-25000"/>
+              <a:t>i </a:t>
+            </a:r>
+            <a:endParaRPr lang="en-US" sz="2000"/>
+          </a:p>
+          <a:p>
+            <a:r>
+              <a:rPr lang="en-US" sz="2000"/>
+              <a:t>Each vehicle has a capacity q</a:t>
+            </a:r>
+            <a:r>
+              <a:rPr lang="en-US" sz="2000" baseline="-25000"/>
+              <a:t>i</a:t>
+            </a:r>
+          </a:p>
+          <a:p>
+            <a:r>
+              <a:rPr lang="en-US" sz="2000"/>
+              <a:t>Two locations have a distance c</a:t>
+            </a:r>
+            <a:r>
+              <a:rPr lang="en-US" sz="2000" baseline="-25000"/>
+              <a:t>ij</a:t>
+            </a:r>
+            <a:endParaRPr lang="en-US" sz="2000"/>
+          </a:p>
+          <a:p>
+            <a:r>
+              <a:rPr lang="en-US" sz="2000"/>
+              <a:t>The objective is to minimize the maximum distance traveled by a single vehicle.</a:t>
+            </a:r>
+          </a:p>
+        </p:txBody>
+      </p:sp>
+      <p:pic>
+        <p:nvPicPr>
+          <p:cNvPr id="3" name="Immagine 2" descr="Immagine che contiene cerchio, diagramma, schermata, linea&#10;&#10;Il contenuto generato dall'IA potrebbe non essere corretto.">
+            <a:extLst>
+              <a:ext uri="{FF2B5EF4-FFF2-40B4-BE49-F238E27FC236}">
+                <a16:creationId xmlns:a16="http://schemas.microsoft.com/office/drawing/2014/main" id="{7898A5BC-858E-0BF9-264B-3D0622D2F7DB}"/>
+              </a:ext>
+            </a:extLst>
+          </p:cNvPr>
+          <p:cNvPicPr>
+            <a:picLocks noChangeAspect="1"/>
+          </p:cNvPicPr>
+          <p:nvPr/>
+        </p:nvPicPr>
+        <p:blipFill>
+          <a:blip r:embed="rId2">
+            <a:extLst>
+              <a:ext uri="{28A0092B-C50C-407E-A947-70E740481C1C}">
+                <a14:useLocalDpi xmlns:a14="http://schemas.microsoft.com/office/drawing/2010/main" val="0"/>
+              </a:ext>
+            </a:extLst>
+          </a:blip>
+          <a:stretch>
+            <a:fillRect/>
+          </a:stretch>
+        </p:blipFill>
+        <p:spPr>
+          <a:xfrm>
+            <a:off x="6288850" y="537883"/>
+            <a:ext cx="5233147" cy="5582023"/>
+          </a:xfrm>
+          <a:prstGeom prst="rect">
+            <a:avLst/>
+          </a:prstGeom>
+        </p:spPr>
+      </p:pic>
+    </p:spTree>
+    <p:extLst>
+      <p:ext uri="{BB962C8B-B14F-4D97-AF65-F5344CB8AC3E}">
+        <p14:creationId xmlns:p14="http://schemas.microsoft.com/office/powerpoint/2010/main" val="3829933398"/>
+      </p:ext>
+    </p:extLst>
+  </p:cSld>
+  <p:clrMapOvr>
+    <a:masterClrMapping/>
+  </p:clrMapOvr>
+</p:sld>
+</file>
+
+<file path=ppt/slides/slide2.xml><?xml version="1.0" encoding="utf-8"?>
+<p:sld xmlns:a="http://schemas.openxmlformats.org/drawingml/2006/main" xmlns:r="http://schemas.openxmlformats.org/officeDocument/2006/relationships" xmlns:p="http://schemas.openxmlformats.org/presentationml/2006/main">
+  <p:cSld>
     <p:spTree>
       <p:nvGrpSpPr>
         <p:cNvPr id="1" name=""/>
@@ -3326,7 +3584,7 @@
           <p:cNvPr id="2" name="Titolo 1">
             <a:extLst>
               <a:ext uri="{FF2B5EF4-FFF2-40B4-BE49-F238E27FC236}">
-                <a16:creationId xmlns:a16="http://schemas.microsoft.com/office/drawing/2014/main" id="{2C17AF44-3CFE-4056-21CC-9EEB2656CDF3}"/>
+                <a16:creationId xmlns:a16="http://schemas.microsoft.com/office/drawing/2014/main" id="{59DC4297-E7F9-4A24-A812-CAD2E05C437C}"/>
               </a:ext>
             </a:extLst>
           </p:cNvPr>
@@ -3334,7 +3592,7 @@
             <a:spLocks noGrp="1"/>
           </p:cNvSpPr>
           <p:nvPr>
-            <p:ph type="ctrTitle"/>
+            <p:ph type="title"/>
           </p:nvPr>
         </p:nvSpPr>
         <p:spPr/>
@@ -3342,16 +3600,1007 @@
           <a:bodyPr/>
           <a:lstStyle/>
           <a:p>
-            <a:endParaRPr lang="it-IT"/>
+            <a:r>
+              <a:rPr lang="it-IT" dirty="0"/>
+              <a:t>DIDP </a:t>
+            </a:r>
+            <a:r>
+              <a:rPr lang="it-IT" dirty="0" err="1"/>
+              <a:t>Formulation</a:t>
+            </a:r>
+            <a:endParaRPr lang="it-IT" dirty="0"/>
           </a:p>
         </p:txBody>
       </p:sp>
+      <mc:AlternateContent xmlns:mc="http://schemas.openxmlformats.org/markup-compatibility/2006">
+        <mc:Choice xmlns:a14="http://schemas.microsoft.com/office/drawing/2010/main" Requires="a14">
+          <p:sp>
+            <p:nvSpPr>
+              <p:cNvPr id="3" name="Segnaposto contenuto 2">
+                <a:extLst>
+                  <a:ext uri="{FF2B5EF4-FFF2-40B4-BE49-F238E27FC236}">
+                    <a16:creationId xmlns:a16="http://schemas.microsoft.com/office/drawing/2014/main" id="{7E1FC194-9D5E-1E05-4811-81627C1C1EE4}"/>
+                  </a:ext>
+                </a:extLst>
+              </p:cNvPr>
+              <p:cNvSpPr>
+                <a:spLocks noGrp="1"/>
+              </p:cNvSpPr>
+              <p:nvPr>
+                <p:ph idx="1"/>
+              </p:nvPr>
+            </p:nvSpPr>
+            <p:spPr>
+              <a:xfrm>
+                <a:off x="838200" y="1825625"/>
+                <a:ext cx="4876800" cy="4351338"/>
+              </a:xfrm>
+            </p:spPr>
+            <p:txBody>
+              <a:bodyPr/>
+              <a:lstStyle/>
+              <a:p>
+                <a:pPr marL="0" indent="0">
+                  <a:buNone/>
+                </a:pPr>
+                <a:r>
+                  <a:rPr lang="it-IT" dirty="0"/>
+                  <a:t>State </a:t>
+                </a:r>
+                <a:r>
+                  <a:rPr lang="it-IT" dirty="0" err="1"/>
+                  <a:t>Variables</a:t>
+                </a:r>
+                <a:r>
+                  <a:rPr lang="it-IT" dirty="0"/>
+                  <a:t>:</a:t>
+                </a:r>
+              </a:p>
+              <a:p>
+                <a:r>
+                  <a:rPr lang="it-IT" dirty="0"/>
+                  <a:t>U: set of </a:t>
+                </a:r>
+                <a:r>
+                  <a:rPr lang="it-IT" dirty="0" err="1"/>
+                  <a:t>unvisited</a:t>
+                </a:r>
+                <a:r>
+                  <a:rPr lang="it-IT" dirty="0"/>
+                  <a:t> customers</a:t>
+                </a:r>
+              </a:p>
+              <a:p>
+                <a14:m>
+                  <m:oMath xmlns:m="http://schemas.openxmlformats.org/officeDocument/2006/math">
+                    <m:d>
+                      <m:dPr>
+                        <m:begChr m:val="{"/>
+                        <m:endChr m:val="}"/>
+                        <m:ctrlPr>
+                          <a:rPr lang="it-IT" i="1" smtClean="0">
+                            <a:latin typeface="Cambria Math" panose="02040503050406030204" pitchFamily="18" charset="0"/>
+                          </a:rPr>
+                        </m:ctrlPr>
+                      </m:dPr>
+                      <m:e>
+                        <m:sSub>
+                          <m:sSubPr>
+                            <m:ctrlPr>
+                              <a:rPr lang="it-IT" i="1" smtClean="0">
+                                <a:latin typeface="Cambria Math" panose="02040503050406030204" pitchFamily="18" charset="0"/>
+                              </a:rPr>
+                            </m:ctrlPr>
+                          </m:sSubPr>
+                          <m:e>
+                            <m:r>
+                              <a:rPr lang="it-IT" b="0" i="1" smtClean="0">
+                                <a:latin typeface="Cambria Math" panose="02040503050406030204" pitchFamily="18" charset="0"/>
+                              </a:rPr>
+                              <m:t>𝑖</m:t>
+                            </m:r>
+                          </m:e>
+                          <m:sub>
+                            <m:r>
+                              <a:rPr lang="it-IT" b="0" i="1" smtClean="0">
+                                <a:latin typeface="Cambria Math" panose="02040503050406030204" pitchFamily="18" charset="0"/>
+                              </a:rPr>
+                              <m:t>1</m:t>
+                            </m:r>
+                          </m:sub>
+                        </m:sSub>
+                        <m:r>
+                          <a:rPr lang="it-IT" b="0" i="1" smtClean="0">
+                            <a:latin typeface="Cambria Math" panose="02040503050406030204" pitchFamily="18" charset="0"/>
+                          </a:rPr>
+                          <m:t>,…,</m:t>
+                        </m:r>
+                        <m:sSub>
+                          <m:sSubPr>
+                            <m:ctrlPr>
+                              <a:rPr lang="it-IT" b="0" i="1" smtClean="0">
+                                <a:latin typeface="Cambria Math" panose="02040503050406030204" pitchFamily="18" charset="0"/>
+                              </a:rPr>
+                            </m:ctrlPr>
+                          </m:sSubPr>
+                          <m:e>
+                            <m:r>
+                              <a:rPr lang="it-IT" b="0" i="1" smtClean="0">
+                                <a:latin typeface="Cambria Math" panose="02040503050406030204" pitchFamily="18" charset="0"/>
+                              </a:rPr>
+                              <m:t>𝑖</m:t>
+                            </m:r>
+                          </m:e>
+                          <m:sub>
+                            <m:r>
+                              <a:rPr lang="it-IT" b="0" i="1" smtClean="0">
+                                <a:latin typeface="Cambria Math" panose="02040503050406030204" pitchFamily="18" charset="0"/>
+                              </a:rPr>
+                              <m:t>𝑚</m:t>
+                            </m:r>
+                          </m:sub>
+                        </m:sSub>
+                      </m:e>
+                    </m:d>
+                    <m:r>
+                      <a:rPr lang="it-IT" b="0" i="1" smtClean="0">
+                        <a:latin typeface="Cambria Math" panose="02040503050406030204" pitchFamily="18" charset="0"/>
+                      </a:rPr>
+                      <m:t> </m:t>
+                    </m:r>
+                  </m:oMath>
+                </a14:m>
+                <a:r>
+                  <a:rPr lang="it-IT" dirty="0"/>
+                  <a:t>: locations</a:t>
+                </a:r>
+              </a:p>
+              <a:p>
+                <a14:m>
+                  <m:oMath xmlns:m="http://schemas.openxmlformats.org/officeDocument/2006/math">
+                    <m:d>
+                      <m:dPr>
+                        <m:begChr m:val="{"/>
+                        <m:endChr m:val="}"/>
+                        <m:ctrlPr>
+                          <a:rPr lang="it-IT" i="1" smtClean="0">
+                            <a:latin typeface="Cambria Math" panose="02040503050406030204" pitchFamily="18" charset="0"/>
+                          </a:rPr>
+                        </m:ctrlPr>
+                      </m:dPr>
+                      <m:e>
+                        <m:sSub>
+                          <m:sSubPr>
+                            <m:ctrlPr>
+                              <a:rPr lang="it-IT" i="1" smtClean="0">
+                                <a:latin typeface="Cambria Math" panose="02040503050406030204" pitchFamily="18" charset="0"/>
+                              </a:rPr>
+                            </m:ctrlPr>
+                          </m:sSubPr>
+                          <m:e>
+                            <m:r>
+                              <a:rPr lang="it-IT" b="0" i="1" smtClean="0">
+                                <a:latin typeface="Cambria Math" panose="02040503050406030204" pitchFamily="18" charset="0"/>
+                              </a:rPr>
+                              <m:t>𝑙</m:t>
+                            </m:r>
+                          </m:e>
+                          <m:sub>
+                            <m:r>
+                              <a:rPr lang="it-IT" b="0" i="1" smtClean="0">
+                                <a:latin typeface="Cambria Math" panose="02040503050406030204" pitchFamily="18" charset="0"/>
+                              </a:rPr>
+                              <m:t>1</m:t>
+                            </m:r>
+                          </m:sub>
+                        </m:sSub>
+                        <m:r>
+                          <a:rPr lang="it-IT" b="0" i="1" smtClean="0">
+                            <a:latin typeface="Cambria Math" panose="02040503050406030204" pitchFamily="18" charset="0"/>
+                          </a:rPr>
+                          <m:t>,…,</m:t>
+                        </m:r>
+                        <m:sSub>
+                          <m:sSubPr>
+                            <m:ctrlPr>
+                              <a:rPr lang="it-IT" b="0" i="1" smtClean="0">
+                                <a:latin typeface="Cambria Math" panose="02040503050406030204" pitchFamily="18" charset="0"/>
+                              </a:rPr>
+                            </m:ctrlPr>
+                          </m:sSubPr>
+                          <m:e>
+                            <m:r>
+                              <a:rPr lang="it-IT" b="0" i="1" smtClean="0">
+                                <a:latin typeface="Cambria Math" panose="02040503050406030204" pitchFamily="18" charset="0"/>
+                              </a:rPr>
+                              <m:t>𝑙</m:t>
+                            </m:r>
+                          </m:e>
+                          <m:sub>
+                            <m:r>
+                              <a:rPr lang="it-IT" b="0" i="1" smtClean="0">
+                                <a:latin typeface="Cambria Math" panose="02040503050406030204" pitchFamily="18" charset="0"/>
+                              </a:rPr>
+                              <m:t>𝑚</m:t>
+                            </m:r>
+                          </m:sub>
+                        </m:sSub>
+                      </m:e>
+                    </m:d>
+                    <m:r>
+                      <a:rPr lang="it-IT" b="0" i="1" smtClean="0">
+                        <a:latin typeface="Cambria Math" panose="02040503050406030204" pitchFamily="18" charset="0"/>
+                      </a:rPr>
+                      <m:t> </m:t>
+                    </m:r>
+                    <m:r>
+                      <a:rPr lang="it-IT" b="0" i="1" smtClean="0">
+                        <a:latin typeface="Cambria Math" panose="02040503050406030204" pitchFamily="18" charset="0"/>
+                      </a:rPr>
+                      <m:t>: </m:t>
+                    </m:r>
+                  </m:oMath>
+                </a14:m>
+                <a:r>
+                  <a:rPr lang="it-IT" dirty="0"/>
+                  <a:t>loads </a:t>
+                </a:r>
+              </a:p>
+              <a:p>
+                <a14:m>
+                  <m:oMath xmlns:m="http://schemas.openxmlformats.org/officeDocument/2006/math">
+                    <m:d>
+                      <m:dPr>
+                        <m:begChr m:val="{"/>
+                        <m:endChr m:val="}"/>
+                        <m:ctrlPr>
+                          <a:rPr lang="it-IT" i="1" smtClean="0">
+                            <a:latin typeface="Cambria Math" panose="02040503050406030204" pitchFamily="18" charset="0"/>
+                          </a:rPr>
+                        </m:ctrlPr>
+                      </m:dPr>
+                      <m:e>
+                        <m:sSub>
+                          <m:sSubPr>
+                            <m:ctrlPr>
+                              <a:rPr lang="it-IT" i="1" smtClean="0">
+                                <a:latin typeface="Cambria Math" panose="02040503050406030204" pitchFamily="18" charset="0"/>
+                              </a:rPr>
+                            </m:ctrlPr>
+                          </m:sSubPr>
+                          <m:e>
+                            <m:r>
+                              <a:rPr lang="it-IT" b="0" i="1" smtClean="0">
+                                <a:latin typeface="Cambria Math" panose="02040503050406030204" pitchFamily="18" charset="0"/>
+                              </a:rPr>
+                              <m:t>𝑝</m:t>
+                            </m:r>
+                          </m:e>
+                          <m:sub>
+                            <m:r>
+                              <a:rPr lang="it-IT" b="0" i="1" smtClean="0">
+                                <a:latin typeface="Cambria Math" panose="02040503050406030204" pitchFamily="18" charset="0"/>
+                              </a:rPr>
+                              <m:t>1</m:t>
+                            </m:r>
+                          </m:sub>
+                        </m:sSub>
+                        <m:r>
+                          <a:rPr lang="it-IT" b="0" i="1" smtClean="0">
+                            <a:latin typeface="Cambria Math" panose="02040503050406030204" pitchFamily="18" charset="0"/>
+                          </a:rPr>
+                          <m:t>,…,</m:t>
+                        </m:r>
+                        <m:sSub>
+                          <m:sSubPr>
+                            <m:ctrlPr>
+                              <a:rPr lang="it-IT" b="0" i="1" smtClean="0">
+                                <a:latin typeface="Cambria Math" panose="02040503050406030204" pitchFamily="18" charset="0"/>
+                              </a:rPr>
+                            </m:ctrlPr>
+                          </m:sSubPr>
+                          <m:e>
+                            <m:r>
+                              <a:rPr lang="it-IT" b="0" i="1" smtClean="0">
+                                <a:latin typeface="Cambria Math" panose="02040503050406030204" pitchFamily="18" charset="0"/>
+                              </a:rPr>
+                              <m:t>𝑝</m:t>
+                            </m:r>
+                          </m:e>
+                          <m:sub>
+                            <m:r>
+                              <a:rPr lang="it-IT" b="0" i="1" smtClean="0">
+                                <a:latin typeface="Cambria Math" panose="02040503050406030204" pitchFamily="18" charset="0"/>
+                              </a:rPr>
+                              <m:t>𝑚</m:t>
+                            </m:r>
+                          </m:sub>
+                        </m:sSub>
+                      </m:e>
+                    </m:d>
+                    <m:r>
+                      <a:rPr lang="it-IT" b="0" i="1" smtClean="0">
+                        <a:latin typeface="Cambria Math" panose="02040503050406030204" pitchFamily="18" charset="0"/>
+                      </a:rPr>
+                      <m:t> </m:t>
+                    </m:r>
+                  </m:oMath>
+                </a14:m>
+                <a:r>
+                  <a:rPr lang="it-IT" dirty="0"/>
+                  <a:t>: </a:t>
+                </a:r>
+                <a:r>
+                  <a:rPr lang="it-IT" dirty="0" err="1"/>
+                  <a:t>distances</a:t>
+                </a:r>
+                <a:r>
+                  <a:rPr lang="it-IT" dirty="0"/>
+                  <a:t> </a:t>
+                </a:r>
+              </a:p>
+              <a:p>
+                <a14:m>
+                  <m:oMath xmlns:m="http://schemas.openxmlformats.org/officeDocument/2006/math">
+                    <m:r>
+                      <a:rPr lang="it-IT" b="0" i="1" smtClean="0">
+                        <a:latin typeface="Cambria Math" panose="02040503050406030204" pitchFamily="18" charset="0"/>
+                      </a:rPr>
+                      <m:t>𝑘</m:t>
+                    </m:r>
+                    <m:r>
+                      <a:rPr lang="it-IT" b="0" i="1" smtClean="0">
+                        <a:latin typeface="Cambria Math" panose="02040503050406030204" pitchFamily="18" charset="0"/>
+                      </a:rPr>
+                      <m:t> </m:t>
+                    </m:r>
+                  </m:oMath>
+                </a14:m>
+                <a:r>
+                  <a:rPr lang="it-IT" dirty="0"/>
+                  <a:t>: </a:t>
+                </a:r>
+                <a:r>
+                  <a:rPr lang="it-IT" dirty="0" err="1"/>
+                  <a:t>used</a:t>
+                </a:r>
+                <a:r>
+                  <a:rPr lang="it-IT" dirty="0"/>
+                  <a:t> </a:t>
+                </a:r>
+                <a:r>
+                  <a:rPr lang="it-IT" dirty="0" err="1"/>
+                  <a:t>vehicles</a:t>
+                </a:r>
+                <a:r>
+                  <a:rPr lang="it-IT" dirty="0"/>
+                  <a:t>.</a:t>
+                </a:r>
+              </a:p>
+              <a:p>
+                <a:pPr marL="0" indent="0">
+                  <a:buNone/>
+                </a:pPr>
+                <a:endParaRPr lang="it-IT" dirty="0"/>
+              </a:p>
+            </p:txBody>
+          </p:sp>
+        </mc:Choice>
+        <mc:Fallback>
+          <p:sp>
+            <p:nvSpPr>
+              <p:cNvPr id="3" name="Segnaposto contenuto 2">
+                <a:extLst>
+                  <a:ext uri="{FF2B5EF4-FFF2-40B4-BE49-F238E27FC236}">
+                    <a16:creationId xmlns:a16="http://schemas.microsoft.com/office/drawing/2014/main" id="{7E1FC194-9D5E-1E05-4811-81627C1C1EE4}"/>
+                  </a:ext>
+                </a:extLst>
+              </p:cNvPr>
+              <p:cNvSpPr>
+                <a:spLocks noGrp="1" noRot="1" noChangeAspect="1" noMove="1" noResize="1" noEditPoints="1" noAdjustHandles="1" noChangeArrowheads="1" noChangeShapeType="1" noTextEdit="1"/>
+              </p:cNvSpPr>
+              <p:nvPr>
+                <p:ph idx="1"/>
+              </p:nvPr>
+            </p:nvSpPr>
+            <p:spPr>
+              <a:xfrm>
+                <a:off x="838200" y="1825625"/>
+                <a:ext cx="4876800" cy="4351338"/>
+              </a:xfrm>
+              <a:blipFill>
+                <a:blip r:embed="rId2"/>
+                <a:stretch>
+                  <a:fillRect l="-2625" t="-2381" r="-2000"/>
+                </a:stretch>
+              </a:blipFill>
+            </p:spPr>
+            <p:txBody>
+              <a:bodyPr/>
+              <a:lstStyle/>
+              <a:p>
+                <a:r>
+                  <a:rPr lang="it-IT">
+                    <a:noFill/>
+                  </a:rPr>
+                  <a:t> </a:t>
+                </a:r>
+              </a:p>
+            </p:txBody>
+          </p:sp>
+        </mc:Fallback>
+      </mc:AlternateContent>
+      <mc:AlternateContent xmlns:mc="http://schemas.openxmlformats.org/markup-compatibility/2006">
+        <mc:Choice xmlns:a14="http://schemas.microsoft.com/office/drawing/2010/main" Requires="a14">
+          <p:sp>
+            <p:nvSpPr>
+              <p:cNvPr id="4" name="Segnaposto contenuto 2">
+                <a:extLst>
+                  <a:ext uri="{FF2B5EF4-FFF2-40B4-BE49-F238E27FC236}">
+                    <a16:creationId xmlns:a16="http://schemas.microsoft.com/office/drawing/2014/main" id="{23C5FB54-3062-1629-10C4-6A7A5EEA3FFC}"/>
+                  </a:ext>
+                </a:extLst>
+              </p:cNvPr>
+              <p:cNvSpPr txBox="1">
+                <a:spLocks/>
+              </p:cNvSpPr>
+              <p:nvPr/>
+            </p:nvSpPr>
+            <p:spPr>
+              <a:xfrm>
+                <a:off x="6095999" y="1825625"/>
+                <a:ext cx="5769430" cy="4351338"/>
+              </a:xfrm>
+              <a:prstGeom prst="rect">
+                <a:avLst/>
+              </a:prstGeom>
+            </p:spPr>
+            <p:txBody>
+              <a:bodyPr vert="horz" lIns="91440" tIns="45720" rIns="91440" bIns="45720" rtlCol="0">
+                <a:normAutofit/>
+              </a:bodyPr>
+              <a:lstStyle>
+                <a:lvl1pPr marL="228600" indent="-228600" algn="l" defTabSz="914400" rtl="0" eaLnBrk="1" latinLnBrk="0" hangingPunct="1">
+                  <a:lnSpc>
+                    <a:spcPct val="90000"/>
+                  </a:lnSpc>
+                  <a:spcBef>
+                    <a:spcPts val="1000"/>
+                  </a:spcBef>
+                  <a:buFont typeface="Arial" panose="020B0604020202020204" pitchFamily="34" charset="0"/>
+                  <a:buChar char="•"/>
+                  <a:defRPr sz="2800" kern="1200">
+                    <a:solidFill>
+                      <a:schemeClr val="tx1"/>
+                    </a:solidFill>
+                    <a:latin typeface="+mn-lt"/>
+                    <a:ea typeface="+mn-ea"/>
+                    <a:cs typeface="+mn-cs"/>
+                  </a:defRPr>
+                </a:lvl1pPr>
+                <a:lvl2pPr marL="685800" indent="-228600" algn="l" defTabSz="914400" rtl="0" eaLnBrk="1" latinLnBrk="0" hangingPunct="1">
+                  <a:lnSpc>
+                    <a:spcPct val="90000"/>
+                  </a:lnSpc>
+                  <a:spcBef>
+                    <a:spcPts val="500"/>
+                  </a:spcBef>
+                  <a:buFont typeface="Arial" panose="020B0604020202020204" pitchFamily="34" charset="0"/>
+                  <a:buChar char="•"/>
+                  <a:defRPr sz="2400" kern="1200">
+                    <a:solidFill>
+                      <a:schemeClr val="tx1"/>
+                    </a:solidFill>
+                    <a:latin typeface="+mn-lt"/>
+                    <a:ea typeface="+mn-ea"/>
+                    <a:cs typeface="+mn-cs"/>
+                  </a:defRPr>
+                </a:lvl2pPr>
+                <a:lvl3pPr marL="1143000" indent="-228600" algn="l" defTabSz="914400" rtl="0" eaLnBrk="1" latinLnBrk="0" hangingPunct="1">
+                  <a:lnSpc>
+                    <a:spcPct val="90000"/>
+                  </a:lnSpc>
+                  <a:spcBef>
+                    <a:spcPts val="500"/>
+                  </a:spcBef>
+                  <a:buFont typeface="Arial" panose="020B0604020202020204" pitchFamily="34" charset="0"/>
+                  <a:buChar char="•"/>
+                  <a:defRPr sz="2000" kern="1200">
+                    <a:solidFill>
+                      <a:schemeClr val="tx1"/>
+                    </a:solidFill>
+                    <a:latin typeface="+mn-lt"/>
+                    <a:ea typeface="+mn-ea"/>
+                    <a:cs typeface="+mn-cs"/>
+                  </a:defRPr>
+                </a:lvl3pPr>
+                <a:lvl4pPr marL="1600200" indent="-228600" algn="l" defTabSz="914400" rtl="0" eaLnBrk="1" latinLnBrk="0" hangingPunct="1">
+                  <a:lnSpc>
+                    <a:spcPct val="90000"/>
+                  </a:lnSpc>
+                  <a:spcBef>
+                    <a:spcPts val="500"/>
+                  </a:spcBef>
+                  <a:buFont typeface="Arial" panose="020B0604020202020204" pitchFamily="34" charset="0"/>
+                  <a:buChar char="•"/>
+                  <a:defRPr sz="1800" kern="1200">
+                    <a:solidFill>
+                      <a:schemeClr val="tx1"/>
+                    </a:solidFill>
+                    <a:latin typeface="+mn-lt"/>
+                    <a:ea typeface="+mn-ea"/>
+                    <a:cs typeface="+mn-cs"/>
+                  </a:defRPr>
+                </a:lvl4pPr>
+                <a:lvl5pPr marL="2057400" indent="-228600" algn="l" defTabSz="914400" rtl="0" eaLnBrk="1" latinLnBrk="0" hangingPunct="1">
+                  <a:lnSpc>
+                    <a:spcPct val="90000"/>
+                  </a:lnSpc>
+                  <a:spcBef>
+                    <a:spcPts val="500"/>
+                  </a:spcBef>
+                  <a:buFont typeface="Arial" panose="020B0604020202020204" pitchFamily="34" charset="0"/>
+                  <a:buChar char="•"/>
+                  <a:defRPr sz="1800" kern="1200">
+                    <a:solidFill>
+                      <a:schemeClr val="tx1"/>
+                    </a:solidFill>
+                    <a:latin typeface="+mn-lt"/>
+                    <a:ea typeface="+mn-ea"/>
+                    <a:cs typeface="+mn-cs"/>
+                  </a:defRPr>
+                </a:lvl5pPr>
+                <a:lvl6pPr marL="2514600" indent="-228600" algn="l" defTabSz="914400" rtl="0" eaLnBrk="1" latinLnBrk="0" hangingPunct="1">
+                  <a:lnSpc>
+                    <a:spcPct val="90000"/>
+                  </a:lnSpc>
+                  <a:spcBef>
+                    <a:spcPts val="500"/>
+                  </a:spcBef>
+                  <a:buFont typeface="Arial" panose="020B0604020202020204" pitchFamily="34" charset="0"/>
+                  <a:buChar char="•"/>
+                  <a:defRPr sz="1800" kern="1200">
+                    <a:solidFill>
+                      <a:schemeClr val="tx1"/>
+                    </a:solidFill>
+                    <a:latin typeface="+mn-lt"/>
+                    <a:ea typeface="+mn-ea"/>
+                    <a:cs typeface="+mn-cs"/>
+                  </a:defRPr>
+                </a:lvl6pPr>
+                <a:lvl7pPr marL="2971800" indent="-228600" algn="l" defTabSz="914400" rtl="0" eaLnBrk="1" latinLnBrk="0" hangingPunct="1">
+                  <a:lnSpc>
+                    <a:spcPct val="90000"/>
+                  </a:lnSpc>
+                  <a:spcBef>
+                    <a:spcPts val="500"/>
+                  </a:spcBef>
+                  <a:buFont typeface="Arial" panose="020B0604020202020204" pitchFamily="34" charset="0"/>
+                  <a:buChar char="•"/>
+                  <a:defRPr sz="1800" kern="1200">
+                    <a:solidFill>
+                      <a:schemeClr val="tx1"/>
+                    </a:solidFill>
+                    <a:latin typeface="+mn-lt"/>
+                    <a:ea typeface="+mn-ea"/>
+                    <a:cs typeface="+mn-cs"/>
+                  </a:defRPr>
+                </a:lvl7pPr>
+                <a:lvl8pPr marL="3429000" indent="-228600" algn="l" defTabSz="914400" rtl="0" eaLnBrk="1" latinLnBrk="0" hangingPunct="1">
+                  <a:lnSpc>
+                    <a:spcPct val="90000"/>
+                  </a:lnSpc>
+                  <a:spcBef>
+                    <a:spcPts val="500"/>
+                  </a:spcBef>
+                  <a:buFont typeface="Arial" panose="020B0604020202020204" pitchFamily="34" charset="0"/>
+                  <a:buChar char="•"/>
+                  <a:defRPr sz="1800" kern="1200">
+                    <a:solidFill>
+                      <a:schemeClr val="tx1"/>
+                    </a:solidFill>
+                    <a:latin typeface="+mn-lt"/>
+                    <a:ea typeface="+mn-ea"/>
+                    <a:cs typeface="+mn-cs"/>
+                  </a:defRPr>
+                </a:lvl8pPr>
+                <a:lvl9pPr marL="3886200" indent="-228600" algn="l" defTabSz="914400" rtl="0" eaLnBrk="1" latinLnBrk="0" hangingPunct="1">
+                  <a:lnSpc>
+                    <a:spcPct val="90000"/>
+                  </a:lnSpc>
+                  <a:spcBef>
+                    <a:spcPts val="500"/>
+                  </a:spcBef>
+                  <a:buFont typeface="Arial" panose="020B0604020202020204" pitchFamily="34" charset="0"/>
+                  <a:buChar char="•"/>
+                  <a:defRPr sz="1800" kern="1200">
+                    <a:solidFill>
+                      <a:schemeClr val="tx1"/>
+                    </a:solidFill>
+                    <a:latin typeface="+mn-lt"/>
+                    <a:ea typeface="+mn-ea"/>
+                    <a:cs typeface="+mn-cs"/>
+                  </a:defRPr>
+                </a:lvl9pPr>
+              </a:lstStyle>
+              <a:p>
+                <a:pPr marL="0" indent="0">
+                  <a:buFont typeface="Arial" panose="020B0604020202020204" pitchFamily="34" charset="0"/>
+                  <a:buNone/>
+                </a:pPr>
+                <a:r>
+                  <a:rPr lang="it-IT" dirty="0"/>
+                  <a:t>Constants:</a:t>
+                </a:r>
+              </a:p>
+              <a:p>
+                <a:r>
+                  <a:rPr lang="it-IT" dirty="0"/>
+                  <a:t>N: customers (0 </a:t>
+                </a:r>
+                <a:r>
+                  <a:rPr lang="it-IT" dirty="0" err="1"/>
+                  <a:t>is</a:t>
+                </a:r>
+                <a:r>
+                  <a:rPr lang="it-IT" dirty="0"/>
+                  <a:t> the depot)</a:t>
+                </a:r>
+              </a:p>
+              <a:p>
+                <a:r>
+                  <a:rPr lang="it-IT" dirty="0"/>
+                  <a:t>m: </a:t>
+                </a:r>
+                <a:r>
+                  <a:rPr lang="it-IT" dirty="0" err="1"/>
+                  <a:t>number</a:t>
+                </a:r>
+                <a:r>
+                  <a:rPr lang="it-IT" dirty="0"/>
+                  <a:t> of </a:t>
+                </a:r>
+                <a:r>
+                  <a:rPr lang="it-IT" dirty="0" err="1"/>
+                  <a:t>vehicles</a:t>
+                </a:r>
+                <a:r>
+                  <a:rPr lang="it-IT" dirty="0"/>
+                  <a:t>.</a:t>
+                </a:r>
+              </a:p>
+              <a:p>
+                <a14:m>
+                  <m:oMath xmlns:m="http://schemas.openxmlformats.org/officeDocument/2006/math">
+                    <m:sSub>
+                      <m:sSubPr>
+                        <m:ctrlPr>
+                          <a:rPr lang="it-IT" i="1" smtClean="0">
+                            <a:latin typeface="Cambria Math" panose="02040503050406030204" pitchFamily="18" charset="0"/>
+                          </a:rPr>
+                        </m:ctrlPr>
+                      </m:sSubPr>
+                      <m:e>
+                        <m:r>
+                          <a:rPr lang="it-IT" b="0" i="1" smtClean="0">
+                            <a:latin typeface="Cambria Math" panose="02040503050406030204" pitchFamily="18" charset="0"/>
+                          </a:rPr>
+                          <m:t>𝑐</m:t>
+                        </m:r>
+                      </m:e>
+                      <m:sub>
+                        <m:r>
+                          <a:rPr lang="it-IT" b="0" i="1" smtClean="0">
+                            <a:latin typeface="Cambria Math" panose="02040503050406030204" pitchFamily="18" charset="0"/>
+                          </a:rPr>
+                          <m:t>𝑖𝑗</m:t>
+                        </m:r>
+                      </m:sub>
+                    </m:sSub>
+                  </m:oMath>
+                </a14:m>
+                <a:r>
+                  <a:rPr lang="it-IT" dirty="0"/>
+                  <a:t>: travel cost from i to j</a:t>
+                </a:r>
+              </a:p>
+              <a:p>
+                <a14:m>
+                  <m:oMath xmlns:m="http://schemas.openxmlformats.org/officeDocument/2006/math">
+                    <m:d>
+                      <m:dPr>
+                        <m:begChr m:val="{"/>
+                        <m:endChr m:val="}"/>
+                        <m:ctrlPr>
+                          <a:rPr lang="it-IT" i="1" smtClean="0">
+                            <a:latin typeface="Cambria Math" panose="02040503050406030204" pitchFamily="18" charset="0"/>
+                          </a:rPr>
+                        </m:ctrlPr>
+                      </m:dPr>
+                      <m:e>
+                        <m:sSub>
+                          <m:sSubPr>
+                            <m:ctrlPr>
+                              <a:rPr lang="it-IT" i="1" smtClean="0">
+                                <a:latin typeface="Cambria Math" panose="02040503050406030204" pitchFamily="18" charset="0"/>
+                              </a:rPr>
+                            </m:ctrlPr>
+                          </m:sSubPr>
+                          <m:e>
+                            <m:r>
+                              <a:rPr lang="it-IT" b="0" i="1" smtClean="0">
+                                <a:latin typeface="Cambria Math" panose="02040503050406030204" pitchFamily="18" charset="0"/>
+                              </a:rPr>
+                              <m:t>𝑞</m:t>
+                            </m:r>
+                          </m:e>
+                          <m:sub>
+                            <m:r>
+                              <a:rPr lang="it-IT" i="1" smtClean="0">
+                                <a:latin typeface="Cambria Math" panose="02040503050406030204" pitchFamily="18" charset="0"/>
+                              </a:rPr>
+                              <m:t>1</m:t>
+                            </m:r>
+                          </m:sub>
+                        </m:sSub>
+                        <m:r>
+                          <a:rPr lang="it-IT" i="1" smtClean="0">
+                            <a:latin typeface="Cambria Math" panose="02040503050406030204" pitchFamily="18" charset="0"/>
+                          </a:rPr>
+                          <m:t>,…,</m:t>
+                        </m:r>
+                        <m:sSub>
+                          <m:sSubPr>
+                            <m:ctrlPr>
+                              <a:rPr lang="it-IT" i="1" smtClean="0">
+                                <a:latin typeface="Cambria Math" panose="02040503050406030204" pitchFamily="18" charset="0"/>
+                              </a:rPr>
+                            </m:ctrlPr>
+                          </m:sSubPr>
+                          <m:e>
+                            <m:r>
+                              <a:rPr lang="it-IT" b="0" i="1" smtClean="0">
+                                <a:latin typeface="Cambria Math" panose="02040503050406030204" pitchFamily="18" charset="0"/>
+                              </a:rPr>
+                              <m:t>𝑞</m:t>
+                            </m:r>
+                          </m:e>
+                          <m:sub>
+                            <m:r>
+                              <a:rPr lang="it-IT" i="1" smtClean="0">
+                                <a:latin typeface="Cambria Math" panose="02040503050406030204" pitchFamily="18" charset="0"/>
+                              </a:rPr>
+                              <m:t>𝑚</m:t>
+                            </m:r>
+                          </m:sub>
+                        </m:sSub>
+                      </m:e>
+                    </m:d>
+                    <m:r>
+                      <a:rPr lang="it-IT" i="1" smtClean="0">
+                        <a:latin typeface="Cambria Math" panose="02040503050406030204" pitchFamily="18" charset="0"/>
+                      </a:rPr>
+                      <m:t> </m:t>
+                    </m:r>
+                    <m:r>
+                      <a:rPr lang="it-IT" b="0" i="1" smtClean="0">
+                        <a:latin typeface="Cambria Math" panose="02040503050406030204" pitchFamily="18" charset="0"/>
+                      </a:rPr>
+                      <m:t>:</m:t>
+                    </m:r>
+                  </m:oMath>
+                </a14:m>
+                <a:r>
+                  <a:rPr lang="it-IT" dirty="0"/>
+                  <a:t> </a:t>
+                </a:r>
+                <a:r>
+                  <a:rPr lang="it-IT" dirty="0" err="1"/>
+                  <a:t>vehicle’s</a:t>
+                </a:r>
+                <a:r>
+                  <a:rPr lang="it-IT" dirty="0"/>
+                  <a:t> </a:t>
+                </a:r>
+                <a:r>
+                  <a:rPr lang="it-IT" dirty="0" err="1"/>
+                  <a:t>capacities</a:t>
+                </a:r>
+                <a:r>
+                  <a:rPr lang="it-IT" dirty="0"/>
+                  <a:t> </a:t>
+                </a:r>
+              </a:p>
+              <a:p>
+                <a14:m>
+                  <m:oMath xmlns:m="http://schemas.openxmlformats.org/officeDocument/2006/math">
+                    <m:d>
+                      <m:dPr>
+                        <m:begChr m:val="{"/>
+                        <m:endChr m:val="}"/>
+                        <m:ctrlPr>
+                          <a:rPr lang="it-IT" i="1" smtClean="0">
+                            <a:latin typeface="Cambria Math" panose="02040503050406030204" pitchFamily="18" charset="0"/>
+                          </a:rPr>
+                        </m:ctrlPr>
+                      </m:dPr>
+                      <m:e>
+                        <m:sSub>
+                          <m:sSubPr>
+                            <m:ctrlPr>
+                              <a:rPr lang="it-IT" i="1" smtClean="0">
+                                <a:latin typeface="Cambria Math" panose="02040503050406030204" pitchFamily="18" charset="0"/>
+                              </a:rPr>
+                            </m:ctrlPr>
+                          </m:sSubPr>
+                          <m:e>
+                            <m:r>
+                              <a:rPr lang="it-IT" b="0" i="1" smtClean="0">
+                                <a:latin typeface="Cambria Math" panose="02040503050406030204" pitchFamily="18" charset="0"/>
+                              </a:rPr>
+                              <m:t>𝑑</m:t>
+                            </m:r>
+                          </m:e>
+                          <m:sub>
+                            <m:r>
+                              <a:rPr lang="it-IT" i="1" smtClean="0">
+                                <a:latin typeface="Cambria Math" panose="02040503050406030204" pitchFamily="18" charset="0"/>
+                              </a:rPr>
+                              <m:t>1</m:t>
+                            </m:r>
+                          </m:sub>
+                        </m:sSub>
+                        <m:r>
+                          <a:rPr lang="it-IT" i="1" smtClean="0">
+                            <a:latin typeface="Cambria Math" panose="02040503050406030204" pitchFamily="18" charset="0"/>
+                          </a:rPr>
+                          <m:t>,…,</m:t>
+                        </m:r>
+                        <m:sSub>
+                          <m:sSubPr>
+                            <m:ctrlPr>
+                              <a:rPr lang="it-IT" i="1" smtClean="0">
+                                <a:latin typeface="Cambria Math" panose="02040503050406030204" pitchFamily="18" charset="0"/>
+                              </a:rPr>
+                            </m:ctrlPr>
+                          </m:sSubPr>
+                          <m:e>
+                            <m:r>
+                              <a:rPr lang="it-IT" b="0" i="1" smtClean="0">
+                                <a:latin typeface="Cambria Math" panose="02040503050406030204" pitchFamily="18" charset="0"/>
+                              </a:rPr>
+                              <m:t>𝑑</m:t>
+                            </m:r>
+                          </m:e>
+                          <m:sub>
+                            <m:r>
+                              <a:rPr lang="it-IT" b="0" i="1" smtClean="0">
+                                <a:latin typeface="Cambria Math" panose="02040503050406030204" pitchFamily="18" charset="0"/>
+                              </a:rPr>
+                              <m:t>𝑛</m:t>
+                            </m:r>
+                            <m:r>
+                              <a:rPr lang="it-IT" b="0" i="1" smtClean="0">
+                                <a:latin typeface="Cambria Math" panose="02040503050406030204" pitchFamily="18" charset="0"/>
+                              </a:rPr>
+                              <m:t>−1</m:t>
+                            </m:r>
+                          </m:sub>
+                        </m:sSub>
+                      </m:e>
+                    </m:d>
+                    <m:r>
+                      <a:rPr lang="it-IT" i="1" smtClean="0">
+                        <a:latin typeface="Cambria Math" panose="02040503050406030204" pitchFamily="18" charset="0"/>
+                      </a:rPr>
+                      <m:t> </m:t>
+                    </m:r>
+                  </m:oMath>
+                </a14:m>
+                <a:r>
+                  <a:rPr lang="it-IT" dirty="0"/>
+                  <a:t>: </a:t>
+                </a:r>
+                <a:r>
+                  <a:rPr lang="it-IT" dirty="0" err="1"/>
+                  <a:t>customers’s</a:t>
+                </a:r>
+                <a:r>
+                  <a:rPr lang="it-IT" dirty="0"/>
+                  <a:t> demands </a:t>
+                </a:r>
+              </a:p>
+              <a:p>
+                <a:pPr marL="0" indent="0">
+                  <a:buFont typeface="Arial" panose="020B0604020202020204" pitchFamily="34" charset="0"/>
+                  <a:buNone/>
+                </a:pPr>
+                <a:endParaRPr lang="it-IT" dirty="0"/>
+              </a:p>
+            </p:txBody>
+          </p:sp>
+        </mc:Choice>
+        <mc:Fallback>
+          <p:sp>
+            <p:nvSpPr>
+              <p:cNvPr id="4" name="Segnaposto contenuto 2">
+                <a:extLst>
+                  <a:ext uri="{FF2B5EF4-FFF2-40B4-BE49-F238E27FC236}">
+                    <a16:creationId xmlns:a16="http://schemas.microsoft.com/office/drawing/2014/main" id="{23C5FB54-3062-1629-10C4-6A7A5EEA3FFC}"/>
+                  </a:ext>
+                </a:extLst>
+              </p:cNvPr>
+              <p:cNvSpPr txBox="1">
+                <a:spLocks noRot="1" noChangeAspect="1" noMove="1" noResize="1" noEditPoints="1" noAdjustHandles="1" noChangeArrowheads="1" noChangeShapeType="1" noTextEdit="1"/>
+              </p:cNvSpPr>
+              <p:nvPr/>
+            </p:nvSpPr>
+            <p:spPr>
+              <a:xfrm>
+                <a:off x="6095999" y="1825625"/>
+                <a:ext cx="5769430" cy="4351338"/>
+              </a:xfrm>
+              <a:prstGeom prst="rect">
+                <a:avLst/>
+              </a:prstGeom>
+              <a:blipFill>
+                <a:blip r:embed="rId3"/>
+                <a:stretch>
+                  <a:fillRect l="-2114" t="-2381"/>
+                </a:stretch>
+              </a:blipFill>
+            </p:spPr>
+            <p:txBody>
+              <a:bodyPr/>
+              <a:lstStyle/>
+              <a:p>
+                <a:r>
+                  <a:rPr lang="it-IT">
+                    <a:noFill/>
+                  </a:rPr>
+                  <a:t> </a:t>
+                </a:r>
+              </a:p>
+            </p:txBody>
+          </p:sp>
+        </mc:Fallback>
+      </mc:AlternateContent>
+    </p:spTree>
+    <p:extLst>
+      <p:ext uri="{BB962C8B-B14F-4D97-AF65-F5344CB8AC3E}">
+        <p14:creationId xmlns:p14="http://schemas.microsoft.com/office/powerpoint/2010/main" val="622246021"/>
+      </p:ext>
+    </p:extLst>
+  </p:cSld>
+  <p:clrMapOvr>
+    <a:masterClrMapping/>
+  </p:clrMapOvr>
+</p:sld>
+</file>
+
+<file path=ppt/slides/slide3.xml><?xml version="1.0" encoding="utf-8"?>
+<p:sld xmlns:a="http://schemas.openxmlformats.org/drawingml/2006/main" xmlns:r="http://schemas.openxmlformats.org/officeDocument/2006/relationships" xmlns:p="http://schemas.openxmlformats.org/presentationml/2006/main">
+  <p:cSld>
+    <p:spTree>
+      <p:nvGrpSpPr>
+        <p:cNvPr id="1" name=""/>
+        <p:cNvGrpSpPr/>
+        <p:nvPr/>
+      </p:nvGrpSpPr>
+      <p:grpSpPr>
+        <a:xfrm>
+          <a:off x="0" y="0"/>
+          <a:ext cx="0" cy="0"/>
+          <a:chOff x="0" y="0"/>
+          <a:chExt cx="0" cy="0"/>
+        </a:xfrm>
+      </p:grpSpPr>
       <p:sp>
         <p:nvSpPr>
-          <p:cNvPr id="3" name="Sottotitolo 2">
+          <p:cNvPr id="2" name="Titolo 1">
             <a:extLst>
               <a:ext uri="{FF2B5EF4-FFF2-40B4-BE49-F238E27FC236}">
-                <a16:creationId xmlns:a16="http://schemas.microsoft.com/office/drawing/2014/main" id="{8A77777A-64DD-B5B8-EE66-3041A7EDC015}"/>
+                <a16:creationId xmlns:a16="http://schemas.microsoft.com/office/drawing/2014/main" id="{7412959F-631F-8D52-C32B-6BDDBD5E6E62}"/>
               </a:ext>
             </a:extLst>
           </p:cNvPr>
@@ -3359,7 +4608,3954 @@
             <a:spLocks noGrp="1"/>
           </p:cNvSpPr>
           <p:nvPr>
-            <p:ph type="subTitle" idx="1"/>
+            <p:ph type="title"/>
+          </p:nvPr>
+        </p:nvSpPr>
+        <p:spPr>
+          <a:xfrm>
+            <a:off x="838200" y="365126"/>
+            <a:ext cx="10515600" cy="669018"/>
+          </a:xfrm>
+        </p:spPr>
+        <p:txBody>
+          <a:bodyPr>
+            <a:normAutofit fontScale="90000"/>
+          </a:bodyPr>
+          <a:lstStyle/>
+          <a:p>
+            <a:pPr algn="ctr"/>
+            <a:r>
+              <a:rPr lang="it-IT" dirty="0"/>
+              <a:t>DIDP </a:t>
+            </a:r>
+            <a:r>
+              <a:rPr lang="it-IT" dirty="0" err="1"/>
+              <a:t>Formulation</a:t>
+            </a:r>
+            <a:endParaRPr lang="it-IT" dirty="0"/>
+          </a:p>
+        </p:txBody>
+      </p:sp>
+      <mc:AlternateContent xmlns:mc="http://schemas.openxmlformats.org/markup-compatibility/2006">
+        <mc:Choice xmlns:a14="http://schemas.microsoft.com/office/drawing/2010/main" Requires="a14">
+          <p:sp>
+            <p:nvSpPr>
+              <p:cNvPr id="4" name="テキスト ボックス 5">
+                <a:extLst>
+                  <a:ext uri="{FF2B5EF4-FFF2-40B4-BE49-F238E27FC236}">
+                    <a16:creationId xmlns:a16="http://schemas.microsoft.com/office/drawing/2014/main" id="{F0F1726E-96EE-CD05-89C3-14B5F78C5C56}"/>
+                  </a:ext>
+                </a:extLst>
+              </p:cNvPr>
+              <p:cNvSpPr txBox="1">
+                <a:spLocks noGrp="1"/>
+              </p:cNvSpPr>
+              <p:nvPr>
+                <p:ph idx="1"/>
+              </p:nvPr>
+            </p:nvSpPr>
+            <p:spPr>
+              <a:xfrm>
+                <a:off x="125185" y="1034144"/>
+                <a:ext cx="11941629" cy="5716501"/>
+              </a:xfrm>
+              <a:prstGeom prst="rect">
+                <a:avLst/>
+              </a:prstGeom>
+              <a:noFill/>
+            </p:spPr>
+            <p:txBody>
+              <a:bodyPr wrap="square" lIns="0" tIns="0" rIns="0" bIns="0" rtlCol="0">
+                <a:spAutoFit/>
+              </a:bodyPr>
+              <a:lstStyle/>
+              <a:p>
+                <a:pPr marL="0" indent="0">
+                  <a:buNone/>
+                </a:pPr>
+                <a14:m>
+                  <m:oMathPara xmlns:m="http://schemas.openxmlformats.org/officeDocument/2006/math">
+                    <m:oMathParaPr>
+                      <m:jc m:val="left"/>
+                    </m:oMathParaPr>
+                    <m:oMath xmlns:m="http://schemas.openxmlformats.org/officeDocument/2006/math">
+                      <m:r>
+                        <m:rPr>
+                          <m:sty m:val="p"/>
+                        </m:rPr>
+                        <a:rPr lang="en-US" sz="1875" smtClean="0">
+                          <a:latin typeface="Cambria Math" panose="02040503050406030204" pitchFamily="18" charset="0"/>
+                        </a:rPr>
+                        <m:t>compute</m:t>
+                      </m:r>
+                      <m:r>
+                        <a:rPr lang="en-US" sz="1875" i="1">
+                          <a:latin typeface="Cambria Math" panose="02040503050406030204" pitchFamily="18" charset="0"/>
+                        </a:rPr>
+                        <m:t> </m:t>
+                      </m:r>
+                      <m:r>
+                        <a:rPr lang="en-US" sz="1875" i="1" smtClean="0">
+                          <a:latin typeface="Cambria Math" panose="02040503050406030204" pitchFamily="18" charset="0"/>
+                        </a:rPr>
+                        <m:t>𝑉</m:t>
+                      </m:r>
+                      <m:r>
+                        <a:rPr lang="en-US" sz="1875" i="1">
+                          <a:latin typeface="Cambria Math" panose="02040503050406030204" pitchFamily="18" charset="0"/>
+                        </a:rPr>
+                        <m:t>(</m:t>
+                      </m:r>
+                      <m:r>
+                        <a:rPr lang="en-US" sz="1875" i="1">
+                          <a:latin typeface="Cambria Math" panose="02040503050406030204" pitchFamily="18" charset="0"/>
+                        </a:rPr>
+                        <m:t>𝑁</m:t>
+                      </m:r>
+                      <m:r>
+                        <a:rPr lang="en-US" sz="1875" i="1">
+                          <a:latin typeface="Cambria Math" panose="02040503050406030204" pitchFamily="18" charset="0"/>
+                        </a:rPr>
+                        <m:t> \</m:t>
+                      </m:r>
+                      <m:r>
+                        <m:rPr>
+                          <m:lit/>
+                        </m:rPr>
+                        <a:rPr lang="en-US" sz="1875" i="1">
+                          <a:latin typeface="Cambria Math" panose="02040503050406030204" pitchFamily="18" charset="0"/>
+                        </a:rPr>
+                        <m:t> </m:t>
+                      </m:r>
+                      <m:d>
+                        <m:dPr>
+                          <m:begChr m:val="{"/>
+                          <m:endChr m:val="}"/>
+                          <m:ctrlPr>
+                            <a:rPr lang="en-US" sz="1875" i="1">
+                              <a:latin typeface="Cambria Math" panose="02040503050406030204" pitchFamily="18" charset="0"/>
+                            </a:rPr>
+                          </m:ctrlPr>
+                        </m:dPr>
+                        <m:e>
+                          <m:r>
+                            <a:rPr lang="en-US" sz="1875" i="1">
+                              <a:latin typeface="Cambria Math" panose="02040503050406030204" pitchFamily="18" charset="0"/>
+                            </a:rPr>
+                            <m:t>0</m:t>
+                          </m:r>
+                        </m:e>
+                      </m:d>
+                      <m:r>
+                        <a:rPr lang="en-US" sz="1875" i="1">
+                          <a:latin typeface="Cambria Math" panose="02040503050406030204" pitchFamily="18" charset="0"/>
+                        </a:rPr>
+                        <m:t>,</m:t>
+                      </m:r>
+                      <m:r>
+                        <a:rPr lang="en-US" sz="1875" i="1" smtClean="0">
+                          <a:latin typeface="Cambria Math" panose="02040503050406030204" pitchFamily="18" charset="0"/>
+                        </a:rPr>
+                        <m:t> </m:t>
+                      </m:r>
+                      <m:d>
+                        <m:dPr>
+                          <m:begChr m:val="{"/>
+                          <m:endChr m:val="}"/>
+                          <m:ctrlPr>
+                            <a:rPr lang="it-IT" sz="1875" b="0" i="1" smtClean="0">
+                              <a:latin typeface="Cambria Math" panose="02040503050406030204" pitchFamily="18" charset="0"/>
+                            </a:rPr>
+                          </m:ctrlPr>
+                        </m:dPr>
+                        <m:e>
+                          <m:r>
+                            <a:rPr lang="it-IT" sz="1875" b="0" i="1" smtClean="0">
+                              <a:latin typeface="Cambria Math" panose="02040503050406030204" pitchFamily="18" charset="0"/>
+                            </a:rPr>
+                            <m:t>0,…,0</m:t>
+                          </m:r>
+                        </m:e>
+                      </m:d>
+                      <m:r>
+                        <a:rPr lang="it-IT" sz="1875" b="0" i="1" smtClean="0">
+                          <a:latin typeface="Cambria Math" panose="02040503050406030204" pitchFamily="18" charset="0"/>
+                        </a:rPr>
+                        <m:t>, </m:t>
+                      </m:r>
+                      <m:d>
+                        <m:dPr>
+                          <m:begChr m:val="{"/>
+                          <m:endChr m:val="}"/>
+                          <m:ctrlPr>
+                            <a:rPr lang="it-IT" sz="1875" b="0" i="1" smtClean="0">
+                              <a:latin typeface="Cambria Math" panose="02040503050406030204" pitchFamily="18" charset="0"/>
+                            </a:rPr>
+                          </m:ctrlPr>
+                        </m:dPr>
+                        <m:e>
+                          <m:r>
+                            <a:rPr lang="en-US" sz="1875" i="1">
+                              <a:latin typeface="Cambria Math" panose="02040503050406030204" pitchFamily="18" charset="0"/>
+                            </a:rPr>
+                            <m:t>0</m:t>
+                          </m:r>
+                          <m:r>
+                            <a:rPr lang="it-IT" sz="1875" b="0" i="1" smtClean="0">
+                              <a:latin typeface="Cambria Math" panose="02040503050406030204" pitchFamily="18" charset="0"/>
+                            </a:rPr>
+                            <m:t>, …,0</m:t>
+                          </m:r>
+                        </m:e>
+                      </m:d>
+                      <m:r>
+                        <a:rPr lang="it-IT" sz="1875" b="0" i="1" smtClean="0">
+                          <a:latin typeface="Cambria Math" panose="02040503050406030204" pitchFamily="18" charset="0"/>
+                        </a:rPr>
+                        <m:t>, </m:t>
+                      </m:r>
+                      <m:d>
+                        <m:dPr>
+                          <m:begChr m:val="{"/>
+                          <m:endChr m:val="}"/>
+                          <m:ctrlPr>
+                            <a:rPr lang="it-IT" sz="1875" b="0" i="1" smtClean="0">
+                              <a:latin typeface="Cambria Math" panose="02040503050406030204" pitchFamily="18" charset="0"/>
+                            </a:rPr>
+                          </m:ctrlPr>
+                        </m:dPr>
+                        <m:e>
+                          <m:r>
+                            <a:rPr lang="it-IT" sz="1875" b="0" i="1" smtClean="0">
+                              <a:latin typeface="Cambria Math" panose="02040503050406030204" pitchFamily="18" charset="0"/>
+                            </a:rPr>
+                            <m:t>0,…0</m:t>
+                          </m:r>
+                        </m:e>
+                      </m:d>
+                      <m:r>
+                        <a:rPr lang="it-IT" sz="1875" b="0" i="1" smtClean="0">
+                          <a:latin typeface="Cambria Math" panose="02040503050406030204" pitchFamily="18" charset="0"/>
+                        </a:rPr>
+                        <m:t>, 1</m:t>
+                      </m:r>
+                      <m:r>
+                        <a:rPr lang="en-US" sz="1875" i="1">
+                          <a:latin typeface="Cambria Math" panose="02040503050406030204" pitchFamily="18" charset="0"/>
+                        </a:rPr>
+                        <m:t>)</m:t>
+                      </m:r>
+                    </m:oMath>
+                  </m:oMathPara>
+                </a14:m>
+                <a:endParaRPr lang="en-US" sz="1875" i="1" dirty="0">
+                  <a:latin typeface="Cambria Math" panose="02040503050406030204" pitchFamily="18" charset="0"/>
+                </a:endParaRPr>
+              </a:p>
+              <a:p>
+                <a:pPr marL="0" indent="0">
+                  <a:buNone/>
+                </a:pPr>
+                <a:endParaRPr lang="en-US" sz="1875" i="1" dirty="0">
+                  <a:latin typeface="Cambria Math" panose="02040503050406030204" pitchFamily="18" charset="0"/>
+                </a:endParaRPr>
+              </a:p>
+              <a:p>
+                <a:pPr marL="0" indent="0">
+                  <a:buNone/>
+                </a:pPr>
+                <a14:m>
+                  <m:oMathPara xmlns:m="http://schemas.openxmlformats.org/officeDocument/2006/math">
+                    <m:oMathParaPr>
+                      <m:jc m:val="left"/>
+                    </m:oMathParaPr>
+                    <m:oMath xmlns:m="http://schemas.openxmlformats.org/officeDocument/2006/math">
+                      <m:r>
+                        <a:rPr lang="it-IT" sz="1875" b="0" i="1" smtClean="0">
+                          <a:latin typeface="Cambria Math" panose="02040503050406030204" pitchFamily="18" charset="0"/>
+                        </a:rPr>
+                        <m:t>𝑉</m:t>
+                      </m:r>
+                      <m:d>
+                        <m:dPr>
+                          <m:ctrlPr>
+                            <a:rPr lang="it-IT" sz="1875" b="0" i="1" smtClean="0">
+                              <a:latin typeface="Cambria Math" panose="02040503050406030204" pitchFamily="18" charset="0"/>
+                            </a:rPr>
+                          </m:ctrlPr>
+                        </m:dPr>
+                        <m:e>
+                          <m:r>
+                            <a:rPr lang="it-IT" sz="1875" b="0" i="1" smtClean="0">
+                              <a:latin typeface="Cambria Math" panose="02040503050406030204" pitchFamily="18" charset="0"/>
+                            </a:rPr>
+                            <m:t>𝑈</m:t>
+                          </m:r>
+                          <m:r>
+                            <a:rPr lang="it-IT" sz="1875" b="0" i="1" smtClean="0">
+                              <a:latin typeface="Cambria Math" panose="02040503050406030204" pitchFamily="18" charset="0"/>
+                            </a:rPr>
+                            <m:t>,</m:t>
+                          </m:r>
+                          <m:d>
+                            <m:dPr>
+                              <m:begChr m:val="{"/>
+                              <m:endChr m:val="}"/>
+                              <m:ctrlPr>
+                                <a:rPr lang="it-IT" sz="1875" b="0" i="1" smtClean="0">
+                                  <a:latin typeface="Cambria Math" panose="02040503050406030204" pitchFamily="18" charset="0"/>
+                                </a:rPr>
+                              </m:ctrlPr>
+                            </m:dPr>
+                            <m:e>
+                              <m:sSub>
+                                <m:sSubPr>
+                                  <m:ctrlPr>
+                                    <a:rPr lang="it-IT" sz="1875" b="0" i="1" smtClean="0">
+                                      <a:latin typeface="Cambria Math" panose="02040503050406030204" pitchFamily="18" charset="0"/>
+                                    </a:rPr>
+                                  </m:ctrlPr>
+                                </m:sSubPr>
+                                <m:e>
+                                  <m:r>
+                                    <a:rPr lang="it-IT" sz="1875" b="0" i="1" smtClean="0">
+                                      <a:latin typeface="Cambria Math" panose="02040503050406030204" pitchFamily="18" charset="0"/>
+                                    </a:rPr>
+                                    <m:t>𝑖</m:t>
+                                  </m:r>
+                                </m:e>
+                                <m:sub>
+                                  <m:r>
+                                    <a:rPr lang="it-IT" sz="1875" b="0" i="1" smtClean="0">
+                                      <a:latin typeface="Cambria Math" panose="02040503050406030204" pitchFamily="18" charset="0"/>
+                                    </a:rPr>
+                                    <m:t>1</m:t>
+                                  </m:r>
+                                </m:sub>
+                              </m:sSub>
+                              <m:r>
+                                <a:rPr lang="it-IT" sz="1875" b="0" i="1" smtClean="0">
+                                  <a:latin typeface="Cambria Math" panose="02040503050406030204" pitchFamily="18" charset="0"/>
+                                </a:rPr>
+                                <m:t>,…,</m:t>
+                              </m:r>
+                              <m:sSub>
+                                <m:sSubPr>
+                                  <m:ctrlPr>
+                                    <a:rPr lang="it-IT" sz="1875" b="0" i="1" smtClean="0">
+                                      <a:latin typeface="Cambria Math" panose="02040503050406030204" pitchFamily="18" charset="0"/>
+                                    </a:rPr>
+                                  </m:ctrlPr>
+                                </m:sSubPr>
+                                <m:e>
+                                  <m:r>
+                                    <a:rPr lang="it-IT" sz="1875" b="0" i="1" smtClean="0">
+                                      <a:latin typeface="Cambria Math" panose="02040503050406030204" pitchFamily="18" charset="0"/>
+                                    </a:rPr>
+                                    <m:t>𝑖</m:t>
+                                  </m:r>
+                                </m:e>
+                                <m:sub>
+                                  <m:r>
+                                    <a:rPr lang="it-IT" sz="1875" b="0" i="1" smtClean="0">
+                                      <a:latin typeface="Cambria Math" panose="02040503050406030204" pitchFamily="18" charset="0"/>
+                                    </a:rPr>
+                                    <m:t>𝑚</m:t>
+                                  </m:r>
+                                </m:sub>
+                              </m:sSub>
+                            </m:e>
+                          </m:d>
+                          <m:r>
+                            <a:rPr lang="it-IT" sz="1875" b="0" i="1" smtClean="0">
+                              <a:latin typeface="Cambria Math" panose="02040503050406030204" pitchFamily="18" charset="0"/>
+                            </a:rPr>
+                            <m:t>,</m:t>
+                          </m:r>
+                          <m:d>
+                            <m:dPr>
+                              <m:begChr m:val="{"/>
+                              <m:endChr m:val="}"/>
+                              <m:ctrlPr>
+                                <a:rPr lang="it-IT" sz="1875" b="0" i="1" smtClean="0">
+                                  <a:latin typeface="Cambria Math" panose="02040503050406030204" pitchFamily="18" charset="0"/>
+                                </a:rPr>
+                              </m:ctrlPr>
+                            </m:dPr>
+                            <m:e>
+                              <m:sSub>
+                                <m:sSubPr>
+                                  <m:ctrlPr>
+                                    <a:rPr lang="it-IT" sz="1875" b="0" i="1" smtClean="0">
+                                      <a:latin typeface="Cambria Math" panose="02040503050406030204" pitchFamily="18" charset="0"/>
+                                    </a:rPr>
+                                  </m:ctrlPr>
+                                </m:sSubPr>
+                                <m:e>
+                                  <m:r>
+                                    <a:rPr lang="it-IT" sz="1875" b="0" i="1" smtClean="0">
+                                      <a:latin typeface="Cambria Math" panose="02040503050406030204" pitchFamily="18" charset="0"/>
+                                    </a:rPr>
+                                    <m:t>𝑙</m:t>
+                                  </m:r>
+                                </m:e>
+                                <m:sub>
+                                  <m:r>
+                                    <a:rPr lang="it-IT" sz="1875" b="0" i="1" smtClean="0">
+                                      <a:latin typeface="Cambria Math" panose="02040503050406030204" pitchFamily="18" charset="0"/>
+                                    </a:rPr>
+                                    <m:t>1</m:t>
+                                  </m:r>
+                                </m:sub>
+                              </m:sSub>
+                              <m:r>
+                                <a:rPr lang="it-IT" sz="1875" b="0" i="1" smtClean="0">
+                                  <a:latin typeface="Cambria Math" panose="02040503050406030204" pitchFamily="18" charset="0"/>
+                                </a:rPr>
+                                <m:t>,…,</m:t>
+                              </m:r>
+                              <m:sSub>
+                                <m:sSubPr>
+                                  <m:ctrlPr>
+                                    <a:rPr lang="it-IT" sz="1875" b="0" i="1" smtClean="0">
+                                      <a:latin typeface="Cambria Math" panose="02040503050406030204" pitchFamily="18" charset="0"/>
+                                    </a:rPr>
+                                  </m:ctrlPr>
+                                </m:sSubPr>
+                                <m:e>
+                                  <m:r>
+                                    <a:rPr lang="it-IT" sz="1875" b="0" i="1" smtClean="0">
+                                      <a:latin typeface="Cambria Math" panose="02040503050406030204" pitchFamily="18" charset="0"/>
+                                    </a:rPr>
+                                    <m:t>𝑙</m:t>
+                                  </m:r>
+                                </m:e>
+                                <m:sub>
+                                  <m:r>
+                                    <a:rPr lang="it-IT" sz="1875" b="0" i="1" smtClean="0">
+                                      <a:latin typeface="Cambria Math" panose="02040503050406030204" pitchFamily="18" charset="0"/>
+                                    </a:rPr>
+                                    <m:t>𝑚</m:t>
+                                  </m:r>
+                                </m:sub>
+                              </m:sSub>
+                            </m:e>
+                          </m:d>
+                          <m:r>
+                            <a:rPr lang="it-IT" sz="1875" b="0" i="1" smtClean="0">
+                              <a:latin typeface="Cambria Math" panose="02040503050406030204" pitchFamily="18" charset="0"/>
+                            </a:rPr>
+                            <m:t>,</m:t>
+                          </m:r>
+                          <m:d>
+                            <m:dPr>
+                              <m:begChr m:val="{"/>
+                              <m:endChr m:val="}"/>
+                              <m:ctrlPr>
+                                <a:rPr lang="it-IT" sz="1875" b="0" i="1" smtClean="0">
+                                  <a:latin typeface="Cambria Math" panose="02040503050406030204" pitchFamily="18" charset="0"/>
+                                </a:rPr>
+                              </m:ctrlPr>
+                            </m:dPr>
+                            <m:e>
+                              <m:sSub>
+                                <m:sSubPr>
+                                  <m:ctrlPr>
+                                    <a:rPr lang="it-IT" sz="1875" b="0" i="1" smtClean="0">
+                                      <a:latin typeface="Cambria Math" panose="02040503050406030204" pitchFamily="18" charset="0"/>
+                                    </a:rPr>
+                                  </m:ctrlPr>
+                                </m:sSubPr>
+                                <m:e>
+                                  <m:r>
+                                    <a:rPr lang="it-IT" sz="1875" b="0" i="1" smtClean="0">
+                                      <a:latin typeface="Cambria Math" panose="02040503050406030204" pitchFamily="18" charset="0"/>
+                                    </a:rPr>
+                                    <m:t>𝑝</m:t>
+                                  </m:r>
+                                </m:e>
+                                <m:sub>
+                                  <m:r>
+                                    <a:rPr lang="it-IT" sz="1875" b="0" i="1" smtClean="0">
+                                      <a:latin typeface="Cambria Math" panose="02040503050406030204" pitchFamily="18" charset="0"/>
+                                    </a:rPr>
+                                    <m:t>1</m:t>
+                                  </m:r>
+                                </m:sub>
+                              </m:sSub>
+                              <m:r>
+                                <a:rPr lang="it-IT" sz="1875" b="0" i="1" smtClean="0">
+                                  <a:latin typeface="Cambria Math" panose="02040503050406030204" pitchFamily="18" charset="0"/>
+                                </a:rPr>
+                                <m:t>,…,</m:t>
+                              </m:r>
+                              <m:sSub>
+                                <m:sSubPr>
+                                  <m:ctrlPr>
+                                    <a:rPr lang="it-IT" sz="1875" b="0" i="1" smtClean="0">
+                                      <a:latin typeface="Cambria Math" panose="02040503050406030204" pitchFamily="18" charset="0"/>
+                                    </a:rPr>
+                                  </m:ctrlPr>
+                                </m:sSubPr>
+                                <m:e>
+                                  <m:r>
+                                    <a:rPr lang="it-IT" sz="1875" b="0" i="1" smtClean="0">
+                                      <a:latin typeface="Cambria Math" panose="02040503050406030204" pitchFamily="18" charset="0"/>
+                                    </a:rPr>
+                                    <m:t>𝑝</m:t>
+                                  </m:r>
+                                </m:e>
+                                <m:sub>
+                                  <m:r>
+                                    <a:rPr lang="it-IT" sz="1875" b="0" i="1" smtClean="0">
+                                      <a:latin typeface="Cambria Math" panose="02040503050406030204" pitchFamily="18" charset="0"/>
+                                    </a:rPr>
+                                    <m:t>𝑚</m:t>
+                                  </m:r>
+                                </m:sub>
+                              </m:sSub>
+                            </m:e>
+                          </m:d>
+                          <m:r>
+                            <a:rPr lang="it-IT" sz="1875" b="0" i="1" smtClean="0">
+                              <a:latin typeface="Cambria Math" panose="02040503050406030204" pitchFamily="18" charset="0"/>
+                            </a:rPr>
+                            <m:t>,</m:t>
+                          </m:r>
+                          <m:r>
+                            <a:rPr lang="it-IT" sz="1875" b="0" i="1" smtClean="0">
+                              <a:latin typeface="Cambria Math" panose="02040503050406030204" pitchFamily="18" charset="0"/>
+                            </a:rPr>
+                            <m:t>𝑘</m:t>
+                          </m:r>
+                        </m:e>
+                      </m:d>
+                      <m:r>
+                        <a:rPr lang="it-IT" sz="1875" b="0" i="1" smtClean="0">
+                          <a:latin typeface="Cambria Math" panose="02040503050406030204" pitchFamily="18" charset="0"/>
+                          <a:ea typeface="Cambria Math" panose="02040503050406030204" pitchFamily="18" charset="0"/>
+                        </a:rPr>
+                        <m:t>=</m:t>
+                      </m:r>
+                      <m:d>
+                        <m:dPr>
+                          <m:begChr m:val="{"/>
+                          <m:endChr m:val=""/>
+                          <m:ctrlPr>
+                            <a:rPr lang="it-IT" sz="1875" b="0" i="1" smtClean="0">
+                              <a:latin typeface="Cambria Math" panose="02040503050406030204" pitchFamily="18" charset="0"/>
+                              <a:ea typeface="Cambria Math" panose="02040503050406030204" pitchFamily="18" charset="0"/>
+                            </a:rPr>
+                          </m:ctrlPr>
+                        </m:dPr>
+                        <m:e>
+                          <m:eqArr>
+                            <m:eqArrPr>
+                              <m:ctrlPr>
+                                <a:rPr lang="it-IT" sz="1875" b="0" i="1" smtClean="0">
+                                  <a:latin typeface="Cambria Math" panose="02040503050406030204" pitchFamily="18" charset="0"/>
+                                  <a:ea typeface="Cambria Math" panose="02040503050406030204" pitchFamily="18" charset="0"/>
+                                </a:rPr>
+                              </m:ctrlPr>
+                            </m:eqArrPr>
+                            <m:e>
+                              <m:eqArr>
+                                <m:eqArrPr>
+                                  <m:ctrlPr>
+                                    <a:rPr lang="it-IT" sz="1875" b="0" i="1" smtClean="0">
+                                      <a:latin typeface="Cambria Math" panose="02040503050406030204" pitchFamily="18" charset="0"/>
+                                      <a:ea typeface="Cambria Math" panose="02040503050406030204" pitchFamily="18" charset="0"/>
+                                    </a:rPr>
+                                  </m:ctrlPr>
+                                </m:eqArrPr>
+                                <m:e>
+                                  <m:r>
+                                    <a:rPr lang="it-IT" sz="1875" b="0" i="1" smtClean="0">
+                                      <a:latin typeface="Cambria Math" panose="02040503050406030204" pitchFamily="18" charset="0"/>
+                                      <a:ea typeface="Cambria Math" panose="02040503050406030204" pitchFamily="18" charset="0"/>
+                                    </a:rPr>
+                                    <m:t>𝑚𝑖𝑛</m:t>
+                                  </m:r>
+                                  <m:d>
+                                    <m:dPr>
+                                      <m:begChr m:val="{"/>
+                                      <m:endChr m:val=""/>
+                                      <m:ctrlPr>
+                                        <a:rPr lang="it-IT" sz="1875" b="0" i="1" smtClean="0">
+                                          <a:latin typeface="Cambria Math" panose="02040503050406030204" pitchFamily="18" charset="0"/>
+                                          <a:ea typeface="Cambria Math" panose="02040503050406030204" pitchFamily="18" charset="0"/>
+                                        </a:rPr>
+                                      </m:ctrlPr>
+                                    </m:dPr>
+                                    <m:e>
+                                      <m:eqArr>
+                                        <m:eqArrPr>
+                                          <m:ctrlPr>
+                                            <a:rPr lang="it-IT" sz="1875" b="0" i="1" smtClean="0">
+                                              <a:latin typeface="Cambria Math" panose="02040503050406030204" pitchFamily="18" charset="0"/>
+                                              <a:ea typeface="Cambria Math" panose="02040503050406030204" pitchFamily="18" charset="0"/>
+                                            </a:rPr>
+                                          </m:ctrlPr>
+                                        </m:eqArrPr>
+                                        <m:e>
+                                          <m:func>
+                                            <m:funcPr>
+                                              <m:ctrlPr>
+                                                <a:rPr lang="it-IT" sz="1875" b="0" i="1" smtClean="0">
+                                                  <a:latin typeface="Cambria Math" panose="02040503050406030204" pitchFamily="18" charset="0"/>
+                                                  <a:ea typeface="Cambria Math" panose="02040503050406030204" pitchFamily="18" charset="0"/>
+                                                </a:rPr>
+                                              </m:ctrlPr>
+                                            </m:funcPr>
+                                            <m:fName>
+                                              <m:limLow>
+                                                <m:limLowPr>
+                                                  <m:ctrlPr>
+                                                    <a:rPr lang="it-IT" sz="1875" b="0" i="1" smtClean="0">
+                                                      <a:latin typeface="Cambria Math" panose="02040503050406030204" pitchFamily="18" charset="0"/>
+                                                      <a:ea typeface="Cambria Math" panose="02040503050406030204" pitchFamily="18" charset="0"/>
+                                                    </a:rPr>
+                                                  </m:ctrlPr>
+                                                </m:limLowPr>
+                                                <m:e>
+                                                  <m:r>
+                                                    <m:rPr>
+                                                      <m:sty m:val="p"/>
+                                                    </m:rPr>
+                                                    <a:rPr lang="it-IT" sz="1875" b="0" i="0" smtClean="0">
+                                                      <a:latin typeface="Cambria Math" panose="02040503050406030204" pitchFamily="18" charset="0"/>
+                                                      <a:ea typeface="Cambria Math" panose="02040503050406030204" pitchFamily="18" charset="0"/>
+                                                    </a:rPr>
+                                                    <m:t>min</m:t>
+                                                  </m:r>
+                                                </m:e>
+                                                <m:lim>
+                                                  <m:r>
+                                                    <a:rPr lang="it-IT" sz="1875" b="0" i="1" smtClean="0">
+                                                      <a:latin typeface="Cambria Math" panose="02040503050406030204" pitchFamily="18" charset="0"/>
+                                                      <a:ea typeface="Cambria Math" panose="02040503050406030204" pitchFamily="18" charset="0"/>
+                                                    </a:rPr>
+                                                    <m:t>𝑧</m:t>
+                                                  </m:r>
+                                                  <m:r>
+                                                    <a:rPr lang="it-IT" sz="1875" b="0" i="1" smtClean="0">
+                                                      <a:latin typeface="Cambria Math" panose="02040503050406030204" pitchFamily="18" charset="0"/>
+                                                      <a:ea typeface="Cambria Math" panose="02040503050406030204" pitchFamily="18" charset="0"/>
+                                                    </a:rPr>
+                                                    <m:t>∈</m:t>
+                                                  </m:r>
+                                                  <m:d>
+                                                    <m:dPr>
+                                                      <m:begChr m:val="{"/>
+                                                      <m:endChr m:val="}"/>
+                                                      <m:ctrlPr>
+                                                        <a:rPr lang="it-IT" sz="1875" b="0" i="1" smtClean="0">
+                                                          <a:latin typeface="Cambria Math" panose="02040503050406030204" pitchFamily="18" charset="0"/>
+                                                          <a:ea typeface="Cambria Math" panose="02040503050406030204" pitchFamily="18" charset="0"/>
+                                                        </a:rPr>
+                                                      </m:ctrlPr>
+                                                    </m:dPr>
+                                                    <m:e>
+                                                      <m:r>
+                                                        <a:rPr lang="it-IT" sz="1875" b="0" i="1" smtClean="0">
+                                                          <a:latin typeface="Cambria Math" panose="02040503050406030204" pitchFamily="18" charset="0"/>
+                                                          <a:ea typeface="Cambria Math" panose="02040503050406030204" pitchFamily="18" charset="0"/>
+                                                        </a:rPr>
+                                                        <m:t>1,…,</m:t>
+                                                      </m:r>
+                                                      <m:r>
+                                                        <a:rPr lang="it-IT" sz="1875" b="0" i="1" smtClean="0">
+                                                          <a:latin typeface="Cambria Math" panose="02040503050406030204" pitchFamily="18" charset="0"/>
+                                                          <a:ea typeface="Cambria Math" panose="02040503050406030204" pitchFamily="18" charset="0"/>
+                                                        </a:rPr>
+                                                        <m:t>𝑚</m:t>
+                                                      </m:r>
+                                                    </m:e>
+                                                  </m:d>
+                                                  <m:r>
+                                                    <a:rPr lang="it-IT" sz="1875" b="0" i="1" smtClean="0">
+                                                      <a:latin typeface="Cambria Math" panose="02040503050406030204" pitchFamily="18" charset="0"/>
+                                                      <a:ea typeface="Cambria Math" panose="02040503050406030204" pitchFamily="18" charset="0"/>
+                                                    </a:rPr>
+                                                    <m:t>;</m:t>
+                                                  </m:r>
+                                                  <m:r>
+                                                    <a:rPr lang="it-IT" sz="1875" b="0" i="1" smtClean="0">
+                                                      <a:latin typeface="Cambria Math" panose="02040503050406030204" pitchFamily="18" charset="0"/>
+                                                      <a:ea typeface="Cambria Math" panose="02040503050406030204" pitchFamily="18" charset="0"/>
+                                                    </a:rPr>
+                                                    <m:t>𝑗</m:t>
+                                                  </m:r>
+                                                  <m:r>
+                                                    <a:rPr lang="it-IT" sz="1875" b="0" i="1" smtClean="0">
+                                                      <a:latin typeface="Cambria Math" panose="02040503050406030204" pitchFamily="18" charset="0"/>
+                                                      <a:ea typeface="Cambria Math" panose="02040503050406030204" pitchFamily="18" charset="0"/>
+                                                    </a:rPr>
+                                                    <m:t>∈</m:t>
+                                                  </m:r>
+                                                  <m:r>
+                                                    <a:rPr lang="it-IT" sz="1875" b="0" i="1" smtClean="0">
+                                                      <a:latin typeface="Cambria Math" panose="02040503050406030204" pitchFamily="18" charset="0"/>
+                                                      <a:ea typeface="Cambria Math" panose="02040503050406030204" pitchFamily="18" charset="0"/>
+                                                    </a:rPr>
+                                                    <m:t>𝑈</m:t>
+                                                  </m:r>
+                                                  <m:r>
+                                                    <a:rPr lang="it-IT" sz="1875" b="0" i="1" smtClean="0">
+                                                      <a:latin typeface="Cambria Math" panose="02040503050406030204" pitchFamily="18" charset="0"/>
+                                                      <a:ea typeface="Cambria Math" panose="02040503050406030204" pitchFamily="18" charset="0"/>
+                                                    </a:rPr>
+                                                    <m:t>;</m:t>
+                                                  </m:r>
+                                                  <m:sSub>
+                                                    <m:sSubPr>
+                                                      <m:ctrlPr>
+                                                        <a:rPr lang="it-IT" sz="1875" b="0" i="1" smtClean="0">
+                                                          <a:latin typeface="Cambria Math" panose="02040503050406030204" pitchFamily="18" charset="0"/>
+                                                          <a:ea typeface="Cambria Math" panose="02040503050406030204" pitchFamily="18" charset="0"/>
+                                                        </a:rPr>
+                                                      </m:ctrlPr>
+                                                    </m:sSubPr>
+                                                    <m:e>
+                                                      <m:r>
+                                                        <a:rPr lang="it-IT" sz="1875" b="0" i="1" smtClean="0">
+                                                          <a:latin typeface="Cambria Math" panose="02040503050406030204" pitchFamily="18" charset="0"/>
+                                                          <a:ea typeface="Cambria Math" panose="02040503050406030204" pitchFamily="18" charset="0"/>
+                                                        </a:rPr>
+                                                        <m:t>𝑙</m:t>
+                                                      </m:r>
+                                                    </m:e>
+                                                    <m:sub>
+                                                      <m:r>
+                                                        <a:rPr lang="it-IT" sz="1875" b="0" i="1" smtClean="0">
+                                                          <a:latin typeface="Cambria Math" panose="02040503050406030204" pitchFamily="18" charset="0"/>
+                                                          <a:ea typeface="Cambria Math" panose="02040503050406030204" pitchFamily="18" charset="0"/>
+                                                        </a:rPr>
+                                                        <m:t>𝑧</m:t>
+                                                      </m:r>
+                                                    </m:sub>
+                                                  </m:sSub>
+                                                  <m:r>
+                                                    <a:rPr lang="it-IT" sz="1875" b="0" i="1" smtClean="0">
+                                                      <a:latin typeface="Cambria Math" panose="02040503050406030204" pitchFamily="18" charset="0"/>
+                                                      <a:ea typeface="Cambria Math" panose="02040503050406030204" pitchFamily="18" charset="0"/>
+                                                    </a:rPr>
+                                                    <m:t>+</m:t>
+                                                  </m:r>
+                                                  <m:sSub>
+                                                    <m:sSubPr>
+                                                      <m:ctrlPr>
+                                                        <a:rPr lang="it-IT" sz="1875" b="0" i="1" smtClean="0">
+                                                          <a:latin typeface="Cambria Math" panose="02040503050406030204" pitchFamily="18" charset="0"/>
+                                                          <a:ea typeface="Cambria Math" panose="02040503050406030204" pitchFamily="18" charset="0"/>
+                                                        </a:rPr>
+                                                      </m:ctrlPr>
+                                                    </m:sSubPr>
+                                                    <m:e>
+                                                      <m:r>
+                                                        <a:rPr lang="it-IT" sz="1875" b="0" i="1" smtClean="0">
+                                                          <a:latin typeface="Cambria Math" panose="02040503050406030204" pitchFamily="18" charset="0"/>
+                                                          <a:ea typeface="Cambria Math" panose="02040503050406030204" pitchFamily="18" charset="0"/>
+                                                        </a:rPr>
+                                                        <m:t>𝑑</m:t>
+                                                      </m:r>
+                                                    </m:e>
+                                                    <m:sub>
+                                                      <m:r>
+                                                        <a:rPr lang="it-IT" sz="1875" b="0" i="1" smtClean="0">
+                                                          <a:latin typeface="Cambria Math" panose="02040503050406030204" pitchFamily="18" charset="0"/>
+                                                          <a:ea typeface="Cambria Math" panose="02040503050406030204" pitchFamily="18" charset="0"/>
+                                                        </a:rPr>
+                                                        <m:t>𝑗</m:t>
+                                                      </m:r>
+                                                    </m:sub>
+                                                  </m:sSub>
+                                                  <m:r>
+                                                    <a:rPr lang="it-IT" sz="1875" b="0" i="1" smtClean="0">
+                                                      <a:latin typeface="Cambria Math" panose="02040503050406030204" pitchFamily="18" charset="0"/>
+                                                      <a:ea typeface="Cambria Math" panose="02040503050406030204" pitchFamily="18" charset="0"/>
+                                                    </a:rPr>
+                                                    <m:t>≤</m:t>
+                                                  </m:r>
+                                                  <m:sSub>
+                                                    <m:sSubPr>
+                                                      <m:ctrlPr>
+                                                        <a:rPr lang="it-IT" sz="1875" b="0" i="1" smtClean="0">
+                                                          <a:latin typeface="Cambria Math" panose="02040503050406030204" pitchFamily="18" charset="0"/>
+                                                          <a:ea typeface="Cambria Math" panose="02040503050406030204" pitchFamily="18" charset="0"/>
+                                                        </a:rPr>
+                                                      </m:ctrlPr>
+                                                    </m:sSubPr>
+                                                    <m:e>
+                                                      <m:r>
+                                                        <a:rPr lang="it-IT" sz="1875" b="0" i="1" smtClean="0">
+                                                          <a:latin typeface="Cambria Math" panose="02040503050406030204" pitchFamily="18" charset="0"/>
+                                                          <a:ea typeface="Cambria Math" panose="02040503050406030204" pitchFamily="18" charset="0"/>
+                                                        </a:rPr>
+                                                        <m:t>𝑞</m:t>
+                                                      </m:r>
+                                                    </m:e>
+                                                    <m:sub>
+                                                      <m:r>
+                                                        <a:rPr lang="it-IT" sz="1875" b="0" i="1" smtClean="0">
+                                                          <a:latin typeface="Cambria Math" panose="02040503050406030204" pitchFamily="18" charset="0"/>
+                                                          <a:ea typeface="Cambria Math" panose="02040503050406030204" pitchFamily="18" charset="0"/>
+                                                        </a:rPr>
+                                                        <m:t>𝑧</m:t>
+                                                      </m:r>
+                                                    </m:sub>
+                                                  </m:sSub>
+                                                  <m:r>
+                                                    <a:rPr lang="it-IT" sz="1875" b="0" i="1" smtClean="0">
+                                                      <a:latin typeface="Cambria Math" panose="02040503050406030204" pitchFamily="18" charset="0"/>
+                                                      <a:ea typeface="Cambria Math" panose="02040503050406030204" pitchFamily="18" charset="0"/>
+                                                    </a:rPr>
+                                                    <m:t>;</m:t>
+                                                  </m:r>
+                                                  <m:sSub>
+                                                    <m:sSubPr>
+                                                      <m:ctrlPr>
+                                                        <a:rPr lang="it-IT" sz="1875" b="0" i="1" smtClean="0">
+                                                          <a:latin typeface="Cambria Math" panose="02040503050406030204" pitchFamily="18" charset="0"/>
+                                                          <a:ea typeface="Cambria Math" panose="02040503050406030204" pitchFamily="18" charset="0"/>
+                                                        </a:rPr>
+                                                      </m:ctrlPr>
+                                                    </m:sSubPr>
+                                                    <m:e>
+                                                      <m:r>
+                                                        <a:rPr lang="it-IT" sz="1875" b="0" i="1" smtClean="0">
+                                                          <a:latin typeface="Cambria Math" panose="02040503050406030204" pitchFamily="18" charset="0"/>
+                                                          <a:ea typeface="Cambria Math" panose="02040503050406030204" pitchFamily="18" charset="0"/>
+                                                        </a:rPr>
+                                                        <m:t>𝑖</m:t>
+                                                      </m:r>
+                                                    </m:e>
+                                                    <m:sub>
+                                                      <m:r>
+                                                        <a:rPr lang="it-IT" sz="1875" b="0" i="1" smtClean="0">
+                                                          <a:latin typeface="Cambria Math" panose="02040503050406030204" pitchFamily="18" charset="0"/>
+                                                          <a:ea typeface="Cambria Math" panose="02040503050406030204" pitchFamily="18" charset="0"/>
+                                                        </a:rPr>
+                                                        <m:t>𝑧</m:t>
+                                                      </m:r>
+                                                    </m:sub>
+                                                  </m:sSub>
+                                                  <m:r>
+                                                    <a:rPr lang="it-IT" sz="1875" b="0" i="1" smtClean="0">
+                                                      <a:latin typeface="Cambria Math" panose="02040503050406030204" pitchFamily="18" charset="0"/>
+                                                      <a:ea typeface="Cambria Math" panose="02040503050406030204" pitchFamily="18" charset="0"/>
+                                                    </a:rPr>
+                                                    <m:t>≠0</m:t>
+                                                  </m:r>
+                                                </m:lim>
+                                              </m:limLow>
+                                            </m:fName>
+                                            <m:e>
+                                              <m:d>
+                                                <m:dPr>
+                                                  <m:ctrlPr>
+                                                    <a:rPr lang="it-IT" sz="1875" b="0" i="1" smtClean="0">
+                                                      <a:latin typeface="Cambria Math" panose="02040503050406030204" pitchFamily="18" charset="0"/>
+                                                      <a:ea typeface="Cambria Math" panose="02040503050406030204" pitchFamily="18" charset="0"/>
+                                                    </a:rPr>
+                                                  </m:ctrlPr>
+                                                </m:dPr>
+                                                <m:e>
+                                                  <m:r>
+                                                    <a:rPr lang="it-IT" sz="1875" i="1">
+                                                      <a:latin typeface="Cambria Math" panose="02040503050406030204" pitchFamily="18" charset="0"/>
+                                                      <a:ea typeface="Cambria Math" panose="02040503050406030204" pitchFamily="18" charset="0"/>
+                                                    </a:rPr>
+                                                    <m:t>𝑚𝑎𝑥</m:t>
+                                                  </m:r>
+                                                  <m:d>
+                                                    <m:dPr>
+                                                      <m:ctrlPr>
+                                                        <a:rPr lang="it-IT" sz="1875" i="1" smtClean="0">
+                                                          <a:latin typeface="Cambria Math" panose="02040503050406030204" pitchFamily="18" charset="0"/>
+                                                          <a:ea typeface="Cambria Math" panose="02040503050406030204" pitchFamily="18" charset="0"/>
+                                                        </a:rPr>
+                                                      </m:ctrlPr>
+                                                    </m:dPr>
+                                                    <m:e>
+                                                      <m:sSub>
+                                                        <m:sSubPr>
+                                                          <m:ctrlPr>
+                                                            <a:rPr lang="it-IT" sz="1875" i="1" smtClean="0">
+                                                              <a:latin typeface="Cambria Math" panose="02040503050406030204" pitchFamily="18" charset="0"/>
+                                                              <a:ea typeface="Cambria Math" panose="02040503050406030204" pitchFamily="18" charset="0"/>
+                                                            </a:rPr>
+                                                          </m:ctrlPr>
+                                                        </m:sSubPr>
+                                                        <m:e>
+                                                          <m:r>
+                                                            <a:rPr lang="it-IT" sz="1875" b="0" i="1" smtClean="0">
+                                                              <a:latin typeface="Cambria Math" panose="02040503050406030204" pitchFamily="18" charset="0"/>
+                                                              <a:ea typeface="Cambria Math" panose="02040503050406030204" pitchFamily="18" charset="0"/>
+                                                            </a:rPr>
+                                                            <m:t>𝑝</m:t>
+                                                          </m:r>
+                                                        </m:e>
+                                                        <m:sub>
+                                                          <m:r>
+                                                            <a:rPr lang="it-IT" sz="1875" b="0" i="1" smtClean="0">
+                                                              <a:latin typeface="Cambria Math" panose="02040503050406030204" pitchFamily="18" charset="0"/>
+                                                              <a:ea typeface="Cambria Math" panose="02040503050406030204" pitchFamily="18" charset="0"/>
+                                                            </a:rPr>
+                                                            <m:t>𝑧</m:t>
+                                                          </m:r>
+                                                        </m:sub>
+                                                      </m:sSub>
+                                                      <m:r>
+                                                        <a:rPr lang="it-IT" sz="1875" b="0" i="1" smtClean="0">
+                                                          <a:latin typeface="Cambria Math" panose="02040503050406030204" pitchFamily="18" charset="0"/>
+                                                          <a:ea typeface="Cambria Math" panose="02040503050406030204" pitchFamily="18" charset="0"/>
+                                                        </a:rPr>
+                                                        <m:t>+</m:t>
+                                                      </m:r>
+                                                      <m:sSub>
+                                                        <m:sSubPr>
+                                                          <m:ctrlPr>
+                                                            <a:rPr lang="it-IT" sz="1875" b="0" i="1" smtClean="0">
+                                                              <a:latin typeface="Cambria Math" panose="02040503050406030204" pitchFamily="18" charset="0"/>
+                                                              <a:ea typeface="Cambria Math" panose="02040503050406030204" pitchFamily="18" charset="0"/>
+                                                            </a:rPr>
+                                                          </m:ctrlPr>
+                                                        </m:sSubPr>
+                                                        <m:e>
+                                                          <m:r>
+                                                            <a:rPr lang="it-IT" sz="1875" b="0" i="1" smtClean="0">
+                                                              <a:latin typeface="Cambria Math" panose="02040503050406030204" pitchFamily="18" charset="0"/>
+                                                              <a:ea typeface="Cambria Math" panose="02040503050406030204" pitchFamily="18" charset="0"/>
+                                                            </a:rPr>
+                                                            <m:t>𝑐</m:t>
+                                                          </m:r>
+                                                        </m:e>
+                                                        <m:sub>
+                                                          <m:sSub>
+                                                            <m:sSubPr>
+                                                              <m:ctrlPr>
+                                                                <a:rPr lang="it-IT" sz="1875" b="0" i="1" smtClean="0">
+                                                                  <a:latin typeface="Cambria Math" panose="02040503050406030204" pitchFamily="18" charset="0"/>
+                                                                  <a:ea typeface="Cambria Math" panose="02040503050406030204" pitchFamily="18" charset="0"/>
+                                                                </a:rPr>
+                                                              </m:ctrlPr>
+                                                            </m:sSubPr>
+                                                            <m:e>
+                                                              <m:r>
+                                                                <a:rPr lang="it-IT" sz="1875" b="0" i="1" smtClean="0">
+                                                                  <a:latin typeface="Cambria Math" panose="02040503050406030204" pitchFamily="18" charset="0"/>
+                                                                  <a:ea typeface="Cambria Math" panose="02040503050406030204" pitchFamily="18" charset="0"/>
+                                                                </a:rPr>
+                                                                <m:t>𝑖</m:t>
+                                                              </m:r>
+                                                            </m:e>
+                                                            <m:sub>
+                                                              <m:r>
+                                                                <a:rPr lang="it-IT" sz="1875" b="0" i="1" smtClean="0">
+                                                                  <a:latin typeface="Cambria Math" panose="02040503050406030204" pitchFamily="18" charset="0"/>
+                                                                  <a:ea typeface="Cambria Math" panose="02040503050406030204" pitchFamily="18" charset="0"/>
+                                                                </a:rPr>
+                                                                <m:t>𝑧</m:t>
+                                                              </m:r>
+                                                            </m:sub>
+                                                          </m:sSub>
+                                                          <m:r>
+                                                            <a:rPr lang="it-IT" sz="1875" b="0" i="1" smtClean="0">
+                                                              <a:latin typeface="Cambria Math" panose="02040503050406030204" pitchFamily="18" charset="0"/>
+                                                              <a:ea typeface="Cambria Math" panose="02040503050406030204" pitchFamily="18" charset="0"/>
+                                                            </a:rPr>
+                                                            <m:t>𝑗</m:t>
+                                                          </m:r>
+                                                        </m:sub>
+                                                      </m:sSub>
+                                                      <m:r>
+                                                        <a:rPr lang="it-IT" sz="1875" b="0" i="1" smtClean="0">
+                                                          <a:latin typeface="Cambria Math" panose="02040503050406030204" pitchFamily="18" charset="0"/>
+                                                          <a:ea typeface="Cambria Math" panose="02040503050406030204" pitchFamily="18" charset="0"/>
+                                                        </a:rPr>
+                                                        <m:t>, </m:t>
+                                                      </m:r>
+                                                      <m:r>
+                                                        <a:rPr lang="it-IT" sz="1875" b="0" i="1" smtClean="0">
+                                                          <a:latin typeface="Cambria Math" panose="02040503050406030204" pitchFamily="18" charset="0"/>
+                                                          <a:ea typeface="Cambria Math" panose="02040503050406030204" pitchFamily="18" charset="0"/>
+                                                        </a:rPr>
+                                                        <m:t>𝑉</m:t>
+                                                      </m:r>
+                                                      <m:r>
+                                                        <a:rPr lang="it-IT" sz="1875" b="0" i="1" smtClean="0">
+                                                          <a:latin typeface="Cambria Math" panose="02040503050406030204" pitchFamily="18" charset="0"/>
+                                                          <a:ea typeface="Cambria Math" panose="02040503050406030204" pitchFamily="18" charset="0"/>
+                                                        </a:rPr>
+                                                        <m:t>′</m:t>
+                                                      </m:r>
+                                                    </m:e>
+                                                  </m:d>
+                                                </m:e>
+                                              </m:d>
+                                            </m:e>
+                                          </m:func>
+                                        </m:e>
+                                        <m:e>
+                                          <m:func>
+                                            <m:funcPr>
+                                              <m:ctrlPr>
+                                                <a:rPr lang="it-IT" sz="1875" b="0" i="1" smtClean="0">
+                                                  <a:latin typeface="Cambria Math" panose="02040503050406030204" pitchFamily="18" charset="0"/>
+                                                  <a:ea typeface="Cambria Math" panose="02040503050406030204" pitchFamily="18" charset="0"/>
+                                                </a:rPr>
+                                              </m:ctrlPr>
+                                            </m:funcPr>
+                                            <m:fName>
+                                              <m:limLow>
+                                                <m:limLowPr>
+                                                  <m:ctrlPr>
+                                                    <a:rPr lang="it-IT" sz="1875" b="0" i="1" smtClean="0">
+                                                      <a:latin typeface="Cambria Math" panose="02040503050406030204" pitchFamily="18" charset="0"/>
+                                                      <a:ea typeface="Cambria Math" panose="02040503050406030204" pitchFamily="18" charset="0"/>
+                                                    </a:rPr>
+                                                  </m:ctrlPr>
+                                                </m:limLowPr>
+                                                <m:e>
+                                                  <m:r>
+                                                    <m:rPr>
+                                                      <m:sty m:val="p"/>
+                                                    </m:rPr>
+                                                    <a:rPr lang="it-IT" sz="1875" b="0" i="0" smtClean="0">
+                                                      <a:latin typeface="Cambria Math" panose="02040503050406030204" pitchFamily="18" charset="0"/>
+                                                      <a:ea typeface="Cambria Math" panose="02040503050406030204" pitchFamily="18" charset="0"/>
+                                                    </a:rPr>
+                                                    <m:t>min</m:t>
+                                                  </m:r>
+                                                </m:e>
+                                                <m:lim>
+                                                  <m:r>
+                                                    <a:rPr lang="it-IT" sz="1875" i="1">
+                                                      <a:latin typeface="Cambria Math" panose="02040503050406030204" pitchFamily="18" charset="0"/>
+                                                      <a:ea typeface="Cambria Math" panose="02040503050406030204" pitchFamily="18" charset="0"/>
+                                                    </a:rPr>
+                                                    <m:t>𝑧</m:t>
+                                                  </m:r>
+                                                  <m:r>
+                                                    <a:rPr lang="it-IT" sz="1875" i="1">
+                                                      <a:latin typeface="Cambria Math" panose="02040503050406030204" pitchFamily="18" charset="0"/>
+                                                      <a:ea typeface="Cambria Math" panose="02040503050406030204" pitchFamily="18" charset="0"/>
+                                                    </a:rPr>
+                                                    <m:t>∈</m:t>
+                                                  </m:r>
+                                                  <m:d>
+                                                    <m:dPr>
+                                                      <m:begChr m:val="{"/>
+                                                      <m:endChr m:val="}"/>
+                                                      <m:ctrlPr>
+                                                        <a:rPr lang="it-IT" sz="1875" i="1">
+                                                          <a:latin typeface="Cambria Math" panose="02040503050406030204" pitchFamily="18" charset="0"/>
+                                                          <a:ea typeface="Cambria Math" panose="02040503050406030204" pitchFamily="18" charset="0"/>
+                                                        </a:rPr>
+                                                      </m:ctrlPr>
+                                                    </m:dPr>
+                                                    <m:e>
+                                                      <m:r>
+                                                        <a:rPr lang="it-IT" sz="1875" i="1">
+                                                          <a:latin typeface="Cambria Math" panose="02040503050406030204" pitchFamily="18" charset="0"/>
+                                                          <a:ea typeface="Cambria Math" panose="02040503050406030204" pitchFamily="18" charset="0"/>
+                                                        </a:rPr>
+                                                        <m:t>1,…,</m:t>
+                                                      </m:r>
+                                                      <m:r>
+                                                        <a:rPr lang="it-IT" sz="1875" i="1">
+                                                          <a:latin typeface="Cambria Math" panose="02040503050406030204" pitchFamily="18" charset="0"/>
+                                                          <a:ea typeface="Cambria Math" panose="02040503050406030204" pitchFamily="18" charset="0"/>
+                                                        </a:rPr>
+                                                        <m:t>𝑚</m:t>
+                                                      </m:r>
+                                                    </m:e>
+                                                  </m:d>
+                                                  <m:r>
+                                                    <a:rPr lang="it-IT" sz="1875" i="1">
+                                                      <a:latin typeface="Cambria Math" panose="02040503050406030204" pitchFamily="18" charset="0"/>
+                                                      <a:ea typeface="Cambria Math" panose="02040503050406030204" pitchFamily="18" charset="0"/>
+                                                    </a:rPr>
+                                                    <m:t>;</m:t>
+                                                  </m:r>
+                                                  <m:r>
+                                                    <a:rPr lang="it-IT" sz="1875" i="1">
+                                                      <a:latin typeface="Cambria Math" panose="02040503050406030204" pitchFamily="18" charset="0"/>
+                                                      <a:ea typeface="Cambria Math" panose="02040503050406030204" pitchFamily="18" charset="0"/>
+                                                    </a:rPr>
+                                                    <m:t>𝑗</m:t>
+                                                  </m:r>
+                                                  <m:r>
+                                                    <a:rPr lang="it-IT" sz="1875" i="1">
+                                                      <a:latin typeface="Cambria Math" panose="02040503050406030204" pitchFamily="18" charset="0"/>
+                                                      <a:ea typeface="Cambria Math" panose="02040503050406030204" pitchFamily="18" charset="0"/>
+                                                    </a:rPr>
+                                                    <m:t>∈</m:t>
+                                                  </m:r>
+                                                  <m:r>
+                                                    <a:rPr lang="it-IT" sz="1875" i="1">
+                                                      <a:latin typeface="Cambria Math" panose="02040503050406030204" pitchFamily="18" charset="0"/>
+                                                      <a:ea typeface="Cambria Math" panose="02040503050406030204" pitchFamily="18" charset="0"/>
+                                                    </a:rPr>
+                                                    <m:t>𝑈</m:t>
+                                                  </m:r>
+                                                  <m:r>
+                                                    <a:rPr lang="it-IT" sz="1875" i="1">
+                                                      <a:latin typeface="Cambria Math" panose="02040503050406030204" pitchFamily="18" charset="0"/>
+                                                      <a:ea typeface="Cambria Math" panose="02040503050406030204" pitchFamily="18" charset="0"/>
+                                                    </a:rPr>
+                                                    <m:t>;</m:t>
+                                                  </m:r>
+                                                  <m:sSub>
+                                                    <m:sSubPr>
+                                                      <m:ctrlPr>
+                                                        <a:rPr lang="it-IT" sz="1875" i="1">
+                                                          <a:latin typeface="Cambria Math" panose="02040503050406030204" pitchFamily="18" charset="0"/>
+                                                          <a:ea typeface="Cambria Math" panose="02040503050406030204" pitchFamily="18" charset="0"/>
+                                                        </a:rPr>
+                                                      </m:ctrlPr>
+                                                    </m:sSubPr>
+                                                    <m:e>
+                                                      <m:r>
+                                                        <a:rPr lang="it-IT" sz="1875" i="1">
+                                                          <a:latin typeface="Cambria Math" panose="02040503050406030204" pitchFamily="18" charset="0"/>
+                                                          <a:ea typeface="Cambria Math" panose="02040503050406030204" pitchFamily="18" charset="0"/>
+                                                        </a:rPr>
+                                                        <m:t>𝑙</m:t>
+                                                      </m:r>
+                                                    </m:e>
+                                                    <m:sub>
+                                                      <m:r>
+                                                        <a:rPr lang="it-IT" sz="1875" i="1">
+                                                          <a:latin typeface="Cambria Math" panose="02040503050406030204" pitchFamily="18" charset="0"/>
+                                                          <a:ea typeface="Cambria Math" panose="02040503050406030204" pitchFamily="18" charset="0"/>
+                                                        </a:rPr>
+                                                        <m:t>𝑧</m:t>
+                                                      </m:r>
+                                                    </m:sub>
+                                                  </m:sSub>
+                                                  <m:r>
+                                                    <a:rPr lang="it-IT" sz="1875" i="1">
+                                                      <a:latin typeface="Cambria Math" panose="02040503050406030204" pitchFamily="18" charset="0"/>
+                                                      <a:ea typeface="Cambria Math" panose="02040503050406030204" pitchFamily="18" charset="0"/>
+                                                    </a:rPr>
+                                                    <m:t>+</m:t>
+                                                  </m:r>
+                                                  <m:sSub>
+                                                    <m:sSubPr>
+                                                      <m:ctrlPr>
+                                                        <a:rPr lang="it-IT" sz="1875" i="1">
+                                                          <a:latin typeface="Cambria Math" panose="02040503050406030204" pitchFamily="18" charset="0"/>
+                                                          <a:ea typeface="Cambria Math" panose="02040503050406030204" pitchFamily="18" charset="0"/>
+                                                        </a:rPr>
+                                                      </m:ctrlPr>
+                                                    </m:sSubPr>
+                                                    <m:e>
+                                                      <m:r>
+                                                        <a:rPr lang="it-IT" sz="1875" i="1">
+                                                          <a:latin typeface="Cambria Math" panose="02040503050406030204" pitchFamily="18" charset="0"/>
+                                                          <a:ea typeface="Cambria Math" panose="02040503050406030204" pitchFamily="18" charset="0"/>
+                                                        </a:rPr>
+                                                        <m:t>𝑑</m:t>
+                                                      </m:r>
+                                                    </m:e>
+                                                    <m:sub>
+                                                      <m:r>
+                                                        <a:rPr lang="it-IT" sz="1875" i="1">
+                                                          <a:latin typeface="Cambria Math" panose="02040503050406030204" pitchFamily="18" charset="0"/>
+                                                          <a:ea typeface="Cambria Math" panose="02040503050406030204" pitchFamily="18" charset="0"/>
+                                                        </a:rPr>
+                                                        <m:t>𝑗</m:t>
+                                                      </m:r>
+                                                    </m:sub>
+                                                  </m:sSub>
+                                                  <m:r>
+                                                    <a:rPr lang="it-IT" sz="1875" i="1">
+                                                      <a:latin typeface="Cambria Math" panose="02040503050406030204" pitchFamily="18" charset="0"/>
+                                                      <a:ea typeface="Cambria Math" panose="02040503050406030204" pitchFamily="18" charset="0"/>
+                                                    </a:rPr>
+                                                    <m:t>≤</m:t>
+                                                  </m:r>
+                                                  <m:sSub>
+                                                    <m:sSubPr>
+                                                      <m:ctrlPr>
+                                                        <a:rPr lang="it-IT" sz="1875" i="1">
+                                                          <a:latin typeface="Cambria Math" panose="02040503050406030204" pitchFamily="18" charset="0"/>
+                                                          <a:ea typeface="Cambria Math" panose="02040503050406030204" pitchFamily="18" charset="0"/>
+                                                        </a:rPr>
+                                                      </m:ctrlPr>
+                                                    </m:sSubPr>
+                                                    <m:e>
+                                                      <m:r>
+                                                        <a:rPr lang="it-IT" sz="1875" i="1">
+                                                          <a:latin typeface="Cambria Math" panose="02040503050406030204" pitchFamily="18" charset="0"/>
+                                                          <a:ea typeface="Cambria Math" panose="02040503050406030204" pitchFamily="18" charset="0"/>
+                                                        </a:rPr>
+                                                        <m:t>𝑞</m:t>
+                                                      </m:r>
+                                                    </m:e>
+                                                    <m:sub>
+                                                      <m:r>
+                                                        <a:rPr lang="it-IT" sz="1875" i="1">
+                                                          <a:latin typeface="Cambria Math" panose="02040503050406030204" pitchFamily="18" charset="0"/>
+                                                          <a:ea typeface="Cambria Math" panose="02040503050406030204" pitchFamily="18" charset="0"/>
+                                                        </a:rPr>
+                                                        <m:t>𝑧</m:t>
+                                                      </m:r>
+                                                    </m:sub>
+                                                  </m:sSub>
+                                                  <m:r>
+                                                    <a:rPr lang="it-IT" sz="1875" i="1">
+                                                      <a:latin typeface="Cambria Math" panose="02040503050406030204" pitchFamily="18" charset="0"/>
+                                                      <a:ea typeface="Cambria Math" panose="02040503050406030204" pitchFamily="18" charset="0"/>
+                                                    </a:rPr>
+                                                    <m:t>;</m:t>
+                                                  </m:r>
+                                                  <m:sSub>
+                                                    <m:sSubPr>
+                                                      <m:ctrlPr>
+                                                        <a:rPr lang="it-IT" sz="1875" i="1">
+                                                          <a:latin typeface="Cambria Math" panose="02040503050406030204" pitchFamily="18" charset="0"/>
+                                                          <a:ea typeface="Cambria Math" panose="02040503050406030204" pitchFamily="18" charset="0"/>
+                                                        </a:rPr>
+                                                      </m:ctrlPr>
+                                                    </m:sSubPr>
+                                                    <m:e>
+                                                      <m:r>
+                                                        <a:rPr lang="it-IT" sz="1875" i="1">
+                                                          <a:latin typeface="Cambria Math" panose="02040503050406030204" pitchFamily="18" charset="0"/>
+                                                          <a:ea typeface="Cambria Math" panose="02040503050406030204" pitchFamily="18" charset="0"/>
+                                                        </a:rPr>
+                                                        <m:t>𝑖</m:t>
+                                                      </m:r>
+                                                    </m:e>
+                                                    <m:sub>
+                                                      <m:r>
+                                                        <a:rPr lang="it-IT" sz="1875" i="1">
+                                                          <a:latin typeface="Cambria Math" panose="02040503050406030204" pitchFamily="18" charset="0"/>
+                                                          <a:ea typeface="Cambria Math" panose="02040503050406030204" pitchFamily="18" charset="0"/>
+                                                        </a:rPr>
+                                                        <m:t>𝑧</m:t>
+                                                      </m:r>
+                                                    </m:sub>
+                                                  </m:sSub>
+                                                  <m:r>
+                                                    <a:rPr lang="it-IT" sz="1875" i="1" smtClean="0">
+                                                      <a:latin typeface="Cambria Math" panose="02040503050406030204" pitchFamily="18" charset="0"/>
+                                                      <a:ea typeface="Cambria Math" panose="02040503050406030204" pitchFamily="18" charset="0"/>
+                                                    </a:rPr>
+                                                    <m:t>=</m:t>
+                                                  </m:r>
+                                                  <m:r>
+                                                    <a:rPr lang="it-IT" sz="1875" i="1">
+                                                      <a:latin typeface="Cambria Math" panose="02040503050406030204" pitchFamily="18" charset="0"/>
+                                                      <a:ea typeface="Cambria Math" panose="02040503050406030204" pitchFamily="18" charset="0"/>
+                                                    </a:rPr>
+                                                    <m:t>0</m:t>
+                                                  </m:r>
+                                                </m:lim>
+                                              </m:limLow>
+                                            </m:fName>
+                                            <m:e>
+                                              <m:d>
+                                                <m:dPr>
+                                                  <m:ctrlPr>
+                                                    <a:rPr lang="it-IT" sz="1875" b="0" i="1" smtClean="0">
+                                                      <a:latin typeface="Cambria Math" panose="02040503050406030204" pitchFamily="18" charset="0"/>
+                                                      <a:ea typeface="Cambria Math" panose="02040503050406030204" pitchFamily="18" charset="0"/>
+                                                    </a:rPr>
+                                                  </m:ctrlPr>
+                                                </m:dPr>
+                                                <m:e>
+                                                  <m:r>
+                                                    <a:rPr lang="it-IT" sz="1875" i="1">
+                                                      <a:latin typeface="Cambria Math" panose="02040503050406030204" pitchFamily="18" charset="0"/>
+                                                      <a:ea typeface="Cambria Math" panose="02040503050406030204" pitchFamily="18" charset="0"/>
+                                                    </a:rPr>
+                                                    <m:t>𝑚𝑎𝑥</m:t>
+                                                  </m:r>
+                                                  <m:d>
+                                                    <m:dPr>
+                                                      <m:ctrlPr>
+                                                        <a:rPr lang="it-IT" sz="1875" i="1" smtClean="0">
+                                                          <a:latin typeface="Cambria Math" panose="02040503050406030204" pitchFamily="18" charset="0"/>
+                                                          <a:ea typeface="Cambria Math" panose="02040503050406030204" pitchFamily="18" charset="0"/>
+                                                        </a:rPr>
+                                                      </m:ctrlPr>
+                                                    </m:dPr>
+                                                    <m:e>
+                                                      <m:sSub>
+                                                        <m:sSubPr>
+                                                          <m:ctrlPr>
+                                                            <a:rPr lang="it-IT" sz="1875" i="1" smtClean="0">
+                                                              <a:latin typeface="Cambria Math" panose="02040503050406030204" pitchFamily="18" charset="0"/>
+                                                              <a:ea typeface="Cambria Math" panose="02040503050406030204" pitchFamily="18" charset="0"/>
+                                                            </a:rPr>
+                                                          </m:ctrlPr>
+                                                        </m:sSubPr>
+                                                        <m:e>
+                                                          <m:r>
+                                                            <a:rPr lang="it-IT" sz="1875" b="0" i="1" smtClean="0">
+                                                              <a:latin typeface="Cambria Math" panose="02040503050406030204" pitchFamily="18" charset="0"/>
+                                                              <a:ea typeface="Cambria Math" panose="02040503050406030204" pitchFamily="18" charset="0"/>
+                                                            </a:rPr>
+                                                            <m:t>𝑐</m:t>
+                                                          </m:r>
+                                                        </m:e>
+                                                        <m:sub>
+                                                          <m:r>
+                                                            <a:rPr lang="it-IT" sz="1875" b="0" i="1" smtClean="0">
+                                                              <a:latin typeface="Cambria Math" panose="02040503050406030204" pitchFamily="18" charset="0"/>
+                                                              <a:ea typeface="Cambria Math" panose="02040503050406030204" pitchFamily="18" charset="0"/>
+                                                            </a:rPr>
+                                                            <m:t>0</m:t>
+                                                          </m:r>
+                                                          <m:r>
+                                                            <a:rPr lang="it-IT" sz="1875" b="0" i="1" smtClean="0">
+                                                              <a:latin typeface="Cambria Math" panose="02040503050406030204" pitchFamily="18" charset="0"/>
+                                                              <a:ea typeface="Cambria Math" panose="02040503050406030204" pitchFamily="18" charset="0"/>
+                                                            </a:rPr>
+                                                            <m:t>𝑗</m:t>
+                                                          </m:r>
+                                                        </m:sub>
+                                                      </m:sSub>
+                                                      <m:r>
+                                                        <a:rPr lang="it-IT" sz="1875" b="0" i="1" smtClean="0">
+                                                          <a:latin typeface="Cambria Math" panose="02040503050406030204" pitchFamily="18" charset="0"/>
+                                                          <a:ea typeface="Cambria Math" panose="02040503050406030204" pitchFamily="18" charset="0"/>
+                                                        </a:rPr>
+                                                        <m:t>, </m:t>
+                                                      </m:r>
+                                                      <m:r>
+                                                        <a:rPr lang="it-IT" sz="1875" b="0" i="1" smtClean="0">
+                                                          <a:latin typeface="Cambria Math" panose="02040503050406030204" pitchFamily="18" charset="0"/>
+                                                          <a:ea typeface="Cambria Math" panose="02040503050406030204" pitchFamily="18" charset="0"/>
+                                                        </a:rPr>
+                                                        <m:t>𝑉</m:t>
+                                                      </m:r>
+                                                      <m:r>
+                                                        <a:rPr lang="it-IT" sz="1875" b="0" i="1" smtClean="0">
+                                                          <a:latin typeface="Cambria Math" panose="02040503050406030204" pitchFamily="18" charset="0"/>
+                                                          <a:ea typeface="Cambria Math" panose="02040503050406030204" pitchFamily="18" charset="0"/>
+                                                        </a:rPr>
+                                                        <m:t>′′</m:t>
+                                                      </m:r>
+                                                    </m:e>
+                                                  </m:d>
+                                                </m:e>
+                                              </m:d>
+                                            </m:e>
+                                          </m:func>
+                                        </m:e>
+                                      </m:eqArr>
+                                    </m:e>
+                                  </m:d>
+                                  <m:r>
+                                    <a:rPr lang="it-IT" sz="1875" b="0" i="1" smtClean="0">
+                                      <a:latin typeface="Cambria Math" panose="02040503050406030204" pitchFamily="18" charset="0"/>
+                                      <a:ea typeface="Cambria Math" panose="02040503050406030204" pitchFamily="18" charset="0"/>
+                                    </a:rPr>
+                                    <m:t>           </m:t>
+                                  </m:r>
+                                  <m:r>
+                                    <a:rPr lang="it-IT" sz="1875" b="0" i="1" smtClean="0">
+                                      <a:latin typeface="Cambria Math" panose="02040503050406030204" pitchFamily="18" charset="0"/>
+                                      <a:ea typeface="Cambria Math" panose="02040503050406030204" pitchFamily="18" charset="0"/>
+                                    </a:rPr>
+                                    <m:t>𝑖𝑓</m:t>
+                                  </m:r>
+                                  <m:r>
+                                    <a:rPr lang="it-IT" sz="1875" b="0" i="1" smtClean="0">
+                                      <a:latin typeface="Cambria Math" panose="02040503050406030204" pitchFamily="18" charset="0"/>
+                                      <a:ea typeface="Cambria Math" panose="02040503050406030204" pitchFamily="18" charset="0"/>
+                                    </a:rPr>
+                                    <m:t> </m:t>
+                                  </m:r>
+                                  <m:r>
+                                    <a:rPr lang="it-IT" sz="1875" b="0" i="1" smtClean="0">
+                                      <a:latin typeface="Cambria Math" panose="02040503050406030204" pitchFamily="18" charset="0"/>
+                                      <a:ea typeface="Cambria Math" panose="02040503050406030204" pitchFamily="18" charset="0"/>
+                                    </a:rPr>
+                                    <m:t>𝑈</m:t>
+                                  </m:r>
+                                  <m:r>
+                                    <a:rPr lang="it-IT" sz="1875" b="0" i="1" smtClean="0">
+                                      <a:latin typeface="Cambria Math" panose="02040503050406030204" pitchFamily="18" charset="0"/>
+                                      <a:ea typeface="Cambria Math" panose="02040503050406030204" pitchFamily="18" charset="0"/>
+                                    </a:rPr>
+                                    <m:t>≠∅</m:t>
+                                  </m:r>
+                                </m:e>
+                                <m:e/>
+                                <m:e/>
+                                <m:e>
+                                  <m:func>
+                                    <m:funcPr>
+                                      <m:ctrlPr>
+                                        <a:rPr lang="it-IT" sz="1875" b="0" i="1" smtClean="0">
+                                          <a:latin typeface="Cambria Math" panose="02040503050406030204" pitchFamily="18" charset="0"/>
+                                          <a:ea typeface="Cambria Math" panose="02040503050406030204" pitchFamily="18" charset="0"/>
+                                        </a:rPr>
+                                      </m:ctrlPr>
+                                    </m:funcPr>
+                                    <m:fName>
+                                      <m:limLow>
+                                        <m:limLowPr>
+                                          <m:ctrlPr>
+                                            <a:rPr lang="it-IT" sz="1875" b="0" i="1" smtClean="0">
+                                              <a:latin typeface="Cambria Math" panose="02040503050406030204" pitchFamily="18" charset="0"/>
+                                              <a:ea typeface="Cambria Math" panose="02040503050406030204" pitchFamily="18" charset="0"/>
+                                            </a:rPr>
+                                          </m:ctrlPr>
+                                        </m:limLowPr>
+                                        <m:e>
+                                          <m:r>
+                                            <m:rPr>
+                                              <m:sty m:val="p"/>
+                                            </m:rPr>
+                                            <a:rPr lang="it-IT" sz="1875" b="0" i="0" smtClean="0">
+                                              <a:latin typeface="Cambria Math" panose="02040503050406030204" pitchFamily="18" charset="0"/>
+                                              <a:ea typeface="Cambria Math" panose="02040503050406030204" pitchFamily="18" charset="0"/>
+                                            </a:rPr>
+                                            <m:t>min</m:t>
+                                          </m:r>
+                                        </m:e>
+                                        <m:lim>
+                                          <m:r>
+                                            <a:rPr lang="it-IT" sz="1875" i="1">
+                                              <a:latin typeface="Cambria Math" panose="02040503050406030204" pitchFamily="18" charset="0"/>
+                                              <a:ea typeface="Cambria Math" panose="02040503050406030204" pitchFamily="18" charset="0"/>
+                                            </a:rPr>
+                                            <m:t>𝑧</m:t>
+                                          </m:r>
+                                          <m:r>
+                                            <a:rPr lang="it-IT" sz="1875" i="1">
+                                              <a:latin typeface="Cambria Math" panose="02040503050406030204" pitchFamily="18" charset="0"/>
+                                              <a:ea typeface="Cambria Math" panose="02040503050406030204" pitchFamily="18" charset="0"/>
+                                            </a:rPr>
+                                            <m:t>∈</m:t>
+                                          </m:r>
+                                          <m:d>
+                                            <m:dPr>
+                                              <m:begChr m:val="{"/>
+                                              <m:endChr m:val="}"/>
+                                              <m:ctrlPr>
+                                                <a:rPr lang="it-IT" sz="1875" i="1">
+                                                  <a:latin typeface="Cambria Math" panose="02040503050406030204" pitchFamily="18" charset="0"/>
+                                                  <a:ea typeface="Cambria Math" panose="02040503050406030204" pitchFamily="18" charset="0"/>
+                                                </a:rPr>
+                                              </m:ctrlPr>
+                                            </m:dPr>
+                                            <m:e>
+                                              <m:r>
+                                                <a:rPr lang="it-IT" sz="1875" i="1">
+                                                  <a:latin typeface="Cambria Math" panose="02040503050406030204" pitchFamily="18" charset="0"/>
+                                                  <a:ea typeface="Cambria Math" panose="02040503050406030204" pitchFamily="18" charset="0"/>
+                                                </a:rPr>
+                                                <m:t>1,…,</m:t>
+                                              </m:r>
+                                              <m:r>
+                                                <a:rPr lang="it-IT" sz="1875" i="1">
+                                                  <a:latin typeface="Cambria Math" panose="02040503050406030204" pitchFamily="18" charset="0"/>
+                                                  <a:ea typeface="Cambria Math" panose="02040503050406030204" pitchFamily="18" charset="0"/>
+                                                </a:rPr>
+                                                <m:t>𝑚</m:t>
+                                              </m:r>
+                                            </m:e>
+                                          </m:d>
+                                          <m:r>
+                                            <a:rPr lang="it-IT" sz="1875" i="1">
+                                              <a:latin typeface="Cambria Math" panose="02040503050406030204" pitchFamily="18" charset="0"/>
+                                              <a:ea typeface="Cambria Math" panose="02040503050406030204" pitchFamily="18" charset="0"/>
+                                            </a:rPr>
+                                            <m:t>;</m:t>
+                                          </m:r>
+                                          <m:sSub>
+                                            <m:sSubPr>
+                                              <m:ctrlPr>
+                                                <a:rPr lang="it-IT" sz="1875" i="1">
+                                                  <a:latin typeface="Cambria Math" panose="02040503050406030204" pitchFamily="18" charset="0"/>
+                                                  <a:ea typeface="Cambria Math" panose="02040503050406030204" pitchFamily="18" charset="0"/>
+                                                </a:rPr>
+                                              </m:ctrlPr>
+                                            </m:sSubPr>
+                                            <m:e>
+                                              <m:r>
+                                                <a:rPr lang="it-IT" sz="1875" i="1">
+                                                  <a:latin typeface="Cambria Math" panose="02040503050406030204" pitchFamily="18" charset="0"/>
+                                                  <a:ea typeface="Cambria Math" panose="02040503050406030204" pitchFamily="18" charset="0"/>
+                                                </a:rPr>
+                                                <m:t>𝑖</m:t>
+                                              </m:r>
+                                            </m:e>
+                                            <m:sub>
+                                              <m:r>
+                                                <a:rPr lang="it-IT" sz="1875" i="1">
+                                                  <a:latin typeface="Cambria Math" panose="02040503050406030204" pitchFamily="18" charset="0"/>
+                                                  <a:ea typeface="Cambria Math" panose="02040503050406030204" pitchFamily="18" charset="0"/>
+                                                </a:rPr>
+                                                <m:t>𝑧</m:t>
+                                              </m:r>
+                                            </m:sub>
+                                          </m:sSub>
+                                          <m:r>
+                                            <a:rPr lang="it-IT" sz="1875" i="1" smtClean="0">
+                                              <a:latin typeface="Cambria Math" panose="02040503050406030204" pitchFamily="18" charset="0"/>
+                                              <a:ea typeface="Cambria Math" panose="02040503050406030204" pitchFamily="18" charset="0"/>
+                                            </a:rPr>
+                                            <m:t>≠</m:t>
+                                          </m:r>
+                                          <m:r>
+                                            <a:rPr lang="it-IT" sz="1875" b="0" i="1" smtClean="0">
+                                              <a:latin typeface="Cambria Math" panose="02040503050406030204" pitchFamily="18" charset="0"/>
+                                              <a:ea typeface="Cambria Math" panose="02040503050406030204" pitchFamily="18" charset="0"/>
+                                            </a:rPr>
+                                            <m:t>0</m:t>
+                                          </m:r>
+                                        </m:lim>
+                                      </m:limLow>
+                                    </m:fName>
+                                    <m:e>
+                                      <m:r>
+                                        <a:rPr lang="it-IT" sz="1875" b="0" i="1" smtClean="0">
+                                          <a:latin typeface="Cambria Math" panose="02040503050406030204" pitchFamily="18" charset="0"/>
+                                          <a:ea typeface="Cambria Math" panose="02040503050406030204" pitchFamily="18" charset="0"/>
+                                        </a:rPr>
+                                        <m:t>𝑚𝑎𝑥</m:t>
+                                      </m:r>
+                                      <m:d>
+                                        <m:dPr>
+                                          <m:ctrlPr>
+                                            <a:rPr lang="it-IT" sz="1875" b="0" i="1" smtClean="0">
+                                              <a:latin typeface="Cambria Math" panose="02040503050406030204" pitchFamily="18" charset="0"/>
+                                              <a:ea typeface="Cambria Math" panose="02040503050406030204" pitchFamily="18" charset="0"/>
+                                            </a:rPr>
+                                          </m:ctrlPr>
+                                        </m:dPr>
+                                        <m:e>
+                                          <m:sSub>
+                                            <m:sSubPr>
+                                              <m:ctrlPr>
+                                                <a:rPr lang="it-IT" sz="1875" b="0" i="1" smtClean="0">
+                                                  <a:latin typeface="Cambria Math" panose="02040503050406030204" pitchFamily="18" charset="0"/>
+                                                  <a:ea typeface="Cambria Math" panose="02040503050406030204" pitchFamily="18" charset="0"/>
+                                                </a:rPr>
+                                              </m:ctrlPr>
+                                            </m:sSubPr>
+                                            <m:e>
+                                              <m:r>
+                                                <a:rPr lang="it-IT" sz="1875" b="0" i="1" smtClean="0">
+                                                  <a:latin typeface="Cambria Math" panose="02040503050406030204" pitchFamily="18" charset="0"/>
+                                                  <a:ea typeface="Cambria Math" panose="02040503050406030204" pitchFamily="18" charset="0"/>
+                                                </a:rPr>
+                                                <m:t>𝑝</m:t>
+                                              </m:r>
+                                            </m:e>
+                                            <m:sub>
+                                              <m:r>
+                                                <a:rPr lang="it-IT" sz="1875" b="0" i="1" smtClean="0">
+                                                  <a:latin typeface="Cambria Math" panose="02040503050406030204" pitchFamily="18" charset="0"/>
+                                                  <a:ea typeface="Cambria Math" panose="02040503050406030204" pitchFamily="18" charset="0"/>
+                                                </a:rPr>
+                                                <m:t>𝑧</m:t>
+                                              </m:r>
+                                            </m:sub>
+                                          </m:sSub>
+                                          <m:r>
+                                            <a:rPr lang="it-IT" sz="1875" b="0" i="1" smtClean="0">
+                                              <a:latin typeface="Cambria Math" panose="02040503050406030204" pitchFamily="18" charset="0"/>
+                                              <a:ea typeface="Cambria Math" panose="02040503050406030204" pitchFamily="18" charset="0"/>
+                                            </a:rPr>
+                                            <m:t>+</m:t>
+                                          </m:r>
+                                          <m:sSub>
+                                            <m:sSubPr>
+                                              <m:ctrlPr>
+                                                <a:rPr lang="it-IT" sz="1875" b="0" i="1" smtClean="0">
+                                                  <a:latin typeface="Cambria Math" panose="02040503050406030204" pitchFamily="18" charset="0"/>
+                                                  <a:ea typeface="Cambria Math" panose="02040503050406030204" pitchFamily="18" charset="0"/>
+                                                </a:rPr>
+                                              </m:ctrlPr>
+                                            </m:sSubPr>
+                                            <m:e>
+                                              <m:r>
+                                                <a:rPr lang="it-IT" sz="1875" b="0" i="1" smtClean="0">
+                                                  <a:latin typeface="Cambria Math" panose="02040503050406030204" pitchFamily="18" charset="0"/>
+                                                  <a:ea typeface="Cambria Math" panose="02040503050406030204" pitchFamily="18" charset="0"/>
+                                                </a:rPr>
+                                                <m:t>𝑐</m:t>
+                                              </m:r>
+                                            </m:e>
+                                            <m:sub>
+                                              <m:sSub>
+                                                <m:sSubPr>
+                                                  <m:ctrlPr>
+                                                    <a:rPr lang="it-IT" sz="1875" b="0" i="1" smtClean="0">
+                                                      <a:latin typeface="Cambria Math" panose="02040503050406030204" pitchFamily="18" charset="0"/>
+                                                      <a:ea typeface="Cambria Math" panose="02040503050406030204" pitchFamily="18" charset="0"/>
+                                                    </a:rPr>
+                                                  </m:ctrlPr>
+                                                </m:sSubPr>
+                                                <m:e>
+                                                  <m:r>
+                                                    <a:rPr lang="it-IT" sz="1875" b="0" i="1" smtClean="0">
+                                                      <a:latin typeface="Cambria Math" panose="02040503050406030204" pitchFamily="18" charset="0"/>
+                                                      <a:ea typeface="Cambria Math" panose="02040503050406030204" pitchFamily="18" charset="0"/>
+                                                    </a:rPr>
+                                                    <m:t>𝑖</m:t>
+                                                  </m:r>
+                                                </m:e>
+                                                <m:sub>
+                                                  <m:r>
+                                                    <a:rPr lang="it-IT" sz="1875" b="0" i="1" smtClean="0">
+                                                      <a:latin typeface="Cambria Math" panose="02040503050406030204" pitchFamily="18" charset="0"/>
+                                                      <a:ea typeface="Cambria Math" panose="02040503050406030204" pitchFamily="18" charset="0"/>
+                                                    </a:rPr>
+                                                    <m:t>𝑧</m:t>
+                                                  </m:r>
+                                                </m:sub>
+                                              </m:sSub>
+                                              <m:r>
+                                                <a:rPr lang="it-IT" sz="1875" b="0" i="1" smtClean="0">
+                                                  <a:latin typeface="Cambria Math" panose="02040503050406030204" pitchFamily="18" charset="0"/>
+                                                  <a:ea typeface="Cambria Math" panose="02040503050406030204" pitchFamily="18" charset="0"/>
+                                                </a:rPr>
+                                                <m:t>0</m:t>
+                                              </m:r>
+                                            </m:sub>
+                                          </m:sSub>
+                                          <m:r>
+                                            <a:rPr lang="it-IT" sz="1875" b="0" i="1" smtClean="0">
+                                              <a:latin typeface="Cambria Math" panose="02040503050406030204" pitchFamily="18" charset="0"/>
+                                              <a:ea typeface="Cambria Math" panose="02040503050406030204" pitchFamily="18" charset="0"/>
+                                            </a:rPr>
+                                            <m:t>, </m:t>
+                                          </m:r>
+                                          <m:r>
+                                            <a:rPr lang="it-IT" sz="1875" b="0" i="1" smtClean="0">
+                                              <a:latin typeface="Cambria Math" panose="02040503050406030204" pitchFamily="18" charset="0"/>
+                                              <a:ea typeface="Cambria Math" panose="02040503050406030204" pitchFamily="18" charset="0"/>
+                                            </a:rPr>
+                                            <m:t>𝑉</m:t>
+                                          </m:r>
+                                          <m:r>
+                                            <a:rPr lang="it-IT" sz="1875" b="0" i="1" smtClean="0">
+                                              <a:latin typeface="Cambria Math" panose="02040503050406030204" pitchFamily="18" charset="0"/>
+                                              <a:ea typeface="Cambria Math" panose="02040503050406030204" pitchFamily="18" charset="0"/>
+                                            </a:rPr>
+                                            <m:t>′′′</m:t>
+                                          </m:r>
+                                        </m:e>
+                                      </m:d>
+                                      <m:r>
+                                        <a:rPr lang="it-IT" sz="1875" b="0" i="1" smtClean="0">
+                                          <a:latin typeface="Cambria Math" panose="02040503050406030204" pitchFamily="18" charset="0"/>
+                                          <a:ea typeface="Cambria Math" panose="02040503050406030204" pitchFamily="18" charset="0"/>
+                                        </a:rPr>
+                                        <m:t>                </m:t>
+                                      </m:r>
+                                      <m:r>
+                                        <a:rPr lang="it-IT" sz="1875" b="0" i="1" smtClean="0">
+                                          <a:latin typeface="Cambria Math" panose="02040503050406030204" pitchFamily="18" charset="0"/>
+                                          <a:ea typeface="Cambria Math" panose="02040503050406030204" pitchFamily="18" charset="0"/>
+                                        </a:rPr>
+                                        <m:t>𝑖𝑓</m:t>
+                                      </m:r>
+                                      <m:r>
+                                        <a:rPr lang="it-IT" sz="1875" b="0" i="1" smtClean="0">
+                                          <a:latin typeface="Cambria Math" panose="02040503050406030204" pitchFamily="18" charset="0"/>
+                                          <a:ea typeface="Cambria Math" panose="02040503050406030204" pitchFamily="18" charset="0"/>
+                                        </a:rPr>
+                                        <m:t> </m:t>
+                                      </m:r>
+                                      <m:r>
+                                        <a:rPr lang="it-IT" sz="1875" b="0" i="1" smtClean="0">
+                                          <a:latin typeface="Cambria Math" panose="02040503050406030204" pitchFamily="18" charset="0"/>
+                                          <a:ea typeface="Cambria Math" panose="02040503050406030204" pitchFamily="18" charset="0"/>
+                                        </a:rPr>
+                                        <m:t>𝑈</m:t>
+                                      </m:r>
+                                      <m:r>
+                                        <a:rPr lang="it-IT" sz="1875" b="0" i="1" smtClean="0">
+                                          <a:latin typeface="Cambria Math" panose="02040503050406030204" pitchFamily="18" charset="0"/>
+                                          <a:ea typeface="Cambria Math" panose="02040503050406030204" pitchFamily="18" charset="0"/>
+                                        </a:rPr>
+                                        <m:t> =∅,∃</m:t>
+                                      </m:r>
+                                      <m:r>
+                                        <a:rPr lang="it-IT" sz="1875" b="0" i="1" smtClean="0">
+                                          <a:latin typeface="Cambria Math" panose="02040503050406030204" pitchFamily="18" charset="0"/>
+                                          <a:ea typeface="Cambria Math" panose="02040503050406030204" pitchFamily="18" charset="0"/>
+                                        </a:rPr>
+                                        <m:t>𝑧</m:t>
+                                      </m:r>
+                                      <m:r>
+                                        <a:rPr lang="it-IT" sz="1875" b="0" i="1" smtClean="0">
+                                          <a:latin typeface="Cambria Math" panose="02040503050406030204" pitchFamily="18" charset="0"/>
+                                          <a:ea typeface="Cambria Math" panose="02040503050406030204" pitchFamily="18" charset="0"/>
+                                        </a:rPr>
+                                        <m:t>∈</m:t>
+                                      </m:r>
+                                      <m:d>
+                                        <m:dPr>
+                                          <m:begChr m:val="{"/>
+                                          <m:endChr m:val="}"/>
+                                          <m:ctrlPr>
+                                            <a:rPr lang="it-IT" sz="1875" b="0" i="1" smtClean="0">
+                                              <a:latin typeface="Cambria Math" panose="02040503050406030204" pitchFamily="18" charset="0"/>
+                                              <a:ea typeface="Cambria Math" panose="02040503050406030204" pitchFamily="18" charset="0"/>
+                                            </a:rPr>
+                                          </m:ctrlPr>
+                                        </m:dPr>
+                                        <m:e>
+                                          <m:r>
+                                            <a:rPr lang="it-IT" sz="1875" b="0" i="1" smtClean="0">
+                                              <a:latin typeface="Cambria Math" panose="02040503050406030204" pitchFamily="18" charset="0"/>
+                                              <a:ea typeface="Cambria Math" panose="02040503050406030204" pitchFamily="18" charset="0"/>
+                                            </a:rPr>
+                                            <m:t>1,…,</m:t>
+                                          </m:r>
+                                          <m:r>
+                                            <a:rPr lang="it-IT" sz="1875" b="0" i="1" smtClean="0">
+                                              <a:latin typeface="Cambria Math" panose="02040503050406030204" pitchFamily="18" charset="0"/>
+                                              <a:ea typeface="Cambria Math" panose="02040503050406030204" pitchFamily="18" charset="0"/>
+                                            </a:rPr>
+                                            <m:t>𝑚</m:t>
+                                          </m:r>
+                                        </m:e>
+                                      </m:d>
+                                      <m:r>
+                                        <a:rPr lang="it-IT" sz="1875" b="0" i="1" smtClean="0">
+                                          <a:latin typeface="Cambria Math" panose="02040503050406030204" pitchFamily="18" charset="0"/>
+                                          <a:ea typeface="Cambria Math" panose="02040503050406030204" pitchFamily="18" charset="0"/>
+                                        </a:rPr>
+                                        <m:t>:</m:t>
+                                      </m:r>
+                                      <m:sSub>
+                                        <m:sSubPr>
+                                          <m:ctrlPr>
+                                            <a:rPr lang="it-IT" sz="1875" b="0" i="1" smtClean="0">
+                                              <a:latin typeface="Cambria Math" panose="02040503050406030204" pitchFamily="18" charset="0"/>
+                                              <a:ea typeface="Cambria Math" panose="02040503050406030204" pitchFamily="18" charset="0"/>
+                                            </a:rPr>
+                                          </m:ctrlPr>
+                                        </m:sSubPr>
+                                        <m:e>
+                                          <m:r>
+                                            <a:rPr lang="it-IT" sz="1875" b="0" i="1" smtClean="0">
+                                              <a:latin typeface="Cambria Math" panose="02040503050406030204" pitchFamily="18" charset="0"/>
+                                              <a:ea typeface="Cambria Math" panose="02040503050406030204" pitchFamily="18" charset="0"/>
+                                            </a:rPr>
+                                            <m:t>𝑖</m:t>
+                                          </m:r>
+                                        </m:e>
+                                        <m:sub>
+                                          <m:r>
+                                            <a:rPr lang="it-IT" sz="1875" b="0" i="1" smtClean="0">
+                                              <a:latin typeface="Cambria Math" panose="02040503050406030204" pitchFamily="18" charset="0"/>
+                                              <a:ea typeface="Cambria Math" panose="02040503050406030204" pitchFamily="18" charset="0"/>
+                                            </a:rPr>
+                                            <m:t>𝑧</m:t>
+                                          </m:r>
+                                        </m:sub>
+                                      </m:sSub>
+                                      <m:r>
+                                        <a:rPr lang="it-IT" sz="1875" b="0" i="1" smtClean="0">
+                                          <a:latin typeface="Cambria Math" panose="02040503050406030204" pitchFamily="18" charset="0"/>
+                                          <a:ea typeface="Cambria Math" panose="02040503050406030204" pitchFamily="18" charset="0"/>
+                                        </a:rPr>
+                                        <m:t>≠0</m:t>
+                                      </m:r>
+                                    </m:e>
+                                  </m:func>
+                                </m:e>
+                                <m:e/>
+                                <m:e/>
+                                <m:e>
+                                  <m:r>
+                                    <a:rPr lang="it-IT" sz="1875" b="0" i="1" smtClean="0">
+                                      <a:latin typeface="Cambria Math" panose="02040503050406030204" pitchFamily="18" charset="0"/>
+                                      <a:ea typeface="Cambria Math" panose="02040503050406030204" pitchFamily="18" charset="0"/>
+                                    </a:rPr>
+                                    <m:t>0                                                                           </m:t>
+                                  </m:r>
+                                  <m:r>
+                                    <a:rPr lang="it-IT" sz="1875" i="1">
+                                      <a:latin typeface="Cambria Math" panose="02040503050406030204" pitchFamily="18" charset="0"/>
+                                      <a:ea typeface="Cambria Math" panose="02040503050406030204" pitchFamily="18" charset="0"/>
+                                    </a:rPr>
+                                    <m:t>𝑖𝑓</m:t>
+                                  </m:r>
+                                  <m:r>
+                                    <a:rPr lang="it-IT" sz="1875" i="1">
+                                      <a:latin typeface="Cambria Math" panose="02040503050406030204" pitchFamily="18" charset="0"/>
+                                      <a:ea typeface="Cambria Math" panose="02040503050406030204" pitchFamily="18" charset="0"/>
+                                    </a:rPr>
+                                    <m:t> </m:t>
+                                  </m:r>
+                                  <m:r>
+                                    <a:rPr lang="it-IT" sz="1875" i="1">
+                                      <a:latin typeface="Cambria Math" panose="02040503050406030204" pitchFamily="18" charset="0"/>
+                                      <a:ea typeface="Cambria Math" panose="02040503050406030204" pitchFamily="18" charset="0"/>
+                                    </a:rPr>
+                                    <m:t>𝑈</m:t>
+                                  </m:r>
+                                  <m:r>
+                                    <a:rPr lang="it-IT" sz="1875" i="1">
+                                      <a:latin typeface="Cambria Math" panose="02040503050406030204" pitchFamily="18" charset="0"/>
+                                      <a:ea typeface="Cambria Math" panose="02040503050406030204" pitchFamily="18" charset="0"/>
+                                    </a:rPr>
+                                    <m:t> =∅,∄</m:t>
+                                  </m:r>
+                                  <m:r>
+                                    <a:rPr lang="it-IT" sz="1875" i="1">
+                                      <a:latin typeface="Cambria Math" panose="02040503050406030204" pitchFamily="18" charset="0"/>
+                                      <a:ea typeface="Cambria Math" panose="02040503050406030204" pitchFamily="18" charset="0"/>
+                                    </a:rPr>
+                                    <m:t>𝑧</m:t>
+                                  </m:r>
+                                  <m:r>
+                                    <a:rPr lang="it-IT" sz="1875" i="1">
+                                      <a:latin typeface="Cambria Math" panose="02040503050406030204" pitchFamily="18" charset="0"/>
+                                      <a:ea typeface="Cambria Math" panose="02040503050406030204" pitchFamily="18" charset="0"/>
+                                    </a:rPr>
+                                    <m:t>∈</m:t>
+                                  </m:r>
+                                  <m:d>
+                                    <m:dPr>
+                                      <m:begChr m:val="{"/>
+                                      <m:endChr m:val="}"/>
+                                      <m:ctrlPr>
+                                        <a:rPr lang="it-IT" sz="1875" i="1">
+                                          <a:latin typeface="Cambria Math" panose="02040503050406030204" pitchFamily="18" charset="0"/>
+                                          <a:ea typeface="Cambria Math" panose="02040503050406030204" pitchFamily="18" charset="0"/>
+                                        </a:rPr>
+                                      </m:ctrlPr>
+                                    </m:dPr>
+                                    <m:e>
+                                      <m:r>
+                                        <a:rPr lang="it-IT" sz="1875" i="1">
+                                          <a:latin typeface="Cambria Math" panose="02040503050406030204" pitchFamily="18" charset="0"/>
+                                          <a:ea typeface="Cambria Math" panose="02040503050406030204" pitchFamily="18" charset="0"/>
+                                        </a:rPr>
+                                        <m:t>1,…,</m:t>
+                                      </m:r>
+                                      <m:r>
+                                        <a:rPr lang="it-IT" sz="1875" i="1">
+                                          <a:latin typeface="Cambria Math" panose="02040503050406030204" pitchFamily="18" charset="0"/>
+                                          <a:ea typeface="Cambria Math" panose="02040503050406030204" pitchFamily="18" charset="0"/>
+                                        </a:rPr>
+                                        <m:t>𝑚</m:t>
+                                      </m:r>
+                                    </m:e>
+                                  </m:d>
+                                  <m:r>
+                                    <a:rPr lang="it-IT" sz="1875" i="1">
+                                      <a:latin typeface="Cambria Math" panose="02040503050406030204" pitchFamily="18" charset="0"/>
+                                      <a:ea typeface="Cambria Math" panose="02040503050406030204" pitchFamily="18" charset="0"/>
+                                    </a:rPr>
+                                    <m:t>:</m:t>
+                                  </m:r>
+                                  <m:sSub>
+                                    <m:sSubPr>
+                                      <m:ctrlPr>
+                                        <a:rPr lang="it-IT" sz="1875" i="1">
+                                          <a:latin typeface="Cambria Math" panose="02040503050406030204" pitchFamily="18" charset="0"/>
+                                          <a:ea typeface="Cambria Math" panose="02040503050406030204" pitchFamily="18" charset="0"/>
+                                        </a:rPr>
+                                      </m:ctrlPr>
+                                    </m:sSubPr>
+                                    <m:e>
+                                      <m:r>
+                                        <a:rPr lang="it-IT" sz="1875" i="1">
+                                          <a:latin typeface="Cambria Math" panose="02040503050406030204" pitchFamily="18" charset="0"/>
+                                          <a:ea typeface="Cambria Math" panose="02040503050406030204" pitchFamily="18" charset="0"/>
+                                        </a:rPr>
+                                        <m:t>𝑖</m:t>
+                                      </m:r>
+                                    </m:e>
+                                    <m:sub>
+                                      <m:r>
+                                        <a:rPr lang="it-IT" sz="1875" i="1">
+                                          <a:latin typeface="Cambria Math" panose="02040503050406030204" pitchFamily="18" charset="0"/>
+                                          <a:ea typeface="Cambria Math" panose="02040503050406030204" pitchFamily="18" charset="0"/>
+                                        </a:rPr>
+                                        <m:t>𝑧</m:t>
+                                      </m:r>
+                                    </m:sub>
+                                  </m:sSub>
+                                  <m:r>
+                                    <a:rPr lang="it-IT" sz="1875" i="1">
+                                      <a:latin typeface="Cambria Math" panose="02040503050406030204" pitchFamily="18" charset="0"/>
+                                      <a:ea typeface="Cambria Math" panose="02040503050406030204" pitchFamily="18" charset="0"/>
+                                    </a:rPr>
+                                    <m:t>≠</m:t>
+                                  </m:r>
+                                  <m:r>
+                                    <a:rPr lang="it-IT" sz="1875" b="0" i="1" smtClean="0">
+                                      <a:latin typeface="Cambria Math" panose="02040503050406030204" pitchFamily="18" charset="0"/>
+                                      <a:ea typeface="Cambria Math" panose="02040503050406030204" pitchFamily="18" charset="0"/>
+                                    </a:rPr>
+                                    <m:t>0</m:t>
+                                  </m:r>
+                                </m:e>
+                              </m:eqArr>
+                            </m:e>
+                            <m:e/>
+                          </m:eqArr>
+                        </m:e>
+                      </m:d>
+                    </m:oMath>
+                  </m:oMathPara>
+                </a14:m>
+                <a:endParaRPr lang="en-US" sz="1875" i="1" dirty="0">
+                  <a:latin typeface="Cambria Math" panose="02040503050406030204" pitchFamily="18" charset="0"/>
+                </a:endParaRPr>
+              </a:p>
+              <a:p>
+                <a:pPr marL="0" indent="0">
+                  <a:buNone/>
+                </a:pPr>
+                <a:endParaRPr lang="it-IT" sz="1875" b="0" i="1" dirty="0">
+                  <a:latin typeface="Cambria Math" panose="02040503050406030204" pitchFamily="18" charset="0"/>
+                </a:endParaRPr>
+              </a:p>
+              <a:p>
+                <a:pPr marL="0" indent="0">
+                  <a:buNone/>
+                </a:pPr>
+                <a14:m>
+                  <m:oMathPara xmlns:m="http://schemas.openxmlformats.org/officeDocument/2006/math">
+                    <m:oMathParaPr>
+                      <m:jc m:val="left"/>
+                    </m:oMathParaPr>
+                    <m:oMath xmlns:m="http://schemas.openxmlformats.org/officeDocument/2006/math">
+                      <m:sSup>
+                        <m:sSupPr>
+                          <m:ctrlPr>
+                            <a:rPr lang="it-IT" sz="1875" b="0" i="1" smtClean="0">
+                              <a:latin typeface="Cambria Math" panose="02040503050406030204" pitchFamily="18" charset="0"/>
+                            </a:rPr>
+                          </m:ctrlPr>
+                        </m:sSupPr>
+                        <m:e>
+                          <m:r>
+                            <a:rPr lang="it-IT" sz="1875" b="0" i="1" smtClean="0">
+                              <a:latin typeface="Cambria Math" panose="02040503050406030204" pitchFamily="18" charset="0"/>
+                            </a:rPr>
+                            <m:t>𝑉</m:t>
+                          </m:r>
+                        </m:e>
+                        <m:sup>
+                          <m:r>
+                            <a:rPr lang="it-IT" sz="1875" b="0" i="1" smtClean="0">
+                              <a:latin typeface="Cambria Math" panose="02040503050406030204" pitchFamily="18" charset="0"/>
+                            </a:rPr>
+                            <m:t>′</m:t>
+                          </m:r>
+                        </m:sup>
+                      </m:sSup>
+                      <m:r>
+                        <a:rPr lang="it-IT" sz="1875" b="0" i="1" smtClean="0">
+                          <a:latin typeface="Cambria Math" panose="02040503050406030204" pitchFamily="18" charset="0"/>
+                          <a:ea typeface="Cambria Math" panose="02040503050406030204" pitchFamily="18" charset="0"/>
+                        </a:rPr>
+                        <m:t>=</m:t>
+                      </m:r>
+                      <m:r>
+                        <a:rPr lang="it-IT" sz="1875" b="0" i="1" smtClean="0">
+                          <a:latin typeface="Cambria Math" panose="02040503050406030204" pitchFamily="18" charset="0"/>
+                          <a:ea typeface="Cambria Math" panose="02040503050406030204" pitchFamily="18" charset="0"/>
+                        </a:rPr>
+                        <m:t>𝑉</m:t>
+                      </m:r>
+                      <m:d>
+                        <m:dPr>
+                          <m:ctrlPr>
+                            <a:rPr lang="it-IT" sz="1875" b="0" i="1" smtClean="0">
+                              <a:latin typeface="Cambria Math" panose="02040503050406030204" pitchFamily="18" charset="0"/>
+                              <a:ea typeface="Cambria Math" panose="02040503050406030204" pitchFamily="18" charset="0"/>
+                            </a:rPr>
+                          </m:ctrlPr>
+                        </m:dPr>
+                        <m:e>
+                          <m:r>
+                            <a:rPr lang="it-IT" sz="1875" b="0" i="1" smtClean="0">
+                              <a:latin typeface="Cambria Math" panose="02040503050406030204" pitchFamily="18" charset="0"/>
+                              <a:ea typeface="Cambria Math" panose="02040503050406030204" pitchFamily="18" charset="0"/>
+                            </a:rPr>
+                            <m:t>𝑈</m:t>
+                          </m:r>
+                          <m:r>
+                            <a:rPr lang="it-IT" sz="1875" b="0" i="1" smtClean="0">
+                              <a:latin typeface="Cambria Math" panose="02040503050406030204" pitchFamily="18" charset="0"/>
+                              <a:ea typeface="Cambria Math" panose="02040503050406030204" pitchFamily="18" charset="0"/>
+                            </a:rPr>
+                            <m:t>\</m:t>
+                          </m:r>
+                          <m:d>
+                            <m:dPr>
+                              <m:begChr m:val="{"/>
+                              <m:endChr m:val="}"/>
+                              <m:ctrlPr>
+                                <a:rPr lang="it-IT" sz="1875" b="0" i="1" smtClean="0">
+                                  <a:latin typeface="Cambria Math" panose="02040503050406030204" pitchFamily="18" charset="0"/>
+                                  <a:ea typeface="Cambria Math" panose="02040503050406030204" pitchFamily="18" charset="0"/>
+                                </a:rPr>
+                              </m:ctrlPr>
+                            </m:dPr>
+                            <m:e>
+                              <m:r>
+                                <a:rPr lang="it-IT" sz="1875" b="0" i="1" smtClean="0">
+                                  <a:latin typeface="Cambria Math" panose="02040503050406030204" pitchFamily="18" charset="0"/>
+                                  <a:ea typeface="Cambria Math" panose="02040503050406030204" pitchFamily="18" charset="0"/>
+                                </a:rPr>
+                                <m:t>𝑗</m:t>
+                              </m:r>
+                            </m:e>
+                          </m:d>
+                          <m:r>
+                            <a:rPr lang="it-IT" sz="1875" b="0" i="1" smtClean="0">
+                              <a:latin typeface="Cambria Math" panose="02040503050406030204" pitchFamily="18" charset="0"/>
+                              <a:ea typeface="Cambria Math" panose="02040503050406030204" pitchFamily="18" charset="0"/>
+                            </a:rPr>
+                            <m:t>,</m:t>
+                          </m:r>
+                          <m:d>
+                            <m:dPr>
+                              <m:begChr m:val="{"/>
+                              <m:endChr m:val="}"/>
+                              <m:ctrlPr>
+                                <a:rPr lang="it-IT" sz="1875" i="1">
+                                  <a:latin typeface="Cambria Math" panose="02040503050406030204" pitchFamily="18" charset="0"/>
+                                </a:rPr>
+                              </m:ctrlPr>
+                            </m:dPr>
+                            <m:e>
+                              <m:sSub>
+                                <m:sSubPr>
+                                  <m:ctrlPr>
+                                    <a:rPr lang="it-IT" sz="1875" i="1">
+                                      <a:latin typeface="Cambria Math" panose="02040503050406030204" pitchFamily="18" charset="0"/>
+                                    </a:rPr>
+                                  </m:ctrlPr>
+                                </m:sSubPr>
+                                <m:e>
+                                  <m:r>
+                                    <a:rPr lang="it-IT" sz="1875" i="1">
+                                      <a:latin typeface="Cambria Math" panose="02040503050406030204" pitchFamily="18" charset="0"/>
+                                    </a:rPr>
+                                    <m:t>𝑖</m:t>
+                                  </m:r>
+                                </m:e>
+                                <m:sub>
+                                  <m:r>
+                                    <a:rPr lang="it-IT" sz="1875" i="1">
+                                      <a:latin typeface="Cambria Math" panose="02040503050406030204" pitchFamily="18" charset="0"/>
+                                    </a:rPr>
+                                    <m:t>1</m:t>
+                                  </m:r>
+                                </m:sub>
+                              </m:sSub>
+                              <m:r>
+                                <a:rPr lang="it-IT" sz="1875" i="1">
+                                  <a:latin typeface="Cambria Math" panose="02040503050406030204" pitchFamily="18" charset="0"/>
+                                </a:rPr>
+                                <m:t>,…,</m:t>
+                              </m:r>
+                              <m:sSub>
+                                <m:sSubPr>
+                                  <m:ctrlPr>
+                                    <a:rPr lang="it-IT" sz="1875" i="1">
+                                      <a:latin typeface="Cambria Math" panose="02040503050406030204" pitchFamily="18" charset="0"/>
+                                    </a:rPr>
+                                  </m:ctrlPr>
+                                </m:sSubPr>
+                                <m:e>
+                                  <m:r>
+                                    <a:rPr lang="it-IT" sz="1875" i="1">
+                                      <a:latin typeface="Cambria Math" panose="02040503050406030204" pitchFamily="18" charset="0"/>
+                                    </a:rPr>
+                                    <m:t>𝑖</m:t>
+                                  </m:r>
+                                </m:e>
+                                <m:sub>
+                                  <m:r>
+                                    <a:rPr lang="it-IT" sz="1875" b="0" i="1" smtClean="0">
+                                      <a:latin typeface="Cambria Math" panose="02040503050406030204" pitchFamily="18" charset="0"/>
+                                    </a:rPr>
+                                    <m:t>𝑧</m:t>
+                                  </m:r>
+                                  <m:r>
+                                    <a:rPr lang="it-IT" sz="1875" b="0" i="1" smtClean="0">
+                                      <a:latin typeface="Cambria Math" panose="02040503050406030204" pitchFamily="18" charset="0"/>
+                                    </a:rPr>
+                                    <m:t>−1</m:t>
+                                  </m:r>
+                                </m:sub>
+                              </m:sSub>
+                              <m:r>
+                                <a:rPr lang="it-IT" sz="1875" b="0" i="1" smtClean="0">
+                                  <a:latin typeface="Cambria Math" panose="02040503050406030204" pitchFamily="18" charset="0"/>
+                                </a:rPr>
+                                <m:t>,</m:t>
+                              </m:r>
+                              <m:r>
+                                <a:rPr lang="it-IT" sz="1875" b="0" i="1" smtClean="0">
+                                  <a:latin typeface="Cambria Math" panose="02040503050406030204" pitchFamily="18" charset="0"/>
+                                </a:rPr>
+                                <m:t>𝑗</m:t>
+                              </m:r>
+                              <m:r>
+                                <a:rPr lang="it-IT" sz="1875" b="0" i="1" smtClean="0">
+                                  <a:latin typeface="Cambria Math" panose="02040503050406030204" pitchFamily="18" charset="0"/>
+                                </a:rPr>
+                                <m:t>,</m:t>
+                              </m:r>
+                              <m:sSub>
+                                <m:sSubPr>
+                                  <m:ctrlPr>
+                                    <a:rPr lang="it-IT" sz="1875" i="1">
+                                      <a:latin typeface="Cambria Math" panose="02040503050406030204" pitchFamily="18" charset="0"/>
+                                    </a:rPr>
+                                  </m:ctrlPr>
+                                </m:sSubPr>
+                                <m:e>
+                                  <m:r>
+                                    <a:rPr lang="it-IT" sz="1875" i="1">
+                                      <a:latin typeface="Cambria Math" panose="02040503050406030204" pitchFamily="18" charset="0"/>
+                                    </a:rPr>
+                                    <m:t>𝑖</m:t>
+                                  </m:r>
+                                </m:e>
+                                <m:sub>
+                                  <m:r>
+                                    <a:rPr lang="it-IT" sz="1875" b="0" i="1" smtClean="0">
+                                      <a:latin typeface="Cambria Math" panose="02040503050406030204" pitchFamily="18" charset="0"/>
+                                    </a:rPr>
+                                    <m:t>𝑧</m:t>
+                                  </m:r>
+                                  <m:r>
+                                    <a:rPr lang="it-IT" sz="1875" b="0" i="1" smtClean="0">
+                                      <a:latin typeface="Cambria Math" panose="02040503050406030204" pitchFamily="18" charset="0"/>
+                                    </a:rPr>
+                                    <m:t>+1</m:t>
+                                  </m:r>
+                                </m:sub>
+                              </m:sSub>
+                              <m:r>
+                                <a:rPr lang="it-IT" sz="1875" i="1">
+                                  <a:latin typeface="Cambria Math" panose="02040503050406030204" pitchFamily="18" charset="0"/>
+                                </a:rPr>
+                                <m:t>,…,</m:t>
+                              </m:r>
+                              <m:sSub>
+                                <m:sSubPr>
+                                  <m:ctrlPr>
+                                    <a:rPr lang="it-IT" sz="1875" i="1">
+                                      <a:latin typeface="Cambria Math" panose="02040503050406030204" pitchFamily="18" charset="0"/>
+                                    </a:rPr>
+                                  </m:ctrlPr>
+                                </m:sSubPr>
+                                <m:e>
+                                  <m:r>
+                                    <a:rPr lang="it-IT" sz="1875" i="1">
+                                      <a:latin typeface="Cambria Math" panose="02040503050406030204" pitchFamily="18" charset="0"/>
+                                    </a:rPr>
+                                    <m:t>𝑖</m:t>
+                                  </m:r>
+                                </m:e>
+                                <m:sub>
+                                  <m:r>
+                                    <a:rPr lang="it-IT" sz="1875" b="0" i="1" smtClean="0">
+                                      <a:latin typeface="Cambria Math" panose="02040503050406030204" pitchFamily="18" charset="0"/>
+                                    </a:rPr>
+                                    <m:t>𝑚</m:t>
+                                  </m:r>
+                                </m:sub>
+                              </m:sSub>
+                            </m:e>
+                          </m:d>
+                          <m:r>
+                            <a:rPr lang="it-IT" sz="1875" i="1">
+                              <a:latin typeface="Cambria Math" panose="02040503050406030204" pitchFamily="18" charset="0"/>
+                            </a:rPr>
+                            <m:t>,</m:t>
+                          </m:r>
+                          <m:d>
+                            <m:dPr>
+                              <m:begChr m:val="{"/>
+                              <m:endChr m:val="}"/>
+                              <m:ctrlPr>
+                                <a:rPr lang="it-IT" sz="1875" i="1">
+                                  <a:latin typeface="Cambria Math" panose="02040503050406030204" pitchFamily="18" charset="0"/>
+                                </a:rPr>
+                              </m:ctrlPr>
+                            </m:dPr>
+                            <m:e>
+                              <m:sSub>
+                                <m:sSubPr>
+                                  <m:ctrlPr>
+                                    <a:rPr lang="it-IT" sz="1875" i="1">
+                                      <a:latin typeface="Cambria Math" panose="02040503050406030204" pitchFamily="18" charset="0"/>
+                                    </a:rPr>
+                                  </m:ctrlPr>
+                                </m:sSubPr>
+                                <m:e>
+                                  <m:r>
+                                    <a:rPr lang="it-IT" sz="1875" b="0" i="1" smtClean="0">
+                                      <a:latin typeface="Cambria Math" panose="02040503050406030204" pitchFamily="18" charset="0"/>
+                                    </a:rPr>
+                                    <m:t>𝑙</m:t>
+                                  </m:r>
+                                </m:e>
+                                <m:sub>
+                                  <m:r>
+                                    <a:rPr lang="it-IT" sz="1875" i="1">
+                                      <a:latin typeface="Cambria Math" panose="02040503050406030204" pitchFamily="18" charset="0"/>
+                                    </a:rPr>
+                                    <m:t>1</m:t>
+                                  </m:r>
+                                </m:sub>
+                              </m:sSub>
+                              <m:r>
+                                <a:rPr lang="it-IT" sz="1875" i="1">
+                                  <a:latin typeface="Cambria Math" panose="02040503050406030204" pitchFamily="18" charset="0"/>
+                                </a:rPr>
+                                <m:t>,…,</m:t>
+                              </m:r>
+                              <m:sSub>
+                                <m:sSubPr>
+                                  <m:ctrlPr>
+                                    <a:rPr lang="it-IT" sz="1875" i="1">
+                                      <a:latin typeface="Cambria Math" panose="02040503050406030204" pitchFamily="18" charset="0"/>
+                                    </a:rPr>
+                                  </m:ctrlPr>
+                                </m:sSubPr>
+                                <m:e>
+                                  <m:r>
+                                    <a:rPr lang="it-IT" sz="1875" b="0" i="1" smtClean="0">
+                                      <a:latin typeface="Cambria Math" panose="02040503050406030204" pitchFamily="18" charset="0"/>
+                                    </a:rPr>
+                                    <m:t>𝑙</m:t>
+                                  </m:r>
+                                </m:e>
+                                <m:sub>
+                                  <m:r>
+                                    <a:rPr lang="it-IT" sz="1875" i="1">
+                                      <a:latin typeface="Cambria Math" panose="02040503050406030204" pitchFamily="18" charset="0"/>
+                                    </a:rPr>
+                                    <m:t>𝑧</m:t>
+                                  </m:r>
+                                  <m:r>
+                                    <a:rPr lang="it-IT" sz="1875" i="1">
+                                      <a:latin typeface="Cambria Math" panose="02040503050406030204" pitchFamily="18" charset="0"/>
+                                    </a:rPr>
+                                    <m:t>−1</m:t>
+                                  </m:r>
+                                </m:sub>
+                              </m:sSub>
+                              <m:r>
+                                <a:rPr lang="it-IT" sz="1875" i="1">
+                                  <a:latin typeface="Cambria Math" panose="02040503050406030204" pitchFamily="18" charset="0"/>
+                                </a:rPr>
+                                <m:t>,</m:t>
+                              </m:r>
+                              <m:sSub>
+                                <m:sSubPr>
+                                  <m:ctrlPr>
+                                    <a:rPr lang="it-IT" sz="1875" i="1" smtClean="0">
+                                      <a:latin typeface="Cambria Math" panose="02040503050406030204" pitchFamily="18" charset="0"/>
+                                    </a:rPr>
+                                  </m:ctrlPr>
+                                </m:sSubPr>
+                                <m:e>
+                                  <m:r>
+                                    <a:rPr lang="it-IT" sz="1875" b="0" i="1" smtClean="0">
+                                      <a:latin typeface="Cambria Math" panose="02040503050406030204" pitchFamily="18" charset="0"/>
+                                    </a:rPr>
+                                    <m:t>𝑙</m:t>
+                                  </m:r>
+                                </m:e>
+                                <m:sub>
+                                  <m:r>
+                                    <a:rPr lang="it-IT" sz="1875" b="0" i="1" smtClean="0">
+                                      <a:latin typeface="Cambria Math" panose="02040503050406030204" pitchFamily="18" charset="0"/>
+                                    </a:rPr>
+                                    <m:t>𝑧</m:t>
+                                  </m:r>
+                                </m:sub>
+                              </m:sSub>
+                              <m:r>
+                                <a:rPr lang="it-IT" sz="1875" b="0" i="1" smtClean="0">
+                                  <a:latin typeface="Cambria Math" panose="02040503050406030204" pitchFamily="18" charset="0"/>
+                                </a:rPr>
+                                <m:t>+</m:t>
+                              </m:r>
+                              <m:sSub>
+                                <m:sSubPr>
+                                  <m:ctrlPr>
+                                    <a:rPr lang="it-IT" sz="1875" b="0" i="1" smtClean="0">
+                                      <a:latin typeface="Cambria Math" panose="02040503050406030204" pitchFamily="18" charset="0"/>
+                                    </a:rPr>
+                                  </m:ctrlPr>
+                                </m:sSubPr>
+                                <m:e>
+                                  <m:r>
+                                    <a:rPr lang="it-IT" sz="1875" b="0" i="1" smtClean="0">
+                                      <a:latin typeface="Cambria Math" panose="02040503050406030204" pitchFamily="18" charset="0"/>
+                                    </a:rPr>
+                                    <m:t>𝑑</m:t>
+                                  </m:r>
+                                </m:e>
+                                <m:sub>
+                                  <m:r>
+                                    <a:rPr lang="it-IT" sz="1875" b="0" i="1" smtClean="0">
+                                      <a:latin typeface="Cambria Math" panose="02040503050406030204" pitchFamily="18" charset="0"/>
+                                    </a:rPr>
+                                    <m:t>𝑗</m:t>
+                                  </m:r>
+                                </m:sub>
+                              </m:sSub>
+                              <m:r>
+                                <a:rPr lang="it-IT" sz="1875" i="1">
+                                  <a:latin typeface="Cambria Math" panose="02040503050406030204" pitchFamily="18" charset="0"/>
+                                </a:rPr>
+                                <m:t>,</m:t>
+                              </m:r>
+                              <m:sSub>
+                                <m:sSubPr>
+                                  <m:ctrlPr>
+                                    <a:rPr lang="it-IT" sz="1875" i="1">
+                                      <a:latin typeface="Cambria Math" panose="02040503050406030204" pitchFamily="18" charset="0"/>
+                                    </a:rPr>
+                                  </m:ctrlPr>
+                                </m:sSubPr>
+                                <m:e>
+                                  <m:r>
+                                    <a:rPr lang="it-IT" sz="1875" b="0" i="1" smtClean="0">
+                                      <a:latin typeface="Cambria Math" panose="02040503050406030204" pitchFamily="18" charset="0"/>
+                                    </a:rPr>
+                                    <m:t>𝑙</m:t>
+                                  </m:r>
+                                </m:e>
+                                <m:sub>
+                                  <m:r>
+                                    <a:rPr lang="it-IT" sz="1875" i="1">
+                                      <a:latin typeface="Cambria Math" panose="02040503050406030204" pitchFamily="18" charset="0"/>
+                                    </a:rPr>
+                                    <m:t>𝑧</m:t>
+                                  </m:r>
+                                  <m:r>
+                                    <a:rPr lang="it-IT" sz="1875" i="1">
+                                      <a:latin typeface="Cambria Math" panose="02040503050406030204" pitchFamily="18" charset="0"/>
+                                    </a:rPr>
+                                    <m:t>+1</m:t>
+                                  </m:r>
+                                </m:sub>
+                              </m:sSub>
+                              <m:r>
+                                <a:rPr lang="it-IT" sz="1875" i="1">
+                                  <a:latin typeface="Cambria Math" panose="02040503050406030204" pitchFamily="18" charset="0"/>
+                                </a:rPr>
+                                <m:t>,…,</m:t>
+                              </m:r>
+                              <m:sSub>
+                                <m:sSubPr>
+                                  <m:ctrlPr>
+                                    <a:rPr lang="it-IT" sz="1875" i="1">
+                                      <a:latin typeface="Cambria Math" panose="02040503050406030204" pitchFamily="18" charset="0"/>
+                                    </a:rPr>
+                                  </m:ctrlPr>
+                                </m:sSubPr>
+                                <m:e>
+                                  <m:r>
+                                    <a:rPr lang="it-IT" sz="1875" b="0" i="1" smtClean="0">
+                                      <a:latin typeface="Cambria Math" panose="02040503050406030204" pitchFamily="18" charset="0"/>
+                                    </a:rPr>
+                                    <m:t>𝑙</m:t>
+                                  </m:r>
+                                </m:e>
+                                <m:sub>
+                                  <m:r>
+                                    <a:rPr lang="it-IT" sz="1875" i="1">
+                                      <a:latin typeface="Cambria Math" panose="02040503050406030204" pitchFamily="18" charset="0"/>
+                                    </a:rPr>
+                                    <m:t>𝑚</m:t>
+                                  </m:r>
+                                </m:sub>
+                              </m:sSub>
+                            </m:e>
+                          </m:d>
+                          <m:r>
+                            <a:rPr lang="it-IT" sz="1875" i="1">
+                              <a:latin typeface="Cambria Math" panose="02040503050406030204" pitchFamily="18" charset="0"/>
+                            </a:rPr>
+                            <m:t>,</m:t>
+                          </m:r>
+                          <m:d>
+                            <m:dPr>
+                              <m:begChr m:val="{"/>
+                              <m:endChr m:val="}"/>
+                              <m:ctrlPr>
+                                <a:rPr lang="it-IT" sz="1875" i="1">
+                                  <a:latin typeface="Cambria Math" panose="02040503050406030204" pitchFamily="18" charset="0"/>
+                                </a:rPr>
+                              </m:ctrlPr>
+                            </m:dPr>
+                            <m:e>
+                              <m:sSub>
+                                <m:sSubPr>
+                                  <m:ctrlPr>
+                                    <a:rPr lang="it-IT" sz="1875" i="1">
+                                      <a:latin typeface="Cambria Math" panose="02040503050406030204" pitchFamily="18" charset="0"/>
+                                    </a:rPr>
+                                  </m:ctrlPr>
+                                </m:sSubPr>
+                                <m:e>
+                                  <m:r>
+                                    <a:rPr lang="it-IT" sz="1875" b="0" i="1" smtClean="0">
+                                      <a:latin typeface="Cambria Math" panose="02040503050406030204" pitchFamily="18" charset="0"/>
+                                    </a:rPr>
+                                    <m:t>𝑝</m:t>
+                                  </m:r>
+                                </m:e>
+                                <m:sub>
+                                  <m:r>
+                                    <a:rPr lang="it-IT" sz="1875" i="1">
+                                      <a:latin typeface="Cambria Math" panose="02040503050406030204" pitchFamily="18" charset="0"/>
+                                    </a:rPr>
+                                    <m:t>1</m:t>
+                                  </m:r>
+                                </m:sub>
+                              </m:sSub>
+                              <m:r>
+                                <a:rPr lang="it-IT" sz="1875" i="1">
+                                  <a:latin typeface="Cambria Math" panose="02040503050406030204" pitchFamily="18" charset="0"/>
+                                </a:rPr>
+                                <m:t>,…,</m:t>
+                              </m:r>
+                              <m:sSub>
+                                <m:sSubPr>
+                                  <m:ctrlPr>
+                                    <a:rPr lang="it-IT" sz="1875" i="1">
+                                      <a:latin typeface="Cambria Math" panose="02040503050406030204" pitchFamily="18" charset="0"/>
+                                    </a:rPr>
+                                  </m:ctrlPr>
+                                </m:sSubPr>
+                                <m:e>
+                                  <m:r>
+                                    <a:rPr lang="it-IT" sz="1875" b="0" i="1" smtClean="0">
+                                      <a:latin typeface="Cambria Math" panose="02040503050406030204" pitchFamily="18" charset="0"/>
+                                    </a:rPr>
+                                    <m:t>𝑝</m:t>
+                                  </m:r>
+                                </m:e>
+                                <m:sub>
+                                  <m:r>
+                                    <a:rPr lang="it-IT" sz="1875" i="1">
+                                      <a:latin typeface="Cambria Math" panose="02040503050406030204" pitchFamily="18" charset="0"/>
+                                    </a:rPr>
+                                    <m:t>𝑧</m:t>
+                                  </m:r>
+                                  <m:r>
+                                    <a:rPr lang="it-IT" sz="1875" i="1">
+                                      <a:latin typeface="Cambria Math" panose="02040503050406030204" pitchFamily="18" charset="0"/>
+                                    </a:rPr>
+                                    <m:t>−1</m:t>
+                                  </m:r>
+                                </m:sub>
+                              </m:sSub>
+                              <m:r>
+                                <a:rPr lang="it-IT" sz="1875" i="1">
+                                  <a:latin typeface="Cambria Math" panose="02040503050406030204" pitchFamily="18" charset="0"/>
+                                </a:rPr>
+                                <m:t>,</m:t>
+                              </m:r>
+                              <m:sSub>
+                                <m:sSubPr>
+                                  <m:ctrlPr>
+                                    <a:rPr lang="it-IT" sz="1875" i="1">
+                                      <a:latin typeface="Cambria Math" panose="02040503050406030204" pitchFamily="18" charset="0"/>
+                                    </a:rPr>
+                                  </m:ctrlPr>
+                                </m:sSubPr>
+                                <m:e>
+                                  <m:r>
+                                    <a:rPr lang="it-IT" sz="1875" b="0" i="1" smtClean="0">
+                                      <a:latin typeface="Cambria Math" panose="02040503050406030204" pitchFamily="18" charset="0"/>
+                                    </a:rPr>
+                                    <m:t>𝑝</m:t>
+                                  </m:r>
+                                </m:e>
+                                <m:sub>
+                                  <m:r>
+                                    <a:rPr lang="it-IT" sz="1875" i="1">
+                                      <a:latin typeface="Cambria Math" panose="02040503050406030204" pitchFamily="18" charset="0"/>
+                                    </a:rPr>
+                                    <m:t>𝑧</m:t>
+                                  </m:r>
+                                </m:sub>
+                              </m:sSub>
+                              <m:r>
+                                <a:rPr lang="it-IT" sz="1875" i="1">
+                                  <a:latin typeface="Cambria Math" panose="02040503050406030204" pitchFamily="18" charset="0"/>
+                                </a:rPr>
+                                <m:t>+</m:t>
+                              </m:r>
+                              <m:sSub>
+                                <m:sSubPr>
+                                  <m:ctrlPr>
+                                    <a:rPr lang="it-IT" sz="1875" i="1">
+                                      <a:latin typeface="Cambria Math" panose="02040503050406030204" pitchFamily="18" charset="0"/>
+                                    </a:rPr>
+                                  </m:ctrlPr>
+                                </m:sSubPr>
+                                <m:e>
+                                  <m:r>
+                                    <a:rPr lang="it-IT" sz="1875" b="0" i="1" smtClean="0">
+                                      <a:latin typeface="Cambria Math" panose="02040503050406030204" pitchFamily="18" charset="0"/>
+                                    </a:rPr>
+                                    <m:t>𝑐</m:t>
+                                  </m:r>
+                                </m:e>
+                                <m:sub>
+                                  <m:sSub>
+                                    <m:sSubPr>
+                                      <m:ctrlPr>
+                                        <a:rPr lang="it-IT" sz="1875" i="1" smtClean="0">
+                                          <a:latin typeface="Cambria Math" panose="02040503050406030204" pitchFamily="18" charset="0"/>
+                                        </a:rPr>
+                                      </m:ctrlPr>
+                                    </m:sSubPr>
+                                    <m:e>
+                                      <m:r>
+                                        <a:rPr lang="it-IT" sz="1875" b="0" i="1" smtClean="0">
+                                          <a:latin typeface="Cambria Math" panose="02040503050406030204" pitchFamily="18" charset="0"/>
+                                        </a:rPr>
+                                        <m:t>𝑖</m:t>
+                                      </m:r>
+                                    </m:e>
+                                    <m:sub>
+                                      <m:r>
+                                        <a:rPr lang="it-IT" sz="1875" b="0" i="1" smtClean="0">
+                                          <a:latin typeface="Cambria Math" panose="02040503050406030204" pitchFamily="18" charset="0"/>
+                                        </a:rPr>
+                                        <m:t>𝑧</m:t>
+                                      </m:r>
+                                    </m:sub>
+                                  </m:sSub>
+                                  <m:r>
+                                    <a:rPr lang="it-IT" sz="1875" b="0" i="1" smtClean="0">
+                                      <a:latin typeface="Cambria Math" panose="02040503050406030204" pitchFamily="18" charset="0"/>
+                                    </a:rPr>
+                                    <m:t>𝑗</m:t>
+                                  </m:r>
+                                </m:sub>
+                              </m:sSub>
+                              <m:r>
+                                <a:rPr lang="it-IT" sz="1875" i="1">
+                                  <a:latin typeface="Cambria Math" panose="02040503050406030204" pitchFamily="18" charset="0"/>
+                                </a:rPr>
+                                <m:t>,</m:t>
+                              </m:r>
+                              <m:sSub>
+                                <m:sSubPr>
+                                  <m:ctrlPr>
+                                    <a:rPr lang="it-IT" sz="1875" i="1">
+                                      <a:latin typeface="Cambria Math" panose="02040503050406030204" pitchFamily="18" charset="0"/>
+                                    </a:rPr>
+                                  </m:ctrlPr>
+                                </m:sSubPr>
+                                <m:e>
+                                  <m:r>
+                                    <a:rPr lang="it-IT" sz="1875" b="0" i="1" smtClean="0">
+                                      <a:latin typeface="Cambria Math" panose="02040503050406030204" pitchFamily="18" charset="0"/>
+                                    </a:rPr>
+                                    <m:t>𝑝</m:t>
+                                  </m:r>
+                                </m:e>
+                                <m:sub>
+                                  <m:r>
+                                    <a:rPr lang="it-IT" sz="1875" i="1">
+                                      <a:latin typeface="Cambria Math" panose="02040503050406030204" pitchFamily="18" charset="0"/>
+                                    </a:rPr>
+                                    <m:t>𝑧</m:t>
+                                  </m:r>
+                                  <m:r>
+                                    <a:rPr lang="it-IT" sz="1875" i="1">
+                                      <a:latin typeface="Cambria Math" panose="02040503050406030204" pitchFamily="18" charset="0"/>
+                                    </a:rPr>
+                                    <m:t>+1</m:t>
+                                  </m:r>
+                                </m:sub>
+                              </m:sSub>
+                              <m:r>
+                                <a:rPr lang="it-IT" sz="1875" i="1">
+                                  <a:latin typeface="Cambria Math" panose="02040503050406030204" pitchFamily="18" charset="0"/>
+                                </a:rPr>
+                                <m:t>,…,</m:t>
+                              </m:r>
+                              <m:sSub>
+                                <m:sSubPr>
+                                  <m:ctrlPr>
+                                    <a:rPr lang="it-IT" sz="1875" i="1">
+                                      <a:latin typeface="Cambria Math" panose="02040503050406030204" pitchFamily="18" charset="0"/>
+                                    </a:rPr>
+                                  </m:ctrlPr>
+                                </m:sSubPr>
+                                <m:e>
+                                  <m:r>
+                                    <a:rPr lang="it-IT" sz="1875" b="0" i="1" smtClean="0">
+                                      <a:latin typeface="Cambria Math" panose="02040503050406030204" pitchFamily="18" charset="0"/>
+                                    </a:rPr>
+                                    <m:t>𝑝</m:t>
+                                  </m:r>
+                                </m:e>
+                                <m:sub>
+                                  <m:r>
+                                    <a:rPr lang="it-IT" sz="1875" i="1">
+                                      <a:latin typeface="Cambria Math" panose="02040503050406030204" pitchFamily="18" charset="0"/>
+                                    </a:rPr>
+                                    <m:t>𝑚</m:t>
+                                  </m:r>
+                                </m:sub>
+                              </m:sSub>
+                            </m:e>
+                          </m:d>
+                          <m:r>
+                            <a:rPr lang="it-IT" sz="1875" i="1">
+                              <a:latin typeface="Cambria Math" panose="02040503050406030204" pitchFamily="18" charset="0"/>
+                            </a:rPr>
+                            <m:t>,</m:t>
+                          </m:r>
+                          <m:r>
+                            <a:rPr lang="it-IT" sz="1875" b="0" i="1" smtClean="0">
+                              <a:latin typeface="Cambria Math" panose="02040503050406030204" pitchFamily="18" charset="0"/>
+                            </a:rPr>
+                            <m:t>𝑘</m:t>
+                          </m:r>
+                        </m:e>
+                      </m:d>
+                    </m:oMath>
+                  </m:oMathPara>
+                </a14:m>
+                <a:endParaRPr lang="it-IT" sz="1875" b="0" dirty="0">
+                  <a:ea typeface="Cambria Math" panose="02040503050406030204" pitchFamily="18" charset="0"/>
+                </a:endParaRPr>
+              </a:p>
+              <a:p>
+                <a:pPr marL="0" indent="0">
+                  <a:buNone/>
+                </a:pPr>
+                <a:endParaRPr lang="it-IT" sz="1875" b="0" dirty="0">
+                  <a:ea typeface="Cambria Math" panose="02040503050406030204" pitchFamily="18" charset="0"/>
+                </a:endParaRPr>
+              </a:p>
+              <a:p>
+                <a:pPr marL="0" indent="0">
+                  <a:buNone/>
+                </a:pPr>
+                <a14:m>
+                  <m:oMathPara xmlns:m="http://schemas.openxmlformats.org/officeDocument/2006/math">
+                    <m:oMathParaPr>
+                      <m:jc m:val="left"/>
+                    </m:oMathParaPr>
+                    <m:oMath xmlns:m="http://schemas.openxmlformats.org/officeDocument/2006/math">
+                      <m:sSup>
+                        <m:sSupPr>
+                          <m:ctrlPr>
+                            <a:rPr lang="it-IT" sz="1875" i="1">
+                              <a:latin typeface="Cambria Math" panose="02040503050406030204" pitchFamily="18" charset="0"/>
+                            </a:rPr>
+                          </m:ctrlPr>
+                        </m:sSupPr>
+                        <m:e>
+                          <m:r>
+                            <a:rPr lang="it-IT" sz="1875" i="1">
+                              <a:latin typeface="Cambria Math" panose="02040503050406030204" pitchFamily="18" charset="0"/>
+                            </a:rPr>
+                            <m:t>𝑉</m:t>
+                          </m:r>
+                        </m:e>
+                        <m:sup>
+                          <m:r>
+                            <a:rPr lang="it-IT" sz="1875" i="1">
+                              <a:latin typeface="Cambria Math" panose="02040503050406030204" pitchFamily="18" charset="0"/>
+                            </a:rPr>
+                            <m:t>′′</m:t>
+                          </m:r>
+                        </m:sup>
+                      </m:sSup>
+                      <m:r>
+                        <a:rPr lang="it-IT" sz="1875" i="1">
+                          <a:latin typeface="Cambria Math" panose="02040503050406030204" pitchFamily="18" charset="0"/>
+                          <a:ea typeface="Cambria Math" panose="02040503050406030204" pitchFamily="18" charset="0"/>
+                        </a:rPr>
+                        <m:t>=</m:t>
+                      </m:r>
+                      <m:r>
+                        <a:rPr lang="it-IT" sz="1875" i="1">
+                          <a:latin typeface="Cambria Math" panose="02040503050406030204" pitchFamily="18" charset="0"/>
+                          <a:ea typeface="Cambria Math" panose="02040503050406030204" pitchFamily="18" charset="0"/>
+                        </a:rPr>
+                        <m:t>𝑉</m:t>
+                      </m:r>
+                      <m:d>
+                        <m:dPr>
+                          <m:ctrlPr>
+                            <a:rPr lang="it-IT" sz="1875" i="1">
+                              <a:latin typeface="Cambria Math" panose="02040503050406030204" pitchFamily="18" charset="0"/>
+                              <a:ea typeface="Cambria Math" panose="02040503050406030204" pitchFamily="18" charset="0"/>
+                            </a:rPr>
+                          </m:ctrlPr>
+                        </m:dPr>
+                        <m:e>
+                          <m:r>
+                            <a:rPr lang="it-IT" sz="1875" i="1">
+                              <a:latin typeface="Cambria Math" panose="02040503050406030204" pitchFamily="18" charset="0"/>
+                              <a:ea typeface="Cambria Math" panose="02040503050406030204" pitchFamily="18" charset="0"/>
+                            </a:rPr>
+                            <m:t>𝑈</m:t>
+                          </m:r>
+                          <m:r>
+                            <a:rPr lang="it-IT" sz="1875" i="1">
+                              <a:latin typeface="Cambria Math" panose="02040503050406030204" pitchFamily="18" charset="0"/>
+                              <a:ea typeface="Cambria Math" panose="02040503050406030204" pitchFamily="18" charset="0"/>
+                            </a:rPr>
+                            <m:t>\</m:t>
+                          </m:r>
+                          <m:d>
+                            <m:dPr>
+                              <m:begChr m:val="{"/>
+                              <m:endChr m:val="}"/>
+                              <m:ctrlPr>
+                                <a:rPr lang="it-IT" sz="1875" i="1">
+                                  <a:latin typeface="Cambria Math" panose="02040503050406030204" pitchFamily="18" charset="0"/>
+                                  <a:ea typeface="Cambria Math" panose="02040503050406030204" pitchFamily="18" charset="0"/>
+                                </a:rPr>
+                              </m:ctrlPr>
+                            </m:dPr>
+                            <m:e>
+                              <m:r>
+                                <a:rPr lang="it-IT" sz="1875" i="1">
+                                  <a:latin typeface="Cambria Math" panose="02040503050406030204" pitchFamily="18" charset="0"/>
+                                  <a:ea typeface="Cambria Math" panose="02040503050406030204" pitchFamily="18" charset="0"/>
+                                </a:rPr>
+                                <m:t>𝑗</m:t>
+                              </m:r>
+                            </m:e>
+                          </m:d>
+                          <m:r>
+                            <a:rPr lang="it-IT" sz="1875" i="1">
+                              <a:latin typeface="Cambria Math" panose="02040503050406030204" pitchFamily="18" charset="0"/>
+                              <a:ea typeface="Cambria Math" panose="02040503050406030204" pitchFamily="18" charset="0"/>
+                            </a:rPr>
+                            <m:t>,</m:t>
+                          </m:r>
+                          <m:d>
+                            <m:dPr>
+                              <m:begChr m:val="{"/>
+                              <m:endChr m:val="}"/>
+                              <m:ctrlPr>
+                                <a:rPr lang="it-IT" sz="1875" i="1">
+                                  <a:latin typeface="Cambria Math" panose="02040503050406030204" pitchFamily="18" charset="0"/>
+                                </a:rPr>
+                              </m:ctrlPr>
+                            </m:dPr>
+                            <m:e>
+                              <m:sSub>
+                                <m:sSubPr>
+                                  <m:ctrlPr>
+                                    <a:rPr lang="it-IT" sz="1875" i="1">
+                                      <a:latin typeface="Cambria Math" panose="02040503050406030204" pitchFamily="18" charset="0"/>
+                                    </a:rPr>
+                                  </m:ctrlPr>
+                                </m:sSubPr>
+                                <m:e>
+                                  <m:r>
+                                    <a:rPr lang="it-IT" sz="1875" i="1">
+                                      <a:latin typeface="Cambria Math" panose="02040503050406030204" pitchFamily="18" charset="0"/>
+                                    </a:rPr>
+                                    <m:t>𝑖</m:t>
+                                  </m:r>
+                                </m:e>
+                                <m:sub>
+                                  <m:r>
+                                    <a:rPr lang="it-IT" sz="1875" i="1">
+                                      <a:latin typeface="Cambria Math" panose="02040503050406030204" pitchFamily="18" charset="0"/>
+                                    </a:rPr>
+                                    <m:t>1</m:t>
+                                  </m:r>
+                                </m:sub>
+                              </m:sSub>
+                              <m:r>
+                                <a:rPr lang="it-IT" sz="1875" i="1">
+                                  <a:latin typeface="Cambria Math" panose="02040503050406030204" pitchFamily="18" charset="0"/>
+                                </a:rPr>
+                                <m:t>,…,</m:t>
+                              </m:r>
+                              <m:sSub>
+                                <m:sSubPr>
+                                  <m:ctrlPr>
+                                    <a:rPr lang="it-IT" sz="1875" i="1">
+                                      <a:latin typeface="Cambria Math" panose="02040503050406030204" pitchFamily="18" charset="0"/>
+                                    </a:rPr>
+                                  </m:ctrlPr>
+                                </m:sSubPr>
+                                <m:e>
+                                  <m:r>
+                                    <a:rPr lang="it-IT" sz="1875" i="1">
+                                      <a:latin typeface="Cambria Math" panose="02040503050406030204" pitchFamily="18" charset="0"/>
+                                    </a:rPr>
+                                    <m:t>𝑖</m:t>
+                                  </m:r>
+                                </m:e>
+                                <m:sub>
+                                  <m:r>
+                                    <a:rPr lang="it-IT" sz="1875" i="1">
+                                      <a:latin typeface="Cambria Math" panose="02040503050406030204" pitchFamily="18" charset="0"/>
+                                    </a:rPr>
+                                    <m:t>𝑧</m:t>
+                                  </m:r>
+                                  <m:r>
+                                    <a:rPr lang="it-IT" sz="1875" i="1">
+                                      <a:latin typeface="Cambria Math" panose="02040503050406030204" pitchFamily="18" charset="0"/>
+                                    </a:rPr>
+                                    <m:t>−1</m:t>
+                                  </m:r>
+                                </m:sub>
+                              </m:sSub>
+                              <m:r>
+                                <a:rPr lang="it-IT" sz="1875" i="1">
+                                  <a:latin typeface="Cambria Math" panose="02040503050406030204" pitchFamily="18" charset="0"/>
+                                </a:rPr>
+                                <m:t>,</m:t>
+                              </m:r>
+                              <m:r>
+                                <a:rPr lang="it-IT" sz="1875" i="1">
+                                  <a:latin typeface="Cambria Math" panose="02040503050406030204" pitchFamily="18" charset="0"/>
+                                </a:rPr>
+                                <m:t>𝑗</m:t>
+                              </m:r>
+                              <m:r>
+                                <a:rPr lang="it-IT" sz="1875" i="1">
+                                  <a:latin typeface="Cambria Math" panose="02040503050406030204" pitchFamily="18" charset="0"/>
+                                </a:rPr>
+                                <m:t>,</m:t>
+                              </m:r>
+                              <m:sSub>
+                                <m:sSubPr>
+                                  <m:ctrlPr>
+                                    <a:rPr lang="it-IT" sz="1875" i="1">
+                                      <a:latin typeface="Cambria Math" panose="02040503050406030204" pitchFamily="18" charset="0"/>
+                                    </a:rPr>
+                                  </m:ctrlPr>
+                                </m:sSubPr>
+                                <m:e>
+                                  <m:r>
+                                    <a:rPr lang="it-IT" sz="1875" i="1">
+                                      <a:latin typeface="Cambria Math" panose="02040503050406030204" pitchFamily="18" charset="0"/>
+                                    </a:rPr>
+                                    <m:t>𝑖</m:t>
+                                  </m:r>
+                                </m:e>
+                                <m:sub>
+                                  <m:r>
+                                    <a:rPr lang="it-IT" sz="1875" i="1">
+                                      <a:latin typeface="Cambria Math" panose="02040503050406030204" pitchFamily="18" charset="0"/>
+                                    </a:rPr>
+                                    <m:t>𝑧</m:t>
+                                  </m:r>
+                                  <m:r>
+                                    <a:rPr lang="it-IT" sz="1875" i="1">
+                                      <a:latin typeface="Cambria Math" panose="02040503050406030204" pitchFamily="18" charset="0"/>
+                                    </a:rPr>
+                                    <m:t>+1</m:t>
+                                  </m:r>
+                                </m:sub>
+                              </m:sSub>
+                              <m:r>
+                                <a:rPr lang="it-IT" sz="1875" i="1">
+                                  <a:latin typeface="Cambria Math" panose="02040503050406030204" pitchFamily="18" charset="0"/>
+                                </a:rPr>
+                                <m:t>,…,</m:t>
+                              </m:r>
+                              <m:sSub>
+                                <m:sSubPr>
+                                  <m:ctrlPr>
+                                    <a:rPr lang="it-IT" sz="1875" i="1">
+                                      <a:latin typeface="Cambria Math" panose="02040503050406030204" pitchFamily="18" charset="0"/>
+                                    </a:rPr>
+                                  </m:ctrlPr>
+                                </m:sSubPr>
+                                <m:e>
+                                  <m:r>
+                                    <a:rPr lang="it-IT" sz="1875" i="1">
+                                      <a:latin typeface="Cambria Math" panose="02040503050406030204" pitchFamily="18" charset="0"/>
+                                    </a:rPr>
+                                    <m:t>𝑖</m:t>
+                                  </m:r>
+                                </m:e>
+                                <m:sub>
+                                  <m:r>
+                                    <a:rPr lang="it-IT" sz="1875" i="1">
+                                      <a:latin typeface="Cambria Math" panose="02040503050406030204" pitchFamily="18" charset="0"/>
+                                    </a:rPr>
+                                    <m:t>𝑚</m:t>
+                                  </m:r>
+                                </m:sub>
+                              </m:sSub>
+                            </m:e>
+                          </m:d>
+                          <m:r>
+                            <a:rPr lang="it-IT" sz="1875" i="1">
+                              <a:latin typeface="Cambria Math" panose="02040503050406030204" pitchFamily="18" charset="0"/>
+                            </a:rPr>
+                            <m:t>,</m:t>
+                          </m:r>
+                          <m:d>
+                            <m:dPr>
+                              <m:begChr m:val="{"/>
+                              <m:endChr m:val="}"/>
+                              <m:ctrlPr>
+                                <a:rPr lang="it-IT" sz="1875" i="1">
+                                  <a:latin typeface="Cambria Math" panose="02040503050406030204" pitchFamily="18" charset="0"/>
+                                </a:rPr>
+                              </m:ctrlPr>
+                            </m:dPr>
+                            <m:e>
+                              <m:sSub>
+                                <m:sSubPr>
+                                  <m:ctrlPr>
+                                    <a:rPr lang="it-IT" sz="1875" i="1">
+                                      <a:latin typeface="Cambria Math" panose="02040503050406030204" pitchFamily="18" charset="0"/>
+                                    </a:rPr>
+                                  </m:ctrlPr>
+                                </m:sSubPr>
+                                <m:e>
+                                  <m:r>
+                                    <a:rPr lang="it-IT" sz="1875" i="1">
+                                      <a:latin typeface="Cambria Math" panose="02040503050406030204" pitchFamily="18" charset="0"/>
+                                    </a:rPr>
+                                    <m:t>𝑙</m:t>
+                                  </m:r>
+                                </m:e>
+                                <m:sub>
+                                  <m:r>
+                                    <a:rPr lang="it-IT" sz="1875" i="1">
+                                      <a:latin typeface="Cambria Math" panose="02040503050406030204" pitchFamily="18" charset="0"/>
+                                    </a:rPr>
+                                    <m:t>1</m:t>
+                                  </m:r>
+                                </m:sub>
+                              </m:sSub>
+                              <m:r>
+                                <a:rPr lang="it-IT" sz="1875" i="1">
+                                  <a:latin typeface="Cambria Math" panose="02040503050406030204" pitchFamily="18" charset="0"/>
+                                </a:rPr>
+                                <m:t>,…,</m:t>
+                              </m:r>
+                              <m:sSub>
+                                <m:sSubPr>
+                                  <m:ctrlPr>
+                                    <a:rPr lang="it-IT" sz="1875" i="1">
+                                      <a:latin typeface="Cambria Math" panose="02040503050406030204" pitchFamily="18" charset="0"/>
+                                    </a:rPr>
+                                  </m:ctrlPr>
+                                </m:sSubPr>
+                                <m:e>
+                                  <m:r>
+                                    <a:rPr lang="it-IT" sz="1875" i="1">
+                                      <a:latin typeface="Cambria Math" panose="02040503050406030204" pitchFamily="18" charset="0"/>
+                                    </a:rPr>
+                                    <m:t>𝑙</m:t>
+                                  </m:r>
+                                </m:e>
+                                <m:sub>
+                                  <m:r>
+                                    <a:rPr lang="it-IT" sz="1875" i="1">
+                                      <a:latin typeface="Cambria Math" panose="02040503050406030204" pitchFamily="18" charset="0"/>
+                                    </a:rPr>
+                                    <m:t>𝑧</m:t>
+                                  </m:r>
+                                  <m:r>
+                                    <a:rPr lang="it-IT" sz="1875" i="1">
+                                      <a:latin typeface="Cambria Math" panose="02040503050406030204" pitchFamily="18" charset="0"/>
+                                    </a:rPr>
+                                    <m:t>−1</m:t>
+                                  </m:r>
+                                </m:sub>
+                              </m:sSub>
+                              <m:r>
+                                <a:rPr lang="it-IT" sz="1875" i="1">
+                                  <a:latin typeface="Cambria Math" panose="02040503050406030204" pitchFamily="18" charset="0"/>
+                                </a:rPr>
+                                <m:t>,</m:t>
+                              </m:r>
+                              <m:r>
+                                <a:rPr lang="it-IT" sz="1875" i="1" smtClean="0">
+                                  <a:latin typeface="Cambria Math" panose="02040503050406030204" pitchFamily="18" charset="0"/>
+                                </a:rPr>
+                                <m:t> </m:t>
+                              </m:r>
+                              <m:sSub>
+                                <m:sSubPr>
+                                  <m:ctrlPr>
+                                    <a:rPr lang="it-IT" sz="1875" i="1">
+                                      <a:latin typeface="Cambria Math" panose="02040503050406030204" pitchFamily="18" charset="0"/>
+                                    </a:rPr>
+                                  </m:ctrlPr>
+                                </m:sSubPr>
+                                <m:e>
+                                  <m:r>
+                                    <a:rPr lang="it-IT" sz="1875" i="1">
+                                      <a:latin typeface="Cambria Math" panose="02040503050406030204" pitchFamily="18" charset="0"/>
+                                    </a:rPr>
+                                    <m:t>𝑑</m:t>
+                                  </m:r>
+                                </m:e>
+                                <m:sub>
+                                  <m:r>
+                                    <a:rPr lang="it-IT" sz="1875" i="1">
+                                      <a:latin typeface="Cambria Math" panose="02040503050406030204" pitchFamily="18" charset="0"/>
+                                    </a:rPr>
+                                    <m:t>𝑗</m:t>
+                                  </m:r>
+                                </m:sub>
+                              </m:sSub>
+                              <m:r>
+                                <a:rPr lang="it-IT" sz="1875" i="1">
+                                  <a:latin typeface="Cambria Math" panose="02040503050406030204" pitchFamily="18" charset="0"/>
+                                </a:rPr>
+                                <m:t>,</m:t>
+                              </m:r>
+                              <m:sSub>
+                                <m:sSubPr>
+                                  <m:ctrlPr>
+                                    <a:rPr lang="it-IT" sz="1875" i="1">
+                                      <a:latin typeface="Cambria Math" panose="02040503050406030204" pitchFamily="18" charset="0"/>
+                                    </a:rPr>
+                                  </m:ctrlPr>
+                                </m:sSubPr>
+                                <m:e>
+                                  <m:r>
+                                    <a:rPr lang="it-IT" sz="1875" i="1">
+                                      <a:latin typeface="Cambria Math" panose="02040503050406030204" pitchFamily="18" charset="0"/>
+                                    </a:rPr>
+                                    <m:t>𝑙</m:t>
+                                  </m:r>
+                                </m:e>
+                                <m:sub>
+                                  <m:r>
+                                    <a:rPr lang="it-IT" sz="1875" i="1">
+                                      <a:latin typeface="Cambria Math" panose="02040503050406030204" pitchFamily="18" charset="0"/>
+                                    </a:rPr>
+                                    <m:t>𝑧</m:t>
+                                  </m:r>
+                                  <m:r>
+                                    <a:rPr lang="it-IT" sz="1875" i="1">
+                                      <a:latin typeface="Cambria Math" panose="02040503050406030204" pitchFamily="18" charset="0"/>
+                                    </a:rPr>
+                                    <m:t>+1</m:t>
+                                  </m:r>
+                                </m:sub>
+                              </m:sSub>
+                              <m:r>
+                                <a:rPr lang="it-IT" sz="1875" i="1">
+                                  <a:latin typeface="Cambria Math" panose="02040503050406030204" pitchFamily="18" charset="0"/>
+                                </a:rPr>
+                                <m:t>,…,</m:t>
+                              </m:r>
+                              <m:sSub>
+                                <m:sSubPr>
+                                  <m:ctrlPr>
+                                    <a:rPr lang="it-IT" sz="1875" i="1">
+                                      <a:latin typeface="Cambria Math" panose="02040503050406030204" pitchFamily="18" charset="0"/>
+                                    </a:rPr>
+                                  </m:ctrlPr>
+                                </m:sSubPr>
+                                <m:e>
+                                  <m:r>
+                                    <a:rPr lang="it-IT" sz="1875" i="1">
+                                      <a:latin typeface="Cambria Math" panose="02040503050406030204" pitchFamily="18" charset="0"/>
+                                    </a:rPr>
+                                    <m:t>𝑙</m:t>
+                                  </m:r>
+                                </m:e>
+                                <m:sub>
+                                  <m:r>
+                                    <a:rPr lang="it-IT" sz="1875" i="1">
+                                      <a:latin typeface="Cambria Math" panose="02040503050406030204" pitchFamily="18" charset="0"/>
+                                    </a:rPr>
+                                    <m:t>𝑚</m:t>
+                                  </m:r>
+                                </m:sub>
+                              </m:sSub>
+                            </m:e>
+                          </m:d>
+                          <m:r>
+                            <a:rPr lang="it-IT" sz="1875" i="1">
+                              <a:latin typeface="Cambria Math" panose="02040503050406030204" pitchFamily="18" charset="0"/>
+                            </a:rPr>
+                            <m:t>,</m:t>
+                          </m:r>
+                          <m:d>
+                            <m:dPr>
+                              <m:begChr m:val="{"/>
+                              <m:endChr m:val="}"/>
+                              <m:ctrlPr>
+                                <a:rPr lang="it-IT" sz="1875" i="1">
+                                  <a:latin typeface="Cambria Math" panose="02040503050406030204" pitchFamily="18" charset="0"/>
+                                </a:rPr>
+                              </m:ctrlPr>
+                            </m:dPr>
+                            <m:e>
+                              <m:sSub>
+                                <m:sSubPr>
+                                  <m:ctrlPr>
+                                    <a:rPr lang="it-IT" sz="1875" i="1">
+                                      <a:latin typeface="Cambria Math" panose="02040503050406030204" pitchFamily="18" charset="0"/>
+                                    </a:rPr>
+                                  </m:ctrlPr>
+                                </m:sSubPr>
+                                <m:e>
+                                  <m:r>
+                                    <a:rPr lang="it-IT" sz="1875" i="1">
+                                      <a:latin typeface="Cambria Math" panose="02040503050406030204" pitchFamily="18" charset="0"/>
+                                    </a:rPr>
+                                    <m:t>𝑝</m:t>
+                                  </m:r>
+                                </m:e>
+                                <m:sub>
+                                  <m:r>
+                                    <a:rPr lang="it-IT" sz="1875" i="1">
+                                      <a:latin typeface="Cambria Math" panose="02040503050406030204" pitchFamily="18" charset="0"/>
+                                    </a:rPr>
+                                    <m:t>1</m:t>
+                                  </m:r>
+                                </m:sub>
+                              </m:sSub>
+                              <m:r>
+                                <a:rPr lang="it-IT" sz="1875" i="1">
+                                  <a:latin typeface="Cambria Math" panose="02040503050406030204" pitchFamily="18" charset="0"/>
+                                </a:rPr>
+                                <m:t>,…,</m:t>
+                              </m:r>
+                              <m:sSub>
+                                <m:sSubPr>
+                                  <m:ctrlPr>
+                                    <a:rPr lang="it-IT" sz="1875" i="1">
+                                      <a:latin typeface="Cambria Math" panose="02040503050406030204" pitchFamily="18" charset="0"/>
+                                    </a:rPr>
+                                  </m:ctrlPr>
+                                </m:sSubPr>
+                                <m:e>
+                                  <m:r>
+                                    <a:rPr lang="it-IT" sz="1875" i="1">
+                                      <a:latin typeface="Cambria Math" panose="02040503050406030204" pitchFamily="18" charset="0"/>
+                                    </a:rPr>
+                                    <m:t>𝑝</m:t>
+                                  </m:r>
+                                </m:e>
+                                <m:sub>
+                                  <m:r>
+                                    <a:rPr lang="it-IT" sz="1875" i="1">
+                                      <a:latin typeface="Cambria Math" panose="02040503050406030204" pitchFamily="18" charset="0"/>
+                                    </a:rPr>
+                                    <m:t>𝑧</m:t>
+                                  </m:r>
+                                  <m:r>
+                                    <a:rPr lang="it-IT" sz="1875" i="1">
+                                      <a:latin typeface="Cambria Math" panose="02040503050406030204" pitchFamily="18" charset="0"/>
+                                    </a:rPr>
+                                    <m:t>−1</m:t>
+                                  </m:r>
+                                </m:sub>
+                              </m:sSub>
+                              <m:r>
+                                <a:rPr lang="it-IT" sz="1875" i="1">
+                                  <a:latin typeface="Cambria Math" panose="02040503050406030204" pitchFamily="18" charset="0"/>
+                                </a:rPr>
+                                <m:t>,</m:t>
+                              </m:r>
+                              <m:r>
+                                <a:rPr lang="it-IT" sz="1875" i="1" smtClean="0">
+                                  <a:latin typeface="Cambria Math" panose="02040503050406030204" pitchFamily="18" charset="0"/>
+                                </a:rPr>
+                                <m:t> </m:t>
+                              </m:r>
+                              <m:sSub>
+                                <m:sSubPr>
+                                  <m:ctrlPr>
+                                    <a:rPr lang="it-IT" sz="1875" i="1">
+                                      <a:latin typeface="Cambria Math" panose="02040503050406030204" pitchFamily="18" charset="0"/>
+                                    </a:rPr>
+                                  </m:ctrlPr>
+                                </m:sSubPr>
+                                <m:e>
+                                  <m:r>
+                                    <a:rPr lang="it-IT" sz="1875" i="1">
+                                      <a:latin typeface="Cambria Math" panose="02040503050406030204" pitchFamily="18" charset="0"/>
+                                    </a:rPr>
+                                    <m:t>𝑐</m:t>
+                                  </m:r>
+                                </m:e>
+                                <m:sub>
+                                  <m:r>
+                                    <a:rPr lang="it-IT" sz="1875" b="0" i="1" smtClean="0">
+                                      <a:latin typeface="Cambria Math" panose="02040503050406030204" pitchFamily="18" charset="0"/>
+                                    </a:rPr>
+                                    <m:t>0</m:t>
+                                  </m:r>
+                                  <m:r>
+                                    <a:rPr lang="it-IT" sz="1875" b="0" i="1" smtClean="0">
+                                      <a:latin typeface="Cambria Math" panose="02040503050406030204" pitchFamily="18" charset="0"/>
+                                    </a:rPr>
+                                    <m:t>𝑗</m:t>
+                                  </m:r>
+                                </m:sub>
+                              </m:sSub>
+                              <m:r>
+                                <a:rPr lang="it-IT" sz="1875" i="1">
+                                  <a:latin typeface="Cambria Math" panose="02040503050406030204" pitchFamily="18" charset="0"/>
+                                </a:rPr>
+                                <m:t>,</m:t>
+                              </m:r>
+                              <m:sSub>
+                                <m:sSubPr>
+                                  <m:ctrlPr>
+                                    <a:rPr lang="it-IT" sz="1875" i="1">
+                                      <a:latin typeface="Cambria Math" panose="02040503050406030204" pitchFamily="18" charset="0"/>
+                                    </a:rPr>
+                                  </m:ctrlPr>
+                                </m:sSubPr>
+                                <m:e>
+                                  <m:r>
+                                    <a:rPr lang="it-IT" sz="1875" i="1">
+                                      <a:latin typeface="Cambria Math" panose="02040503050406030204" pitchFamily="18" charset="0"/>
+                                    </a:rPr>
+                                    <m:t>𝑝</m:t>
+                                  </m:r>
+                                </m:e>
+                                <m:sub>
+                                  <m:r>
+                                    <a:rPr lang="it-IT" sz="1875" i="1">
+                                      <a:latin typeface="Cambria Math" panose="02040503050406030204" pitchFamily="18" charset="0"/>
+                                    </a:rPr>
+                                    <m:t>𝑧</m:t>
+                                  </m:r>
+                                  <m:r>
+                                    <a:rPr lang="it-IT" sz="1875" i="1">
+                                      <a:latin typeface="Cambria Math" panose="02040503050406030204" pitchFamily="18" charset="0"/>
+                                    </a:rPr>
+                                    <m:t>+1</m:t>
+                                  </m:r>
+                                </m:sub>
+                              </m:sSub>
+                              <m:r>
+                                <a:rPr lang="it-IT" sz="1875" i="1">
+                                  <a:latin typeface="Cambria Math" panose="02040503050406030204" pitchFamily="18" charset="0"/>
+                                </a:rPr>
+                                <m:t>,…,</m:t>
+                              </m:r>
+                              <m:sSub>
+                                <m:sSubPr>
+                                  <m:ctrlPr>
+                                    <a:rPr lang="it-IT" sz="1875" i="1">
+                                      <a:latin typeface="Cambria Math" panose="02040503050406030204" pitchFamily="18" charset="0"/>
+                                    </a:rPr>
+                                  </m:ctrlPr>
+                                </m:sSubPr>
+                                <m:e>
+                                  <m:r>
+                                    <a:rPr lang="it-IT" sz="1875" i="1">
+                                      <a:latin typeface="Cambria Math" panose="02040503050406030204" pitchFamily="18" charset="0"/>
+                                    </a:rPr>
+                                    <m:t>𝑝</m:t>
+                                  </m:r>
+                                </m:e>
+                                <m:sub>
+                                  <m:r>
+                                    <a:rPr lang="it-IT" sz="1875" i="1">
+                                      <a:latin typeface="Cambria Math" panose="02040503050406030204" pitchFamily="18" charset="0"/>
+                                    </a:rPr>
+                                    <m:t>𝑚</m:t>
+                                  </m:r>
+                                </m:sub>
+                              </m:sSub>
+                            </m:e>
+                          </m:d>
+                          <m:r>
+                            <a:rPr lang="it-IT" sz="1875" i="1">
+                              <a:latin typeface="Cambria Math" panose="02040503050406030204" pitchFamily="18" charset="0"/>
+                            </a:rPr>
+                            <m:t>,</m:t>
+                          </m:r>
+                          <m:r>
+                            <a:rPr lang="it-IT" sz="1875" i="1">
+                              <a:latin typeface="Cambria Math" panose="02040503050406030204" pitchFamily="18" charset="0"/>
+                            </a:rPr>
+                            <m:t>𝑘</m:t>
+                          </m:r>
+                          <m:r>
+                            <a:rPr lang="it-IT" sz="1875" b="0" i="1" smtClean="0">
+                              <a:latin typeface="Cambria Math" panose="02040503050406030204" pitchFamily="18" charset="0"/>
+                            </a:rPr>
+                            <m:t>+1</m:t>
+                          </m:r>
+                        </m:e>
+                      </m:d>
+                    </m:oMath>
+                  </m:oMathPara>
+                </a14:m>
+                <a:endParaRPr lang="en-US" sz="1875" dirty="0"/>
+              </a:p>
+              <a:p>
+                <a:pPr marL="0" indent="0">
+                  <a:buNone/>
+                </a:pPr>
+                <a:endParaRPr lang="en-US" sz="1875" dirty="0"/>
+              </a:p>
+              <a:p>
+                <a:pPr marL="0" indent="0">
+                  <a:buNone/>
+                </a:pPr>
+                <a14:m>
+                  <m:oMathPara xmlns:m="http://schemas.openxmlformats.org/officeDocument/2006/math">
+                    <m:oMathParaPr>
+                      <m:jc m:val="left"/>
+                    </m:oMathParaPr>
+                    <m:oMath xmlns:m="http://schemas.openxmlformats.org/officeDocument/2006/math">
+                      <m:r>
+                        <a:rPr lang="it-IT" sz="1875" i="1">
+                          <a:latin typeface="Cambria Math" panose="02040503050406030204" pitchFamily="18" charset="0"/>
+                        </a:rPr>
+                        <m:t>𝑉</m:t>
+                      </m:r>
+                      <m:r>
+                        <a:rPr lang="it-IT" sz="1875" i="1">
+                          <a:latin typeface="Cambria Math" panose="02040503050406030204" pitchFamily="18" charset="0"/>
+                        </a:rPr>
+                        <m:t>′′′=</m:t>
+                      </m:r>
+                      <m:r>
+                        <a:rPr lang="it-IT" sz="1875" i="1">
+                          <a:latin typeface="Cambria Math" panose="02040503050406030204" pitchFamily="18" charset="0"/>
+                          <a:ea typeface="Cambria Math" panose="02040503050406030204" pitchFamily="18" charset="0"/>
+                        </a:rPr>
+                        <m:t>𝑉</m:t>
+                      </m:r>
+                      <m:d>
+                        <m:dPr>
+                          <m:ctrlPr>
+                            <a:rPr lang="it-IT" sz="1875" i="1">
+                              <a:latin typeface="Cambria Math" panose="02040503050406030204" pitchFamily="18" charset="0"/>
+                              <a:ea typeface="Cambria Math" panose="02040503050406030204" pitchFamily="18" charset="0"/>
+                            </a:rPr>
+                          </m:ctrlPr>
+                        </m:dPr>
+                        <m:e>
+                          <m:r>
+                            <a:rPr lang="it-IT" sz="1875" b="0" i="1" smtClean="0">
+                              <a:latin typeface="Cambria Math" panose="02040503050406030204" pitchFamily="18" charset="0"/>
+                              <a:ea typeface="Cambria Math" panose="02040503050406030204" pitchFamily="18" charset="0"/>
+                            </a:rPr>
+                            <m:t>𝑈</m:t>
+                          </m:r>
+                          <m:r>
+                            <a:rPr lang="it-IT" sz="1875" i="1">
+                              <a:latin typeface="Cambria Math" panose="02040503050406030204" pitchFamily="18" charset="0"/>
+                              <a:ea typeface="Cambria Math" panose="02040503050406030204" pitchFamily="18" charset="0"/>
+                            </a:rPr>
+                            <m:t>,</m:t>
+                          </m:r>
+                          <m:d>
+                            <m:dPr>
+                              <m:begChr m:val="{"/>
+                              <m:endChr m:val="}"/>
+                              <m:ctrlPr>
+                                <a:rPr lang="it-IT" sz="1875" i="1">
+                                  <a:latin typeface="Cambria Math" panose="02040503050406030204" pitchFamily="18" charset="0"/>
+                                </a:rPr>
+                              </m:ctrlPr>
+                            </m:dPr>
+                            <m:e>
+                              <m:sSub>
+                                <m:sSubPr>
+                                  <m:ctrlPr>
+                                    <a:rPr lang="it-IT" sz="1875" i="1">
+                                      <a:latin typeface="Cambria Math" panose="02040503050406030204" pitchFamily="18" charset="0"/>
+                                    </a:rPr>
+                                  </m:ctrlPr>
+                                </m:sSubPr>
+                                <m:e>
+                                  <m:r>
+                                    <a:rPr lang="it-IT" sz="1875" i="1">
+                                      <a:latin typeface="Cambria Math" panose="02040503050406030204" pitchFamily="18" charset="0"/>
+                                    </a:rPr>
+                                    <m:t>𝑖</m:t>
+                                  </m:r>
+                                </m:e>
+                                <m:sub>
+                                  <m:r>
+                                    <a:rPr lang="it-IT" sz="1875" i="1">
+                                      <a:latin typeface="Cambria Math" panose="02040503050406030204" pitchFamily="18" charset="0"/>
+                                    </a:rPr>
+                                    <m:t>1</m:t>
+                                  </m:r>
+                                </m:sub>
+                              </m:sSub>
+                              <m:r>
+                                <a:rPr lang="it-IT" sz="1875" i="1">
+                                  <a:latin typeface="Cambria Math" panose="02040503050406030204" pitchFamily="18" charset="0"/>
+                                </a:rPr>
+                                <m:t>,…,</m:t>
+                              </m:r>
+                              <m:sSub>
+                                <m:sSubPr>
+                                  <m:ctrlPr>
+                                    <a:rPr lang="it-IT" sz="1875" i="1">
+                                      <a:latin typeface="Cambria Math" panose="02040503050406030204" pitchFamily="18" charset="0"/>
+                                    </a:rPr>
+                                  </m:ctrlPr>
+                                </m:sSubPr>
+                                <m:e>
+                                  <m:r>
+                                    <a:rPr lang="it-IT" sz="1875" i="1">
+                                      <a:latin typeface="Cambria Math" panose="02040503050406030204" pitchFamily="18" charset="0"/>
+                                    </a:rPr>
+                                    <m:t>𝑖</m:t>
+                                  </m:r>
+                                </m:e>
+                                <m:sub>
+                                  <m:r>
+                                    <a:rPr lang="it-IT" sz="1875" i="1">
+                                      <a:latin typeface="Cambria Math" panose="02040503050406030204" pitchFamily="18" charset="0"/>
+                                    </a:rPr>
+                                    <m:t>𝑧</m:t>
+                                  </m:r>
+                                  <m:r>
+                                    <a:rPr lang="it-IT" sz="1875" i="1">
+                                      <a:latin typeface="Cambria Math" panose="02040503050406030204" pitchFamily="18" charset="0"/>
+                                    </a:rPr>
+                                    <m:t>−1</m:t>
+                                  </m:r>
+                                </m:sub>
+                              </m:sSub>
+                              <m:r>
+                                <a:rPr lang="it-IT" sz="1875" i="1">
+                                  <a:latin typeface="Cambria Math" panose="02040503050406030204" pitchFamily="18" charset="0"/>
+                                </a:rPr>
+                                <m:t>,</m:t>
+                              </m:r>
+                              <m:r>
+                                <a:rPr lang="it-IT" sz="1875" b="0" i="1" smtClean="0">
+                                  <a:latin typeface="Cambria Math" panose="02040503050406030204" pitchFamily="18" charset="0"/>
+                                </a:rPr>
+                                <m:t>0</m:t>
+                              </m:r>
+                              <m:r>
+                                <a:rPr lang="it-IT" sz="1875" i="1">
+                                  <a:latin typeface="Cambria Math" panose="02040503050406030204" pitchFamily="18" charset="0"/>
+                                </a:rPr>
+                                <m:t>,</m:t>
+                              </m:r>
+                              <m:sSub>
+                                <m:sSubPr>
+                                  <m:ctrlPr>
+                                    <a:rPr lang="it-IT" sz="1875" i="1">
+                                      <a:latin typeface="Cambria Math" panose="02040503050406030204" pitchFamily="18" charset="0"/>
+                                    </a:rPr>
+                                  </m:ctrlPr>
+                                </m:sSubPr>
+                                <m:e>
+                                  <m:r>
+                                    <a:rPr lang="it-IT" sz="1875" i="1">
+                                      <a:latin typeface="Cambria Math" panose="02040503050406030204" pitchFamily="18" charset="0"/>
+                                    </a:rPr>
+                                    <m:t>𝑖</m:t>
+                                  </m:r>
+                                </m:e>
+                                <m:sub>
+                                  <m:r>
+                                    <a:rPr lang="it-IT" sz="1875" i="1">
+                                      <a:latin typeface="Cambria Math" panose="02040503050406030204" pitchFamily="18" charset="0"/>
+                                    </a:rPr>
+                                    <m:t>𝑧</m:t>
+                                  </m:r>
+                                  <m:r>
+                                    <a:rPr lang="it-IT" sz="1875" i="1">
+                                      <a:latin typeface="Cambria Math" panose="02040503050406030204" pitchFamily="18" charset="0"/>
+                                    </a:rPr>
+                                    <m:t>+1</m:t>
+                                  </m:r>
+                                </m:sub>
+                              </m:sSub>
+                              <m:r>
+                                <a:rPr lang="it-IT" sz="1875" i="1">
+                                  <a:latin typeface="Cambria Math" panose="02040503050406030204" pitchFamily="18" charset="0"/>
+                                </a:rPr>
+                                <m:t>,…,</m:t>
+                              </m:r>
+                              <m:sSub>
+                                <m:sSubPr>
+                                  <m:ctrlPr>
+                                    <a:rPr lang="it-IT" sz="1875" i="1">
+                                      <a:latin typeface="Cambria Math" panose="02040503050406030204" pitchFamily="18" charset="0"/>
+                                    </a:rPr>
+                                  </m:ctrlPr>
+                                </m:sSubPr>
+                                <m:e>
+                                  <m:r>
+                                    <a:rPr lang="it-IT" sz="1875" i="1">
+                                      <a:latin typeface="Cambria Math" panose="02040503050406030204" pitchFamily="18" charset="0"/>
+                                    </a:rPr>
+                                    <m:t>𝑖</m:t>
+                                  </m:r>
+                                </m:e>
+                                <m:sub>
+                                  <m:r>
+                                    <a:rPr lang="it-IT" sz="1875" i="1">
+                                      <a:latin typeface="Cambria Math" panose="02040503050406030204" pitchFamily="18" charset="0"/>
+                                    </a:rPr>
+                                    <m:t>𝑚</m:t>
+                                  </m:r>
+                                </m:sub>
+                              </m:sSub>
+                            </m:e>
+                          </m:d>
+                          <m:r>
+                            <a:rPr lang="it-IT" sz="1875" i="1">
+                              <a:latin typeface="Cambria Math" panose="02040503050406030204" pitchFamily="18" charset="0"/>
+                            </a:rPr>
+                            <m:t>,</m:t>
+                          </m:r>
+                          <m:d>
+                            <m:dPr>
+                              <m:begChr m:val="{"/>
+                              <m:endChr m:val="}"/>
+                              <m:ctrlPr>
+                                <a:rPr lang="it-IT" sz="1875" i="1">
+                                  <a:latin typeface="Cambria Math" panose="02040503050406030204" pitchFamily="18" charset="0"/>
+                                </a:rPr>
+                              </m:ctrlPr>
+                            </m:dPr>
+                            <m:e>
+                              <m:sSub>
+                                <m:sSubPr>
+                                  <m:ctrlPr>
+                                    <a:rPr lang="it-IT" sz="1875" i="1">
+                                      <a:latin typeface="Cambria Math" panose="02040503050406030204" pitchFamily="18" charset="0"/>
+                                    </a:rPr>
+                                  </m:ctrlPr>
+                                </m:sSubPr>
+                                <m:e>
+                                  <m:r>
+                                    <a:rPr lang="it-IT" sz="1875" i="1">
+                                      <a:latin typeface="Cambria Math" panose="02040503050406030204" pitchFamily="18" charset="0"/>
+                                    </a:rPr>
+                                    <m:t>𝑙</m:t>
+                                  </m:r>
+                                </m:e>
+                                <m:sub>
+                                  <m:r>
+                                    <a:rPr lang="it-IT" sz="1875" i="1">
+                                      <a:latin typeface="Cambria Math" panose="02040503050406030204" pitchFamily="18" charset="0"/>
+                                    </a:rPr>
+                                    <m:t>1</m:t>
+                                  </m:r>
+                                </m:sub>
+                              </m:sSub>
+                              <m:r>
+                                <a:rPr lang="it-IT" sz="1875" i="1">
+                                  <a:latin typeface="Cambria Math" panose="02040503050406030204" pitchFamily="18" charset="0"/>
+                                </a:rPr>
+                                <m:t>,…,</m:t>
+                              </m:r>
+                              <m:sSub>
+                                <m:sSubPr>
+                                  <m:ctrlPr>
+                                    <a:rPr lang="it-IT" sz="1875" i="1">
+                                      <a:latin typeface="Cambria Math" panose="02040503050406030204" pitchFamily="18" charset="0"/>
+                                    </a:rPr>
+                                  </m:ctrlPr>
+                                </m:sSubPr>
+                                <m:e>
+                                  <m:r>
+                                    <a:rPr lang="it-IT" sz="1875" i="1">
+                                      <a:latin typeface="Cambria Math" panose="02040503050406030204" pitchFamily="18" charset="0"/>
+                                    </a:rPr>
+                                    <m:t>𝑙</m:t>
+                                  </m:r>
+                                </m:e>
+                                <m:sub>
+                                  <m:r>
+                                    <a:rPr lang="it-IT" sz="1875" b="0" i="1" smtClean="0">
+                                      <a:latin typeface="Cambria Math" panose="02040503050406030204" pitchFamily="18" charset="0"/>
+                                    </a:rPr>
+                                    <m:t>𝑚</m:t>
+                                  </m:r>
+                                </m:sub>
+                              </m:sSub>
+                              <m:r>
+                                <a:rPr lang="it-IT" sz="1875" i="1" smtClean="0">
+                                  <a:latin typeface="Cambria Math" panose="02040503050406030204" pitchFamily="18" charset="0"/>
+                                </a:rPr>
+                                <m:t> </m:t>
+                              </m:r>
+                            </m:e>
+                          </m:d>
+                          <m:r>
+                            <a:rPr lang="it-IT" sz="1875" i="1">
+                              <a:latin typeface="Cambria Math" panose="02040503050406030204" pitchFamily="18" charset="0"/>
+                            </a:rPr>
+                            <m:t>,</m:t>
+                          </m:r>
+                          <m:d>
+                            <m:dPr>
+                              <m:begChr m:val="{"/>
+                              <m:endChr m:val="}"/>
+                              <m:ctrlPr>
+                                <a:rPr lang="it-IT" sz="1875" i="1">
+                                  <a:latin typeface="Cambria Math" panose="02040503050406030204" pitchFamily="18" charset="0"/>
+                                </a:rPr>
+                              </m:ctrlPr>
+                            </m:dPr>
+                            <m:e>
+                              <m:sSub>
+                                <m:sSubPr>
+                                  <m:ctrlPr>
+                                    <a:rPr lang="it-IT" sz="1875" i="1">
+                                      <a:latin typeface="Cambria Math" panose="02040503050406030204" pitchFamily="18" charset="0"/>
+                                    </a:rPr>
+                                  </m:ctrlPr>
+                                </m:sSubPr>
+                                <m:e>
+                                  <m:r>
+                                    <a:rPr lang="it-IT" sz="1875" i="1">
+                                      <a:latin typeface="Cambria Math" panose="02040503050406030204" pitchFamily="18" charset="0"/>
+                                    </a:rPr>
+                                    <m:t>𝑝</m:t>
+                                  </m:r>
+                                </m:e>
+                                <m:sub>
+                                  <m:r>
+                                    <a:rPr lang="it-IT" sz="1875" i="1">
+                                      <a:latin typeface="Cambria Math" panose="02040503050406030204" pitchFamily="18" charset="0"/>
+                                    </a:rPr>
+                                    <m:t>1</m:t>
+                                  </m:r>
+                                </m:sub>
+                              </m:sSub>
+                              <m:r>
+                                <a:rPr lang="it-IT" sz="1875" i="1">
+                                  <a:latin typeface="Cambria Math" panose="02040503050406030204" pitchFamily="18" charset="0"/>
+                                </a:rPr>
+                                <m:t>,…,</m:t>
+                              </m:r>
+                              <m:sSub>
+                                <m:sSubPr>
+                                  <m:ctrlPr>
+                                    <a:rPr lang="it-IT" sz="1875" i="1">
+                                      <a:latin typeface="Cambria Math" panose="02040503050406030204" pitchFamily="18" charset="0"/>
+                                    </a:rPr>
+                                  </m:ctrlPr>
+                                </m:sSubPr>
+                                <m:e>
+                                  <m:r>
+                                    <a:rPr lang="it-IT" sz="1875" i="1">
+                                      <a:latin typeface="Cambria Math" panose="02040503050406030204" pitchFamily="18" charset="0"/>
+                                    </a:rPr>
+                                    <m:t>𝑝</m:t>
+                                  </m:r>
+                                </m:e>
+                                <m:sub>
+                                  <m:r>
+                                    <a:rPr lang="it-IT" sz="1875" i="1">
+                                      <a:latin typeface="Cambria Math" panose="02040503050406030204" pitchFamily="18" charset="0"/>
+                                    </a:rPr>
+                                    <m:t>𝑧</m:t>
+                                  </m:r>
+                                  <m:r>
+                                    <a:rPr lang="it-IT" sz="1875" i="1">
+                                      <a:latin typeface="Cambria Math" panose="02040503050406030204" pitchFamily="18" charset="0"/>
+                                    </a:rPr>
+                                    <m:t>−1</m:t>
+                                  </m:r>
+                                </m:sub>
+                              </m:sSub>
+                              <m:r>
+                                <a:rPr lang="it-IT" sz="1875" i="1">
+                                  <a:latin typeface="Cambria Math" panose="02040503050406030204" pitchFamily="18" charset="0"/>
+                                </a:rPr>
+                                <m:t>,</m:t>
+                              </m:r>
+                              <m:sSub>
+                                <m:sSubPr>
+                                  <m:ctrlPr>
+                                    <a:rPr lang="it-IT" sz="1875" i="1">
+                                      <a:latin typeface="Cambria Math" panose="02040503050406030204" pitchFamily="18" charset="0"/>
+                                    </a:rPr>
+                                  </m:ctrlPr>
+                                </m:sSubPr>
+                                <m:e>
+                                  <m:r>
+                                    <a:rPr lang="it-IT" sz="1875" i="1">
+                                      <a:latin typeface="Cambria Math" panose="02040503050406030204" pitchFamily="18" charset="0"/>
+                                    </a:rPr>
+                                    <m:t>𝑝</m:t>
+                                  </m:r>
+                                </m:e>
+                                <m:sub>
+                                  <m:r>
+                                    <a:rPr lang="it-IT" sz="1875" i="1">
+                                      <a:latin typeface="Cambria Math" panose="02040503050406030204" pitchFamily="18" charset="0"/>
+                                    </a:rPr>
+                                    <m:t>𝑧</m:t>
+                                  </m:r>
+                                </m:sub>
+                              </m:sSub>
+                              <m:r>
+                                <a:rPr lang="it-IT" sz="1875" i="1">
+                                  <a:latin typeface="Cambria Math" panose="02040503050406030204" pitchFamily="18" charset="0"/>
+                                </a:rPr>
+                                <m:t>+</m:t>
+                              </m:r>
+                              <m:sSub>
+                                <m:sSubPr>
+                                  <m:ctrlPr>
+                                    <a:rPr lang="it-IT" sz="1875" i="1">
+                                      <a:latin typeface="Cambria Math" panose="02040503050406030204" pitchFamily="18" charset="0"/>
+                                    </a:rPr>
+                                  </m:ctrlPr>
+                                </m:sSubPr>
+                                <m:e>
+                                  <m:r>
+                                    <a:rPr lang="it-IT" sz="1875" i="1">
+                                      <a:latin typeface="Cambria Math" panose="02040503050406030204" pitchFamily="18" charset="0"/>
+                                    </a:rPr>
+                                    <m:t>𝑐</m:t>
+                                  </m:r>
+                                </m:e>
+                                <m:sub>
+                                  <m:sSub>
+                                    <m:sSubPr>
+                                      <m:ctrlPr>
+                                        <a:rPr lang="it-IT" sz="1875" i="1">
+                                          <a:latin typeface="Cambria Math" panose="02040503050406030204" pitchFamily="18" charset="0"/>
+                                        </a:rPr>
+                                      </m:ctrlPr>
+                                    </m:sSubPr>
+                                    <m:e>
+                                      <m:r>
+                                        <a:rPr lang="it-IT" sz="1875" b="0" i="1" smtClean="0">
+                                          <a:latin typeface="Cambria Math" panose="02040503050406030204" pitchFamily="18" charset="0"/>
+                                        </a:rPr>
+                                        <m:t>𝑖</m:t>
+                                      </m:r>
+                                    </m:e>
+                                    <m:sub>
+                                      <m:r>
+                                        <a:rPr lang="it-IT" sz="1875" i="1">
+                                          <a:latin typeface="Cambria Math" panose="02040503050406030204" pitchFamily="18" charset="0"/>
+                                        </a:rPr>
+                                        <m:t>𝑧</m:t>
+                                      </m:r>
+                                    </m:sub>
+                                  </m:sSub>
+                                  <m:r>
+                                    <a:rPr lang="it-IT" sz="1875" b="0" i="1" smtClean="0">
+                                      <a:latin typeface="Cambria Math" panose="02040503050406030204" pitchFamily="18" charset="0"/>
+                                    </a:rPr>
+                                    <m:t>0</m:t>
+                                  </m:r>
+                                </m:sub>
+                              </m:sSub>
+                              <m:r>
+                                <a:rPr lang="it-IT" sz="1875" i="1">
+                                  <a:latin typeface="Cambria Math" panose="02040503050406030204" pitchFamily="18" charset="0"/>
+                                </a:rPr>
+                                <m:t>,</m:t>
+                              </m:r>
+                              <m:sSub>
+                                <m:sSubPr>
+                                  <m:ctrlPr>
+                                    <a:rPr lang="it-IT" sz="1875" i="1">
+                                      <a:latin typeface="Cambria Math" panose="02040503050406030204" pitchFamily="18" charset="0"/>
+                                    </a:rPr>
+                                  </m:ctrlPr>
+                                </m:sSubPr>
+                                <m:e>
+                                  <m:r>
+                                    <a:rPr lang="it-IT" sz="1875" i="1">
+                                      <a:latin typeface="Cambria Math" panose="02040503050406030204" pitchFamily="18" charset="0"/>
+                                    </a:rPr>
+                                    <m:t>𝑝</m:t>
+                                  </m:r>
+                                </m:e>
+                                <m:sub>
+                                  <m:r>
+                                    <a:rPr lang="it-IT" sz="1875" i="1">
+                                      <a:latin typeface="Cambria Math" panose="02040503050406030204" pitchFamily="18" charset="0"/>
+                                    </a:rPr>
+                                    <m:t>𝑧</m:t>
+                                  </m:r>
+                                  <m:r>
+                                    <a:rPr lang="it-IT" sz="1875" i="1">
+                                      <a:latin typeface="Cambria Math" panose="02040503050406030204" pitchFamily="18" charset="0"/>
+                                    </a:rPr>
+                                    <m:t>+1</m:t>
+                                  </m:r>
+                                </m:sub>
+                              </m:sSub>
+                              <m:r>
+                                <a:rPr lang="it-IT" sz="1875" i="1">
+                                  <a:latin typeface="Cambria Math" panose="02040503050406030204" pitchFamily="18" charset="0"/>
+                                </a:rPr>
+                                <m:t>,…,</m:t>
+                              </m:r>
+                              <m:sSub>
+                                <m:sSubPr>
+                                  <m:ctrlPr>
+                                    <a:rPr lang="it-IT" sz="1875" i="1">
+                                      <a:latin typeface="Cambria Math" panose="02040503050406030204" pitchFamily="18" charset="0"/>
+                                    </a:rPr>
+                                  </m:ctrlPr>
+                                </m:sSubPr>
+                                <m:e>
+                                  <m:r>
+                                    <a:rPr lang="it-IT" sz="1875" i="1">
+                                      <a:latin typeface="Cambria Math" panose="02040503050406030204" pitchFamily="18" charset="0"/>
+                                    </a:rPr>
+                                    <m:t>𝑝</m:t>
+                                  </m:r>
+                                </m:e>
+                                <m:sub>
+                                  <m:r>
+                                    <a:rPr lang="it-IT" sz="1875" i="1">
+                                      <a:latin typeface="Cambria Math" panose="02040503050406030204" pitchFamily="18" charset="0"/>
+                                    </a:rPr>
+                                    <m:t>𝑚</m:t>
+                                  </m:r>
+                                </m:sub>
+                              </m:sSub>
+                            </m:e>
+                          </m:d>
+                          <m:r>
+                            <a:rPr lang="it-IT" sz="1875" i="1">
+                              <a:latin typeface="Cambria Math" panose="02040503050406030204" pitchFamily="18" charset="0"/>
+                            </a:rPr>
+                            <m:t>,</m:t>
+                          </m:r>
+                          <m:r>
+                            <a:rPr lang="it-IT" sz="1875" i="1">
+                              <a:latin typeface="Cambria Math" panose="02040503050406030204" pitchFamily="18" charset="0"/>
+                            </a:rPr>
+                            <m:t>𝑘</m:t>
+                          </m:r>
+                        </m:e>
+                      </m:d>
+                    </m:oMath>
+                  </m:oMathPara>
+                </a14:m>
+                <a:endParaRPr lang="en-US" sz="1875" dirty="0"/>
+              </a:p>
+            </p:txBody>
+          </p:sp>
+        </mc:Choice>
+        <mc:Fallback>
+          <p:sp>
+            <p:nvSpPr>
+              <p:cNvPr id="4" name="テキスト ボックス 5">
+                <a:extLst>
+                  <a:ext uri="{FF2B5EF4-FFF2-40B4-BE49-F238E27FC236}">
+                    <a16:creationId xmlns:a16="http://schemas.microsoft.com/office/drawing/2014/main" id="{F0F1726E-96EE-CD05-89C3-14B5F78C5C56}"/>
+                  </a:ext>
+                </a:extLst>
+              </p:cNvPr>
+              <p:cNvSpPr txBox="1">
+                <a:spLocks noGrp="1" noRot="1" noChangeAspect="1" noMove="1" noResize="1" noEditPoints="1" noAdjustHandles="1" noChangeArrowheads="1" noChangeShapeType="1" noTextEdit="1"/>
+              </p:cNvSpPr>
+              <p:nvPr>
+                <p:ph idx="1"/>
+              </p:nvPr>
+            </p:nvSpPr>
+            <p:spPr>
+              <a:xfrm>
+                <a:off x="125185" y="1034144"/>
+                <a:ext cx="11941629" cy="5716501"/>
+              </a:xfrm>
+              <a:prstGeom prst="rect">
+                <a:avLst/>
+              </a:prstGeom>
+              <a:blipFill>
+                <a:blip r:embed="rId2"/>
+                <a:stretch>
+                  <a:fillRect l="-868" t="-534" b="-107"/>
+                </a:stretch>
+              </a:blipFill>
+            </p:spPr>
+            <p:txBody>
+              <a:bodyPr/>
+              <a:lstStyle/>
+              <a:p>
+                <a:r>
+                  <a:rPr lang="it-IT">
+                    <a:noFill/>
+                  </a:rPr>
+                  <a:t> </a:t>
+                </a:r>
+              </a:p>
+            </p:txBody>
+          </p:sp>
+        </mc:Fallback>
+      </mc:AlternateContent>
+    </p:spTree>
+    <p:extLst>
+      <p:ext uri="{BB962C8B-B14F-4D97-AF65-F5344CB8AC3E}">
+        <p14:creationId xmlns:p14="http://schemas.microsoft.com/office/powerpoint/2010/main" val="1084908939"/>
+      </p:ext>
+    </p:extLst>
+  </p:cSld>
+  <p:clrMapOvr>
+    <a:masterClrMapping/>
+  </p:clrMapOvr>
+</p:sld>
+</file>
+
+<file path=ppt/slides/slide4.xml><?xml version="1.0" encoding="utf-8"?>
+<p:sld xmlns:a="http://schemas.openxmlformats.org/drawingml/2006/main" xmlns:r="http://schemas.openxmlformats.org/officeDocument/2006/relationships" xmlns:p="http://schemas.openxmlformats.org/presentationml/2006/main">
+  <p:cSld>
+    <p:spTree>
+      <p:nvGrpSpPr>
+        <p:cNvPr id="1" name=""/>
+        <p:cNvGrpSpPr/>
+        <p:nvPr/>
+      </p:nvGrpSpPr>
+      <p:grpSpPr>
+        <a:xfrm>
+          <a:off x="0" y="0"/>
+          <a:ext cx="0" cy="0"/>
+          <a:chOff x="0" y="0"/>
+          <a:chExt cx="0" cy="0"/>
+        </a:xfrm>
+      </p:grpSpPr>
+      <p:sp>
+        <p:nvSpPr>
+          <p:cNvPr id="2" name="Titolo 1">
+            <a:extLst>
+              <a:ext uri="{FF2B5EF4-FFF2-40B4-BE49-F238E27FC236}">
+                <a16:creationId xmlns:a16="http://schemas.microsoft.com/office/drawing/2014/main" id="{8433A429-9F71-E202-E7F1-6FC173BA8094}"/>
+              </a:ext>
+            </a:extLst>
+          </p:cNvPr>
+          <p:cNvSpPr>
+            <a:spLocks noGrp="1"/>
+          </p:cNvSpPr>
+          <p:nvPr>
+            <p:ph type="title"/>
           </p:nvPr>
         </p:nvSpPr>
         <p:spPr/>
@@ -3367,14 +8563,2263 @@
           <a:bodyPr/>
           <a:lstStyle/>
           <a:p>
-            <a:endParaRPr lang="it-IT"/>
+            <a:pPr algn="ctr"/>
+            <a:r>
+              <a:rPr lang="it-IT" dirty="0"/>
+              <a:t>DIDP </a:t>
+            </a:r>
+            <a:r>
+              <a:rPr lang="it-IT" dirty="0" err="1"/>
+              <a:t>Formultation</a:t>
+            </a:r>
+            <a:endParaRPr lang="it-IT" dirty="0"/>
+          </a:p>
+        </p:txBody>
+      </p:sp>
+      <mc:AlternateContent xmlns:mc="http://schemas.openxmlformats.org/markup-compatibility/2006">
+        <mc:Choice xmlns:a14="http://schemas.microsoft.com/office/drawing/2010/main" Requires="a14">
+          <p:sp>
+            <p:nvSpPr>
+              <p:cNvPr id="3" name="Segnaposto contenuto 2">
+                <a:extLst>
+                  <a:ext uri="{FF2B5EF4-FFF2-40B4-BE49-F238E27FC236}">
+                    <a16:creationId xmlns:a16="http://schemas.microsoft.com/office/drawing/2014/main" id="{89FEBE17-9008-8DD8-BD6D-C43AA85AF660}"/>
+                  </a:ext>
+                </a:extLst>
+              </p:cNvPr>
+              <p:cNvSpPr>
+                <a:spLocks noGrp="1"/>
+              </p:cNvSpPr>
+              <p:nvPr>
+                <p:ph idx="1"/>
+              </p:nvPr>
+            </p:nvSpPr>
+            <p:spPr>
+              <a:xfrm>
+                <a:off x="261257" y="1825625"/>
+                <a:ext cx="11767457" cy="4351338"/>
+              </a:xfrm>
+            </p:spPr>
+            <p:txBody>
+              <a:bodyPr>
+                <a:normAutofit/>
+              </a:bodyPr>
+              <a:lstStyle/>
+              <a:p>
+                <a:r>
+                  <a:rPr lang="it-IT" i="1" dirty="0">
+                    <a:latin typeface="Cambria Math" panose="02040503050406030204" pitchFamily="18" charset="0"/>
+                  </a:rPr>
+                  <a:t> </a:t>
+                </a:r>
+                <a:r>
+                  <a:rPr lang="it-IT" dirty="0">
+                    <a:latin typeface="Cambria Math" panose="02040503050406030204" pitchFamily="18" charset="0"/>
+                  </a:rPr>
+                  <a:t>Resource </a:t>
+                </a:r>
+                <a:r>
+                  <a:rPr lang="it-IT" dirty="0" err="1">
+                    <a:latin typeface="Cambria Math" panose="02040503050406030204" pitchFamily="18" charset="0"/>
+                  </a:rPr>
+                  <a:t>variables</a:t>
+                </a:r>
+                <a:r>
+                  <a:rPr lang="it-IT" dirty="0">
+                    <a:latin typeface="Cambria Math" panose="02040503050406030204" pitchFamily="18" charset="0"/>
+                  </a:rPr>
+                  <a:t>:</a:t>
+                </a:r>
+                <a:endParaRPr lang="it-IT" i="1" dirty="0">
+                  <a:latin typeface="Cambria Math" panose="02040503050406030204" pitchFamily="18" charset="0"/>
+                </a:endParaRPr>
+              </a:p>
+              <a:p>
+                <a:pPr marL="0" indent="0">
+                  <a:buNone/>
+                </a:pPr>
+                <a:br>
+                  <a:rPr lang="it-IT" i="1" dirty="0">
+                    <a:latin typeface="Cambria Math" panose="02040503050406030204" pitchFamily="18" charset="0"/>
+                  </a:rPr>
+                </a:br>
+                <a14:m>
+                  <m:oMathPara xmlns:m="http://schemas.openxmlformats.org/officeDocument/2006/math">
+                    <m:oMathParaPr>
+                      <m:jc m:val="centerGroup"/>
+                    </m:oMathParaPr>
+                    <m:oMath xmlns:m="http://schemas.openxmlformats.org/officeDocument/2006/math">
+                      <m:r>
+                        <a:rPr lang="it-IT" i="1" smtClean="0">
+                          <a:latin typeface="Cambria Math" panose="02040503050406030204" pitchFamily="18" charset="0"/>
+                        </a:rPr>
+                        <m:t>𝑉</m:t>
+                      </m:r>
+                      <m:d>
+                        <m:dPr>
+                          <m:ctrlPr>
+                            <a:rPr lang="it-IT" i="1">
+                              <a:latin typeface="Cambria Math" panose="02040503050406030204" pitchFamily="18" charset="0"/>
+                            </a:rPr>
+                          </m:ctrlPr>
+                        </m:dPr>
+                        <m:e>
+                          <m:r>
+                            <a:rPr lang="it-IT" i="1">
+                              <a:latin typeface="Cambria Math" panose="02040503050406030204" pitchFamily="18" charset="0"/>
+                            </a:rPr>
+                            <m:t>𝑈</m:t>
+                          </m:r>
+                          <m:r>
+                            <a:rPr lang="it-IT" i="1">
+                              <a:latin typeface="Cambria Math" panose="02040503050406030204" pitchFamily="18" charset="0"/>
+                            </a:rPr>
+                            <m:t>,</m:t>
+                          </m:r>
+                          <m:d>
+                            <m:dPr>
+                              <m:begChr m:val="{"/>
+                              <m:endChr m:val="}"/>
+                              <m:ctrlPr>
+                                <a:rPr lang="it-IT" i="1">
+                                  <a:latin typeface="Cambria Math" panose="02040503050406030204" pitchFamily="18" charset="0"/>
+                                </a:rPr>
+                              </m:ctrlPr>
+                            </m:dPr>
+                            <m:e>
+                              <m:sSub>
+                                <m:sSubPr>
+                                  <m:ctrlPr>
+                                    <a:rPr lang="it-IT" i="1">
+                                      <a:latin typeface="Cambria Math" panose="02040503050406030204" pitchFamily="18" charset="0"/>
+                                    </a:rPr>
+                                  </m:ctrlPr>
+                                </m:sSubPr>
+                                <m:e>
+                                  <m:r>
+                                    <a:rPr lang="it-IT" i="1">
+                                      <a:latin typeface="Cambria Math" panose="02040503050406030204" pitchFamily="18" charset="0"/>
+                                    </a:rPr>
+                                    <m:t>𝑖</m:t>
+                                  </m:r>
+                                </m:e>
+                                <m:sub>
+                                  <m:r>
+                                    <a:rPr lang="it-IT" i="1">
+                                      <a:latin typeface="Cambria Math" panose="02040503050406030204" pitchFamily="18" charset="0"/>
+                                    </a:rPr>
+                                    <m:t>1</m:t>
+                                  </m:r>
+                                </m:sub>
+                              </m:sSub>
+                              <m:r>
+                                <a:rPr lang="it-IT" i="1">
+                                  <a:latin typeface="Cambria Math" panose="02040503050406030204" pitchFamily="18" charset="0"/>
+                                </a:rPr>
+                                <m:t>,…,</m:t>
+                              </m:r>
+                              <m:sSub>
+                                <m:sSubPr>
+                                  <m:ctrlPr>
+                                    <a:rPr lang="it-IT" i="1">
+                                      <a:latin typeface="Cambria Math" panose="02040503050406030204" pitchFamily="18" charset="0"/>
+                                    </a:rPr>
+                                  </m:ctrlPr>
+                                </m:sSubPr>
+                                <m:e>
+                                  <m:r>
+                                    <a:rPr lang="it-IT" i="1">
+                                      <a:latin typeface="Cambria Math" panose="02040503050406030204" pitchFamily="18" charset="0"/>
+                                    </a:rPr>
+                                    <m:t>𝑖</m:t>
+                                  </m:r>
+                                </m:e>
+                                <m:sub>
+                                  <m:r>
+                                    <a:rPr lang="it-IT" i="1">
+                                      <a:latin typeface="Cambria Math" panose="02040503050406030204" pitchFamily="18" charset="0"/>
+                                    </a:rPr>
+                                    <m:t>𝑚</m:t>
+                                  </m:r>
+                                </m:sub>
+                              </m:sSub>
+                            </m:e>
+                          </m:d>
+                          <m:r>
+                            <a:rPr lang="it-IT" i="1">
+                              <a:latin typeface="Cambria Math" panose="02040503050406030204" pitchFamily="18" charset="0"/>
+                            </a:rPr>
+                            <m:t>,</m:t>
+                          </m:r>
+                          <m:d>
+                            <m:dPr>
+                              <m:begChr m:val="{"/>
+                              <m:endChr m:val="}"/>
+                              <m:ctrlPr>
+                                <a:rPr lang="it-IT" i="1">
+                                  <a:latin typeface="Cambria Math" panose="02040503050406030204" pitchFamily="18" charset="0"/>
+                                </a:rPr>
+                              </m:ctrlPr>
+                            </m:dPr>
+                            <m:e>
+                              <m:sSub>
+                                <m:sSubPr>
+                                  <m:ctrlPr>
+                                    <a:rPr lang="it-IT" i="1">
+                                      <a:latin typeface="Cambria Math" panose="02040503050406030204" pitchFamily="18" charset="0"/>
+                                    </a:rPr>
+                                  </m:ctrlPr>
+                                </m:sSubPr>
+                                <m:e>
+                                  <m:r>
+                                    <a:rPr lang="it-IT" i="1">
+                                      <a:latin typeface="Cambria Math" panose="02040503050406030204" pitchFamily="18" charset="0"/>
+                                    </a:rPr>
+                                    <m:t>𝑙</m:t>
+                                  </m:r>
+                                </m:e>
+                                <m:sub>
+                                  <m:r>
+                                    <a:rPr lang="it-IT" i="1">
+                                      <a:latin typeface="Cambria Math" panose="02040503050406030204" pitchFamily="18" charset="0"/>
+                                    </a:rPr>
+                                    <m:t>1</m:t>
+                                  </m:r>
+                                </m:sub>
+                              </m:sSub>
+                              <m:r>
+                                <a:rPr lang="it-IT" i="1">
+                                  <a:latin typeface="Cambria Math" panose="02040503050406030204" pitchFamily="18" charset="0"/>
+                                </a:rPr>
+                                <m:t>,…,</m:t>
+                              </m:r>
+                              <m:sSub>
+                                <m:sSubPr>
+                                  <m:ctrlPr>
+                                    <a:rPr lang="it-IT" i="1">
+                                      <a:latin typeface="Cambria Math" panose="02040503050406030204" pitchFamily="18" charset="0"/>
+                                    </a:rPr>
+                                  </m:ctrlPr>
+                                </m:sSubPr>
+                                <m:e>
+                                  <m:r>
+                                    <a:rPr lang="it-IT" i="1">
+                                      <a:latin typeface="Cambria Math" panose="02040503050406030204" pitchFamily="18" charset="0"/>
+                                    </a:rPr>
+                                    <m:t>𝑙</m:t>
+                                  </m:r>
+                                </m:e>
+                                <m:sub>
+                                  <m:r>
+                                    <a:rPr lang="it-IT" i="1">
+                                      <a:latin typeface="Cambria Math" panose="02040503050406030204" pitchFamily="18" charset="0"/>
+                                    </a:rPr>
+                                    <m:t>𝑚</m:t>
+                                  </m:r>
+                                </m:sub>
+                              </m:sSub>
+                            </m:e>
+                          </m:d>
+                          <m:r>
+                            <a:rPr lang="it-IT" i="1">
+                              <a:latin typeface="Cambria Math" panose="02040503050406030204" pitchFamily="18" charset="0"/>
+                            </a:rPr>
+                            <m:t>,</m:t>
+                          </m:r>
+                          <m:d>
+                            <m:dPr>
+                              <m:begChr m:val="{"/>
+                              <m:endChr m:val="}"/>
+                              <m:ctrlPr>
+                                <a:rPr lang="it-IT" i="1">
+                                  <a:latin typeface="Cambria Math" panose="02040503050406030204" pitchFamily="18" charset="0"/>
+                                </a:rPr>
+                              </m:ctrlPr>
+                            </m:dPr>
+                            <m:e>
+                              <m:sSub>
+                                <m:sSubPr>
+                                  <m:ctrlPr>
+                                    <a:rPr lang="it-IT" i="1">
+                                      <a:latin typeface="Cambria Math" panose="02040503050406030204" pitchFamily="18" charset="0"/>
+                                    </a:rPr>
+                                  </m:ctrlPr>
+                                </m:sSubPr>
+                                <m:e>
+                                  <m:r>
+                                    <a:rPr lang="it-IT" i="1">
+                                      <a:latin typeface="Cambria Math" panose="02040503050406030204" pitchFamily="18" charset="0"/>
+                                    </a:rPr>
+                                    <m:t>𝑝</m:t>
+                                  </m:r>
+                                </m:e>
+                                <m:sub>
+                                  <m:r>
+                                    <a:rPr lang="it-IT" i="1">
+                                      <a:latin typeface="Cambria Math" panose="02040503050406030204" pitchFamily="18" charset="0"/>
+                                    </a:rPr>
+                                    <m:t>1</m:t>
+                                  </m:r>
+                                </m:sub>
+                              </m:sSub>
+                              <m:r>
+                                <a:rPr lang="it-IT" i="1">
+                                  <a:latin typeface="Cambria Math" panose="02040503050406030204" pitchFamily="18" charset="0"/>
+                                </a:rPr>
+                                <m:t>,…,</m:t>
+                              </m:r>
+                              <m:sSub>
+                                <m:sSubPr>
+                                  <m:ctrlPr>
+                                    <a:rPr lang="it-IT" i="1">
+                                      <a:latin typeface="Cambria Math" panose="02040503050406030204" pitchFamily="18" charset="0"/>
+                                    </a:rPr>
+                                  </m:ctrlPr>
+                                </m:sSubPr>
+                                <m:e>
+                                  <m:r>
+                                    <a:rPr lang="it-IT" i="1">
+                                      <a:latin typeface="Cambria Math" panose="02040503050406030204" pitchFamily="18" charset="0"/>
+                                    </a:rPr>
+                                    <m:t>𝑝</m:t>
+                                  </m:r>
+                                </m:e>
+                                <m:sub>
+                                  <m:r>
+                                    <a:rPr lang="it-IT" i="1">
+                                      <a:latin typeface="Cambria Math" panose="02040503050406030204" pitchFamily="18" charset="0"/>
+                                    </a:rPr>
+                                    <m:t>𝑚</m:t>
+                                  </m:r>
+                                </m:sub>
+                              </m:sSub>
+                            </m:e>
+                          </m:d>
+                          <m:r>
+                            <a:rPr lang="it-IT" i="1">
+                              <a:latin typeface="Cambria Math" panose="02040503050406030204" pitchFamily="18" charset="0"/>
+                            </a:rPr>
+                            <m:t>,</m:t>
+                          </m:r>
+                          <m:r>
+                            <a:rPr lang="it-IT" i="1">
+                              <a:latin typeface="Cambria Math" panose="02040503050406030204" pitchFamily="18" charset="0"/>
+                            </a:rPr>
+                            <m:t>𝑘</m:t>
+                          </m:r>
+                        </m:e>
+                      </m:d>
+                      <m:r>
+                        <a:rPr lang="it-IT" i="1" smtClean="0">
+                          <a:latin typeface="Cambria Math" panose="02040503050406030204" pitchFamily="18" charset="0"/>
+                          <a:ea typeface="Cambria Math" panose="02040503050406030204" pitchFamily="18" charset="0"/>
+                        </a:rPr>
+                        <m:t>≤</m:t>
+                      </m:r>
+                      <m:r>
+                        <a:rPr lang="it-IT" i="1">
+                          <a:latin typeface="Cambria Math" panose="02040503050406030204" pitchFamily="18" charset="0"/>
+                        </a:rPr>
+                        <m:t>𝑉</m:t>
+                      </m:r>
+                      <m:d>
+                        <m:dPr>
+                          <m:ctrlPr>
+                            <a:rPr lang="it-IT" i="1">
+                              <a:latin typeface="Cambria Math" panose="02040503050406030204" pitchFamily="18" charset="0"/>
+                            </a:rPr>
+                          </m:ctrlPr>
+                        </m:dPr>
+                        <m:e>
+                          <m:r>
+                            <a:rPr lang="it-IT" i="1">
+                              <a:latin typeface="Cambria Math" panose="02040503050406030204" pitchFamily="18" charset="0"/>
+                            </a:rPr>
+                            <m:t>𝑈</m:t>
+                          </m:r>
+                          <m:r>
+                            <a:rPr lang="it-IT" i="1">
+                              <a:latin typeface="Cambria Math" panose="02040503050406030204" pitchFamily="18" charset="0"/>
+                            </a:rPr>
+                            <m:t>,</m:t>
+                          </m:r>
+                          <m:d>
+                            <m:dPr>
+                              <m:begChr m:val="{"/>
+                              <m:endChr m:val="}"/>
+                              <m:ctrlPr>
+                                <a:rPr lang="it-IT" i="1">
+                                  <a:latin typeface="Cambria Math" panose="02040503050406030204" pitchFamily="18" charset="0"/>
+                                </a:rPr>
+                              </m:ctrlPr>
+                            </m:dPr>
+                            <m:e>
+                              <m:sSub>
+                                <m:sSubPr>
+                                  <m:ctrlPr>
+                                    <a:rPr lang="it-IT" i="1">
+                                      <a:latin typeface="Cambria Math" panose="02040503050406030204" pitchFamily="18" charset="0"/>
+                                    </a:rPr>
+                                  </m:ctrlPr>
+                                </m:sSubPr>
+                                <m:e>
+                                  <m:r>
+                                    <a:rPr lang="it-IT" i="1">
+                                      <a:latin typeface="Cambria Math" panose="02040503050406030204" pitchFamily="18" charset="0"/>
+                                    </a:rPr>
+                                    <m:t>𝑖</m:t>
+                                  </m:r>
+                                </m:e>
+                                <m:sub>
+                                  <m:r>
+                                    <a:rPr lang="it-IT" i="1">
+                                      <a:latin typeface="Cambria Math" panose="02040503050406030204" pitchFamily="18" charset="0"/>
+                                    </a:rPr>
+                                    <m:t>1</m:t>
+                                  </m:r>
+                                </m:sub>
+                              </m:sSub>
+                              <m:r>
+                                <a:rPr lang="it-IT" i="1">
+                                  <a:latin typeface="Cambria Math" panose="02040503050406030204" pitchFamily="18" charset="0"/>
+                                </a:rPr>
+                                <m:t>,…,</m:t>
+                              </m:r>
+                              <m:sSub>
+                                <m:sSubPr>
+                                  <m:ctrlPr>
+                                    <a:rPr lang="it-IT" i="1">
+                                      <a:latin typeface="Cambria Math" panose="02040503050406030204" pitchFamily="18" charset="0"/>
+                                    </a:rPr>
+                                  </m:ctrlPr>
+                                </m:sSubPr>
+                                <m:e>
+                                  <m:r>
+                                    <a:rPr lang="it-IT" i="1">
+                                      <a:latin typeface="Cambria Math" panose="02040503050406030204" pitchFamily="18" charset="0"/>
+                                    </a:rPr>
+                                    <m:t>𝑖</m:t>
+                                  </m:r>
+                                </m:e>
+                                <m:sub>
+                                  <m:r>
+                                    <a:rPr lang="it-IT" i="1">
+                                      <a:latin typeface="Cambria Math" panose="02040503050406030204" pitchFamily="18" charset="0"/>
+                                    </a:rPr>
+                                    <m:t>𝑚</m:t>
+                                  </m:r>
+                                </m:sub>
+                              </m:sSub>
+                            </m:e>
+                          </m:d>
+                          <m:r>
+                            <a:rPr lang="it-IT" i="1">
+                              <a:latin typeface="Cambria Math" panose="02040503050406030204" pitchFamily="18" charset="0"/>
+                            </a:rPr>
+                            <m:t>,</m:t>
+                          </m:r>
+                          <m:d>
+                            <m:dPr>
+                              <m:begChr m:val="{"/>
+                              <m:endChr m:val="}"/>
+                              <m:ctrlPr>
+                                <a:rPr lang="it-IT" i="1">
+                                  <a:latin typeface="Cambria Math" panose="02040503050406030204" pitchFamily="18" charset="0"/>
+                                </a:rPr>
+                              </m:ctrlPr>
+                            </m:dPr>
+                            <m:e>
+                              <m:sSub>
+                                <m:sSubPr>
+                                  <m:ctrlPr>
+                                    <a:rPr lang="it-IT" i="1">
+                                      <a:latin typeface="Cambria Math" panose="02040503050406030204" pitchFamily="18" charset="0"/>
+                                    </a:rPr>
+                                  </m:ctrlPr>
+                                </m:sSubPr>
+                                <m:e>
+                                  <m:sSup>
+                                    <m:sSupPr>
+                                      <m:ctrlPr>
+                                        <a:rPr lang="it-IT" i="1">
+                                          <a:latin typeface="Cambria Math" panose="02040503050406030204" pitchFamily="18" charset="0"/>
+                                        </a:rPr>
+                                      </m:ctrlPr>
+                                    </m:sSupPr>
+                                    <m:e>
+                                      <m:r>
+                                        <a:rPr lang="it-IT" i="1">
+                                          <a:latin typeface="Cambria Math" panose="02040503050406030204" pitchFamily="18" charset="0"/>
+                                        </a:rPr>
+                                        <m:t>𝑙</m:t>
+                                      </m:r>
+                                    </m:e>
+                                    <m:sup>
+                                      <m:r>
+                                        <a:rPr lang="it-IT" i="1">
+                                          <a:latin typeface="Cambria Math" panose="02040503050406030204" pitchFamily="18" charset="0"/>
+                                        </a:rPr>
+                                        <m:t>′</m:t>
+                                      </m:r>
+                                    </m:sup>
+                                  </m:sSup>
+                                </m:e>
+                                <m:sub>
+                                  <m:r>
+                                    <a:rPr lang="it-IT" i="1">
+                                      <a:latin typeface="Cambria Math" panose="02040503050406030204" pitchFamily="18" charset="0"/>
+                                    </a:rPr>
+                                    <m:t>1</m:t>
+                                  </m:r>
+                                </m:sub>
+                              </m:sSub>
+                              <m:r>
+                                <a:rPr lang="it-IT" i="1">
+                                  <a:latin typeface="Cambria Math" panose="02040503050406030204" pitchFamily="18" charset="0"/>
+                                </a:rPr>
+                                <m:t>,…,</m:t>
+                              </m:r>
+                              <m:sSub>
+                                <m:sSubPr>
+                                  <m:ctrlPr>
+                                    <a:rPr lang="it-IT" i="1">
+                                      <a:latin typeface="Cambria Math" panose="02040503050406030204" pitchFamily="18" charset="0"/>
+                                    </a:rPr>
+                                  </m:ctrlPr>
+                                </m:sSubPr>
+                                <m:e>
+                                  <m:sSup>
+                                    <m:sSupPr>
+                                      <m:ctrlPr>
+                                        <a:rPr lang="it-IT" i="1">
+                                          <a:latin typeface="Cambria Math" panose="02040503050406030204" pitchFamily="18" charset="0"/>
+                                        </a:rPr>
+                                      </m:ctrlPr>
+                                    </m:sSupPr>
+                                    <m:e>
+                                      <m:r>
+                                        <a:rPr lang="it-IT" i="1">
+                                          <a:latin typeface="Cambria Math" panose="02040503050406030204" pitchFamily="18" charset="0"/>
+                                        </a:rPr>
+                                        <m:t>𝑙</m:t>
+                                      </m:r>
+                                    </m:e>
+                                    <m:sup>
+                                      <m:r>
+                                        <a:rPr lang="it-IT" i="1">
+                                          <a:latin typeface="Cambria Math" panose="02040503050406030204" pitchFamily="18" charset="0"/>
+                                        </a:rPr>
+                                        <m:t>′</m:t>
+                                      </m:r>
+                                    </m:sup>
+                                  </m:sSup>
+                                </m:e>
+                                <m:sub>
+                                  <m:r>
+                                    <a:rPr lang="it-IT" i="1">
+                                      <a:latin typeface="Cambria Math" panose="02040503050406030204" pitchFamily="18" charset="0"/>
+                                    </a:rPr>
+                                    <m:t>𝑚</m:t>
+                                  </m:r>
+                                </m:sub>
+                              </m:sSub>
+                            </m:e>
+                          </m:d>
+                          <m:r>
+                            <a:rPr lang="it-IT" i="1">
+                              <a:latin typeface="Cambria Math" panose="02040503050406030204" pitchFamily="18" charset="0"/>
+                            </a:rPr>
+                            <m:t>,</m:t>
+                          </m:r>
+                          <m:d>
+                            <m:dPr>
+                              <m:begChr m:val="{"/>
+                              <m:endChr m:val="}"/>
+                              <m:ctrlPr>
+                                <a:rPr lang="it-IT" i="1">
+                                  <a:latin typeface="Cambria Math" panose="02040503050406030204" pitchFamily="18" charset="0"/>
+                                </a:rPr>
+                              </m:ctrlPr>
+                            </m:dPr>
+                            <m:e>
+                              <m:sSub>
+                                <m:sSubPr>
+                                  <m:ctrlPr>
+                                    <a:rPr lang="it-IT" i="1">
+                                      <a:latin typeface="Cambria Math" panose="02040503050406030204" pitchFamily="18" charset="0"/>
+                                    </a:rPr>
+                                  </m:ctrlPr>
+                                </m:sSubPr>
+                                <m:e>
+                                  <m:sSup>
+                                    <m:sSupPr>
+                                      <m:ctrlPr>
+                                        <a:rPr lang="it-IT" i="1">
+                                          <a:latin typeface="Cambria Math" panose="02040503050406030204" pitchFamily="18" charset="0"/>
+                                        </a:rPr>
+                                      </m:ctrlPr>
+                                    </m:sSupPr>
+                                    <m:e>
+                                      <m:r>
+                                        <a:rPr lang="it-IT" i="1">
+                                          <a:latin typeface="Cambria Math" panose="02040503050406030204" pitchFamily="18" charset="0"/>
+                                        </a:rPr>
+                                        <m:t>𝑝</m:t>
+                                      </m:r>
+                                    </m:e>
+                                    <m:sup>
+                                      <m:r>
+                                        <a:rPr lang="it-IT" i="1">
+                                          <a:latin typeface="Cambria Math" panose="02040503050406030204" pitchFamily="18" charset="0"/>
+                                        </a:rPr>
+                                        <m:t>′</m:t>
+                                      </m:r>
+                                    </m:sup>
+                                  </m:sSup>
+                                </m:e>
+                                <m:sub>
+                                  <m:r>
+                                    <a:rPr lang="it-IT" i="1">
+                                      <a:latin typeface="Cambria Math" panose="02040503050406030204" pitchFamily="18" charset="0"/>
+                                    </a:rPr>
+                                    <m:t>1</m:t>
+                                  </m:r>
+                                </m:sub>
+                              </m:sSub>
+                              <m:r>
+                                <a:rPr lang="it-IT" i="1">
+                                  <a:latin typeface="Cambria Math" panose="02040503050406030204" pitchFamily="18" charset="0"/>
+                                </a:rPr>
+                                <m:t>,…,</m:t>
+                              </m:r>
+                              <m:sSub>
+                                <m:sSubPr>
+                                  <m:ctrlPr>
+                                    <a:rPr lang="it-IT" i="1">
+                                      <a:latin typeface="Cambria Math" panose="02040503050406030204" pitchFamily="18" charset="0"/>
+                                    </a:rPr>
+                                  </m:ctrlPr>
+                                </m:sSubPr>
+                                <m:e>
+                                  <m:sSup>
+                                    <m:sSupPr>
+                                      <m:ctrlPr>
+                                        <a:rPr lang="it-IT" i="1">
+                                          <a:latin typeface="Cambria Math" panose="02040503050406030204" pitchFamily="18" charset="0"/>
+                                        </a:rPr>
+                                      </m:ctrlPr>
+                                    </m:sSupPr>
+                                    <m:e>
+                                      <m:r>
+                                        <a:rPr lang="it-IT" i="1">
+                                          <a:latin typeface="Cambria Math" panose="02040503050406030204" pitchFamily="18" charset="0"/>
+                                        </a:rPr>
+                                        <m:t>𝑝</m:t>
+                                      </m:r>
+                                    </m:e>
+                                    <m:sup>
+                                      <m:r>
+                                        <a:rPr lang="it-IT" i="1">
+                                          <a:latin typeface="Cambria Math" panose="02040503050406030204" pitchFamily="18" charset="0"/>
+                                        </a:rPr>
+                                        <m:t>′</m:t>
+                                      </m:r>
+                                    </m:sup>
+                                  </m:sSup>
+                                </m:e>
+                                <m:sub>
+                                  <m:r>
+                                    <a:rPr lang="it-IT" i="1">
+                                      <a:latin typeface="Cambria Math" panose="02040503050406030204" pitchFamily="18" charset="0"/>
+                                    </a:rPr>
+                                    <m:t>𝑚</m:t>
+                                  </m:r>
+                                </m:sub>
+                              </m:sSub>
+                            </m:e>
+                          </m:d>
+                          <m:r>
+                            <a:rPr lang="it-IT" i="1">
+                              <a:latin typeface="Cambria Math" panose="02040503050406030204" pitchFamily="18" charset="0"/>
+                            </a:rPr>
+                            <m:t>,</m:t>
+                          </m:r>
+                          <m:sSup>
+                            <m:sSupPr>
+                              <m:ctrlPr>
+                                <a:rPr lang="it-IT" i="1">
+                                  <a:latin typeface="Cambria Math" panose="02040503050406030204" pitchFamily="18" charset="0"/>
+                                </a:rPr>
+                              </m:ctrlPr>
+                            </m:sSupPr>
+                            <m:e>
+                              <m:r>
+                                <a:rPr lang="it-IT" i="1">
+                                  <a:latin typeface="Cambria Math" panose="02040503050406030204" pitchFamily="18" charset="0"/>
+                                </a:rPr>
+                                <m:t>𝑘</m:t>
+                              </m:r>
+                            </m:e>
+                            <m:sup>
+                              <m:r>
+                                <a:rPr lang="it-IT" i="1">
+                                  <a:latin typeface="Cambria Math" panose="02040503050406030204" pitchFamily="18" charset="0"/>
+                                </a:rPr>
+                                <m:t>′</m:t>
+                              </m:r>
+                            </m:sup>
+                          </m:sSup>
+                        </m:e>
+                      </m:d>
+                      <m:r>
+                        <a:rPr lang="it-IT" b="0" i="0" smtClean="0">
+                          <a:latin typeface="Cambria Math" panose="02040503050406030204" pitchFamily="18" charset="0"/>
+                        </a:rPr>
+                        <m:t> </m:t>
+                      </m:r>
+                    </m:oMath>
+                  </m:oMathPara>
+                </a14:m>
+                <a:endParaRPr lang="it-IT" b="0" i="0" dirty="0">
+                  <a:latin typeface="Cambria Math" panose="02040503050406030204" pitchFamily="18" charset="0"/>
+                </a:endParaRPr>
+              </a:p>
+              <a:p>
+                <a:pPr marL="0" indent="0">
+                  <a:buNone/>
+                </a:pPr>
+                <a14:m>
+                  <m:oMathPara xmlns:m="http://schemas.openxmlformats.org/officeDocument/2006/math">
+                    <m:oMathParaPr>
+                      <m:jc m:val="centerGroup"/>
+                    </m:oMathParaPr>
+                    <m:oMath xmlns:m="http://schemas.openxmlformats.org/officeDocument/2006/math">
+                      <m:r>
+                        <m:rPr>
+                          <m:sty m:val="p"/>
+                        </m:rPr>
+                        <a:rPr lang="it-IT" b="0" i="0" smtClean="0">
+                          <a:latin typeface="Cambria Math" panose="02040503050406030204" pitchFamily="18" charset="0"/>
+                        </a:rPr>
+                        <m:t>if</m:t>
+                      </m:r>
+                      <m:r>
+                        <a:rPr lang="it-IT" b="0" i="0" smtClean="0">
+                          <a:latin typeface="Cambria Math" panose="02040503050406030204" pitchFamily="18" charset="0"/>
+                        </a:rPr>
+                        <m:t> </m:t>
+                      </m:r>
+                      <m:r>
+                        <m:rPr>
+                          <m:sty m:val="p"/>
+                        </m:rPr>
+                        <a:rPr lang="it-IT" b="0" i="0" smtClean="0">
+                          <a:latin typeface="Cambria Math" panose="02040503050406030204" pitchFamily="18" charset="0"/>
+                        </a:rPr>
+                        <m:t>k</m:t>
+                      </m:r>
+                      <m:r>
+                        <a:rPr lang="it-IT" b="0" i="0" smtClean="0">
+                          <a:latin typeface="Cambria Math" panose="02040503050406030204" pitchFamily="18" charset="0"/>
+                        </a:rPr>
+                        <m:t> </m:t>
+                      </m:r>
+                      <m:r>
+                        <a:rPr lang="it-IT" b="0" i="1" smtClean="0">
+                          <a:latin typeface="Cambria Math" panose="02040503050406030204" pitchFamily="18" charset="0"/>
+                          <a:ea typeface="Cambria Math" panose="02040503050406030204" pitchFamily="18" charset="0"/>
+                        </a:rPr>
+                        <m:t>≥</m:t>
+                      </m:r>
+                      <m:sSup>
+                        <m:sSupPr>
+                          <m:ctrlPr>
+                            <a:rPr lang="it-IT" b="0" i="1" smtClean="0">
+                              <a:latin typeface="Cambria Math" panose="02040503050406030204" pitchFamily="18" charset="0"/>
+                              <a:ea typeface="Cambria Math" panose="02040503050406030204" pitchFamily="18" charset="0"/>
+                            </a:rPr>
+                          </m:ctrlPr>
+                        </m:sSupPr>
+                        <m:e>
+                          <m:r>
+                            <a:rPr lang="it-IT" b="0" i="1" smtClean="0">
+                              <a:latin typeface="Cambria Math" panose="02040503050406030204" pitchFamily="18" charset="0"/>
+                              <a:ea typeface="Cambria Math" panose="02040503050406030204" pitchFamily="18" charset="0"/>
+                            </a:rPr>
+                            <m:t>𝑘</m:t>
+                          </m:r>
+                        </m:e>
+                        <m:sup>
+                          <m:r>
+                            <a:rPr lang="it-IT" b="0" i="1" smtClean="0">
+                              <a:latin typeface="Cambria Math" panose="02040503050406030204" pitchFamily="18" charset="0"/>
+                              <a:ea typeface="Cambria Math" panose="02040503050406030204" pitchFamily="18" charset="0"/>
+                            </a:rPr>
+                            <m:t>′</m:t>
+                          </m:r>
+                        </m:sup>
+                      </m:sSup>
+                      <m:r>
+                        <a:rPr lang="it-IT" b="0" i="1" smtClean="0">
+                          <a:latin typeface="Cambria Math" panose="02040503050406030204" pitchFamily="18" charset="0"/>
+                          <a:ea typeface="Cambria Math" panose="02040503050406030204" pitchFamily="18" charset="0"/>
+                        </a:rPr>
+                        <m:t>, </m:t>
+                      </m:r>
+                      <m:sSub>
+                        <m:sSubPr>
+                          <m:ctrlPr>
+                            <a:rPr lang="it-IT" b="0" i="1" smtClean="0">
+                              <a:latin typeface="Cambria Math" panose="02040503050406030204" pitchFamily="18" charset="0"/>
+                              <a:ea typeface="Cambria Math" panose="02040503050406030204" pitchFamily="18" charset="0"/>
+                            </a:rPr>
+                          </m:ctrlPr>
+                        </m:sSubPr>
+                        <m:e>
+                          <m:r>
+                            <a:rPr lang="it-IT" b="0" i="1" smtClean="0">
+                              <a:latin typeface="Cambria Math" panose="02040503050406030204" pitchFamily="18" charset="0"/>
+                              <a:ea typeface="Cambria Math" panose="02040503050406030204" pitchFamily="18" charset="0"/>
+                            </a:rPr>
+                            <m:t> </m:t>
+                          </m:r>
+                          <m:r>
+                            <a:rPr lang="it-IT" b="0" i="1" smtClean="0">
+                              <a:latin typeface="Cambria Math" panose="02040503050406030204" pitchFamily="18" charset="0"/>
+                              <a:ea typeface="Cambria Math" panose="02040503050406030204" pitchFamily="18" charset="0"/>
+                            </a:rPr>
+                            <m:t>𝑙</m:t>
+                          </m:r>
+                        </m:e>
+                        <m:sub>
+                          <m:r>
+                            <a:rPr lang="it-IT" b="0" i="1" smtClean="0">
+                              <a:latin typeface="Cambria Math" panose="02040503050406030204" pitchFamily="18" charset="0"/>
+                              <a:ea typeface="Cambria Math" panose="02040503050406030204" pitchFamily="18" charset="0"/>
+                            </a:rPr>
+                            <m:t>𝑧</m:t>
+                          </m:r>
+                        </m:sub>
+                      </m:sSub>
+                      <m:r>
+                        <a:rPr lang="it-IT" b="0" i="1" smtClean="0">
+                          <a:latin typeface="Cambria Math" panose="02040503050406030204" pitchFamily="18" charset="0"/>
+                          <a:ea typeface="Cambria Math" panose="02040503050406030204" pitchFamily="18" charset="0"/>
+                        </a:rPr>
+                        <m:t> ≤ </m:t>
+                      </m:r>
+                      <m:sSub>
+                        <m:sSubPr>
+                          <m:ctrlPr>
+                            <a:rPr lang="it-IT" b="0" i="1" smtClean="0">
+                              <a:latin typeface="Cambria Math" panose="02040503050406030204" pitchFamily="18" charset="0"/>
+                              <a:ea typeface="Cambria Math" panose="02040503050406030204" pitchFamily="18" charset="0"/>
+                            </a:rPr>
+                          </m:ctrlPr>
+                        </m:sSubPr>
+                        <m:e>
+                          <m:sSup>
+                            <m:sSupPr>
+                              <m:ctrlPr>
+                                <a:rPr lang="it-IT" b="0" i="1" smtClean="0">
+                                  <a:latin typeface="Cambria Math" panose="02040503050406030204" pitchFamily="18" charset="0"/>
+                                  <a:ea typeface="Cambria Math" panose="02040503050406030204" pitchFamily="18" charset="0"/>
+                                </a:rPr>
+                              </m:ctrlPr>
+                            </m:sSupPr>
+                            <m:e>
+                              <m:r>
+                                <a:rPr lang="it-IT" b="0" i="1" smtClean="0">
+                                  <a:latin typeface="Cambria Math" panose="02040503050406030204" pitchFamily="18" charset="0"/>
+                                  <a:ea typeface="Cambria Math" panose="02040503050406030204" pitchFamily="18" charset="0"/>
+                                </a:rPr>
+                                <m:t>𝑙</m:t>
+                              </m:r>
+                            </m:e>
+                            <m:sup>
+                              <m:r>
+                                <a:rPr lang="it-IT" b="0" i="1" smtClean="0">
+                                  <a:latin typeface="Cambria Math" panose="02040503050406030204" pitchFamily="18" charset="0"/>
+                                  <a:ea typeface="Cambria Math" panose="02040503050406030204" pitchFamily="18" charset="0"/>
+                                </a:rPr>
+                                <m:t>′</m:t>
+                              </m:r>
+                            </m:sup>
+                          </m:sSup>
+                        </m:e>
+                        <m:sub>
+                          <m:r>
+                            <a:rPr lang="it-IT" b="0" i="1" smtClean="0">
+                              <a:latin typeface="Cambria Math" panose="02040503050406030204" pitchFamily="18" charset="0"/>
+                              <a:ea typeface="Cambria Math" panose="02040503050406030204" pitchFamily="18" charset="0"/>
+                            </a:rPr>
+                            <m:t>𝑧</m:t>
+                          </m:r>
+                        </m:sub>
+                      </m:sSub>
+                      <m:r>
+                        <a:rPr lang="it-IT" b="0" i="1" smtClean="0">
+                          <a:latin typeface="Cambria Math" panose="02040503050406030204" pitchFamily="18" charset="0"/>
+                          <a:ea typeface="Cambria Math" panose="02040503050406030204" pitchFamily="18" charset="0"/>
+                        </a:rPr>
+                        <m:t>, </m:t>
+                      </m:r>
+                      <m:sSub>
+                        <m:sSubPr>
+                          <m:ctrlPr>
+                            <a:rPr lang="it-IT" b="0" i="1" smtClean="0">
+                              <a:latin typeface="Cambria Math" panose="02040503050406030204" pitchFamily="18" charset="0"/>
+                              <a:ea typeface="Cambria Math" panose="02040503050406030204" pitchFamily="18" charset="0"/>
+                            </a:rPr>
+                          </m:ctrlPr>
+                        </m:sSubPr>
+                        <m:e>
+                          <m:r>
+                            <a:rPr lang="it-IT" b="0" i="1" smtClean="0">
+                              <a:latin typeface="Cambria Math" panose="02040503050406030204" pitchFamily="18" charset="0"/>
+                              <a:ea typeface="Cambria Math" panose="02040503050406030204" pitchFamily="18" charset="0"/>
+                            </a:rPr>
+                            <m:t> </m:t>
+                          </m:r>
+                          <m:r>
+                            <a:rPr lang="it-IT" b="0" i="1" smtClean="0">
+                              <a:latin typeface="Cambria Math" panose="02040503050406030204" pitchFamily="18" charset="0"/>
+                              <a:ea typeface="Cambria Math" panose="02040503050406030204" pitchFamily="18" charset="0"/>
+                            </a:rPr>
+                            <m:t>𝑝</m:t>
+                          </m:r>
+                        </m:e>
+                        <m:sub>
+                          <m:r>
+                            <a:rPr lang="it-IT" b="0" i="1" smtClean="0">
+                              <a:latin typeface="Cambria Math" panose="02040503050406030204" pitchFamily="18" charset="0"/>
+                              <a:ea typeface="Cambria Math" panose="02040503050406030204" pitchFamily="18" charset="0"/>
+                            </a:rPr>
+                            <m:t>𝑧</m:t>
+                          </m:r>
+                        </m:sub>
+                      </m:sSub>
+                      <m:r>
+                        <a:rPr lang="it-IT" b="0" i="1" smtClean="0">
+                          <a:latin typeface="Cambria Math" panose="02040503050406030204" pitchFamily="18" charset="0"/>
+                          <a:ea typeface="Cambria Math" panose="02040503050406030204" pitchFamily="18" charset="0"/>
+                        </a:rPr>
+                        <m:t>≤</m:t>
+                      </m:r>
+                      <m:sSub>
+                        <m:sSubPr>
+                          <m:ctrlPr>
+                            <a:rPr lang="it-IT" b="0" i="1" smtClean="0">
+                              <a:latin typeface="Cambria Math" panose="02040503050406030204" pitchFamily="18" charset="0"/>
+                              <a:ea typeface="Cambria Math" panose="02040503050406030204" pitchFamily="18" charset="0"/>
+                            </a:rPr>
+                          </m:ctrlPr>
+                        </m:sSubPr>
+                        <m:e>
+                          <m:sSup>
+                            <m:sSupPr>
+                              <m:ctrlPr>
+                                <a:rPr lang="it-IT" b="0" i="1" smtClean="0">
+                                  <a:latin typeface="Cambria Math" panose="02040503050406030204" pitchFamily="18" charset="0"/>
+                                  <a:ea typeface="Cambria Math" panose="02040503050406030204" pitchFamily="18" charset="0"/>
+                                </a:rPr>
+                              </m:ctrlPr>
+                            </m:sSupPr>
+                            <m:e>
+                              <m:r>
+                                <a:rPr lang="it-IT" b="0" i="1" smtClean="0">
+                                  <a:latin typeface="Cambria Math" panose="02040503050406030204" pitchFamily="18" charset="0"/>
+                                  <a:ea typeface="Cambria Math" panose="02040503050406030204" pitchFamily="18" charset="0"/>
+                                </a:rPr>
+                                <m:t>𝑝</m:t>
+                              </m:r>
+                            </m:e>
+                            <m:sup>
+                              <m:r>
+                                <a:rPr lang="it-IT" b="0" i="1" smtClean="0">
+                                  <a:latin typeface="Cambria Math" panose="02040503050406030204" pitchFamily="18" charset="0"/>
+                                  <a:ea typeface="Cambria Math" panose="02040503050406030204" pitchFamily="18" charset="0"/>
+                                </a:rPr>
+                                <m:t>′</m:t>
+                              </m:r>
+                            </m:sup>
+                          </m:sSup>
+                        </m:e>
+                        <m:sub>
+                          <m:r>
+                            <a:rPr lang="it-IT" b="0" i="1" smtClean="0">
+                              <a:latin typeface="Cambria Math" panose="02040503050406030204" pitchFamily="18" charset="0"/>
+                              <a:ea typeface="Cambria Math" panose="02040503050406030204" pitchFamily="18" charset="0"/>
+                            </a:rPr>
+                            <m:t>𝑧</m:t>
+                          </m:r>
+                        </m:sub>
+                      </m:sSub>
+                      <m:r>
+                        <a:rPr lang="it-IT" b="0" i="1" smtClean="0">
+                          <a:latin typeface="Cambria Math" panose="02040503050406030204" pitchFamily="18" charset="0"/>
+                          <a:ea typeface="Cambria Math" panose="02040503050406030204" pitchFamily="18" charset="0"/>
+                        </a:rPr>
+                        <m:t> ∀ </m:t>
+                      </m:r>
+                      <m:r>
+                        <a:rPr lang="it-IT" b="0" i="1" smtClean="0">
+                          <a:latin typeface="Cambria Math" panose="02040503050406030204" pitchFamily="18" charset="0"/>
+                          <a:ea typeface="Cambria Math" panose="02040503050406030204" pitchFamily="18" charset="0"/>
+                        </a:rPr>
+                        <m:t>𝑧</m:t>
+                      </m:r>
+                      <m:r>
+                        <a:rPr lang="it-IT" b="0" i="1" smtClean="0">
+                          <a:latin typeface="Cambria Math" panose="02040503050406030204" pitchFamily="18" charset="0"/>
+                          <a:ea typeface="Cambria Math" panose="02040503050406030204" pitchFamily="18" charset="0"/>
+                        </a:rPr>
+                        <m:t>∈ </m:t>
+                      </m:r>
+                      <m:d>
+                        <m:dPr>
+                          <m:begChr m:val="{"/>
+                          <m:endChr m:val="}"/>
+                          <m:ctrlPr>
+                            <a:rPr lang="it-IT" b="0" i="1" smtClean="0">
+                              <a:latin typeface="Cambria Math" panose="02040503050406030204" pitchFamily="18" charset="0"/>
+                              <a:ea typeface="Cambria Math" panose="02040503050406030204" pitchFamily="18" charset="0"/>
+                            </a:rPr>
+                          </m:ctrlPr>
+                        </m:dPr>
+                        <m:e>
+                          <m:r>
+                            <a:rPr lang="it-IT" b="0" i="1" smtClean="0">
+                              <a:latin typeface="Cambria Math" panose="02040503050406030204" pitchFamily="18" charset="0"/>
+                              <a:ea typeface="Cambria Math" panose="02040503050406030204" pitchFamily="18" charset="0"/>
+                            </a:rPr>
+                            <m:t>1,…,</m:t>
+                          </m:r>
+                          <m:r>
+                            <a:rPr lang="it-IT" b="0" i="1" smtClean="0">
+                              <a:latin typeface="Cambria Math" panose="02040503050406030204" pitchFamily="18" charset="0"/>
+                              <a:ea typeface="Cambria Math" panose="02040503050406030204" pitchFamily="18" charset="0"/>
+                            </a:rPr>
+                            <m:t>𝑚</m:t>
+                          </m:r>
+                        </m:e>
+                      </m:d>
+                      <m:r>
+                        <a:rPr lang="it-IT" b="0" i="1" smtClean="0">
+                          <a:latin typeface="Cambria Math" panose="02040503050406030204" pitchFamily="18" charset="0"/>
+                          <a:ea typeface="Cambria Math" panose="02040503050406030204" pitchFamily="18" charset="0"/>
+                        </a:rPr>
+                        <m:t> </m:t>
+                      </m:r>
+                    </m:oMath>
+                  </m:oMathPara>
+                </a14:m>
+                <a:endParaRPr lang="it-IT" dirty="0"/>
+              </a:p>
+              <a:p>
+                <a:r>
+                  <a:rPr lang="it-IT" dirty="0"/>
+                  <a:t>Dual </a:t>
+                </a:r>
+                <a:r>
+                  <a:rPr lang="it-IT" dirty="0" err="1"/>
+                  <a:t>bound</a:t>
+                </a:r>
+                <a:r>
+                  <a:rPr lang="it-IT" dirty="0"/>
+                  <a:t>:</a:t>
+                </a:r>
+              </a:p>
+              <a:p>
+                <a:pPr marL="0" indent="0">
+                  <a:buNone/>
+                </a:pPr>
+                <a:endParaRPr lang="it-IT" dirty="0"/>
+              </a:p>
+              <a:p>
+                <a:pPr marL="0" indent="0">
+                  <a:buNone/>
+                </a:pPr>
+                <a14:m>
+                  <m:oMathPara xmlns:m="http://schemas.openxmlformats.org/officeDocument/2006/math">
+                    <m:oMathParaPr>
+                      <m:jc m:val="centerGroup"/>
+                    </m:oMathParaPr>
+                    <m:oMath xmlns:m="http://schemas.openxmlformats.org/officeDocument/2006/math">
+                      <m:r>
+                        <a:rPr lang="it-IT" i="1">
+                          <a:latin typeface="Cambria Math" panose="02040503050406030204" pitchFamily="18" charset="0"/>
+                        </a:rPr>
+                        <m:t>𝑉</m:t>
+                      </m:r>
+                      <m:d>
+                        <m:dPr>
+                          <m:ctrlPr>
+                            <a:rPr lang="it-IT" i="1">
+                              <a:latin typeface="Cambria Math" panose="02040503050406030204" pitchFamily="18" charset="0"/>
+                            </a:rPr>
+                          </m:ctrlPr>
+                        </m:dPr>
+                        <m:e>
+                          <m:r>
+                            <a:rPr lang="it-IT" i="1">
+                              <a:latin typeface="Cambria Math" panose="02040503050406030204" pitchFamily="18" charset="0"/>
+                            </a:rPr>
+                            <m:t>𝑈</m:t>
+                          </m:r>
+                          <m:r>
+                            <a:rPr lang="it-IT" i="1">
+                              <a:latin typeface="Cambria Math" panose="02040503050406030204" pitchFamily="18" charset="0"/>
+                            </a:rPr>
+                            <m:t>,</m:t>
+                          </m:r>
+                          <m:d>
+                            <m:dPr>
+                              <m:begChr m:val="{"/>
+                              <m:endChr m:val="}"/>
+                              <m:ctrlPr>
+                                <a:rPr lang="it-IT" i="1">
+                                  <a:latin typeface="Cambria Math" panose="02040503050406030204" pitchFamily="18" charset="0"/>
+                                </a:rPr>
+                              </m:ctrlPr>
+                            </m:dPr>
+                            <m:e>
+                              <m:sSub>
+                                <m:sSubPr>
+                                  <m:ctrlPr>
+                                    <a:rPr lang="it-IT" i="1">
+                                      <a:latin typeface="Cambria Math" panose="02040503050406030204" pitchFamily="18" charset="0"/>
+                                    </a:rPr>
+                                  </m:ctrlPr>
+                                </m:sSubPr>
+                                <m:e>
+                                  <m:r>
+                                    <a:rPr lang="it-IT" i="1">
+                                      <a:latin typeface="Cambria Math" panose="02040503050406030204" pitchFamily="18" charset="0"/>
+                                    </a:rPr>
+                                    <m:t>𝑖</m:t>
+                                  </m:r>
+                                </m:e>
+                                <m:sub>
+                                  <m:r>
+                                    <a:rPr lang="it-IT" i="1">
+                                      <a:latin typeface="Cambria Math" panose="02040503050406030204" pitchFamily="18" charset="0"/>
+                                    </a:rPr>
+                                    <m:t>1</m:t>
+                                  </m:r>
+                                </m:sub>
+                              </m:sSub>
+                              <m:r>
+                                <a:rPr lang="it-IT" i="1">
+                                  <a:latin typeface="Cambria Math" panose="02040503050406030204" pitchFamily="18" charset="0"/>
+                                </a:rPr>
+                                <m:t>,…,</m:t>
+                              </m:r>
+                              <m:sSub>
+                                <m:sSubPr>
+                                  <m:ctrlPr>
+                                    <a:rPr lang="it-IT" i="1">
+                                      <a:latin typeface="Cambria Math" panose="02040503050406030204" pitchFamily="18" charset="0"/>
+                                    </a:rPr>
+                                  </m:ctrlPr>
+                                </m:sSubPr>
+                                <m:e>
+                                  <m:r>
+                                    <a:rPr lang="it-IT" i="1">
+                                      <a:latin typeface="Cambria Math" panose="02040503050406030204" pitchFamily="18" charset="0"/>
+                                    </a:rPr>
+                                    <m:t>𝑖</m:t>
+                                  </m:r>
+                                </m:e>
+                                <m:sub>
+                                  <m:r>
+                                    <a:rPr lang="it-IT" i="1">
+                                      <a:latin typeface="Cambria Math" panose="02040503050406030204" pitchFamily="18" charset="0"/>
+                                    </a:rPr>
+                                    <m:t>𝑚</m:t>
+                                  </m:r>
+                                </m:sub>
+                              </m:sSub>
+                            </m:e>
+                          </m:d>
+                          <m:r>
+                            <a:rPr lang="it-IT" i="1">
+                              <a:latin typeface="Cambria Math" panose="02040503050406030204" pitchFamily="18" charset="0"/>
+                            </a:rPr>
+                            <m:t>,</m:t>
+                          </m:r>
+                          <m:d>
+                            <m:dPr>
+                              <m:begChr m:val="{"/>
+                              <m:endChr m:val="}"/>
+                              <m:ctrlPr>
+                                <a:rPr lang="it-IT" i="1">
+                                  <a:latin typeface="Cambria Math" panose="02040503050406030204" pitchFamily="18" charset="0"/>
+                                </a:rPr>
+                              </m:ctrlPr>
+                            </m:dPr>
+                            <m:e>
+                              <m:sSub>
+                                <m:sSubPr>
+                                  <m:ctrlPr>
+                                    <a:rPr lang="it-IT" i="1">
+                                      <a:latin typeface="Cambria Math" panose="02040503050406030204" pitchFamily="18" charset="0"/>
+                                    </a:rPr>
+                                  </m:ctrlPr>
+                                </m:sSubPr>
+                                <m:e>
+                                  <m:r>
+                                    <a:rPr lang="it-IT" i="1">
+                                      <a:latin typeface="Cambria Math" panose="02040503050406030204" pitchFamily="18" charset="0"/>
+                                    </a:rPr>
+                                    <m:t>𝑙</m:t>
+                                  </m:r>
+                                </m:e>
+                                <m:sub>
+                                  <m:r>
+                                    <a:rPr lang="it-IT" i="1">
+                                      <a:latin typeface="Cambria Math" panose="02040503050406030204" pitchFamily="18" charset="0"/>
+                                    </a:rPr>
+                                    <m:t>1</m:t>
+                                  </m:r>
+                                </m:sub>
+                              </m:sSub>
+                              <m:r>
+                                <a:rPr lang="it-IT" i="1">
+                                  <a:latin typeface="Cambria Math" panose="02040503050406030204" pitchFamily="18" charset="0"/>
+                                </a:rPr>
+                                <m:t>,…,</m:t>
+                              </m:r>
+                              <m:sSub>
+                                <m:sSubPr>
+                                  <m:ctrlPr>
+                                    <a:rPr lang="it-IT" i="1">
+                                      <a:latin typeface="Cambria Math" panose="02040503050406030204" pitchFamily="18" charset="0"/>
+                                    </a:rPr>
+                                  </m:ctrlPr>
+                                </m:sSubPr>
+                                <m:e>
+                                  <m:r>
+                                    <a:rPr lang="it-IT" i="1">
+                                      <a:latin typeface="Cambria Math" panose="02040503050406030204" pitchFamily="18" charset="0"/>
+                                    </a:rPr>
+                                    <m:t>𝑙</m:t>
+                                  </m:r>
+                                </m:e>
+                                <m:sub>
+                                  <m:r>
+                                    <a:rPr lang="it-IT" i="1">
+                                      <a:latin typeface="Cambria Math" panose="02040503050406030204" pitchFamily="18" charset="0"/>
+                                    </a:rPr>
+                                    <m:t>𝑚</m:t>
+                                  </m:r>
+                                </m:sub>
+                              </m:sSub>
+                            </m:e>
+                          </m:d>
+                          <m:r>
+                            <a:rPr lang="it-IT" i="1">
+                              <a:latin typeface="Cambria Math" panose="02040503050406030204" pitchFamily="18" charset="0"/>
+                            </a:rPr>
+                            <m:t>,</m:t>
+                          </m:r>
+                          <m:d>
+                            <m:dPr>
+                              <m:begChr m:val="{"/>
+                              <m:endChr m:val="}"/>
+                              <m:ctrlPr>
+                                <a:rPr lang="it-IT" i="1">
+                                  <a:latin typeface="Cambria Math" panose="02040503050406030204" pitchFamily="18" charset="0"/>
+                                </a:rPr>
+                              </m:ctrlPr>
+                            </m:dPr>
+                            <m:e>
+                              <m:sSub>
+                                <m:sSubPr>
+                                  <m:ctrlPr>
+                                    <a:rPr lang="it-IT" i="1">
+                                      <a:latin typeface="Cambria Math" panose="02040503050406030204" pitchFamily="18" charset="0"/>
+                                    </a:rPr>
+                                  </m:ctrlPr>
+                                </m:sSubPr>
+                                <m:e>
+                                  <m:r>
+                                    <a:rPr lang="it-IT" i="1">
+                                      <a:latin typeface="Cambria Math" panose="02040503050406030204" pitchFamily="18" charset="0"/>
+                                    </a:rPr>
+                                    <m:t>𝑝</m:t>
+                                  </m:r>
+                                </m:e>
+                                <m:sub>
+                                  <m:r>
+                                    <a:rPr lang="it-IT" i="1">
+                                      <a:latin typeface="Cambria Math" panose="02040503050406030204" pitchFamily="18" charset="0"/>
+                                    </a:rPr>
+                                    <m:t>1</m:t>
+                                  </m:r>
+                                </m:sub>
+                              </m:sSub>
+                              <m:r>
+                                <a:rPr lang="it-IT" i="1">
+                                  <a:latin typeface="Cambria Math" panose="02040503050406030204" pitchFamily="18" charset="0"/>
+                                </a:rPr>
+                                <m:t>,…,</m:t>
+                              </m:r>
+                              <m:sSub>
+                                <m:sSubPr>
+                                  <m:ctrlPr>
+                                    <a:rPr lang="it-IT" i="1">
+                                      <a:latin typeface="Cambria Math" panose="02040503050406030204" pitchFamily="18" charset="0"/>
+                                    </a:rPr>
+                                  </m:ctrlPr>
+                                </m:sSubPr>
+                                <m:e>
+                                  <m:r>
+                                    <a:rPr lang="it-IT" i="1">
+                                      <a:latin typeface="Cambria Math" panose="02040503050406030204" pitchFamily="18" charset="0"/>
+                                    </a:rPr>
+                                    <m:t>𝑝</m:t>
+                                  </m:r>
+                                </m:e>
+                                <m:sub>
+                                  <m:r>
+                                    <a:rPr lang="it-IT" i="1">
+                                      <a:latin typeface="Cambria Math" panose="02040503050406030204" pitchFamily="18" charset="0"/>
+                                    </a:rPr>
+                                    <m:t>𝑚</m:t>
+                                  </m:r>
+                                </m:sub>
+                              </m:sSub>
+                            </m:e>
+                          </m:d>
+                          <m:r>
+                            <a:rPr lang="it-IT" i="1">
+                              <a:latin typeface="Cambria Math" panose="02040503050406030204" pitchFamily="18" charset="0"/>
+                            </a:rPr>
+                            <m:t>,</m:t>
+                          </m:r>
+                          <m:r>
+                            <a:rPr lang="it-IT" i="1">
+                              <a:latin typeface="Cambria Math" panose="02040503050406030204" pitchFamily="18" charset="0"/>
+                            </a:rPr>
+                            <m:t>𝑘</m:t>
+                          </m:r>
+                        </m:e>
+                      </m:d>
+                      <m:r>
+                        <a:rPr lang="it-IT" i="1" smtClean="0">
+                          <a:latin typeface="Cambria Math" panose="02040503050406030204" pitchFamily="18" charset="0"/>
+                          <a:ea typeface="Cambria Math" panose="02040503050406030204" pitchFamily="18" charset="0"/>
+                        </a:rPr>
+                        <m:t>≥</m:t>
+                      </m:r>
+                      <m:func>
+                        <m:funcPr>
+                          <m:ctrlPr>
+                            <a:rPr lang="it-IT" i="1" smtClean="0">
+                              <a:latin typeface="Cambria Math" panose="02040503050406030204" pitchFamily="18" charset="0"/>
+                              <a:ea typeface="Cambria Math" panose="02040503050406030204" pitchFamily="18" charset="0"/>
+                            </a:rPr>
+                          </m:ctrlPr>
+                        </m:funcPr>
+                        <m:fName>
+                          <m:limLow>
+                            <m:limLowPr>
+                              <m:ctrlPr>
+                                <a:rPr lang="it-IT" i="1" smtClean="0">
+                                  <a:latin typeface="Cambria Math" panose="02040503050406030204" pitchFamily="18" charset="0"/>
+                                  <a:ea typeface="Cambria Math" panose="02040503050406030204" pitchFamily="18" charset="0"/>
+                                </a:rPr>
+                              </m:ctrlPr>
+                            </m:limLowPr>
+                            <m:e>
+                              <m:r>
+                                <m:rPr>
+                                  <m:sty m:val="p"/>
+                                </m:rPr>
+                                <a:rPr lang="it-IT" i="0" smtClean="0">
+                                  <a:latin typeface="Cambria Math" panose="02040503050406030204" pitchFamily="18" charset="0"/>
+                                  <a:ea typeface="Cambria Math" panose="02040503050406030204" pitchFamily="18" charset="0"/>
+                                </a:rPr>
+                                <m:t>max</m:t>
+                              </m:r>
+                            </m:e>
+                            <m:lim>
+                              <m:r>
+                                <a:rPr lang="it-IT" b="0" i="1" smtClean="0">
+                                  <a:latin typeface="Cambria Math" panose="02040503050406030204" pitchFamily="18" charset="0"/>
+                                  <a:ea typeface="Cambria Math" panose="02040503050406030204" pitchFamily="18" charset="0"/>
+                                </a:rPr>
+                                <m:t>𝑗</m:t>
+                              </m:r>
+                              <m:r>
+                                <a:rPr lang="it-IT" b="0" i="1" smtClean="0">
+                                  <a:latin typeface="Cambria Math" panose="02040503050406030204" pitchFamily="18" charset="0"/>
+                                  <a:ea typeface="Cambria Math" panose="02040503050406030204" pitchFamily="18" charset="0"/>
+                                </a:rPr>
+                                <m:t> ∈</m:t>
+                              </m:r>
+                              <m:r>
+                                <a:rPr lang="it-IT" b="0" i="1" smtClean="0">
+                                  <a:latin typeface="Cambria Math" panose="02040503050406030204" pitchFamily="18" charset="0"/>
+                                  <a:ea typeface="Cambria Math" panose="02040503050406030204" pitchFamily="18" charset="0"/>
+                                </a:rPr>
+                                <m:t>𝑈</m:t>
+                              </m:r>
+                            </m:lim>
+                          </m:limLow>
+                        </m:fName>
+                        <m:e>
+                          <m:d>
+                            <m:dPr>
+                              <m:ctrlPr>
+                                <a:rPr lang="it-IT" i="1" smtClean="0">
+                                  <a:latin typeface="Cambria Math" panose="02040503050406030204" pitchFamily="18" charset="0"/>
+                                  <a:ea typeface="Cambria Math" panose="02040503050406030204" pitchFamily="18" charset="0"/>
+                                </a:rPr>
+                              </m:ctrlPr>
+                            </m:dPr>
+                            <m:e>
+                              <m:sSub>
+                                <m:sSubPr>
+                                  <m:ctrlPr>
+                                    <a:rPr lang="it-IT" i="1" smtClean="0">
+                                      <a:latin typeface="Cambria Math" panose="02040503050406030204" pitchFamily="18" charset="0"/>
+                                      <a:ea typeface="Cambria Math" panose="02040503050406030204" pitchFamily="18" charset="0"/>
+                                    </a:rPr>
+                                  </m:ctrlPr>
+                                </m:sSubPr>
+                                <m:e>
+                                  <m:r>
+                                    <a:rPr lang="it-IT" b="0" i="1" smtClean="0">
+                                      <a:latin typeface="Cambria Math" panose="02040503050406030204" pitchFamily="18" charset="0"/>
+                                      <a:ea typeface="Cambria Math" panose="02040503050406030204" pitchFamily="18" charset="0"/>
+                                    </a:rPr>
+                                    <m:t>𝑐</m:t>
+                                  </m:r>
+                                </m:e>
+                                <m:sub>
+                                  <m:r>
+                                    <a:rPr lang="it-IT" b="0" i="1" smtClean="0">
+                                      <a:latin typeface="Cambria Math" panose="02040503050406030204" pitchFamily="18" charset="0"/>
+                                      <a:ea typeface="Cambria Math" panose="02040503050406030204" pitchFamily="18" charset="0"/>
+                                    </a:rPr>
+                                    <m:t>0</m:t>
+                                  </m:r>
+                                  <m:r>
+                                    <a:rPr lang="it-IT" b="0" i="1" smtClean="0">
+                                      <a:latin typeface="Cambria Math" panose="02040503050406030204" pitchFamily="18" charset="0"/>
+                                      <a:ea typeface="Cambria Math" panose="02040503050406030204" pitchFamily="18" charset="0"/>
+                                    </a:rPr>
+                                    <m:t>𝑗</m:t>
+                                  </m:r>
+                                </m:sub>
+                              </m:sSub>
+                              <m:r>
+                                <a:rPr lang="it-IT" b="0" i="1" smtClean="0">
+                                  <a:latin typeface="Cambria Math" panose="02040503050406030204" pitchFamily="18" charset="0"/>
+                                  <a:ea typeface="Cambria Math" panose="02040503050406030204" pitchFamily="18" charset="0"/>
+                                </a:rPr>
+                                <m:t>+</m:t>
+                              </m:r>
+                              <m:sSub>
+                                <m:sSubPr>
+                                  <m:ctrlPr>
+                                    <a:rPr lang="it-IT" b="0" i="1" smtClean="0">
+                                      <a:latin typeface="Cambria Math" panose="02040503050406030204" pitchFamily="18" charset="0"/>
+                                      <a:ea typeface="Cambria Math" panose="02040503050406030204" pitchFamily="18" charset="0"/>
+                                    </a:rPr>
+                                  </m:ctrlPr>
+                                </m:sSubPr>
+                                <m:e>
+                                  <m:r>
+                                    <a:rPr lang="it-IT" b="0" i="1" smtClean="0">
+                                      <a:latin typeface="Cambria Math" panose="02040503050406030204" pitchFamily="18" charset="0"/>
+                                      <a:ea typeface="Cambria Math" panose="02040503050406030204" pitchFamily="18" charset="0"/>
+                                    </a:rPr>
+                                    <m:t>𝑐</m:t>
+                                  </m:r>
+                                </m:e>
+                                <m:sub>
+                                  <m:r>
+                                    <a:rPr lang="it-IT" b="0" i="1" smtClean="0">
+                                      <a:latin typeface="Cambria Math" panose="02040503050406030204" pitchFamily="18" charset="0"/>
+                                      <a:ea typeface="Cambria Math" panose="02040503050406030204" pitchFamily="18" charset="0"/>
+                                    </a:rPr>
+                                    <m:t>𝑗</m:t>
+                                  </m:r>
+                                  <m:r>
+                                    <a:rPr lang="it-IT" b="0" i="1" smtClean="0">
+                                      <a:latin typeface="Cambria Math" panose="02040503050406030204" pitchFamily="18" charset="0"/>
+                                      <a:ea typeface="Cambria Math" panose="02040503050406030204" pitchFamily="18" charset="0"/>
+                                    </a:rPr>
+                                    <m:t>0</m:t>
+                                  </m:r>
+                                </m:sub>
+                              </m:sSub>
+                            </m:e>
+                          </m:d>
+                        </m:e>
+                      </m:func>
+                    </m:oMath>
+                  </m:oMathPara>
+                </a14:m>
+                <a:endParaRPr lang="it-IT" dirty="0"/>
+              </a:p>
+              <a:p>
+                <a:pPr marL="0" indent="0">
+                  <a:buNone/>
+                </a:pPr>
+                <a:endParaRPr lang="it-IT" dirty="0"/>
+              </a:p>
+            </p:txBody>
+          </p:sp>
+        </mc:Choice>
+        <mc:Fallback>
+          <p:sp>
+            <p:nvSpPr>
+              <p:cNvPr id="3" name="Segnaposto contenuto 2">
+                <a:extLst>
+                  <a:ext uri="{FF2B5EF4-FFF2-40B4-BE49-F238E27FC236}">
+                    <a16:creationId xmlns:a16="http://schemas.microsoft.com/office/drawing/2014/main" id="{89FEBE17-9008-8DD8-BD6D-C43AA85AF660}"/>
+                  </a:ext>
+                </a:extLst>
+              </p:cNvPr>
+              <p:cNvSpPr>
+                <a:spLocks noGrp="1" noRot="1" noChangeAspect="1" noMove="1" noResize="1" noEditPoints="1" noAdjustHandles="1" noChangeArrowheads="1" noChangeShapeType="1" noTextEdit="1"/>
+              </p:cNvSpPr>
+              <p:nvPr>
+                <p:ph idx="1"/>
+              </p:nvPr>
+            </p:nvSpPr>
+            <p:spPr>
+              <a:xfrm>
+                <a:off x="261257" y="1825625"/>
+                <a:ext cx="11767457" cy="4351338"/>
+              </a:xfrm>
+              <a:blipFill>
+                <a:blip r:embed="rId2"/>
+                <a:stretch>
+                  <a:fillRect l="-933" t="-2381"/>
+                </a:stretch>
+              </a:blipFill>
+            </p:spPr>
+            <p:txBody>
+              <a:bodyPr/>
+              <a:lstStyle/>
+              <a:p>
+                <a:r>
+                  <a:rPr lang="it-IT">
+                    <a:noFill/>
+                  </a:rPr>
+                  <a:t> </a:t>
+                </a:r>
+              </a:p>
+            </p:txBody>
+          </p:sp>
+        </mc:Fallback>
+      </mc:AlternateContent>
+    </p:spTree>
+    <p:extLst>
+      <p:ext uri="{BB962C8B-B14F-4D97-AF65-F5344CB8AC3E}">
+        <p14:creationId xmlns:p14="http://schemas.microsoft.com/office/powerpoint/2010/main" val="175121463"/>
+      </p:ext>
+    </p:extLst>
+  </p:cSld>
+  <p:clrMapOvr>
+    <a:masterClrMapping/>
+  </p:clrMapOvr>
+</p:sld>
+</file>
+
+<file path=ppt/slides/slide5.xml><?xml version="1.0" encoding="utf-8"?>
+<p:sld xmlns:a="http://schemas.openxmlformats.org/drawingml/2006/main" xmlns:r="http://schemas.openxmlformats.org/officeDocument/2006/relationships" xmlns:p="http://schemas.openxmlformats.org/presentationml/2006/main">
+  <p:cSld>
+    <p:spTree>
+      <p:nvGrpSpPr>
+        <p:cNvPr id="1" name=""/>
+        <p:cNvGrpSpPr/>
+        <p:nvPr/>
+      </p:nvGrpSpPr>
+      <p:grpSpPr>
+        <a:xfrm>
+          <a:off x="0" y="0"/>
+          <a:ext cx="0" cy="0"/>
+          <a:chOff x="0" y="0"/>
+          <a:chExt cx="0" cy="0"/>
+        </a:xfrm>
+      </p:grpSpPr>
+      <p:sp>
+        <p:nvSpPr>
+          <p:cNvPr id="2" name="Titolo 1">
+            <a:extLst>
+              <a:ext uri="{FF2B5EF4-FFF2-40B4-BE49-F238E27FC236}">
+                <a16:creationId xmlns:a16="http://schemas.microsoft.com/office/drawing/2014/main" id="{4555ACF1-3FF5-A0CD-21CA-3757B59D95BC}"/>
+              </a:ext>
+            </a:extLst>
+          </p:cNvPr>
+          <p:cNvSpPr>
+            <a:spLocks noGrp="1"/>
+          </p:cNvSpPr>
+          <p:nvPr>
+            <p:ph type="title"/>
+          </p:nvPr>
+        </p:nvSpPr>
+        <p:spPr/>
+        <p:txBody>
+          <a:bodyPr/>
+          <a:lstStyle/>
+          <a:p>
+            <a:r>
+              <a:rPr lang="it-IT"/>
+              <a:t>Testing the </a:t>
+            </a:r>
+            <a:r>
+              <a:rPr lang="it-IT" dirty="0"/>
+              <a:t>model</a:t>
+            </a:r>
+          </a:p>
+        </p:txBody>
+      </p:sp>
+      <p:sp>
+        <p:nvSpPr>
+          <p:cNvPr id="3" name="Segnaposto contenuto 2">
+            <a:extLst>
+              <a:ext uri="{FF2B5EF4-FFF2-40B4-BE49-F238E27FC236}">
+                <a16:creationId xmlns:a16="http://schemas.microsoft.com/office/drawing/2014/main" id="{70B1D80B-27B1-FCEC-B760-70367C606A15}"/>
+              </a:ext>
+            </a:extLst>
+          </p:cNvPr>
+          <p:cNvSpPr>
+            <a:spLocks noGrp="1"/>
+          </p:cNvSpPr>
+          <p:nvPr>
+            <p:ph idx="1"/>
+          </p:nvPr>
+        </p:nvSpPr>
+        <p:spPr/>
+        <p:txBody>
+          <a:bodyPr/>
+          <a:lstStyle/>
+          <a:p>
+            <a:r>
+              <a:rPr lang="it-IT" dirty="0"/>
+              <a:t>Two </a:t>
+            </a:r>
+            <a:r>
+              <a:rPr lang="it-IT" dirty="0" err="1"/>
+              <a:t>different</a:t>
+            </a:r>
+            <a:r>
+              <a:rPr lang="it-IT" dirty="0"/>
+              <a:t> models: </a:t>
+            </a:r>
+            <a:r>
+              <a:rPr lang="it-IT" dirty="0" err="1"/>
+              <a:t>bound</a:t>
+            </a:r>
+            <a:r>
+              <a:rPr lang="it-IT" dirty="0"/>
+              <a:t> vs no </a:t>
+            </a:r>
+            <a:r>
+              <a:rPr lang="it-IT" dirty="0" err="1"/>
+              <a:t>bound</a:t>
+            </a:r>
+            <a:r>
+              <a:rPr lang="it-IT" dirty="0"/>
+              <a:t>.</a:t>
+            </a:r>
+          </a:p>
+          <a:p>
+            <a:r>
+              <a:rPr lang="it-IT" dirty="0" err="1"/>
+              <a:t>Each</a:t>
+            </a:r>
+            <a:r>
+              <a:rPr lang="it-IT" dirty="0"/>
+              <a:t> model </a:t>
+            </a:r>
+            <a:r>
+              <a:rPr lang="it-IT" dirty="0" err="1"/>
+              <a:t>has</a:t>
+            </a:r>
+            <a:r>
+              <a:rPr lang="it-IT" dirty="0"/>
+              <a:t> </a:t>
+            </a:r>
+            <a:r>
+              <a:rPr lang="it-IT" dirty="0" err="1"/>
+              <a:t>been</a:t>
+            </a:r>
+            <a:r>
+              <a:rPr lang="it-IT" dirty="0"/>
+              <a:t> </a:t>
+            </a:r>
+            <a:r>
+              <a:rPr lang="it-IT" dirty="0" err="1"/>
+              <a:t>run</a:t>
+            </a:r>
+            <a:r>
+              <a:rPr lang="it-IT" dirty="0"/>
+              <a:t> on 21 </a:t>
+            </a:r>
+            <a:r>
+              <a:rPr lang="it-IT" dirty="0" err="1"/>
+              <a:t>instances</a:t>
+            </a:r>
+            <a:r>
+              <a:rPr lang="it-IT" dirty="0"/>
+              <a:t> with a time </a:t>
+            </a:r>
+            <a:r>
+              <a:rPr lang="it-IT" dirty="0" err="1"/>
+              <a:t>limit</a:t>
+            </a:r>
+            <a:r>
+              <a:rPr lang="it-IT" dirty="0"/>
+              <a:t> of 5 minutes on an ASUS </a:t>
+            </a:r>
+            <a:r>
+              <a:rPr lang="it-IT" dirty="0" err="1"/>
+              <a:t>Zenbook</a:t>
+            </a:r>
+            <a:r>
+              <a:rPr lang="it-IT" dirty="0"/>
+              <a:t> UX431FN, Intel(R) Core(TM)i7-8565U CPU @ 1.80GHz, 8,00 GB RAM.</a:t>
+            </a:r>
+          </a:p>
+          <a:p>
+            <a:r>
+              <a:rPr lang="it-IT" dirty="0"/>
+              <a:t>Two </a:t>
+            </a:r>
+            <a:r>
+              <a:rPr lang="it-IT" dirty="0" err="1"/>
+              <a:t>metrics</a:t>
+            </a:r>
+            <a:r>
+              <a:rPr lang="it-IT" dirty="0"/>
+              <a:t> </a:t>
+            </a:r>
+            <a:r>
+              <a:rPr lang="it-IT" dirty="0" err="1"/>
+              <a:t>computed</a:t>
+            </a:r>
+            <a:r>
+              <a:rPr lang="it-IT" dirty="0"/>
+              <a:t>: coverage and </a:t>
+            </a:r>
+            <a:r>
+              <a:rPr lang="it-IT" dirty="0" err="1"/>
+              <a:t>mean</a:t>
+            </a:r>
+            <a:r>
+              <a:rPr lang="it-IT" dirty="0"/>
+              <a:t> </a:t>
+            </a:r>
+            <a:r>
+              <a:rPr lang="it-IT" dirty="0" err="1"/>
+              <a:t>primal</a:t>
+            </a:r>
+            <a:r>
+              <a:rPr lang="it-IT" dirty="0"/>
+              <a:t> gap.</a:t>
+            </a:r>
+          </a:p>
+          <a:p>
+            <a:pPr marL="0" indent="0">
+              <a:buNone/>
+            </a:pPr>
+            <a:endParaRPr lang="it-IT" dirty="0"/>
           </a:p>
         </p:txBody>
       </p:sp>
     </p:spTree>
     <p:extLst>
       <p:ext uri="{BB962C8B-B14F-4D97-AF65-F5344CB8AC3E}">
-        <p14:creationId xmlns:p14="http://schemas.microsoft.com/office/powerpoint/2010/main" val="3829933398"/>
+        <p14:creationId xmlns:p14="http://schemas.microsoft.com/office/powerpoint/2010/main" val="3764972074"/>
+      </p:ext>
+    </p:extLst>
+  </p:cSld>
+  <p:clrMapOvr>
+    <a:masterClrMapping/>
+  </p:clrMapOvr>
+</p:sld>
+</file>
+
+<file path=ppt/slides/slide6.xml><?xml version="1.0" encoding="utf-8"?>
+<p:sld xmlns:a="http://schemas.openxmlformats.org/drawingml/2006/main" xmlns:r="http://schemas.openxmlformats.org/officeDocument/2006/relationships" xmlns:p="http://schemas.openxmlformats.org/presentationml/2006/main">
+  <p:cSld>
+    <p:bg>
+      <p:bgPr>
+        <a:solidFill>
+          <a:schemeClr val="bg1"/>
+        </a:solidFill>
+        <a:effectLst/>
+      </p:bgPr>
+    </p:bg>
+    <p:spTree>
+      <p:nvGrpSpPr>
+        <p:cNvPr id="1" name=""/>
+        <p:cNvGrpSpPr/>
+        <p:nvPr/>
+      </p:nvGrpSpPr>
+      <p:grpSpPr>
+        <a:xfrm>
+          <a:off x="0" y="0"/>
+          <a:ext cx="0" cy="0"/>
+          <a:chOff x="0" y="0"/>
+          <a:chExt cx="0" cy="0"/>
+        </a:xfrm>
+      </p:grpSpPr>
+      <p:sp useBgFill="1">
+        <p:nvSpPr>
+          <p:cNvPr id="14" name="Rectangle 13">
+            <a:extLst>
+              <a:ext uri="{FF2B5EF4-FFF2-40B4-BE49-F238E27FC236}">
+                <a16:creationId xmlns:a16="http://schemas.microsoft.com/office/drawing/2014/main" id="{9427AF5F-9A0E-42B7-A252-FD64C9885F9C}"/>
+              </a:ext>
+              <a:ext uri="{C183D7F6-B498-43B3-948B-1728B52AA6E4}">
+                <adec:decorative xmlns:adec="http://schemas.microsoft.com/office/drawing/2017/decorative" val="1"/>
+              </a:ext>
+            </a:extLst>
+          </p:cNvPr>
+          <p:cNvSpPr>
+            <a:spLocks noGrp="1" noRot="1" noChangeAspect="1" noMove="1" noResize="1" noEditPoints="1" noAdjustHandles="1" noChangeArrowheads="1" noChangeShapeType="1" noTextEdit="1"/>
+          </p:cNvSpPr>
+          <p:nvPr>
+            <p:extLst>
+              <p:ext uri="{386F3935-93C4-4BCD-93E2-E3B085C9AB24}">
+                <p16:designElem xmlns:p16="http://schemas.microsoft.com/office/powerpoint/2015/main" val="1"/>
+              </p:ext>
+            </p:extLst>
+          </p:nvPr>
+        </p:nvSpPr>
+        <p:spPr>
+          <a:xfrm>
+            <a:off x="-1" y="0"/>
+            <a:ext cx="12188952" cy="6858000"/>
+          </a:xfrm>
+          <a:prstGeom prst="rect">
+            <a:avLst/>
+          </a:prstGeom>
+          <a:ln>
+            <a:noFill/>
+          </a:ln>
+        </p:spPr>
+        <p:style>
+          <a:lnRef idx="2">
+            <a:schemeClr val="accent1">
+              <a:shade val="50000"/>
+            </a:schemeClr>
+          </a:lnRef>
+          <a:fillRef idx="1">
+            <a:schemeClr val="accent1"/>
+          </a:fillRef>
+          <a:effectRef idx="0">
+            <a:schemeClr val="accent1"/>
+          </a:effectRef>
+          <a:fontRef idx="minor">
+            <a:schemeClr val="lt1"/>
+          </a:fontRef>
+        </p:style>
+        <p:txBody>
+          <a:bodyPr rtlCol="0" anchor="ctr"/>
+          <a:lstStyle/>
+          <a:p>
+            <a:pPr algn="ctr"/>
+            <a:endParaRPr lang="en-US"/>
+          </a:p>
+        </p:txBody>
+      </p:sp>
+      <p:sp>
+        <p:nvSpPr>
+          <p:cNvPr id="2" name="Titolo 1">
+            <a:extLst>
+              <a:ext uri="{FF2B5EF4-FFF2-40B4-BE49-F238E27FC236}">
+                <a16:creationId xmlns:a16="http://schemas.microsoft.com/office/drawing/2014/main" id="{6E09952A-0220-38F7-D9B1-F272467FA769}"/>
+              </a:ext>
+            </a:extLst>
+          </p:cNvPr>
+          <p:cNvSpPr>
+            <a:spLocks noGrp="1"/>
+          </p:cNvSpPr>
+          <p:nvPr>
+            <p:ph type="title"/>
+          </p:nvPr>
+        </p:nvSpPr>
+        <p:spPr>
+          <a:xfrm>
+            <a:off x="838200" y="365125"/>
+            <a:ext cx="10515600" cy="1306443"/>
+          </a:xfrm>
+        </p:spPr>
+        <p:txBody>
+          <a:bodyPr>
+            <a:normAutofit/>
+          </a:bodyPr>
+          <a:lstStyle/>
+          <a:p>
+            <a:r>
+              <a:rPr lang="it-IT" sz="4000" dirty="0" err="1"/>
+              <a:t>Results</a:t>
+            </a:r>
+            <a:endParaRPr lang="it-IT" sz="4000" dirty="0"/>
+          </a:p>
+        </p:txBody>
+      </p:sp>
+      <p:pic>
+        <p:nvPicPr>
+          <p:cNvPr id="7" name="Segnaposto contenuto 6" descr="Immagine che contiene linea, Diagramma, testo, diagramma&#10;&#10;Il contenuto generato dall'IA potrebbe non essere corretto.">
+            <a:extLst>
+              <a:ext uri="{FF2B5EF4-FFF2-40B4-BE49-F238E27FC236}">
+                <a16:creationId xmlns:a16="http://schemas.microsoft.com/office/drawing/2014/main" id="{A486A24C-EE5D-3295-DEE8-05AF2FF23636}"/>
+              </a:ext>
+            </a:extLst>
+          </p:cNvPr>
+          <p:cNvPicPr>
+            <a:picLocks noChangeAspect="1"/>
+          </p:cNvPicPr>
+          <p:nvPr/>
+        </p:nvPicPr>
+        <p:blipFill>
+          <a:blip r:embed="rId2">
+            <a:extLst>
+              <a:ext uri="{28A0092B-C50C-407E-A947-70E740481C1C}">
+                <a14:useLocalDpi xmlns:a14="http://schemas.microsoft.com/office/drawing/2010/main" val="0"/>
+              </a:ext>
+            </a:extLst>
+          </a:blip>
+          <a:srcRect r="8718" b="-1"/>
+          <a:stretch/>
+        </p:blipFill>
+        <p:spPr>
+          <a:xfrm>
+            <a:off x="0" y="1447800"/>
+            <a:ext cx="6741597" cy="4615976"/>
+          </a:xfrm>
+          <a:prstGeom prst="rect">
+            <a:avLst/>
+          </a:prstGeom>
+        </p:spPr>
+      </p:pic>
+      <p:graphicFrame>
+        <p:nvGraphicFramePr>
+          <p:cNvPr id="8" name="Tabella 7">
+            <a:extLst>
+              <a:ext uri="{FF2B5EF4-FFF2-40B4-BE49-F238E27FC236}">
+                <a16:creationId xmlns:a16="http://schemas.microsoft.com/office/drawing/2014/main" id="{278BABFD-98F1-A731-3932-CE2153E27281}"/>
+              </a:ext>
+            </a:extLst>
+          </p:cNvPr>
+          <p:cNvGraphicFramePr>
+            <a:graphicFrameLocks noGrp="1"/>
+          </p:cNvGraphicFramePr>
+          <p:nvPr>
+            <p:extLst>
+              <p:ext uri="{D42A27DB-BD31-4B8C-83A1-F6EECF244321}">
+                <p14:modId xmlns:p14="http://schemas.microsoft.com/office/powerpoint/2010/main" val="996872694"/>
+              </p:ext>
+            </p:extLst>
+          </p:nvPr>
+        </p:nvGraphicFramePr>
+        <p:xfrm>
+          <a:off x="7206342" y="2036693"/>
+          <a:ext cx="4270028" cy="1097280"/>
+        </p:xfrm>
+        <a:graphic>
+          <a:graphicData uri="http://schemas.openxmlformats.org/drawingml/2006/table">
+            <a:tbl>
+              <a:tblPr firstRow="1" bandRow="1">
+                <a:tableStyleId>{5C22544A-7EE6-4342-B048-85BDC9FD1C3A}</a:tableStyleId>
+              </a:tblPr>
+              <a:tblGrid>
+                <a:gridCol w="2135014">
+                  <a:extLst>
+                    <a:ext uri="{9D8B030D-6E8A-4147-A177-3AD203B41FA5}">
+                      <a16:colId xmlns:a16="http://schemas.microsoft.com/office/drawing/2014/main" val="4064276738"/>
+                    </a:ext>
+                  </a:extLst>
+                </a:gridCol>
+                <a:gridCol w="2135014">
+                  <a:extLst>
+                    <a:ext uri="{9D8B030D-6E8A-4147-A177-3AD203B41FA5}">
+                      <a16:colId xmlns:a16="http://schemas.microsoft.com/office/drawing/2014/main" val="2380021578"/>
+                    </a:ext>
+                  </a:extLst>
+                </a:gridCol>
+              </a:tblGrid>
+              <a:tr h="333561">
+                <a:tc gridSpan="2">
+                  <a:txBody>
+                    <a:bodyPr/>
+                    <a:lstStyle/>
+                    <a:p>
+                      <a:pPr algn="ctr"/>
+                      <a:r>
+                        <a:rPr lang="it-IT" dirty="0"/>
+                        <a:t>Mean </a:t>
+                      </a:r>
+                      <a:r>
+                        <a:rPr lang="it-IT" dirty="0" err="1"/>
+                        <a:t>primal</a:t>
+                      </a:r>
+                      <a:r>
+                        <a:rPr lang="it-IT" dirty="0"/>
+                        <a:t> gap</a:t>
+                      </a:r>
+                    </a:p>
+                  </a:txBody>
+                  <a:tcPr/>
+                </a:tc>
+                <a:tc hMerge="1">
+                  <a:txBody>
+                    <a:bodyPr/>
+                    <a:lstStyle/>
+                    <a:p>
+                      <a:endParaRPr lang="it-IT" dirty="0"/>
+                    </a:p>
+                  </a:txBody>
+                  <a:tcPr/>
+                </a:tc>
+                <a:extLst>
+                  <a:ext uri="{0D108BD9-81ED-4DB2-BD59-A6C34878D82A}">
+                    <a16:rowId xmlns:a16="http://schemas.microsoft.com/office/drawing/2014/main" val="689857578"/>
+                  </a:ext>
+                </a:extLst>
+              </a:tr>
+              <a:tr h="333561">
+                <a:tc>
+                  <a:txBody>
+                    <a:bodyPr/>
+                    <a:lstStyle/>
+                    <a:p>
+                      <a:pPr algn="ctr"/>
+                      <a:r>
+                        <a:rPr lang="it-IT" dirty="0" err="1"/>
+                        <a:t>Bound</a:t>
+                      </a:r>
+                      <a:endParaRPr lang="it-IT" dirty="0"/>
+                    </a:p>
+                  </a:txBody>
+                  <a:tcPr/>
+                </a:tc>
+                <a:tc>
+                  <a:txBody>
+                    <a:bodyPr/>
+                    <a:lstStyle/>
+                    <a:p>
+                      <a:pPr algn="ctr"/>
+                      <a:r>
+                        <a:rPr lang="it-IT" dirty="0"/>
+                        <a:t>No </a:t>
+                      </a:r>
+                      <a:r>
+                        <a:rPr lang="it-IT" dirty="0" err="1"/>
+                        <a:t>Bound</a:t>
+                      </a:r>
+                      <a:endParaRPr lang="it-IT" dirty="0"/>
+                    </a:p>
+                  </a:txBody>
+                  <a:tcPr/>
+                </a:tc>
+                <a:extLst>
+                  <a:ext uri="{0D108BD9-81ED-4DB2-BD59-A6C34878D82A}">
+                    <a16:rowId xmlns:a16="http://schemas.microsoft.com/office/drawing/2014/main" val="1627838624"/>
+                  </a:ext>
+                </a:extLst>
+              </a:tr>
+              <a:tr h="333561">
+                <a:tc>
+                  <a:txBody>
+                    <a:bodyPr/>
+                    <a:lstStyle/>
+                    <a:p>
+                      <a:pPr algn="ctr"/>
+                      <a:r>
+                        <a:rPr lang="it-IT" dirty="0"/>
+                        <a:t>0.05</a:t>
+                      </a:r>
+                    </a:p>
+                  </a:txBody>
+                  <a:tcPr/>
+                </a:tc>
+                <a:tc>
+                  <a:txBody>
+                    <a:bodyPr/>
+                    <a:lstStyle/>
+                    <a:p>
+                      <a:pPr algn="ctr"/>
+                      <a:r>
+                        <a:rPr lang="it-IT" dirty="0"/>
+                        <a:t>0.0</a:t>
+                      </a:r>
+                    </a:p>
+                  </a:txBody>
+                  <a:tcPr/>
+                </a:tc>
+                <a:extLst>
+                  <a:ext uri="{0D108BD9-81ED-4DB2-BD59-A6C34878D82A}">
+                    <a16:rowId xmlns:a16="http://schemas.microsoft.com/office/drawing/2014/main" val="1250687243"/>
+                  </a:ext>
+                </a:extLst>
+              </a:tr>
+            </a:tbl>
+          </a:graphicData>
+        </a:graphic>
+      </p:graphicFrame>
+      <p:sp>
+        <p:nvSpPr>
+          <p:cNvPr id="10" name="CasellaDiTesto 9">
+            <a:extLst>
+              <a:ext uri="{FF2B5EF4-FFF2-40B4-BE49-F238E27FC236}">
+                <a16:creationId xmlns:a16="http://schemas.microsoft.com/office/drawing/2014/main" id="{F180E8EE-0FE5-9A8A-1CB1-CB0337B8FCB3}"/>
+              </a:ext>
+            </a:extLst>
+          </p:cNvPr>
+          <p:cNvSpPr txBox="1"/>
+          <p:nvPr/>
+        </p:nvSpPr>
+        <p:spPr>
+          <a:xfrm>
+            <a:off x="7206342" y="3499098"/>
+            <a:ext cx="4270027" cy="923330"/>
+          </a:xfrm>
+          <a:prstGeom prst="rect">
+            <a:avLst/>
+          </a:prstGeom>
+          <a:noFill/>
+        </p:spPr>
+        <p:txBody>
+          <a:bodyPr wrap="square" rtlCol="0">
+            <a:spAutoFit/>
+          </a:bodyPr>
+          <a:lstStyle/>
+          <a:p>
+            <a:r>
+              <a:rPr lang="it-IT" dirty="0"/>
+              <a:t>The </a:t>
+            </a:r>
+            <a:r>
+              <a:rPr lang="it-IT" dirty="0" err="1"/>
+              <a:t>defined</a:t>
+            </a:r>
+            <a:r>
+              <a:rPr lang="it-IT" dirty="0"/>
+              <a:t> dual </a:t>
+            </a:r>
+            <a:r>
+              <a:rPr lang="it-IT" dirty="0" err="1"/>
+              <a:t>bound</a:t>
+            </a:r>
+            <a:r>
+              <a:rPr lang="it-IT" dirty="0"/>
+              <a:t> </a:t>
+            </a:r>
+            <a:r>
+              <a:rPr lang="it-IT" dirty="0" err="1"/>
+              <a:t>is</a:t>
+            </a:r>
+            <a:r>
+              <a:rPr lang="it-IT" dirty="0"/>
+              <a:t> </a:t>
+            </a:r>
+            <a:r>
+              <a:rPr lang="it-IT" dirty="0" err="1"/>
+              <a:t>probably</a:t>
+            </a:r>
+            <a:r>
+              <a:rPr lang="it-IT" dirty="0"/>
+              <a:t> </a:t>
+            </a:r>
+            <a:r>
+              <a:rPr lang="it-IT" dirty="0" err="1"/>
+              <a:t>better</a:t>
+            </a:r>
+            <a:r>
+              <a:rPr lang="it-IT" dirty="0"/>
+              <a:t> </a:t>
+            </a:r>
+            <a:r>
+              <a:rPr lang="it-IT" dirty="0" err="1"/>
+              <a:t>at</a:t>
+            </a:r>
+            <a:r>
+              <a:rPr lang="it-IT" dirty="0"/>
+              <a:t> </a:t>
+            </a:r>
+            <a:r>
+              <a:rPr lang="it-IT" dirty="0" err="1"/>
+              <a:t>pruning</a:t>
+            </a:r>
+            <a:r>
+              <a:rPr lang="it-IT" dirty="0"/>
+              <a:t> the </a:t>
+            </a:r>
+            <a:r>
+              <a:rPr lang="it-IT" dirty="0" err="1"/>
+              <a:t>solution</a:t>
+            </a:r>
+            <a:r>
+              <a:rPr lang="it-IT" dirty="0"/>
+              <a:t> </a:t>
+            </a:r>
+            <a:r>
+              <a:rPr lang="it-IT" dirty="0" err="1"/>
+              <a:t>space</a:t>
+            </a:r>
+            <a:r>
+              <a:rPr lang="it-IT" dirty="0"/>
+              <a:t> </a:t>
+            </a:r>
+            <a:r>
+              <a:rPr lang="it-IT" dirty="0" err="1"/>
+              <a:t>rather</a:t>
+            </a:r>
+            <a:r>
+              <a:rPr lang="it-IT" dirty="0"/>
+              <a:t> </a:t>
+            </a:r>
+            <a:r>
+              <a:rPr lang="it-IT" dirty="0" err="1"/>
+              <a:t>than</a:t>
+            </a:r>
+            <a:r>
+              <a:rPr lang="it-IT" dirty="0"/>
+              <a:t> </a:t>
+            </a:r>
+            <a:r>
+              <a:rPr lang="it-IT" dirty="0" err="1"/>
+              <a:t>guiding</a:t>
+            </a:r>
+            <a:r>
+              <a:rPr lang="it-IT" dirty="0"/>
+              <a:t> the </a:t>
+            </a:r>
+            <a:r>
+              <a:rPr lang="it-IT" dirty="0" err="1"/>
+              <a:t>search</a:t>
+            </a:r>
+            <a:r>
+              <a:rPr lang="it-IT" dirty="0"/>
+              <a:t> </a:t>
+            </a:r>
+            <a:r>
+              <a:rPr lang="it-IT" dirty="0" err="1"/>
+              <a:t>process</a:t>
+            </a:r>
+            <a:r>
+              <a:rPr lang="it-IT" dirty="0"/>
+              <a:t>.</a:t>
+            </a:r>
+          </a:p>
+        </p:txBody>
+      </p:sp>
+    </p:spTree>
+    <p:extLst>
+      <p:ext uri="{BB962C8B-B14F-4D97-AF65-F5344CB8AC3E}">
+        <p14:creationId xmlns:p14="http://schemas.microsoft.com/office/powerpoint/2010/main" val="584465418"/>
       </p:ext>
     </p:extLst>
   </p:cSld>

--- a/mmcvrp/MM-CVRP.pptx
+++ b/mmcvrp/MM-CVRP.pptx
@@ -7,7 +7,7 @@
   <p:sldIdLst>
     <p:sldId id="256" r:id="rId2"/>
     <p:sldId id="258" r:id="rId3"/>
-    <p:sldId id="257" r:id="rId4"/>
+    <p:sldId id="262" r:id="rId4"/>
     <p:sldId id="259" r:id="rId5"/>
     <p:sldId id="260" r:id="rId6"/>
     <p:sldId id="261" r:id="rId7"/>
@@ -3458,56 +3458,76 @@
         </p:spPr>
         <p:txBody>
           <a:bodyPr>
-            <a:normAutofit/>
+            <a:normAutofit fontScale="92500" lnSpcReduction="10000"/>
           </a:bodyPr>
           <a:lstStyle/>
           <a:p>
             <a:r>
+              <a:rPr lang="en-US" sz="2000" dirty="0"/>
+              <a:t>m vehicles</a:t>
+            </a:r>
+          </a:p>
+          <a:p>
+            <a:r>
+              <a:rPr lang="en-US" sz="2000" dirty="0"/>
+              <a:t>n locations (n-1 customers + depot)</a:t>
+            </a:r>
+          </a:p>
+          <a:p>
+            <a:r>
+              <a:rPr lang="en-US" sz="2000" dirty="0"/>
+              <a:t>Each customer has a demand d</a:t>
+            </a:r>
+            <a:r>
+              <a:rPr lang="en-US" sz="2000" baseline="-25000" dirty="0"/>
+              <a:t>i </a:t>
+            </a:r>
+            <a:endParaRPr lang="en-US" sz="2000" dirty="0"/>
+          </a:p>
+          <a:p>
+            <a:r>
+              <a:rPr lang="en-US" sz="2000" dirty="0"/>
+              <a:t>Each vehicle has a capacity </a:t>
+            </a:r>
+            <a:r>
+              <a:rPr lang="en-US" sz="2000" dirty="0" err="1"/>
+              <a:t>q</a:t>
+            </a:r>
+            <a:r>
+              <a:rPr lang="en-US" sz="2000" baseline="-25000" dirty="0" err="1"/>
+              <a:t>z</a:t>
+            </a:r>
+            <a:endParaRPr lang="en-US" sz="2000" baseline="-25000" dirty="0"/>
+          </a:p>
+          <a:p>
+            <a:r>
+              <a:rPr lang="en-US" sz="2000" dirty="0"/>
+              <a:t>Two locations have a distance </a:t>
+            </a:r>
+            <a:r>
+              <a:rPr lang="en-US" sz="2000" dirty="0" err="1"/>
+              <a:t>c</a:t>
+            </a:r>
+            <a:r>
+              <a:rPr lang="en-US" sz="2000" baseline="-25000" dirty="0" err="1"/>
+              <a:t>ij</a:t>
+            </a:r>
+            <a:endParaRPr lang="en-US" sz="2000" baseline="-25000" dirty="0"/>
+          </a:p>
+          <a:p>
+            <a:r>
+              <a:rPr lang="en-US" sz="2000" dirty="0"/>
+              <a:t>We must visit each customer once starting and ending at the depot, without exceeding each </a:t>
+            </a:r>
+            <a:r>
               <a:rPr lang="en-US" sz="2000"/>
-              <a:t>m vehicles</a:t>
-            </a:r>
-          </a:p>
-          <a:p>
-            <a:r>
-              <a:rPr lang="en-US" sz="2000"/>
-              <a:t>n locations (n-1 customers + depot)</a:t>
-            </a:r>
-          </a:p>
-          <a:p>
-            <a:r>
-              <a:rPr lang="en-US" sz="2000"/>
-              <a:t>Each customer has a demand d</a:t>
-            </a:r>
-            <a:r>
-              <a:rPr lang="en-US" sz="2000" baseline="-25000"/>
-              <a:t>i </a:t>
-            </a:r>
-            <a:endParaRPr lang="en-US" sz="2000"/>
-          </a:p>
-          <a:p>
-            <a:r>
-              <a:rPr lang="en-US" sz="2000"/>
-              <a:t>Each vehicle has a capacity q</a:t>
-            </a:r>
-            <a:r>
-              <a:rPr lang="en-US" sz="2000" baseline="-25000"/>
-              <a:t>i</a:t>
-            </a:r>
-          </a:p>
-          <a:p>
-            <a:r>
-              <a:rPr lang="en-US" sz="2000"/>
-              <a:t>Two locations have a distance c</a:t>
-            </a:r>
-            <a:r>
-              <a:rPr lang="en-US" sz="2000" baseline="-25000"/>
-              <a:t>ij</a:t>
-            </a:r>
-            <a:endParaRPr lang="en-US" sz="2000"/>
-          </a:p>
-          <a:p>
-            <a:r>
-              <a:rPr lang="en-US" sz="2000"/>
+              <a:t>vehicle’s capacity.</a:t>
+            </a:r>
+            <a:endParaRPr lang="en-US" sz="2000" dirty="0"/>
+          </a:p>
+          <a:p>
+            <a:r>
+              <a:rPr lang="en-US" sz="2000" dirty="0"/>
               <a:t>The objective is to minimize the maximum distance traveled by a single vehicle.</a:t>
             </a:r>
           </a:p>
@@ -3612,8 +3632,8 @@
           </a:p>
         </p:txBody>
       </p:sp>
-      <mc:AlternateContent xmlns:mc="http://schemas.openxmlformats.org/markup-compatibility/2006">
-        <mc:Choice xmlns:a14="http://schemas.microsoft.com/office/drawing/2010/main" Requires="a14">
+      <mc:AlternateContent xmlns:mc="http://schemas.openxmlformats.org/markup-compatibility/2006" xmlns:a14="http://schemas.microsoft.com/office/drawing/2010/main">
+        <mc:Choice Requires="a14">
           <p:sp>
             <p:nvSpPr>
               <p:cNvPr id="3" name="Segnaposto contenuto 2">
@@ -3831,13 +3851,7 @@
                       <a:rPr lang="it-IT" b="0" i="1" smtClean="0">
                         <a:latin typeface="Cambria Math" panose="02040503050406030204" pitchFamily="18" charset="0"/>
                       </a:rPr>
-                      <m:t> </m:t>
-                    </m:r>
-                    <m:r>
-                      <a:rPr lang="it-IT" b="0" i="1" smtClean="0">
-                        <a:latin typeface="Cambria Math" panose="02040503050406030204" pitchFamily="18" charset="0"/>
-                      </a:rPr>
-                      <m:t>: </m:t>
+                      <m:t> : </m:t>
                     </m:r>
                   </m:oMath>
                 </a14:m>
@@ -3986,7 +4000,7 @@
             </p:txBody>
           </p:sp>
         </mc:Choice>
-        <mc:Fallback>
+        <mc:Fallback xmlns="">
           <p:sp>
             <p:nvSpPr>
               <p:cNvPr id="3" name="Segnaposto contenuto 2">
@@ -4030,8 +4044,8 @@
           </p:sp>
         </mc:Fallback>
       </mc:AlternateContent>
-      <mc:AlternateContent xmlns:mc="http://schemas.openxmlformats.org/markup-compatibility/2006">
-        <mc:Choice xmlns:a14="http://schemas.microsoft.com/office/drawing/2010/main" Requires="a14">
+      <mc:AlternateContent xmlns:mc="http://schemas.openxmlformats.org/markup-compatibility/2006" xmlns:a14="http://schemas.microsoft.com/office/drawing/2010/main">
+        <mc:Choice Requires="a14">
           <p:sp>
             <p:nvSpPr>
               <p:cNvPr id="4" name="Segnaposto contenuto 2">
@@ -4520,7 +4534,7 @@
             </p:txBody>
           </p:sp>
         </mc:Choice>
-        <mc:Fallback>
+        <mc:Fallback xmlns="">
           <p:sp>
             <p:nvSpPr>
               <p:cNvPr id="4" name="Segnaposto contenuto 2">
@@ -4583,7 +4597,13 @@
   <p:cSld>
     <p:spTree>
       <p:nvGrpSpPr>
-        <p:cNvPr id="1" name=""/>
+        <p:cNvPr id="1" name="">
+          <a:extLst>
+            <a:ext uri="{FF2B5EF4-FFF2-40B4-BE49-F238E27FC236}">
+              <a16:creationId xmlns:a16="http://schemas.microsoft.com/office/drawing/2014/main" id="{C68A4DC8-6A1F-B3E7-28C4-089283C15207}"/>
+            </a:ext>
+          </a:extLst>
+        </p:cNvPr>
         <p:cNvGrpSpPr/>
         <p:nvPr/>
       </p:nvGrpSpPr>
@@ -4600,7 +4620,7 @@
           <p:cNvPr id="2" name="Titolo 1">
             <a:extLst>
               <a:ext uri="{FF2B5EF4-FFF2-40B4-BE49-F238E27FC236}">
-                <a16:creationId xmlns:a16="http://schemas.microsoft.com/office/drawing/2014/main" id="{7412959F-631F-8D52-C32B-6BDDBD5E6E62}"/>
+                <a16:creationId xmlns:a16="http://schemas.microsoft.com/office/drawing/2014/main" id="{4CC7177F-F032-6A2B-C59C-9D08E37A5CE7}"/>
               </a:ext>
             </a:extLst>
           </p:cNvPr>
@@ -4643,7 +4663,7 @@
               <p:cNvPr id="4" name="テキスト ボックス 5">
                 <a:extLst>
                   <a:ext uri="{FF2B5EF4-FFF2-40B4-BE49-F238E27FC236}">
-                    <a16:creationId xmlns:a16="http://schemas.microsoft.com/office/drawing/2014/main" id="{F0F1726E-96EE-CD05-89C3-14B5F78C5C56}"/>
+                    <a16:creationId xmlns:a16="http://schemas.microsoft.com/office/drawing/2014/main" id="{744297B1-BB1F-216D-9737-EF9CC9E66E85}"/>
                   </a:ext>
                 </a:extLst>
               </p:cNvPr>
@@ -4657,7 +4677,7 @@
             <p:spPr>
               <a:xfrm>
                 <a:off x="125185" y="1034144"/>
-                <a:ext cx="11941629" cy="5716501"/>
+                <a:ext cx="11941629" cy="5669052"/>
               </a:xfrm>
               <a:prstGeom prst="rect">
                 <a:avLst/>
@@ -5152,309 +5172,94 @@
                           <m:eqArr>
                             <m:eqArrPr>
                               <m:ctrlPr>
-                                <a:rPr lang="it-IT" sz="1875" b="0" i="1" smtClean="0">
+                                <a:rPr lang="it-IT" sz="1875" i="1">
                                   <a:latin typeface="Cambria Math" panose="02040503050406030204" pitchFamily="18" charset="0"/>
                                   <a:ea typeface="Cambria Math" panose="02040503050406030204" pitchFamily="18" charset="0"/>
                                 </a:rPr>
                               </m:ctrlPr>
                             </m:eqArrPr>
                             <m:e>
-                              <m:eqArr>
-                                <m:eqArrPr>
+                              <m:r>
+                                <a:rPr lang="it-IT" sz="1875" i="1">
+                                  <a:latin typeface="Cambria Math" panose="02040503050406030204" pitchFamily="18" charset="0"/>
+                                  <a:ea typeface="Cambria Math" panose="02040503050406030204" pitchFamily="18" charset="0"/>
+                                </a:rPr>
+                                <m:t>𝑚𝑖𝑛</m:t>
+                              </m:r>
+                              <m:d>
+                                <m:dPr>
+                                  <m:begChr m:val="{"/>
+                                  <m:endChr m:val=""/>
                                   <m:ctrlPr>
-                                    <a:rPr lang="it-IT" sz="1875" b="0" i="1" smtClean="0">
+                                    <a:rPr lang="it-IT" sz="1875" i="1">
                                       <a:latin typeface="Cambria Math" panose="02040503050406030204" pitchFamily="18" charset="0"/>
                                       <a:ea typeface="Cambria Math" panose="02040503050406030204" pitchFamily="18" charset="0"/>
                                     </a:rPr>
                                   </m:ctrlPr>
-                                </m:eqArrPr>
+                                </m:dPr>
                                 <m:e>
-                                  <m:r>
-                                    <a:rPr lang="it-IT" sz="1875" b="0" i="1" smtClean="0">
-                                      <a:latin typeface="Cambria Math" panose="02040503050406030204" pitchFamily="18" charset="0"/>
-                                      <a:ea typeface="Cambria Math" panose="02040503050406030204" pitchFamily="18" charset="0"/>
-                                    </a:rPr>
-                                    <m:t>𝑚𝑖𝑛</m:t>
-                                  </m:r>
-                                  <m:d>
-                                    <m:dPr>
-                                      <m:begChr m:val="{"/>
-                                      <m:endChr m:val=""/>
+                                  <m:eqArr>
+                                    <m:eqArrPr>
                                       <m:ctrlPr>
-                                        <a:rPr lang="it-IT" sz="1875" b="0" i="1" smtClean="0">
+                                        <a:rPr lang="it-IT" sz="1875" i="1">
                                           <a:latin typeface="Cambria Math" panose="02040503050406030204" pitchFamily="18" charset="0"/>
                                           <a:ea typeface="Cambria Math" panose="02040503050406030204" pitchFamily="18" charset="0"/>
                                         </a:rPr>
                                       </m:ctrlPr>
-                                    </m:dPr>
+                                    </m:eqArrPr>
                                     <m:e>
-                                      <m:eqArr>
-                                        <m:eqArrPr>
+                                      <m:func>
+                                        <m:funcPr>
                                           <m:ctrlPr>
-                                            <a:rPr lang="it-IT" sz="1875" b="0" i="1" smtClean="0">
+                                            <a:rPr lang="it-IT" sz="1875" i="1">
                                               <a:latin typeface="Cambria Math" panose="02040503050406030204" pitchFamily="18" charset="0"/>
                                               <a:ea typeface="Cambria Math" panose="02040503050406030204" pitchFamily="18" charset="0"/>
                                             </a:rPr>
                                           </m:ctrlPr>
-                                        </m:eqArrPr>
-                                        <m:e>
-                                          <m:func>
-                                            <m:funcPr>
+                                        </m:funcPr>
+                                        <m:fName>
+                                          <m:limLow>
+                                            <m:limLowPr>
                                               <m:ctrlPr>
-                                                <a:rPr lang="it-IT" sz="1875" b="0" i="1" smtClean="0">
+                                                <a:rPr lang="it-IT" sz="1875" i="1">
                                                   <a:latin typeface="Cambria Math" panose="02040503050406030204" pitchFamily="18" charset="0"/>
                                                   <a:ea typeface="Cambria Math" panose="02040503050406030204" pitchFamily="18" charset="0"/>
                                                 </a:rPr>
                                               </m:ctrlPr>
-                                            </m:funcPr>
-                                            <m:fName>
-                                              <m:limLow>
-                                                <m:limLowPr>
-                                                  <m:ctrlPr>
-                                                    <a:rPr lang="it-IT" sz="1875" b="0" i="1" smtClean="0">
-                                                      <a:latin typeface="Cambria Math" panose="02040503050406030204" pitchFamily="18" charset="0"/>
-                                                      <a:ea typeface="Cambria Math" panose="02040503050406030204" pitchFamily="18" charset="0"/>
-                                                    </a:rPr>
-                                                  </m:ctrlPr>
-                                                </m:limLowPr>
-                                                <m:e>
-                                                  <m:r>
-                                                    <m:rPr>
-                                                      <m:sty m:val="p"/>
-                                                    </m:rPr>
-                                                    <a:rPr lang="it-IT" sz="1875" b="0" i="0" smtClean="0">
-                                                      <a:latin typeface="Cambria Math" panose="02040503050406030204" pitchFamily="18" charset="0"/>
-                                                      <a:ea typeface="Cambria Math" panose="02040503050406030204" pitchFamily="18" charset="0"/>
-                                                    </a:rPr>
-                                                    <m:t>min</m:t>
-                                                  </m:r>
-                                                </m:e>
-                                                <m:lim>
-                                                  <m:r>
-                                                    <a:rPr lang="it-IT" sz="1875" b="0" i="1" smtClean="0">
-                                                      <a:latin typeface="Cambria Math" panose="02040503050406030204" pitchFamily="18" charset="0"/>
-                                                      <a:ea typeface="Cambria Math" panose="02040503050406030204" pitchFamily="18" charset="0"/>
-                                                    </a:rPr>
-                                                    <m:t>𝑧</m:t>
-                                                  </m:r>
-                                                  <m:r>
-                                                    <a:rPr lang="it-IT" sz="1875" b="0" i="1" smtClean="0">
-                                                      <a:latin typeface="Cambria Math" panose="02040503050406030204" pitchFamily="18" charset="0"/>
-                                                      <a:ea typeface="Cambria Math" panose="02040503050406030204" pitchFamily="18" charset="0"/>
-                                                    </a:rPr>
-                                                    <m:t>∈</m:t>
-                                                  </m:r>
-                                                  <m:d>
-                                                    <m:dPr>
-                                                      <m:begChr m:val="{"/>
-                                                      <m:endChr m:val="}"/>
-                                                      <m:ctrlPr>
-                                                        <a:rPr lang="it-IT" sz="1875" b="0" i="1" smtClean="0">
-                                                          <a:latin typeface="Cambria Math" panose="02040503050406030204" pitchFamily="18" charset="0"/>
-                                                          <a:ea typeface="Cambria Math" panose="02040503050406030204" pitchFamily="18" charset="0"/>
-                                                        </a:rPr>
-                                                      </m:ctrlPr>
-                                                    </m:dPr>
-                                                    <m:e>
-                                                      <m:r>
-                                                        <a:rPr lang="it-IT" sz="1875" b="0" i="1" smtClean="0">
-                                                          <a:latin typeface="Cambria Math" panose="02040503050406030204" pitchFamily="18" charset="0"/>
-                                                          <a:ea typeface="Cambria Math" panose="02040503050406030204" pitchFamily="18" charset="0"/>
-                                                        </a:rPr>
-                                                        <m:t>1,…,</m:t>
-                                                      </m:r>
-                                                      <m:r>
-                                                        <a:rPr lang="it-IT" sz="1875" b="0" i="1" smtClean="0">
-                                                          <a:latin typeface="Cambria Math" panose="02040503050406030204" pitchFamily="18" charset="0"/>
-                                                          <a:ea typeface="Cambria Math" panose="02040503050406030204" pitchFamily="18" charset="0"/>
-                                                        </a:rPr>
-                                                        <m:t>𝑚</m:t>
-                                                      </m:r>
-                                                    </m:e>
-                                                  </m:d>
-                                                  <m:r>
-                                                    <a:rPr lang="it-IT" sz="1875" b="0" i="1" smtClean="0">
-                                                      <a:latin typeface="Cambria Math" panose="02040503050406030204" pitchFamily="18" charset="0"/>
-                                                      <a:ea typeface="Cambria Math" panose="02040503050406030204" pitchFamily="18" charset="0"/>
-                                                    </a:rPr>
-                                                    <m:t>;</m:t>
-                                                  </m:r>
-                                                  <m:r>
-                                                    <a:rPr lang="it-IT" sz="1875" b="0" i="1" smtClean="0">
-                                                      <a:latin typeface="Cambria Math" panose="02040503050406030204" pitchFamily="18" charset="0"/>
-                                                      <a:ea typeface="Cambria Math" panose="02040503050406030204" pitchFamily="18" charset="0"/>
-                                                    </a:rPr>
-                                                    <m:t>𝑗</m:t>
-                                                  </m:r>
-                                                  <m:r>
-                                                    <a:rPr lang="it-IT" sz="1875" b="0" i="1" smtClean="0">
-                                                      <a:latin typeface="Cambria Math" panose="02040503050406030204" pitchFamily="18" charset="0"/>
-                                                      <a:ea typeface="Cambria Math" panose="02040503050406030204" pitchFamily="18" charset="0"/>
-                                                    </a:rPr>
-                                                    <m:t>∈</m:t>
-                                                  </m:r>
-                                                  <m:r>
-                                                    <a:rPr lang="it-IT" sz="1875" b="0" i="1" smtClean="0">
-                                                      <a:latin typeface="Cambria Math" panose="02040503050406030204" pitchFamily="18" charset="0"/>
-                                                      <a:ea typeface="Cambria Math" panose="02040503050406030204" pitchFamily="18" charset="0"/>
-                                                    </a:rPr>
-                                                    <m:t>𝑈</m:t>
-                                                  </m:r>
-                                                  <m:r>
-                                                    <a:rPr lang="it-IT" sz="1875" b="0" i="1" smtClean="0">
-                                                      <a:latin typeface="Cambria Math" panose="02040503050406030204" pitchFamily="18" charset="0"/>
-                                                      <a:ea typeface="Cambria Math" panose="02040503050406030204" pitchFamily="18" charset="0"/>
-                                                    </a:rPr>
-                                                    <m:t>;</m:t>
-                                                  </m:r>
-                                                  <m:sSub>
-                                                    <m:sSubPr>
-                                                      <m:ctrlPr>
-                                                        <a:rPr lang="it-IT" sz="1875" b="0" i="1" smtClean="0">
-                                                          <a:latin typeface="Cambria Math" panose="02040503050406030204" pitchFamily="18" charset="0"/>
-                                                          <a:ea typeface="Cambria Math" panose="02040503050406030204" pitchFamily="18" charset="0"/>
-                                                        </a:rPr>
-                                                      </m:ctrlPr>
-                                                    </m:sSubPr>
-                                                    <m:e>
-                                                      <m:r>
-                                                        <a:rPr lang="it-IT" sz="1875" b="0" i="1" smtClean="0">
-                                                          <a:latin typeface="Cambria Math" panose="02040503050406030204" pitchFamily="18" charset="0"/>
-                                                          <a:ea typeface="Cambria Math" panose="02040503050406030204" pitchFamily="18" charset="0"/>
-                                                        </a:rPr>
-                                                        <m:t>𝑙</m:t>
-                                                      </m:r>
-                                                    </m:e>
-                                                    <m:sub>
-                                                      <m:r>
-                                                        <a:rPr lang="it-IT" sz="1875" b="0" i="1" smtClean="0">
-                                                          <a:latin typeface="Cambria Math" panose="02040503050406030204" pitchFamily="18" charset="0"/>
-                                                          <a:ea typeface="Cambria Math" panose="02040503050406030204" pitchFamily="18" charset="0"/>
-                                                        </a:rPr>
-                                                        <m:t>𝑧</m:t>
-                                                      </m:r>
-                                                    </m:sub>
-                                                  </m:sSub>
-                                                  <m:r>
-                                                    <a:rPr lang="it-IT" sz="1875" b="0" i="1" smtClean="0">
-                                                      <a:latin typeface="Cambria Math" panose="02040503050406030204" pitchFamily="18" charset="0"/>
-                                                      <a:ea typeface="Cambria Math" panose="02040503050406030204" pitchFamily="18" charset="0"/>
-                                                    </a:rPr>
-                                                    <m:t>+</m:t>
-                                                  </m:r>
-                                                  <m:sSub>
-                                                    <m:sSubPr>
-                                                      <m:ctrlPr>
-                                                        <a:rPr lang="it-IT" sz="1875" b="0" i="1" smtClean="0">
-                                                          <a:latin typeface="Cambria Math" panose="02040503050406030204" pitchFamily="18" charset="0"/>
-                                                          <a:ea typeface="Cambria Math" panose="02040503050406030204" pitchFamily="18" charset="0"/>
-                                                        </a:rPr>
-                                                      </m:ctrlPr>
-                                                    </m:sSubPr>
-                                                    <m:e>
-                                                      <m:r>
-                                                        <a:rPr lang="it-IT" sz="1875" b="0" i="1" smtClean="0">
-                                                          <a:latin typeface="Cambria Math" panose="02040503050406030204" pitchFamily="18" charset="0"/>
-                                                          <a:ea typeface="Cambria Math" panose="02040503050406030204" pitchFamily="18" charset="0"/>
-                                                        </a:rPr>
-                                                        <m:t>𝑑</m:t>
-                                                      </m:r>
-                                                    </m:e>
-                                                    <m:sub>
-                                                      <m:r>
-                                                        <a:rPr lang="it-IT" sz="1875" b="0" i="1" smtClean="0">
-                                                          <a:latin typeface="Cambria Math" panose="02040503050406030204" pitchFamily="18" charset="0"/>
-                                                          <a:ea typeface="Cambria Math" panose="02040503050406030204" pitchFamily="18" charset="0"/>
-                                                        </a:rPr>
-                                                        <m:t>𝑗</m:t>
-                                                      </m:r>
-                                                    </m:sub>
-                                                  </m:sSub>
-                                                  <m:r>
-                                                    <a:rPr lang="it-IT" sz="1875" b="0" i="1" smtClean="0">
-                                                      <a:latin typeface="Cambria Math" panose="02040503050406030204" pitchFamily="18" charset="0"/>
-                                                      <a:ea typeface="Cambria Math" panose="02040503050406030204" pitchFamily="18" charset="0"/>
-                                                    </a:rPr>
-                                                    <m:t>≤</m:t>
-                                                  </m:r>
-                                                  <m:sSub>
-                                                    <m:sSubPr>
-                                                      <m:ctrlPr>
-                                                        <a:rPr lang="it-IT" sz="1875" b="0" i="1" smtClean="0">
-                                                          <a:latin typeface="Cambria Math" panose="02040503050406030204" pitchFamily="18" charset="0"/>
-                                                          <a:ea typeface="Cambria Math" panose="02040503050406030204" pitchFamily="18" charset="0"/>
-                                                        </a:rPr>
-                                                      </m:ctrlPr>
-                                                    </m:sSubPr>
-                                                    <m:e>
-                                                      <m:r>
-                                                        <a:rPr lang="it-IT" sz="1875" b="0" i="1" smtClean="0">
-                                                          <a:latin typeface="Cambria Math" panose="02040503050406030204" pitchFamily="18" charset="0"/>
-                                                          <a:ea typeface="Cambria Math" panose="02040503050406030204" pitchFamily="18" charset="0"/>
-                                                        </a:rPr>
-                                                        <m:t>𝑞</m:t>
-                                                      </m:r>
-                                                    </m:e>
-                                                    <m:sub>
-                                                      <m:r>
-                                                        <a:rPr lang="it-IT" sz="1875" b="0" i="1" smtClean="0">
-                                                          <a:latin typeface="Cambria Math" panose="02040503050406030204" pitchFamily="18" charset="0"/>
-                                                          <a:ea typeface="Cambria Math" panose="02040503050406030204" pitchFamily="18" charset="0"/>
-                                                        </a:rPr>
-                                                        <m:t>𝑧</m:t>
-                                                      </m:r>
-                                                    </m:sub>
-                                                  </m:sSub>
-                                                  <m:r>
-                                                    <a:rPr lang="it-IT" sz="1875" b="0" i="1" smtClean="0">
-                                                      <a:latin typeface="Cambria Math" panose="02040503050406030204" pitchFamily="18" charset="0"/>
-                                                      <a:ea typeface="Cambria Math" panose="02040503050406030204" pitchFamily="18" charset="0"/>
-                                                    </a:rPr>
-                                                    <m:t>;</m:t>
-                                                  </m:r>
-                                                  <m:sSub>
-                                                    <m:sSubPr>
-                                                      <m:ctrlPr>
-                                                        <a:rPr lang="it-IT" sz="1875" b="0" i="1" smtClean="0">
-                                                          <a:latin typeface="Cambria Math" panose="02040503050406030204" pitchFamily="18" charset="0"/>
-                                                          <a:ea typeface="Cambria Math" panose="02040503050406030204" pitchFamily="18" charset="0"/>
-                                                        </a:rPr>
-                                                      </m:ctrlPr>
-                                                    </m:sSubPr>
-                                                    <m:e>
-                                                      <m:r>
-                                                        <a:rPr lang="it-IT" sz="1875" b="0" i="1" smtClean="0">
-                                                          <a:latin typeface="Cambria Math" panose="02040503050406030204" pitchFamily="18" charset="0"/>
-                                                          <a:ea typeface="Cambria Math" panose="02040503050406030204" pitchFamily="18" charset="0"/>
-                                                        </a:rPr>
-                                                        <m:t>𝑖</m:t>
-                                                      </m:r>
-                                                    </m:e>
-                                                    <m:sub>
-                                                      <m:r>
-                                                        <a:rPr lang="it-IT" sz="1875" b="0" i="1" smtClean="0">
-                                                          <a:latin typeface="Cambria Math" panose="02040503050406030204" pitchFamily="18" charset="0"/>
-                                                          <a:ea typeface="Cambria Math" panose="02040503050406030204" pitchFamily="18" charset="0"/>
-                                                        </a:rPr>
-                                                        <m:t>𝑧</m:t>
-                                                      </m:r>
-                                                    </m:sub>
-                                                  </m:sSub>
-                                                  <m:r>
-                                                    <a:rPr lang="it-IT" sz="1875" b="0" i="1" smtClean="0">
-                                                      <a:latin typeface="Cambria Math" panose="02040503050406030204" pitchFamily="18" charset="0"/>
-                                                      <a:ea typeface="Cambria Math" panose="02040503050406030204" pitchFamily="18" charset="0"/>
-                                                    </a:rPr>
-                                                    <m:t>≠0</m:t>
-                                                  </m:r>
-                                                </m:lim>
-                                              </m:limLow>
-                                            </m:fName>
+                                            </m:limLowPr>
                                             <m:e>
+                                              <m:r>
+                                                <m:rPr>
+                                                  <m:sty m:val="p"/>
+                                                </m:rPr>
+                                                <a:rPr lang="it-IT" sz="1875">
+                                                  <a:latin typeface="Cambria Math" panose="02040503050406030204" pitchFamily="18" charset="0"/>
+                                                  <a:ea typeface="Cambria Math" panose="02040503050406030204" pitchFamily="18" charset="0"/>
+                                                </a:rPr>
+                                                <m:t>min</m:t>
+                                              </m:r>
+                                            </m:e>
+                                            <m:lim>
+                                              <m:r>
+                                                <a:rPr lang="it-IT" sz="1875" i="1">
+                                                  <a:latin typeface="Cambria Math" panose="02040503050406030204" pitchFamily="18" charset="0"/>
+                                                  <a:ea typeface="Cambria Math" panose="02040503050406030204" pitchFamily="18" charset="0"/>
+                                                </a:rPr>
+                                                <m:t>𝑧</m:t>
+                                              </m:r>
+                                              <m:r>
+                                                <a:rPr lang="it-IT" sz="1875" i="1">
+                                                  <a:latin typeface="Cambria Math" panose="02040503050406030204" pitchFamily="18" charset="0"/>
+                                                  <a:ea typeface="Cambria Math" panose="02040503050406030204" pitchFamily="18" charset="0"/>
+                                                </a:rPr>
+                                                <m:t>∈</m:t>
+                                              </m:r>
                                               <m:d>
                                                 <m:dPr>
+                                                  <m:begChr m:val="{"/>
+                                                  <m:endChr m:val="}"/>
                                                   <m:ctrlPr>
-                                                    <a:rPr lang="it-IT" sz="1875" b="0" i="1" smtClean="0">
+                                                    <a:rPr lang="it-IT" sz="1875" i="1">
                                                       <a:latin typeface="Cambria Math" panose="02040503050406030204" pitchFamily="18" charset="0"/>
                                                       <a:ea typeface="Cambria Math" panose="02040503050406030204" pitchFamily="18" charset="0"/>
                                                     </a:rPr>
@@ -5466,170 +5271,71 @@
                                                       <a:latin typeface="Cambria Math" panose="02040503050406030204" pitchFamily="18" charset="0"/>
                                                       <a:ea typeface="Cambria Math" panose="02040503050406030204" pitchFamily="18" charset="0"/>
                                                     </a:rPr>
-                                                    <m:t>𝑚𝑎𝑥</m:t>
+                                                    <m:t>1,…,</m:t>
                                                   </m:r>
-                                                  <m:d>
-                                                    <m:dPr>
-                                                      <m:ctrlPr>
-                                                        <a:rPr lang="it-IT" sz="1875" i="1" smtClean="0">
-                                                          <a:latin typeface="Cambria Math" panose="02040503050406030204" pitchFamily="18" charset="0"/>
-                                                          <a:ea typeface="Cambria Math" panose="02040503050406030204" pitchFamily="18" charset="0"/>
-                                                        </a:rPr>
-                                                      </m:ctrlPr>
-                                                    </m:dPr>
-                                                    <m:e>
-                                                      <m:sSub>
-                                                        <m:sSubPr>
-                                                          <m:ctrlPr>
-                                                            <a:rPr lang="it-IT" sz="1875" i="1" smtClean="0">
-                                                              <a:latin typeface="Cambria Math" panose="02040503050406030204" pitchFamily="18" charset="0"/>
-                                                              <a:ea typeface="Cambria Math" panose="02040503050406030204" pitchFamily="18" charset="0"/>
-                                                            </a:rPr>
-                                                          </m:ctrlPr>
-                                                        </m:sSubPr>
-                                                        <m:e>
-                                                          <m:r>
-                                                            <a:rPr lang="it-IT" sz="1875" b="0" i="1" smtClean="0">
-                                                              <a:latin typeface="Cambria Math" panose="02040503050406030204" pitchFamily="18" charset="0"/>
-                                                              <a:ea typeface="Cambria Math" panose="02040503050406030204" pitchFamily="18" charset="0"/>
-                                                            </a:rPr>
-                                                            <m:t>𝑝</m:t>
-                                                          </m:r>
-                                                        </m:e>
-                                                        <m:sub>
-                                                          <m:r>
-                                                            <a:rPr lang="it-IT" sz="1875" b="0" i="1" smtClean="0">
-                                                              <a:latin typeface="Cambria Math" panose="02040503050406030204" pitchFamily="18" charset="0"/>
-                                                              <a:ea typeface="Cambria Math" panose="02040503050406030204" pitchFamily="18" charset="0"/>
-                                                            </a:rPr>
-                                                            <m:t>𝑧</m:t>
-                                                          </m:r>
-                                                        </m:sub>
-                                                      </m:sSub>
-                                                      <m:r>
-                                                        <a:rPr lang="it-IT" sz="1875" b="0" i="1" smtClean="0">
-                                                          <a:latin typeface="Cambria Math" panose="02040503050406030204" pitchFamily="18" charset="0"/>
-                                                          <a:ea typeface="Cambria Math" panose="02040503050406030204" pitchFamily="18" charset="0"/>
-                                                        </a:rPr>
-                                                        <m:t>+</m:t>
-                                                      </m:r>
-                                                      <m:sSub>
-                                                        <m:sSubPr>
-                                                          <m:ctrlPr>
-                                                            <a:rPr lang="it-IT" sz="1875" b="0" i="1" smtClean="0">
-                                                              <a:latin typeface="Cambria Math" panose="02040503050406030204" pitchFamily="18" charset="0"/>
-                                                              <a:ea typeface="Cambria Math" panose="02040503050406030204" pitchFamily="18" charset="0"/>
-                                                            </a:rPr>
-                                                          </m:ctrlPr>
-                                                        </m:sSubPr>
-                                                        <m:e>
-                                                          <m:r>
-                                                            <a:rPr lang="it-IT" sz="1875" b="0" i="1" smtClean="0">
-                                                              <a:latin typeface="Cambria Math" panose="02040503050406030204" pitchFamily="18" charset="0"/>
-                                                              <a:ea typeface="Cambria Math" panose="02040503050406030204" pitchFamily="18" charset="0"/>
-                                                            </a:rPr>
-                                                            <m:t>𝑐</m:t>
-                                                          </m:r>
-                                                        </m:e>
-                                                        <m:sub>
-                                                          <m:sSub>
-                                                            <m:sSubPr>
-                                                              <m:ctrlPr>
-                                                                <a:rPr lang="it-IT" sz="1875" b="0" i="1" smtClean="0">
-                                                                  <a:latin typeface="Cambria Math" panose="02040503050406030204" pitchFamily="18" charset="0"/>
-                                                                  <a:ea typeface="Cambria Math" panose="02040503050406030204" pitchFamily="18" charset="0"/>
-                                                                </a:rPr>
-                                                              </m:ctrlPr>
-                                                            </m:sSubPr>
-                                                            <m:e>
-                                                              <m:r>
-                                                                <a:rPr lang="it-IT" sz="1875" b="0" i="1" smtClean="0">
-                                                                  <a:latin typeface="Cambria Math" panose="02040503050406030204" pitchFamily="18" charset="0"/>
-                                                                  <a:ea typeface="Cambria Math" panose="02040503050406030204" pitchFamily="18" charset="0"/>
-                                                                </a:rPr>
-                                                                <m:t>𝑖</m:t>
-                                                              </m:r>
-                                                            </m:e>
-                                                            <m:sub>
-                                                              <m:r>
-                                                                <a:rPr lang="it-IT" sz="1875" b="0" i="1" smtClean="0">
-                                                                  <a:latin typeface="Cambria Math" panose="02040503050406030204" pitchFamily="18" charset="0"/>
-                                                                  <a:ea typeface="Cambria Math" panose="02040503050406030204" pitchFamily="18" charset="0"/>
-                                                                </a:rPr>
-                                                                <m:t>𝑧</m:t>
-                                                              </m:r>
-                                                            </m:sub>
-                                                          </m:sSub>
-                                                          <m:r>
-                                                            <a:rPr lang="it-IT" sz="1875" b="0" i="1" smtClean="0">
-                                                              <a:latin typeface="Cambria Math" panose="02040503050406030204" pitchFamily="18" charset="0"/>
-                                                              <a:ea typeface="Cambria Math" panose="02040503050406030204" pitchFamily="18" charset="0"/>
-                                                            </a:rPr>
-                                                            <m:t>𝑗</m:t>
-                                                          </m:r>
-                                                        </m:sub>
-                                                      </m:sSub>
-                                                      <m:r>
-                                                        <a:rPr lang="it-IT" sz="1875" b="0" i="1" smtClean="0">
-                                                          <a:latin typeface="Cambria Math" panose="02040503050406030204" pitchFamily="18" charset="0"/>
-                                                          <a:ea typeface="Cambria Math" panose="02040503050406030204" pitchFamily="18" charset="0"/>
-                                                        </a:rPr>
-                                                        <m:t>, </m:t>
-                                                      </m:r>
-                                                      <m:r>
-                                                        <a:rPr lang="it-IT" sz="1875" b="0" i="1" smtClean="0">
-                                                          <a:latin typeface="Cambria Math" panose="02040503050406030204" pitchFamily="18" charset="0"/>
-                                                          <a:ea typeface="Cambria Math" panose="02040503050406030204" pitchFamily="18" charset="0"/>
-                                                        </a:rPr>
-                                                        <m:t>𝑉</m:t>
-                                                      </m:r>
-                                                      <m:r>
-                                                        <a:rPr lang="it-IT" sz="1875" b="0" i="1" smtClean="0">
-                                                          <a:latin typeface="Cambria Math" panose="02040503050406030204" pitchFamily="18" charset="0"/>
-                                                          <a:ea typeface="Cambria Math" panose="02040503050406030204" pitchFamily="18" charset="0"/>
-                                                        </a:rPr>
-                                                        <m:t>′</m:t>
-                                                      </m:r>
-                                                    </m:e>
-                                                  </m:d>
+                                                  <m:r>
+                                                    <a:rPr lang="it-IT" sz="1875" i="1">
+                                                      <a:latin typeface="Cambria Math" panose="02040503050406030204" pitchFamily="18" charset="0"/>
+                                                      <a:ea typeface="Cambria Math" panose="02040503050406030204" pitchFamily="18" charset="0"/>
+                                                    </a:rPr>
+                                                    <m:t>𝑚</m:t>
+                                                  </m:r>
                                                 </m:e>
                                               </m:d>
-                                            </m:e>
-                                          </m:func>
-                                        </m:e>
-                                        <m:e>
-                                          <m:func>
-                                            <m:funcPr>
-                                              <m:ctrlPr>
-                                                <a:rPr lang="it-IT" sz="1875" b="0" i="1" smtClean="0">
+                                              <m:r>
+                                                <a:rPr lang="it-IT" sz="1875" i="1">
                                                   <a:latin typeface="Cambria Math" panose="02040503050406030204" pitchFamily="18" charset="0"/>
                                                   <a:ea typeface="Cambria Math" panose="02040503050406030204" pitchFamily="18" charset="0"/>
                                                 </a:rPr>
-                                              </m:ctrlPr>
-                                            </m:funcPr>
-                                            <m:fName>
-                                              <m:limLow>
-                                                <m:limLowPr>
+                                                <m:t>;</m:t>
+                                              </m:r>
+                                              <m:r>
+                                                <a:rPr lang="it-IT" sz="1875" i="1">
+                                                  <a:latin typeface="Cambria Math" panose="02040503050406030204" pitchFamily="18" charset="0"/>
+                                                  <a:ea typeface="Cambria Math" panose="02040503050406030204" pitchFamily="18" charset="0"/>
+                                                </a:rPr>
+                                                <m:t>𝑗</m:t>
+                                              </m:r>
+                                              <m:r>
+                                                <a:rPr lang="it-IT" sz="1875" i="1">
+                                                  <a:latin typeface="Cambria Math" panose="02040503050406030204" pitchFamily="18" charset="0"/>
+                                                  <a:ea typeface="Cambria Math" panose="02040503050406030204" pitchFamily="18" charset="0"/>
+                                                </a:rPr>
+                                                <m:t>∈</m:t>
+                                              </m:r>
+                                              <m:r>
+                                                <a:rPr lang="it-IT" sz="1875" i="1">
+                                                  <a:latin typeface="Cambria Math" panose="02040503050406030204" pitchFamily="18" charset="0"/>
+                                                  <a:ea typeface="Cambria Math" panose="02040503050406030204" pitchFamily="18" charset="0"/>
+                                                </a:rPr>
+                                                <m:t>𝑈</m:t>
+                                              </m:r>
+                                              <m:r>
+                                                <a:rPr lang="it-IT" sz="1875" i="1">
+                                                  <a:latin typeface="Cambria Math" panose="02040503050406030204" pitchFamily="18" charset="0"/>
+                                                  <a:ea typeface="Cambria Math" panose="02040503050406030204" pitchFamily="18" charset="0"/>
+                                                </a:rPr>
+                                                <m:t>;</m:t>
+                                              </m:r>
+                                              <m:sSub>
+                                                <m:sSubPr>
                                                   <m:ctrlPr>
-                                                    <a:rPr lang="it-IT" sz="1875" b="0" i="1" smtClean="0">
+                                                    <a:rPr lang="it-IT" sz="1875" i="1">
                                                       <a:latin typeface="Cambria Math" panose="02040503050406030204" pitchFamily="18" charset="0"/>
                                                       <a:ea typeface="Cambria Math" panose="02040503050406030204" pitchFamily="18" charset="0"/>
                                                     </a:rPr>
                                                   </m:ctrlPr>
-                                                </m:limLowPr>
+                                                </m:sSubPr>
                                                 <m:e>
                                                   <m:r>
-                                                    <m:rPr>
-                                                      <m:sty m:val="p"/>
-                                                    </m:rPr>
-                                                    <a:rPr lang="it-IT" sz="1875" b="0" i="0" smtClean="0">
+                                                    <a:rPr lang="it-IT" sz="1875" i="1">
                                                       <a:latin typeface="Cambria Math" panose="02040503050406030204" pitchFamily="18" charset="0"/>
                                                       <a:ea typeface="Cambria Math" panose="02040503050406030204" pitchFamily="18" charset="0"/>
                                                     </a:rPr>
-                                                    <m:t>min</m:t>
+                                                    <m:t>𝑙</m:t>
                                                   </m:r>
                                                 </m:e>
-                                                <m:lim>
+                                                <m:sub>
                                                   <m:r>
                                                     <a:rPr lang="it-IT" sz="1875" i="1">
                                                       <a:latin typeface="Cambria Math" panose="02040503050406030204" pitchFamily="18" charset="0"/>
@@ -5637,48 +5343,34 @@
                                                     </a:rPr>
                                                     <m:t>𝑧</m:t>
                                                   </m:r>
+                                                </m:sub>
+                                              </m:sSub>
+                                              <m:r>
+                                                <a:rPr lang="it-IT" sz="1875" i="1">
+                                                  <a:latin typeface="Cambria Math" panose="02040503050406030204" pitchFamily="18" charset="0"/>
+                                                  <a:ea typeface="Cambria Math" panose="02040503050406030204" pitchFamily="18" charset="0"/>
+                                                </a:rPr>
+                                                <m:t>+</m:t>
+                                              </m:r>
+                                              <m:sSub>
+                                                <m:sSubPr>
+                                                  <m:ctrlPr>
+                                                    <a:rPr lang="it-IT" sz="1875" i="1">
+                                                      <a:latin typeface="Cambria Math" panose="02040503050406030204" pitchFamily="18" charset="0"/>
+                                                      <a:ea typeface="Cambria Math" panose="02040503050406030204" pitchFamily="18" charset="0"/>
+                                                    </a:rPr>
+                                                  </m:ctrlPr>
+                                                </m:sSubPr>
+                                                <m:e>
                                                   <m:r>
                                                     <a:rPr lang="it-IT" sz="1875" i="1">
                                                       <a:latin typeface="Cambria Math" panose="02040503050406030204" pitchFamily="18" charset="0"/>
                                                       <a:ea typeface="Cambria Math" panose="02040503050406030204" pitchFamily="18" charset="0"/>
                                                     </a:rPr>
-                                                    <m:t>∈</m:t>
+                                                    <m:t>𝑑</m:t>
                                                   </m:r>
-                                                  <m:d>
-                                                    <m:dPr>
-                                                      <m:begChr m:val="{"/>
-                                                      <m:endChr m:val="}"/>
-                                                      <m:ctrlPr>
-                                                        <a:rPr lang="it-IT" sz="1875" i="1">
-                                                          <a:latin typeface="Cambria Math" panose="02040503050406030204" pitchFamily="18" charset="0"/>
-                                                          <a:ea typeface="Cambria Math" panose="02040503050406030204" pitchFamily="18" charset="0"/>
-                                                        </a:rPr>
-                                                      </m:ctrlPr>
-                                                    </m:dPr>
-                                                    <m:e>
-                                                      <m:r>
-                                                        <a:rPr lang="it-IT" sz="1875" i="1">
-                                                          <a:latin typeface="Cambria Math" panose="02040503050406030204" pitchFamily="18" charset="0"/>
-                                                          <a:ea typeface="Cambria Math" panose="02040503050406030204" pitchFamily="18" charset="0"/>
-                                                        </a:rPr>
-                                                        <m:t>1,…,</m:t>
-                                                      </m:r>
-                                                      <m:r>
-                                                        <a:rPr lang="it-IT" sz="1875" i="1">
-                                                          <a:latin typeface="Cambria Math" panose="02040503050406030204" pitchFamily="18" charset="0"/>
-                                                          <a:ea typeface="Cambria Math" panose="02040503050406030204" pitchFamily="18" charset="0"/>
-                                                        </a:rPr>
-                                                        <m:t>𝑚</m:t>
-                                                      </m:r>
-                                                    </m:e>
-                                                  </m:d>
-                                                  <m:r>
-                                                    <a:rPr lang="it-IT" sz="1875" i="1">
-                                                      <a:latin typeface="Cambria Math" panose="02040503050406030204" pitchFamily="18" charset="0"/>
-                                                      <a:ea typeface="Cambria Math" panose="02040503050406030204" pitchFamily="18" charset="0"/>
-                                                    </a:rPr>
-                                                    <m:t>;</m:t>
-                                                  </m:r>
+                                                </m:e>
+                                                <m:sub>
                                                   <m:r>
                                                     <a:rPr lang="it-IT" sz="1875" i="1">
                                                       <a:latin typeface="Cambria Math" panose="02040503050406030204" pitchFamily="18" charset="0"/>
@@ -5686,27 +5378,116 @@
                                                     </a:rPr>
                                                     <m:t>𝑗</m:t>
                                                   </m:r>
+                                                </m:sub>
+                                              </m:sSub>
+                                              <m:r>
+                                                <a:rPr lang="it-IT" sz="1875" i="1">
+                                                  <a:latin typeface="Cambria Math" panose="02040503050406030204" pitchFamily="18" charset="0"/>
+                                                  <a:ea typeface="Cambria Math" panose="02040503050406030204" pitchFamily="18" charset="0"/>
+                                                </a:rPr>
+                                                <m:t>≤</m:t>
+                                              </m:r>
+                                              <m:sSub>
+                                                <m:sSubPr>
+                                                  <m:ctrlPr>
+                                                    <a:rPr lang="it-IT" sz="1875" i="1">
+                                                      <a:latin typeface="Cambria Math" panose="02040503050406030204" pitchFamily="18" charset="0"/>
+                                                      <a:ea typeface="Cambria Math" panose="02040503050406030204" pitchFamily="18" charset="0"/>
+                                                    </a:rPr>
+                                                  </m:ctrlPr>
+                                                </m:sSubPr>
+                                                <m:e>
                                                   <m:r>
                                                     <a:rPr lang="it-IT" sz="1875" i="1">
                                                       <a:latin typeface="Cambria Math" panose="02040503050406030204" pitchFamily="18" charset="0"/>
                                                       <a:ea typeface="Cambria Math" panose="02040503050406030204" pitchFamily="18" charset="0"/>
                                                     </a:rPr>
-                                                    <m:t>∈</m:t>
+                                                    <m:t>𝑞</m:t>
                                                   </m:r>
+                                                </m:e>
+                                                <m:sub>
                                                   <m:r>
                                                     <a:rPr lang="it-IT" sz="1875" i="1">
                                                       <a:latin typeface="Cambria Math" panose="02040503050406030204" pitchFamily="18" charset="0"/>
                                                       <a:ea typeface="Cambria Math" panose="02040503050406030204" pitchFamily="18" charset="0"/>
                                                     </a:rPr>
-                                                    <m:t>𝑈</m:t>
+                                                    <m:t>𝑧</m:t>
                                                   </m:r>
+                                                </m:sub>
+                                              </m:sSub>
+                                              <m:r>
+                                                <a:rPr lang="it-IT" sz="1875" i="1">
+                                                  <a:latin typeface="Cambria Math" panose="02040503050406030204" pitchFamily="18" charset="0"/>
+                                                  <a:ea typeface="Cambria Math" panose="02040503050406030204" pitchFamily="18" charset="0"/>
+                                                </a:rPr>
+                                                <m:t>;</m:t>
+                                              </m:r>
+                                              <m:sSub>
+                                                <m:sSubPr>
+                                                  <m:ctrlPr>
+                                                    <a:rPr lang="it-IT" sz="1875" i="1">
+                                                      <a:latin typeface="Cambria Math" panose="02040503050406030204" pitchFamily="18" charset="0"/>
+                                                      <a:ea typeface="Cambria Math" panose="02040503050406030204" pitchFamily="18" charset="0"/>
+                                                    </a:rPr>
+                                                  </m:ctrlPr>
+                                                </m:sSubPr>
+                                                <m:e>
                                                   <m:r>
                                                     <a:rPr lang="it-IT" sz="1875" i="1">
                                                       <a:latin typeface="Cambria Math" panose="02040503050406030204" pitchFamily="18" charset="0"/>
                                                       <a:ea typeface="Cambria Math" panose="02040503050406030204" pitchFamily="18" charset="0"/>
                                                     </a:rPr>
-                                                    <m:t>;</m:t>
+                                                    <m:t>𝑖</m:t>
                                                   </m:r>
+                                                </m:e>
+                                                <m:sub>
+                                                  <m:r>
+                                                    <a:rPr lang="it-IT" sz="1875" i="1">
+                                                      <a:latin typeface="Cambria Math" panose="02040503050406030204" pitchFamily="18" charset="0"/>
+                                                      <a:ea typeface="Cambria Math" panose="02040503050406030204" pitchFamily="18" charset="0"/>
+                                                    </a:rPr>
+                                                    <m:t>𝑧</m:t>
+                                                  </m:r>
+                                                </m:sub>
+                                              </m:sSub>
+                                              <m:r>
+                                                <a:rPr lang="it-IT" sz="1875" i="1">
+                                                  <a:latin typeface="Cambria Math" panose="02040503050406030204" pitchFamily="18" charset="0"/>
+                                                  <a:ea typeface="Cambria Math" panose="02040503050406030204" pitchFamily="18" charset="0"/>
+                                                </a:rPr>
+                                                <m:t>≠0</m:t>
+                                              </m:r>
+                                            </m:lim>
+                                          </m:limLow>
+                                        </m:fName>
+                                        <m:e>
+                                          <m:d>
+                                            <m:dPr>
+                                              <m:ctrlPr>
+                                                <a:rPr lang="it-IT" sz="1875" i="1">
+                                                  <a:latin typeface="Cambria Math" panose="02040503050406030204" pitchFamily="18" charset="0"/>
+                                                  <a:ea typeface="Cambria Math" panose="02040503050406030204" pitchFamily="18" charset="0"/>
+                                                </a:rPr>
+                                              </m:ctrlPr>
+                                            </m:dPr>
+                                            <m:e>
+                                              <m:r>
+                                                <a:rPr lang="it-IT" sz="1875" i="1">
+                                                  <a:latin typeface="Cambria Math" panose="02040503050406030204" pitchFamily="18" charset="0"/>
+                                                  <a:ea typeface="Cambria Math" panose="02040503050406030204" pitchFamily="18" charset="0"/>
+                                                </a:rPr>
+                                                <m:t>𝑚𝑎𝑥</m:t>
+                                              </m:r>
+                                              <m:d>
+                                                <m:dPr>
+                                                  <m:ctrlPr>
+                                                    <a:rPr lang="it-IT" sz="1875" i="1">
+                                                      <a:latin typeface="Cambria Math" panose="02040503050406030204" pitchFamily="18" charset="0"/>
+                                                      <a:ea typeface="Cambria Math" panose="02040503050406030204" pitchFamily="18" charset="0"/>
+                                                    </a:rPr>
+                                                  </m:ctrlPr>
+                                                </m:dPr>
+                                                <m:e>
                                                   <m:sSub>
                                                     <m:sSubPr>
                                                       <m:ctrlPr>
@@ -5722,7 +5503,7 @@
                                                           <a:latin typeface="Cambria Math" panose="02040503050406030204" pitchFamily="18" charset="0"/>
                                                           <a:ea typeface="Cambria Math" panose="02040503050406030204" pitchFamily="18" charset="0"/>
                                                         </a:rPr>
-                                                        <m:t>𝑙</m:t>
+                                                        <m:t>𝑝</m:t>
                                                       </m:r>
                                                     </m:e>
                                                     <m:sub>
@@ -5757,10 +5538,38 @@
                                                           <a:latin typeface="Cambria Math" panose="02040503050406030204" pitchFamily="18" charset="0"/>
                                                           <a:ea typeface="Cambria Math" panose="02040503050406030204" pitchFamily="18" charset="0"/>
                                                         </a:rPr>
-                                                        <m:t>𝑑</m:t>
+                                                        <m:t>𝑐</m:t>
                                                       </m:r>
                                                     </m:e>
                                                     <m:sub>
+                                                      <m:sSub>
+                                                        <m:sSubPr>
+                                                          <m:ctrlPr>
+                                                            <a:rPr lang="it-IT" sz="1875" i="1">
+                                                              <a:latin typeface="Cambria Math" panose="02040503050406030204" pitchFamily="18" charset="0"/>
+                                                              <a:ea typeface="Cambria Math" panose="02040503050406030204" pitchFamily="18" charset="0"/>
+                                                            </a:rPr>
+                                                          </m:ctrlPr>
+                                                        </m:sSubPr>
+                                                        <m:e>
+                                                          <m:r>
+                                                            <a:rPr lang="it-IT" sz="1875" i="1">
+                                                              <a:latin typeface="Cambria Math" panose="02040503050406030204" pitchFamily="18" charset="0"/>
+                                                              <a:ea typeface="Cambria Math" panose="02040503050406030204" pitchFamily="18" charset="0"/>
+                                                            </a:rPr>
+                                                            <m:t>𝑖</m:t>
+                                                          </m:r>
+                                                        </m:e>
+                                                        <m:sub>
+                                                          <m:r>
+                                                            <a:rPr lang="it-IT" sz="1875" i="1">
+                                                              <a:latin typeface="Cambria Math" panose="02040503050406030204" pitchFamily="18" charset="0"/>
+                                                              <a:ea typeface="Cambria Math" panose="02040503050406030204" pitchFamily="18" charset="0"/>
+                                                            </a:rPr>
+                                                            <m:t>𝑧</m:t>
+                                                          </m:r>
+                                                        </m:sub>
+                                                      </m:sSub>
                                                       <m:r>
                                                         <a:rPr lang="it-IT" sz="1875" i="1">
                                                           <a:latin typeface="Cambria Math" panose="02040503050406030204" pitchFamily="18" charset="0"/>
@@ -5775,8 +5584,317 @@
                                                       <a:latin typeface="Cambria Math" panose="02040503050406030204" pitchFamily="18" charset="0"/>
                                                       <a:ea typeface="Cambria Math" panose="02040503050406030204" pitchFamily="18" charset="0"/>
                                                     </a:rPr>
-                                                    <m:t>≤</m:t>
+                                                    <m:t>, </m:t>
                                                   </m:r>
+                                                  <m:r>
+                                                    <a:rPr lang="it-IT" sz="1875" i="1">
+                                                      <a:latin typeface="Cambria Math" panose="02040503050406030204" pitchFamily="18" charset="0"/>
+                                                      <a:ea typeface="Cambria Math" panose="02040503050406030204" pitchFamily="18" charset="0"/>
+                                                    </a:rPr>
+                                                    <m:t>𝑉</m:t>
+                                                  </m:r>
+                                                  <m:r>
+                                                    <a:rPr lang="it-IT" sz="1875" i="1">
+                                                      <a:latin typeface="Cambria Math" panose="02040503050406030204" pitchFamily="18" charset="0"/>
+                                                      <a:ea typeface="Cambria Math" panose="02040503050406030204" pitchFamily="18" charset="0"/>
+                                                    </a:rPr>
+                                                    <m:t>′</m:t>
+                                                  </m:r>
+                                                </m:e>
+                                              </m:d>
+                                            </m:e>
+                                          </m:d>
+                                        </m:e>
+                                      </m:func>
+                                    </m:e>
+                                    <m:e>
+                                      <m:func>
+                                        <m:funcPr>
+                                          <m:ctrlPr>
+                                            <a:rPr lang="it-IT" sz="1875" i="1">
+                                              <a:latin typeface="Cambria Math" panose="02040503050406030204" pitchFamily="18" charset="0"/>
+                                              <a:ea typeface="Cambria Math" panose="02040503050406030204" pitchFamily="18" charset="0"/>
+                                            </a:rPr>
+                                          </m:ctrlPr>
+                                        </m:funcPr>
+                                        <m:fName>
+                                          <m:limLow>
+                                            <m:limLowPr>
+                                              <m:ctrlPr>
+                                                <a:rPr lang="it-IT" sz="1875" i="1">
+                                                  <a:latin typeface="Cambria Math" panose="02040503050406030204" pitchFamily="18" charset="0"/>
+                                                  <a:ea typeface="Cambria Math" panose="02040503050406030204" pitchFamily="18" charset="0"/>
+                                                </a:rPr>
+                                              </m:ctrlPr>
+                                            </m:limLowPr>
+                                            <m:e>
+                                              <m:r>
+                                                <m:rPr>
+                                                  <m:sty m:val="p"/>
+                                                </m:rPr>
+                                                <a:rPr lang="it-IT" sz="1875">
+                                                  <a:latin typeface="Cambria Math" panose="02040503050406030204" pitchFamily="18" charset="0"/>
+                                                  <a:ea typeface="Cambria Math" panose="02040503050406030204" pitchFamily="18" charset="0"/>
+                                                </a:rPr>
+                                                <m:t>min</m:t>
+                                              </m:r>
+                                            </m:e>
+                                            <m:lim>
+                                              <m:r>
+                                                <a:rPr lang="it-IT" sz="1875" i="1">
+                                                  <a:latin typeface="Cambria Math" panose="02040503050406030204" pitchFamily="18" charset="0"/>
+                                                  <a:ea typeface="Cambria Math" panose="02040503050406030204" pitchFamily="18" charset="0"/>
+                                                </a:rPr>
+                                                <m:t>𝑧</m:t>
+                                              </m:r>
+                                              <m:r>
+                                                <a:rPr lang="it-IT" sz="1875" i="1">
+                                                  <a:latin typeface="Cambria Math" panose="02040503050406030204" pitchFamily="18" charset="0"/>
+                                                  <a:ea typeface="Cambria Math" panose="02040503050406030204" pitchFamily="18" charset="0"/>
+                                                </a:rPr>
+                                                <m:t>∈</m:t>
+                                              </m:r>
+                                              <m:d>
+                                                <m:dPr>
+                                                  <m:begChr m:val="{"/>
+                                                  <m:endChr m:val="}"/>
+                                                  <m:ctrlPr>
+                                                    <a:rPr lang="it-IT" sz="1875" i="1">
+                                                      <a:latin typeface="Cambria Math" panose="02040503050406030204" pitchFamily="18" charset="0"/>
+                                                      <a:ea typeface="Cambria Math" panose="02040503050406030204" pitchFamily="18" charset="0"/>
+                                                    </a:rPr>
+                                                  </m:ctrlPr>
+                                                </m:dPr>
+                                                <m:e>
+                                                  <m:r>
+                                                    <a:rPr lang="it-IT" sz="1875" i="1">
+                                                      <a:latin typeface="Cambria Math" panose="02040503050406030204" pitchFamily="18" charset="0"/>
+                                                      <a:ea typeface="Cambria Math" panose="02040503050406030204" pitchFamily="18" charset="0"/>
+                                                    </a:rPr>
+                                                    <m:t>1,…,</m:t>
+                                                  </m:r>
+                                                  <m:r>
+                                                    <a:rPr lang="it-IT" sz="1875" i="1">
+                                                      <a:latin typeface="Cambria Math" panose="02040503050406030204" pitchFamily="18" charset="0"/>
+                                                      <a:ea typeface="Cambria Math" panose="02040503050406030204" pitchFamily="18" charset="0"/>
+                                                    </a:rPr>
+                                                    <m:t>𝑚</m:t>
+                                                  </m:r>
+                                                </m:e>
+                                              </m:d>
+                                              <m:r>
+                                                <a:rPr lang="it-IT" sz="1875" i="1">
+                                                  <a:latin typeface="Cambria Math" panose="02040503050406030204" pitchFamily="18" charset="0"/>
+                                                  <a:ea typeface="Cambria Math" panose="02040503050406030204" pitchFamily="18" charset="0"/>
+                                                </a:rPr>
+                                                <m:t>;</m:t>
+                                              </m:r>
+                                              <m:r>
+                                                <a:rPr lang="it-IT" sz="1875" i="1">
+                                                  <a:latin typeface="Cambria Math" panose="02040503050406030204" pitchFamily="18" charset="0"/>
+                                                  <a:ea typeface="Cambria Math" panose="02040503050406030204" pitchFamily="18" charset="0"/>
+                                                </a:rPr>
+                                                <m:t>𝑗</m:t>
+                                              </m:r>
+                                              <m:r>
+                                                <a:rPr lang="it-IT" sz="1875" i="1">
+                                                  <a:latin typeface="Cambria Math" panose="02040503050406030204" pitchFamily="18" charset="0"/>
+                                                  <a:ea typeface="Cambria Math" panose="02040503050406030204" pitchFamily="18" charset="0"/>
+                                                </a:rPr>
+                                                <m:t>∈</m:t>
+                                              </m:r>
+                                              <m:r>
+                                                <a:rPr lang="it-IT" sz="1875" i="1">
+                                                  <a:latin typeface="Cambria Math" panose="02040503050406030204" pitchFamily="18" charset="0"/>
+                                                  <a:ea typeface="Cambria Math" panose="02040503050406030204" pitchFamily="18" charset="0"/>
+                                                </a:rPr>
+                                                <m:t>𝑈</m:t>
+                                              </m:r>
+                                              <m:r>
+                                                <a:rPr lang="it-IT" sz="1875" i="1">
+                                                  <a:latin typeface="Cambria Math" panose="02040503050406030204" pitchFamily="18" charset="0"/>
+                                                  <a:ea typeface="Cambria Math" panose="02040503050406030204" pitchFamily="18" charset="0"/>
+                                                </a:rPr>
+                                                <m:t>;</m:t>
+                                              </m:r>
+                                              <m:sSub>
+                                                <m:sSubPr>
+                                                  <m:ctrlPr>
+                                                    <a:rPr lang="it-IT" sz="1875" i="1">
+                                                      <a:latin typeface="Cambria Math" panose="02040503050406030204" pitchFamily="18" charset="0"/>
+                                                      <a:ea typeface="Cambria Math" panose="02040503050406030204" pitchFamily="18" charset="0"/>
+                                                    </a:rPr>
+                                                  </m:ctrlPr>
+                                                </m:sSubPr>
+                                                <m:e>
+                                                  <m:r>
+                                                    <a:rPr lang="it-IT" sz="1875" i="1">
+                                                      <a:latin typeface="Cambria Math" panose="02040503050406030204" pitchFamily="18" charset="0"/>
+                                                      <a:ea typeface="Cambria Math" panose="02040503050406030204" pitchFamily="18" charset="0"/>
+                                                    </a:rPr>
+                                                    <m:t>𝑙</m:t>
+                                                  </m:r>
+                                                </m:e>
+                                                <m:sub>
+                                                  <m:r>
+                                                    <a:rPr lang="it-IT" sz="1875" i="1">
+                                                      <a:latin typeface="Cambria Math" panose="02040503050406030204" pitchFamily="18" charset="0"/>
+                                                      <a:ea typeface="Cambria Math" panose="02040503050406030204" pitchFamily="18" charset="0"/>
+                                                    </a:rPr>
+                                                    <m:t>𝑧</m:t>
+                                                  </m:r>
+                                                </m:sub>
+                                              </m:sSub>
+                                              <m:r>
+                                                <a:rPr lang="it-IT" sz="1875" i="1">
+                                                  <a:latin typeface="Cambria Math" panose="02040503050406030204" pitchFamily="18" charset="0"/>
+                                                  <a:ea typeface="Cambria Math" panose="02040503050406030204" pitchFamily="18" charset="0"/>
+                                                </a:rPr>
+                                                <m:t>+</m:t>
+                                              </m:r>
+                                              <m:sSub>
+                                                <m:sSubPr>
+                                                  <m:ctrlPr>
+                                                    <a:rPr lang="it-IT" sz="1875" i="1">
+                                                      <a:latin typeface="Cambria Math" panose="02040503050406030204" pitchFamily="18" charset="0"/>
+                                                      <a:ea typeface="Cambria Math" panose="02040503050406030204" pitchFamily="18" charset="0"/>
+                                                    </a:rPr>
+                                                  </m:ctrlPr>
+                                                </m:sSubPr>
+                                                <m:e>
+                                                  <m:r>
+                                                    <a:rPr lang="it-IT" sz="1875" i="1">
+                                                      <a:latin typeface="Cambria Math" panose="02040503050406030204" pitchFamily="18" charset="0"/>
+                                                      <a:ea typeface="Cambria Math" panose="02040503050406030204" pitchFamily="18" charset="0"/>
+                                                    </a:rPr>
+                                                    <m:t>𝑑</m:t>
+                                                  </m:r>
+                                                </m:e>
+                                                <m:sub>
+                                                  <m:r>
+                                                    <a:rPr lang="it-IT" sz="1875" i="1">
+                                                      <a:latin typeface="Cambria Math" panose="02040503050406030204" pitchFamily="18" charset="0"/>
+                                                      <a:ea typeface="Cambria Math" panose="02040503050406030204" pitchFamily="18" charset="0"/>
+                                                    </a:rPr>
+                                                    <m:t>𝑗</m:t>
+                                                  </m:r>
+                                                </m:sub>
+                                              </m:sSub>
+                                              <m:r>
+                                                <a:rPr lang="it-IT" sz="1875" i="1">
+                                                  <a:latin typeface="Cambria Math" panose="02040503050406030204" pitchFamily="18" charset="0"/>
+                                                  <a:ea typeface="Cambria Math" panose="02040503050406030204" pitchFamily="18" charset="0"/>
+                                                </a:rPr>
+                                                <m:t>≤</m:t>
+                                              </m:r>
+                                              <m:sSub>
+                                                <m:sSubPr>
+                                                  <m:ctrlPr>
+                                                    <a:rPr lang="it-IT" sz="1875" i="1">
+                                                      <a:latin typeface="Cambria Math" panose="02040503050406030204" pitchFamily="18" charset="0"/>
+                                                      <a:ea typeface="Cambria Math" panose="02040503050406030204" pitchFamily="18" charset="0"/>
+                                                    </a:rPr>
+                                                  </m:ctrlPr>
+                                                </m:sSubPr>
+                                                <m:e>
+                                                  <m:r>
+                                                    <a:rPr lang="it-IT" sz="1875" i="1">
+                                                      <a:latin typeface="Cambria Math" panose="02040503050406030204" pitchFamily="18" charset="0"/>
+                                                      <a:ea typeface="Cambria Math" panose="02040503050406030204" pitchFamily="18" charset="0"/>
+                                                    </a:rPr>
+                                                    <m:t>𝑞</m:t>
+                                                  </m:r>
+                                                </m:e>
+                                                <m:sub>
+                                                  <m:r>
+                                                    <a:rPr lang="it-IT" sz="1875" i="1">
+                                                      <a:latin typeface="Cambria Math" panose="02040503050406030204" pitchFamily="18" charset="0"/>
+                                                      <a:ea typeface="Cambria Math" panose="02040503050406030204" pitchFamily="18" charset="0"/>
+                                                    </a:rPr>
+                                                    <m:t>𝑧</m:t>
+                                                  </m:r>
+                                                </m:sub>
+                                              </m:sSub>
+                                              <m:r>
+                                                <a:rPr lang="it-IT" sz="1875" i="1">
+                                                  <a:latin typeface="Cambria Math" panose="02040503050406030204" pitchFamily="18" charset="0"/>
+                                                  <a:ea typeface="Cambria Math" panose="02040503050406030204" pitchFamily="18" charset="0"/>
+                                                </a:rPr>
+                                                <m:t>;</m:t>
+                                              </m:r>
+                                              <m:sSub>
+                                                <m:sSubPr>
+                                                  <m:ctrlPr>
+                                                    <a:rPr lang="it-IT" sz="1875" i="1">
+                                                      <a:latin typeface="Cambria Math" panose="02040503050406030204" pitchFamily="18" charset="0"/>
+                                                      <a:ea typeface="Cambria Math" panose="02040503050406030204" pitchFamily="18" charset="0"/>
+                                                    </a:rPr>
+                                                  </m:ctrlPr>
+                                                </m:sSubPr>
+                                                <m:e>
+                                                  <m:r>
+                                                    <a:rPr lang="it-IT" sz="1875" i="1">
+                                                      <a:latin typeface="Cambria Math" panose="02040503050406030204" pitchFamily="18" charset="0"/>
+                                                      <a:ea typeface="Cambria Math" panose="02040503050406030204" pitchFamily="18" charset="0"/>
+                                                    </a:rPr>
+                                                    <m:t>𝑖</m:t>
+                                                  </m:r>
+                                                </m:e>
+                                                <m:sub>
+                                                  <m:r>
+                                                    <a:rPr lang="it-IT" sz="1875" i="1">
+                                                      <a:latin typeface="Cambria Math" panose="02040503050406030204" pitchFamily="18" charset="0"/>
+                                                      <a:ea typeface="Cambria Math" panose="02040503050406030204" pitchFamily="18" charset="0"/>
+                                                    </a:rPr>
+                                                    <m:t>𝑧</m:t>
+                                                  </m:r>
+                                                </m:sub>
+                                              </m:sSub>
+                                              <m:r>
+                                                <a:rPr lang="it-IT" sz="1875" i="1">
+                                                  <a:latin typeface="Cambria Math" panose="02040503050406030204" pitchFamily="18" charset="0"/>
+                                                  <a:ea typeface="Cambria Math" panose="02040503050406030204" pitchFamily="18" charset="0"/>
+                                                </a:rPr>
+                                                <m:t>=</m:t>
+                                              </m:r>
+                                              <m:r>
+                                                <a:rPr lang="it-IT" sz="1875" i="1">
+                                                  <a:latin typeface="Cambria Math" panose="02040503050406030204" pitchFamily="18" charset="0"/>
+                                                  <a:ea typeface="Cambria Math" panose="02040503050406030204" pitchFamily="18" charset="0"/>
+                                                </a:rPr>
+                                                <m:t>0</m:t>
+                                              </m:r>
+                                            </m:lim>
+                                          </m:limLow>
+                                        </m:fName>
+                                        <m:e>
+                                          <m:d>
+                                            <m:dPr>
+                                              <m:ctrlPr>
+                                                <a:rPr lang="it-IT" sz="1875" i="1">
+                                                  <a:latin typeface="Cambria Math" panose="02040503050406030204" pitchFamily="18" charset="0"/>
+                                                  <a:ea typeface="Cambria Math" panose="02040503050406030204" pitchFamily="18" charset="0"/>
+                                                </a:rPr>
+                                              </m:ctrlPr>
+                                            </m:dPr>
+                                            <m:e>
+                                              <m:r>
+                                                <a:rPr lang="it-IT" sz="1875" i="1">
+                                                  <a:latin typeface="Cambria Math" panose="02040503050406030204" pitchFamily="18" charset="0"/>
+                                                  <a:ea typeface="Cambria Math" panose="02040503050406030204" pitchFamily="18" charset="0"/>
+                                                </a:rPr>
+                                                <m:t>𝑚𝑎𝑥</m:t>
+                                              </m:r>
+                                              <m:d>
+                                                <m:dPr>
+                                                  <m:ctrlPr>
+                                                    <a:rPr lang="it-IT" sz="1875" i="1">
+                                                      <a:latin typeface="Cambria Math" panose="02040503050406030204" pitchFamily="18" charset="0"/>
+                                                      <a:ea typeface="Cambria Math" panose="02040503050406030204" pitchFamily="18" charset="0"/>
+                                                    </a:rPr>
+                                                  </m:ctrlPr>
+                                                </m:dPr>
+                                                <m:e>
                                                   <m:sSub>
                                                     <m:sSubPr>
                                                       <m:ctrlPr>
@@ -5792,7 +5910,7 @@
                                                           <a:latin typeface="Cambria Math" panose="02040503050406030204" pitchFamily="18" charset="0"/>
                                                           <a:ea typeface="Cambria Math" panose="02040503050406030204" pitchFamily="18" charset="0"/>
                                                         </a:rPr>
-                                                        <m:t>𝑞</m:t>
+                                                        <m:t>𝑐</m:t>
                                                       </m:r>
                                                     </m:e>
                                                     <m:sub>
@@ -5801,7 +5919,14 @@
                                                           <a:latin typeface="Cambria Math" panose="02040503050406030204" pitchFamily="18" charset="0"/>
                                                           <a:ea typeface="Cambria Math" panose="02040503050406030204" pitchFamily="18" charset="0"/>
                                                         </a:rPr>
-                                                        <m:t>𝑧</m:t>
+                                                        <m:t>0</m:t>
+                                                      </m:r>
+                                                      <m:r>
+                                                        <a:rPr lang="it-IT" sz="1875" i="1">
+                                                          <a:latin typeface="Cambria Math" panose="02040503050406030204" pitchFamily="18" charset="0"/>
+                                                          <a:ea typeface="Cambria Math" panose="02040503050406030204" pitchFamily="18" charset="0"/>
+                                                        </a:rPr>
+                                                        <m:t>𝑗</m:t>
                                                       </m:r>
                                                     </m:sub>
                                                   </m:sSub>
@@ -5810,218 +5935,177 @@
                                                       <a:latin typeface="Cambria Math" panose="02040503050406030204" pitchFamily="18" charset="0"/>
                                                       <a:ea typeface="Cambria Math" panose="02040503050406030204" pitchFamily="18" charset="0"/>
                                                     </a:rPr>
-                                                    <m:t>;</m:t>
-                                                  </m:r>
-                                                  <m:sSub>
-                                                    <m:sSubPr>
-                                                      <m:ctrlPr>
-                                                        <a:rPr lang="it-IT" sz="1875" i="1">
-                                                          <a:latin typeface="Cambria Math" panose="02040503050406030204" pitchFamily="18" charset="0"/>
-                                                          <a:ea typeface="Cambria Math" panose="02040503050406030204" pitchFamily="18" charset="0"/>
-                                                        </a:rPr>
-                                                      </m:ctrlPr>
-                                                    </m:sSubPr>
-                                                    <m:e>
-                                                      <m:r>
-                                                        <a:rPr lang="it-IT" sz="1875" i="1">
-                                                          <a:latin typeface="Cambria Math" panose="02040503050406030204" pitchFamily="18" charset="0"/>
-                                                          <a:ea typeface="Cambria Math" panose="02040503050406030204" pitchFamily="18" charset="0"/>
-                                                        </a:rPr>
-                                                        <m:t>𝑖</m:t>
-                                                      </m:r>
-                                                    </m:e>
-                                                    <m:sub>
-                                                      <m:r>
-                                                        <a:rPr lang="it-IT" sz="1875" i="1">
-                                                          <a:latin typeface="Cambria Math" panose="02040503050406030204" pitchFamily="18" charset="0"/>
-                                                          <a:ea typeface="Cambria Math" panose="02040503050406030204" pitchFamily="18" charset="0"/>
-                                                        </a:rPr>
-                                                        <m:t>𝑧</m:t>
-                                                      </m:r>
-                                                    </m:sub>
-                                                  </m:sSub>
-                                                  <m:r>
-                                                    <a:rPr lang="it-IT" sz="1875" i="1" smtClean="0">
-                                                      <a:latin typeface="Cambria Math" panose="02040503050406030204" pitchFamily="18" charset="0"/>
-                                                      <a:ea typeface="Cambria Math" panose="02040503050406030204" pitchFamily="18" charset="0"/>
-                                                    </a:rPr>
-                                                    <m:t>=</m:t>
+                                                    <m:t>, </m:t>
                                                   </m:r>
                                                   <m:r>
                                                     <a:rPr lang="it-IT" sz="1875" i="1">
                                                       <a:latin typeface="Cambria Math" panose="02040503050406030204" pitchFamily="18" charset="0"/>
                                                       <a:ea typeface="Cambria Math" panose="02040503050406030204" pitchFamily="18" charset="0"/>
                                                     </a:rPr>
-                                                    <m:t>0</m:t>
+                                                    <m:t>𝑉</m:t>
                                                   </m:r>
-                                                </m:lim>
-                                              </m:limLow>
-                                            </m:fName>
-                                            <m:e>
-                                              <m:d>
-                                                <m:dPr>
-                                                  <m:ctrlPr>
-                                                    <a:rPr lang="it-IT" sz="1875" b="0" i="1" smtClean="0">
-                                                      <a:latin typeface="Cambria Math" panose="02040503050406030204" pitchFamily="18" charset="0"/>
-                                                      <a:ea typeface="Cambria Math" panose="02040503050406030204" pitchFamily="18" charset="0"/>
-                                                    </a:rPr>
-                                                  </m:ctrlPr>
-                                                </m:dPr>
-                                                <m:e>
                                                   <m:r>
                                                     <a:rPr lang="it-IT" sz="1875" i="1">
                                                       <a:latin typeface="Cambria Math" panose="02040503050406030204" pitchFamily="18" charset="0"/>
                                                       <a:ea typeface="Cambria Math" panose="02040503050406030204" pitchFamily="18" charset="0"/>
                                                     </a:rPr>
-                                                    <m:t>𝑚𝑎𝑥</m:t>
+                                                    <m:t>′′</m:t>
                                                   </m:r>
-                                                  <m:d>
-                                                    <m:dPr>
-                                                      <m:ctrlPr>
-                                                        <a:rPr lang="it-IT" sz="1875" i="1" smtClean="0">
-                                                          <a:latin typeface="Cambria Math" panose="02040503050406030204" pitchFamily="18" charset="0"/>
-                                                          <a:ea typeface="Cambria Math" panose="02040503050406030204" pitchFamily="18" charset="0"/>
-                                                        </a:rPr>
-                                                      </m:ctrlPr>
-                                                    </m:dPr>
-                                                    <m:e>
-                                                      <m:sSub>
-                                                        <m:sSubPr>
-                                                          <m:ctrlPr>
-                                                            <a:rPr lang="it-IT" sz="1875" i="1" smtClean="0">
-                                                              <a:latin typeface="Cambria Math" panose="02040503050406030204" pitchFamily="18" charset="0"/>
-                                                              <a:ea typeface="Cambria Math" panose="02040503050406030204" pitchFamily="18" charset="0"/>
-                                                            </a:rPr>
-                                                          </m:ctrlPr>
-                                                        </m:sSubPr>
-                                                        <m:e>
-                                                          <m:r>
-                                                            <a:rPr lang="it-IT" sz="1875" b="0" i="1" smtClean="0">
-                                                              <a:latin typeface="Cambria Math" panose="02040503050406030204" pitchFamily="18" charset="0"/>
-                                                              <a:ea typeface="Cambria Math" panose="02040503050406030204" pitchFamily="18" charset="0"/>
-                                                            </a:rPr>
-                                                            <m:t>𝑐</m:t>
-                                                          </m:r>
-                                                        </m:e>
-                                                        <m:sub>
-                                                          <m:r>
-                                                            <a:rPr lang="it-IT" sz="1875" b="0" i="1" smtClean="0">
-                                                              <a:latin typeface="Cambria Math" panose="02040503050406030204" pitchFamily="18" charset="0"/>
-                                                              <a:ea typeface="Cambria Math" panose="02040503050406030204" pitchFamily="18" charset="0"/>
-                                                            </a:rPr>
-                                                            <m:t>0</m:t>
-                                                          </m:r>
-                                                          <m:r>
-                                                            <a:rPr lang="it-IT" sz="1875" b="0" i="1" smtClean="0">
-                                                              <a:latin typeface="Cambria Math" panose="02040503050406030204" pitchFamily="18" charset="0"/>
-                                                              <a:ea typeface="Cambria Math" panose="02040503050406030204" pitchFamily="18" charset="0"/>
-                                                            </a:rPr>
-                                                            <m:t>𝑗</m:t>
-                                                          </m:r>
-                                                        </m:sub>
-                                                      </m:sSub>
-                                                      <m:r>
-                                                        <a:rPr lang="it-IT" sz="1875" b="0" i="1" smtClean="0">
-                                                          <a:latin typeface="Cambria Math" panose="02040503050406030204" pitchFamily="18" charset="0"/>
-                                                          <a:ea typeface="Cambria Math" panose="02040503050406030204" pitchFamily="18" charset="0"/>
-                                                        </a:rPr>
-                                                        <m:t>, </m:t>
-                                                      </m:r>
-                                                      <m:r>
-                                                        <a:rPr lang="it-IT" sz="1875" b="0" i="1" smtClean="0">
-                                                          <a:latin typeface="Cambria Math" panose="02040503050406030204" pitchFamily="18" charset="0"/>
-                                                          <a:ea typeface="Cambria Math" panose="02040503050406030204" pitchFamily="18" charset="0"/>
-                                                        </a:rPr>
-                                                        <m:t>𝑉</m:t>
-                                                      </m:r>
-                                                      <m:r>
-                                                        <a:rPr lang="it-IT" sz="1875" b="0" i="1" smtClean="0">
-                                                          <a:latin typeface="Cambria Math" panose="02040503050406030204" pitchFamily="18" charset="0"/>
-                                                          <a:ea typeface="Cambria Math" panose="02040503050406030204" pitchFamily="18" charset="0"/>
-                                                        </a:rPr>
-                                                        <m:t>′′</m:t>
-                                                      </m:r>
-                                                    </m:e>
-                                                  </m:d>
                                                 </m:e>
                                               </m:d>
                                             </m:e>
-                                          </m:func>
+                                          </m:d>
+                                          <m:r>
+                                            <a:rPr lang="it-IT" sz="1875" i="1">
+                                              <a:latin typeface="Cambria Math" panose="02040503050406030204" pitchFamily="18" charset="0"/>
+                                              <a:ea typeface="Cambria Math" panose="02040503050406030204" pitchFamily="18" charset="0"/>
+                                            </a:rPr>
+                                            <m:t>         </m:t>
+                                          </m:r>
                                         </m:e>
-                                      </m:eqArr>
+                                      </m:func>
                                     </m:e>
-                                  </m:d>
+                                  </m:eqArr>
                                   <m:r>
                                     <a:rPr lang="it-IT" sz="1875" b="0" i="1" smtClean="0">
                                       <a:latin typeface="Cambria Math" panose="02040503050406030204" pitchFamily="18" charset="0"/>
                                       <a:ea typeface="Cambria Math" panose="02040503050406030204" pitchFamily="18" charset="0"/>
                                     </a:rPr>
-                                    <m:t>           </m:t>
-                                  </m:r>
-                                  <m:r>
-                                    <a:rPr lang="it-IT" sz="1875" b="0" i="1" smtClean="0">
+                                    <m:t>                                         </m:t>
+                                  </m:r>
+                                </m:e>
+                              </m:d>
+                            </m:e>
+                            <m:e/>
+                            <m:e>
+                              <m:func>
+                                <m:funcPr>
+                                  <m:ctrlPr>
+                                    <a:rPr lang="it-IT" sz="1875" i="1">
                                       <a:latin typeface="Cambria Math" panose="02040503050406030204" pitchFamily="18" charset="0"/>
                                       <a:ea typeface="Cambria Math" panose="02040503050406030204" pitchFamily="18" charset="0"/>
                                     </a:rPr>
-                                    <m:t>𝑖𝑓</m:t>
-                                  </m:r>
-                                  <m:r>
-                                    <a:rPr lang="it-IT" sz="1875" b="0" i="1" smtClean="0">
-                                      <a:latin typeface="Cambria Math" panose="02040503050406030204" pitchFamily="18" charset="0"/>
-                                      <a:ea typeface="Cambria Math" panose="02040503050406030204" pitchFamily="18" charset="0"/>
-                                    </a:rPr>
-                                    <m:t> </m:t>
-                                  </m:r>
-                                  <m:r>
-                                    <a:rPr lang="it-IT" sz="1875" b="0" i="1" smtClean="0">
-                                      <a:latin typeface="Cambria Math" panose="02040503050406030204" pitchFamily="18" charset="0"/>
-                                      <a:ea typeface="Cambria Math" panose="02040503050406030204" pitchFamily="18" charset="0"/>
-                                    </a:rPr>
-                                    <m:t>𝑈</m:t>
-                                  </m:r>
-                                  <m:r>
-                                    <a:rPr lang="it-IT" sz="1875" b="0" i="1" smtClean="0">
-                                      <a:latin typeface="Cambria Math" panose="02040503050406030204" pitchFamily="18" charset="0"/>
-                                      <a:ea typeface="Cambria Math" panose="02040503050406030204" pitchFamily="18" charset="0"/>
-                                    </a:rPr>
-                                    <m:t>≠∅</m:t>
-                                  </m:r>
-                                </m:e>
-                                <m:e/>
-                                <m:e/>
-                                <m:e>
-                                  <m:func>
-                                    <m:funcPr>
+                                  </m:ctrlPr>
+                                </m:funcPr>
+                                <m:fName>
+                                  <m:limLow>
+                                    <m:limLowPr>
                                       <m:ctrlPr>
-                                        <a:rPr lang="it-IT" sz="1875" b="0" i="1" smtClean="0">
+                                        <a:rPr lang="it-IT" sz="1875" i="1">
                                           <a:latin typeface="Cambria Math" panose="02040503050406030204" pitchFamily="18" charset="0"/>
                                           <a:ea typeface="Cambria Math" panose="02040503050406030204" pitchFamily="18" charset="0"/>
                                         </a:rPr>
                                       </m:ctrlPr>
-                                    </m:funcPr>
-                                    <m:fName>
-                                      <m:limLow>
-                                        <m:limLowPr>
+                                    </m:limLowPr>
+                                    <m:e>
+                                      <m:r>
+                                        <m:rPr>
+                                          <m:sty m:val="p"/>
+                                        </m:rPr>
+                                        <a:rPr lang="it-IT" sz="1875">
+                                          <a:latin typeface="Cambria Math" panose="02040503050406030204" pitchFamily="18" charset="0"/>
+                                          <a:ea typeface="Cambria Math" panose="02040503050406030204" pitchFamily="18" charset="0"/>
+                                        </a:rPr>
+                                        <m:t>min</m:t>
+                                      </m:r>
+                                    </m:e>
+                                    <m:lim>
+                                      <m:r>
+                                        <a:rPr lang="it-IT" sz="1875" i="1">
+                                          <a:latin typeface="Cambria Math" panose="02040503050406030204" pitchFamily="18" charset="0"/>
+                                          <a:ea typeface="Cambria Math" panose="02040503050406030204" pitchFamily="18" charset="0"/>
+                                        </a:rPr>
+                                        <m:t>𝑧</m:t>
+                                      </m:r>
+                                      <m:r>
+                                        <a:rPr lang="it-IT" sz="1875" i="1">
+                                          <a:latin typeface="Cambria Math" panose="02040503050406030204" pitchFamily="18" charset="0"/>
+                                          <a:ea typeface="Cambria Math" panose="02040503050406030204" pitchFamily="18" charset="0"/>
+                                        </a:rPr>
+                                        <m:t>∈</m:t>
+                                      </m:r>
+                                      <m:d>
+                                        <m:dPr>
+                                          <m:begChr m:val="{"/>
+                                          <m:endChr m:val="}"/>
                                           <m:ctrlPr>
-                                            <a:rPr lang="it-IT" sz="1875" b="0" i="1" smtClean="0">
+                                            <a:rPr lang="it-IT" sz="1875" i="1">
                                               <a:latin typeface="Cambria Math" panose="02040503050406030204" pitchFamily="18" charset="0"/>
                                               <a:ea typeface="Cambria Math" panose="02040503050406030204" pitchFamily="18" charset="0"/>
                                             </a:rPr>
                                           </m:ctrlPr>
-                                        </m:limLowPr>
+                                        </m:dPr>
                                         <m:e>
                                           <m:r>
-                                            <m:rPr>
-                                              <m:sty m:val="p"/>
-                                            </m:rPr>
-                                            <a:rPr lang="it-IT" sz="1875" b="0" i="0" smtClean="0">
+                                            <a:rPr lang="it-IT" sz="1875" i="1">
                                               <a:latin typeface="Cambria Math" panose="02040503050406030204" pitchFamily="18" charset="0"/>
                                               <a:ea typeface="Cambria Math" panose="02040503050406030204" pitchFamily="18" charset="0"/>
                                             </a:rPr>
-                                            <m:t>min</m:t>
+                                            <m:t>1,…,</m:t>
+                                          </m:r>
+                                          <m:r>
+                                            <a:rPr lang="it-IT" sz="1875" i="1">
+                                              <a:latin typeface="Cambria Math" panose="02040503050406030204" pitchFamily="18" charset="0"/>
+                                              <a:ea typeface="Cambria Math" panose="02040503050406030204" pitchFamily="18" charset="0"/>
+                                            </a:rPr>
+                                            <m:t>𝑚</m:t>
                                           </m:r>
                                         </m:e>
-                                        <m:lim>
+                                      </m:d>
+                                      <m:r>
+                                        <a:rPr lang="it-IT" sz="1875" i="1">
+                                          <a:latin typeface="Cambria Math" panose="02040503050406030204" pitchFamily="18" charset="0"/>
+                                          <a:ea typeface="Cambria Math" panose="02040503050406030204" pitchFamily="18" charset="0"/>
+                                        </a:rPr>
+                                        <m:t>;</m:t>
+                                      </m:r>
+                                      <m:r>
+                                        <a:rPr lang="it-IT" sz="1875" i="1">
+                                          <a:latin typeface="Cambria Math" panose="02040503050406030204" pitchFamily="18" charset="0"/>
+                                          <a:ea typeface="Cambria Math" panose="02040503050406030204" pitchFamily="18" charset="0"/>
+                                        </a:rPr>
+                                        <m:t>𝑗</m:t>
+                                      </m:r>
+                                      <m:r>
+                                        <a:rPr lang="it-IT" sz="1875" i="1">
+                                          <a:latin typeface="Cambria Math" panose="02040503050406030204" pitchFamily="18" charset="0"/>
+                                          <a:ea typeface="Cambria Math" panose="02040503050406030204" pitchFamily="18" charset="0"/>
+                                        </a:rPr>
+                                        <m:t>∈</m:t>
+                                      </m:r>
+                                      <m:r>
+                                        <a:rPr lang="it-IT" sz="1875" i="1">
+                                          <a:latin typeface="Cambria Math" panose="02040503050406030204" pitchFamily="18" charset="0"/>
+                                          <a:ea typeface="Cambria Math" panose="02040503050406030204" pitchFamily="18" charset="0"/>
+                                        </a:rPr>
+                                        <m:t>𝑈</m:t>
+                                      </m:r>
+                                      <m:r>
+                                        <a:rPr lang="it-IT" sz="1875" i="1">
+                                          <a:latin typeface="Cambria Math" panose="02040503050406030204" pitchFamily="18" charset="0"/>
+                                          <a:ea typeface="Cambria Math" panose="02040503050406030204" pitchFamily="18" charset="0"/>
+                                        </a:rPr>
+                                        <m:t>;</m:t>
+                                      </m:r>
+                                      <m:sSub>
+                                        <m:sSubPr>
+                                          <m:ctrlPr>
+                                            <a:rPr lang="it-IT" sz="1875" i="1">
+                                              <a:latin typeface="Cambria Math" panose="02040503050406030204" pitchFamily="18" charset="0"/>
+                                              <a:ea typeface="Cambria Math" panose="02040503050406030204" pitchFamily="18" charset="0"/>
+                                            </a:rPr>
+                                          </m:ctrlPr>
+                                        </m:sSubPr>
+                                        <m:e>
+                                          <m:r>
+                                            <a:rPr lang="it-IT" sz="1875" i="1">
+                                              <a:latin typeface="Cambria Math" panose="02040503050406030204" pitchFamily="18" charset="0"/>
+                                              <a:ea typeface="Cambria Math" panose="02040503050406030204" pitchFamily="18" charset="0"/>
+                                            </a:rPr>
+                                            <m:t>𝑙</m:t>
+                                          </m:r>
+                                        </m:e>
+                                        <m:sub>
                                           <m:r>
                                             <a:rPr lang="it-IT" sz="1875" i="1">
                                               <a:latin typeface="Cambria Math" panose="02040503050406030204" pitchFamily="18" charset="0"/>
@@ -6029,48 +6113,435 @@
                                             </a:rPr>
                                             <m:t>𝑧</m:t>
                                           </m:r>
+                                        </m:sub>
+                                      </m:sSub>
+                                      <m:r>
+                                        <a:rPr lang="it-IT" sz="1875" i="1">
+                                          <a:latin typeface="Cambria Math" panose="02040503050406030204" pitchFamily="18" charset="0"/>
+                                          <a:ea typeface="Cambria Math" panose="02040503050406030204" pitchFamily="18" charset="0"/>
+                                        </a:rPr>
+                                        <m:t>+</m:t>
+                                      </m:r>
+                                      <m:sSub>
+                                        <m:sSubPr>
+                                          <m:ctrlPr>
+                                            <a:rPr lang="it-IT" sz="1875" i="1">
+                                              <a:latin typeface="Cambria Math" panose="02040503050406030204" pitchFamily="18" charset="0"/>
+                                              <a:ea typeface="Cambria Math" panose="02040503050406030204" pitchFamily="18" charset="0"/>
+                                            </a:rPr>
+                                          </m:ctrlPr>
+                                        </m:sSubPr>
+                                        <m:e>
                                           <m:r>
                                             <a:rPr lang="it-IT" sz="1875" i="1">
                                               <a:latin typeface="Cambria Math" panose="02040503050406030204" pitchFamily="18" charset="0"/>
                                               <a:ea typeface="Cambria Math" panose="02040503050406030204" pitchFamily="18" charset="0"/>
                                             </a:rPr>
-                                            <m:t>∈</m:t>
+                                            <m:t>𝑑</m:t>
                                           </m:r>
-                                          <m:d>
-                                            <m:dPr>
-                                              <m:begChr m:val="{"/>
-                                              <m:endChr m:val="}"/>
+                                        </m:e>
+                                        <m:sub>
+                                          <m:r>
+                                            <a:rPr lang="it-IT" sz="1875" i="1">
+                                              <a:latin typeface="Cambria Math" panose="02040503050406030204" pitchFamily="18" charset="0"/>
+                                              <a:ea typeface="Cambria Math" panose="02040503050406030204" pitchFamily="18" charset="0"/>
+                                            </a:rPr>
+                                            <m:t>𝑗</m:t>
+                                          </m:r>
+                                        </m:sub>
+                                      </m:sSub>
+                                      <m:r>
+                                        <a:rPr lang="it-IT" sz="1875" i="1">
+                                          <a:latin typeface="Cambria Math" panose="02040503050406030204" pitchFamily="18" charset="0"/>
+                                          <a:ea typeface="Cambria Math" panose="02040503050406030204" pitchFamily="18" charset="0"/>
+                                        </a:rPr>
+                                        <m:t>≤</m:t>
+                                      </m:r>
+                                      <m:sSub>
+                                        <m:sSubPr>
+                                          <m:ctrlPr>
+                                            <a:rPr lang="it-IT" sz="1875" i="1">
+                                              <a:latin typeface="Cambria Math" panose="02040503050406030204" pitchFamily="18" charset="0"/>
+                                              <a:ea typeface="Cambria Math" panose="02040503050406030204" pitchFamily="18" charset="0"/>
+                                            </a:rPr>
+                                          </m:ctrlPr>
+                                        </m:sSubPr>
+                                        <m:e>
+                                          <m:r>
+                                            <a:rPr lang="it-IT" sz="1875" i="1">
+                                              <a:latin typeface="Cambria Math" panose="02040503050406030204" pitchFamily="18" charset="0"/>
+                                              <a:ea typeface="Cambria Math" panose="02040503050406030204" pitchFamily="18" charset="0"/>
+                                            </a:rPr>
+                                            <m:t>𝑞</m:t>
+                                          </m:r>
+                                        </m:e>
+                                        <m:sub>
+                                          <m:r>
+                                            <a:rPr lang="it-IT" sz="1875" i="1">
+                                              <a:latin typeface="Cambria Math" panose="02040503050406030204" pitchFamily="18" charset="0"/>
+                                              <a:ea typeface="Cambria Math" panose="02040503050406030204" pitchFamily="18" charset="0"/>
+                                            </a:rPr>
+                                            <m:t>𝑧</m:t>
+                                          </m:r>
+                                        </m:sub>
+                                      </m:sSub>
+                                      <m:r>
+                                        <a:rPr lang="it-IT" sz="1875" i="1" smtClean="0">
+                                          <a:latin typeface="Cambria Math" panose="02040503050406030204" pitchFamily="18" charset="0"/>
+                                          <a:ea typeface="Cambria Math" panose="02040503050406030204" pitchFamily="18" charset="0"/>
+                                        </a:rPr>
+                                        <m:t> </m:t>
+                                      </m:r>
+                                    </m:lim>
+                                  </m:limLow>
+                                </m:fName>
+                                <m:e>
+                                  <m:d>
+                                    <m:dPr>
+                                      <m:ctrlPr>
+                                        <a:rPr lang="it-IT" sz="1875" i="1">
+                                          <a:latin typeface="Cambria Math" panose="02040503050406030204" pitchFamily="18" charset="0"/>
+                                          <a:ea typeface="Cambria Math" panose="02040503050406030204" pitchFamily="18" charset="0"/>
+                                        </a:rPr>
+                                      </m:ctrlPr>
+                                    </m:dPr>
+                                    <m:e>
+                                      <m:r>
+                                        <a:rPr lang="it-IT" sz="1875" i="1">
+                                          <a:latin typeface="Cambria Math" panose="02040503050406030204" pitchFamily="18" charset="0"/>
+                                          <a:ea typeface="Cambria Math" panose="02040503050406030204" pitchFamily="18" charset="0"/>
+                                        </a:rPr>
+                                        <m:t>𝑚𝑎𝑥</m:t>
+                                      </m:r>
+                                      <m:d>
+                                        <m:dPr>
+                                          <m:ctrlPr>
+                                            <a:rPr lang="it-IT" sz="1875" i="1">
+                                              <a:latin typeface="Cambria Math" panose="02040503050406030204" pitchFamily="18" charset="0"/>
+                                              <a:ea typeface="Cambria Math" panose="02040503050406030204" pitchFamily="18" charset="0"/>
+                                            </a:rPr>
+                                          </m:ctrlPr>
+                                        </m:dPr>
+                                        <m:e>
+                                          <m:sSub>
+                                            <m:sSubPr>
                                               <m:ctrlPr>
                                                 <a:rPr lang="it-IT" sz="1875" i="1">
                                                   <a:latin typeface="Cambria Math" panose="02040503050406030204" pitchFamily="18" charset="0"/>
                                                   <a:ea typeface="Cambria Math" panose="02040503050406030204" pitchFamily="18" charset="0"/>
                                                 </a:rPr>
                                               </m:ctrlPr>
-                                            </m:dPr>
+                                            </m:sSubPr>
                                             <m:e>
                                               <m:r>
                                                 <a:rPr lang="it-IT" sz="1875" i="1">
                                                   <a:latin typeface="Cambria Math" panose="02040503050406030204" pitchFamily="18" charset="0"/>
                                                   <a:ea typeface="Cambria Math" panose="02040503050406030204" pitchFamily="18" charset="0"/>
                                                 </a:rPr>
-                                                <m:t>1,…,</m:t>
+                                                <m:t>𝑝</m:t>
                                               </m:r>
+                                            </m:e>
+                                            <m:sub>
                                               <m:r>
                                                 <a:rPr lang="it-IT" sz="1875" i="1">
                                                   <a:latin typeface="Cambria Math" panose="02040503050406030204" pitchFamily="18" charset="0"/>
                                                   <a:ea typeface="Cambria Math" panose="02040503050406030204" pitchFamily="18" charset="0"/>
                                                 </a:rPr>
-                                                <m:t>𝑚</m:t>
+                                                <m:t>𝑧</m:t>
                                               </m:r>
-                                            </m:e>
-                                          </m:d>
+                                            </m:sub>
+                                          </m:sSub>
                                           <m:r>
                                             <a:rPr lang="it-IT" sz="1875" i="1">
                                               <a:latin typeface="Cambria Math" panose="02040503050406030204" pitchFamily="18" charset="0"/>
                                               <a:ea typeface="Cambria Math" panose="02040503050406030204" pitchFamily="18" charset="0"/>
                                             </a:rPr>
-                                            <m:t>;</m:t>
+                                            <m:t>+</m:t>
                                           </m:r>
+                                          <m:sSub>
+                                            <m:sSubPr>
+                                              <m:ctrlPr>
+                                                <a:rPr lang="it-IT" sz="1875" i="1">
+                                                  <a:latin typeface="Cambria Math" panose="02040503050406030204" pitchFamily="18" charset="0"/>
+                                                  <a:ea typeface="Cambria Math" panose="02040503050406030204" pitchFamily="18" charset="0"/>
+                                                </a:rPr>
+                                              </m:ctrlPr>
+                                            </m:sSubPr>
+                                            <m:e>
+                                              <m:r>
+                                                <a:rPr lang="it-IT" sz="1875" i="1">
+                                                  <a:latin typeface="Cambria Math" panose="02040503050406030204" pitchFamily="18" charset="0"/>
+                                                  <a:ea typeface="Cambria Math" panose="02040503050406030204" pitchFamily="18" charset="0"/>
+                                                </a:rPr>
+                                                <m:t>𝑐</m:t>
+                                              </m:r>
+                                            </m:e>
+                                            <m:sub>
+                                              <m:sSub>
+                                                <m:sSubPr>
+                                                  <m:ctrlPr>
+                                                    <a:rPr lang="it-IT" sz="1875" i="1">
+                                                      <a:latin typeface="Cambria Math" panose="02040503050406030204" pitchFamily="18" charset="0"/>
+                                                      <a:ea typeface="Cambria Math" panose="02040503050406030204" pitchFamily="18" charset="0"/>
+                                                    </a:rPr>
+                                                  </m:ctrlPr>
+                                                </m:sSubPr>
+                                                <m:e>
+                                                  <m:r>
+                                                    <a:rPr lang="it-IT" sz="1875" i="1">
+                                                      <a:latin typeface="Cambria Math" panose="02040503050406030204" pitchFamily="18" charset="0"/>
+                                                      <a:ea typeface="Cambria Math" panose="02040503050406030204" pitchFamily="18" charset="0"/>
+                                                    </a:rPr>
+                                                    <m:t>𝑖</m:t>
+                                                  </m:r>
+                                                </m:e>
+                                                <m:sub>
+                                                  <m:r>
+                                                    <a:rPr lang="it-IT" sz="1875" i="1">
+                                                      <a:latin typeface="Cambria Math" panose="02040503050406030204" pitchFamily="18" charset="0"/>
+                                                      <a:ea typeface="Cambria Math" panose="02040503050406030204" pitchFamily="18" charset="0"/>
+                                                    </a:rPr>
+                                                    <m:t>𝑧</m:t>
+                                                  </m:r>
+                                                </m:sub>
+                                              </m:sSub>
+                                              <m:r>
+                                                <a:rPr lang="it-IT" sz="1875" i="1">
+                                                  <a:latin typeface="Cambria Math" panose="02040503050406030204" pitchFamily="18" charset="0"/>
+                                                  <a:ea typeface="Cambria Math" panose="02040503050406030204" pitchFamily="18" charset="0"/>
+                                                </a:rPr>
+                                                <m:t>𝑗</m:t>
+                                              </m:r>
+                                            </m:sub>
+                                          </m:sSub>
+                                          <m:r>
+                                            <a:rPr lang="it-IT" sz="1875" i="1">
+                                              <a:latin typeface="Cambria Math" panose="02040503050406030204" pitchFamily="18" charset="0"/>
+                                              <a:ea typeface="Cambria Math" panose="02040503050406030204" pitchFamily="18" charset="0"/>
+                                            </a:rPr>
+                                            <m:t>, </m:t>
+                                          </m:r>
+                                          <m:r>
+                                            <a:rPr lang="it-IT" sz="1875" i="1">
+                                              <a:latin typeface="Cambria Math" panose="02040503050406030204" pitchFamily="18" charset="0"/>
+                                              <a:ea typeface="Cambria Math" panose="02040503050406030204" pitchFamily="18" charset="0"/>
+                                            </a:rPr>
+                                            <m:t>𝑉</m:t>
+                                          </m:r>
+                                          <m:r>
+                                            <a:rPr lang="it-IT" sz="1875" i="1">
+                                              <a:latin typeface="Cambria Math" panose="02040503050406030204" pitchFamily="18" charset="0"/>
+                                              <a:ea typeface="Cambria Math" panose="02040503050406030204" pitchFamily="18" charset="0"/>
+                                            </a:rPr>
+                                            <m:t>′</m:t>
+                                          </m:r>
+                                        </m:e>
+                                      </m:d>
+                                    </m:e>
+                                  </m:d>
+                                </m:e>
+                              </m:func>
+                              <m:r>
+                                <a:rPr lang="it-IT" sz="1875" b="0" i="1" smtClean="0">
+                                  <a:latin typeface="Cambria Math" panose="02040503050406030204" pitchFamily="18" charset="0"/>
+                                  <a:ea typeface="Cambria Math" panose="02040503050406030204" pitchFamily="18" charset="0"/>
+                                </a:rPr>
+                                <m:t>                                                            </m:t>
+                              </m:r>
+                            </m:e>
+                            <m:e/>
+                            <m:e>
+                              <m:func>
+                                <m:funcPr>
+                                  <m:ctrlPr>
+                                    <a:rPr lang="it-IT" sz="1875" i="1">
+                                      <a:latin typeface="Cambria Math" panose="02040503050406030204" pitchFamily="18" charset="0"/>
+                                      <a:ea typeface="Cambria Math" panose="02040503050406030204" pitchFamily="18" charset="0"/>
+                                    </a:rPr>
+                                  </m:ctrlPr>
+                                </m:funcPr>
+                                <m:fName>
+                                  <m:limLow>
+                                    <m:limLowPr>
+                                      <m:ctrlPr>
+                                        <a:rPr lang="it-IT" sz="1875" i="1">
+                                          <a:latin typeface="Cambria Math" panose="02040503050406030204" pitchFamily="18" charset="0"/>
+                                          <a:ea typeface="Cambria Math" panose="02040503050406030204" pitchFamily="18" charset="0"/>
+                                        </a:rPr>
+                                      </m:ctrlPr>
+                                    </m:limLowPr>
+                                    <m:e>
+                                      <m:r>
+                                        <m:rPr>
+                                          <m:sty m:val="p"/>
+                                        </m:rPr>
+                                        <a:rPr lang="it-IT" sz="1875">
+                                          <a:latin typeface="Cambria Math" panose="02040503050406030204" pitchFamily="18" charset="0"/>
+                                          <a:ea typeface="Cambria Math" panose="02040503050406030204" pitchFamily="18" charset="0"/>
+                                        </a:rPr>
+                                        <m:t>min</m:t>
+                                      </m:r>
+                                    </m:e>
+                                    <m:lim>
+                                      <m:r>
+                                        <a:rPr lang="it-IT" sz="1875" i="1">
+                                          <a:latin typeface="Cambria Math" panose="02040503050406030204" pitchFamily="18" charset="0"/>
+                                          <a:ea typeface="Cambria Math" panose="02040503050406030204" pitchFamily="18" charset="0"/>
+                                        </a:rPr>
+                                        <m:t>𝑧</m:t>
+                                      </m:r>
+                                      <m:r>
+                                        <a:rPr lang="it-IT" sz="1875" i="1">
+                                          <a:latin typeface="Cambria Math" panose="02040503050406030204" pitchFamily="18" charset="0"/>
+                                          <a:ea typeface="Cambria Math" panose="02040503050406030204" pitchFamily="18" charset="0"/>
+                                        </a:rPr>
+                                        <m:t>∈</m:t>
+                                      </m:r>
+                                      <m:d>
+                                        <m:dPr>
+                                          <m:begChr m:val="{"/>
+                                          <m:endChr m:val="}"/>
+                                          <m:ctrlPr>
+                                            <a:rPr lang="it-IT" sz="1875" i="1">
+                                              <a:latin typeface="Cambria Math" panose="02040503050406030204" pitchFamily="18" charset="0"/>
+                                              <a:ea typeface="Cambria Math" panose="02040503050406030204" pitchFamily="18" charset="0"/>
+                                            </a:rPr>
+                                          </m:ctrlPr>
+                                        </m:dPr>
+                                        <m:e>
+                                          <m:r>
+                                            <a:rPr lang="it-IT" sz="1875" i="1">
+                                              <a:latin typeface="Cambria Math" panose="02040503050406030204" pitchFamily="18" charset="0"/>
+                                              <a:ea typeface="Cambria Math" panose="02040503050406030204" pitchFamily="18" charset="0"/>
+                                            </a:rPr>
+                                            <m:t>1,…,</m:t>
+                                          </m:r>
+                                          <m:r>
+                                            <a:rPr lang="it-IT" sz="1875" i="1">
+                                              <a:latin typeface="Cambria Math" panose="02040503050406030204" pitchFamily="18" charset="0"/>
+                                              <a:ea typeface="Cambria Math" panose="02040503050406030204" pitchFamily="18" charset="0"/>
+                                            </a:rPr>
+                                            <m:t>𝑚</m:t>
+                                          </m:r>
+                                        </m:e>
+                                      </m:d>
+                                      <m:r>
+                                        <a:rPr lang="it-IT" sz="1875" i="1">
+                                          <a:latin typeface="Cambria Math" panose="02040503050406030204" pitchFamily="18" charset="0"/>
+                                          <a:ea typeface="Cambria Math" panose="02040503050406030204" pitchFamily="18" charset="0"/>
+                                        </a:rPr>
+                                        <m:t>;</m:t>
+                                      </m:r>
+                                      <m:sSub>
+                                        <m:sSubPr>
+                                          <m:ctrlPr>
+                                            <a:rPr lang="it-IT" sz="1875" i="1">
+                                              <a:latin typeface="Cambria Math" panose="02040503050406030204" pitchFamily="18" charset="0"/>
+                                              <a:ea typeface="Cambria Math" panose="02040503050406030204" pitchFamily="18" charset="0"/>
+                                            </a:rPr>
+                                          </m:ctrlPr>
+                                        </m:sSubPr>
+                                        <m:e>
+                                          <m:r>
+                                            <a:rPr lang="it-IT" sz="1875" i="1">
+                                              <a:latin typeface="Cambria Math" panose="02040503050406030204" pitchFamily="18" charset="0"/>
+                                              <a:ea typeface="Cambria Math" panose="02040503050406030204" pitchFamily="18" charset="0"/>
+                                            </a:rPr>
+                                            <m:t>𝑖</m:t>
+                                          </m:r>
+                                        </m:e>
+                                        <m:sub>
+                                          <m:r>
+                                            <a:rPr lang="it-IT" sz="1875" i="1">
+                                              <a:latin typeface="Cambria Math" panose="02040503050406030204" pitchFamily="18" charset="0"/>
+                                              <a:ea typeface="Cambria Math" panose="02040503050406030204" pitchFamily="18" charset="0"/>
+                                            </a:rPr>
+                                            <m:t>𝑧</m:t>
+                                          </m:r>
+                                        </m:sub>
+                                      </m:sSub>
+                                      <m:r>
+                                        <a:rPr lang="it-IT" sz="1875" i="1">
+                                          <a:latin typeface="Cambria Math" panose="02040503050406030204" pitchFamily="18" charset="0"/>
+                                          <a:ea typeface="Cambria Math" panose="02040503050406030204" pitchFamily="18" charset="0"/>
+                                        </a:rPr>
+                                        <m:t>≠0</m:t>
+                                      </m:r>
+                                    </m:lim>
+                                  </m:limLow>
+                                </m:fName>
+                                <m:e>
+                                  <m:r>
+                                    <a:rPr lang="it-IT" sz="1875" i="1">
+                                      <a:latin typeface="Cambria Math" panose="02040503050406030204" pitchFamily="18" charset="0"/>
+                                      <a:ea typeface="Cambria Math" panose="02040503050406030204" pitchFamily="18" charset="0"/>
+                                    </a:rPr>
+                                    <m:t>𝑚𝑎𝑥</m:t>
+                                  </m:r>
+                                  <m:d>
+                                    <m:dPr>
+                                      <m:ctrlPr>
+                                        <a:rPr lang="it-IT" sz="1875" i="1">
+                                          <a:latin typeface="Cambria Math" panose="02040503050406030204" pitchFamily="18" charset="0"/>
+                                          <a:ea typeface="Cambria Math" panose="02040503050406030204" pitchFamily="18" charset="0"/>
+                                        </a:rPr>
+                                      </m:ctrlPr>
+                                    </m:dPr>
+                                    <m:e>
+                                      <m:sSub>
+                                        <m:sSubPr>
+                                          <m:ctrlPr>
+                                            <a:rPr lang="it-IT" sz="1875" i="1">
+                                              <a:latin typeface="Cambria Math" panose="02040503050406030204" pitchFamily="18" charset="0"/>
+                                              <a:ea typeface="Cambria Math" panose="02040503050406030204" pitchFamily="18" charset="0"/>
+                                            </a:rPr>
+                                          </m:ctrlPr>
+                                        </m:sSubPr>
+                                        <m:e>
+                                          <m:r>
+                                            <a:rPr lang="it-IT" sz="1875" i="1">
+                                              <a:latin typeface="Cambria Math" panose="02040503050406030204" pitchFamily="18" charset="0"/>
+                                              <a:ea typeface="Cambria Math" panose="02040503050406030204" pitchFamily="18" charset="0"/>
+                                            </a:rPr>
+                                            <m:t>𝑝</m:t>
+                                          </m:r>
+                                        </m:e>
+                                        <m:sub>
+                                          <m:r>
+                                            <a:rPr lang="it-IT" sz="1875" i="1">
+                                              <a:latin typeface="Cambria Math" panose="02040503050406030204" pitchFamily="18" charset="0"/>
+                                              <a:ea typeface="Cambria Math" panose="02040503050406030204" pitchFamily="18" charset="0"/>
+                                            </a:rPr>
+                                            <m:t>𝑧</m:t>
+                                          </m:r>
+                                        </m:sub>
+                                      </m:sSub>
+                                      <m:r>
+                                        <a:rPr lang="it-IT" sz="1875" i="1">
+                                          <a:latin typeface="Cambria Math" panose="02040503050406030204" pitchFamily="18" charset="0"/>
+                                          <a:ea typeface="Cambria Math" panose="02040503050406030204" pitchFamily="18" charset="0"/>
+                                        </a:rPr>
+                                        <m:t>+</m:t>
+                                      </m:r>
+                                      <m:sSub>
+                                        <m:sSubPr>
+                                          <m:ctrlPr>
+                                            <a:rPr lang="it-IT" sz="1875" i="1">
+                                              <a:latin typeface="Cambria Math" panose="02040503050406030204" pitchFamily="18" charset="0"/>
+                                              <a:ea typeface="Cambria Math" panose="02040503050406030204" pitchFamily="18" charset="0"/>
+                                            </a:rPr>
+                                          </m:ctrlPr>
+                                        </m:sSubPr>
+                                        <m:e>
+                                          <m:r>
+                                            <a:rPr lang="it-IT" sz="1875" i="1">
+                                              <a:latin typeface="Cambria Math" panose="02040503050406030204" pitchFamily="18" charset="0"/>
+                                              <a:ea typeface="Cambria Math" panose="02040503050406030204" pitchFamily="18" charset="0"/>
+                                            </a:rPr>
+                                            <m:t>𝑐</m:t>
+                                          </m:r>
+                                        </m:e>
+                                        <m:sub>
                                           <m:sSub>
                                             <m:sSubPr>
                                               <m:ctrlPr>
@@ -6100,285 +6571,43 @@
                                             </m:sub>
                                           </m:sSub>
                                           <m:r>
-                                            <a:rPr lang="it-IT" sz="1875" i="1" smtClean="0">
-                                              <a:latin typeface="Cambria Math" panose="02040503050406030204" pitchFamily="18" charset="0"/>
-                                              <a:ea typeface="Cambria Math" panose="02040503050406030204" pitchFamily="18" charset="0"/>
-                                            </a:rPr>
-                                            <m:t>≠</m:t>
-                                          </m:r>
-                                          <m:r>
-                                            <a:rPr lang="it-IT" sz="1875" b="0" i="1" smtClean="0">
+                                            <a:rPr lang="it-IT" sz="1875" i="1">
                                               <a:latin typeface="Cambria Math" panose="02040503050406030204" pitchFamily="18" charset="0"/>
                                               <a:ea typeface="Cambria Math" panose="02040503050406030204" pitchFamily="18" charset="0"/>
                                             </a:rPr>
                                             <m:t>0</m:t>
                                           </m:r>
-                                        </m:lim>
-                                      </m:limLow>
-                                    </m:fName>
-                                    <m:e>
+                                        </m:sub>
+                                      </m:sSub>
                                       <m:r>
-                                        <a:rPr lang="it-IT" sz="1875" b="0" i="1" smtClean="0">
+                                        <a:rPr lang="it-IT" sz="1875" i="1">
                                           <a:latin typeface="Cambria Math" panose="02040503050406030204" pitchFamily="18" charset="0"/>
                                           <a:ea typeface="Cambria Math" panose="02040503050406030204" pitchFamily="18" charset="0"/>
                                         </a:rPr>
-                                        <m:t>𝑚𝑎𝑥</m:t>
+                                        <m:t>, </m:t>
                                       </m:r>
-                                      <m:d>
-                                        <m:dPr>
-                                          <m:ctrlPr>
-                                            <a:rPr lang="it-IT" sz="1875" b="0" i="1" smtClean="0">
-                                              <a:latin typeface="Cambria Math" panose="02040503050406030204" pitchFamily="18" charset="0"/>
-                                              <a:ea typeface="Cambria Math" panose="02040503050406030204" pitchFamily="18" charset="0"/>
-                                            </a:rPr>
-                                          </m:ctrlPr>
-                                        </m:dPr>
-                                        <m:e>
-                                          <m:sSub>
-                                            <m:sSubPr>
-                                              <m:ctrlPr>
-                                                <a:rPr lang="it-IT" sz="1875" b="0" i="1" smtClean="0">
-                                                  <a:latin typeface="Cambria Math" panose="02040503050406030204" pitchFamily="18" charset="0"/>
-                                                  <a:ea typeface="Cambria Math" panose="02040503050406030204" pitchFamily="18" charset="0"/>
-                                                </a:rPr>
-                                              </m:ctrlPr>
-                                            </m:sSubPr>
-                                            <m:e>
-                                              <m:r>
-                                                <a:rPr lang="it-IT" sz="1875" b="0" i="1" smtClean="0">
-                                                  <a:latin typeface="Cambria Math" panose="02040503050406030204" pitchFamily="18" charset="0"/>
-                                                  <a:ea typeface="Cambria Math" panose="02040503050406030204" pitchFamily="18" charset="0"/>
-                                                </a:rPr>
-                                                <m:t>𝑝</m:t>
-                                              </m:r>
-                                            </m:e>
-                                            <m:sub>
-                                              <m:r>
-                                                <a:rPr lang="it-IT" sz="1875" b="0" i="1" smtClean="0">
-                                                  <a:latin typeface="Cambria Math" panose="02040503050406030204" pitchFamily="18" charset="0"/>
-                                                  <a:ea typeface="Cambria Math" panose="02040503050406030204" pitchFamily="18" charset="0"/>
-                                                </a:rPr>
-                                                <m:t>𝑧</m:t>
-                                              </m:r>
-                                            </m:sub>
-                                          </m:sSub>
-                                          <m:r>
-                                            <a:rPr lang="it-IT" sz="1875" b="0" i="1" smtClean="0">
-                                              <a:latin typeface="Cambria Math" panose="02040503050406030204" pitchFamily="18" charset="0"/>
-                                              <a:ea typeface="Cambria Math" panose="02040503050406030204" pitchFamily="18" charset="0"/>
-                                            </a:rPr>
-                                            <m:t>+</m:t>
-                                          </m:r>
-                                          <m:sSub>
-                                            <m:sSubPr>
-                                              <m:ctrlPr>
-                                                <a:rPr lang="it-IT" sz="1875" b="0" i="1" smtClean="0">
-                                                  <a:latin typeface="Cambria Math" panose="02040503050406030204" pitchFamily="18" charset="0"/>
-                                                  <a:ea typeface="Cambria Math" panose="02040503050406030204" pitchFamily="18" charset="0"/>
-                                                </a:rPr>
-                                              </m:ctrlPr>
-                                            </m:sSubPr>
-                                            <m:e>
-                                              <m:r>
-                                                <a:rPr lang="it-IT" sz="1875" b="0" i="1" smtClean="0">
-                                                  <a:latin typeface="Cambria Math" panose="02040503050406030204" pitchFamily="18" charset="0"/>
-                                                  <a:ea typeface="Cambria Math" panose="02040503050406030204" pitchFamily="18" charset="0"/>
-                                                </a:rPr>
-                                                <m:t>𝑐</m:t>
-                                              </m:r>
-                                            </m:e>
-                                            <m:sub>
-                                              <m:sSub>
-                                                <m:sSubPr>
-                                                  <m:ctrlPr>
-                                                    <a:rPr lang="it-IT" sz="1875" b="0" i="1" smtClean="0">
-                                                      <a:latin typeface="Cambria Math" panose="02040503050406030204" pitchFamily="18" charset="0"/>
-                                                      <a:ea typeface="Cambria Math" panose="02040503050406030204" pitchFamily="18" charset="0"/>
-                                                    </a:rPr>
-                                                  </m:ctrlPr>
-                                                </m:sSubPr>
-                                                <m:e>
-                                                  <m:r>
-                                                    <a:rPr lang="it-IT" sz="1875" b="0" i="1" smtClean="0">
-                                                      <a:latin typeface="Cambria Math" panose="02040503050406030204" pitchFamily="18" charset="0"/>
-                                                      <a:ea typeface="Cambria Math" panose="02040503050406030204" pitchFamily="18" charset="0"/>
-                                                    </a:rPr>
-                                                    <m:t>𝑖</m:t>
-                                                  </m:r>
-                                                </m:e>
-                                                <m:sub>
-                                                  <m:r>
-                                                    <a:rPr lang="it-IT" sz="1875" b="0" i="1" smtClean="0">
-                                                      <a:latin typeface="Cambria Math" panose="02040503050406030204" pitchFamily="18" charset="0"/>
-                                                      <a:ea typeface="Cambria Math" panose="02040503050406030204" pitchFamily="18" charset="0"/>
-                                                    </a:rPr>
-                                                    <m:t>𝑧</m:t>
-                                                  </m:r>
-                                                </m:sub>
-                                              </m:sSub>
-                                              <m:r>
-                                                <a:rPr lang="it-IT" sz="1875" b="0" i="1" smtClean="0">
-                                                  <a:latin typeface="Cambria Math" panose="02040503050406030204" pitchFamily="18" charset="0"/>
-                                                  <a:ea typeface="Cambria Math" panose="02040503050406030204" pitchFamily="18" charset="0"/>
-                                                </a:rPr>
-                                                <m:t>0</m:t>
-                                              </m:r>
-                                            </m:sub>
-                                          </m:sSub>
-                                          <m:r>
-                                            <a:rPr lang="it-IT" sz="1875" b="0" i="1" smtClean="0">
-                                              <a:latin typeface="Cambria Math" panose="02040503050406030204" pitchFamily="18" charset="0"/>
-                                              <a:ea typeface="Cambria Math" panose="02040503050406030204" pitchFamily="18" charset="0"/>
-                                            </a:rPr>
-                                            <m:t>, </m:t>
-                                          </m:r>
-                                          <m:r>
-                                            <a:rPr lang="it-IT" sz="1875" b="0" i="1" smtClean="0">
-                                              <a:latin typeface="Cambria Math" panose="02040503050406030204" pitchFamily="18" charset="0"/>
-                                              <a:ea typeface="Cambria Math" panose="02040503050406030204" pitchFamily="18" charset="0"/>
-                                            </a:rPr>
-                                            <m:t>𝑉</m:t>
-                                          </m:r>
-                                          <m:r>
-                                            <a:rPr lang="it-IT" sz="1875" b="0" i="1" smtClean="0">
-                                              <a:latin typeface="Cambria Math" panose="02040503050406030204" pitchFamily="18" charset="0"/>
-                                              <a:ea typeface="Cambria Math" panose="02040503050406030204" pitchFamily="18" charset="0"/>
-                                            </a:rPr>
-                                            <m:t>′′′</m:t>
-                                          </m:r>
-                                        </m:e>
-                                      </m:d>
                                       <m:r>
-                                        <a:rPr lang="it-IT" sz="1875" b="0" i="1" smtClean="0">
+                                        <a:rPr lang="it-IT" sz="1875" i="1">
                                           <a:latin typeface="Cambria Math" panose="02040503050406030204" pitchFamily="18" charset="0"/>
                                           <a:ea typeface="Cambria Math" panose="02040503050406030204" pitchFamily="18" charset="0"/>
                                         </a:rPr>
-                                        <m:t>                </m:t>
+                                        <m:t>𝑉</m:t>
                                       </m:r>
                                       <m:r>
-                                        <a:rPr lang="it-IT" sz="1875" b="0" i="1" smtClean="0">
+                                        <a:rPr lang="it-IT" sz="1875" i="1">
                                           <a:latin typeface="Cambria Math" panose="02040503050406030204" pitchFamily="18" charset="0"/>
                                           <a:ea typeface="Cambria Math" panose="02040503050406030204" pitchFamily="18" charset="0"/>
                                         </a:rPr>
-                                        <m:t>𝑖𝑓</m:t>
-                                      </m:r>
-                                      <m:r>
-                                        <a:rPr lang="it-IT" sz="1875" b="0" i="1" smtClean="0">
-                                          <a:latin typeface="Cambria Math" panose="02040503050406030204" pitchFamily="18" charset="0"/>
-                                          <a:ea typeface="Cambria Math" panose="02040503050406030204" pitchFamily="18" charset="0"/>
-                                        </a:rPr>
-                                        <m:t> </m:t>
-                                      </m:r>
-                                      <m:r>
-                                        <a:rPr lang="it-IT" sz="1875" b="0" i="1" smtClean="0">
-                                          <a:latin typeface="Cambria Math" panose="02040503050406030204" pitchFamily="18" charset="0"/>
-                                          <a:ea typeface="Cambria Math" panose="02040503050406030204" pitchFamily="18" charset="0"/>
-                                        </a:rPr>
-                                        <m:t>𝑈</m:t>
-                                      </m:r>
-                                      <m:r>
-                                        <a:rPr lang="it-IT" sz="1875" b="0" i="1" smtClean="0">
-                                          <a:latin typeface="Cambria Math" panose="02040503050406030204" pitchFamily="18" charset="0"/>
-                                          <a:ea typeface="Cambria Math" panose="02040503050406030204" pitchFamily="18" charset="0"/>
-                                        </a:rPr>
-                                        <m:t> =∅,∃</m:t>
-                                      </m:r>
-                                      <m:r>
-                                        <a:rPr lang="it-IT" sz="1875" b="0" i="1" smtClean="0">
-                                          <a:latin typeface="Cambria Math" panose="02040503050406030204" pitchFamily="18" charset="0"/>
-                                          <a:ea typeface="Cambria Math" panose="02040503050406030204" pitchFamily="18" charset="0"/>
-                                        </a:rPr>
-                                        <m:t>𝑧</m:t>
-                                      </m:r>
-                                      <m:r>
-                                        <a:rPr lang="it-IT" sz="1875" b="0" i="1" smtClean="0">
-                                          <a:latin typeface="Cambria Math" panose="02040503050406030204" pitchFamily="18" charset="0"/>
-                                          <a:ea typeface="Cambria Math" panose="02040503050406030204" pitchFamily="18" charset="0"/>
-                                        </a:rPr>
-                                        <m:t>∈</m:t>
-                                      </m:r>
-                                      <m:d>
-                                        <m:dPr>
-                                          <m:begChr m:val="{"/>
-                                          <m:endChr m:val="}"/>
-                                          <m:ctrlPr>
-                                            <a:rPr lang="it-IT" sz="1875" b="0" i="1" smtClean="0">
-                                              <a:latin typeface="Cambria Math" panose="02040503050406030204" pitchFamily="18" charset="0"/>
-                                              <a:ea typeface="Cambria Math" panose="02040503050406030204" pitchFamily="18" charset="0"/>
-                                            </a:rPr>
-                                          </m:ctrlPr>
-                                        </m:dPr>
-                                        <m:e>
-                                          <m:r>
-                                            <a:rPr lang="it-IT" sz="1875" b="0" i="1" smtClean="0">
-                                              <a:latin typeface="Cambria Math" panose="02040503050406030204" pitchFamily="18" charset="0"/>
-                                              <a:ea typeface="Cambria Math" panose="02040503050406030204" pitchFamily="18" charset="0"/>
-                                            </a:rPr>
-                                            <m:t>1,…,</m:t>
-                                          </m:r>
-                                          <m:r>
-                                            <a:rPr lang="it-IT" sz="1875" b="0" i="1" smtClean="0">
-                                              <a:latin typeface="Cambria Math" panose="02040503050406030204" pitchFamily="18" charset="0"/>
-                                              <a:ea typeface="Cambria Math" panose="02040503050406030204" pitchFamily="18" charset="0"/>
-                                            </a:rPr>
-                                            <m:t>𝑚</m:t>
-                                          </m:r>
-                                        </m:e>
-                                      </m:d>
-                                      <m:r>
-                                        <a:rPr lang="it-IT" sz="1875" b="0" i="1" smtClean="0">
-                                          <a:latin typeface="Cambria Math" panose="02040503050406030204" pitchFamily="18" charset="0"/>
-                                          <a:ea typeface="Cambria Math" panose="02040503050406030204" pitchFamily="18" charset="0"/>
-                                        </a:rPr>
-                                        <m:t>:</m:t>
-                                      </m:r>
-                                      <m:sSub>
-                                        <m:sSubPr>
-                                          <m:ctrlPr>
-                                            <a:rPr lang="it-IT" sz="1875" b="0" i="1" smtClean="0">
-                                              <a:latin typeface="Cambria Math" panose="02040503050406030204" pitchFamily="18" charset="0"/>
-                                              <a:ea typeface="Cambria Math" panose="02040503050406030204" pitchFamily="18" charset="0"/>
-                                            </a:rPr>
-                                          </m:ctrlPr>
-                                        </m:sSubPr>
-                                        <m:e>
-                                          <m:r>
-                                            <a:rPr lang="it-IT" sz="1875" b="0" i="1" smtClean="0">
-                                              <a:latin typeface="Cambria Math" panose="02040503050406030204" pitchFamily="18" charset="0"/>
-                                              <a:ea typeface="Cambria Math" panose="02040503050406030204" pitchFamily="18" charset="0"/>
-                                            </a:rPr>
-                                            <m:t>𝑖</m:t>
-                                          </m:r>
-                                        </m:e>
-                                        <m:sub>
-                                          <m:r>
-                                            <a:rPr lang="it-IT" sz="1875" b="0" i="1" smtClean="0">
-                                              <a:latin typeface="Cambria Math" panose="02040503050406030204" pitchFamily="18" charset="0"/>
-                                              <a:ea typeface="Cambria Math" panose="02040503050406030204" pitchFamily="18" charset="0"/>
-                                            </a:rPr>
-                                            <m:t>𝑧</m:t>
-                                          </m:r>
-                                        </m:sub>
-                                      </m:sSub>
-                                      <m:r>
-                                        <a:rPr lang="it-IT" sz="1875" b="0" i="1" smtClean="0">
-                                          <a:latin typeface="Cambria Math" panose="02040503050406030204" pitchFamily="18" charset="0"/>
-                                          <a:ea typeface="Cambria Math" panose="02040503050406030204" pitchFamily="18" charset="0"/>
-                                        </a:rPr>
-                                        <m:t>≠0</m:t>
+                                        <m:t>′′′</m:t>
                                       </m:r>
                                     </m:e>
-                                  </m:func>
-                                </m:e>
-                                <m:e/>
-                                <m:e/>
-                                <m:e>
-                                  <m:r>
-                                    <a:rPr lang="it-IT" sz="1875" b="0" i="1" smtClean="0">
+                                  </m:d>
+                                  <m:r>
+                                    <a:rPr lang="it-IT" sz="1875" i="1">
                                       <a:latin typeface="Cambria Math" panose="02040503050406030204" pitchFamily="18" charset="0"/>
                                       <a:ea typeface="Cambria Math" panose="02040503050406030204" pitchFamily="18" charset="0"/>
                                     </a:rPr>
-                                    <m:t>0                                                                           </m:t>
+                                    <m:t>                </m:t>
                                   </m:r>
                                   <m:r>
                                     <a:rPr lang="it-IT" sz="1875" i="1">
@@ -6406,7 +6635,7 @@
                                       <a:latin typeface="Cambria Math" panose="02040503050406030204" pitchFamily="18" charset="0"/>
                                       <a:ea typeface="Cambria Math" panose="02040503050406030204" pitchFamily="18" charset="0"/>
                                     </a:rPr>
-                                    <m:t> =∅,∄</m:t>
+                                    <m:t> =∅,∃</m:t>
                                   </m:r>
                                   <m:r>
                                     <a:rPr lang="it-IT" sz="1875" i="1">
@@ -6490,19 +6719,140 @@
                                       <a:latin typeface="Cambria Math" panose="02040503050406030204" pitchFamily="18" charset="0"/>
                                       <a:ea typeface="Cambria Math" panose="02040503050406030204" pitchFamily="18" charset="0"/>
                                     </a:rPr>
-                                    <m:t>≠</m:t>
-                                  </m:r>
-                                  <m:r>
-                                    <a:rPr lang="it-IT" sz="1875" b="0" i="1" smtClean="0">
-                                      <a:latin typeface="Cambria Math" panose="02040503050406030204" pitchFamily="18" charset="0"/>
-                                      <a:ea typeface="Cambria Math" panose="02040503050406030204" pitchFamily="18" charset="0"/>
-                                    </a:rPr>
-                                    <m:t>0</m:t>
+                                    <m:t>≠0</m:t>
                                   </m:r>
                                 </m:e>
-                              </m:eqArr>
+                              </m:func>
                             </m:e>
                             <m:e/>
+                            <m:e>
+                              <m:r>
+                                <a:rPr lang="it-IT" sz="1875" i="1">
+                                  <a:latin typeface="Cambria Math" panose="02040503050406030204" pitchFamily="18" charset="0"/>
+                                  <a:ea typeface="Cambria Math" panose="02040503050406030204" pitchFamily="18" charset="0"/>
+                                </a:rPr>
+                                <m:t>0                                                                           </m:t>
+                              </m:r>
+                              <m:r>
+                                <a:rPr lang="it-IT" sz="1875" i="1">
+                                  <a:latin typeface="Cambria Math" panose="02040503050406030204" pitchFamily="18" charset="0"/>
+                                  <a:ea typeface="Cambria Math" panose="02040503050406030204" pitchFamily="18" charset="0"/>
+                                </a:rPr>
+                                <m:t>𝑖𝑓</m:t>
+                              </m:r>
+                              <m:r>
+                                <a:rPr lang="it-IT" sz="1875" i="1">
+                                  <a:latin typeface="Cambria Math" panose="02040503050406030204" pitchFamily="18" charset="0"/>
+                                  <a:ea typeface="Cambria Math" panose="02040503050406030204" pitchFamily="18" charset="0"/>
+                                </a:rPr>
+                                <m:t> </m:t>
+                              </m:r>
+                              <m:r>
+                                <a:rPr lang="it-IT" sz="1875" i="1">
+                                  <a:latin typeface="Cambria Math" panose="02040503050406030204" pitchFamily="18" charset="0"/>
+                                  <a:ea typeface="Cambria Math" panose="02040503050406030204" pitchFamily="18" charset="0"/>
+                                </a:rPr>
+                                <m:t>𝑈</m:t>
+                              </m:r>
+                              <m:r>
+                                <a:rPr lang="it-IT" sz="1875" i="1">
+                                  <a:latin typeface="Cambria Math" panose="02040503050406030204" pitchFamily="18" charset="0"/>
+                                  <a:ea typeface="Cambria Math" panose="02040503050406030204" pitchFamily="18" charset="0"/>
+                                </a:rPr>
+                                <m:t> =∅,∄</m:t>
+                              </m:r>
+                              <m:r>
+                                <a:rPr lang="it-IT" sz="1875" i="1">
+                                  <a:latin typeface="Cambria Math" panose="02040503050406030204" pitchFamily="18" charset="0"/>
+                                  <a:ea typeface="Cambria Math" panose="02040503050406030204" pitchFamily="18" charset="0"/>
+                                </a:rPr>
+                                <m:t>𝑧</m:t>
+                              </m:r>
+                              <m:r>
+                                <a:rPr lang="it-IT" sz="1875" i="1">
+                                  <a:latin typeface="Cambria Math" panose="02040503050406030204" pitchFamily="18" charset="0"/>
+                                  <a:ea typeface="Cambria Math" panose="02040503050406030204" pitchFamily="18" charset="0"/>
+                                </a:rPr>
+                                <m:t>∈</m:t>
+                              </m:r>
+                              <m:d>
+                                <m:dPr>
+                                  <m:begChr m:val="{"/>
+                                  <m:endChr m:val="}"/>
+                                  <m:ctrlPr>
+                                    <a:rPr lang="it-IT" sz="1875" i="1">
+                                      <a:latin typeface="Cambria Math" panose="02040503050406030204" pitchFamily="18" charset="0"/>
+                                      <a:ea typeface="Cambria Math" panose="02040503050406030204" pitchFamily="18" charset="0"/>
+                                    </a:rPr>
+                                  </m:ctrlPr>
+                                </m:dPr>
+                                <m:e>
+                                  <m:r>
+                                    <a:rPr lang="it-IT" sz="1875" i="1">
+                                      <a:latin typeface="Cambria Math" panose="02040503050406030204" pitchFamily="18" charset="0"/>
+                                      <a:ea typeface="Cambria Math" panose="02040503050406030204" pitchFamily="18" charset="0"/>
+                                    </a:rPr>
+                                    <m:t>1,…,</m:t>
+                                  </m:r>
+                                  <m:r>
+                                    <a:rPr lang="it-IT" sz="1875" i="1">
+                                      <a:latin typeface="Cambria Math" panose="02040503050406030204" pitchFamily="18" charset="0"/>
+                                      <a:ea typeface="Cambria Math" panose="02040503050406030204" pitchFamily="18" charset="0"/>
+                                    </a:rPr>
+                                    <m:t>𝑚</m:t>
+                                  </m:r>
+                                </m:e>
+                              </m:d>
+                              <m:r>
+                                <a:rPr lang="it-IT" sz="1875" i="1">
+                                  <a:latin typeface="Cambria Math" panose="02040503050406030204" pitchFamily="18" charset="0"/>
+                                  <a:ea typeface="Cambria Math" panose="02040503050406030204" pitchFamily="18" charset="0"/>
+                                </a:rPr>
+                                <m:t>:</m:t>
+                              </m:r>
+                              <m:sSub>
+                                <m:sSubPr>
+                                  <m:ctrlPr>
+                                    <a:rPr lang="it-IT" sz="1875" i="1">
+                                      <a:latin typeface="Cambria Math" panose="02040503050406030204" pitchFamily="18" charset="0"/>
+                                      <a:ea typeface="Cambria Math" panose="02040503050406030204" pitchFamily="18" charset="0"/>
+                                    </a:rPr>
+                                  </m:ctrlPr>
+                                </m:sSubPr>
+                                <m:e>
+                                  <m:r>
+                                    <a:rPr lang="it-IT" sz="1875" i="1">
+                                      <a:latin typeface="Cambria Math" panose="02040503050406030204" pitchFamily="18" charset="0"/>
+                                      <a:ea typeface="Cambria Math" panose="02040503050406030204" pitchFamily="18" charset="0"/>
+                                    </a:rPr>
+                                    <m:t>𝑖</m:t>
+                                  </m:r>
+                                </m:e>
+                                <m:sub>
+                                  <m:r>
+                                    <a:rPr lang="it-IT" sz="1875" i="1">
+                                      <a:latin typeface="Cambria Math" panose="02040503050406030204" pitchFamily="18" charset="0"/>
+                                      <a:ea typeface="Cambria Math" panose="02040503050406030204" pitchFamily="18" charset="0"/>
+                                    </a:rPr>
+                                    <m:t>𝑧</m:t>
+                                  </m:r>
+                                </m:sub>
+                              </m:sSub>
+                              <m:r>
+                                <a:rPr lang="it-IT" sz="1875" i="1" smtClean="0">
+                                  <a:latin typeface="Cambria Math" panose="02040503050406030204" pitchFamily="18" charset="0"/>
+                                  <a:ea typeface="Cambria Math" panose="02040503050406030204" pitchFamily="18" charset="0"/>
+                                </a:rPr>
+                                <m:t>≠</m:t>
+                              </m:r>
+                              <m:r>
+                                <a:rPr lang="it-IT" sz="1875" b="0" i="1" smtClean="0">
+                                  <a:latin typeface="Cambria Math" panose="02040503050406030204" pitchFamily="18" charset="0"/>
+                                  <a:ea typeface="Cambria Math" panose="02040503050406030204" pitchFamily="18" charset="0"/>
+                                </a:rPr>
+                                <m:t>0</m:t>
+                              </m:r>
+                            </m:e>
                           </m:eqArr>
                         </m:e>
                       </m:d>
@@ -7241,17 +7591,13 @@
                     </m:oMath>
                   </m:oMathPara>
                 </a14:m>
-                <a:endParaRPr lang="it-IT" sz="1875" b="0" dirty="0">
-                  <a:ea typeface="Cambria Math" panose="02040503050406030204" pitchFamily="18" charset="0"/>
-                </a:endParaRPr>
+                <a:endParaRPr lang="it-IT" sz="1875" b="0" dirty="0"/>
               </a:p>
               <a:p>
                 <a:pPr marL="0" indent="0">
                   <a:buNone/>
                 </a:pPr>
-                <a:endParaRPr lang="it-IT" sz="1875" b="0" dirty="0">
-                  <a:ea typeface="Cambria Math" panose="02040503050406030204" pitchFamily="18" charset="0"/>
-                </a:endParaRPr>
+                <a:endParaRPr lang="it-IT" sz="1875" b="0" dirty="0"/>
               </a:p>
               <a:p>
                 <a:pPr marL="0" indent="0">
@@ -7266,14 +7612,14 @@
                       <m:sSup>
                         <m:sSupPr>
                           <m:ctrlPr>
-                            <a:rPr lang="it-IT" sz="1875" i="1">
+                            <a:rPr lang="it-IT" sz="1875" b="0" i="1" smtClean="0">
                               <a:latin typeface="Cambria Math" panose="02040503050406030204" pitchFamily="18" charset="0"/>
                             </a:rPr>
                           </m:ctrlPr>
                         </m:sSupPr>
                         <m:e>
                           <m:r>
-                            <a:rPr lang="it-IT" sz="1875" i="1">
+                            <a:rPr lang="it-IT" sz="1875" b="0" i="1" smtClean="0">
                               <a:latin typeface="Cambria Math" panose="02040503050406030204" pitchFamily="18" charset="0"/>
                             </a:rPr>
                             <m:t>𝑉</m:t>
@@ -7281,22 +7627,28 @@
                         </m:e>
                         <m:sup>
                           <m:r>
-                            <a:rPr lang="it-IT" sz="1875" i="1">
+                            <a:rPr lang="it-IT" sz="1875" b="0" i="1" smtClean="0">
                               <a:latin typeface="Cambria Math" panose="02040503050406030204" pitchFamily="18" charset="0"/>
                             </a:rPr>
-                            <m:t>′′</m:t>
+                            <m:t>′</m:t>
+                          </m:r>
+                          <m:r>
+                            <a:rPr lang="it-IT" sz="1875" b="0" i="1" smtClean="0">
+                              <a:latin typeface="Cambria Math" panose="02040503050406030204" pitchFamily="18" charset="0"/>
+                            </a:rPr>
+                            <m:t>′</m:t>
                           </m:r>
                         </m:sup>
                       </m:sSup>
                       <m:r>
-                        <a:rPr lang="it-IT" sz="1875" i="1">
+                        <a:rPr lang="it-IT" sz="1875" b="0" i="1" smtClean="0">
                           <a:latin typeface="Cambria Math" panose="02040503050406030204" pitchFamily="18" charset="0"/>
                           <a:ea typeface="Cambria Math" panose="02040503050406030204" pitchFamily="18" charset="0"/>
                         </a:rPr>
                         <m:t>=</m:t>
                       </m:r>
                       <m:r>
-                        <a:rPr lang="it-IT" sz="1875" i="1">
+                        <a:rPr lang="it-IT" sz="1875" b="0" i="1" smtClean="0">
                           <a:latin typeface="Cambria Math" panose="02040503050406030204" pitchFamily="18" charset="0"/>
                           <a:ea typeface="Cambria Math" panose="02040503050406030204" pitchFamily="18" charset="0"/>
                         </a:rPr>
@@ -7305,7 +7657,7 @@
                       <m:d>
                         <m:dPr>
                           <m:ctrlPr>
-                            <a:rPr lang="it-IT" sz="1875" i="1">
+                            <a:rPr lang="it-IT" sz="1875" b="0" i="1" smtClean="0">
                               <a:latin typeface="Cambria Math" panose="02040503050406030204" pitchFamily="18" charset="0"/>
                               <a:ea typeface="Cambria Math" panose="02040503050406030204" pitchFamily="18" charset="0"/>
                             </a:rPr>
@@ -7313,14 +7665,14 @@
                         </m:dPr>
                         <m:e>
                           <m:r>
-                            <a:rPr lang="it-IT" sz="1875" i="1">
+                            <a:rPr lang="it-IT" sz="1875" b="0" i="1" smtClean="0">
                               <a:latin typeface="Cambria Math" panose="02040503050406030204" pitchFamily="18" charset="0"/>
                               <a:ea typeface="Cambria Math" panose="02040503050406030204" pitchFamily="18" charset="0"/>
                             </a:rPr>
                             <m:t>𝑈</m:t>
                           </m:r>
                           <m:r>
-                            <a:rPr lang="it-IT" sz="1875" i="1">
+                            <a:rPr lang="it-IT" sz="1875" b="0" i="1" smtClean="0">
                               <a:latin typeface="Cambria Math" panose="02040503050406030204" pitchFamily="18" charset="0"/>
                               <a:ea typeface="Cambria Math" panose="02040503050406030204" pitchFamily="18" charset="0"/>
                             </a:rPr>
@@ -7331,7 +7683,7 @@
                               <m:begChr m:val="{"/>
                               <m:endChr m:val="}"/>
                               <m:ctrlPr>
-                                <a:rPr lang="it-IT" sz="1875" i="1">
+                                <a:rPr lang="it-IT" sz="1875" b="0" i="1" smtClean="0">
                                   <a:latin typeface="Cambria Math" panose="02040503050406030204" pitchFamily="18" charset="0"/>
                                   <a:ea typeface="Cambria Math" panose="02040503050406030204" pitchFamily="18" charset="0"/>
                                 </a:rPr>
@@ -7339,7 +7691,7 @@
                             </m:dPr>
                             <m:e>
                               <m:r>
-                                <a:rPr lang="it-IT" sz="1875" i="1">
+                                <a:rPr lang="it-IT" sz="1875" b="0" i="1" smtClean="0">
                                   <a:latin typeface="Cambria Math" panose="02040503050406030204" pitchFamily="18" charset="0"/>
                                   <a:ea typeface="Cambria Math" panose="02040503050406030204" pitchFamily="18" charset="0"/>
                                 </a:rPr>
@@ -7348,7 +7700,7 @@
                             </m:e>
                           </m:d>
                           <m:r>
-                            <a:rPr lang="it-IT" sz="1875" i="1">
+                            <a:rPr lang="it-IT" sz="1875" b="0" i="1" smtClean="0">
                               <a:latin typeface="Cambria Math" panose="02040503050406030204" pitchFamily="18" charset="0"/>
                               <a:ea typeface="Cambria Math" panose="02040503050406030204" pitchFamily="18" charset="0"/>
                             </a:rPr>
@@ -7414,13 +7766,13 @@
                                 </m:e>
                                 <m:sub>
                                   <m:r>
-                                    <a:rPr lang="it-IT" sz="1875" i="1">
+                                    <a:rPr lang="it-IT" sz="1875" b="0" i="1" smtClean="0">
                                       <a:latin typeface="Cambria Math" panose="02040503050406030204" pitchFamily="18" charset="0"/>
                                     </a:rPr>
                                     <m:t>𝑧</m:t>
                                   </m:r>
                                   <m:r>
-                                    <a:rPr lang="it-IT" sz="1875" i="1">
+                                    <a:rPr lang="it-IT" sz="1875" b="0" i="1" smtClean="0">
                                       <a:latin typeface="Cambria Math" panose="02040503050406030204" pitchFamily="18" charset="0"/>
                                     </a:rPr>
                                     <m:t>−1</m:t>
@@ -7428,19 +7780,19 @@
                                 </m:sub>
                               </m:sSub>
                               <m:r>
-                                <a:rPr lang="it-IT" sz="1875" i="1">
+                                <a:rPr lang="it-IT" sz="1875" b="0" i="1" smtClean="0">
                                   <a:latin typeface="Cambria Math" panose="02040503050406030204" pitchFamily="18" charset="0"/>
                                 </a:rPr>
                                 <m:t>,</m:t>
                               </m:r>
                               <m:r>
-                                <a:rPr lang="it-IT" sz="1875" i="1">
+                                <a:rPr lang="it-IT" sz="1875" b="0" i="1" smtClean="0">
                                   <a:latin typeface="Cambria Math" panose="02040503050406030204" pitchFamily="18" charset="0"/>
                                 </a:rPr>
                                 <m:t>𝑗</m:t>
                               </m:r>
                               <m:r>
-                                <a:rPr lang="it-IT" sz="1875" i="1">
+                                <a:rPr lang="it-IT" sz="1875" b="0" i="1" smtClean="0">
                                   <a:latin typeface="Cambria Math" panose="02040503050406030204" pitchFamily="18" charset="0"/>
                                 </a:rPr>
                                 <m:t>,</m:t>
@@ -7463,13 +7815,13 @@
                                 </m:e>
                                 <m:sub>
                                   <m:r>
-                                    <a:rPr lang="it-IT" sz="1875" i="1">
+                                    <a:rPr lang="it-IT" sz="1875" b="0" i="1" smtClean="0">
                                       <a:latin typeface="Cambria Math" panose="02040503050406030204" pitchFamily="18" charset="0"/>
                                     </a:rPr>
                                     <m:t>𝑧</m:t>
                                   </m:r>
                                   <m:r>
-                                    <a:rPr lang="it-IT" sz="1875" i="1">
+                                    <a:rPr lang="it-IT" sz="1875" b="0" i="1" smtClean="0">
                                       <a:latin typeface="Cambria Math" panose="02040503050406030204" pitchFamily="18" charset="0"/>
                                     </a:rPr>
                                     <m:t>+1</m:t>
@@ -7500,7 +7852,7 @@
                                 </m:e>
                                 <m:sub>
                                   <m:r>
-                                    <a:rPr lang="it-IT" sz="1875" i="1">
+                                    <a:rPr lang="it-IT" sz="1875" b="0" i="1" smtClean="0">
                                       <a:latin typeface="Cambria Math" panose="02040503050406030204" pitchFamily="18" charset="0"/>
                                     </a:rPr>
                                     <m:t>𝑚</m:t>
@@ -7536,7 +7888,7 @@
                                 </m:sSubPr>
                                 <m:e>
                                   <m:r>
-                                    <a:rPr lang="it-IT" sz="1875" i="1">
+                                    <a:rPr lang="it-IT" sz="1875" b="0" i="1" smtClean="0">
                                       <a:latin typeface="Cambria Math" panose="02040503050406030204" pitchFamily="18" charset="0"/>
                                     </a:rPr>
                                     <m:t>𝑙</m:t>
@@ -7567,7 +7919,7 @@
                                 </m:sSubPr>
                                 <m:e>
                                   <m:r>
-                                    <a:rPr lang="it-IT" sz="1875" i="1">
+                                    <a:rPr lang="it-IT" sz="1875" b="0" i="1" smtClean="0">
                                       <a:latin typeface="Cambria Math" panose="02040503050406030204" pitchFamily="18" charset="0"/>
                                     </a:rPr>
                                     <m:t>𝑙</m:t>
@@ -7603,14 +7955,14 @@
                               <m:sSub>
                                 <m:sSubPr>
                                   <m:ctrlPr>
-                                    <a:rPr lang="it-IT" sz="1875" i="1">
+                                    <a:rPr lang="it-IT" sz="1875" b="0" i="1" smtClean="0">
                                       <a:latin typeface="Cambria Math" panose="02040503050406030204" pitchFamily="18" charset="0"/>
                                     </a:rPr>
                                   </m:ctrlPr>
                                 </m:sSubPr>
                                 <m:e>
                                   <m:r>
-                                    <a:rPr lang="it-IT" sz="1875" i="1">
+                                    <a:rPr lang="it-IT" sz="1875" b="0" i="1" smtClean="0">
                                       <a:latin typeface="Cambria Math" panose="02040503050406030204" pitchFamily="18" charset="0"/>
                                     </a:rPr>
                                     <m:t>𝑑</m:t>
@@ -7618,7 +7970,7 @@
                                 </m:e>
                                 <m:sub>
                                   <m:r>
-                                    <a:rPr lang="it-IT" sz="1875" i="1">
+                                    <a:rPr lang="it-IT" sz="1875" b="0" i="1" smtClean="0">
                                       <a:latin typeface="Cambria Math" panose="02040503050406030204" pitchFamily="18" charset="0"/>
                                     </a:rPr>
                                     <m:t>𝑗</m:t>
@@ -7641,7 +7993,7 @@
                                 </m:sSubPr>
                                 <m:e>
                                   <m:r>
-                                    <a:rPr lang="it-IT" sz="1875" i="1">
+                                    <a:rPr lang="it-IT" sz="1875" b="0" i="1" smtClean="0">
                                       <a:latin typeface="Cambria Math" panose="02040503050406030204" pitchFamily="18" charset="0"/>
                                     </a:rPr>
                                     <m:t>𝑙</m:t>
@@ -7678,7 +8030,7 @@
                                 </m:sSubPr>
                                 <m:e>
                                   <m:r>
-                                    <a:rPr lang="it-IT" sz="1875" i="1">
+                                    <a:rPr lang="it-IT" sz="1875" b="0" i="1" smtClean="0">
                                       <a:latin typeface="Cambria Math" panose="02040503050406030204" pitchFamily="18" charset="0"/>
                                     </a:rPr>
                                     <m:t>𝑙</m:t>
@@ -7722,7 +8074,7 @@
                                 </m:sSubPr>
                                 <m:e>
                                   <m:r>
-                                    <a:rPr lang="it-IT" sz="1875" i="1">
+                                    <a:rPr lang="it-IT" sz="1875" b="0" i="1" smtClean="0">
                                       <a:latin typeface="Cambria Math" panose="02040503050406030204" pitchFamily="18" charset="0"/>
                                     </a:rPr>
                                     <m:t>𝑝</m:t>
@@ -7753,7 +8105,7 @@
                                 </m:sSubPr>
                                 <m:e>
                                   <m:r>
-                                    <a:rPr lang="it-IT" sz="1875" i="1">
+                                    <a:rPr lang="it-IT" sz="1875" b="0" i="1" smtClean="0">
                                       <a:latin typeface="Cambria Math" panose="02040503050406030204" pitchFamily="18" charset="0"/>
                                     </a:rPr>
                                     <m:t>𝑝</m:t>
@@ -7796,7 +8148,7 @@
                                 </m:sSubPr>
                                 <m:e>
                                   <m:r>
-                                    <a:rPr lang="it-IT" sz="1875" i="1">
+                                    <a:rPr lang="it-IT" sz="1875" b="0" i="1" smtClean="0">
                                       <a:latin typeface="Cambria Math" panose="02040503050406030204" pitchFamily="18" charset="0"/>
                                     </a:rPr>
                                     <m:t>𝑐</m:t>
@@ -7804,7 +8156,7 @@
                                 </m:e>
                                 <m:sub>
                                   <m:r>
-                                    <a:rPr lang="it-IT" sz="1875" b="0" i="1" smtClean="0">
+                                    <a:rPr lang="it-IT" sz="1875" i="1" smtClean="0">
                                       <a:latin typeface="Cambria Math" panose="02040503050406030204" pitchFamily="18" charset="0"/>
                                     </a:rPr>
                                     <m:t>0</m:t>
@@ -7833,7 +8185,7 @@
                                 </m:sSubPr>
                                 <m:e>
                                   <m:r>
-                                    <a:rPr lang="it-IT" sz="1875" i="1">
+                                    <a:rPr lang="it-IT" sz="1875" b="0" i="1" smtClean="0">
                                       <a:latin typeface="Cambria Math" panose="02040503050406030204" pitchFamily="18" charset="0"/>
                                     </a:rPr>
                                     <m:t>𝑝</m:t>
@@ -7870,7 +8222,7 @@
                                 </m:sSubPr>
                                 <m:e>
                                   <m:r>
-                                    <a:rPr lang="it-IT" sz="1875" i="1">
+                                    <a:rPr lang="it-IT" sz="1875" b="0" i="1" smtClean="0">
                                       <a:latin typeface="Cambria Math" panose="02040503050406030204" pitchFamily="18" charset="0"/>
                                     </a:rPr>
                                     <m:t>𝑝</m:t>
@@ -7894,7 +8246,7 @@
                             <m:t>,</m:t>
                           </m:r>
                           <m:r>
-                            <a:rPr lang="it-IT" sz="1875" i="1">
+                            <a:rPr lang="it-IT" sz="1875" b="0" i="1" smtClean="0">
                               <a:latin typeface="Cambria Math" panose="02040503050406030204" pitchFamily="18" charset="0"/>
                             </a:rPr>
                             <m:t>𝑘</m:t>
@@ -8471,7 +8823,7 @@
               <p:cNvPr id="4" name="テキスト ボックス 5">
                 <a:extLst>
                   <a:ext uri="{FF2B5EF4-FFF2-40B4-BE49-F238E27FC236}">
-                    <a16:creationId xmlns:a16="http://schemas.microsoft.com/office/drawing/2014/main" id="{F0F1726E-96EE-CD05-89C3-14B5F78C5C56}"/>
+                    <a16:creationId xmlns:a16="http://schemas.microsoft.com/office/drawing/2014/main" id="{744297B1-BB1F-216D-9737-EF9CC9E66E85}"/>
                   </a:ext>
                 </a:extLst>
               </p:cNvPr>
@@ -8485,7 +8837,7 @@
             <p:spPr>
               <a:xfrm>
                 <a:off x="125185" y="1034144"/>
-                <a:ext cx="11941629" cy="5716501"/>
+                <a:ext cx="11941629" cy="5669052"/>
               </a:xfrm>
               <a:prstGeom prst="rect">
                 <a:avLst/>
@@ -8493,7 +8845,283 @@
               <a:blipFill>
                 <a:blip r:embed="rId2"/>
                 <a:stretch>
-                  <a:fillRect l="-868" t="-534" b="-107"/>
+                  <a:fillRect l="-868" t="-538"/>
+                </a:stretch>
+              </a:blipFill>
+            </p:spPr>
+            <p:txBody>
+              <a:bodyPr/>
+              <a:lstStyle/>
+              <a:p>
+                <a:r>
+                  <a:rPr lang="it-IT">
+                    <a:noFill/>
+                  </a:rPr>
+                  <a:t> </a:t>
+                </a:r>
+              </a:p>
+            </p:txBody>
+          </p:sp>
+        </mc:Fallback>
+      </mc:AlternateContent>
+      <mc:AlternateContent xmlns:mc="http://schemas.openxmlformats.org/markup-compatibility/2006">
+        <mc:Choice xmlns:a14="http://schemas.microsoft.com/office/drawing/2010/main" Requires="a14">
+          <p:sp>
+            <p:nvSpPr>
+              <p:cNvPr id="3" name="CasellaDiTesto 2">
+                <a:extLst>
+                  <a:ext uri="{FF2B5EF4-FFF2-40B4-BE49-F238E27FC236}">
+                    <a16:creationId xmlns:a16="http://schemas.microsoft.com/office/drawing/2014/main" id="{6FC46E46-1747-1D22-0A99-25208714EB38}"/>
+                  </a:ext>
+                </a:extLst>
+              </p:cNvPr>
+              <p:cNvSpPr txBox="1"/>
+              <p:nvPr/>
+            </p:nvSpPr>
+            <p:spPr>
+              <a:xfrm>
+                <a:off x="9764486" y="2007204"/>
+                <a:ext cx="2302328" cy="369332"/>
+              </a:xfrm>
+              <a:prstGeom prst="rect">
+                <a:avLst/>
+              </a:prstGeom>
+              <a:noFill/>
+            </p:spPr>
+            <p:txBody>
+              <a:bodyPr wrap="square" rtlCol="0">
+                <a:spAutoFit/>
+              </a:bodyPr>
+              <a:lstStyle/>
+              <a:p>
+                <a14:m>
+                  <m:oMathPara xmlns:m="http://schemas.openxmlformats.org/officeDocument/2006/math">
+                    <m:oMathParaPr>
+                      <m:jc m:val="centerGroup"/>
+                    </m:oMathParaPr>
+                    <m:oMath xmlns:m="http://schemas.openxmlformats.org/officeDocument/2006/math">
+                      <m:r>
+                        <a:rPr lang="it-IT" sz="1800" b="0" i="1" smtClean="0">
+                          <a:latin typeface="Cambria Math" panose="02040503050406030204" pitchFamily="18" charset="0"/>
+                          <a:ea typeface="Cambria Math" panose="02040503050406030204" pitchFamily="18" charset="0"/>
+                        </a:rPr>
+                        <m:t>𝑖𝑓</m:t>
+                      </m:r>
+                      <m:r>
+                        <a:rPr lang="it-IT" sz="1800" b="0" i="1" smtClean="0">
+                          <a:latin typeface="Cambria Math" panose="02040503050406030204" pitchFamily="18" charset="0"/>
+                          <a:ea typeface="Cambria Math" panose="02040503050406030204" pitchFamily="18" charset="0"/>
+                        </a:rPr>
+                        <m:t> </m:t>
+                      </m:r>
+                      <m:r>
+                        <a:rPr lang="it-IT" sz="1800" b="0" i="1" smtClean="0">
+                          <a:latin typeface="Cambria Math" panose="02040503050406030204" pitchFamily="18" charset="0"/>
+                          <a:ea typeface="Cambria Math" panose="02040503050406030204" pitchFamily="18" charset="0"/>
+                        </a:rPr>
+                        <m:t>𝑈</m:t>
+                      </m:r>
+                      <m:r>
+                        <a:rPr lang="it-IT" sz="1800" b="0" i="1" smtClean="0">
+                          <a:latin typeface="Cambria Math" panose="02040503050406030204" pitchFamily="18" charset="0"/>
+                          <a:ea typeface="Cambria Math" panose="02040503050406030204" pitchFamily="18" charset="0"/>
+                        </a:rPr>
+                        <m:t>≠∅, </m:t>
+                      </m:r>
+                      <m:r>
+                        <a:rPr lang="it-IT" sz="1800" b="0" i="1" smtClean="0">
+                          <a:latin typeface="Cambria Math" panose="02040503050406030204" pitchFamily="18" charset="0"/>
+                          <a:ea typeface="Cambria Math" panose="02040503050406030204" pitchFamily="18" charset="0"/>
+                        </a:rPr>
+                        <m:t>𝑘</m:t>
+                      </m:r>
+                      <m:r>
+                        <a:rPr lang="it-IT" sz="1800" b="0" i="1" smtClean="0">
+                          <a:latin typeface="Cambria Math" panose="02040503050406030204" pitchFamily="18" charset="0"/>
+                          <a:ea typeface="Cambria Math" panose="02040503050406030204" pitchFamily="18" charset="0"/>
+                        </a:rPr>
+                        <m:t>&lt;</m:t>
+                      </m:r>
+                      <m:r>
+                        <a:rPr lang="it-IT" sz="1800" b="0" i="1" smtClean="0">
+                          <a:latin typeface="Cambria Math" panose="02040503050406030204" pitchFamily="18" charset="0"/>
+                          <a:ea typeface="Cambria Math" panose="02040503050406030204" pitchFamily="18" charset="0"/>
+                        </a:rPr>
+                        <m:t>𝑚</m:t>
+                      </m:r>
+                    </m:oMath>
+                  </m:oMathPara>
+                </a14:m>
+                <a:endParaRPr lang="it-IT" dirty="0"/>
+              </a:p>
+            </p:txBody>
+          </p:sp>
+        </mc:Choice>
+        <mc:Fallback>
+          <p:sp>
+            <p:nvSpPr>
+              <p:cNvPr id="3" name="CasellaDiTesto 2">
+                <a:extLst>
+                  <a:ext uri="{FF2B5EF4-FFF2-40B4-BE49-F238E27FC236}">
+                    <a16:creationId xmlns:a16="http://schemas.microsoft.com/office/drawing/2014/main" id="{6FC46E46-1747-1D22-0A99-25208714EB38}"/>
+                  </a:ext>
+                </a:extLst>
+              </p:cNvPr>
+              <p:cNvSpPr txBox="1">
+                <a:spLocks noRot="1" noChangeAspect="1" noMove="1" noResize="1" noEditPoints="1" noAdjustHandles="1" noChangeArrowheads="1" noChangeShapeType="1" noTextEdit="1"/>
+              </p:cNvSpPr>
+              <p:nvPr/>
+            </p:nvSpPr>
+            <p:spPr>
+              <a:xfrm>
+                <a:off x="9764486" y="2007204"/>
+                <a:ext cx="2302328" cy="369332"/>
+              </a:xfrm>
+              <a:prstGeom prst="rect">
+                <a:avLst/>
+              </a:prstGeom>
+              <a:blipFill>
+                <a:blip r:embed="rId3"/>
+                <a:stretch>
+                  <a:fillRect b="-13115"/>
+                </a:stretch>
+              </a:blipFill>
+            </p:spPr>
+            <p:txBody>
+              <a:bodyPr/>
+              <a:lstStyle/>
+              <a:p>
+                <a:r>
+                  <a:rPr lang="it-IT">
+                    <a:noFill/>
+                  </a:rPr>
+                  <a:t> </a:t>
+                </a:r>
+              </a:p>
+            </p:txBody>
+          </p:sp>
+        </mc:Fallback>
+      </mc:AlternateContent>
+      <mc:AlternateContent xmlns:mc="http://schemas.openxmlformats.org/markup-compatibility/2006">
+        <mc:Choice xmlns:a14="http://schemas.microsoft.com/office/drawing/2010/main" Requires="a14">
+          <p:sp>
+            <p:nvSpPr>
+              <p:cNvPr id="5" name="CasellaDiTesto 4">
+                <a:extLst>
+                  <a:ext uri="{FF2B5EF4-FFF2-40B4-BE49-F238E27FC236}">
+                    <a16:creationId xmlns:a16="http://schemas.microsoft.com/office/drawing/2014/main" id="{4058B3A0-DD31-F6E6-1398-BE12BE5EC205}"/>
+                  </a:ext>
+                </a:extLst>
+              </p:cNvPr>
+              <p:cNvSpPr txBox="1"/>
+              <p:nvPr/>
+            </p:nvSpPr>
+            <p:spPr>
+              <a:xfrm>
+                <a:off x="9443357" y="2980264"/>
+                <a:ext cx="2748643" cy="369332"/>
+              </a:xfrm>
+              <a:prstGeom prst="rect">
+                <a:avLst/>
+              </a:prstGeom>
+              <a:noFill/>
+            </p:spPr>
+            <p:txBody>
+              <a:bodyPr wrap="square" rtlCol="0">
+                <a:spAutoFit/>
+              </a:bodyPr>
+              <a:lstStyle/>
+              <a:p>
+                <a14:m>
+                  <m:oMathPara xmlns:m="http://schemas.openxmlformats.org/officeDocument/2006/math">
+                    <m:oMathParaPr>
+                      <m:jc m:val="centerGroup"/>
+                    </m:oMathParaPr>
+                    <m:oMath xmlns:m="http://schemas.openxmlformats.org/officeDocument/2006/math">
+                      <m:r>
+                        <a:rPr lang="it-IT" sz="1800" b="0" i="1" smtClean="0">
+                          <a:latin typeface="Cambria Math" panose="02040503050406030204" pitchFamily="18" charset="0"/>
+                          <a:ea typeface="Cambria Math" panose="02040503050406030204" pitchFamily="18" charset="0"/>
+                        </a:rPr>
+                        <m:t>𝑖𝑓</m:t>
+                      </m:r>
+                      <m:r>
+                        <a:rPr lang="it-IT" sz="1800" b="0" i="1" smtClean="0">
+                          <a:latin typeface="Cambria Math" panose="02040503050406030204" pitchFamily="18" charset="0"/>
+                          <a:ea typeface="Cambria Math" panose="02040503050406030204" pitchFamily="18" charset="0"/>
+                        </a:rPr>
+                        <m:t> </m:t>
+                      </m:r>
+                      <m:r>
+                        <a:rPr lang="it-IT" sz="1800" b="0" i="1" smtClean="0">
+                          <a:latin typeface="Cambria Math" panose="02040503050406030204" pitchFamily="18" charset="0"/>
+                          <a:ea typeface="Cambria Math" panose="02040503050406030204" pitchFamily="18" charset="0"/>
+                        </a:rPr>
+                        <m:t>𝑈</m:t>
+                      </m:r>
+                      <m:r>
+                        <a:rPr lang="it-IT" sz="1800" b="0" i="1" smtClean="0">
+                          <a:latin typeface="Cambria Math" panose="02040503050406030204" pitchFamily="18" charset="0"/>
+                          <a:ea typeface="Cambria Math" panose="02040503050406030204" pitchFamily="18" charset="0"/>
+                        </a:rPr>
+                        <m:t>≠∅,</m:t>
+                      </m:r>
+                      <m:r>
+                        <a:rPr lang="it-IT" sz="1800" b="0" i="1" smtClean="0">
+                          <a:latin typeface="Cambria Math" panose="02040503050406030204" pitchFamily="18" charset="0"/>
+                          <a:ea typeface="Cambria Math" panose="02040503050406030204" pitchFamily="18" charset="0"/>
+                        </a:rPr>
+                        <m:t>𝑘</m:t>
+                      </m:r>
+                      <m:r>
+                        <a:rPr lang="it-IT" sz="1800" b="0" i="1" smtClean="0">
+                          <a:latin typeface="Cambria Math" panose="02040503050406030204" pitchFamily="18" charset="0"/>
+                          <a:ea typeface="Cambria Math" panose="02040503050406030204" pitchFamily="18" charset="0"/>
+                        </a:rPr>
+                        <m:t>=</m:t>
+                      </m:r>
+                      <m:r>
+                        <a:rPr lang="it-IT" sz="1800" b="0" i="1" smtClean="0">
+                          <a:latin typeface="Cambria Math" panose="02040503050406030204" pitchFamily="18" charset="0"/>
+                          <a:ea typeface="Cambria Math" panose="02040503050406030204" pitchFamily="18" charset="0"/>
+                        </a:rPr>
+                        <m:t>𝑚</m:t>
+                      </m:r>
+                    </m:oMath>
+                  </m:oMathPara>
+                </a14:m>
+                <a:endParaRPr lang="it-IT" dirty="0"/>
+              </a:p>
+            </p:txBody>
+          </p:sp>
+        </mc:Choice>
+        <mc:Fallback>
+          <p:sp>
+            <p:nvSpPr>
+              <p:cNvPr id="5" name="CasellaDiTesto 4">
+                <a:extLst>
+                  <a:ext uri="{FF2B5EF4-FFF2-40B4-BE49-F238E27FC236}">
+                    <a16:creationId xmlns:a16="http://schemas.microsoft.com/office/drawing/2014/main" id="{4058B3A0-DD31-F6E6-1398-BE12BE5EC205}"/>
+                  </a:ext>
+                </a:extLst>
+              </p:cNvPr>
+              <p:cNvSpPr txBox="1">
+                <a:spLocks noRot="1" noChangeAspect="1" noMove="1" noResize="1" noEditPoints="1" noAdjustHandles="1" noChangeArrowheads="1" noChangeShapeType="1" noTextEdit="1"/>
+              </p:cNvSpPr>
+              <p:nvPr/>
+            </p:nvSpPr>
+            <p:spPr>
+              <a:xfrm>
+                <a:off x="9443357" y="2980264"/>
+                <a:ext cx="2748643" cy="369332"/>
+              </a:xfrm>
+              <a:prstGeom prst="rect">
+                <a:avLst/>
+              </a:prstGeom>
+              <a:blipFill>
+                <a:blip r:embed="rId4"/>
+                <a:stretch>
+                  <a:fillRect b="-13333"/>
                 </a:stretch>
               </a:blipFill>
             </p:spPr>
@@ -8515,7 +9143,7 @@
     </p:spTree>
     <p:extLst>
       <p:ext uri="{BB962C8B-B14F-4D97-AF65-F5344CB8AC3E}">
-        <p14:creationId xmlns:p14="http://schemas.microsoft.com/office/powerpoint/2010/main" val="1084908939"/>
+        <p14:creationId xmlns:p14="http://schemas.microsoft.com/office/powerpoint/2010/main" val="787623465"/>
       </p:ext>
     </p:extLst>
   </p:cSld>
@@ -8576,8 +9204,8 @@
           </a:p>
         </p:txBody>
       </p:sp>
-      <mc:AlternateContent xmlns:mc="http://schemas.openxmlformats.org/markup-compatibility/2006">
-        <mc:Choice xmlns:a14="http://schemas.microsoft.com/office/drawing/2010/main" Requires="a14">
+      <mc:AlternateContent xmlns:mc="http://schemas.openxmlformats.org/markup-compatibility/2006" xmlns:a14="http://schemas.microsoft.com/office/drawing/2010/main">
+        <mc:Choice Requires="a14">
           <p:sp>
             <p:nvSpPr>
               <p:cNvPr id="3" name="Segnaposto contenuto 2">
@@ -10075,7 +10703,7 @@
             </p:txBody>
           </p:sp>
         </mc:Choice>
-        <mc:Fallback>
+        <mc:Fallback xmlns="">
           <p:sp>
             <p:nvSpPr>
               <p:cNvPr id="3" name="Segnaposto contenuto 2">
@@ -10171,12 +10799,8 @@
           <a:lstStyle/>
           <a:p>
             <a:r>
-              <a:rPr lang="it-IT"/>
-              <a:t>Testing the </a:t>
-            </a:r>
-            <a:r>
               <a:rPr lang="it-IT" dirty="0"/>
-              <a:t>model</a:t>
+              <a:t>Testing the models</a:t>
             </a:r>
           </a:p>
         </p:txBody>
@@ -10270,7 +10894,15 @@
             </a:r>
             <a:r>
               <a:rPr lang="it-IT" dirty="0"/>
-              <a:t> with a time </a:t>
+              <a:t> with </a:t>
+            </a:r>
+            <a:r>
+              <a:rPr lang="it-IT"/>
+              <a:t>LNBS solver </a:t>
+            </a:r>
+            <a:r>
+              <a:rPr lang="it-IT" dirty="0"/>
+              <a:t>and  with a time </a:t>
             </a:r>
             <a:r>
               <a:rPr lang="it-IT" dirty="0" err="1"/>

--- a/mmcvrp/MM-CVRP.pptx
+++ b/mmcvrp/MM-CVRP.pptx
@@ -110,6 +110,20 @@
     </a:lvl9pPr>
   </p:defaultTextStyle>
   <p:extLst>
+    <p:ext uri="{521415D9-36F7-43E2-AB2F-B90AF26B5E84}">
+      <p14:sectionLst xmlns:p14="http://schemas.microsoft.com/office/powerpoint/2010/main">
+        <p14:section name="Sezione predefinita" id="{1252B085-B13C-46F2-ACAD-5094205113FE}">
+          <p14:sldIdLst>
+            <p14:sldId id="256"/>
+            <p14:sldId id="258"/>
+            <p14:sldId id="262"/>
+            <p14:sldId id="259"/>
+            <p14:sldId id="260"/>
+            <p14:sldId id="261"/>
+          </p14:sldIdLst>
+        </p14:section>
+      </p14:sectionLst>
+    </p:ext>
     <p:ext uri="{EFAFB233-063F-42B5-8137-9DF3F51BA10A}">
       <p15:sldGuideLst xmlns:p15="http://schemas.microsoft.com/office/powerpoint/2012/main"/>
     </p:ext>
@@ -264,7 +278,7 @@
           <a:p>
             <a:fld id="{919822B0-46AB-49B3-A67C-B123A06D0FE2}" type="datetimeFigureOut">
               <a:rPr lang="it-IT" smtClean="0"/>
-              <a:t>04/04/2025</a:t>
+              <a:t>05/04/2025</a:t>
             </a:fld>
             <a:endParaRPr lang="it-IT"/>
           </a:p>
@@ -462,7 +476,7 @@
           <a:p>
             <a:fld id="{919822B0-46AB-49B3-A67C-B123A06D0FE2}" type="datetimeFigureOut">
               <a:rPr lang="it-IT" smtClean="0"/>
-              <a:t>04/04/2025</a:t>
+              <a:t>05/04/2025</a:t>
             </a:fld>
             <a:endParaRPr lang="it-IT"/>
           </a:p>
@@ -670,7 +684,7 @@
           <a:p>
             <a:fld id="{919822B0-46AB-49B3-A67C-B123A06D0FE2}" type="datetimeFigureOut">
               <a:rPr lang="it-IT" smtClean="0"/>
-              <a:t>04/04/2025</a:t>
+              <a:t>05/04/2025</a:t>
             </a:fld>
             <a:endParaRPr lang="it-IT"/>
           </a:p>
@@ -868,7 +882,7 @@
           <a:p>
             <a:fld id="{919822B0-46AB-49B3-A67C-B123A06D0FE2}" type="datetimeFigureOut">
               <a:rPr lang="it-IT" smtClean="0"/>
-              <a:t>04/04/2025</a:t>
+              <a:t>05/04/2025</a:t>
             </a:fld>
             <a:endParaRPr lang="it-IT"/>
           </a:p>
@@ -1143,7 +1157,7 @@
           <a:p>
             <a:fld id="{919822B0-46AB-49B3-A67C-B123A06D0FE2}" type="datetimeFigureOut">
               <a:rPr lang="it-IT" smtClean="0"/>
-              <a:t>04/04/2025</a:t>
+              <a:t>05/04/2025</a:t>
             </a:fld>
             <a:endParaRPr lang="it-IT"/>
           </a:p>
@@ -1408,7 +1422,7 @@
           <a:p>
             <a:fld id="{919822B0-46AB-49B3-A67C-B123A06D0FE2}" type="datetimeFigureOut">
               <a:rPr lang="it-IT" smtClean="0"/>
-              <a:t>04/04/2025</a:t>
+              <a:t>05/04/2025</a:t>
             </a:fld>
             <a:endParaRPr lang="it-IT"/>
           </a:p>
@@ -1820,7 +1834,7 @@
           <a:p>
             <a:fld id="{919822B0-46AB-49B3-A67C-B123A06D0FE2}" type="datetimeFigureOut">
               <a:rPr lang="it-IT" smtClean="0"/>
-              <a:t>04/04/2025</a:t>
+              <a:t>05/04/2025</a:t>
             </a:fld>
             <a:endParaRPr lang="it-IT"/>
           </a:p>
@@ -1961,7 +1975,7 @@
           <a:p>
             <a:fld id="{919822B0-46AB-49B3-A67C-B123A06D0FE2}" type="datetimeFigureOut">
               <a:rPr lang="it-IT" smtClean="0"/>
-              <a:t>04/04/2025</a:t>
+              <a:t>05/04/2025</a:t>
             </a:fld>
             <a:endParaRPr lang="it-IT"/>
           </a:p>
@@ -2074,7 +2088,7 @@
           <a:p>
             <a:fld id="{919822B0-46AB-49B3-A67C-B123A06D0FE2}" type="datetimeFigureOut">
               <a:rPr lang="it-IT" smtClean="0"/>
-              <a:t>04/04/2025</a:t>
+              <a:t>05/04/2025</a:t>
             </a:fld>
             <a:endParaRPr lang="it-IT"/>
           </a:p>
@@ -2385,7 +2399,7 @@
           <a:p>
             <a:fld id="{919822B0-46AB-49B3-A67C-B123A06D0FE2}" type="datetimeFigureOut">
               <a:rPr lang="it-IT" smtClean="0"/>
-              <a:t>04/04/2025</a:t>
+              <a:t>05/04/2025</a:t>
             </a:fld>
             <a:endParaRPr lang="it-IT"/>
           </a:p>
@@ -2673,7 +2687,7 @@
           <a:p>
             <a:fld id="{919822B0-46AB-49B3-A67C-B123A06D0FE2}" type="datetimeFigureOut">
               <a:rPr lang="it-IT" smtClean="0"/>
-              <a:t>04/04/2025</a:t>
+              <a:t>05/04/2025</a:t>
             </a:fld>
             <a:endParaRPr lang="it-IT"/>
           </a:p>
@@ -2914,7 +2928,7 @@
           <a:p>
             <a:fld id="{919822B0-46AB-49B3-A67C-B123A06D0FE2}" type="datetimeFigureOut">
               <a:rPr lang="it-IT" smtClean="0"/>
-              <a:t>04/04/2025</a:t>
+              <a:t>05/04/2025</a:t>
             </a:fld>
             <a:endParaRPr lang="it-IT"/>
           </a:p>
@@ -4857,7 +4871,13 @@
                         <a:rPr lang="it-IT" sz="1875" b="0" i="1" smtClean="0">
                           <a:latin typeface="Cambria Math" panose="02040503050406030204" pitchFamily="18" charset="0"/>
                         </a:rPr>
-                        <m:t>, 1</m:t>
+                        <m:t>, </m:t>
+                      </m:r>
+                      <m:r>
+                        <a:rPr lang="it-IT" sz="1875" b="0" i="1" smtClean="0">
+                          <a:latin typeface="Cambria Math" panose="02040503050406030204" pitchFamily="18" charset="0"/>
+                        </a:rPr>
+                        <m:t>0</m:t>
                       </m:r>
                       <m:r>
                         <a:rPr lang="en-US" sz="1875" i="1">
@@ -5855,14 +5875,7 @@
                                                   <a:latin typeface="Cambria Math" panose="02040503050406030204" pitchFamily="18" charset="0"/>
                                                   <a:ea typeface="Cambria Math" panose="02040503050406030204" pitchFamily="18" charset="0"/>
                                                 </a:rPr>
-                                                <m:t>=</m:t>
-                                              </m:r>
-                                              <m:r>
-                                                <a:rPr lang="it-IT" sz="1875" i="1">
-                                                  <a:latin typeface="Cambria Math" panose="02040503050406030204" pitchFamily="18" charset="0"/>
-                                                  <a:ea typeface="Cambria Math" panose="02040503050406030204" pitchFamily="18" charset="0"/>
-                                                </a:rPr>
-                                                <m:t>0</m:t>
+                                                <m:t>=0</m:t>
                                               </m:r>
                                             </m:lim>
                                           </m:limLow>
@@ -7630,13 +7643,7 @@
                             <a:rPr lang="it-IT" sz="1875" b="0" i="1" smtClean="0">
                               <a:latin typeface="Cambria Math" panose="02040503050406030204" pitchFamily="18" charset="0"/>
                             </a:rPr>
-                            <m:t>′</m:t>
-                          </m:r>
-                          <m:r>
-                            <a:rPr lang="it-IT" sz="1875" b="0" i="1" smtClean="0">
-                              <a:latin typeface="Cambria Math" panose="02040503050406030204" pitchFamily="18" charset="0"/>
-                            </a:rPr>
-                            <m:t>′</m:t>
+                            <m:t>′′</m:t>
                           </m:r>
                         </m:sup>
                       </m:sSup>
@@ -8864,8 +8871,8 @@
           </p:sp>
         </mc:Fallback>
       </mc:AlternateContent>
-      <mc:AlternateContent xmlns:mc="http://schemas.openxmlformats.org/markup-compatibility/2006">
-        <mc:Choice xmlns:a14="http://schemas.microsoft.com/office/drawing/2010/main" Requires="a14">
+      <mc:AlternateContent xmlns:mc="http://schemas.openxmlformats.org/markup-compatibility/2006" xmlns:a14="http://schemas.microsoft.com/office/drawing/2010/main">
+        <mc:Choice Requires="a14">
           <p:sp>
             <p:nvSpPr>
               <p:cNvPr id="3" name="CasellaDiTesto 2">
@@ -8894,6 +8901,7 @@
               </a:bodyPr>
               <a:lstStyle/>
               <a:p>
+                <a:pPr/>
                 <a14:m>
                   <m:oMathPara xmlns:m="http://schemas.openxmlformats.org/officeDocument/2006/math">
                     <m:oMathParaPr>
@@ -8957,7 +8965,7 @@
             </p:txBody>
           </p:sp>
         </mc:Choice>
-        <mc:Fallback>
+        <mc:Fallback xmlns="">
           <p:sp>
             <p:nvSpPr>
               <p:cNvPr id="3" name="CasellaDiTesto 2">
@@ -9002,8 +9010,8 @@
           </p:sp>
         </mc:Fallback>
       </mc:AlternateContent>
-      <mc:AlternateContent xmlns:mc="http://schemas.openxmlformats.org/markup-compatibility/2006">
-        <mc:Choice xmlns:a14="http://schemas.microsoft.com/office/drawing/2010/main" Requires="a14">
+      <mc:AlternateContent xmlns:mc="http://schemas.openxmlformats.org/markup-compatibility/2006" xmlns:a14="http://schemas.microsoft.com/office/drawing/2010/main">
+        <mc:Choice Requires="a14">
           <p:sp>
             <p:nvSpPr>
               <p:cNvPr id="5" name="CasellaDiTesto 4">
@@ -9032,6 +9040,7 @@
               </a:bodyPr>
               <a:lstStyle/>
               <a:p>
+                <a:pPr/>
                 <a14:m>
                   <m:oMathPara xmlns:m="http://schemas.openxmlformats.org/officeDocument/2006/math">
                     <m:oMathParaPr>
@@ -9095,7 +9104,7 @@
             </p:txBody>
           </p:sp>
         </mc:Choice>
-        <mc:Fallback>
+        <mc:Fallback xmlns="">
           <p:sp>
             <p:nvSpPr>
               <p:cNvPr id="5" name="CasellaDiTesto 4">
@@ -10894,15 +10903,7 @@
             </a:r>
             <a:r>
               <a:rPr lang="it-IT" dirty="0"/>
-              <a:t> with </a:t>
-            </a:r>
-            <a:r>
-              <a:rPr lang="it-IT"/>
-              <a:t>LNBS solver </a:t>
-            </a:r>
-            <a:r>
-              <a:rPr lang="it-IT" dirty="0"/>
-              <a:t>and  with a time </a:t>
+              <a:t> with LNBS solver and  with a time </a:t>
             </a:r>
             <a:r>
               <a:rPr lang="it-IT" dirty="0" err="1"/>
@@ -10957,6 +10958,92 @@
             <a:r>
               <a:rPr lang="it-IT" dirty="0"/>
               <a:t> gap.</a:t>
+            </a:r>
+          </a:p>
+          <a:p>
+            <a:r>
+              <a:rPr lang="it-IT" dirty="0"/>
+              <a:t>The </a:t>
+            </a:r>
+            <a:r>
+              <a:rPr lang="it-IT" dirty="0" err="1"/>
+              <a:t>performaces</a:t>
+            </a:r>
+            <a:r>
+              <a:rPr lang="it-IT" dirty="0"/>
+              <a:t> of the models </a:t>
+            </a:r>
+            <a:r>
+              <a:rPr lang="it-IT" dirty="0" err="1"/>
+              <a:t>have</a:t>
+            </a:r>
+            <a:r>
+              <a:rPr lang="it-IT" dirty="0"/>
+              <a:t> </a:t>
+            </a:r>
+            <a:r>
+              <a:rPr lang="it-IT" dirty="0" err="1"/>
+              <a:t>been</a:t>
+            </a:r>
+            <a:r>
+              <a:rPr lang="it-IT" dirty="0"/>
+              <a:t> </a:t>
+            </a:r>
+            <a:r>
+              <a:rPr lang="it-IT" dirty="0" err="1"/>
+              <a:t>evaluated</a:t>
+            </a:r>
+            <a:r>
+              <a:rPr lang="it-IT" dirty="0"/>
+              <a:t> </a:t>
+            </a:r>
+            <a:r>
+              <a:rPr lang="it-IT" dirty="0" err="1"/>
+              <a:t>against</a:t>
+            </a:r>
+            <a:r>
+              <a:rPr lang="it-IT" dirty="0"/>
+              <a:t> CP, SAT, SMT and MIP models </a:t>
+            </a:r>
+            <a:r>
+              <a:rPr lang="it-IT" dirty="0" err="1"/>
+              <a:t>developed</a:t>
+            </a:r>
+            <a:r>
+              <a:rPr lang="it-IT" dirty="0"/>
+              <a:t> to solve the </a:t>
+            </a:r>
+            <a:r>
+              <a:rPr lang="it-IT" dirty="0" err="1"/>
+              <a:t>same</a:t>
+            </a:r>
+            <a:r>
+              <a:rPr lang="it-IT" dirty="0"/>
+              <a:t> </a:t>
+            </a:r>
+            <a:r>
+              <a:rPr lang="it-IT" dirty="0" err="1"/>
+              <a:t>instances</a:t>
+            </a:r>
+            <a:r>
+              <a:rPr lang="it-IT" dirty="0"/>
+              <a:t> with the </a:t>
+            </a:r>
+            <a:r>
+              <a:rPr lang="it-IT" dirty="0" err="1"/>
+              <a:t>same</a:t>
+            </a:r>
+            <a:r>
+              <a:rPr lang="it-IT" dirty="0"/>
+              <a:t> </a:t>
+            </a:r>
+            <a:r>
+              <a:rPr lang="it-IT" dirty="0" err="1"/>
+              <a:t>experimental</a:t>
+            </a:r>
+            <a:r>
+              <a:rPr lang="it-IT" dirty="0"/>
+              <a:t> setup.</a:t>
             </a:r>
           </a:p>
           <a:p>
@@ -11103,10 +11190,10 @@
       </p:sp>
       <p:pic>
         <p:nvPicPr>
-          <p:cNvPr id="7" name="Segnaposto contenuto 6" descr="Immagine che contiene linea, Diagramma, testo, diagramma&#10;&#10;Il contenuto generato dall'IA potrebbe non essere corretto.">
+          <p:cNvPr id="4" name="Immagine 3" descr="Immagine che contiene testo, linea, Diagramma, diagramma&#10;&#10;Il contenuto generato dall'IA potrebbe non essere corretto.">
             <a:extLst>
               <a:ext uri="{FF2B5EF4-FFF2-40B4-BE49-F238E27FC236}">
-                <a16:creationId xmlns:a16="http://schemas.microsoft.com/office/drawing/2014/main" id="{A486A24C-EE5D-3295-DEE8-05AF2FF23636}"/>
+                <a16:creationId xmlns:a16="http://schemas.microsoft.com/office/drawing/2014/main" id="{8FA95E37-BE9F-0F41-107B-60B968177B4D}"/>
               </a:ext>
             </a:extLst>
           </p:cNvPr>
@@ -11123,13 +11210,14 @@
               </a:ext>
             </a:extLst>
           </a:blip>
-          <a:srcRect r="8718" b="-1"/>
-          <a:stretch/>
+          <a:stretch>
+            <a:fillRect/>
+          </a:stretch>
         </p:blipFill>
         <p:spPr>
           <a:xfrm>
-            <a:off x="0" y="1447800"/>
-            <a:ext cx="6741597" cy="4615976"/>
+            <a:off x="48984" y="1404258"/>
+            <a:ext cx="6738257" cy="4572000"/>
           </a:xfrm>
           <a:prstGeom prst="rect">
             <a:avLst/>
@@ -11138,10 +11226,10 @@
       </p:pic>
       <p:graphicFrame>
         <p:nvGraphicFramePr>
-          <p:cNvPr id="8" name="Tabella 7">
+          <p:cNvPr id="6" name="Tabella 5">
             <a:extLst>
               <a:ext uri="{FF2B5EF4-FFF2-40B4-BE49-F238E27FC236}">
-                <a16:creationId xmlns:a16="http://schemas.microsoft.com/office/drawing/2014/main" id="{278BABFD-98F1-A731-3932-CE2153E27281}"/>
+                <a16:creationId xmlns:a16="http://schemas.microsoft.com/office/drawing/2014/main" id="{AB0B99AC-5C71-4C8C-D4E4-DD3BE29B31E0}"/>
               </a:ext>
             </a:extLst>
           </p:cNvPr>
@@ -11151,14 +11239,14 @@
           <p:nvPr>
             <p:extLst>
               <p:ext uri="{D42A27DB-BD31-4B8C-83A1-F6EECF244321}">
-                <p14:modId xmlns:p14="http://schemas.microsoft.com/office/powerpoint/2010/main" val="996872694"/>
+                <p14:modId xmlns:p14="http://schemas.microsoft.com/office/powerpoint/2010/main" val="884042090"/>
               </p:ext>
             </p:extLst>
           </p:nvPr>
         </p:nvGraphicFramePr>
         <p:xfrm>
-          <a:off x="7206342" y="2036693"/>
-          <a:ext cx="4270028" cy="1097280"/>
+          <a:off x="6836226" y="1917096"/>
+          <a:ext cx="4354288" cy="3068562"/>
         </p:xfrm>
         <a:graphic>
           <a:graphicData uri="http://schemas.openxmlformats.org/drawingml/2006/table">
@@ -11167,23 +11255,37 @@
                 <a:tableStyleId>{5C22544A-7EE6-4342-B048-85BDC9FD1C3A}</a:tableStyleId>
               </a:tblPr>
               <a:tblGrid>
-                <a:gridCol w="2135014">
+                <a:gridCol w="2177144">
                   <a:extLst>
                     <a:ext uri="{9D8B030D-6E8A-4147-A177-3AD203B41FA5}">
-                      <a16:colId xmlns:a16="http://schemas.microsoft.com/office/drawing/2014/main" val="4064276738"/>
+                      <a16:colId xmlns:a16="http://schemas.microsoft.com/office/drawing/2014/main" val="3593701136"/>
                     </a:ext>
                   </a:extLst>
                 </a:gridCol>
-                <a:gridCol w="2135014">
+                <a:gridCol w="2177144">
                   <a:extLst>
                     <a:ext uri="{9D8B030D-6E8A-4147-A177-3AD203B41FA5}">
-                      <a16:colId xmlns:a16="http://schemas.microsoft.com/office/drawing/2014/main" val="2380021578"/>
+                      <a16:colId xmlns:a16="http://schemas.microsoft.com/office/drawing/2014/main" val="540074970"/>
                     </a:ext>
                   </a:extLst>
                 </a:gridCol>
               </a:tblGrid>
-              <a:tr h="333561">
-                <a:tc gridSpan="2">
+              <a:tr h="438366">
+                <a:tc>
+                  <a:txBody>
+                    <a:bodyPr/>
+                    <a:lstStyle/>
+                    <a:p>
+                      <a:pPr algn="ctr"/>
+                      <a:r>
+                        <a:rPr lang="it-IT" dirty="0"/>
+                        <a:t>Model</a:t>
+                      </a:r>
+                    </a:p>
+                  </a:txBody>
+                  <a:tcPr/>
+                </a:tc>
+                <a:tc>
                   <a:txBody>
                     <a:bodyPr/>
                     <a:lstStyle/>
@@ -11205,23 +11307,13 @@
                   </a:txBody>
                   <a:tcPr/>
                 </a:tc>
-                <a:tc hMerge="1">
-                  <a:txBody>
-                    <a:bodyPr/>
-                    <a:lstStyle/>
-                    <a:p>
-                      <a:endParaRPr lang="it-IT" dirty="0"/>
-                    </a:p>
-                  </a:txBody>
-                  <a:tcPr/>
-                </a:tc>
                 <a:extLst>
                   <a:ext uri="{0D108BD9-81ED-4DB2-BD59-A6C34878D82A}">
-                    <a16:rowId xmlns:a16="http://schemas.microsoft.com/office/drawing/2014/main" val="689857578"/>
+                    <a16:rowId xmlns:a16="http://schemas.microsoft.com/office/drawing/2014/main" val="3489050306"/>
                   </a:ext>
                 </a:extLst>
               </a:tr>
-              <a:tr h="333561">
+              <a:tr h="438366">
                 <a:tc>
                   <a:txBody>
                     <a:bodyPr/>
@@ -11230,7 +11322,7 @@
                       <a:pPr algn="ctr"/>
                       <a:r>
                         <a:rPr lang="it-IT" dirty="0" err="1"/>
-                        <a:t>Bound</a:t>
+                        <a:t>DIDP_Bound</a:t>
                       </a:r>
                       <a:endParaRPr lang="it-IT" dirty="0"/>
                     </a:p>
@@ -11245,24 +11337,55 @@
                       <a:pPr algn="ctr"/>
                       <a:r>
                         <a:rPr lang="it-IT" dirty="0"/>
-                        <a:t>No </a:t>
+                        <a:t>0.055</a:t>
                       </a:r>
+                    </a:p>
+                  </a:txBody>
+                  <a:tcPr/>
+                </a:tc>
+                <a:extLst>
+                  <a:ext uri="{0D108BD9-81ED-4DB2-BD59-A6C34878D82A}">
+                    <a16:rowId xmlns:a16="http://schemas.microsoft.com/office/drawing/2014/main" val="4021501833"/>
+                  </a:ext>
+                </a:extLst>
+              </a:tr>
+              <a:tr h="438366">
+                <a:tc>
+                  <a:txBody>
+                    <a:bodyPr/>
+                    <a:lstStyle/>
+                    <a:p>
+                      <a:pPr algn="ctr"/>
                       <a:r>
                         <a:rPr lang="it-IT" dirty="0" err="1"/>
-                        <a:t>Bound</a:t>
+                        <a:t>DIDP_No_Bound</a:t>
                       </a:r>
                       <a:endParaRPr lang="it-IT" dirty="0"/>
                     </a:p>
                   </a:txBody>
                   <a:tcPr/>
                 </a:tc>
+                <a:tc>
+                  <a:txBody>
+                    <a:bodyPr/>
+                    <a:lstStyle/>
+                    <a:p>
+                      <a:pPr algn="ctr"/>
+                      <a:r>
+                        <a:rPr lang="it-IT" b="1" dirty="0"/>
+                        <a:t>0.004</a:t>
+                      </a:r>
+                    </a:p>
+                  </a:txBody>
+                  <a:tcPr/>
+                </a:tc>
                 <a:extLst>
                   <a:ext uri="{0D108BD9-81ED-4DB2-BD59-A6C34878D82A}">
-                    <a16:rowId xmlns:a16="http://schemas.microsoft.com/office/drawing/2014/main" val="1627838624"/>
+                    <a16:rowId xmlns:a16="http://schemas.microsoft.com/office/drawing/2014/main" val="962369974"/>
                   </a:ext>
                 </a:extLst>
               </a:tr>
-              <a:tr h="333561">
+              <a:tr h="438366">
                 <a:tc>
                   <a:txBody>
                     <a:bodyPr/>
@@ -11271,7 +11394,7 @@
                       <a:pPr algn="ctr"/>
                       <a:r>
                         <a:rPr lang="it-IT" dirty="0"/>
-                        <a:t>0.05</a:t>
+                        <a:t>CP</a:t>
                       </a:r>
                     </a:p>
                   </a:txBody>
@@ -11285,7 +11408,7 @@
                       <a:pPr algn="ctr"/>
                       <a:r>
                         <a:rPr lang="it-IT" dirty="0"/>
-                        <a:t>0.0</a:t>
+                        <a:t>0.100</a:t>
                       </a:r>
                     </a:p>
                   </a:txBody>
@@ -11293,7 +11416,112 @@
                 </a:tc>
                 <a:extLst>
                   <a:ext uri="{0D108BD9-81ED-4DB2-BD59-A6C34878D82A}">
-                    <a16:rowId xmlns:a16="http://schemas.microsoft.com/office/drawing/2014/main" val="1250687243"/>
+                    <a16:rowId xmlns:a16="http://schemas.microsoft.com/office/drawing/2014/main" val="1775694432"/>
+                  </a:ext>
+                </a:extLst>
+              </a:tr>
+              <a:tr h="438366">
+                <a:tc>
+                  <a:txBody>
+                    <a:bodyPr/>
+                    <a:lstStyle/>
+                    <a:p>
+                      <a:pPr algn="ctr"/>
+                      <a:r>
+                        <a:rPr lang="it-IT" dirty="0"/>
+                        <a:t>SAT</a:t>
+                      </a:r>
+                    </a:p>
+                  </a:txBody>
+                  <a:tcPr/>
+                </a:tc>
+                <a:tc>
+                  <a:txBody>
+                    <a:bodyPr/>
+                    <a:lstStyle/>
+                    <a:p>
+                      <a:pPr algn="ctr"/>
+                      <a:r>
+                        <a:rPr lang="it-IT" dirty="0"/>
+                        <a:t>0.475</a:t>
+                      </a:r>
+                    </a:p>
+                  </a:txBody>
+                  <a:tcPr/>
+                </a:tc>
+                <a:extLst>
+                  <a:ext uri="{0D108BD9-81ED-4DB2-BD59-A6C34878D82A}">
+                    <a16:rowId xmlns:a16="http://schemas.microsoft.com/office/drawing/2014/main" val="3466667527"/>
+                  </a:ext>
+                </a:extLst>
+              </a:tr>
+              <a:tr h="438366">
+                <a:tc>
+                  <a:txBody>
+                    <a:bodyPr/>
+                    <a:lstStyle/>
+                    <a:p>
+                      <a:pPr algn="ctr"/>
+                      <a:r>
+                        <a:rPr lang="it-IT" dirty="0"/>
+                        <a:t>SMT</a:t>
+                      </a:r>
+                    </a:p>
+                  </a:txBody>
+                  <a:tcPr/>
+                </a:tc>
+                <a:tc>
+                  <a:txBody>
+                    <a:bodyPr/>
+                    <a:lstStyle/>
+                    <a:p>
+                      <a:pPr algn="ctr"/>
+                      <a:r>
+                        <a:rPr lang="it-IT" dirty="0"/>
+                        <a:t>0.237</a:t>
+                      </a:r>
+                    </a:p>
+                  </a:txBody>
+                  <a:tcPr/>
+                </a:tc>
+                <a:extLst>
+                  <a:ext uri="{0D108BD9-81ED-4DB2-BD59-A6C34878D82A}">
+                    <a16:rowId xmlns:a16="http://schemas.microsoft.com/office/drawing/2014/main" val="1355035596"/>
+                  </a:ext>
+                </a:extLst>
+              </a:tr>
+              <a:tr h="438366">
+                <a:tc>
+                  <a:txBody>
+                    <a:bodyPr/>
+                    <a:lstStyle/>
+                    <a:p>
+                      <a:pPr algn="ctr"/>
+                      <a:r>
+                        <a:rPr lang="it-IT" dirty="0"/>
+                        <a:t>MIP</a:t>
+                      </a:r>
+                    </a:p>
+                  </a:txBody>
+                  <a:tcPr/>
+                </a:tc>
+                <a:tc>
+                  <a:txBody>
+                    <a:bodyPr/>
+                    <a:lstStyle/>
+                    <a:p>
+                      <a:pPr algn="ctr"/>
+                      <a:r>
+                        <a:rPr lang="it-IT" dirty="0"/>
+                        <a:t>0228</a:t>
+                      </a:r>
+                    </a:p>
+                  </a:txBody>
+                  <a:tcPr/>
+                </a:tc>
+                <a:extLst>
+                  <a:ext uri="{0D108BD9-81ED-4DB2-BD59-A6C34878D82A}">
+                    <a16:rowId xmlns:a16="http://schemas.microsoft.com/office/drawing/2014/main" val="1174388688"/>
                   </a:ext>
                 </a:extLst>
               </a:tr>
@@ -11301,153 +11529,6 @@
           </a:graphicData>
         </a:graphic>
       </p:graphicFrame>
-      <p:sp>
-        <p:nvSpPr>
-          <p:cNvPr id="10" name="CasellaDiTesto 9">
-            <a:extLst>
-              <a:ext uri="{FF2B5EF4-FFF2-40B4-BE49-F238E27FC236}">
-                <a16:creationId xmlns:a16="http://schemas.microsoft.com/office/drawing/2014/main" id="{F180E8EE-0FE5-9A8A-1CB1-CB0337B8FCB3}"/>
-              </a:ext>
-            </a:extLst>
-          </p:cNvPr>
-          <p:cNvSpPr txBox="1"/>
-          <p:nvPr/>
-        </p:nvSpPr>
-        <p:spPr>
-          <a:xfrm>
-            <a:off x="7206342" y="3499098"/>
-            <a:ext cx="4270027" cy="923330"/>
-          </a:xfrm>
-          <a:prstGeom prst="rect">
-            <a:avLst/>
-          </a:prstGeom>
-          <a:noFill/>
-        </p:spPr>
-        <p:txBody>
-          <a:bodyPr wrap="square" rtlCol="0">
-            <a:spAutoFit/>
-          </a:bodyPr>
-          <a:lstStyle/>
-          <a:p>
-            <a:r>
-              <a:rPr lang="it-IT" dirty="0"/>
-              <a:t>The </a:t>
-            </a:r>
-            <a:r>
-              <a:rPr lang="it-IT" dirty="0" err="1"/>
-              <a:t>defined</a:t>
-            </a:r>
-            <a:r>
-              <a:rPr lang="it-IT" dirty="0"/>
-              <a:t> dual </a:t>
-            </a:r>
-            <a:r>
-              <a:rPr lang="it-IT" dirty="0" err="1"/>
-              <a:t>bound</a:t>
-            </a:r>
-            <a:r>
-              <a:rPr lang="it-IT" dirty="0"/>
-              <a:t> </a:t>
-            </a:r>
-            <a:r>
-              <a:rPr lang="it-IT" dirty="0" err="1"/>
-              <a:t>is</a:t>
-            </a:r>
-            <a:r>
-              <a:rPr lang="it-IT" dirty="0"/>
-              <a:t> </a:t>
-            </a:r>
-            <a:r>
-              <a:rPr lang="it-IT" dirty="0" err="1"/>
-              <a:t>probably</a:t>
-            </a:r>
-            <a:r>
-              <a:rPr lang="it-IT" dirty="0"/>
-              <a:t> </a:t>
-            </a:r>
-            <a:r>
-              <a:rPr lang="it-IT" dirty="0" err="1"/>
-              <a:t>better</a:t>
-            </a:r>
-            <a:r>
-              <a:rPr lang="it-IT" dirty="0"/>
-              <a:t> </a:t>
-            </a:r>
-            <a:r>
-              <a:rPr lang="it-IT" dirty="0" err="1"/>
-              <a:t>at</a:t>
-            </a:r>
-            <a:r>
-              <a:rPr lang="it-IT" dirty="0"/>
-              <a:t> </a:t>
-            </a:r>
-            <a:r>
-              <a:rPr lang="it-IT" dirty="0" err="1"/>
-              <a:t>pruning</a:t>
-            </a:r>
-            <a:r>
-              <a:rPr lang="it-IT" dirty="0"/>
-              <a:t> the </a:t>
-            </a:r>
-            <a:r>
-              <a:rPr lang="it-IT" dirty="0" err="1"/>
-              <a:t>solution</a:t>
-            </a:r>
-            <a:r>
-              <a:rPr lang="it-IT" dirty="0"/>
-              <a:t> </a:t>
-            </a:r>
-            <a:r>
-              <a:rPr lang="it-IT" dirty="0" err="1"/>
-              <a:t>space</a:t>
-            </a:r>
-            <a:r>
-              <a:rPr lang="it-IT" dirty="0"/>
-              <a:t> </a:t>
-            </a:r>
-            <a:r>
-              <a:rPr lang="it-IT" dirty="0" err="1"/>
-              <a:t>rather</a:t>
-            </a:r>
-            <a:r>
-              <a:rPr lang="it-IT" dirty="0"/>
-              <a:t> </a:t>
-            </a:r>
-            <a:r>
-              <a:rPr lang="it-IT" dirty="0" err="1"/>
-              <a:t>than</a:t>
-            </a:r>
-            <a:r>
-              <a:rPr lang="it-IT" dirty="0"/>
-              <a:t> </a:t>
-            </a:r>
-            <a:r>
-              <a:rPr lang="it-IT" dirty="0" err="1"/>
-              <a:t>guiding</a:t>
-            </a:r>
-            <a:r>
-              <a:rPr lang="it-IT" dirty="0"/>
-              <a:t> the </a:t>
-            </a:r>
-            <a:r>
-              <a:rPr lang="it-IT" dirty="0" err="1"/>
-              <a:t>search</a:t>
-            </a:r>
-            <a:r>
-              <a:rPr lang="it-IT" dirty="0"/>
-              <a:t> </a:t>
-            </a:r>
-            <a:r>
-              <a:rPr lang="it-IT" dirty="0" err="1"/>
-              <a:t>process</a:t>
-            </a:r>
-            <a:r>
-              <a:rPr lang="it-IT" dirty="0"/>
-              <a:t>.</a:t>
-            </a:r>
-          </a:p>
-        </p:txBody>
-      </p:sp>
     </p:spTree>
     <p:extLst>
       <p:ext uri="{BB962C8B-B14F-4D97-AF65-F5344CB8AC3E}">

--- a/mmcvrp/MM-CVRP.pptx
+++ b/mmcvrp/MM-CVRP.pptx
@@ -11,6 +11,7 @@
     <p:sldId id="259" r:id="rId5"/>
     <p:sldId id="260" r:id="rId6"/>
     <p:sldId id="261" r:id="rId7"/>
+    <p:sldId id="263" r:id="rId8"/>
   </p:sldIdLst>
   <p:sldSz cx="12192000" cy="6858000"/>
   <p:notesSz cx="6858000" cy="9144000"/>
@@ -120,6 +121,7 @@
             <p14:sldId id="259"/>
             <p14:sldId id="260"/>
             <p14:sldId id="261"/>
+            <p14:sldId id="263"/>
           </p14:sldIdLst>
         </p14:section>
       </p14:sectionLst>
@@ -278,7 +280,7 @@
           <a:p>
             <a:fld id="{919822B0-46AB-49B3-A67C-B123A06D0FE2}" type="datetimeFigureOut">
               <a:rPr lang="it-IT" smtClean="0"/>
-              <a:t>05/04/2025</a:t>
+              <a:t>06/04/2025</a:t>
             </a:fld>
             <a:endParaRPr lang="it-IT"/>
           </a:p>
@@ -476,7 +478,7 @@
           <a:p>
             <a:fld id="{919822B0-46AB-49B3-A67C-B123A06D0FE2}" type="datetimeFigureOut">
               <a:rPr lang="it-IT" smtClean="0"/>
-              <a:t>05/04/2025</a:t>
+              <a:t>06/04/2025</a:t>
             </a:fld>
             <a:endParaRPr lang="it-IT"/>
           </a:p>
@@ -684,7 +686,7 @@
           <a:p>
             <a:fld id="{919822B0-46AB-49B3-A67C-B123A06D0FE2}" type="datetimeFigureOut">
               <a:rPr lang="it-IT" smtClean="0"/>
-              <a:t>05/04/2025</a:t>
+              <a:t>06/04/2025</a:t>
             </a:fld>
             <a:endParaRPr lang="it-IT"/>
           </a:p>
@@ -882,7 +884,7 @@
           <a:p>
             <a:fld id="{919822B0-46AB-49B3-A67C-B123A06D0FE2}" type="datetimeFigureOut">
               <a:rPr lang="it-IT" smtClean="0"/>
-              <a:t>05/04/2025</a:t>
+              <a:t>06/04/2025</a:t>
             </a:fld>
             <a:endParaRPr lang="it-IT"/>
           </a:p>
@@ -1157,7 +1159,7 @@
           <a:p>
             <a:fld id="{919822B0-46AB-49B3-A67C-B123A06D0FE2}" type="datetimeFigureOut">
               <a:rPr lang="it-IT" smtClean="0"/>
-              <a:t>05/04/2025</a:t>
+              <a:t>06/04/2025</a:t>
             </a:fld>
             <a:endParaRPr lang="it-IT"/>
           </a:p>
@@ -1422,7 +1424,7 @@
           <a:p>
             <a:fld id="{919822B0-46AB-49B3-A67C-B123A06D0FE2}" type="datetimeFigureOut">
               <a:rPr lang="it-IT" smtClean="0"/>
-              <a:t>05/04/2025</a:t>
+              <a:t>06/04/2025</a:t>
             </a:fld>
             <a:endParaRPr lang="it-IT"/>
           </a:p>
@@ -1834,7 +1836,7 @@
           <a:p>
             <a:fld id="{919822B0-46AB-49B3-A67C-B123A06D0FE2}" type="datetimeFigureOut">
               <a:rPr lang="it-IT" smtClean="0"/>
-              <a:t>05/04/2025</a:t>
+              <a:t>06/04/2025</a:t>
             </a:fld>
             <a:endParaRPr lang="it-IT"/>
           </a:p>
@@ -1975,7 +1977,7 @@
           <a:p>
             <a:fld id="{919822B0-46AB-49B3-A67C-B123A06D0FE2}" type="datetimeFigureOut">
               <a:rPr lang="it-IT" smtClean="0"/>
-              <a:t>05/04/2025</a:t>
+              <a:t>06/04/2025</a:t>
             </a:fld>
             <a:endParaRPr lang="it-IT"/>
           </a:p>
@@ -2088,7 +2090,7 @@
           <a:p>
             <a:fld id="{919822B0-46AB-49B3-A67C-B123A06D0FE2}" type="datetimeFigureOut">
               <a:rPr lang="it-IT" smtClean="0"/>
-              <a:t>05/04/2025</a:t>
+              <a:t>06/04/2025</a:t>
             </a:fld>
             <a:endParaRPr lang="it-IT"/>
           </a:p>
@@ -2399,7 +2401,7 @@
           <a:p>
             <a:fld id="{919822B0-46AB-49B3-A67C-B123A06D0FE2}" type="datetimeFigureOut">
               <a:rPr lang="it-IT" smtClean="0"/>
-              <a:t>05/04/2025</a:t>
+              <a:t>06/04/2025</a:t>
             </a:fld>
             <a:endParaRPr lang="it-IT"/>
           </a:p>
@@ -2687,7 +2689,7 @@
           <a:p>
             <a:fld id="{919822B0-46AB-49B3-A67C-B123A06D0FE2}" type="datetimeFigureOut">
               <a:rPr lang="it-IT" smtClean="0"/>
-              <a:t>05/04/2025</a:t>
+              <a:t>06/04/2025</a:t>
             </a:fld>
             <a:endParaRPr lang="it-IT"/>
           </a:p>
@@ -2928,7 +2930,7 @@
           <a:p>
             <a:fld id="{919822B0-46AB-49B3-A67C-B123A06D0FE2}" type="datetimeFigureOut">
               <a:rPr lang="it-IT" smtClean="0"/>
-              <a:t>05/04/2025</a:t>
+              <a:t>06/04/2025</a:t>
             </a:fld>
             <a:endParaRPr lang="it-IT"/>
           </a:p>
@@ -3409,7 +3411,7 @@
           <a:lstStyle/>
           <a:p>
             <a:pPr algn="ctr"/>
-            <a:endParaRPr lang="en-US"/>
+            <a:endParaRPr lang="en-US" noProof="0" dirty="0"/>
           </a:p>
         </p:txBody>
       </p:sp>
@@ -3442,8 +3444,8 @@
           <a:lstStyle/>
           <a:p>
             <a:r>
-              <a:rPr lang="it-IT" sz="4000"/>
-              <a:t>Min-Max Capacited Vehicle Routing Problem</a:t>
+              <a:rPr lang="en-US" sz="4000" noProof="0" dirty="0"/>
+              <a:t>Min-Max Capacitated Vehicle Routing Problem</a:t>
             </a:r>
           </a:p>
         </p:txBody>
@@ -3477,71 +3479,66 @@
           <a:lstStyle/>
           <a:p>
             <a:r>
-              <a:rPr lang="en-US" sz="2000" dirty="0"/>
+              <a:rPr lang="en-US" sz="2000" noProof="0" dirty="0"/>
               <a:t>m vehicles</a:t>
             </a:r>
           </a:p>
           <a:p>
             <a:r>
-              <a:rPr lang="en-US" sz="2000" dirty="0"/>
+              <a:rPr lang="en-US" sz="2000" noProof="0" dirty="0"/>
               <a:t>n locations (n-1 customers + depot)</a:t>
             </a:r>
           </a:p>
           <a:p>
             <a:r>
-              <a:rPr lang="en-US" sz="2000" dirty="0"/>
+              <a:rPr lang="en-US" sz="2000" noProof="0" dirty="0"/>
               <a:t>Each customer has a demand d</a:t>
             </a:r>
             <a:r>
-              <a:rPr lang="en-US" sz="2000" baseline="-25000" dirty="0"/>
+              <a:rPr lang="en-US" sz="2000" baseline="-25000" noProof="0" dirty="0"/>
               <a:t>i </a:t>
             </a:r>
-            <a:endParaRPr lang="en-US" sz="2000" dirty="0"/>
+            <a:endParaRPr lang="en-US" sz="2000" noProof="0" dirty="0"/>
           </a:p>
           <a:p>
             <a:r>
-              <a:rPr lang="en-US" sz="2000" dirty="0"/>
+              <a:rPr lang="en-US" sz="2000" noProof="0" dirty="0"/>
               <a:t>Each vehicle has a capacity </a:t>
             </a:r>
             <a:r>
-              <a:rPr lang="en-US" sz="2000" dirty="0" err="1"/>
+              <a:rPr lang="en-US" sz="2000" noProof="0" dirty="0" err="1"/>
               <a:t>q</a:t>
             </a:r>
             <a:r>
-              <a:rPr lang="en-US" sz="2000" baseline="-25000" dirty="0" err="1"/>
+              <a:rPr lang="en-US" sz="2000" baseline="-25000" noProof="0" dirty="0" err="1"/>
               <a:t>z</a:t>
             </a:r>
-            <a:endParaRPr lang="en-US" sz="2000" baseline="-25000" dirty="0"/>
+            <a:endParaRPr lang="en-US" sz="2000" baseline="-25000" noProof="0" dirty="0"/>
           </a:p>
           <a:p>
             <a:r>
-              <a:rPr lang="en-US" sz="2000" dirty="0"/>
+              <a:rPr lang="en-US" sz="2000" noProof="0" dirty="0"/>
               <a:t>Two locations have a distance </a:t>
             </a:r>
             <a:r>
-              <a:rPr lang="en-US" sz="2000" dirty="0" err="1"/>
+              <a:rPr lang="en-US" sz="2000" noProof="0" dirty="0" err="1"/>
               <a:t>c</a:t>
             </a:r>
             <a:r>
-              <a:rPr lang="en-US" sz="2000" baseline="-25000" dirty="0" err="1"/>
+              <a:rPr lang="en-US" sz="2000" baseline="-25000" noProof="0" dirty="0" err="1"/>
               <a:t>ij</a:t>
             </a:r>
-            <a:endParaRPr lang="en-US" sz="2000" baseline="-25000" dirty="0"/>
+            <a:endParaRPr lang="en-US" sz="2000" baseline="-25000" noProof="0" dirty="0"/>
           </a:p>
           <a:p>
             <a:r>
-              <a:rPr lang="en-US" sz="2000" dirty="0"/>
-              <a:t>We must visit each customer once starting and ending at the depot, without exceeding each </a:t>
+              <a:rPr lang="en-US" sz="2000" noProof="0" dirty="0"/>
+              <a:t>We must visit each customer once, starting and ending at the depot, without exceeding each vehicle’s capacity.</a:t>
             </a:r>
+          </a:p>
+          <a:p>
             <a:r>
-              <a:rPr lang="en-US" sz="2000"/>
-              <a:t>vehicle’s capacity.</a:t>
-            </a:r>
-            <a:endParaRPr lang="en-US" sz="2000" dirty="0"/>
-          </a:p>
-          <a:p>
-            <a:r>
-              <a:rPr lang="en-US" sz="2000" dirty="0"/>
+              <a:rPr lang="en-US" sz="2000" noProof="0" dirty="0"/>
               <a:t>The objective is to minimize the maximum distance traveled by a single vehicle.</a:t>
             </a:r>
           </a:p>
@@ -3635,19 +3632,14 @@
           <a:lstStyle/>
           <a:p>
             <a:r>
-              <a:rPr lang="it-IT" dirty="0"/>
-              <a:t>DIDP </a:t>
+              <a:rPr lang="en-US" noProof="0" dirty="0"/>
+              <a:t>DIDP Formulation</a:t>
             </a:r>
-            <a:r>
-              <a:rPr lang="it-IT" dirty="0" err="1"/>
-              <a:t>Formulation</a:t>
-            </a:r>
-            <a:endParaRPr lang="it-IT" dirty="0"/>
           </a:p>
         </p:txBody>
       </p:sp>
-      <mc:AlternateContent xmlns:mc="http://schemas.openxmlformats.org/markup-compatibility/2006" xmlns:a14="http://schemas.microsoft.com/office/drawing/2010/main">
-        <mc:Choice Requires="a14">
+      <mc:AlternateContent xmlns:mc="http://schemas.openxmlformats.org/markup-compatibility/2006">
+        <mc:Choice xmlns:a14="http://schemas.microsoft.com/office/drawing/2010/main" Requires="a14">
           <p:sp>
             <p:nvSpPr>
               <p:cNvPr id="3" name="Segnaposto contenuto 2">
@@ -3678,30 +3670,14 @@
                   <a:buNone/>
                 </a:pPr>
                 <a:r>
-                  <a:rPr lang="it-IT" dirty="0"/>
-                  <a:t>State </a:t>
-                </a:r>
-                <a:r>
-                  <a:rPr lang="it-IT" dirty="0" err="1"/>
-                  <a:t>Variables</a:t>
-                </a:r>
-                <a:r>
-                  <a:rPr lang="it-IT" dirty="0"/>
-                  <a:t>:</a:t>
+                  <a:rPr lang="en-US" noProof="0" dirty="0"/>
+                  <a:t>State Variables:</a:t>
                 </a:r>
               </a:p>
               <a:p>
                 <a:r>
-                  <a:rPr lang="it-IT" dirty="0"/>
-                  <a:t>U: set of </a:t>
-                </a:r>
-                <a:r>
-                  <a:rPr lang="it-IT" dirty="0" err="1"/>
-                  <a:t>unvisited</a:t>
-                </a:r>
-                <a:r>
-                  <a:rPr lang="it-IT" dirty="0"/>
-                  <a:t> customers</a:t>
+                  <a:rPr lang="en-US" noProof="0" dirty="0"/>
+                  <a:t>U: set of unvisited customers</a:t>
                 </a:r>
               </a:p>
               <a:p>
@@ -3712,7 +3688,7 @@
                         <m:begChr m:val="{"/>
                         <m:endChr m:val="}"/>
                         <m:ctrlPr>
-                          <a:rPr lang="it-IT" i="1" smtClean="0">
+                          <a:rPr lang="en-US" i="1" noProof="0" smtClean="0">
                             <a:latin typeface="Cambria Math" panose="02040503050406030204" pitchFamily="18" charset="0"/>
                           </a:rPr>
                         </m:ctrlPr>
@@ -3721,14 +3697,14 @@
                         <m:sSub>
                           <m:sSubPr>
                             <m:ctrlPr>
-                              <a:rPr lang="it-IT" i="1" smtClean="0">
+                              <a:rPr lang="en-US" i="1" noProof="0" smtClean="0">
                                 <a:latin typeface="Cambria Math" panose="02040503050406030204" pitchFamily="18" charset="0"/>
                               </a:rPr>
                             </m:ctrlPr>
                           </m:sSubPr>
                           <m:e>
                             <m:r>
-                              <a:rPr lang="it-IT" b="0" i="1" smtClean="0">
+                              <a:rPr lang="en-US" b="0" i="1" noProof="0" smtClean="0">
                                 <a:latin typeface="Cambria Math" panose="02040503050406030204" pitchFamily="18" charset="0"/>
                               </a:rPr>
                               <m:t>𝑖</m:t>
@@ -3736,7 +3712,7 @@
                           </m:e>
                           <m:sub>
                             <m:r>
-                              <a:rPr lang="it-IT" b="0" i="1" smtClean="0">
+                              <a:rPr lang="en-US" b="0" i="1" noProof="0" smtClean="0">
                                 <a:latin typeface="Cambria Math" panose="02040503050406030204" pitchFamily="18" charset="0"/>
                               </a:rPr>
                               <m:t>1</m:t>
@@ -3744,7 +3720,7 @@
                           </m:sub>
                         </m:sSub>
                         <m:r>
-                          <a:rPr lang="it-IT" b="0" i="1" smtClean="0">
+                          <a:rPr lang="en-US" b="0" i="1" noProof="0" smtClean="0">
                             <a:latin typeface="Cambria Math" panose="02040503050406030204" pitchFamily="18" charset="0"/>
                           </a:rPr>
                           <m:t>,…,</m:t>
@@ -3752,14 +3728,14 @@
                         <m:sSub>
                           <m:sSubPr>
                             <m:ctrlPr>
-                              <a:rPr lang="it-IT" b="0" i="1" smtClean="0">
+                              <a:rPr lang="en-US" b="0" i="1" noProof="0" smtClean="0">
                                 <a:latin typeface="Cambria Math" panose="02040503050406030204" pitchFamily="18" charset="0"/>
                               </a:rPr>
                             </m:ctrlPr>
                           </m:sSubPr>
                           <m:e>
                             <m:r>
-                              <a:rPr lang="it-IT" b="0" i="1" smtClean="0">
+                              <a:rPr lang="en-US" b="0" i="1" noProof="0" smtClean="0">
                                 <a:latin typeface="Cambria Math" panose="02040503050406030204" pitchFamily="18" charset="0"/>
                               </a:rPr>
                               <m:t>𝑖</m:t>
@@ -3767,7 +3743,7 @@
                           </m:e>
                           <m:sub>
                             <m:r>
-                              <a:rPr lang="it-IT" b="0" i="1" smtClean="0">
+                              <a:rPr lang="en-US" b="0" i="1" noProof="0" smtClean="0">
                                 <a:latin typeface="Cambria Math" panose="02040503050406030204" pitchFamily="18" charset="0"/>
                               </a:rPr>
                               <m:t>𝑚</m:t>
@@ -3777,7 +3753,7 @@
                       </m:e>
                     </m:d>
                     <m:r>
-                      <a:rPr lang="it-IT" b="0" i="1" smtClean="0">
+                      <a:rPr lang="en-US" b="0" i="1" noProof="0" smtClean="0">
                         <a:latin typeface="Cambria Math" panose="02040503050406030204" pitchFamily="18" charset="0"/>
                       </a:rPr>
                       <m:t> </m:t>
@@ -3785,7 +3761,7 @@
                   </m:oMath>
                 </a14:m>
                 <a:r>
-                  <a:rPr lang="it-IT" dirty="0"/>
+                  <a:rPr lang="en-US" noProof="0" dirty="0"/>
                   <a:t>: locations</a:t>
                 </a:r>
               </a:p>
@@ -3797,7 +3773,7 @@
                         <m:begChr m:val="{"/>
                         <m:endChr m:val="}"/>
                         <m:ctrlPr>
-                          <a:rPr lang="it-IT" i="1" smtClean="0">
+                          <a:rPr lang="en-US" i="1" noProof="0" smtClean="0">
                             <a:latin typeface="Cambria Math" panose="02040503050406030204" pitchFamily="18" charset="0"/>
                           </a:rPr>
                         </m:ctrlPr>
@@ -3806,14 +3782,14 @@
                         <m:sSub>
                           <m:sSubPr>
                             <m:ctrlPr>
-                              <a:rPr lang="it-IT" i="1" smtClean="0">
+                              <a:rPr lang="en-US" i="1" noProof="0" smtClean="0">
                                 <a:latin typeface="Cambria Math" panose="02040503050406030204" pitchFamily="18" charset="0"/>
                               </a:rPr>
                             </m:ctrlPr>
                           </m:sSubPr>
                           <m:e>
                             <m:r>
-                              <a:rPr lang="it-IT" b="0" i="1" smtClean="0">
+                              <a:rPr lang="en-US" b="0" i="1" noProof="0" smtClean="0">
                                 <a:latin typeface="Cambria Math" panose="02040503050406030204" pitchFamily="18" charset="0"/>
                               </a:rPr>
                               <m:t>𝑙</m:t>
@@ -3821,7 +3797,7 @@
                           </m:e>
                           <m:sub>
                             <m:r>
-                              <a:rPr lang="it-IT" b="0" i="1" smtClean="0">
+                              <a:rPr lang="en-US" b="0" i="1" noProof="0" smtClean="0">
                                 <a:latin typeface="Cambria Math" panose="02040503050406030204" pitchFamily="18" charset="0"/>
                               </a:rPr>
                               <m:t>1</m:t>
@@ -3829,7 +3805,7 @@
                           </m:sub>
                         </m:sSub>
                         <m:r>
-                          <a:rPr lang="it-IT" b="0" i="1" smtClean="0">
+                          <a:rPr lang="en-US" b="0" i="1" noProof="0" smtClean="0">
                             <a:latin typeface="Cambria Math" panose="02040503050406030204" pitchFamily="18" charset="0"/>
                           </a:rPr>
                           <m:t>,…,</m:t>
@@ -3837,14 +3813,14 @@
                         <m:sSub>
                           <m:sSubPr>
                             <m:ctrlPr>
-                              <a:rPr lang="it-IT" b="0" i="1" smtClean="0">
+                              <a:rPr lang="en-US" b="0" i="1" noProof="0" smtClean="0">
                                 <a:latin typeface="Cambria Math" panose="02040503050406030204" pitchFamily="18" charset="0"/>
                               </a:rPr>
                             </m:ctrlPr>
                           </m:sSubPr>
                           <m:e>
                             <m:r>
-                              <a:rPr lang="it-IT" b="0" i="1" smtClean="0">
+                              <a:rPr lang="en-US" b="0" i="1" noProof="0" smtClean="0">
                                 <a:latin typeface="Cambria Math" panose="02040503050406030204" pitchFamily="18" charset="0"/>
                               </a:rPr>
                               <m:t>𝑙</m:t>
@@ -3852,7 +3828,7 @@
                           </m:e>
                           <m:sub>
                             <m:r>
-                              <a:rPr lang="it-IT" b="0" i="1" smtClean="0">
+                              <a:rPr lang="en-US" b="0" i="1" noProof="0" smtClean="0">
                                 <a:latin typeface="Cambria Math" panose="02040503050406030204" pitchFamily="18" charset="0"/>
                               </a:rPr>
                               <m:t>𝑚</m:t>
@@ -3862,7 +3838,7 @@
                       </m:e>
                     </m:d>
                     <m:r>
-                      <a:rPr lang="it-IT" b="0" i="1" smtClean="0">
+                      <a:rPr lang="en-US" b="0" i="1" noProof="0" smtClean="0">
                         <a:latin typeface="Cambria Math" panose="02040503050406030204" pitchFamily="18" charset="0"/>
                       </a:rPr>
                       <m:t> : </m:t>
@@ -3870,7 +3846,7 @@
                   </m:oMath>
                 </a14:m>
                 <a:r>
-                  <a:rPr lang="it-IT" dirty="0"/>
+                  <a:rPr lang="en-US" noProof="0" dirty="0"/>
                   <a:t>loads </a:t>
                 </a:r>
               </a:p>
@@ -3882,7 +3858,7 @@
                         <m:begChr m:val="{"/>
                         <m:endChr m:val="}"/>
                         <m:ctrlPr>
-                          <a:rPr lang="it-IT" i="1" smtClean="0">
+                          <a:rPr lang="en-US" i="1" noProof="0" smtClean="0">
                             <a:latin typeface="Cambria Math" panose="02040503050406030204" pitchFamily="18" charset="0"/>
                           </a:rPr>
                         </m:ctrlPr>
@@ -3891,14 +3867,14 @@
                         <m:sSub>
                           <m:sSubPr>
                             <m:ctrlPr>
-                              <a:rPr lang="it-IT" i="1" smtClean="0">
+                              <a:rPr lang="en-US" i="1" noProof="0" smtClean="0">
                                 <a:latin typeface="Cambria Math" panose="02040503050406030204" pitchFamily="18" charset="0"/>
                               </a:rPr>
                             </m:ctrlPr>
                           </m:sSubPr>
                           <m:e>
                             <m:r>
-                              <a:rPr lang="it-IT" b="0" i="1" smtClean="0">
+                              <a:rPr lang="en-US" b="0" i="1" noProof="0" smtClean="0">
                                 <a:latin typeface="Cambria Math" panose="02040503050406030204" pitchFamily="18" charset="0"/>
                               </a:rPr>
                               <m:t>𝑝</m:t>
@@ -3906,7 +3882,7 @@
                           </m:e>
                           <m:sub>
                             <m:r>
-                              <a:rPr lang="it-IT" b="0" i="1" smtClean="0">
+                              <a:rPr lang="en-US" b="0" i="1" noProof="0" smtClean="0">
                                 <a:latin typeface="Cambria Math" panose="02040503050406030204" pitchFamily="18" charset="0"/>
                               </a:rPr>
                               <m:t>1</m:t>
@@ -3914,7 +3890,7 @@
                           </m:sub>
                         </m:sSub>
                         <m:r>
-                          <a:rPr lang="it-IT" b="0" i="1" smtClean="0">
+                          <a:rPr lang="en-US" b="0" i="1" noProof="0" smtClean="0">
                             <a:latin typeface="Cambria Math" panose="02040503050406030204" pitchFamily="18" charset="0"/>
                           </a:rPr>
                           <m:t>,…,</m:t>
@@ -3922,14 +3898,14 @@
                         <m:sSub>
                           <m:sSubPr>
                             <m:ctrlPr>
-                              <a:rPr lang="it-IT" b="0" i="1" smtClean="0">
+                              <a:rPr lang="en-US" b="0" i="1" noProof="0" smtClean="0">
                                 <a:latin typeface="Cambria Math" panose="02040503050406030204" pitchFamily="18" charset="0"/>
                               </a:rPr>
                             </m:ctrlPr>
                           </m:sSubPr>
                           <m:e>
                             <m:r>
-                              <a:rPr lang="it-IT" b="0" i="1" smtClean="0">
+                              <a:rPr lang="en-US" b="0" i="1" noProof="0" smtClean="0">
                                 <a:latin typeface="Cambria Math" panose="02040503050406030204" pitchFamily="18" charset="0"/>
                               </a:rPr>
                               <m:t>𝑝</m:t>
@@ -3937,7 +3913,7 @@
                           </m:e>
                           <m:sub>
                             <m:r>
-                              <a:rPr lang="it-IT" b="0" i="1" smtClean="0">
+                              <a:rPr lang="en-US" b="0" i="1" noProof="0" smtClean="0">
                                 <a:latin typeface="Cambria Math" panose="02040503050406030204" pitchFamily="18" charset="0"/>
                               </a:rPr>
                               <m:t>𝑚</m:t>
@@ -3947,7 +3923,7 @@
                       </m:e>
                     </m:d>
                     <m:r>
-                      <a:rPr lang="it-IT" b="0" i="1" smtClean="0">
+                      <a:rPr lang="en-US" b="0" i="1" noProof="0" smtClean="0">
                         <a:latin typeface="Cambria Math" panose="02040503050406030204" pitchFamily="18" charset="0"/>
                       </a:rPr>
                       <m:t> </m:t>
@@ -3955,29 +3931,21 @@
                   </m:oMath>
                 </a14:m>
                 <a:r>
-                  <a:rPr lang="it-IT" dirty="0"/>
-                  <a:t>: </a:t>
-                </a:r>
-                <a:r>
-                  <a:rPr lang="it-IT" dirty="0" err="1"/>
-                  <a:t>distances</a:t>
-                </a:r>
-                <a:r>
-                  <a:rPr lang="it-IT" dirty="0"/>
-                  <a:t> </a:t>
+                  <a:rPr lang="en-US" noProof="0" dirty="0"/>
+                  <a:t>: distances </a:t>
                 </a:r>
               </a:p>
               <a:p>
                 <a14:m>
                   <m:oMath xmlns:m="http://schemas.openxmlformats.org/officeDocument/2006/math">
                     <m:r>
-                      <a:rPr lang="it-IT" b="0" i="1" smtClean="0">
+                      <a:rPr lang="en-US" b="0" i="1" noProof="0" smtClean="0">
                         <a:latin typeface="Cambria Math" panose="02040503050406030204" pitchFamily="18" charset="0"/>
                       </a:rPr>
                       <m:t>𝑘</m:t>
                     </m:r>
                     <m:r>
-                      <a:rPr lang="it-IT" b="0" i="1" smtClean="0">
+                      <a:rPr lang="en-US" b="0" i="1" noProof="0" smtClean="0">
                         <a:latin typeface="Cambria Math" panose="02040503050406030204" pitchFamily="18" charset="0"/>
                       </a:rPr>
                       <m:t> </m:t>
@@ -3985,36 +3953,20 @@
                   </m:oMath>
                 </a14:m>
                 <a:r>
-                  <a:rPr lang="it-IT" dirty="0"/>
-                  <a:t>: </a:t>
-                </a:r>
-                <a:r>
-                  <a:rPr lang="it-IT" dirty="0" err="1"/>
-                  <a:t>used</a:t>
-                </a:r>
-                <a:r>
-                  <a:rPr lang="it-IT" dirty="0"/>
-                  <a:t> </a:t>
-                </a:r>
-                <a:r>
-                  <a:rPr lang="it-IT" dirty="0" err="1"/>
-                  <a:t>vehicles</a:t>
-                </a:r>
-                <a:r>
-                  <a:rPr lang="it-IT" dirty="0"/>
-                  <a:t>.</a:t>
+                  <a:rPr lang="en-US" noProof="0" dirty="0"/>
+                  <a:t>: used vehicles.</a:t>
                 </a:r>
               </a:p>
               <a:p>
                 <a:pPr marL="0" indent="0">
                   <a:buNone/>
                 </a:pPr>
-                <a:endParaRPr lang="it-IT" dirty="0"/>
+                <a:endParaRPr lang="en-US" noProof="0" dirty="0"/>
               </a:p>
             </p:txBody>
           </p:sp>
         </mc:Choice>
-        <mc:Fallback xmlns="">
+        <mc:Fallback>
           <p:sp>
             <p:nvSpPr>
               <p:cNvPr id="3" name="Segnaposto contenuto 2">
@@ -4058,8 +4010,8 @@
           </p:sp>
         </mc:Fallback>
       </mc:AlternateContent>
-      <mc:AlternateContent xmlns:mc="http://schemas.openxmlformats.org/markup-compatibility/2006" xmlns:a14="http://schemas.microsoft.com/office/drawing/2010/main">
-        <mc:Choice Requires="a14">
+      <mc:AlternateContent xmlns:mc="http://schemas.openxmlformats.org/markup-compatibility/2006">
+        <mc:Choice xmlns:a14="http://schemas.microsoft.com/office/drawing/2010/main" Requires="a14">
           <p:sp>
             <p:nvSpPr>
               <p:cNvPr id="4" name="Segnaposto contenuto 2">
@@ -4257,44 +4209,20 @@
                   <a:buNone/>
                 </a:pPr>
                 <a:r>
-                  <a:rPr lang="it-IT" dirty="0"/>
+                  <a:rPr lang="en-US" noProof="0" dirty="0"/>
                   <a:t>Constants:</a:t>
                 </a:r>
               </a:p>
               <a:p>
                 <a:r>
-                  <a:rPr lang="it-IT" dirty="0"/>
-                  <a:t>N: customers (0 </a:t>
-                </a:r>
-                <a:r>
-                  <a:rPr lang="it-IT" dirty="0" err="1"/>
-                  <a:t>is</a:t>
-                </a:r>
-                <a:r>
-                  <a:rPr lang="it-IT" dirty="0"/>
-                  <a:t> the depot)</a:t>
+                  <a:rPr lang="en-US" noProof="0" dirty="0"/>
+                  <a:t>N: customers (0 is the depot)</a:t>
                 </a:r>
               </a:p>
               <a:p>
                 <a:r>
-                  <a:rPr lang="it-IT" dirty="0"/>
-                  <a:t>m: </a:t>
-                </a:r>
-                <a:r>
-                  <a:rPr lang="it-IT" dirty="0" err="1"/>
-                  <a:t>number</a:t>
-                </a:r>
-                <a:r>
-                  <a:rPr lang="it-IT" dirty="0"/>
-                  <a:t> of </a:t>
-                </a:r>
-                <a:r>
-                  <a:rPr lang="it-IT" dirty="0" err="1"/>
-                  <a:t>vehicles</a:t>
-                </a:r>
-                <a:r>
-                  <a:rPr lang="it-IT" dirty="0"/>
-                  <a:t>.</a:t>
+                  <a:rPr lang="en-US" noProof="0" dirty="0"/>
+                  <a:t>m: number of vehicles.</a:t>
                 </a:r>
               </a:p>
               <a:p>
@@ -4303,14 +4231,14 @@
                     <m:sSub>
                       <m:sSubPr>
                         <m:ctrlPr>
-                          <a:rPr lang="it-IT" i="1" smtClean="0">
+                          <a:rPr lang="en-US" i="1" noProof="0" smtClean="0">
                             <a:latin typeface="Cambria Math" panose="02040503050406030204" pitchFamily="18" charset="0"/>
                           </a:rPr>
                         </m:ctrlPr>
                       </m:sSubPr>
                       <m:e>
                         <m:r>
-                          <a:rPr lang="it-IT" b="0" i="1" smtClean="0">
+                          <a:rPr lang="en-US" b="0" i="1" noProof="0" smtClean="0">
                             <a:latin typeface="Cambria Math" panose="02040503050406030204" pitchFamily="18" charset="0"/>
                           </a:rPr>
                           <m:t>𝑐</m:t>
@@ -4318,7 +4246,7 @@
                       </m:e>
                       <m:sub>
                         <m:r>
-                          <a:rPr lang="it-IT" b="0" i="1" smtClean="0">
+                          <a:rPr lang="en-US" b="0" i="1" noProof="0" smtClean="0">
                             <a:latin typeface="Cambria Math" panose="02040503050406030204" pitchFamily="18" charset="0"/>
                           </a:rPr>
                           <m:t>𝑖𝑗</m:t>
@@ -4328,8 +4256,16 @@
                   </m:oMath>
                 </a14:m>
                 <a:r>
-                  <a:rPr lang="it-IT" dirty="0"/>
-                  <a:t>: travel cost from i to j</a:t>
+                  <a:rPr lang="en-US" noProof="0" dirty="0"/>
+                  <a:t>: travel cost from </a:t>
+                </a:r>
+                <a:r>
+                  <a:rPr lang="en-US" noProof="0" dirty="0" err="1"/>
+                  <a:t>i</a:t>
+                </a:r>
+                <a:r>
+                  <a:rPr lang="en-US" noProof="0" dirty="0"/>
+                  <a:t> to j</a:t>
                 </a:r>
               </a:p>
               <a:p>
@@ -4340,7 +4276,7 @@
                         <m:begChr m:val="{"/>
                         <m:endChr m:val="}"/>
                         <m:ctrlPr>
-                          <a:rPr lang="it-IT" i="1" smtClean="0">
+                          <a:rPr lang="en-US" i="1" noProof="0" smtClean="0">
                             <a:latin typeface="Cambria Math" panose="02040503050406030204" pitchFamily="18" charset="0"/>
                           </a:rPr>
                         </m:ctrlPr>
@@ -4349,14 +4285,14 @@
                         <m:sSub>
                           <m:sSubPr>
                             <m:ctrlPr>
-                              <a:rPr lang="it-IT" i="1" smtClean="0">
+                              <a:rPr lang="en-US" i="1" noProof="0" smtClean="0">
                                 <a:latin typeface="Cambria Math" panose="02040503050406030204" pitchFamily="18" charset="0"/>
                               </a:rPr>
                             </m:ctrlPr>
                           </m:sSubPr>
                           <m:e>
                             <m:r>
-                              <a:rPr lang="it-IT" b="0" i="1" smtClean="0">
+                              <a:rPr lang="en-US" b="0" i="1" noProof="0" smtClean="0">
                                 <a:latin typeface="Cambria Math" panose="02040503050406030204" pitchFamily="18" charset="0"/>
                               </a:rPr>
                               <m:t>𝑞</m:t>
@@ -4364,7 +4300,7 @@
                           </m:e>
                           <m:sub>
                             <m:r>
-                              <a:rPr lang="it-IT" i="1" smtClean="0">
+                              <a:rPr lang="en-US" i="1" noProof="0" smtClean="0">
                                 <a:latin typeface="Cambria Math" panose="02040503050406030204" pitchFamily="18" charset="0"/>
                               </a:rPr>
                               <m:t>1</m:t>
@@ -4372,7 +4308,7 @@
                           </m:sub>
                         </m:sSub>
                         <m:r>
-                          <a:rPr lang="it-IT" i="1" smtClean="0">
+                          <a:rPr lang="en-US" i="1" noProof="0" smtClean="0">
                             <a:latin typeface="Cambria Math" panose="02040503050406030204" pitchFamily="18" charset="0"/>
                           </a:rPr>
                           <m:t>,…,</m:t>
@@ -4380,14 +4316,14 @@
                         <m:sSub>
                           <m:sSubPr>
                             <m:ctrlPr>
-                              <a:rPr lang="it-IT" i="1" smtClean="0">
+                              <a:rPr lang="en-US" i="1" noProof="0" smtClean="0">
                                 <a:latin typeface="Cambria Math" panose="02040503050406030204" pitchFamily="18" charset="0"/>
                               </a:rPr>
                             </m:ctrlPr>
                           </m:sSubPr>
                           <m:e>
                             <m:r>
-                              <a:rPr lang="it-IT" b="0" i="1" smtClean="0">
+                              <a:rPr lang="en-US" b="0" i="1" noProof="0" smtClean="0">
                                 <a:latin typeface="Cambria Math" panose="02040503050406030204" pitchFamily="18" charset="0"/>
                               </a:rPr>
                               <m:t>𝑞</m:t>
@@ -4395,7 +4331,7 @@
                           </m:e>
                           <m:sub>
                             <m:r>
-                              <a:rPr lang="it-IT" i="1" smtClean="0">
+                              <a:rPr lang="en-US" i="1" noProof="0" smtClean="0">
                                 <a:latin typeface="Cambria Math" panose="02040503050406030204" pitchFamily="18" charset="0"/>
                               </a:rPr>
                               <m:t>𝑚</m:t>
@@ -4405,13 +4341,7 @@
                       </m:e>
                     </m:d>
                     <m:r>
-                      <a:rPr lang="it-IT" i="1" smtClean="0">
-                        <a:latin typeface="Cambria Math" panose="02040503050406030204" pitchFamily="18" charset="0"/>
-                      </a:rPr>
-                      <m:t> </m:t>
-                    </m:r>
-                    <m:r>
-                      <a:rPr lang="it-IT" b="0" i="1" smtClean="0">
+                      <a:rPr lang="en-US" b="0" i="1" noProof="0" smtClean="0">
                         <a:latin typeface="Cambria Math" panose="02040503050406030204" pitchFamily="18" charset="0"/>
                       </a:rPr>
                       <m:t>:</m:t>
@@ -4419,24 +4349,8 @@
                   </m:oMath>
                 </a14:m>
                 <a:r>
-                  <a:rPr lang="it-IT" dirty="0"/>
-                  <a:t> </a:t>
-                </a:r>
-                <a:r>
-                  <a:rPr lang="it-IT" dirty="0" err="1"/>
-                  <a:t>vehicle’s</a:t>
-                </a:r>
-                <a:r>
-                  <a:rPr lang="it-IT" dirty="0"/>
-                  <a:t> </a:t>
-                </a:r>
-                <a:r>
-                  <a:rPr lang="it-IT" dirty="0" err="1"/>
-                  <a:t>capacities</a:t>
-                </a:r>
-                <a:r>
-                  <a:rPr lang="it-IT" dirty="0"/>
-                  <a:t> </a:t>
+                  <a:rPr lang="en-US" noProof="0" dirty="0"/>
+                  <a:t> vehicle’s capacities </a:t>
                 </a:r>
               </a:p>
               <a:p>
@@ -4447,7 +4361,7 @@
                         <m:begChr m:val="{"/>
                         <m:endChr m:val="}"/>
                         <m:ctrlPr>
-                          <a:rPr lang="it-IT" i="1" smtClean="0">
+                          <a:rPr lang="en-US" i="1" noProof="0" smtClean="0">
                             <a:latin typeface="Cambria Math" panose="02040503050406030204" pitchFamily="18" charset="0"/>
                           </a:rPr>
                         </m:ctrlPr>
@@ -4456,14 +4370,14 @@
                         <m:sSub>
                           <m:sSubPr>
                             <m:ctrlPr>
-                              <a:rPr lang="it-IT" i="1" smtClean="0">
+                              <a:rPr lang="en-US" i="1" noProof="0" smtClean="0">
                                 <a:latin typeface="Cambria Math" panose="02040503050406030204" pitchFamily="18" charset="0"/>
                               </a:rPr>
                             </m:ctrlPr>
                           </m:sSubPr>
                           <m:e>
                             <m:r>
-                              <a:rPr lang="it-IT" b="0" i="1" smtClean="0">
+                              <a:rPr lang="en-US" b="0" i="1" noProof="0" smtClean="0">
                                 <a:latin typeface="Cambria Math" panose="02040503050406030204" pitchFamily="18" charset="0"/>
                               </a:rPr>
                               <m:t>𝑑</m:t>
@@ -4471,7 +4385,7 @@
                           </m:e>
                           <m:sub>
                             <m:r>
-                              <a:rPr lang="it-IT" i="1" smtClean="0">
+                              <a:rPr lang="en-US" i="1" noProof="0" smtClean="0">
                                 <a:latin typeface="Cambria Math" panose="02040503050406030204" pitchFamily="18" charset="0"/>
                               </a:rPr>
                               <m:t>1</m:t>
@@ -4479,7 +4393,7 @@
                           </m:sub>
                         </m:sSub>
                         <m:r>
-                          <a:rPr lang="it-IT" i="1" smtClean="0">
+                          <a:rPr lang="en-US" i="1" noProof="0" smtClean="0">
                             <a:latin typeface="Cambria Math" panose="02040503050406030204" pitchFamily="18" charset="0"/>
                           </a:rPr>
                           <m:t>,…,</m:t>
@@ -4487,14 +4401,14 @@
                         <m:sSub>
                           <m:sSubPr>
                             <m:ctrlPr>
-                              <a:rPr lang="it-IT" i="1" smtClean="0">
+                              <a:rPr lang="en-US" i="1" noProof="0" smtClean="0">
                                 <a:latin typeface="Cambria Math" panose="02040503050406030204" pitchFamily="18" charset="0"/>
                               </a:rPr>
                             </m:ctrlPr>
                           </m:sSubPr>
                           <m:e>
                             <m:r>
-                              <a:rPr lang="it-IT" b="0" i="1" smtClean="0">
+                              <a:rPr lang="en-US" b="0" i="1" noProof="0" smtClean="0">
                                 <a:latin typeface="Cambria Math" panose="02040503050406030204" pitchFamily="18" charset="0"/>
                               </a:rPr>
                               <m:t>𝑑</m:t>
@@ -4502,13 +4416,13 @@
                           </m:e>
                           <m:sub>
                             <m:r>
-                              <a:rPr lang="it-IT" b="0" i="1" smtClean="0">
+                              <a:rPr lang="en-US" b="0" i="1" noProof="0" smtClean="0">
                                 <a:latin typeface="Cambria Math" panose="02040503050406030204" pitchFamily="18" charset="0"/>
                               </a:rPr>
                               <m:t>𝑛</m:t>
                             </m:r>
                             <m:r>
-                              <a:rPr lang="it-IT" b="0" i="1" smtClean="0">
+                              <a:rPr lang="en-US" b="0" i="1" noProof="0" smtClean="0">
                                 <a:latin typeface="Cambria Math" panose="02040503050406030204" pitchFamily="18" charset="0"/>
                               </a:rPr>
                               <m:t>−1</m:t>
@@ -4517,25 +4431,11 @@
                         </m:sSub>
                       </m:e>
                     </m:d>
-                    <m:r>
-                      <a:rPr lang="it-IT" i="1" smtClean="0">
-                        <a:latin typeface="Cambria Math" panose="02040503050406030204" pitchFamily="18" charset="0"/>
-                      </a:rPr>
-                      <m:t> </m:t>
-                    </m:r>
                   </m:oMath>
                 </a14:m>
                 <a:r>
-                  <a:rPr lang="it-IT" dirty="0"/>
-                  <a:t>: </a:t>
-                </a:r>
-                <a:r>
-                  <a:rPr lang="it-IT" dirty="0" err="1"/>
-                  <a:t>customers’s</a:t>
-                </a:r>
-                <a:r>
-                  <a:rPr lang="it-IT" dirty="0"/>
-                  <a:t> demands </a:t>
+                  <a:rPr lang="en-US" noProof="0" dirty="0"/>
+                  <a:t>: customers’ demands </a:t>
                 </a:r>
               </a:p>
               <a:p>
@@ -4543,12 +4443,12 @@
                   <a:buFont typeface="Arial" panose="020B0604020202020204" pitchFamily="34" charset="0"/>
                   <a:buNone/>
                 </a:pPr>
-                <a:endParaRPr lang="it-IT" dirty="0"/>
+                <a:endParaRPr lang="en-US" noProof="0" dirty="0"/>
               </a:p>
             </p:txBody>
           </p:sp>
         </mc:Choice>
-        <mc:Fallback xmlns="">
+        <mc:Fallback>
           <p:sp>
             <p:nvSpPr>
               <p:cNvPr id="4" name="Segnaposto contenuto 2">
@@ -4659,14 +4559,9 @@
           <a:p>
             <a:pPr algn="ctr"/>
             <a:r>
-              <a:rPr lang="it-IT" dirty="0"/>
-              <a:t>DIDP </a:t>
+              <a:rPr lang="en-US" noProof="0" dirty="0"/>
+              <a:t>DIDP Formulation</a:t>
             </a:r>
-            <a:r>
-              <a:rPr lang="it-IT" dirty="0" err="1"/>
-              <a:t>Formulation</a:t>
-            </a:r>
-            <a:endParaRPr lang="it-IT" dirty="0"/>
           </a:p>
         </p:txBody>
       </p:sp>
@@ -4717,37 +4612,37 @@
                         <m:rPr>
                           <m:sty m:val="p"/>
                         </m:rPr>
-                        <a:rPr lang="en-US" sz="1875" smtClean="0">
+                        <a:rPr lang="en-US" sz="1875" noProof="0" smtClean="0">
                           <a:latin typeface="Cambria Math" panose="02040503050406030204" pitchFamily="18" charset="0"/>
                         </a:rPr>
                         <m:t>compute</m:t>
                       </m:r>
                       <m:r>
-                        <a:rPr lang="en-US" sz="1875" i="1">
+                        <a:rPr lang="en-US" sz="1875" i="1" noProof="0">
                           <a:latin typeface="Cambria Math" panose="02040503050406030204" pitchFamily="18" charset="0"/>
                         </a:rPr>
                         <m:t> </m:t>
                       </m:r>
                       <m:r>
-                        <a:rPr lang="en-US" sz="1875" i="1" smtClean="0">
+                        <a:rPr lang="en-US" sz="1875" i="1" noProof="0" smtClean="0">
                           <a:latin typeface="Cambria Math" panose="02040503050406030204" pitchFamily="18" charset="0"/>
                         </a:rPr>
                         <m:t>𝑉</m:t>
                       </m:r>
                       <m:r>
-                        <a:rPr lang="en-US" sz="1875" i="1">
+                        <a:rPr lang="en-US" sz="1875" i="1" noProof="0">
                           <a:latin typeface="Cambria Math" panose="02040503050406030204" pitchFamily="18" charset="0"/>
                         </a:rPr>
                         <m:t>(</m:t>
                       </m:r>
                       <m:r>
-                        <a:rPr lang="en-US" sz="1875" i="1">
+                        <a:rPr lang="en-US" sz="1875" i="1" noProof="0">
                           <a:latin typeface="Cambria Math" panose="02040503050406030204" pitchFamily="18" charset="0"/>
                         </a:rPr>
                         <m:t>𝑁</m:t>
                       </m:r>
                       <m:r>
-                        <a:rPr lang="en-US" sz="1875" i="1">
+                        <a:rPr lang="en-US" sz="1875" i="1" noProof="0">
                           <a:latin typeface="Cambria Math" panose="02040503050406030204" pitchFamily="18" charset="0"/>
                         </a:rPr>
                         <m:t> \</m:t>
@@ -4756,7 +4651,7 @@
                         <m:rPr>
                           <m:lit/>
                         </m:rPr>
-                        <a:rPr lang="en-US" sz="1875" i="1">
+                        <a:rPr lang="en-US" sz="1875" i="1" noProof="0">
                           <a:latin typeface="Cambria Math" panose="02040503050406030204" pitchFamily="18" charset="0"/>
                         </a:rPr>
                         <m:t> </m:t>
@@ -4766,14 +4661,14 @@
                           <m:begChr m:val="{"/>
                           <m:endChr m:val="}"/>
                           <m:ctrlPr>
-                            <a:rPr lang="en-US" sz="1875" i="1">
+                            <a:rPr lang="en-US" sz="1875" i="1" noProof="0">
                               <a:latin typeface="Cambria Math" panose="02040503050406030204" pitchFamily="18" charset="0"/>
                             </a:rPr>
                           </m:ctrlPr>
                         </m:dPr>
                         <m:e>
                           <m:r>
-                            <a:rPr lang="en-US" sz="1875" i="1">
+                            <a:rPr lang="en-US" sz="1875" i="1" noProof="0">
                               <a:latin typeface="Cambria Math" panose="02040503050406030204" pitchFamily="18" charset="0"/>
                             </a:rPr>
                             <m:t>0</m:t>
@@ -4781,13 +4676,13 @@
                         </m:e>
                       </m:d>
                       <m:r>
-                        <a:rPr lang="en-US" sz="1875" i="1">
+                        <a:rPr lang="en-US" sz="1875" i="1" noProof="0">
                           <a:latin typeface="Cambria Math" panose="02040503050406030204" pitchFamily="18" charset="0"/>
                         </a:rPr>
                         <m:t>,</m:t>
                       </m:r>
                       <m:r>
-                        <a:rPr lang="en-US" sz="1875" i="1" smtClean="0">
+                        <a:rPr lang="en-US" sz="1875" i="1" noProof="0" smtClean="0">
                           <a:latin typeface="Cambria Math" panose="02040503050406030204" pitchFamily="18" charset="0"/>
                         </a:rPr>
                         <m:t> </m:t>
@@ -4797,14 +4692,14 @@
                           <m:begChr m:val="{"/>
                           <m:endChr m:val="}"/>
                           <m:ctrlPr>
-                            <a:rPr lang="it-IT" sz="1875" b="0" i="1" smtClean="0">
+                            <a:rPr lang="en-US" sz="1875" b="0" i="1" noProof="0" smtClean="0">
                               <a:latin typeface="Cambria Math" panose="02040503050406030204" pitchFamily="18" charset="0"/>
                             </a:rPr>
                           </m:ctrlPr>
                         </m:dPr>
                         <m:e>
                           <m:r>
-                            <a:rPr lang="it-IT" sz="1875" b="0" i="1" smtClean="0">
+                            <a:rPr lang="en-US" sz="1875" b="0" i="1" noProof="0" smtClean="0">
                               <a:latin typeface="Cambria Math" panose="02040503050406030204" pitchFamily="18" charset="0"/>
                             </a:rPr>
                             <m:t>0,…,0</m:t>
@@ -4812,7 +4707,7 @@
                         </m:e>
                       </m:d>
                       <m:r>
-                        <a:rPr lang="it-IT" sz="1875" b="0" i="1" smtClean="0">
+                        <a:rPr lang="en-US" sz="1875" b="0" i="1" noProof="0" smtClean="0">
                           <a:latin typeface="Cambria Math" panose="02040503050406030204" pitchFamily="18" charset="0"/>
                         </a:rPr>
                         <m:t>, </m:t>
@@ -4822,20 +4717,20 @@
                           <m:begChr m:val="{"/>
                           <m:endChr m:val="}"/>
                           <m:ctrlPr>
-                            <a:rPr lang="it-IT" sz="1875" b="0" i="1" smtClean="0">
+                            <a:rPr lang="en-US" sz="1875" b="0" i="1" noProof="0" smtClean="0">
                               <a:latin typeface="Cambria Math" panose="02040503050406030204" pitchFamily="18" charset="0"/>
                             </a:rPr>
                           </m:ctrlPr>
                         </m:dPr>
                         <m:e>
                           <m:r>
-                            <a:rPr lang="en-US" sz="1875" i="1">
+                            <a:rPr lang="en-US" sz="1875" i="1" noProof="0">
                               <a:latin typeface="Cambria Math" panose="02040503050406030204" pitchFamily="18" charset="0"/>
                             </a:rPr>
                             <m:t>0</m:t>
                           </m:r>
                           <m:r>
-                            <a:rPr lang="it-IT" sz="1875" b="0" i="1" smtClean="0">
+                            <a:rPr lang="en-US" sz="1875" b="0" i="1" noProof="0" smtClean="0">
                               <a:latin typeface="Cambria Math" panose="02040503050406030204" pitchFamily="18" charset="0"/>
                             </a:rPr>
                             <m:t>, …,0</m:t>
@@ -4843,7 +4738,7 @@
                         </m:e>
                       </m:d>
                       <m:r>
-                        <a:rPr lang="it-IT" sz="1875" b="0" i="1" smtClean="0">
+                        <a:rPr lang="en-US" sz="1875" b="0" i="1" noProof="0" smtClean="0">
                           <a:latin typeface="Cambria Math" panose="02040503050406030204" pitchFamily="18" charset="0"/>
                         </a:rPr>
                         <m:t>, </m:t>
@@ -4853,14 +4748,14 @@
                           <m:begChr m:val="{"/>
                           <m:endChr m:val="}"/>
                           <m:ctrlPr>
-                            <a:rPr lang="it-IT" sz="1875" b="0" i="1" smtClean="0">
+                            <a:rPr lang="en-US" sz="1875" b="0" i="1" noProof="0" smtClean="0">
                               <a:latin typeface="Cambria Math" panose="02040503050406030204" pitchFamily="18" charset="0"/>
                             </a:rPr>
                           </m:ctrlPr>
                         </m:dPr>
                         <m:e>
                           <m:r>
-                            <a:rPr lang="it-IT" sz="1875" b="0" i="1" smtClean="0">
+                            <a:rPr lang="en-US" sz="1875" b="0" i="1" noProof="0" smtClean="0">
                               <a:latin typeface="Cambria Math" panose="02040503050406030204" pitchFamily="18" charset="0"/>
                             </a:rPr>
                             <m:t>0,…0</m:t>
@@ -4868,19 +4763,13 @@
                         </m:e>
                       </m:d>
                       <m:r>
-                        <a:rPr lang="it-IT" sz="1875" b="0" i="1" smtClean="0">
+                        <a:rPr lang="en-US" sz="1875" b="0" i="1" noProof="0" smtClean="0">
                           <a:latin typeface="Cambria Math" panose="02040503050406030204" pitchFamily="18" charset="0"/>
                         </a:rPr>
-                        <m:t>, </m:t>
+                        <m:t>, 0</m:t>
                       </m:r>
                       <m:r>
-                        <a:rPr lang="it-IT" sz="1875" b="0" i="1" smtClean="0">
-                          <a:latin typeface="Cambria Math" panose="02040503050406030204" pitchFamily="18" charset="0"/>
-                        </a:rPr>
-                        <m:t>0</m:t>
-                      </m:r>
-                      <m:r>
-                        <a:rPr lang="en-US" sz="1875" i="1">
+                        <a:rPr lang="en-US" sz="1875" i="1" noProof="0">
                           <a:latin typeface="Cambria Math" panose="02040503050406030204" pitchFamily="18" charset="0"/>
                         </a:rPr>
                         <m:t>)</m:t>
@@ -4888,7 +4777,7 @@
                     </m:oMath>
                   </m:oMathPara>
                 </a14:m>
-                <a:endParaRPr lang="en-US" sz="1875" i="1" dirty="0">
+                <a:endParaRPr lang="en-US" sz="1875" i="1" noProof="0" dirty="0">
                   <a:latin typeface="Cambria Math" panose="02040503050406030204" pitchFamily="18" charset="0"/>
                 </a:endParaRPr>
               </a:p>
@@ -4896,7 +4785,7 @@
                 <a:pPr marL="0" indent="0">
                   <a:buNone/>
                 </a:pPr>
-                <a:endParaRPr lang="en-US" sz="1875" i="1" dirty="0">
+                <a:endParaRPr lang="en-US" sz="1875" i="1" noProof="0" dirty="0">
                   <a:latin typeface="Cambria Math" panose="02040503050406030204" pitchFamily="18" charset="0"/>
                 </a:endParaRPr>
               </a:p>
@@ -4911,7 +4800,7 @@
                     </m:oMathParaPr>
                     <m:oMath xmlns:m="http://schemas.openxmlformats.org/officeDocument/2006/math">
                       <m:r>
-                        <a:rPr lang="it-IT" sz="1875" b="0" i="1" smtClean="0">
+                        <a:rPr lang="en-US" sz="1875" b="0" i="1" noProof="0" smtClean="0">
                           <a:latin typeface="Cambria Math" panose="02040503050406030204" pitchFamily="18" charset="0"/>
                         </a:rPr>
                         <m:t>𝑉</m:t>
@@ -4919,20 +4808,20 @@
                       <m:d>
                         <m:dPr>
                           <m:ctrlPr>
-                            <a:rPr lang="it-IT" sz="1875" b="0" i="1" smtClean="0">
+                            <a:rPr lang="en-US" sz="1875" b="0" i="1" noProof="0" smtClean="0">
                               <a:latin typeface="Cambria Math" panose="02040503050406030204" pitchFamily="18" charset="0"/>
                             </a:rPr>
                           </m:ctrlPr>
                         </m:dPr>
                         <m:e>
                           <m:r>
-                            <a:rPr lang="it-IT" sz="1875" b="0" i="1" smtClean="0">
+                            <a:rPr lang="en-US" sz="1875" b="0" i="1" noProof="0" smtClean="0">
                               <a:latin typeface="Cambria Math" panose="02040503050406030204" pitchFamily="18" charset="0"/>
                             </a:rPr>
                             <m:t>𝑈</m:t>
                           </m:r>
                           <m:r>
-                            <a:rPr lang="it-IT" sz="1875" b="0" i="1" smtClean="0">
+                            <a:rPr lang="en-US" sz="1875" b="0" i="1" noProof="0" smtClean="0">
                               <a:latin typeface="Cambria Math" panose="02040503050406030204" pitchFamily="18" charset="0"/>
                             </a:rPr>
                             <m:t>,</m:t>
@@ -4942,7 +4831,7 @@
                               <m:begChr m:val="{"/>
                               <m:endChr m:val="}"/>
                               <m:ctrlPr>
-                                <a:rPr lang="it-IT" sz="1875" b="0" i="1" smtClean="0">
+                                <a:rPr lang="en-US" sz="1875" b="0" i="1" noProof="0" smtClean="0">
                                   <a:latin typeface="Cambria Math" panose="02040503050406030204" pitchFamily="18" charset="0"/>
                                 </a:rPr>
                               </m:ctrlPr>
@@ -4951,14 +4840,14 @@
                               <m:sSub>
                                 <m:sSubPr>
                                   <m:ctrlPr>
-                                    <a:rPr lang="it-IT" sz="1875" b="0" i="1" smtClean="0">
+                                    <a:rPr lang="en-US" sz="1875" b="0" i="1" noProof="0" smtClean="0">
                                       <a:latin typeface="Cambria Math" panose="02040503050406030204" pitchFamily="18" charset="0"/>
                                     </a:rPr>
                                   </m:ctrlPr>
                                 </m:sSubPr>
                                 <m:e>
                                   <m:r>
-                                    <a:rPr lang="it-IT" sz="1875" b="0" i="1" smtClean="0">
+                                    <a:rPr lang="en-US" sz="1875" b="0" i="1" noProof="0" smtClean="0">
                                       <a:latin typeface="Cambria Math" panose="02040503050406030204" pitchFamily="18" charset="0"/>
                                     </a:rPr>
                                     <m:t>𝑖</m:t>
@@ -4966,7 +4855,7 @@
                                 </m:e>
                                 <m:sub>
                                   <m:r>
-                                    <a:rPr lang="it-IT" sz="1875" b="0" i="1" smtClean="0">
+                                    <a:rPr lang="en-US" sz="1875" b="0" i="1" noProof="0" smtClean="0">
                                       <a:latin typeface="Cambria Math" panose="02040503050406030204" pitchFamily="18" charset="0"/>
                                     </a:rPr>
                                     <m:t>1</m:t>
@@ -4974,7 +4863,7 @@
                                 </m:sub>
                               </m:sSub>
                               <m:r>
-                                <a:rPr lang="it-IT" sz="1875" b="0" i="1" smtClean="0">
+                                <a:rPr lang="en-US" sz="1875" b="0" i="1" noProof="0" smtClean="0">
                                   <a:latin typeface="Cambria Math" panose="02040503050406030204" pitchFamily="18" charset="0"/>
                                 </a:rPr>
                                 <m:t>,…,</m:t>
@@ -4982,14 +4871,14 @@
                               <m:sSub>
                                 <m:sSubPr>
                                   <m:ctrlPr>
-                                    <a:rPr lang="it-IT" sz="1875" b="0" i="1" smtClean="0">
+                                    <a:rPr lang="en-US" sz="1875" b="0" i="1" noProof="0" smtClean="0">
                                       <a:latin typeface="Cambria Math" panose="02040503050406030204" pitchFamily="18" charset="0"/>
                                     </a:rPr>
                                   </m:ctrlPr>
                                 </m:sSubPr>
                                 <m:e>
                                   <m:r>
-                                    <a:rPr lang="it-IT" sz="1875" b="0" i="1" smtClean="0">
+                                    <a:rPr lang="en-US" sz="1875" b="0" i="1" noProof="0" smtClean="0">
                                       <a:latin typeface="Cambria Math" panose="02040503050406030204" pitchFamily="18" charset="0"/>
                                     </a:rPr>
                                     <m:t>𝑖</m:t>
@@ -4997,7 +4886,7 @@
                                 </m:e>
                                 <m:sub>
                                   <m:r>
-                                    <a:rPr lang="it-IT" sz="1875" b="0" i="1" smtClean="0">
+                                    <a:rPr lang="en-US" sz="1875" b="0" i="1" noProof="0" smtClean="0">
                                       <a:latin typeface="Cambria Math" panose="02040503050406030204" pitchFamily="18" charset="0"/>
                                     </a:rPr>
                                     <m:t>𝑚</m:t>
@@ -5007,7 +4896,7 @@
                             </m:e>
                           </m:d>
                           <m:r>
-                            <a:rPr lang="it-IT" sz="1875" b="0" i="1" smtClean="0">
+                            <a:rPr lang="en-US" sz="1875" b="0" i="1" noProof="0" smtClean="0">
                               <a:latin typeface="Cambria Math" panose="02040503050406030204" pitchFamily="18" charset="0"/>
                             </a:rPr>
                             <m:t>,</m:t>
@@ -5017,7 +4906,7 @@
                               <m:begChr m:val="{"/>
                               <m:endChr m:val="}"/>
                               <m:ctrlPr>
-                                <a:rPr lang="it-IT" sz="1875" b="0" i="1" smtClean="0">
+                                <a:rPr lang="en-US" sz="1875" b="0" i="1" noProof="0" smtClean="0">
                                   <a:latin typeface="Cambria Math" panose="02040503050406030204" pitchFamily="18" charset="0"/>
                                 </a:rPr>
                               </m:ctrlPr>
@@ -5026,14 +4915,14 @@
                               <m:sSub>
                                 <m:sSubPr>
                                   <m:ctrlPr>
-                                    <a:rPr lang="it-IT" sz="1875" b="0" i="1" smtClean="0">
+                                    <a:rPr lang="en-US" sz="1875" b="0" i="1" noProof="0" smtClean="0">
                                       <a:latin typeface="Cambria Math" panose="02040503050406030204" pitchFamily="18" charset="0"/>
                                     </a:rPr>
                                   </m:ctrlPr>
                                 </m:sSubPr>
                                 <m:e>
                                   <m:r>
-                                    <a:rPr lang="it-IT" sz="1875" b="0" i="1" smtClean="0">
+                                    <a:rPr lang="en-US" sz="1875" b="0" i="1" noProof="0" smtClean="0">
                                       <a:latin typeface="Cambria Math" panose="02040503050406030204" pitchFamily="18" charset="0"/>
                                     </a:rPr>
                                     <m:t>𝑙</m:t>
@@ -5041,7 +4930,7 @@
                                 </m:e>
                                 <m:sub>
                                   <m:r>
-                                    <a:rPr lang="it-IT" sz="1875" b="0" i="1" smtClean="0">
+                                    <a:rPr lang="en-US" sz="1875" b="0" i="1" noProof="0" smtClean="0">
                                       <a:latin typeface="Cambria Math" panose="02040503050406030204" pitchFamily="18" charset="0"/>
                                     </a:rPr>
                                     <m:t>1</m:t>
@@ -5049,7 +4938,7 @@
                                 </m:sub>
                               </m:sSub>
                               <m:r>
-                                <a:rPr lang="it-IT" sz="1875" b="0" i="1" smtClean="0">
+                                <a:rPr lang="en-US" sz="1875" b="0" i="1" noProof="0" smtClean="0">
                                   <a:latin typeface="Cambria Math" panose="02040503050406030204" pitchFamily="18" charset="0"/>
                                 </a:rPr>
                                 <m:t>,…,</m:t>
@@ -5057,14 +4946,14 @@
                               <m:sSub>
                                 <m:sSubPr>
                                   <m:ctrlPr>
-                                    <a:rPr lang="it-IT" sz="1875" b="0" i="1" smtClean="0">
+                                    <a:rPr lang="en-US" sz="1875" b="0" i="1" noProof="0" smtClean="0">
                                       <a:latin typeface="Cambria Math" panose="02040503050406030204" pitchFamily="18" charset="0"/>
                                     </a:rPr>
                                   </m:ctrlPr>
                                 </m:sSubPr>
                                 <m:e>
                                   <m:r>
-                                    <a:rPr lang="it-IT" sz="1875" b="0" i="1" smtClean="0">
+                                    <a:rPr lang="en-US" sz="1875" b="0" i="1" noProof="0" smtClean="0">
                                       <a:latin typeface="Cambria Math" panose="02040503050406030204" pitchFamily="18" charset="0"/>
                                     </a:rPr>
                                     <m:t>𝑙</m:t>
@@ -5072,7 +4961,7 @@
                                 </m:e>
                                 <m:sub>
                                   <m:r>
-                                    <a:rPr lang="it-IT" sz="1875" b="0" i="1" smtClean="0">
+                                    <a:rPr lang="en-US" sz="1875" b="0" i="1" noProof="0" smtClean="0">
                                       <a:latin typeface="Cambria Math" panose="02040503050406030204" pitchFamily="18" charset="0"/>
                                     </a:rPr>
                                     <m:t>𝑚</m:t>
@@ -5082,7 +4971,7 @@
                             </m:e>
                           </m:d>
                           <m:r>
-                            <a:rPr lang="it-IT" sz="1875" b="0" i="1" smtClean="0">
+                            <a:rPr lang="en-US" sz="1875" b="0" i="1" noProof="0" smtClean="0">
                               <a:latin typeface="Cambria Math" panose="02040503050406030204" pitchFamily="18" charset="0"/>
                             </a:rPr>
                             <m:t>,</m:t>
@@ -5092,7 +4981,7 @@
                               <m:begChr m:val="{"/>
                               <m:endChr m:val="}"/>
                               <m:ctrlPr>
-                                <a:rPr lang="it-IT" sz="1875" b="0" i="1" smtClean="0">
+                                <a:rPr lang="en-US" sz="1875" b="0" i="1" noProof="0" smtClean="0">
                                   <a:latin typeface="Cambria Math" panose="02040503050406030204" pitchFamily="18" charset="0"/>
                                 </a:rPr>
                               </m:ctrlPr>
@@ -5101,14 +4990,14 @@
                               <m:sSub>
                                 <m:sSubPr>
                                   <m:ctrlPr>
-                                    <a:rPr lang="it-IT" sz="1875" b="0" i="1" smtClean="0">
+                                    <a:rPr lang="en-US" sz="1875" b="0" i="1" noProof="0" smtClean="0">
                                       <a:latin typeface="Cambria Math" panose="02040503050406030204" pitchFamily="18" charset="0"/>
                                     </a:rPr>
                                   </m:ctrlPr>
                                 </m:sSubPr>
                                 <m:e>
                                   <m:r>
-                                    <a:rPr lang="it-IT" sz="1875" b="0" i="1" smtClean="0">
+                                    <a:rPr lang="en-US" sz="1875" b="0" i="1" noProof="0" smtClean="0">
                                       <a:latin typeface="Cambria Math" panose="02040503050406030204" pitchFamily="18" charset="0"/>
                                     </a:rPr>
                                     <m:t>𝑝</m:t>
@@ -5116,7 +5005,7 @@
                                 </m:e>
                                 <m:sub>
                                   <m:r>
-                                    <a:rPr lang="it-IT" sz="1875" b="0" i="1" smtClean="0">
+                                    <a:rPr lang="en-US" sz="1875" b="0" i="1" noProof="0" smtClean="0">
                                       <a:latin typeface="Cambria Math" panose="02040503050406030204" pitchFamily="18" charset="0"/>
                                     </a:rPr>
                                     <m:t>1</m:t>
@@ -5124,7 +5013,7 @@
                                 </m:sub>
                               </m:sSub>
                               <m:r>
-                                <a:rPr lang="it-IT" sz="1875" b="0" i="1" smtClean="0">
+                                <a:rPr lang="en-US" sz="1875" b="0" i="1" noProof="0" smtClean="0">
                                   <a:latin typeface="Cambria Math" panose="02040503050406030204" pitchFamily="18" charset="0"/>
                                 </a:rPr>
                                 <m:t>,…,</m:t>
@@ -5132,14 +5021,14 @@
                               <m:sSub>
                                 <m:sSubPr>
                                   <m:ctrlPr>
-                                    <a:rPr lang="it-IT" sz="1875" b="0" i="1" smtClean="0">
+                                    <a:rPr lang="en-US" sz="1875" b="0" i="1" noProof="0" smtClean="0">
                                       <a:latin typeface="Cambria Math" panose="02040503050406030204" pitchFamily="18" charset="0"/>
                                     </a:rPr>
                                   </m:ctrlPr>
                                 </m:sSubPr>
                                 <m:e>
                                   <m:r>
-                                    <a:rPr lang="it-IT" sz="1875" b="0" i="1" smtClean="0">
+                                    <a:rPr lang="en-US" sz="1875" b="0" i="1" noProof="0" smtClean="0">
                                       <a:latin typeface="Cambria Math" panose="02040503050406030204" pitchFamily="18" charset="0"/>
                                     </a:rPr>
                                     <m:t>𝑝</m:t>
@@ -5147,7 +5036,7 @@
                                 </m:e>
                                 <m:sub>
                                   <m:r>
-                                    <a:rPr lang="it-IT" sz="1875" b="0" i="1" smtClean="0">
+                                    <a:rPr lang="en-US" sz="1875" b="0" i="1" noProof="0" smtClean="0">
                                       <a:latin typeface="Cambria Math" panose="02040503050406030204" pitchFamily="18" charset="0"/>
                                     </a:rPr>
                                     <m:t>𝑚</m:t>
@@ -5157,13 +5046,13 @@
                             </m:e>
                           </m:d>
                           <m:r>
-                            <a:rPr lang="it-IT" sz="1875" b="0" i="1" smtClean="0">
+                            <a:rPr lang="en-US" sz="1875" b="0" i="1" noProof="0" smtClean="0">
                               <a:latin typeface="Cambria Math" panose="02040503050406030204" pitchFamily="18" charset="0"/>
                             </a:rPr>
                             <m:t>,</m:t>
                           </m:r>
                           <m:r>
-                            <a:rPr lang="it-IT" sz="1875" b="0" i="1" smtClean="0">
+                            <a:rPr lang="en-US" sz="1875" b="0" i="1" noProof="0" smtClean="0">
                               <a:latin typeface="Cambria Math" panose="02040503050406030204" pitchFamily="18" charset="0"/>
                             </a:rPr>
                             <m:t>𝑘</m:t>
@@ -5171,7 +5060,7 @@
                         </m:e>
                       </m:d>
                       <m:r>
-                        <a:rPr lang="it-IT" sz="1875" b="0" i="1" smtClean="0">
+                        <a:rPr lang="en-US" sz="1875" b="0" i="1" noProof="0" smtClean="0">
                           <a:latin typeface="Cambria Math" panose="02040503050406030204" pitchFamily="18" charset="0"/>
                           <a:ea typeface="Cambria Math" panose="02040503050406030204" pitchFamily="18" charset="0"/>
                         </a:rPr>
@@ -5182,7 +5071,7 @@
                           <m:begChr m:val="{"/>
                           <m:endChr m:val=""/>
                           <m:ctrlPr>
-                            <a:rPr lang="it-IT" sz="1875" b="0" i="1" smtClean="0">
+                            <a:rPr lang="en-US" sz="1875" b="0" i="1" noProof="0" smtClean="0">
                               <a:latin typeface="Cambria Math" panose="02040503050406030204" pitchFamily="18" charset="0"/>
                               <a:ea typeface="Cambria Math" panose="02040503050406030204" pitchFamily="18" charset="0"/>
                             </a:rPr>
@@ -5192,7 +5081,7 @@
                           <m:eqArr>
                             <m:eqArrPr>
                               <m:ctrlPr>
-                                <a:rPr lang="it-IT" sz="1875" i="1">
+                                <a:rPr lang="en-US" sz="1875" i="1" noProof="0" smtClean="0">
                                   <a:latin typeface="Cambria Math" panose="02040503050406030204" pitchFamily="18" charset="0"/>
                                   <a:ea typeface="Cambria Math" panose="02040503050406030204" pitchFamily="18" charset="0"/>
                                 </a:rPr>
@@ -5200,7 +5089,7 @@
                             </m:eqArrPr>
                             <m:e>
                               <m:r>
-                                <a:rPr lang="it-IT" sz="1875" i="1">
+                                <a:rPr lang="en-US" sz="1875" i="1" noProof="0" smtClean="0">
                                   <a:latin typeface="Cambria Math" panose="02040503050406030204" pitchFamily="18" charset="0"/>
                                   <a:ea typeface="Cambria Math" panose="02040503050406030204" pitchFamily="18" charset="0"/>
                                 </a:rPr>
@@ -5211,7 +5100,7 @@
                                   <m:begChr m:val="{"/>
                                   <m:endChr m:val=""/>
                                   <m:ctrlPr>
-                                    <a:rPr lang="it-IT" sz="1875" i="1">
+                                    <a:rPr lang="en-US" sz="1875" i="1" noProof="0" smtClean="0">
                                       <a:latin typeface="Cambria Math" panose="02040503050406030204" pitchFamily="18" charset="0"/>
                                       <a:ea typeface="Cambria Math" panose="02040503050406030204" pitchFamily="18" charset="0"/>
                                     </a:rPr>
@@ -5221,7 +5110,7 @@
                                   <m:eqArr>
                                     <m:eqArrPr>
                                       <m:ctrlPr>
-                                        <a:rPr lang="it-IT" sz="1875" i="1">
+                                        <a:rPr lang="en-US" sz="1875" i="1" noProof="0" smtClean="0">
                                           <a:latin typeface="Cambria Math" panose="02040503050406030204" pitchFamily="18" charset="0"/>
                                           <a:ea typeface="Cambria Math" panose="02040503050406030204" pitchFamily="18" charset="0"/>
                                         </a:rPr>
@@ -5231,7 +5120,7 @@
                                       <m:func>
                                         <m:funcPr>
                                           <m:ctrlPr>
-                                            <a:rPr lang="it-IT" sz="1875" i="1">
+                                            <a:rPr lang="en-US" sz="1875" i="1" noProof="0" smtClean="0">
                                               <a:latin typeface="Cambria Math" panose="02040503050406030204" pitchFamily="18" charset="0"/>
                                               <a:ea typeface="Cambria Math" panose="02040503050406030204" pitchFamily="18" charset="0"/>
                                             </a:rPr>
@@ -5241,7 +5130,7 @@
                                           <m:limLow>
                                             <m:limLowPr>
                                               <m:ctrlPr>
-                                                <a:rPr lang="it-IT" sz="1875" i="1">
+                                                <a:rPr lang="en-US" sz="1875" i="1" noProof="0" smtClean="0">
                                                   <a:latin typeface="Cambria Math" panose="02040503050406030204" pitchFamily="18" charset="0"/>
                                                   <a:ea typeface="Cambria Math" panose="02040503050406030204" pitchFamily="18" charset="0"/>
                                                 </a:rPr>
@@ -5252,7 +5141,7 @@
                                                 <m:rPr>
                                                   <m:sty m:val="p"/>
                                                 </m:rPr>
-                                                <a:rPr lang="it-IT" sz="1875">
+                                                <a:rPr lang="en-US" sz="1875" noProof="0" smtClean="0">
                                                   <a:latin typeface="Cambria Math" panose="02040503050406030204" pitchFamily="18" charset="0"/>
                                                   <a:ea typeface="Cambria Math" panose="02040503050406030204" pitchFamily="18" charset="0"/>
                                                 </a:rPr>
@@ -5261,14 +5150,14 @@
                                             </m:e>
                                             <m:lim>
                                               <m:r>
-                                                <a:rPr lang="it-IT" sz="1875" i="1">
+                                                <a:rPr lang="en-US" sz="1875" i="1" noProof="0" smtClean="0">
                                                   <a:latin typeface="Cambria Math" panose="02040503050406030204" pitchFamily="18" charset="0"/>
                                                   <a:ea typeface="Cambria Math" panose="02040503050406030204" pitchFamily="18" charset="0"/>
                                                 </a:rPr>
                                                 <m:t>𝑧</m:t>
                                               </m:r>
                                               <m:r>
-                                                <a:rPr lang="it-IT" sz="1875" i="1">
+                                                <a:rPr lang="en-US" sz="1875" i="1" noProof="0" smtClean="0">
                                                   <a:latin typeface="Cambria Math" panose="02040503050406030204" pitchFamily="18" charset="0"/>
                                                   <a:ea typeface="Cambria Math" panose="02040503050406030204" pitchFamily="18" charset="0"/>
                                                 </a:rPr>
@@ -5279,7 +5168,7 @@
                                                   <m:begChr m:val="{"/>
                                                   <m:endChr m:val="}"/>
                                                   <m:ctrlPr>
-                                                    <a:rPr lang="it-IT" sz="1875" i="1">
+                                                    <a:rPr lang="en-US" sz="1875" i="1" noProof="0" smtClean="0">
                                                       <a:latin typeface="Cambria Math" panose="02040503050406030204" pitchFamily="18" charset="0"/>
                                                       <a:ea typeface="Cambria Math" panose="02040503050406030204" pitchFamily="18" charset="0"/>
                                                     </a:rPr>
@@ -5287,14 +5176,14 @@
                                                 </m:dPr>
                                                 <m:e>
                                                   <m:r>
-                                                    <a:rPr lang="it-IT" sz="1875" i="1">
+                                                    <a:rPr lang="en-US" sz="1875" i="1" noProof="0" smtClean="0">
                                                       <a:latin typeface="Cambria Math" panose="02040503050406030204" pitchFamily="18" charset="0"/>
                                                       <a:ea typeface="Cambria Math" panose="02040503050406030204" pitchFamily="18" charset="0"/>
                                                     </a:rPr>
                                                     <m:t>1,…,</m:t>
                                                   </m:r>
                                                   <m:r>
-                                                    <a:rPr lang="it-IT" sz="1875" i="1">
+                                                    <a:rPr lang="en-US" sz="1875" i="1" noProof="0" smtClean="0">
                                                       <a:latin typeface="Cambria Math" panose="02040503050406030204" pitchFamily="18" charset="0"/>
                                                       <a:ea typeface="Cambria Math" panose="02040503050406030204" pitchFamily="18" charset="0"/>
                                                     </a:rPr>
@@ -5303,35 +5192,35 @@
                                                 </m:e>
                                               </m:d>
                                               <m:r>
-                                                <a:rPr lang="it-IT" sz="1875" i="1">
+                                                <a:rPr lang="en-US" sz="1875" i="1" noProof="0" smtClean="0">
                                                   <a:latin typeface="Cambria Math" panose="02040503050406030204" pitchFamily="18" charset="0"/>
                                                   <a:ea typeface="Cambria Math" panose="02040503050406030204" pitchFamily="18" charset="0"/>
                                                 </a:rPr>
                                                 <m:t>;</m:t>
                                               </m:r>
                                               <m:r>
-                                                <a:rPr lang="it-IT" sz="1875" i="1">
+                                                <a:rPr lang="en-US" sz="1875" i="1" noProof="0" smtClean="0">
                                                   <a:latin typeface="Cambria Math" panose="02040503050406030204" pitchFamily="18" charset="0"/>
                                                   <a:ea typeface="Cambria Math" panose="02040503050406030204" pitchFamily="18" charset="0"/>
                                                 </a:rPr>
                                                 <m:t>𝑗</m:t>
                                               </m:r>
                                               <m:r>
-                                                <a:rPr lang="it-IT" sz="1875" i="1">
+                                                <a:rPr lang="en-US" sz="1875" i="1" noProof="0" smtClean="0">
                                                   <a:latin typeface="Cambria Math" panose="02040503050406030204" pitchFamily="18" charset="0"/>
                                                   <a:ea typeface="Cambria Math" panose="02040503050406030204" pitchFamily="18" charset="0"/>
                                                 </a:rPr>
                                                 <m:t>∈</m:t>
                                               </m:r>
                                               <m:r>
-                                                <a:rPr lang="it-IT" sz="1875" i="1">
+                                                <a:rPr lang="en-US" sz="1875" i="1" noProof="0" smtClean="0">
                                                   <a:latin typeface="Cambria Math" panose="02040503050406030204" pitchFamily="18" charset="0"/>
                                                   <a:ea typeface="Cambria Math" panose="02040503050406030204" pitchFamily="18" charset="0"/>
                                                 </a:rPr>
                                                 <m:t>𝑈</m:t>
                                               </m:r>
                                               <m:r>
-                                                <a:rPr lang="it-IT" sz="1875" i="1">
+                                                <a:rPr lang="en-US" sz="1875" i="1" noProof="0" smtClean="0">
                                                   <a:latin typeface="Cambria Math" panose="02040503050406030204" pitchFamily="18" charset="0"/>
                                                   <a:ea typeface="Cambria Math" panose="02040503050406030204" pitchFamily="18" charset="0"/>
                                                 </a:rPr>
@@ -5340,7 +5229,7 @@
                                               <m:sSub>
                                                 <m:sSubPr>
                                                   <m:ctrlPr>
-                                                    <a:rPr lang="it-IT" sz="1875" i="1">
+                                                    <a:rPr lang="en-US" sz="1875" i="1" noProof="0" smtClean="0">
                                                       <a:latin typeface="Cambria Math" panose="02040503050406030204" pitchFamily="18" charset="0"/>
                                                       <a:ea typeface="Cambria Math" panose="02040503050406030204" pitchFamily="18" charset="0"/>
                                                     </a:rPr>
@@ -5348,7 +5237,7 @@
                                                 </m:sSubPr>
                                                 <m:e>
                                                   <m:r>
-                                                    <a:rPr lang="it-IT" sz="1875" i="1">
+                                                    <a:rPr lang="en-US" sz="1875" i="1" noProof="0" smtClean="0">
                                                       <a:latin typeface="Cambria Math" panose="02040503050406030204" pitchFamily="18" charset="0"/>
                                                       <a:ea typeface="Cambria Math" panose="02040503050406030204" pitchFamily="18" charset="0"/>
                                                     </a:rPr>
@@ -5357,7 +5246,7 @@
                                                 </m:e>
                                                 <m:sub>
                                                   <m:r>
-                                                    <a:rPr lang="it-IT" sz="1875" i="1">
+                                                    <a:rPr lang="en-US" sz="1875" i="1" noProof="0" smtClean="0">
                                                       <a:latin typeface="Cambria Math" panose="02040503050406030204" pitchFamily="18" charset="0"/>
                                                       <a:ea typeface="Cambria Math" panose="02040503050406030204" pitchFamily="18" charset="0"/>
                                                     </a:rPr>
@@ -5366,7 +5255,7 @@
                                                 </m:sub>
                                               </m:sSub>
                                               <m:r>
-                                                <a:rPr lang="it-IT" sz="1875" i="1">
+                                                <a:rPr lang="en-US" sz="1875" i="1" noProof="0" smtClean="0">
                                                   <a:latin typeface="Cambria Math" panose="02040503050406030204" pitchFamily="18" charset="0"/>
                                                   <a:ea typeface="Cambria Math" panose="02040503050406030204" pitchFamily="18" charset="0"/>
                                                 </a:rPr>
@@ -5375,7 +5264,7 @@
                                               <m:sSub>
                                                 <m:sSubPr>
                                                   <m:ctrlPr>
-                                                    <a:rPr lang="it-IT" sz="1875" i="1">
+                                                    <a:rPr lang="en-US" sz="1875" i="1" noProof="0" smtClean="0">
                                                       <a:latin typeface="Cambria Math" panose="02040503050406030204" pitchFamily="18" charset="0"/>
                                                       <a:ea typeface="Cambria Math" panose="02040503050406030204" pitchFamily="18" charset="0"/>
                                                     </a:rPr>
@@ -5383,7 +5272,7 @@
                                                 </m:sSubPr>
                                                 <m:e>
                                                   <m:r>
-                                                    <a:rPr lang="it-IT" sz="1875" i="1">
+                                                    <a:rPr lang="en-US" sz="1875" i="1" noProof="0" smtClean="0">
                                                       <a:latin typeface="Cambria Math" panose="02040503050406030204" pitchFamily="18" charset="0"/>
                                                       <a:ea typeface="Cambria Math" panose="02040503050406030204" pitchFamily="18" charset="0"/>
                                                     </a:rPr>
@@ -5392,7 +5281,7 @@
                                                 </m:e>
                                                 <m:sub>
                                                   <m:r>
-                                                    <a:rPr lang="it-IT" sz="1875" i="1">
+                                                    <a:rPr lang="en-US" sz="1875" i="1" noProof="0" smtClean="0">
                                                       <a:latin typeface="Cambria Math" panose="02040503050406030204" pitchFamily="18" charset="0"/>
                                                       <a:ea typeface="Cambria Math" panose="02040503050406030204" pitchFamily="18" charset="0"/>
                                                     </a:rPr>
@@ -5401,7 +5290,7 @@
                                                 </m:sub>
                                               </m:sSub>
                                               <m:r>
-                                                <a:rPr lang="it-IT" sz="1875" i="1">
+                                                <a:rPr lang="en-US" sz="1875" i="1" noProof="0" smtClean="0">
                                                   <a:latin typeface="Cambria Math" panose="02040503050406030204" pitchFamily="18" charset="0"/>
                                                   <a:ea typeface="Cambria Math" panose="02040503050406030204" pitchFamily="18" charset="0"/>
                                                 </a:rPr>
@@ -5410,7 +5299,7 @@
                                               <m:sSub>
                                                 <m:sSubPr>
                                                   <m:ctrlPr>
-                                                    <a:rPr lang="it-IT" sz="1875" i="1">
+                                                    <a:rPr lang="en-US" sz="1875" i="1" noProof="0" smtClean="0">
                                                       <a:latin typeface="Cambria Math" panose="02040503050406030204" pitchFamily="18" charset="0"/>
                                                       <a:ea typeface="Cambria Math" panose="02040503050406030204" pitchFamily="18" charset="0"/>
                                                     </a:rPr>
@@ -5418,7 +5307,7 @@
                                                 </m:sSubPr>
                                                 <m:e>
                                                   <m:r>
-                                                    <a:rPr lang="it-IT" sz="1875" i="1">
+                                                    <a:rPr lang="en-US" sz="1875" i="1" noProof="0" smtClean="0">
                                                       <a:latin typeface="Cambria Math" panose="02040503050406030204" pitchFamily="18" charset="0"/>
                                                       <a:ea typeface="Cambria Math" panose="02040503050406030204" pitchFamily="18" charset="0"/>
                                                     </a:rPr>
@@ -5427,7 +5316,7 @@
                                                 </m:e>
                                                 <m:sub>
                                                   <m:r>
-                                                    <a:rPr lang="it-IT" sz="1875" i="1">
+                                                    <a:rPr lang="en-US" sz="1875" i="1" noProof="0" smtClean="0">
                                                       <a:latin typeface="Cambria Math" panose="02040503050406030204" pitchFamily="18" charset="0"/>
                                                       <a:ea typeface="Cambria Math" panose="02040503050406030204" pitchFamily="18" charset="0"/>
                                                     </a:rPr>
@@ -5436,7 +5325,7 @@
                                                 </m:sub>
                                               </m:sSub>
                                               <m:r>
-                                                <a:rPr lang="it-IT" sz="1875" i="1">
+                                                <a:rPr lang="en-US" sz="1875" i="1" noProof="0" smtClean="0">
                                                   <a:latin typeface="Cambria Math" panose="02040503050406030204" pitchFamily="18" charset="0"/>
                                                   <a:ea typeface="Cambria Math" panose="02040503050406030204" pitchFamily="18" charset="0"/>
                                                 </a:rPr>
@@ -5445,7 +5334,7 @@
                                               <m:sSub>
                                                 <m:sSubPr>
                                                   <m:ctrlPr>
-                                                    <a:rPr lang="it-IT" sz="1875" i="1">
+                                                    <a:rPr lang="en-US" sz="1875" i="1" noProof="0" smtClean="0">
                                                       <a:latin typeface="Cambria Math" panose="02040503050406030204" pitchFamily="18" charset="0"/>
                                                       <a:ea typeface="Cambria Math" panose="02040503050406030204" pitchFamily="18" charset="0"/>
                                                     </a:rPr>
@@ -5453,7 +5342,7 @@
                                                 </m:sSubPr>
                                                 <m:e>
                                                   <m:r>
-                                                    <a:rPr lang="it-IT" sz="1875" i="1">
+                                                    <a:rPr lang="en-US" sz="1875" i="1" noProof="0" smtClean="0">
                                                       <a:latin typeface="Cambria Math" panose="02040503050406030204" pitchFamily="18" charset="0"/>
                                                       <a:ea typeface="Cambria Math" panose="02040503050406030204" pitchFamily="18" charset="0"/>
                                                     </a:rPr>
@@ -5462,7 +5351,7 @@
                                                 </m:e>
                                                 <m:sub>
                                                   <m:r>
-                                                    <a:rPr lang="it-IT" sz="1875" i="1">
+                                                    <a:rPr lang="en-US" sz="1875" i="1" noProof="0" smtClean="0">
                                                       <a:latin typeface="Cambria Math" panose="02040503050406030204" pitchFamily="18" charset="0"/>
                                                       <a:ea typeface="Cambria Math" panose="02040503050406030204" pitchFamily="18" charset="0"/>
                                                     </a:rPr>
@@ -5471,7 +5360,7 @@
                                                 </m:sub>
                                               </m:sSub>
                                               <m:r>
-                                                <a:rPr lang="it-IT" sz="1875" i="1">
+                                                <a:rPr lang="en-US" sz="1875" i="1" noProof="0" smtClean="0">
                                                   <a:latin typeface="Cambria Math" panose="02040503050406030204" pitchFamily="18" charset="0"/>
                                                   <a:ea typeface="Cambria Math" panose="02040503050406030204" pitchFamily="18" charset="0"/>
                                                 </a:rPr>
@@ -5484,7 +5373,7 @@
                                           <m:d>
                                             <m:dPr>
                                               <m:ctrlPr>
-                                                <a:rPr lang="it-IT" sz="1875" i="1">
+                                                <a:rPr lang="en-US" sz="1875" i="1" noProof="0" smtClean="0">
                                                   <a:latin typeface="Cambria Math" panose="02040503050406030204" pitchFamily="18" charset="0"/>
                                                   <a:ea typeface="Cambria Math" panose="02040503050406030204" pitchFamily="18" charset="0"/>
                                                 </a:rPr>
@@ -5492,7 +5381,7 @@
                                             </m:dPr>
                                             <m:e>
                                               <m:r>
-                                                <a:rPr lang="it-IT" sz="1875" i="1">
+                                                <a:rPr lang="en-US" sz="1875" i="1" noProof="0" smtClean="0">
                                                   <a:latin typeface="Cambria Math" panose="02040503050406030204" pitchFamily="18" charset="0"/>
                                                   <a:ea typeface="Cambria Math" panose="02040503050406030204" pitchFamily="18" charset="0"/>
                                                 </a:rPr>
@@ -5501,7 +5390,7 @@
                                               <m:d>
                                                 <m:dPr>
                                                   <m:ctrlPr>
-                                                    <a:rPr lang="it-IT" sz="1875" i="1">
+                                                    <a:rPr lang="en-US" sz="1875" i="1" noProof="0" smtClean="0">
                                                       <a:latin typeface="Cambria Math" panose="02040503050406030204" pitchFamily="18" charset="0"/>
                                                       <a:ea typeface="Cambria Math" panose="02040503050406030204" pitchFamily="18" charset="0"/>
                                                     </a:rPr>
@@ -5511,7 +5400,7 @@
                                                   <m:sSub>
                                                     <m:sSubPr>
                                                       <m:ctrlPr>
-                                                        <a:rPr lang="it-IT" sz="1875" i="1">
+                                                        <a:rPr lang="en-US" sz="1875" i="1" noProof="0" smtClean="0">
                                                           <a:latin typeface="Cambria Math" panose="02040503050406030204" pitchFamily="18" charset="0"/>
                                                           <a:ea typeface="Cambria Math" panose="02040503050406030204" pitchFamily="18" charset="0"/>
                                                         </a:rPr>
@@ -5519,7 +5408,7 @@
                                                     </m:sSubPr>
                                                     <m:e>
                                                       <m:r>
-                                                        <a:rPr lang="it-IT" sz="1875" i="1">
+                                                        <a:rPr lang="en-US" sz="1875" i="1" noProof="0" smtClean="0">
                                                           <a:latin typeface="Cambria Math" panose="02040503050406030204" pitchFamily="18" charset="0"/>
                                                           <a:ea typeface="Cambria Math" panose="02040503050406030204" pitchFamily="18" charset="0"/>
                                                         </a:rPr>
@@ -5528,7 +5417,7 @@
                                                     </m:e>
                                                     <m:sub>
                                                       <m:r>
-                                                        <a:rPr lang="it-IT" sz="1875" i="1">
+                                                        <a:rPr lang="en-US" sz="1875" i="1" noProof="0" smtClean="0">
                                                           <a:latin typeface="Cambria Math" panose="02040503050406030204" pitchFamily="18" charset="0"/>
                                                           <a:ea typeface="Cambria Math" panose="02040503050406030204" pitchFamily="18" charset="0"/>
                                                         </a:rPr>
@@ -5537,7 +5426,7 @@
                                                     </m:sub>
                                                   </m:sSub>
                                                   <m:r>
-                                                    <a:rPr lang="it-IT" sz="1875" i="1">
+                                                    <a:rPr lang="en-US" sz="1875" i="1" noProof="0" smtClean="0">
                                                       <a:latin typeface="Cambria Math" panose="02040503050406030204" pitchFamily="18" charset="0"/>
                                                       <a:ea typeface="Cambria Math" panose="02040503050406030204" pitchFamily="18" charset="0"/>
                                                     </a:rPr>
@@ -5546,7 +5435,7 @@
                                                   <m:sSub>
                                                     <m:sSubPr>
                                                       <m:ctrlPr>
-                                                        <a:rPr lang="it-IT" sz="1875" i="1">
+                                                        <a:rPr lang="en-US" sz="1875" i="1" noProof="0" smtClean="0">
                                                           <a:latin typeface="Cambria Math" panose="02040503050406030204" pitchFamily="18" charset="0"/>
                                                           <a:ea typeface="Cambria Math" panose="02040503050406030204" pitchFamily="18" charset="0"/>
                                                         </a:rPr>
@@ -5554,7 +5443,7 @@
                                                     </m:sSubPr>
                                                     <m:e>
                                                       <m:r>
-                                                        <a:rPr lang="it-IT" sz="1875" i="1">
+                                                        <a:rPr lang="en-US" sz="1875" i="1" noProof="0" smtClean="0">
                                                           <a:latin typeface="Cambria Math" panose="02040503050406030204" pitchFamily="18" charset="0"/>
                                                           <a:ea typeface="Cambria Math" panose="02040503050406030204" pitchFamily="18" charset="0"/>
                                                         </a:rPr>
@@ -5565,7 +5454,7 @@
                                                       <m:sSub>
                                                         <m:sSubPr>
                                                           <m:ctrlPr>
-                                                            <a:rPr lang="it-IT" sz="1875" i="1">
+                                                            <a:rPr lang="en-US" sz="1875" i="1" noProof="0" smtClean="0">
                                                               <a:latin typeface="Cambria Math" panose="02040503050406030204" pitchFamily="18" charset="0"/>
                                                               <a:ea typeface="Cambria Math" panose="02040503050406030204" pitchFamily="18" charset="0"/>
                                                             </a:rPr>
@@ -5573,7 +5462,7 @@
                                                         </m:sSubPr>
                                                         <m:e>
                                                           <m:r>
-                                                            <a:rPr lang="it-IT" sz="1875" i="1">
+                                                            <a:rPr lang="en-US" sz="1875" i="1" noProof="0" smtClean="0">
                                                               <a:latin typeface="Cambria Math" panose="02040503050406030204" pitchFamily="18" charset="0"/>
                                                               <a:ea typeface="Cambria Math" panose="02040503050406030204" pitchFamily="18" charset="0"/>
                                                             </a:rPr>
@@ -5582,7 +5471,7 @@
                                                         </m:e>
                                                         <m:sub>
                                                           <m:r>
-                                                            <a:rPr lang="it-IT" sz="1875" i="1">
+                                                            <a:rPr lang="en-US" sz="1875" i="1" noProof="0" smtClean="0">
                                                               <a:latin typeface="Cambria Math" panose="02040503050406030204" pitchFamily="18" charset="0"/>
                                                               <a:ea typeface="Cambria Math" panose="02040503050406030204" pitchFamily="18" charset="0"/>
                                                             </a:rPr>
@@ -5591,7 +5480,7 @@
                                                         </m:sub>
                                                       </m:sSub>
                                                       <m:r>
-                                                        <a:rPr lang="it-IT" sz="1875" i="1">
+                                                        <a:rPr lang="en-US" sz="1875" i="1" noProof="0" smtClean="0">
                                                           <a:latin typeface="Cambria Math" panose="02040503050406030204" pitchFamily="18" charset="0"/>
                                                           <a:ea typeface="Cambria Math" panose="02040503050406030204" pitchFamily="18" charset="0"/>
                                                         </a:rPr>
@@ -5600,21 +5489,21 @@
                                                     </m:sub>
                                                   </m:sSub>
                                                   <m:r>
-                                                    <a:rPr lang="it-IT" sz="1875" i="1">
+                                                    <a:rPr lang="en-US" sz="1875" i="1" noProof="0" smtClean="0">
                                                       <a:latin typeface="Cambria Math" panose="02040503050406030204" pitchFamily="18" charset="0"/>
                                                       <a:ea typeface="Cambria Math" panose="02040503050406030204" pitchFamily="18" charset="0"/>
                                                     </a:rPr>
                                                     <m:t>, </m:t>
                                                   </m:r>
                                                   <m:r>
-                                                    <a:rPr lang="it-IT" sz="1875" i="1">
+                                                    <a:rPr lang="en-US" sz="1875" i="1" noProof="0" smtClean="0">
                                                       <a:latin typeface="Cambria Math" panose="02040503050406030204" pitchFamily="18" charset="0"/>
                                                       <a:ea typeface="Cambria Math" panose="02040503050406030204" pitchFamily="18" charset="0"/>
                                                     </a:rPr>
                                                     <m:t>𝑉</m:t>
                                                   </m:r>
                                                   <m:r>
-                                                    <a:rPr lang="it-IT" sz="1875" i="1">
+                                                    <a:rPr lang="en-US" sz="1875" i="1" noProof="0" smtClean="0">
                                                       <a:latin typeface="Cambria Math" panose="02040503050406030204" pitchFamily="18" charset="0"/>
                                                       <a:ea typeface="Cambria Math" panose="02040503050406030204" pitchFamily="18" charset="0"/>
                                                     </a:rPr>
@@ -5631,7 +5520,7 @@
                                       <m:func>
                                         <m:funcPr>
                                           <m:ctrlPr>
-                                            <a:rPr lang="it-IT" sz="1875" i="1">
+                                            <a:rPr lang="en-US" sz="1875" i="1" noProof="0" smtClean="0">
                                               <a:latin typeface="Cambria Math" panose="02040503050406030204" pitchFamily="18" charset="0"/>
                                               <a:ea typeface="Cambria Math" panose="02040503050406030204" pitchFamily="18" charset="0"/>
                                             </a:rPr>
@@ -5641,7 +5530,7 @@
                                           <m:limLow>
                                             <m:limLowPr>
                                               <m:ctrlPr>
-                                                <a:rPr lang="it-IT" sz="1875" i="1">
+                                                <a:rPr lang="en-US" sz="1875" i="1" noProof="0" smtClean="0">
                                                   <a:latin typeface="Cambria Math" panose="02040503050406030204" pitchFamily="18" charset="0"/>
                                                   <a:ea typeface="Cambria Math" panose="02040503050406030204" pitchFamily="18" charset="0"/>
                                                 </a:rPr>
@@ -5652,7 +5541,7 @@
                                                 <m:rPr>
                                                   <m:sty m:val="p"/>
                                                 </m:rPr>
-                                                <a:rPr lang="it-IT" sz="1875">
+                                                <a:rPr lang="en-US" sz="1875" noProof="0" smtClean="0">
                                                   <a:latin typeface="Cambria Math" panose="02040503050406030204" pitchFamily="18" charset="0"/>
                                                   <a:ea typeface="Cambria Math" panose="02040503050406030204" pitchFamily="18" charset="0"/>
                                                 </a:rPr>
@@ -5661,14 +5550,14 @@
                                             </m:e>
                                             <m:lim>
                                               <m:r>
-                                                <a:rPr lang="it-IT" sz="1875" i="1">
+                                                <a:rPr lang="en-US" sz="1875" i="1" noProof="0" smtClean="0">
                                                   <a:latin typeface="Cambria Math" panose="02040503050406030204" pitchFamily="18" charset="0"/>
                                                   <a:ea typeface="Cambria Math" panose="02040503050406030204" pitchFamily="18" charset="0"/>
                                                 </a:rPr>
                                                 <m:t>𝑧</m:t>
                                               </m:r>
                                               <m:r>
-                                                <a:rPr lang="it-IT" sz="1875" i="1">
+                                                <a:rPr lang="en-US" sz="1875" i="1" noProof="0" smtClean="0">
                                                   <a:latin typeface="Cambria Math" panose="02040503050406030204" pitchFamily="18" charset="0"/>
                                                   <a:ea typeface="Cambria Math" panose="02040503050406030204" pitchFamily="18" charset="0"/>
                                                 </a:rPr>
@@ -5679,7 +5568,7 @@
                                                   <m:begChr m:val="{"/>
                                                   <m:endChr m:val="}"/>
                                                   <m:ctrlPr>
-                                                    <a:rPr lang="it-IT" sz="1875" i="1">
+                                                    <a:rPr lang="en-US" sz="1875" i="1" noProof="0" smtClean="0">
                                                       <a:latin typeface="Cambria Math" panose="02040503050406030204" pitchFamily="18" charset="0"/>
                                                       <a:ea typeface="Cambria Math" panose="02040503050406030204" pitchFamily="18" charset="0"/>
                                                     </a:rPr>
@@ -5687,14 +5576,14 @@
                                                 </m:dPr>
                                                 <m:e>
                                                   <m:r>
-                                                    <a:rPr lang="it-IT" sz="1875" i="1">
+                                                    <a:rPr lang="en-US" sz="1875" i="1" noProof="0" smtClean="0">
                                                       <a:latin typeface="Cambria Math" panose="02040503050406030204" pitchFamily="18" charset="0"/>
                                                       <a:ea typeface="Cambria Math" panose="02040503050406030204" pitchFamily="18" charset="0"/>
                                                     </a:rPr>
                                                     <m:t>1,…,</m:t>
                                                   </m:r>
                                                   <m:r>
-                                                    <a:rPr lang="it-IT" sz="1875" i="1">
+                                                    <a:rPr lang="en-US" sz="1875" i="1" noProof="0" smtClean="0">
                                                       <a:latin typeface="Cambria Math" panose="02040503050406030204" pitchFamily="18" charset="0"/>
                                                       <a:ea typeface="Cambria Math" panose="02040503050406030204" pitchFamily="18" charset="0"/>
                                                     </a:rPr>
@@ -5703,35 +5592,35 @@
                                                 </m:e>
                                               </m:d>
                                               <m:r>
-                                                <a:rPr lang="it-IT" sz="1875" i="1">
+                                                <a:rPr lang="en-US" sz="1875" i="1" noProof="0" smtClean="0">
                                                   <a:latin typeface="Cambria Math" panose="02040503050406030204" pitchFamily="18" charset="0"/>
                                                   <a:ea typeface="Cambria Math" panose="02040503050406030204" pitchFamily="18" charset="0"/>
                                                 </a:rPr>
                                                 <m:t>;</m:t>
                                               </m:r>
                                               <m:r>
-                                                <a:rPr lang="it-IT" sz="1875" i="1">
+                                                <a:rPr lang="en-US" sz="1875" i="1" noProof="0" smtClean="0">
                                                   <a:latin typeface="Cambria Math" panose="02040503050406030204" pitchFamily="18" charset="0"/>
                                                   <a:ea typeface="Cambria Math" panose="02040503050406030204" pitchFamily="18" charset="0"/>
                                                 </a:rPr>
                                                 <m:t>𝑗</m:t>
                                               </m:r>
                                               <m:r>
-                                                <a:rPr lang="it-IT" sz="1875" i="1">
+                                                <a:rPr lang="en-US" sz="1875" i="1" noProof="0" smtClean="0">
                                                   <a:latin typeface="Cambria Math" panose="02040503050406030204" pitchFamily="18" charset="0"/>
                                                   <a:ea typeface="Cambria Math" panose="02040503050406030204" pitchFamily="18" charset="0"/>
                                                 </a:rPr>
                                                 <m:t>∈</m:t>
                                               </m:r>
                                               <m:r>
-                                                <a:rPr lang="it-IT" sz="1875" i="1">
+                                                <a:rPr lang="en-US" sz="1875" i="1" noProof="0" smtClean="0">
                                                   <a:latin typeface="Cambria Math" panose="02040503050406030204" pitchFamily="18" charset="0"/>
                                                   <a:ea typeface="Cambria Math" panose="02040503050406030204" pitchFamily="18" charset="0"/>
                                                 </a:rPr>
                                                 <m:t>𝑈</m:t>
                                               </m:r>
                                               <m:r>
-                                                <a:rPr lang="it-IT" sz="1875" i="1">
+                                                <a:rPr lang="en-US" sz="1875" i="1" noProof="0" smtClean="0">
                                                   <a:latin typeface="Cambria Math" panose="02040503050406030204" pitchFamily="18" charset="0"/>
                                                   <a:ea typeface="Cambria Math" panose="02040503050406030204" pitchFamily="18" charset="0"/>
                                                 </a:rPr>
@@ -5740,7 +5629,7 @@
                                               <m:sSub>
                                                 <m:sSubPr>
                                                   <m:ctrlPr>
-                                                    <a:rPr lang="it-IT" sz="1875" i="1">
+                                                    <a:rPr lang="en-US" sz="1875" i="1" noProof="0" smtClean="0">
                                                       <a:latin typeface="Cambria Math" panose="02040503050406030204" pitchFamily="18" charset="0"/>
                                                       <a:ea typeface="Cambria Math" panose="02040503050406030204" pitchFamily="18" charset="0"/>
                                                     </a:rPr>
@@ -5748,7 +5637,7 @@
                                                 </m:sSubPr>
                                                 <m:e>
                                                   <m:r>
-                                                    <a:rPr lang="it-IT" sz="1875" i="1">
+                                                    <a:rPr lang="en-US" sz="1875" i="1" noProof="0" smtClean="0">
                                                       <a:latin typeface="Cambria Math" panose="02040503050406030204" pitchFamily="18" charset="0"/>
                                                       <a:ea typeface="Cambria Math" panose="02040503050406030204" pitchFamily="18" charset="0"/>
                                                     </a:rPr>
@@ -5757,7 +5646,7 @@
                                                 </m:e>
                                                 <m:sub>
                                                   <m:r>
-                                                    <a:rPr lang="it-IT" sz="1875" i="1">
+                                                    <a:rPr lang="en-US" sz="1875" i="1" noProof="0" smtClean="0">
                                                       <a:latin typeface="Cambria Math" panose="02040503050406030204" pitchFamily="18" charset="0"/>
                                                       <a:ea typeface="Cambria Math" panose="02040503050406030204" pitchFamily="18" charset="0"/>
                                                     </a:rPr>
@@ -5766,7 +5655,7 @@
                                                 </m:sub>
                                               </m:sSub>
                                               <m:r>
-                                                <a:rPr lang="it-IT" sz="1875" i="1">
+                                                <a:rPr lang="en-US" sz="1875" i="1" noProof="0" smtClean="0">
                                                   <a:latin typeface="Cambria Math" panose="02040503050406030204" pitchFamily="18" charset="0"/>
                                                   <a:ea typeface="Cambria Math" panose="02040503050406030204" pitchFamily="18" charset="0"/>
                                                 </a:rPr>
@@ -5775,7 +5664,7 @@
                                               <m:sSub>
                                                 <m:sSubPr>
                                                   <m:ctrlPr>
-                                                    <a:rPr lang="it-IT" sz="1875" i="1">
+                                                    <a:rPr lang="en-US" sz="1875" i="1" noProof="0" smtClean="0">
                                                       <a:latin typeface="Cambria Math" panose="02040503050406030204" pitchFamily="18" charset="0"/>
                                                       <a:ea typeface="Cambria Math" panose="02040503050406030204" pitchFamily="18" charset="0"/>
                                                     </a:rPr>
@@ -5783,7 +5672,7 @@
                                                 </m:sSubPr>
                                                 <m:e>
                                                   <m:r>
-                                                    <a:rPr lang="it-IT" sz="1875" i="1">
+                                                    <a:rPr lang="en-US" sz="1875" i="1" noProof="0" smtClean="0">
                                                       <a:latin typeface="Cambria Math" panose="02040503050406030204" pitchFamily="18" charset="0"/>
                                                       <a:ea typeface="Cambria Math" panose="02040503050406030204" pitchFamily="18" charset="0"/>
                                                     </a:rPr>
@@ -5792,7 +5681,7 @@
                                                 </m:e>
                                                 <m:sub>
                                                   <m:r>
-                                                    <a:rPr lang="it-IT" sz="1875" i="1">
+                                                    <a:rPr lang="en-US" sz="1875" i="1" noProof="0" smtClean="0">
                                                       <a:latin typeface="Cambria Math" panose="02040503050406030204" pitchFamily="18" charset="0"/>
                                                       <a:ea typeface="Cambria Math" panose="02040503050406030204" pitchFamily="18" charset="0"/>
                                                     </a:rPr>
@@ -5801,7 +5690,7 @@
                                                 </m:sub>
                                               </m:sSub>
                                               <m:r>
-                                                <a:rPr lang="it-IT" sz="1875" i="1">
+                                                <a:rPr lang="en-US" sz="1875" i="1" noProof="0" smtClean="0">
                                                   <a:latin typeface="Cambria Math" panose="02040503050406030204" pitchFamily="18" charset="0"/>
                                                   <a:ea typeface="Cambria Math" panose="02040503050406030204" pitchFamily="18" charset="0"/>
                                                 </a:rPr>
@@ -5810,7 +5699,7 @@
                                               <m:sSub>
                                                 <m:sSubPr>
                                                   <m:ctrlPr>
-                                                    <a:rPr lang="it-IT" sz="1875" i="1">
+                                                    <a:rPr lang="en-US" sz="1875" i="1" noProof="0" smtClean="0">
                                                       <a:latin typeface="Cambria Math" panose="02040503050406030204" pitchFamily="18" charset="0"/>
                                                       <a:ea typeface="Cambria Math" panose="02040503050406030204" pitchFamily="18" charset="0"/>
                                                     </a:rPr>
@@ -5818,7 +5707,7 @@
                                                 </m:sSubPr>
                                                 <m:e>
                                                   <m:r>
-                                                    <a:rPr lang="it-IT" sz="1875" i="1">
+                                                    <a:rPr lang="en-US" sz="1875" i="1" noProof="0" smtClean="0">
                                                       <a:latin typeface="Cambria Math" panose="02040503050406030204" pitchFamily="18" charset="0"/>
                                                       <a:ea typeface="Cambria Math" panose="02040503050406030204" pitchFamily="18" charset="0"/>
                                                     </a:rPr>
@@ -5827,7 +5716,7 @@
                                                 </m:e>
                                                 <m:sub>
                                                   <m:r>
-                                                    <a:rPr lang="it-IT" sz="1875" i="1">
+                                                    <a:rPr lang="en-US" sz="1875" i="1" noProof="0" smtClean="0">
                                                       <a:latin typeface="Cambria Math" panose="02040503050406030204" pitchFamily="18" charset="0"/>
                                                       <a:ea typeface="Cambria Math" panose="02040503050406030204" pitchFamily="18" charset="0"/>
                                                     </a:rPr>
@@ -5836,7 +5725,7 @@
                                                 </m:sub>
                                               </m:sSub>
                                               <m:r>
-                                                <a:rPr lang="it-IT" sz="1875" i="1">
+                                                <a:rPr lang="en-US" sz="1875" i="1" noProof="0" smtClean="0">
                                                   <a:latin typeface="Cambria Math" panose="02040503050406030204" pitchFamily="18" charset="0"/>
                                                   <a:ea typeface="Cambria Math" panose="02040503050406030204" pitchFamily="18" charset="0"/>
                                                 </a:rPr>
@@ -5845,7 +5734,7 @@
                                               <m:sSub>
                                                 <m:sSubPr>
                                                   <m:ctrlPr>
-                                                    <a:rPr lang="it-IT" sz="1875" i="1">
+                                                    <a:rPr lang="en-US" sz="1875" i="1" noProof="0" smtClean="0">
                                                       <a:latin typeface="Cambria Math" panose="02040503050406030204" pitchFamily="18" charset="0"/>
                                                       <a:ea typeface="Cambria Math" panose="02040503050406030204" pitchFamily="18" charset="0"/>
                                                     </a:rPr>
@@ -5853,7 +5742,7 @@
                                                 </m:sSubPr>
                                                 <m:e>
                                                   <m:r>
-                                                    <a:rPr lang="it-IT" sz="1875" i="1">
+                                                    <a:rPr lang="en-US" sz="1875" i="1" noProof="0" smtClean="0">
                                                       <a:latin typeface="Cambria Math" panose="02040503050406030204" pitchFamily="18" charset="0"/>
                                                       <a:ea typeface="Cambria Math" panose="02040503050406030204" pitchFamily="18" charset="0"/>
                                                     </a:rPr>
@@ -5862,7 +5751,7 @@
                                                 </m:e>
                                                 <m:sub>
                                                   <m:r>
-                                                    <a:rPr lang="it-IT" sz="1875" i="1">
+                                                    <a:rPr lang="en-US" sz="1875" i="1" noProof="0" smtClean="0">
                                                       <a:latin typeface="Cambria Math" panose="02040503050406030204" pitchFamily="18" charset="0"/>
                                                       <a:ea typeface="Cambria Math" panose="02040503050406030204" pitchFamily="18" charset="0"/>
                                                     </a:rPr>
@@ -5871,7 +5760,7 @@
                                                 </m:sub>
                                               </m:sSub>
                                               <m:r>
-                                                <a:rPr lang="it-IT" sz="1875" i="1">
+                                                <a:rPr lang="en-US" sz="1875" i="1" noProof="0" smtClean="0">
                                                   <a:latin typeface="Cambria Math" panose="02040503050406030204" pitchFamily="18" charset="0"/>
                                                   <a:ea typeface="Cambria Math" panose="02040503050406030204" pitchFamily="18" charset="0"/>
                                                 </a:rPr>
@@ -5884,7 +5773,7 @@
                                           <m:d>
                                             <m:dPr>
                                               <m:ctrlPr>
-                                                <a:rPr lang="it-IT" sz="1875" i="1">
+                                                <a:rPr lang="en-US" sz="1875" i="1" noProof="0" smtClean="0">
                                                   <a:latin typeface="Cambria Math" panose="02040503050406030204" pitchFamily="18" charset="0"/>
                                                   <a:ea typeface="Cambria Math" panose="02040503050406030204" pitchFamily="18" charset="0"/>
                                                 </a:rPr>
@@ -5892,7 +5781,7 @@
                                             </m:dPr>
                                             <m:e>
                                               <m:r>
-                                                <a:rPr lang="it-IT" sz="1875" i="1">
+                                                <a:rPr lang="en-US" sz="1875" i="1" noProof="0" smtClean="0">
                                                   <a:latin typeface="Cambria Math" panose="02040503050406030204" pitchFamily="18" charset="0"/>
                                                   <a:ea typeface="Cambria Math" panose="02040503050406030204" pitchFamily="18" charset="0"/>
                                                 </a:rPr>
@@ -5901,7 +5790,7 @@
                                               <m:d>
                                                 <m:dPr>
                                                   <m:ctrlPr>
-                                                    <a:rPr lang="it-IT" sz="1875" i="1">
+                                                    <a:rPr lang="en-US" sz="1875" i="1" noProof="0" smtClean="0">
                                                       <a:latin typeface="Cambria Math" panose="02040503050406030204" pitchFamily="18" charset="0"/>
                                                       <a:ea typeface="Cambria Math" panose="02040503050406030204" pitchFamily="18" charset="0"/>
                                                     </a:rPr>
@@ -5911,7 +5800,7 @@
                                                   <m:sSub>
                                                     <m:sSubPr>
                                                       <m:ctrlPr>
-                                                        <a:rPr lang="it-IT" sz="1875" i="1">
+                                                        <a:rPr lang="en-US" sz="1875" i="1" noProof="0" smtClean="0">
                                                           <a:latin typeface="Cambria Math" panose="02040503050406030204" pitchFamily="18" charset="0"/>
                                                           <a:ea typeface="Cambria Math" panose="02040503050406030204" pitchFamily="18" charset="0"/>
                                                         </a:rPr>
@@ -5919,7 +5808,7 @@
                                                     </m:sSubPr>
                                                     <m:e>
                                                       <m:r>
-                                                        <a:rPr lang="it-IT" sz="1875" i="1">
+                                                        <a:rPr lang="en-US" sz="1875" i="1" noProof="0" smtClean="0">
                                                           <a:latin typeface="Cambria Math" panose="02040503050406030204" pitchFamily="18" charset="0"/>
                                                           <a:ea typeface="Cambria Math" panose="02040503050406030204" pitchFamily="18" charset="0"/>
                                                         </a:rPr>
@@ -5928,14 +5817,14 @@
                                                     </m:e>
                                                     <m:sub>
                                                       <m:r>
-                                                        <a:rPr lang="it-IT" sz="1875" i="1">
+                                                        <a:rPr lang="en-US" sz="1875" i="1" noProof="0" smtClean="0">
                                                           <a:latin typeface="Cambria Math" panose="02040503050406030204" pitchFamily="18" charset="0"/>
                                                           <a:ea typeface="Cambria Math" panose="02040503050406030204" pitchFamily="18" charset="0"/>
                                                         </a:rPr>
                                                         <m:t>0</m:t>
                                                       </m:r>
                                                       <m:r>
-                                                        <a:rPr lang="it-IT" sz="1875" i="1">
+                                                        <a:rPr lang="en-US" sz="1875" i="1" noProof="0" smtClean="0">
                                                           <a:latin typeface="Cambria Math" panose="02040503050406030204" pitchFamily="18" charset="0"/>
                                                           <a:ea typeface="Cambria Math" panose="02040503050406030204" pitchFamily="18" charset="0"/>
                                                         </a:rPr>
@@ -5944,21 +5833,21 @@
                                                     </m:sub>
                                                   </m:sSub>
                                                   <m:r>
-                                                    <a:rPr lang="it-IT" sz="1875" i="1">
+                                                    <a:rPr lang="en-US" sz="1875" i="1" noProof="0" smtClean="0">
                                                       <a:latin typeface="Cambria Math" panose="02040503050406030204" pitchFamily="18" charset="0"/>
                                                       <a:ea typeface="Cambria Math" panose="02040503050406030204" pitchFamily="18" charset="0"/>
                                                     </a:rPr>
                                                     <m:t>, </m:t>
                                                   </m:r>
                                                   <m:r>
-                                                    <a:rPr lang="it-IT" sz="1875" i="1">
+                                                    <a:rPr lang="en-US" sz="1875" i="1" noProof="0" smtClean="0">
                                                       <a:latin typeface="Cambria Math" panose="02040503050406030204" pitchFamily="18" charset="0"/>
                                                       <a:ea typeface="Cambria Math" panose="02040503050406030204" pitchFamily="18" charset="0"/>
                                                     </a:rPr>
                                                     <m:t>𝑉</m:t>
                                                   </m:r>
                                                   <m:r>
-                                                    <a:rPr lang="it-IT" sz="1875" i="1">
+                                                    <a:rPr lang="en-US" sz="1875" i="1" noProof="0" smtClean="0">
                                                       <a:latin typeface="Cambria Math" panose="02040503050406030204" pitchFamily="18" charset="0"/>
                                                       <a:ea typeface="Cambria Math" panose="02040503050406030204" pitchFamily="18" charset="0"/>
                                                     </a:rPr>
@@ -5969,7 +5858,7 @@
                                             </m:e>
                                           </m:d>
                                           <m:r>
-                                            <a:rPr lang="it-IT" sz="1875" i="1">
+                                            <a:rPr lang="en-US" sz="1875" i="1" noProof="0" smtClean="0">
                                               <a:latin typeface="Cambria Math" panose="02040503050406030204" pitchFamily="18" charset="0"/>
                                               <a:ea typeface="Cambria Math" panose="02040503050406030204" pitchFamily="18" charset="0"/>
                                             </a:rPr>
@@ -5980,7 +5869,7 @@
                                     </m:e>
                                   </m:eqArr>
                                   <m:r>
-                                    <a:rPr lang="it-IT" sz="1875" b="0" i="1" smtClean="0">
+                                    <a:rPr lang="en-US" sz="1875" b="0" i="1" noProof="0" smtClean="0">
                                       <a:latin typeface="Cambria Math" panose="02040503050406030204" pitchFamily="18" charset="0"/>
                                       <a:ea typeface="Cambria Math" panose="02040503050406030204" pitchFamily="18" charset="0"/>
                                     </a:rPr>
@@ -5994,7 +5883,7 @@
                               <m:func>
                                 <m:funcPr>
                                   <m:ctrlPr>
-                                    <a:rPr lang="it-IT" sz="1875" i="1">
+                                    <a:rPr lang="en-US" sz="1875" i="1" noProof="0" smtClean="0">
                                       <a:latin typeface="Cambria Math" panose="02040503050406030204" pitchFamily="18" charset="0"/>
                                       <a:ea typeface="Cambria Math" panose="02040503050406030204" pitchFamily="18" charset="0"/>
                                     </a:rPr>
@@ -6004,7 +5893,7 @@
                                   <m:limLow>
                                     <m:limLowPr>
                                       <m:ctrlPr>
-                                        <a:rPr lang="it-IT" sz="1875" i="1">
+                                        <a:rPr lang="en-US" sz="1875" i="1" noProof="0" smtClean="0">
                                           <a:latin typeface="Cambria Math" panose="02040503050406030204" pitchFamily="18" charset="0"/>
                                           <a:ea typeface="Cambria Math" panose="02040503050406030204" pitchFamily="18" charset="0"/>
                                         </a:rPr>
@@ -6015,7 +5904,7 @@
                                         <m:rPr>
                                           <m:sty m:val="p"/>
                                         </m:rPr>
-                                        <a:rPr lang="it-IT" sz="1875">
+                                        <a:rPr lang="en-US" sz="1875" noProof="0" smtClean="0">
                                           <a:latin typeface="Cambria Math" panose="02040503050406030204" pitchFamily="18" charset="0"/>
                                           <a:ea typeface="Cambria Math" panose="02040503050406030204" pitchFamily="18" charset="0"/>
                                         </a:rPr>
@@ -6024,14 +5913,14 @@
                                     </m:e>
                                     <m:lim>
                                       <m:r>
-                                        <a:rPr lang="it-IT" sz="1875" i="1">
+                                        <a:rPr lang="en-US" sz="1875" i="1" noProof="0" smtClean="0">
                                           <a:latin typeface="Cambria Math" panose="02040503050406030204" pitchFamily="18" charset="0"/>
                                           <a:ea typeface="Cambria Math" panose="02040503050406030204" pitchFamily="18" charset="0"/>
                                         </a:rPr>
                                         <m:t>𝑧</m:t>
                                       </m:r>
                                       <m:r>
-                                        <a:rPr lang="it-IT" sz="1875" i="1">
+                                        <a:rPr lang="en-US" sz="1875" i="1" noProof="0" smtClean="0">
                                           <a:latin typeface="Cambria Math" panose="02040503050406030204" pitchFamily="18" charset="0"/>
                                           <a:ea typeface="Cambria Math" panose="02040503050406030204" pitchFamily="18" charset="0"/>
                                         </a:rPr>
@@ -6042,7 +5931,7 @@
                                           <m:begChr m:val="{"/>
                                           <m:endChr m:val="}"/>
                                           <m:ctrlPr>
-                                            <a:rPr lang="it-IT" sz="1875" i="1">
+                                            <a:rPr lang="en-US" sz="1875" i="1" noProof="0" smtClean="0">
                                               <a:latin typeface="Cambria Math" panose="02040503050406030204" pitchFamily="18" charset="0"/>
                                               <a:ea typeface="Cambria Math" panose="02040503050406030204" pitchFamily="18" charset="0"/>
                                             </a:rPr>
@@ -6050,14 +5939,14 @@
                                         </m:dPr>
                                         <m:e>
                                           <m:r>
-                                            <a:rPr lang="it-IT" sz="1875" i="1">
+                                            <a:rPr lang="en-US" sz="1875" i="1" noProof="0" smtClean="0">
                                               <a:latin typeface="Cambria Math" panose="02040503050406030204" pitchFamily="18" charset="0"/>
                                               <a:ea typeface="Cambria Math" panose="02040503050406030204" pitchFamily="18" charset="0"/>
                                             </a:rPr>
                                             <m:t>1,…,</m:t>
                                           </m:r>
                                           <m:r>
-                                            <a:rPr lang="it-IT" sz="1875" i="1">
+                                            <a:rPr lang="en-US" sz="1875" i="1" noProof="0" smtClean="0">
                                               <a:latin typeface="Cambria Math" panose="02040503050406030204" pitchFamily="18" charset="0"/>
                                               <a:ea typeface="Cambria Math" panose="02040503050406030204" pitchFamily="18" charset="0"/>
                                             </a:rPr>
@@ -6066,35 +5955,35 @@
                                         </m:e>
                                       </m:d>
                                       <m:r>
-                                        <a:rPr lang="it-IT" sz="1875" i="1">
+                                        <a:rPr lang="en-US" sz="1875" i="1" noProof="0" smtClean="0">
                                           <a:latin typeface="Cambria Math" panose="02040503050406030204" pitchFamily="18" charset="0"/>
                                           <a:ea typeface="Cambria Math" panose="02040503050406030204" pitchFamily="18" charset="0"/>
                                         </a:rPr>
                                         <m:t>;</m:t>
                                       </m:r>
                                       <m:r>
-                                        <a:rPr lang="it-IT" sz="1875" i="1">
+                                        <a:rPr lang="en-US" sz="1875" i="1" noProof="0" smtClean="0">
                                           <a:latin typeface="Cambria Math" panose="02040503050406030204" pitchFamily="18" charset="0"/>
                                           <a:ea typeface="Cambria Math" panose="02040503050406030204" pitchFamily="18" charset="0"/>
                                         </a:rPr>
                                         <m:t>𝑗</m:t>
                                       </m:r>
                                       <m:r>
-                                        <a:rPr lang="it-IT" sz="1875" i="1">
+                                        <a:rPr lang="en-US" sz="1875" i="1" noProof="0" smtClean="0">
                                           <a:latin typeface="Cambria Math" panose="02040503050406030204" pitchFamily="18" charset="0"/>
                                           <a:ea typeface="Cambria Math" panose="02040503050406030204" pitchFamily="18" charset="0"/>
                                         </a:rPr>
                                         <m:t>∈</m:t>
                                       </m:r>
                                       <m:r>
-                                        <a:rPr lang="it-IT" sz="1875" i="1">
+                                        <a:rPr lang="en-US" sz="1875" i="1" noProof="0" smtClean="0">
                                           <a:latin typeface="Cambria Math" panose="02040503050406030204" pitchFamily="18" charset="0"/>
                                           <a:ea typeface="Cambria Math" panose="02040503050406030204" pitchFamily="18" charset="0"/>
                                         </a:rPr>
                                         <m:t>𝑈</m:t>
                                       </m:r>
                                       <m:r>
-                                        <a:rPr lang="it-IT" sz="1875" i="1">
+                                        <a:rPr lang="en-US" sz="1875" i="1" noProof="0" smtClean="0">
                                           <a:latin typeface="Cambria Math" panose="02040503050406030204" pitchFamily="18" charset="0"/>
                                           <a:ea typeface="Cambria Math" panose="02040503050406030204" pitchFamily="18" charset="0"/>
                                         </a:rPr>
@@ -6103,7 +5992,7 @@
                                       <m:sSub>
                                         <m:sSubPr>
                                           <m:ctrlPr>
-                                            <a:rPr lang="it-IT" sz="1875" i="1">
+                                            <a:rPr lang="en-US" sz="1875" i="1" noProof="0" smtClean="0">
                                               <a:latin typeface="Cambria Math" panose="02040503050406030204" pitchFamily="18" charset="0"/>
                                               <a:ea typeface="Cambria Math" panose="02040503050406030204" pitchFamily="18" charset="0"/>
                                             </a:rPr>
@@ -6111,7 +6000,7 @@
                                         </m:sSubPr>
                                         <m:e>
                                           <m:r>
-                                            <a:rPr lang="it-IT" sz="1875" i="1">
+                                            <a:rPr lang="en-US" sz="1875" i="1" noProof="0" smtClean="0">
                                               <a:latin typeface="Cambria Math" panose="02040503050406030204" pitchFamily="18" charset="0"/>
                                               <a:ea typeface="Cambria Math" panose="02040503050406030204" pitchFamily="18" charset="0"/>
                                             </a:rPr>
@@ -6120,7 +6009,7 @@
                                         </m:e>
                                         <m:sub>
                                           <m:r>
-                                            <a:rPr lang="it-IT" sz="1875" i="1">
+                                            <a:rPr lang="en-US" sz="1875" i="1" noProof="0" smtClean="0">
                                               <a:latin typeface="Cambria Math" panose="02040503050406030204" pitchFamily="18" charset="0"/>
                                               <a:ea typeface="Cambria Math" panose="02040503050406030204" pitchFamily="18" charset="0"/>
                                             </a:rPr>
@@ -6129,7 +6018,7 @@
                                         </m:sub>
                                       </m:sSub>
                                       <m:r>
-                                        <a:rPr lang="it-IT" sz="1875" i="1">
+                                        <a:rPr lang="en-US" sz="1875" i="1" noProof="0" smtClean="0">
                                           <a:latin typeface="Cambria Math" panose="02040503050406030204" pitchFamily="18" charset="0"/>
                                           <a:ea typeface="Cambria Math" panose="02040503050406030204" pitchFamily="18" charset="0"/>
                                         </a:rPr>
@@ -6138,7 +6027,7 @@
                                       <m:sSub>
                                         <m:sSubPr>
                                           <m:ctrlPr>
-                                            <a:rPr lang="it-IT" sz="1875" i="1">
+                                            <a:rPr lang="en-US" sz="1875" i="1" noProof="0" smtClean="0">
                                               <a:latin typeface="Cambria Math" panose="02040503050406030204" pitchFamily="18" charset="0"/>
                                               <a:ea typeface="Cambria Math" panose="02040503050406030204" pitchFamily="18" charset="0"/>
                                             </a:rPr>
@@ -6146,7 +6035,7 @@
                                         </m:sSubPr>
                                         <m:e>
                                           <m:r>
-                                            <a:rPr lang="it-IT" sz="1875" i="1">
+                                            <a:rPr lang="en-US" sz="1875" i="1" noProof="0" smtClean="0">
                                               <a:latin typeface="Cambria Math" panose="02040503050406030204" pitchFamily="18" charset="0"/>
                                               <a:ea typeface="Cambria Math" panose="02040503050406030204" pitchFamily="18" charset="0"/>
                                             </a:rPr>
@@ -6155,7 +6044,7 @@
                                         </m:e>
                                         <m:sub>
                                           <m:r>
-                                            <a:rPr lang="it-IT" sz="1875" i="1">
+                                            <a:rPr lang="en-US" sz="1875" i="1" noProof="0" smtClean="0">
                                               <a:latin typeface="Cambria Math" panose="02040503050406030204" pitchFamily="18" charset="0"/>
                                               <a:ea typeface="Cambria Math" panose="02040503050406030204" pitchFamily="18" charset="0"/>
                                             </a:rPr>
@@ -6164,7 +6053,7 @@
                                         </m:sub>
                                       </m:sSub>
                                       <m:r>
-                                        <a:rPr lang="it-IT" sz="1875" i="1">
+                                        <a:rPr lang="en-US" sz="1875" i="1" noProof="0" smtClean="0">
                                           <a:latin typeface="Cambria Math" panose="02040503050406030204" pitchFamily="18" charset="0"/>
                                           <a:ea typeface="Cambria Math" panose="02040503050406030204" pitchFamily="18" charset="0"/>
                                         </a:rPr>
@@ -6173,7 +6062,7 @@
                                       <m:sSub>
                                         <m:sSubPr>
                                           <m:ctrlPr>
-                                            <a:rPr lang="it-IT" sz="1875" i="1">
+                                            <a:rPr lang="en-US" sz="1875" i="1" noProof="0" smtClean="0">
                                               <a:latin typeface="Cambria Math" panose="02040503050406030204" pitchFamily="18" charset="0"/>
                                               <a:ea typeface="Cambria Math" panose="02040503050406030204" pitchFamily="18" charset="0"/>
                                             </a:rPr>
@@ -6181,7 +6070,7 @@
                                         </m:sSubPr>
                                         <m:e>
                                           <m:r>
-                                            <a:rPr lang="it-IT" sz="1875" i="1">
+                                            <a:rPr lang="en-US" sz="1875" i="1" noProof="0" smtClean="0">
                                               <a:latin typeface="Cambria Math" panose="02040503050406030204" pitchFamily="18" charset="0"/>
                                               <a:ea typeface="Cambria Math" panose="02040503050406030204" pitchFamily="18" charset="0"/>
                                             </a:rPr>
@@ -6190,7 +6079,7 @@
                                         </m:e>
                                         <m:sub>
                                           <m:r>
-                                            <a:rPr lang="it-IT" sz="1875" i="1">
+                                            <a:rPr lang="en-US" sz="1875" i="1" noProof="0" smtClean="0">
                                               <a:latin typeface="Cambria Math" panose="02040503050406030204" pitchFamily="18" charset="0"/>
                                               <a:ea typeface="Cambria Math" panose="02040503050406030204" pitchFamily="18" charset="0"/>
                                             </a:rPr>
@@ -6199,7 +6088,7 @@
                                         </m:sub>
                                       </m:sSub>
                                       <m:r>
-                                        <a:rPr lang="it-IT" sz="1875" i="1" smtClean="0">
+                                        <a:rPr lang="en-US" sz="1875" i="1" noProof="0" smtClean="0">
                                           <a:latin typeface="Cambria Math" panose="02040503050406030204" pitchFamily="18" charset="0"/>
                                           <a:ea typeface="Cambria Math" panose="02040503050406030204" pitchFamily="18" charset="0"/>
                                         </a:rPr>
@@ -6212,7 +6101,7 @@
                                   <m:d>
                                     <m:dPr>
                                       <m:ctrlPr>
-                                        <a:rPr lang="it-IT" sz="1875" i="1">
+                                        <a:rPr lang="en-US" sz="1875" i="1" noProof="0" smtClean="0">
                                           <a:latin typeface="Cambria Math" panose="02040503050406030204" pitchFamily="18" charset="0"/>
                                           <a:ea typeface="Cambria Math" panose="02040503050406030204" pitchFamily="18" charset="0"/>
                                         </a:rPr>
@@ -6220,7 +6109,7 @@
                                     </m:dPr>
                                     <m:e>
                                       <m:r>
-                                        <a:rPr lang="it-IT" sz="1875" i="1">
+                                        <a:rPr lang="en-US" sz="1875" i="1" noProof="0" smtClean="0">
                                           <a:latin typeface="Cambria Math" panose="02040503050406030204" pitchFamily="18" charset="0"/>
                                           <a:ea typeface="Cambria Math" panose="02040503050406030204" pitchFamily="18" charset="0"/>
                                         </a:rPr>
@@ -6229,7 +6118,7 @@
                                       <m:d>
                                         <m:dPr>
                                           <m:ctrlPr>
-                                            <a:rPr lang="it-IT" sz="1875" i="1">
+                                            <a:rPr lang="en-US" sz="1875" i="1" noProof="0" smtClean="0">
                                               <a:latin typeface="Cambria Math" panose="02040503050406030204" pitchFamily="18" charset="0"/>
                                               <a:ea typeface="Cambria Math" panose="02040503050406030204" pitchFamily="18" charset="0"/>
                                             </a:rPr>
@@ -6239,7 +6128,7 @@
                                           <m:sSub>
                                             <m:sSubPr>
                                               <m:ctrlPr>
-                                                <a:rPr lang="it-IT" sz="1875" i="1">
+                                                <a:rPr lang="en-US" sz="1875" i="1" noProof="0" smtClean="0">
                                                   <a:latin typeface="Cambria Math" panose="02040503050406030204" pitchFamily="18" charset="0"/>
                                                   <a:ea typeface="Cambria Math" panose="02040503050406030204" pitchFamily="18" charset="0"/>
                                                 </a:rPr>
@@ -6247,7 +6136,7 @@
                                             </m:sSubPr>
                                             <m:e>
                                               <m:r>
-                                                <a:rPr lang="it-IT" sz="1875" i="1">
+                                                <a:rPr lang="en-US" sz="1875" i="1" noProof="0" smtClean="0">
                                                   <a:latin typeface="Cambria Math" panose="02040503050406030204" pitchFamily="18" charset="0"/>
                                                   <a:ea typeface="Cambria Math" panose="02040503050406030204" pitchFamily="18" charset="0"/>
                                                 </a:rPr>
@@ -6256,7 +6145,7 @@
                                             </m:e>
                                             <m:sub>
                                               <m:r>
-                                                <a:rPr lang="it-IT" sz="1875" i="1">
+                                                <a:rPr lang="en-US" sz="1875" i="1" noProof="0" smtClean="0">
                                                   <a:latin typeface="Cambria Math" panose="02040503050406030204" pitchFamily="18" charset="0"/>
                                                   <a:ea typeface="Cambria Math" panose="02040503050406030204" pitchFamily="18" charset="0"/>
                                                 </a:rPr>
@@ -6265,7 +6154,7 @@
                                             </m:sub>
                                           </m:sSub>
                                           <m:r>
-                                            <a:rPr lang="it-IT" sz="1875" i="1">
+                                            <a:rPr lang="en-US" sz="1875" i="1" noProof="0" smtClean="0">
                                               <a:latin typeface="Cambria Math" panose="02040503050406030204" pitchFamily="18" charset="0"/>
                                               <a:ea typeface="Cambria Math" panose="02040503050406030204" pitchFamily="18" charset="0"/>
                                             </a:rPr>
@@ -6274,7 +6163,7 @@
                                           <m:sSub>
                                             <m:sSubPr>
                                               <m:ctrlPr>
-                                                <a:rPr lang="it-IT" sz="1875" i="1">
+                                                <a:rPr lang="en-US" sz="1875" i="1" noProof="0" smtClean="0">
                                                   <a:latin typeface="Cambria Math" panose="02040503050406030204" pitchFamily="18" charset="0"/>
                                                   <a:ea typeface="Cambria Math" panose="02040503050406030204" pitchFamily="18" charset="0"/>
                                                 </a:rPr>
@@ -6282,7 +6171,7 @@
                                             </m:sSubPr>
                                             <m:e>
                                               <m:r>
-                                                <a:rPr lang="it-IT" sz="1875" i="1">
+                                                <a:rPr lang="en-US" sz="1875" i="1" noProof="0" smtClean="0">
                                                   <a:latin typeface="Cambria Math" panose="02040503050406030204" pitchFamily="18" charset="0"/>
                                                   <a:ea typeface="Cambria Math" panose="02040503050406030204" pitchFamily="18" charset="0"/>
                                                 </a:rPr>
@@ -6293,7 +6182,7 @@
                                               <m:sSub>
                                                 <m:sSubPr>
                                                   <m:ctrlPr>
-                                                    <a:rPr lang="it-IT" sz="1875" i="1">
+                                                    <a:rPr lang="en-US" sz="1875" i="1" noProof="0" smtClean="0">
                                                       <a:latin typeface="Cambria Math" panose="02040503050406030204" pitchFamily="18" charset="0"/>
                                                       <a:ea typeface="Cambria Math" panose="02040503050406030204" pitchFamily="18" charset="0"/>
                                                     </a:rPr>
@@ -6301,7 +6190,7 @@
                                                 </m:sSubPr>
                                                 <m:e>
                                                   <m:r>
-                                                    <a:rPr lang="it-IT" sz="1875" i="1">
+                                                    <a:rPr lang="en-US" sz="1875" i="1" noProof="0" smtClean="0">
                                                       <a:latin typeface="Cambria Math" panose="02040503050406030204" pitchFamily="18" charset="0"/>
                                                       <a:ea typeface="Cambria Math" panose="02040503050406030204" pitchFamily="18" charset="0"/>
                                                     </a:rPr>
@@ -6310,7 +6199,7 @@
                                                 </m:e>
                                                 <m:sub>
                                                   <m:r>
-                                                    <a:rPr lang="it-IT" sz="1875" i="1">
+                                                    <a:rPr lang="en-US" sz="1875" i="1" noProof="0" smtClean="0">
                                                       <a:latin typeface="Cambria Math" panose="02040503050406030204" pitchFamily="18" charset="0"/>
                                                       <a:ea typeface="Cambria Math" panose="02040503050406030204" pitchFamily="18" charset="0"/>
                                                     </a:rPr>
@@ -6319,7 +6208,7 @@
                                                 </m:sub>
                                               </m:sSub>
                                               <m:r>
-                                                <a:rPr lang="it-IT" sz="1875" i="1">
+                                                <a:rPr lang="en-US" sz="1875" i="1" noProof="0" smtClean="0">
                                                   <a:latin typeface="Cambria Math" panose="02040503050406030204" pitchFamily="18" charset="0"/>
                                                   <a:ea typeface="Cambria Math" panose="02040503050406030204" pitchFamily="18" charset="0"/>
                                                 </a:rPr>
@@ -6328,21 +6217,21 @@
                                             </m:sub>
                                           </m:sSub>
                                           <m:r>
-                                            <a:rPr lang="it-IT" sz="1875" i="1">
+                                            <a:rPr lang="en-US" sz="1875" i="1" noProof="0" smtClean="0">
                                               <a:latin typeface="Cambria Math" panose="02040503050406030204" pitchFamily="18" charset="0"/>
                                               <a:ea typeface="Cambria Math" panose="02040503050406030204" pitchFamily="18" charset="0"/>
                                             </a:rPr>
                                             <m:t>, </m:t>
                                           </m:r>
                                           <m:r>
-                                            <a:rPr lang="it-IT" sz="1875" i="1">
+                                            <a:rPr lang="en-US" sz="1875" i="1" noProof="0" smtClean="0">
                                               <a:latin typeface="Cambria Math" panose="02040503050406030204" pitchFamily="18" charset="0"/>
                                               <a:ea typeface="Cambria Math" panose="02040503050406030204" pitchFamily="18" charset="0"/>
                                             </a:rPr>
                                             <m:t>𝑉</m:t>
                                           </m:r>
                                           <m:r>
-                                            <a:rPr lang="it-IT" sz="1875" i="1">
+                                            <a:rPr lang="en-US" sz="1875" i="1" noProof="0" smtClean="0">
                                               <a:latin typeface="Cambria Math" panose="02040503050406030204" pitchFamily="18" charset="0"/>
                                               <a:ea typeface="Cambria Math" panose="02040503050406030204" pitchFamily="18" charset="0"/>
                                             </a:rPr>
@@ -6355,7 +6244,7 @@
                                 </m:e>
                               </m:func>
                               <m:r>
-                                <a:rPr lang="it-IT" sz="1875" b="0" i="1" smtClean="0">
+                                <a:rPr lang="en-US" sz="1875" b="0" i="1" noProof="0" smtClean="0">
                                   <a:latin typeface="Cambria Math" panose="02040503050406030204" pitchFamily="18" charset="0"/>
                                   <a:ea typeface="Cambria Math" panose="02040503050406030204" pitchFamily="18" charset="0"/>
                                 </a:rPr>
@@ -6367,7 +6256,7 @@
                               <m:func>
                                 <m:funcPr>
                                   <m:ctrlPr>
-                                    <a:rPr lang="it-IT" sz="1875" i="1">
+                                    <a:rPr lang="en-US" sz="1875" i="1" noProof="0" smtClean="0">
                                       <a:latin typeface="Cambria Math" panose="02040503050406030204" pitchFamily="18" charset="0"/>
                                       <a:ea typeface="Cambria Math" panose="02040503050406030204" pitchFamily="18" charset="0"/>
                                     </a:rPr>
@@ -6377,7 +6266,7 @@
                                   <m:limLow>
                                     <m:limLowPr>
                                       <m:ctrlPr>
-                                        <a:rPr lang="it-IT" sz="1875" i="1">
+                                        <a:rPr lang="en-US" sz="1875" i="1" noProof="0" smtClean="0">
                                           <a:latin typeface="Cambria Math" panose="02040503050406030204" pitchFamily="18" charset="0"/>
                                           <a:ea typeface="Cambria Math" panose="02040503050406030204" pitchFamily="18" charset="0"/>
                                         </a:rPr>
@@ -6388,7 +6277,7 @@
                                         <m:rPr>
                                           <m:sty m:val="p"/>
                                         </m:rPr>
-                                        <a:rPr lang="it-IT" sz="1875">
+                                        <a:rPr lang="en-US" sz="1875" noProof="0" smtClean="0">
                                           <a:latin typeface="Cambria Math" panose="02040503050406030204" pitchFamily="18" charset="0"/>
                                           <a:ea typeface="Cambria Math" panose="02040503050406030204" pitchFamily="18" charset="0"/>
                                         </a:rPr>
@@ -6397,14 +6286,14 @@
                                     </m:e>
                                     <m:lim>
                                       <m:r>
-                                        <a:rPr lang="it-IT" sz="1875" i="1">
+                                        <a:rPr lang="en-US" sz="1875" i="1" noProof="0" smtClean="0">
                                           <a:latin typeface="Cambria Math" panose="02040503050406030204" pitchFamily="18" charset="0"/>
                                           <a:ea typeface="Cambria Math" panose="02040503050406030204" pitchFamily="18" charset="0"/>
                                         </a:rPr>
                                         <m:t>𝑧</m:t>
                                       </m:r>
                                       <m:r>
-                                        <a:rPr lang="it-IT" sz="1875" i="1">
+                                        <a:rPr lang="en-US" sz="1875" i="1" noProof="0" smtClean="0">
                                           <a:latin typeface="Cambria Math" panose="02040503050406030204" pitchFamily="18" charset="0"/>
                                           <a:ea typeface="Cambria Math" panose="02040503050406030204" pitchFamily="18" charset="0"/>
                                         </a:rPr>
@@ -6415,7 +6304,7 @@
                                           <m:begChr m:val="{"/>
                                           <m:endChr m:val="}"/>
                                           <m:ctrlPr>
-                                            <a:rPr lang="it-IT" sz="1875" i="1">
+                                            <a:rPr lang="en-US" sz="1875" i="1" noProof="0" smtClean="0">
                                               <a:latin typeface="Cambria Math" panose="02040503050406030204" pitchFamily="18" charset="0"/>
                                               <a:ea typeface="Cambria Math" panose="02040503050406030204" pitchFamily="18" charset="0"/>
                                             </a:rPr>
@@ -6423,14 +6312,14 @@
                                         </m:dPr>
                                         <m:e>
                                           <m:r>
-                                            <a:rPr lang="it-IT" sz="1875" i="1">
+                                            <a:rPr lang="en-US" sz="1875" i="1" noProof="0" smtClean="0">
                                               <a:latin typeface="Cambria Math" panose="02040503050406030204" pitchFamily="18" charset="0"/>
                                               <a:ea typeface="Cambria Math" panose="02040503050406030204" pitchFamily="18" charset="0"/>
                                             </a:rPr>
                                             <m:t>1,…,</m:t>
                                           </m:r>
                                           <m:r>
-                                            <a:rPr lang="it-IT" sz="1875" i="1">
+                                            <a:rPr lang="en-US" sz="1875" i="1" noProof="0" smtClean="0">
                                               <a:latin typeface="Cambria Math" panose="02040503050406030204" pitchFamily="18" charset="0"/>
                                               <a:ea typeface="Cambria Math" panose="02040503050406030204" pitchFamily="18" charset="0"/>
                                             </a:rPr>
@@ -6439,7 +6328,7 @@
                                         </m:e>
                                       </m:d>
                                       <m:r>
-                                        <a:rPr lang="it-IT" sz="1875" i="1">
+                                        <a:rPr lang="en-US" sz="1875" i="1" noProof="0" smtClean="0">
                                           <a:latin typeface="Cambria Math" panose="02040503050406030204" pitchFamily="18" charset="0"/>
                                           <a:ea typeface="Cambria Math" panose="02040503050406030204" pitchFamily="18" charset="0"/>
                                         </a:rPr>
@@ -6448,7 +6337,7 @@
                                       <m:sSub>
                                         <m:sSubPr>
                                           <m:ctrlPr>
-                                            <a:rPr lang="it-IT" sz="1875" i="1">
+                                            <a:rPr lang="en-US" sz="1875" i="1" noProof="0" smtClean="0">
                                               <a:latin typeface="Cambria Math" panose="02040503050406030204" pitchFamily="18" charset="0"/>
                                               <a:ea typeface="Cambria Math" panose="02040503050406030204" pitchFamily="18" charset="0"/>
                                             </a:rPr>
@@ -6456,7 +6345,7 @@
                                         </m:sSubPr>
                                         <m:e>
                                           <m:r>
-                                            <a:rPr lang="it-IT" sz="1875" i="1">
+                                            <a:rPr lang="en-US" sz="1875" i="1" noProof="0" smtClean="0">
                                               <a:latin typeface="Cambria Math" panose="02040503050406030204" pitchFamily="18" charset="0"/>
                                               <a:ea typeface="Cambria Math" panose="02040503050406030204" pitchFamily="18" charset="0"/>
                                             </a:rPr>
@@ -6465,7 +6354,7 @@
                                         </m:e>
                                         <m:sub>
                                           <m:r>
-                                            <a:rPr lang="it-IT" sz="1875" i="1">
+                                            <a:rPr lang="en-US" sz="1875" i="1" noProof="0" smtClean="0">
                                               <a:latin typeface="Cambria Math" panose="02040503050406030204" pitchFamily="18" charset="0"/>
                                               <a:ea typeface="Cambria Math" panose="02040503050406030204" pitchFamily="18" charset="0"/>
                                             </a:rPr>
@@ -6474,7 +6363,7 @@
                                         </m:sub>
                                       </m:sSub>
                                       <m:r>
-                                        <a:rPr lang="it-IT" sz="1875" i="1">
+                                        <a:rPr lang="en-US" sz="1875" i="1" noProof="0" smtClean="0">
                                           <a:latin typeface="Cambria Math" panose="02040503050406030204" pitchFamily="18" charset="0"/>
                                           <a:ea typeface="Cambria Math" panose="02040503050406030204" pitchFamily="18" charset="0"/>
                                         </a:rPr>
@@ -6485,7 +6374,7 @@
                                 </m:fName>
                                 <m:e>
                                   <m:r>
-                                    <a:rPr lang="it-IT" sz="1875" i="1">
+                                    <a:rPr lang="en-US" sz="1875" i="1" noProof="0" smtClean="0">
                                       <a:latin typeface="Cambria Math" panose="02040503050406030204" pitchFamily="18" charset="0"/>
                                       <a:ea typeface="Cambria Math" panose="02040503050406030204" pitchFamily="18" charset="0"/>
                                     </a:rPr>
@@ -6494,7 +6383,7 @@
                                   <m:d>
                                     <m:dPr>
                                       <m:ctrlPr>
-                                        <a:rPr lang="it-IT" sz="1875" i="1">
+                                        <a:rPr lang="en-US" sz="1875" i="1" noProof="0" smtClean="0">
                                           <a:latin typeface="Cambria Math" panose="02040503050406030204" pitchFamily="18" charset="0"/>
                                           <a:ea typeface="Cambria Math" panose="02040503050406030204" pitchFamily="18" charset="0"/>
                                         </a:rPr>
@@ -6504,7 +6393,7 @@
                                       <m:sSub>
                                         <m:sSubPr>
                                           <m:ctrlPr>
-                                            <a:rPr lang="it-IT" sz="1875" i="1">
+                                            <a:rPr lang="en-US" sz="1875" i="1" noProof="0" smtClean="0">
                                               <a:latin typeface="Cambria Math" panose="02040503050406030204" pitchFamily="18" charset="0"/>
                                               <a:ea typeface="Cambria Math" panose="02040503050406030204" pitchFamily="18" charset="0"/>
                                             </a:rPr>
@@ -6512,7 +6401,7 @@
                                         </m:sSubPr>
                                         <m:e>
                                           <m:r>
-                                            <a:rPr lang="it-IT" sz="1875" i="1">
+                                            <a:rPr lang="en-US" sz="1875" i="1" noProof="0" smtClean="0">
                                               <a:latin typeface="Cambria Math" panose="02040503050406030204" pitchFamily="18" charset="0"/>
                                               <a:ea typeface="Cambria Math" panose="02040503050406030204" pitchFamily="18" charset="0"/>
                                             </a:rPr>
@@ -6521,7 +6410,7 @@
                                         </m:e>
                                         <m:sub>
                                           <m:r>
-                                            <a:rPr lang="it-IT" sz="1875" i="1">
+                                            <a:rPr lang="en-US" sz="1875" i="1" noProof="0" smtClean="0">
                                               <a:latin typeface="Cambria Math" panose="02040503050406030204" pitchFamily="18" charset="0"/>
                                               <a:ea typeface="Cambria Math" panose="02040503050406030204" pitchFamily="18" charset="0"/>
                                             </a:rPr>
@@ -6530,7 +6419,7 @@
                                         </m:sub>
                                       </m:sSub>
                                       <m:r>
-                                        <a:rPr lang="it-IT" sz="1875" i="1">
+                                        <a:rPr lang="en-US" sz="1875" i="1" noProof="0" smtClean="0">
                                           <a:latin typeface="Cambria Math" panose="02040503050406030204" pitchFamily="18" charset="0"/>
                                           <a:ea typeface="Cambria Math" panose="02040503050406030204" pitchFamily="18" charset="0"/>
                                         </a:rPr>
@@ -6539,7 +6428,7 @@
                                       <m:sSub>
                                         <m:sSubPr>
                                           <m:ctrlPr>
-                                            <a:rPr lang="it-IT" sz="1875" i="1">
+                                            <a:rPr lang="en-US" sz="1875" i="1" noProof="0" smtClean="0">
                                               <a:latin typeface="Cambria Math" panose="02040503050406030204" pitchFamily="18" charset="0"/>
                                               <a:ea typeface="Cambria Math" panose="02040503050406030204" pitchFamily="18" charset="0"/>
                                             </a:rPr>
@@ -6547,7 +6436,7 @@
                                         </m:sSubPr>
                                         <m:e>
                                           <m:r>
-                                            <a:rPr lang="it-IT" sz="1875" i="1">
+                                            <a:rPr lang="en-US" sz="1875" i="1" noProof="0" smtClean="0">
                                               <a:latin typeface="Cambria Math" panose="02040503050406030204" pitchFamily="18" charset="0"/>
                                               <a:ea typeface="Cambria Math" panose="02040503050406030204" pitchFamily="18" charset="0"/>
                                             </a:rPr>
@@ -6558,7 +6447,7 @@
                                           <m:sSub>
                                             <m:sSubPr>
                                               <m:ctrlPr>
-                                                <a:rPr lang="it-IT" sz="1875" i="1">
+                                                <a:rPr lang="en-US" sz="1875" i="1" noProof="0" smtClean="0">
                                                   <a:latin typeface="Cambria Math" panose="02040503050406030204" pitchFamily="18" charset="0"/>
                                                   <a:ea typeface="Cambria Math" panose="02040503050406030204" pitchFamily="18" charset="0"/>
                                                 </a:rPr>
@@ -6566,7 +6455,7 @@
                                             </m:sSubPr>
                                             <m:e>
                                               <m:r>
-                                                <a:rPr lang="it-IT" sz="1875" i="1">
+                                                <a:rPr lang="en-US" sz="1875" i="1" noProof="0" smtClean="0">
                                                   <a:latin typeface="Cambria Math" panose="02040503050406030204" pitchFamily="18" charset="0"/>
                                                   <a:ea typeface="Cambria Math" panose="02040503050406030204" pitchFamily="18" charset="0"/>
                                                 </a:rPr>
@@ -6575,7 +6464,7 @@
                                             </m:e>
                                             <m:sub>
                                               <m:r>
-                                                <a:rPr lang="it-IT" sz="1875" i="1">
+                                                <a:rPr lang="en-US" sz="1875" i="1" noProof="0" smtClean="0">
                                                   <a:latin typeface="Cambria Math" panose="02040503050406030204" pitchFamily="18" charset="0"/>
                                                   <a:ea typeface="Cambria Math" panose="02040503050406030204" pitchFamily="18" charset="0"/>
                                                 </a:rPr>
@@ -6584,7 +6473,7 @@
                                             </m:sub>
                                           </m:sSub>
                                           <m:r>
-                                            <a:rPr lang="it-IT" sz="1875" i="1">
+                                            <a:rPr lang="en-US" sz="1875" i="1" noProof="0" smtClean="0">
                                               <a:latin typeface="Cambria Math" panose="02040503050406030204" pitchFamily="18" charset="0"/>
                                               <a:ea typeface="Cambria Math" panose="02040503050406030204" pitchFamily="18" charset="0"/>
                                             </a:rPr>
@@ -6593,21 +6482,21 @@
                                         </m:sub>
                                       </m:sSub>
                                       <m:r>
-                                        <a:rPr lang="it-IT" sz="1875" i="1">
+                                        <a:rPr lang="en-US" sz="1875" i="1" noProof="0" smtClean="0">
                                           <a:latin typeface="Cambria Math" panose="02040503050406030204" pitchFamily="18" charset="0"/>
                                           <a:ea typeface="Cambria Math" panose="02040503050406030204" pitchFamily="18" charset="0"/>
                                         </a:rPr>
                                         <m:t>, </m:t>
                                       </m:r>
                                       <m:r>
-                                        <a:rPr lang="it-IT" sz="1875" i="1">
+                                        <a:rPr lang="en-US" sz="1875" i="1" noProof="0" smtClean="0">
                                           <a:latin typeface="Cambria Math" panose="02040503050406030204" pitchFamily="18" charset="0"/>
                                           <a:ea typeface="Cambria Math" panose="02040503050406030204" pitchFamily="18" charset="0"/>
                                         </a:rPr>
                                         <m:t>𝑉</m:t>
                                       </m:r>
                                       <m:r>
-                                        <a:rPr lang="it-IT" sz="1875" i="1">
+                                        <a:rPr lang="en-US" sz="1875" i="1" noProof="0" smtClean="0">
                                           <a:latin typeface="Cambria Math" panose="02040503050406030204" pitchFamily="18" charset="0"/>
                                           <a:ea typeface="Cambria Math" panose="02040503050406030204" pitchFamily="18" charset="0"/>
                                         </a:rPr>
@@ -6616,49 +6505,49 @@
                                     </m:e>
                                   </m:d>
                                   <m:r>
-                                    <a:rPr lang="it-IT" sz="1875" i="1">
+                                    <a:rPr lang="en-US" sz="1875" i="1" noProof="0" smtClean="0">
                                       <a:latin typeface="Cambria Math" panose="02040503050406030204" pitchFamily="18" charset="0"/>
                                       <a:ea typeface="Cambria Math" panose="02040503050406030204" pitchFamily="18" charset="0"/>
                                     </a:rPr>
                                     <m:t>                </m:t>
                                   </m:r>
                                   <m:r>
-                                    <a:rPr lang="it-IT" sz="1875" i="1">
+                                    <a:rPr lang="en-US" sz="1875" i="1" noProof="0" smtClean="0">
                                       <a:latin typeface="Cambria Math" panose="02040503050406030204" pitchFamily="18" charset="0"/>
                                       <a:ea typeface="Cambria Math" panose="02040503050406030204" pitchFamily="18" charset="0"/>
                                     </a:rPr>
                                     <m:t>𝑖𝑓</m:t>
                                   </m:r>
                                   <m:r>
-                                    <a:rPr lang="it-IT" sz="1875" i="1">
+                                    <a:rPr lang="en-US" sz="1875" i="1" noProof="0" smtClean="0">
                                       <a:latin typeface="Cambria Math" panose="02040503050406030204" pitchFamily="18" charset="0"/>
                                       <a:ea typeface="Cambria Math" panose="02040503050406030204" pitchFamily="18" charset="0"/>
                                     </a:rPr>
                                     <m:t> </m:t>
                                   </m:r>
                                   <m:r>
-                                    <a:rPr lang="it-IT" sz="1875" i="1">
+                                    <a:rPr lang="en-US" sz="1875" i="1" noProof="0" smtClean="0">
                                       <a:latin typeface="Cambria Math" panose="02040503050406030204" pitchFamily="18" charset="0"/>
                                       <a:ea typeface="Cambria Math" panose="02040503050406030204" pitchFamily="18" charset="0"/>
                                     </a:rPr>
                                     <m:t>𝑈</m:t>
                                   </m:r>
                                   <m:r>
-                                    <a:rPr lang="it-IT" sz="1875" i="1">
+                                    <a:rPr lang="en-US" sz="1875" i="1" noProof="0" smtClean="0">
                                       <a:latin typeface="Cambria Math" panose="02040503050406030204" pitchFamily="18" charset="0"/>
                                       <a:ea typeface="Cambria Math" panose="02040503050406030204" pitchFamily="18" charset="0"/>
                                     </a:rPr>
                                     <m:t> =∅,∃</m:t>
                                   </m:r>
                                   <m:r>
-                                    <a:rPr lang="it-IT" sz="1875" i="1">
+                                    <a:rPr lang="en-US" sz="1875" i="1" noProof="0" smtClean="0">
                                       <a:latin typeface="Cambria Math" panose="02040503050406030204" pitchFamily="18" charset="0"/>
                                       <a:ea typeface="Cambria Math" panose="02040503050406030204" pitchFamily="18" charset="0"/>
                                     </a:rPr>
                                     <m:t>𝑧</m:t>
                                   </m:r>
                                   <m:r>
-                                    <a:rPr lang="it-IT" sz="1875" i="1">
+                                    <a:rPr lang="en-US" sz="1875" i="1" noProof="0" smtClean="0">
                                       <a:latin typeface="Cambria Math" panose="02040503050406030204" pitchFamily="18" charset="0"/>
                                       <a:ea typeface="Cambria Math" panose="02040503050406030204" pitchFamily="18" charset="0"/>
                                     </a:rPr>
@@ -6669,7 +6558,7 @@
                                       <m:begChr m:val="{"/>
                                       <m:endChr m:val="}"/>
                                       <m:ctrlPr>
-                                        <a:rPr lang="it-IT" sz="1875" i="1">
+                                        <a:rPr lang="en-US" sz="1875" i="1" noProof="0" smtClean="0">
                                           <a:latin typeface="Cambria Math" panose="02040503050406030204" pitchFamily="18" charset="0"/>
                                           <a:ea typeface="Cambria Math" panose="02040503050406030204" pitchFamily="18" charset="0"/>
                                         </a:rPr>
@@ -6677,14 +6566,14 @@
                                     </m:dPr>
                                     <m:e>
                                       <m:r>
-                                        <a:rPr lang="it-IT" sz="1875" i="1">
+                                        <a:rPr lang="en-US" sz="1875" i="1" noProof="0" smtClean="0">
                                           <a:latin typeface="Cambria Math" panose="02040503050406030204" pitchFamily="18" charset="0"/>
                                           <a:ea typeface="Cambria Math" panose="02040503050406030204" pitchFamily="18" charset="0"/>
                                         </a:rPr>
                                         <m:t>1,…,</m:t>
                                       </m:r>
                                       <m:r>
-                                        <a:rPr lang="it-IT" sz="1875" i="1">
+                                        <a:rPr lang="en-US" sz="1875" i="1" noProof="0" smtClean="0">
                                           <a:latin typeface="Cambria Math" panose="02040503050406030204" pitchFamily="18" charset="0"/>
                                           <a:ea typeface="Cambria Math" panose="02040503050406030204" pitchFamily="18" charset="0"/>
                                         </a:rPr>
@@ -6693,7 +6582,7 @@
                                     </m:e>
                                   </m:d>
                                   <m:r>
-                                    <a:rPr lang="it-IT" sz="1875" i="1">
+                                    <a:rPr lang="en-US" sz="1875" i="1" noProof="0" smtClean="0">
                                       <a:latin typeface="Cambria Math" panose="02040503050406030204" pitchFamily="18" charset="0"/>
                                       <a:ea typeface="Cambria Math" panose="02040503050406030204" pitchFamily="18" charset="0"/>
                                     </a:rPr>
@@ -6702,7 +6591,7 @@
                                   <m:sSub>
                                     <m:sSubPr>
                                       <m:ctrlPr>
-                                        <a:rPr lang="it-IT" sz="1875" i="1">
+                                        <a:rPr lang="en-US" sz="1875" i="1" noProof="0" smtClean="0">
                                           <a:latin typeface="Cambria Math" panose="02040503050406030204" pitchFamily="18" charset="0"/>
                                           <a:ea typeface="Cambria Math" panose="02040503050406030204" pitchFamily="18" charset="0"/>
                                         </a:rPr>
@@ -6710,7 +6599,7 @@
                                     </m:sSubPr>
                                     <m:e>
                                       <m:r>
-                                        <a:rPr lang="it-IT" sz="1875" i="1">
+                                        <a:rPr lang="en-US" sz="1875" i="1" noProof="0" smtClean="0">
                                           <a:latin typeface="Cambria Math" panose="02040503050406030204" pitchFamily="18" charset="0"/>
                                           <a:ea typeface="Cambria Math" panose="02040503050406030204" pitchFamily="18" charset="0"/>
                                         </a:rPr>
@@ -6719,7 +6608,7 @@
                                     </m:e>
                                     <m:sub>
                                       <m:r>
-                                        <a:rPr lang="it-IT" sz="1875" i="1">
+                                        <a:rPr lang="en-US" sz="1875" i="1" noProof="0" smtClean="0">
                                           <a:latin typeface="Cambria Math" panose="02040503050406030204" pitchFamily="18" charset="0"/>
                                           <a:ea typeface="Cambria Math" panose="02040503050406030204" pitchFamily="18" charset="0"/>
                                         </a:rPr>
@@ -6728,7 +6617,7 @@
                                     </m:sub>
                                   </m:sSub>
                                   <m:r>
-                                    <a:rPr lang="it-IT" sz="1875" i="1">
+                                    <a:rPr lang="en-US" sz="1875" i="1" noProof="0" smtClean="0">
                                       <a:latin typeface="Cambria Math" panose="02040503050406030204" pitchFamily="18" charset="0"/>
                                       <a:ea typeface="Cambria Math" panose="02040503050406030204" pitchFamily="18" charset="0"/>
                                     </a:rPr>
@@ -6740,49 +6629,49 @@
                             <m:e/>
                             <m:e>
                               <m:r>
-                                <a:rPr lang="it-IT" sz="1875" i="1">
+                                <a:rPr lang="en-US" sz="1875" i="1" noProof="0" smtClean="0">
                                   <a:latin typeface="Cambria Math" panose="02040503050406030204" pitchFamily="18" charset="0"/>
                                   <a:ea typeface="Cambria Math" panose="02040503050406030204" pitchFamily="18" charset="0"/>
                                 </a:rPr>
                                 <m:t>0                                                                           </m:t>
                               </m:r>
                               <m:r>
-                                <a:rPr lang="it-IT" sz="1875" i="1">
+                                <a:rPr lang="en-US" sz="1875" i="1" noProof="0" smtClean="0">
                                   <a:latin typeface="Cambria Math" panose="02040503050406030204" pitchFamily="18" charset="0"/>
                                   <a:ea typeface="Cambria Math" panose="02040503050406030204" pitchFamily="18" charset="0"/>
                                 </a:rPr>
                                 <m:t>𝑖𝑓</m:t>
                               </m:r>
                               <m:r>
-                                <a:rPr lang="it-IT" sz="1875" i="1">
+                                <a:rPr lang="en-US" sz="1875" i="1" noProof="0" smtClean="0">
                                   <a:latin typeface="Cambria Math" panose="02040503050406030204" pitchFamily="18" charset="0"/>
                                   <a:ea typeface="Cambria Math" panose="02040503050406030204" pitchFamily="18" charset="0"/>
                                 </a:rPr>
                                 <m:t> </m:t>
                               </m:r>
                               <m:r>
-                                <a:rPr lang="it-IT" sz="1875" i="1">
+                                <a:rPr lang="en-US" sz="1875" i="1" noProof="0" smtClean="0">
                                   <a:latin typeface="Cambria Math" panose="02040503050406030204" pitchFamily="18" charset="0"/>
                                   <a:ea typeface="Cambria Math" panose="02040503050406030204" pitchFamily="18" charset="0"/>
                                 </a:rPr>
                                 <m:t>𝑈</m:t>
                               </m:r>
                               <m:r>
-                                <a:rPr lang="it-IT" sz="1875" i="1">
+                                <a:rPr lang="en-US" sz="1875" i="1" noProof="0" smtClean="0">
                                   <a:latin typeface="Cambria Math" panose="02040503050406030204" pitchFamily="18" charset="0"/>
                                   <a:ea typeface="Cambria Math" panose="02040503050406030204" pitchFamily="18" charset="0"/>
                                 </a:rPr>
                                 <m:t> =∅,∄</m:t>
                               </m:r>
                               <m:r>
-                                <a:rPr lang="it-IT" sz="1875" i="1">
+                                <a:rPr lang="en-US" sz="1875" i="1" noProof="0" smtClean="0">
                                   <a:latin typeface="Cambria Math" panose="02040503050406030204" pitchFamily="18" charset="0"/>
                                   <a:ea typeface="Cambria Math" panose="02040503050406030204" pitchFamily="18" charset="0"/>
                                 </a:rPr>
                                 <m:t>𝑧</m:t>
                               </m:r>
                               <m:r>
-                                <a:rPr lang="it-IT" sz="1875" i="1">
+                                <a:rPr lang="en-US" sz="1875" i="1" noProof="0" smtClean="0">
                                   <a:latin typeface="Cambria Math" panose="02040503050406030204" pitchFamily="18" charset="0"/>
                                   <a:ea typeface="Cambria Math" panose="02040503050406030204" pitchFamily="18" charset="0"/>
                                 </a:rPr>
@@ -6793,7 +6682,7 @@
                                   <m:begChr m:val="{"/>
                                   <m:endChr m:val="}"/>
                                   <m:ctrlPr>
-                                    <a:rPr lang="it-IT" sz="1875" i="1">
+                                    <a:rPr lang="en-US" sz="1875" i="1" noProof="0" smtClean="0">
                                       <a:latin typeface="Cambria Math" panose="02040503050406030204" pitchFamily="18" charset="0"/>
                                       <a:ea typeface="Cambria Math" panose="02040503050406030204" pitchFamily="18" charset="0"/>
                                     </a:rPr>
@@ -6801,14 +6690,14 @@
                                 </m:dPr>
                                 <m:e>
                                   <m:r>
-                                    <a:rPr lang="it-IT" sz="1875" i="1">
+                                    <a:rPr lang="en-US" sz="1875" i="1" noProof="0" smtClean="0">
                                       <a:latin typeface="Cambria Math" panose="02040503050406030204" pitchFamily="18" charset="0"/>
                                       <a:ea typeface="Cambria Math" panose="02040503050406030204" pitchFamily="18" charset="0"/>
                                     </a:rPr>
                                     <m:t>1,…,</m:t>
                                   </m:r>
                                   <m:r>
-                                    <a:rPr lang="it-IT" sz="1875" i="1">
+                                    <a:rPr lang="en-US" sz="1875" i="1" noProof="0" smtClean="0">
                                       <a:latin typeface="Cambria Math" panose="02040503050406030204" pitchFamily="18" charset="0"/>
                                       <a:ea typeface="Cambria Math" panose="02040503050406030204" pitchFamily="18" charset="0"/>
                                     </a:rPr>
@@ -6817,7 +6706,7 @@
                                 </m:e>
                               </m:d>
                               <m:r>
-                                <a:rPr lang="it-IT" sz="1875" i="1">
+                                <a:rPr lang="en-US" sz="1875" i="1" noProof="0" smtClean="0">
                                   <a:latin typeface="Cambria Math" panose="02040503050406030204" pitchFamily="18" charset="0"/>
                                   <a:ea typeface="Cambria Math" panose="02040503050406030204" pitchFamily="18" charset="0"/>
                                 </a:rPr>
@@ -6826,7 +6715,7 @@
                               <m:sSub>
                                 <m:sSubPr>
                                   <m:ctrlPr>
-                                    <a:rPr lang="it-IT" sz="1875" i="1">
+                                    <a:rPr lang="en-US" sz="1875" i="1" noProof="0" smtClean="0">
                                       <a:latin typeface="Cambria Math" panose="02040503050406030204" pitchFamily="18" charset="0"/>
                                       <a:ea typeface="Cambria Math" panose="02040503050406030204" pitchFamily="18" charset="0"/>
                                     </a:rPr>
@@ -6834,7 +6723,7 @@
                                 </m:sSubPr>
                                 <m:e>
                                   <m:r>
-                                    <a:rPr lang="it-IT" sz="1875" i="1">
+                                    <a:rPr lang="en-US" sz="1875" i="1" noProof="0" smtClean="0">
                                       <a:latin typeface="Cambria Math" panose="02040503050406030204" pitchFamily="18" charset="0"/>
                                       <a:ea typeface="Cambria Math" panose="02040503050406030204" pitchFamily="18" charset="0"/>
                                     </a:rPr>
@@ -6843,7 +6732,7 @@
                                 </m:e>
                                 <m:sub>
                                   <m:r>
-                                    <a:rPr lang="it-IT" sz="1875" i="1">
+                                    <a:rPr lang="en-US" sz="1875" i="1" noProof="0" smtClean="0">
                                       <a:latin typeface="Cambria Math" panose="02040503050406030204" pitchFamily="18" charset="0"/>
                                       <a:ea typeface="Cambria Math" panose="02040503050406030204" pitchFamily="18" charset="0"/>
                                     </a:rPr>
@@ -6852,14 +6741,14 @@
                                 </m:sub>
                               </m:sSub>
                               <m:r>
-                                <a:rPr lang="it-IT" sz="1875" i="1" smtClean="0">
+                                <a:rPr lang="en-US" sz="1875" i="1" noProof="0" smtClean="0">
                                   <a:latin typeface="Cambria Math" panose="02040503050406030204" pitchFamily="18" charset="0"/>
                                   <a:ea typeface="Cambria Math" panose="02040503050406030204" pitchFamily="18" charset="0"/>
                                 </a:rPr>
                                 <m:t>≠</m:t>
                               </m:r>
                               <m:r>
-                                <a:rPr lang="it-IT" sz="1875" b="0" i="1" smtClean="0">
+                                <a:rPr lang="en-US" sz="1875" b="0" i="1" noProof="0" smtClean="0">
                                   <a:latin typeface="Cambria Math" panose="02040503050406030204" pitchFamily="18" charset="0"/>
                                   <a:ea typeface="Cambria Math" panose="02040503050406030204" pitchFamily="18" charset="0"/>
                                 </a:rPr>
@@ -6872,7 +6761,7 @@
                     </m:oMath>
                   </m:oMathPara>
                 </a14:m>
-                <a:endParaRPr lang="en-US" sz="1875" i="1" dirty="0">
+                <a:endParaRPr lang="en-US" sz="1875" i="1" noProof="0" dirty="0">
                   <a:latin typeface="Cambria Math" panose="02040503050406030204" pitchFamily="18" charset="0"/>
                 </a:endParaRPr>
               </a:p>
@@ -6880,7 +6769,7 @@
                 <a:pPr marL="0" indent="0">
                   <a:buNone/>
                 </a:pPr>
-                <a:endParaRPr lang="it-IT" sz="1875" b="0" i="1" dirty="0">
+                <a:endParaRPr lang="en-US" sz="1875" b="0" i="1" noProof="0" dirty="0">
                   <a:latin typeface="Cambria Math" panose="02040503050406030204" pitchFamily="18" charset="0"/>
                 </a:endParaRPr>
               </a:p>
@@ -6897,14 +6786,14 @@
                       <m:sSup>
                         <m:sSupPr>
                           <m:ctrlPr>
-                            <a:rPr lang="it-IT" sz="1875" b="0" i="1" smtClean="0">
+                            <a:rPr lang="en-US" sz="1875" b="0" i="1" noProof="0" smtClean="0">
                               <a:latin typeface="Cambria Math" panose="02040503050406030204" pitchFamily="18" charset="0"/>
                             </a:rPr>
                           </m:ctrlPr>
                         </m:sSupPr>
                         <m:e>
                           <m:r>
-                            <a:rPr lang="it-IT" sz="1875" b="0" i="1" smtClean="0">
+                            <a:rPr lang="en-US" sz="1875" b="0" i="1" noProof="0" smtClean="0">
                               <a:latin typeface="Cambria Math" panose="02040503050406030204" pitchFamily="18" charset="0"/>
                             </a:rPr>
                             <m:t>𝑉</m:t>
@@ -6912,7 +6801,7 @@
                         </m:e>
                         <m:sup>
                           <m:r>
-                            <a:rPr lang="it-IT" sz="1875" b="0" i="1" smtClean="0">
+                            <a:rPr lang="en-US" sz="1875" b="0" i="1" noProof="0" smtClean="0">
                               <a:latin typeface="Cambria Math" panose="02040503050406030204" pitchFamily="18" charset="0"/>
                             </a:rPr>
                             <m:t>′</m:t>
@@ -6920,14 +6809,14 @@
                         </m:sup>
                       </m:sSup>
                       <m:r>
-                        <a:rPr lang="it-IT" sz="1875" b="0" i="1" smtClean="0">
+                        <a:rPr lang="en-US" sz="1875" b="0" i="1" noProof="0" smtClean="0">
                           <a:latin typeface="Cambria Math" panose="02040503050406030204" pitchFamily="18" charset="0"/>
                           <a:ea typeface="Cambria Math" panose="02040503050406030204" pitchFamily="18" charset="0"/>
                         </a:rPr>
                         <m:t>=</m:t>
                       </m:r>
                       <m:r>
-                        <a:rPr lang="it-IT" sz="1875" b="0" i="1" smtClean="0">
+                        <a:rPr lang="en-US" sz="1875" b="0" i="1" noProof="0" smtClean="0">
                           <a:latin typeface="Cambria Math" panose="02040503050406030204" pitchFamily="18" charset="0"/>
                           <a:ea typeface="Cambria Math" panose="02040503050406030204" pitchFamily="18" charset="0"/>
                         </a:rPr>
@@ -6936,7 +6825,7 @@
                       <m:d>
                         <m:dPr>
                           <m:ctrlPr>
-                            <a:rPr lang="it-IT" sz="1875" b="0" i="1" smtClean="0">
+                            <a:rPr lang="en-US" sz="1875" b="0" i="1" noProof="0" smtClean="0">
                               <a:latin typeface="Cambria Math" panose="02040503050406030204" pitchFamily="18" charset="0"/>
                               <a:ea typeface="Cambria Math" panose="02040503050406030204" pitchFamily="18" charset="0"/>
                             </a:rPr>
@@ -6944,14 +6833,14 @@
                         </m:dPr>
                         <m:e>
                           <m:r>
-                            <a:rPr lang="it-IT" sz="1875" b="0" i="1" smtClean="0">
+                            <a:rPr lang="en-US" sz="1875" b="0" i="1" noProof="0" smtClean="0">
                               <a:latin typeface="Cambria Math" panose="02040503050406030204" pitchFamily="18" charset="0"/>
                               <a:ea typeface="Cambria Math" panose="02040503050406030204" pitchFamily="18" charset="0"/>
                             </a:rPr>
                             <m:t>𝑈</m:t>
                           </m:r>
                           <m:r>
-                            <a:rPr lang="it-IT" sz="1875" b="0" i="1" smtClean="0">
+                            <a:rPr lang="en-US" sz="1875" b="0" i="1" noProof="0" smtClean="0">
                               <a:latin typeface="Cambria Math" panose="02040503050406030204" pitchFamily="18" charset="0"/>
                               <a:ea typeface="Cambria Math" panose="02040503050406030204" pitchFamily="18" charset="0"/>
                             </a:rPr>
@@ -6962,7 +6851,7 @@
                               <m:begChr m:val="{"/>
                               <m:endChr m:val="}"/>
                               <m:ctrlPr>
-                                <a:rPr lang="it-IT" sz="1875" b="0" i="1" smtClean="0">
+                                <a:rPr lang="en-US" sz="1875" b="0" i="1" noProof="0" smtClean="0">
                                   <a:latin typeface="Cambria Math" panose="02040503050406030204" pitchFamily="18" charset="0"/>
                                   <a:ea typeface="Cambria Math" panose="02040503050406030204" pitchFamily="18" charset="0"/>
                                 </a:rPr>
@@ -6970,7 +6859,7 @@
                             </m:dPr>
                             <m:e>
                               <m:r>
-                                <a:rPr lang="it-IT" sz="1875" b="0" i="1" smtClean="0">
+                                <a:rPr lang="en-US" sz="1875" b="0" i="1" noProof="0" smtClean="0">
                                   <a:latin typeface="Cambria Math" panose="02040503050406030204" pitchFamily="18" charset="0"/>
                                   <a:ea typeface="Cambria Math" panose="02040503050406030204" pitchFamily="18" charset="0"/>
                                 </a:rPr>
@@ -6979,7 +6868,7 @@
                             </m:e>
                           </m:d>
                           <m:r>
-                            <a:rPr lang="it-IT" sz="1875" b="0" i="1" smtClean="0">
+                            <a:rPr lang="en-US" sz="1875" b="0" i="1" noProof="0" smtClean="0">
                               <a:latin typeface="Cambria Math" panose="02040503050406030204" pitchFamily="18" charset="0"/>
                               <a:ea typeface="Cambria Math" panose="02040503050406030204" pitchFamily="18" charset="0"/>
                             </a:rPr>
@@ -6990,7 +6879,7 @@
                               <m:begChr m:val="{"/>
                               <m:endChr m:val="}"/>
                               <m:ctrlPr>
-                                <a:rPr lang="it-IT" sz="1875" i="1">
+                                <a:rPr lang="en-US" sz="1875" i="1" noProof="0" smtClean="0">
                                   <a:latin typeface="Cambria Math" panose="02040503050406030204" pitchFamily="18" charset="0"/>
                                 </a:rPr>
                               </m:ctrlPr>
@@ -6999,14 +6888,14 @@
                               <m:sSub>
                                 <m:sSubPr>
                                   <m:ctrlPr>
-                                    <a:rPr lang="it-IT" sz="1875" i="1">
+                                    <a:rPr lang="en-US" sz="1875" i="1" noProof="0" smtClean="0">
                                       <a:latin typeface="Cambria Math" panose="02040503050406030204" pitchFamily="18" charset="0"/>
                                     </a:rPr>
                                   </m:ctrlPr>
                                 </m:sSubPr>
                                 <m:e>
                                   <m:r>
-                                    <a:rPr lang="it-IT" sz="1875" i="1">
+                                    <a:rPr lang="en-US" sz="1875" i="1" noProof="0" smtClean="0">
                                       <a:latin typeface="Cambria Math" panose="02040503050406030204" pitchFamily="18" charset="0"/>
                                     </a:rPr>
                                     <m:t>𝑖</m:t>
@@ -7014,7 +6903,7 @@
                                 </m:e>
                                 <m:sub>
                                   <m:r>
-                                    <a:rPr lang="it-IT" sz="1875" i="1">
+                                    <a:rPr lang="en-US" sz="1875" i="1" noProof="0" smtClean="0">
                                       <a:latin typeface="Cambria Math" panose="02040503050406030204" pitchFamily="18" charset="0"/>
                                     </a:rPr>
                                     <m:t>1</m:t>
@@ -7022,7 +6911,7 @@
                                 </m:sub>
                               </m:sSub>
                               <m:r>
-                                <a:rPr lang="it-IT" sz="1875" i="1">
+                                <a:rPr lang="en-US" sz="1875" i="1" noProof="0" smtClean="0">
                                   <a:latin typeface="Cambria Math" panose="02040503050406030204" pitchFamily="18" charset="0"/>
                                 </a:rPr>
                                 <m:t>,…,</m:t>
@@ -7030,14 +6919,14 @@
                               <m:sSub>
                                 <m:sSubPr>
                                   <m:ctrlPr>
-                                    <a:rPr lang="it-IT" sz="1875" i="1">
+                                    <a:rPr lang="en-US" sz="1875" i="1" noProof="0" smtClean="0">
                                       <a:latin typeface="Cambria Math" panose="02040503050406030204" pitchFamily="18" charset="0"/>
                                     </a:rPr>
                                   </m:ctrlPr>
                                 </m:sSubPr>
                                 <m:e>
                                   <m:r>
-                                    <a:rPr lang="it-IT" sz="1875" i="1">
+                                    <a:rPr lang="en-US" sz="1875" i="1" noProof="0" smtClean="0">
                                       <a:latin typeface="Cambria Math" panose="02040503050406030204" pitchFamily="18" charset="0"/>
                                     </a:rPr>
                                     <m:t>𝑖</m:t>
@@ -7045,13 +6934,13 @@
                                 </m:e>
                                 <m:sub>
                                   <m:r>
-                                    <a:rPr lang="it-IT" sz="1875" b="0" i="1" smtClean="0">
+                                    <a:rPr lang="en-US" sz="1875" b="0" i="1" noProof="0" smtClean="0">
                                       <a:latin typeface="Cambria Math" panose="02040503050406030204" pitchFamily="18" charset="0"/>
                                     </a:rPr>
                                     <m:t>𝑧</m:t>
                                   </m:r>
                                   <m:r>
-                                    <a:rPr lang="it-IT" sz="1875" b="0" i="1" smtClean="0">
+                                    <a:rPr lang="en-US" sz="1875" b="0" i="1" noProof="0" smtClean="0">
                                       <a:latin typeface="Cambria Math" panose="02040503050406030204" pitchFamily="18" charset="0"/>
                                     </a:rPr>
                                     <m:t>−1</m:t>
@@ -7059,19 +6948,19 @@
                                 </m:sub>
                               </m:sSub>
                               <m:r>
-                                <a:rPr lang="it-IT" sz="1875" b="0" i="1" smtClean="0">
+                                <a:rPr lang="en-US" sz="1875" b="0" i="1" noProof="0" smtClean="0">
                                   <a:latin typeface="Cambria Math" panose="02040503050406030204" pitchFamily="18" charset="0"/>
                                 </a:rPr>
                                 <m:t>,</m:t>
                               </m:r>
                               <m:r>
-                                <a:rPr lang="it-IT" sz="1875" b="0" i="1" smtClean="0">
+                                <a:rPr lang="en-US" sz="1875" b="0" i="1" noProof="0" smtClean="0">
                                   <a:latin typeface="Cambria Math" panose="02040503050406030204" pitchFamily="18" charset="0"/>
                                 </a:rPr>
                                 <m:t>𝑗</m:t>
                               </m:r>
                               <m:r>
-                                <a:rPr lang="it-IT" sz="1875" b="0" i="1" smtClean="0">
+                                <a:rPr lang="en-US" sz="1875" b="0" i="1" noProof="0" smtClean="0">
                                   <a:latin typeface="Cambria Math" panose="02040503050406030204" pitchFamily="18" charset="0"/>
                                 </a:rPr>
                                 <m:t>,</m:t>
@@ -7079,14 +6968,14 @@
                               <m:sSub>
                                 <m:sSubPr>
                                   <m:ctrlPr>
-                                    <a:rPr lang="it-IT" sz="1875" i="1">
+                                    <a:rPr lang="en-US" sz="1875" i="1" noProof="0" smtClean="0">
                                       <a:latin typeface="Cambria Math" panose="02040503050406030204" pitchFamily="18" charset="0"/>
                                     </a:rPr>
                                   </m:ctrlPr>
                                 </m:sSubPr>
                                 <m:e>
                                   <m:r>
-                                    <a:rPr lang="it-IT" sz="1875" i="1">
+                                    <a:rPr lang="en-US" sz="1875" i="1" noProof="0" smtClean="0">
                                       <a:latin typeface="Cambria Math" panose="02040503050406030204" pitchFamily="18" charset="0"/>
                                     </a:rPr>
                                     <m:t>𝑖</m:t>
@@ -7094,13 +6983,13 @@
                                 </m:e>
                                 <m:sub>
                                   <m:r>
-                                    <a:rPr lang="it-IT" sz="1875" b="0" i="1" smtClean="0">
+                                    <a:rPr lang="en-US" sz="1875" b="0" i="1" noProof="0" smtClean="0">
                                       <a:latin typeface="Cambria Math" panose="02040503050406030204" pitchFamily="18" charset="0"/>
                                     </a:rPr>
                                     <m:t>𝑧</m:t>
                                   </m:r>
                                   <m:r>
-                                    <a:rPr lang="it-IT" sz="1875" b="0" i="1" smtClean="0">
+                                    <a:rPr lang="en-US" sz="1875" b="0" i="1" noProof="0" smtClean="0">
                                       <a:latin typeface="Cambria Math" panose="02040503050406030204" pitchFamily="18" charset="0"/>
                                     </a:rPr>
                                     <m:t>+1</m:t>
@@ -7108,7 +6997,7 @@
                                 </m:sub>
                               </m:sSub>
                               <m:r>
-                                <a:rPr lang="it-IT" sz="1875" i="1">
+                                <a:rPr lang="en-US" sz="1875" i="1" noProof="0" smtClean="0">
                                   <a:latin typeface="Cambria Math" panose="02040503050406030204" pitchFamily="18" charset="0"/>
                                 </a:rPr>
                                 <m:t>,…,</m:t>
@@ -7116,14 +7005,14 @@
                               <m:sSub>
                                 <m:sSubPr>
                                   <m:ctrlPr>
-                                    <a:rPr lang="it-IT" sz="1875" i="1">
+                                    <a:rPr lang="en-US" sz="1875" i="1" noProof="0" smtClean="0">
                                       <a:latin typeface="Cambria Math" panose="02040503050406030204" pitchFamily="18" charset="0"/>
                                     </a:rPr>
                                   </m:ctrlPr>
                                 </m:sSubPr>
                                 <m:e>
                                   <m:r>
-                                    <a:rPr lang="it-IT" sz="1875" i="1">
+                                    <a:rPr lang="en-US" sz="1875" i="1" noProof="0" smtClean="0">
                                       <a:latin typeface="Cambria Math" panose="02040503050406030204" pitchFamily="18" charset="0"/>
                                     </a:rPr>
                                     <m:t>𝑖</m:t>
@@ -7131,7 +7020,7 @@
                                 </m:e>
                                 <m:sub>
                                   <m:r>
-                                    <a:rPr lang="it-IT" sz="1875" b="0" i="1" smtClean="0">
+                                    <a:rPr lang="en-US" sz="1875" b="0" i="1" noProof="0" smtClean="0">
                                       <a:latin typeface="Cambria Math" panose="02040503050406030204" pitchFamily="18" charset="0"/>
                                     </a:rPr>
                                     <m:t>𝑚</m:t>
@@ -7141,7 +7030,7 @@
                             </m:e>
                           </m:d>
                           <m:r>
-                            <a:rPr lang="it-IT" sz="1875" i="1">
+                            <a:rPr lang="en-US" sz="1875" i="1" noProof="0" smtClean="0">
                               <a:latin typeface="Cambria Math" panose="02040503050406030204" pitchFamily="18" charset="0"/>
                             </a:rPr>
                             <m:t>,</m:t>
@@ -7151,7 +7040,7 @@
                               <m:begChr m:val="{"/>
                               <m:endChr m:val="}"/>
                               <m:ctrlPr>
-                                <a:rPr lang="it-IT" sz="1875" i="1">
+                                <a:rPr lang="en-US" sz="1875" i="1" noProof="0" smtClean="0">
                                   <a:latin typeface="Cambria Math" panose="02040503050406030204" pitchFamily="18" charset="0"/>
                                 </a:rPr>
                               </m:ctrlPr>
@@ -7160,14 +7049,14 @@
                               <m:sSub>
                                 <m:sSubPr>
                                   <m:ctrlPr>
-                                    <a:rPr lang="it-IT" sz="1875" i="1">
+                                    <a:rPr lang="en-US" sz="1875" i="1" noProof="0" smtClean="0">
                                       <a:latin typeface="Cambria Math" panose="02040503050406030204" pitchFamily="18" charset="0"/>
                                     </a:rPr>
                                   </m:ctrlPr>
                                 </m:sSubPr>
                                 <m:e>
                                   <m:r>
-                                    <a:rPr lang="it-IT" sz="1875" b="0" i="1" smtClean="0">
+                                    <a:rPr lang="en-US" sz="1875" b="0" i="1" noProof="0" smtClean="0">
                                       <a:latin typeface="Cambria Math" panose="02040503050406030204" pitchFamily="18" charset="0"/>
                                     </a:rPr>
                                     <m:t>𝑙</m:t>
@@ -7175,7 +7064,7 @@
                                 </m:e>
                                 <m:sub>
                                   <m:r>
-                                    <a:rPr lang="it-IT" sz="1875" i="1">
+                                    <a:rPr lang="en-US" sz="1875" i="1" noProof="0" smtClean="0">
                                       <a:latin typeface="Cambria Math" panose="02040503050406030204" pitchFamily="18" charset="0"/>
                                     </a:rPr>
                                     <m:t>1</m:t>
@@ -7183,7 +7072,7 @@
                                 </m:sub>
                               </m:sSub>
                               <m:r>
-                                <a:rPr lang="it-IT" sz="1875" i="1">
+                                <a:rPr lang="en-US" sz="1875" i="1" noProof="0" smtClean="0">
                                   <a:latin typeface="Cambria Math" panose="02040503050406030204" pitchFamily="18" charset="0"/>
                                 </a:rPr>
                                 <m:t>,…,</m:t>
@@ -7191,14 +7080,14 @@
                               <m:sSub>
                                 <m:sSubPr>
                                   <m:ctrlPr>
-                                    <a:rPr lang="it-IT" sz="1875" i="1">
+                                    <a:rPr lang="en-US" sz="1875" i="1" noProof="0" smtClean="0">
                                       <a:latin typeface="Cambria Math" panose="02040503050406030204" pitchFamily="18" charset="0"/>
                                     </a:rPr>
                                   </m:ctrlPr>
                                 </m:sSubPr>
                                 <m:e>
                                   <m:r>
-                                    <a:rPr lang="it-IT" sz="1875" b="0" i="1" smtClean="0">
+                                    <a:rPr lang="en-US" sz="1875" b="0" i="1" noProof="0" smtClean="0">
                                       <a:latin typeface="Cambria Math" panose="02040503050406030204" pitchFamily="18" charset="0"/>
                                     </a:rPr>
                                     <m:t>𝑙</m:t>
@@ -7206,13 +7095,13 @@
                                 </m:e>
                                 <m:sub>
                                   <m:r>
-                                    <a:rPr lang="it-IT" sz="1875" i="1">
+                                    <a:rPr lang="en-US" sz="1875" i="1" noProof="0" smtClean="0">
                                       <a:latin typeface="Cambria Math" panose="02040503050406030204" pitchFamily="18" charset="0"/>
                                     </a:rPr>
                                     <m:t>𝑧</m:t>
                                   </m:r>
                                   <m:r>
-                                    <a:rPr lang="it-IT" sz="1875" i="1">
+                                    <a:rPr lang="en-US" sz="1875" i="1" noProof="0" smtClean="0">
                                       <a:latin typeface="Cambria Math" panose="02040503050406030204" pitchFamily="18" charset="0"/>
                                     </a:rPr>
                                     <m:t>−1</m:t>
@@ -7220,7 +7109,7 @@
                                 </m:sub>
                               </m:sSub>
                               <m:r>
-                                <a:rPr lang="it-IT" sz="1875" i="1">
+                                <a:rPr lang="en-US" sz="1875" i="1" noProof="0" smtClean="0">
                                   <a:latin typeface="Cambria Math" panose="02040503050406030204" pitchFamily="18" charset="0"/>
                                 </a:rPr>
                                 <m:t>,</m:t>
@@ -7228,14 +7117,14 @@
                               <m:sSub>
                                 <m:sSubPr>
                                   <m:ctrlPr>
-                                    <a:rPr lang="it-IT" sz="1875" i="1" smtClean="0">
+                                    <a:rPr lang="en-US" sz="1875" i="1" noProof="0" smtClean="0">
                                       <a:latin typeface="Cambria Math" panose="02040503050406030204" pitchFamily="18" charset="0"/>
                                     </a:rPr>
                                   </m:ctrlPr>
                                 </m:sSubPr>
                                 <m:e>
                                   <m:r>
-                                    <a:rPr lang="it-IT" sz="1875" b="0" i="1" smtClean="0">
+                                    <a:rPr lang="en-US" sz="1875" b="0" i="1" noProof="0" smtClean="0">
                                       <a:latin typeface="Cambria Math" panose="02040503050406030204" pitchFamily="18" charset="0"/>
                                     </a:rPr>
                                     <m:t>𝑙</m:t>
@@ -7243,7 +7132,7 @@
                                 </m:e>
                                 <m:sub>
                                   <m:r>
-                                    <a:rPr lang="it-IT" sz="1875" b="0" i="1" smtClean="0">
+                                    <a:rPr lang="en-US" sz="1875" b="0" i="1" noProof="0" smtClean="0">
                                       <a:latin typeface="Cambria Math" panose="02040503050406030204" pitchFamily="18" charset="0"/>
                                     </a:rPr>
                                     <m:t>𝑧</m:t>
@@ -7251,7 +7140,7 @@
                                 </m:sub>
                               </m:sSub>
                               <m:r>
-                                <a:rPr lang="it-IT" sz="1875" b="0" i="1" smtClean="0">
+                                <a:rPr lang="en-US" sz="1875" b="0" i="1" noProof="0" smtClean="0">
                                   <a:latin typeface="Cambria Math" panose="02040503050406030204" pitchFamily="18" charset="0"/>
                                 </a:rPr>
                                 <m:t>+</m:t>
@@ -7259,14 +7148,14 @@
                               <m:sSub>
                                 <m:sSubPr>
                                   <m:ctrlPr>
-                                    <a:rPr lang="it-IT" sz="1875" b="0" i="1" smtClean="0">
+                                    <a:rPr lang="en-US" sz="1875" b="0" i="1" noProof="0" smtClean="0">
                                       <a:latin typeface="Cambria Math" panose="02040503050406030204" pitchFamily="18" charset="0"/>
                                     </a:rPr>
                                   </m:ctrlPr>
                                 </m:sSubPr>
                                 <m:e>
                                   <m:r>
-                                    <a:rPr lang="it-IT" sz="1875" b="0" i="1" smtClean="0">
+                                    <a:rPr lang="en-US" sz="1875" b="0" i="1" noProof="0" smtClean="0">
                                       <a:latin typeface="Cambria Math" panose="02040503050406030204" pitchFamily="18" charset="0"/>
                                     </a:rPr>
                                     <m:t>𝑑</m:t>
@@ -7274,7 +7163,7 @@
                                 </m:e>
                                 <m:sub>
                                   <m:r>
-                                    <a:rPr lang="it-IT" sz="1875" b="0" i="1" smtClean="0">
+                                    <a:rPr lang="en-US" sz="1875" b="0" i="1" noProof="0" smtClean="0">
                                       <a:latin typeface="Cambria Math" panose="02040503050406030204" pitchFamily="18" charset="0"/>
                                     </a:rPr>
                                     <m:t>𝑗</m:t>
@@ -7282,7 +7171,7 @@
                                 </m:sub>
                               </m:sSub>
                               <m:r>
-                                <a:rPr lang="it-IT" sz="1875" i="1">
+                                <a:rPr lang="en-US" sz="1875" i="1" noProof="0" smtClean="0">
                                   <a:latin typeface="Cambria Math" panose="02040503050406030204" pitchFamily="18" charset="0"/>
                                 </a:rPr>
                                 <m:t>,</m:t>
@@ -7290,14 +7179,14 @@
                               <m:sSub>
                                 <m:sSubPr>
                                   <m:ctrlPr>
-                                    <a:rPr lang="it-IT" sz="1875" i="1">
+                                    <a:rPr lang="en-US" sz="1875" i="1" noProof="0" smtClean="0">
                                       <a:latin typeface="Cambria Math" panose="02040503050406030204" pitchFamily="18" charset="0"/>
                                     </a:rPr>
                                   </m:ctrlPr>
                                 </m:sSubPr>
                                 <m:e>
                                   <m:r>
-                                    <a:rPr lang="it-IT" sz="1875" b="0" i="1" smtClean="0">
+                                    <a:rPr lang="en-US" sz="1875" b="0" i="1" noProof="0" smtClean="0">
                                       <a:latin typeface="Cambria Math" panose="02040503050406030204" pitchFamily="18" charset="0"/>
                                     </a:rPr>
                                     <m:t>𝑙</m:t>
@@ -7305,13 +7194,13 @@
                                 </m:e>
                                 <m:sub>
                                   <m:r>
-                                    <a:rPr lang="it-IT" sz="1875" i="1">
+                                    <a:rPr lang="en-US" sz="1875" i="1" noProof="0" smtClean="0">
                                       <a:latin typeface="Cambria Math" panose="02040503050406030204" pitchFamily="18" charset="0"/>
                                     </a:rPr>
                                     <m:t>𝑧</m:t>
                                   </m:r>
                                   <m:r>
-                                    <a:rPr lang="it-IT" sz="1875" i="1">
+                                    <a:rPr lang="en-US" sz="1875" i="1" noProof="0" smtClean="0">
                                       <a:latin typeface="Cambria Math" panose="02040503050406030204" pitchFamily="18" charset="0"/>
                                     </a:rPr>
                                     <m:t>+1</m:t>
@@ -7319,7 +7208,7 @@
                                 </m:sub>
                               </m:sSub>
                               <m:r>
-                                <a:rPr lang="it-IT" sz="1875" i="1">
+                                <a:rPr lang="en-US" sz="1875" i="1" noProof="0" smtClean="0">
                                   <a:latin typeface="Cambria Math" panose="02040503050406030204" pitchFamily="18" charset="0"/>
                                 </a:rPr>
                                 <m:t>,…,</m:t>
@@ -7327,14 +7216,14 @@
                               <m:sSub>
                                 <m:sSubPr>
                                   <m:ctrlPr>
-                                    <a:rPr lang="it-IT" sz="1875" i="1">
+                                    <a:rPr lang="en-US" sz="1875" i="1" noProof="0" smtClean="0">
                                       <a:latin typeface="Cambria Math" panose="02040503050406030204" pitchFamily="18" charset="0"/>
                                     </a:rPr>
                                   </m:ctrlPr>
                                 </m:sSubPr>
                                 <m:e>
                                   <m:r>
-                                    <a:rPr lang="it-IT" sz="1875" b="0" i="1" smtClean="0">
+                                    <a:rPr lang="en-US" sz="1875" b="0" i="1" noProof="0" smtClean="0">
                                       <a:latin typeface="Cambria Math" panose="02040503050406030204" pitchFamily="18" charset="0"/>
                                     </a:rPr>
                                     <m:t>𝑙</m:t>
@@ -7342,7 +7231,7 @@
                                 </m:e>
                                 <m:sub>
                                   <m:r>
-                                    <a:rPr lang="it-IT" sz="1875" i="1">
+                                    <a:rPr lang="en-US" sz="1875" i="1" noProof="0" smtClean="0">
                                       <a:latin typeface="Cambria Math" panose="02040503050406030204" pitchFamily="18" charset="0"/>
                                     </a:rPr>
                                     <m:t>𝑚</m:t>
@@ -7352,7 +7241,7 @@
                             </m:e>
                           </m:d>
                           <m:r>
-                            <a:rPr lang="it-IT" sz="1875" i="1">
+                            <a:rPr lang="en-US" sz="1875" i="1" noProof="0" smtClean="0">
                               <a:latin typeface="Cambria Math" panose="02040503050406030204" pitchFamily="18" charset="0"/>
                             </a:rPr>
                             <m:t>,</m:t>
@@ -7362,7 +7251,7 @@
                               <m:begChr m:val="{"/>
                               <m:endChr m:val="}"/>
                               <m:ctrlPr>
-                                <a:rPr lang="it-IT" sz="1875" i="1">
+                                <a:rPr lang="en-US" sz="1875" i="1" noProof="0" smtClean="0">
                                   <a:latin typeface="Cambria Math" panose="02040503050406030204" pitchFamily="18" charset="0"/>
                                 </a:rPr>
                               </m:ctrlPr>
@@ -7371,14 +7260,14 @@
                               <m:sSub>
                                 <m:sSubPr>
                                   <m:ctrlPr>
-                                    <a:rPr lang="it-IT" sz="1875" i="1">
+                                    <a:rPr lang="en-US" sz="1875" i="1" noProof="0" smtClean="0">
                                       <a:latin typeface="Cambria Math" panose="02040503050406030204" pitchFamily="18" charset="0"/>
                                     </a:rPr>
                                   </m:ctrlPr>
                                 </m:sSubPr>
                                 <m:e>
                                   <m:r>
-                                    <a:rPr lang="it-IT" sz="1875" b="0" i="1" smtClean="0">
+                                    <a:rPr lang="en-US" sz="1875" b="0" i="1" noProof="0" smtClean="0">
                                       <a:latin typeface="Cambria Math" panose="02040503050406030204" pitchFamily="18" charset="0"/>
                                     </a:rPr>
                                     <m:t>𝑝</m:t>
@@ -7386,7 +7275,7 @@
                                 </m:e>
                                 <m:sub>
                                   <m:r>
-                                    <a:rPr lang="it-IT" sz="1875" i="1">
+                                    <a:rPr lang="en-US" sz="1875" i="1" noProof="0" smtClean="0">
                                       <a:latin typeface="Cambria Math" panose="02040503050406030204" pitchFamily="18" charset="0"/>
                                     </a:rPr>
                                     <m:t>1</m:t>
@@ -7394,7 +7283,7 @@
                                 </m:sub>
                               </m:sSub>
                               <m:r>
-                                <a:rPr lang="it-IT" sz="1875" i="1">
+                                <a:rPr lang="en-US" sz="1875" i="1" noProof="0" smtClean="0">
                                   <a:latin typeface="Cambria Math" panose="02040503050406030204" pitchFamily="18" charset="0"/>
                                 </a:rPr>
                                 <m:t>,…,</m:t>
@@ -7402,14 +7291,14 @@
                               <m:sSub>
                                 <m:sSubPr>
                                   <m:ctrlPr>
-                                    <a:rPr lang="it-IT" sz="1875" i="1">
+                                    <a:rPr lang="en-US" sz="1875" i="1" noProof="0" smtClean="0">
                                       <a:latin typeface="Cambria Math" panose="02040503050406030204" pitchFamily="18" charset="0"/>
                                     </a:rPr>
                                   </m:ctrlPr>
                                 </m:sSubPr>
                                 <m:e>
                                   <m:r>
-                                    <a:rPr lang="it-IT" sz="1875" b="0" i="1" smtClean="0">
+                                    <a:rPr lang="en-US" sz="1875" b="0" i="1" noProof="0" smtClean="0">
                                       <a:latin typeface="Cambria Math" panose="02040503050406030204" pitchFamily="18" charset="0"/>
                                     </a:rPr>
                                     <m:t>𝑝</m:t>
@@ -7417,13 +7306,13 @@
                                 </m:e>
                                 <m:sub>
                                   <m:r>
-                                    <a:rPr lang="it-IT" sz="1875" i="1">
+                                    <a:rPr lang="en-US" sz="1875" i="1" noProof="0" smtClean="0">
                                       <a:latin typeface="Cambria Math" panose="02040503050406030204" pitchFamily="18" charset="0"/>
                                     </a:rPr>
                                     <m:t>𝑧</m:t>
                                   </m:r>
                                   <m:r>
-                                    <a:rPr lang="it-IT" sz="1875" i="1">
+                                    <a:rPr lang="en-US" sz="1875" i="1" noProof="0" smtClean="0">
                                       <a:latin typeface="Cambria Math" panose="02040503050406030204" pitchFamily="18" charset="0"/>
                                     </a:rPr>
                                     <m:t>−1</m:t>
@@ -7431,7 +7320,7 @@
                                 </m:sub>
                               </m:sSub>
                               <m:r>
-                                <a:rPr lang="it-IT" sz="1875" i="1">
+                                <a:rPr lang="en-US" sz="1875" i="1" noProof="0" smtClean="0">
                                   <a:latin typeface="Cambria Math" panose="02040503050406030204" pitchFamily="18" charset="0"/>
                                 </a:rPr>
                                 <m:t>,</m:t>
@@ -7439,14 +7328,14 @@
                               <m:sSub>
                                 <m:sSubPr>
                                   <m:ctrlPr>
-                                    <a:rPr lang="it-IT" sz="1875" i="1">
+                                    <a:rPr lang="en-US" sz="1875" i="1" noProof="0" smtClean="0">
                                       <a:latin typeface="Cambria Math" panose="02040503050406030204" pitchFamily="18" charset="0"/>
                                     </a:rPr>
                                   </m:ctrlPr>
                                 </m:sSubPr>
                                 <m:e>
                                   <m:r>
-                                    <a:rPr lang="it-IT" sz="1875" b="0" i="1" smtClean="0">
+                                    <a:rPr lang="en-US" sz="1875" b="0" i="1" noProof="0" smtClean="0">
                                       <a:latin typeface="Cambria Math" panose="02040503050406030204" pitchFamily="18" charset="0"/>
                                     </a:rPr>
                                     <m:t>𝑝</m:t>
@@ -7454,7 +7343,7 @@
                                 </m:e>
                                 <m:sub>
                                   <m:r>
-                                    <a:rPr lang="it-IT" sz="1875" i="1">
+                                    <a:rPr lang="en-US" sz="1875" i="1" noProof="0" smtClean="0">
                                       <a:latin typeface="Cambria Math" panose="02040503050406030204" pitchFamily="18" charset="0"/>
                                     </a:rPr>
                                     <m:t>𝑧</m:t>
@@ -7462,7 +7351,7 @@
                                 </m:sub>
                               </m:sSub>
                               <m:r>
-                                <a:rPr lang="it-IT" sz="1875" i="1">
+                                <a:rPr lang="en-US" sz="1875" i="1" noProof="0" smtClean="0">
                                   <a:latin typeface="Cambria Math" panose="02040503050406030204" pitchFamily="18" charset="0"/>
                                 </a:rPr>
                                 <m:t>+</m:t>
@@ -7470,14 +7359,14 @@
                               <m:sSub>
                                 <m:sSubPr>
                                   <m:ctrlPr>
-                                    <a:rPr lang="it-IT" sz="1875" i="1">
+                                    <a:rPr lang="en-US" sz="1875" i="1" noProof="0" smtClean="0">
                                       <a:latin typeface="Cambria Math" panose="02040503050406030204" pitchFamily="18" charset="0"/>
                                     </a:rPr>
                                   </m:ctrlPr>
                                 </m:sSubPr>
                                 <m:e>
                                   <m:r>
-                                    <a:rPr lang="it-IT" sz="1875" b="0" i="1" smtClean="0">
+                                    <a:rPr lang="en-US" sz="1875" b="0" i="1" noProof="0" smtClean="0">
                                       <a:latin typeface="Cambria Math" panose="02040503050406030204" pitchFamily="18" charset="0"/>
                                     </a:rPr>
                                     <m:t>𝑐</m:t>
@@ -7487,14 +7376,14 @@
                                   <m:sSub>
                                     <m:sSubPr>
                                       <m:ctrlPr>
-                                        <a:rPr lang="it-IT" sz="1875" i="1" smtClean="0">
+                                        <a:rPr lang="en-US" sz="1875" i="1" noProof="0" smtClean="0">
                                           <a:latin typeface="Cambria Math" panose="02040503050406030204" pitchFamily="18" charset="0"/>
                                         </a:rPr>
                                       </m:ctrlPr>
                                     </m:sSubPr>
                                     <m:e>
                                       <m:r>
-                                        <a:rPr lang="it-IT" sz="1875" b="0" i="1" smtClean="0">
+                                        <a:rPr lang="en-US" sz="1875" b="0" i="1" noProof="0" smtClean="0">
                                           <a:latin typeface="Cambria Math" panose="02040503050406030204" pitchFamily="18" charset="0"/>
                                         </a:rPr>
                                         <m:t>𝑖</m:t>
@@ -7502,7 +7391,7 @@
                                     </m:e>
                                     <m:sub>
                                       <m:r>
-                                        <a:rPr lang="it-IT" sz="1875" b="0" i="1" smtClean="0">
+                                        <a:rPr lang="en-US" sz="1875" b="0" i="1" noProof="0" smtClean="0">
                                           <a:latin typeface="Cambria Math" panose="02040503050406030204" pitchFamily="18" charset="0"/>
                                         </a:rPr>
                                         <m:t>𝑧</m:t>
@@ -7510,7 +7399,7 @@
                                     </m:sub>
                                   </m:sSub>
                                   <m:r>
-                                    <a:rPr lang="it-IT" sz="1875" b="0" i="1" smtClean="0">
+                                    <a:rPr lang="en-US" sz="1875" b="0" i="1" noProof="0" smtClean="0">
                                       <a:latin typeface="Cambria Math" panose="02040503050406030204" pitchFamily="18" charset="0"/>
                                     </a:rPr>
                                     <m:t>𝑗</m:t>
@@ -7518,7 +7407,7 @@
                                 </m:sub>
                               </m:sSub>
                               <m:r>
-                                <a:rPr lang="it-IT" sz="1875" i="1">
+                                <a:rPr lang="en-US" sz="1875" i="1" noProof="0" smtClean="0">
                                   <a:latin typeface="Cambria Math" panose="02040503050406030204" pitchFamily="18" charset="0"/>
                                 </a:rPr>
                                 <m:t>,</m:t>
@@ -7526,14 +7415,14 @@
                               <m:sSub>
                                 <m:sSubPr>
                                   <m:ctrlPr>
-                                    <a:rPr lang="it-IT" sz="1875" i="1">
+                                    <a:rPr lang="en-US" sz="1875" i="1" noProof="0" smtClean="0">
                                       <a:latin typeface="Cambria Math" panose="02040503050406030204" pitchFamily="18" charset="0"/>
                                     </a:rPr>
                                   </m:ctrlPr>
                                 </m:sSubPr>
                                 <m:e>
                                   <m:r>
-                                    <a:rPr lang="it-IT" sz="1875" b="0" i="1" smtClean="0">
+                                    <a:rPr lang="en-US" sz="1875" b="0" i="1" noProof="0" smtClean="0">
                                       <a:latin typeface="Cambria Math" panose="02040503050406030204" pitchFamily="18" charset="0"/>
                                     </a:rPr>
                                     <m:t>𝑝</m:t>
@@ -7541,13 +7430,13 @@
                                 </m:e>
                                 <m:sub>
                                   <m:r>
-                                    <a:rPr lang="it-IT" sz="1875" i="1">
+                                    <a:rPr lang="en-US" sz="1875" i="1" noProof="0" smtClean="0">
                                       <a:latin typeface="Cambria Math" panose="02040503050406030204" pitchFamily="18" charset="0"/>
                                     </a:rPr>
                                     <m:t>𝑧</m:t>
                                   </m:r>
                                   <m:r>
-                                    <a:rPr lang="it-IT" sz="1875" i="1">
+                                    <a:rPr lang="en-US" sz="1875" i="1" noProof="0" smtClean="0">
                                       <a:latin typeface="Cambria Math" panose="02040503050406030204" pitchFamily="18" charset="0"/>
                                     </a:rPr>
                                     <m:t>+1</m:t>
@@ -7555,7 +7444,7 @@
                                 </m:sub>
                               </m:sSub>
                               <m:r>
-                                <a:rPr lang="it-IT" sz="1875" i="1">
+                                <a:rPr lang="en-US" sz="1875" i="1" noProof="0" smtClean="0">
                                   <a:latin typeface="Cambria Math" panose="02040503050406030204" pitchFamily="18" charset="0"/>
                                 </a:rPr>
                                 <m:t>,…,</m:t>
@@ -7563,14 +7452,14 @@
                               <m:sSub>
                                 <m:sSubPr>
                                   <m:ctrlPr>
-                                    <a:rPr lang="it-IT" sz="1875" i="1">
+                                    <a:rPr lang="en-US" sz="1875" i="1" noProof="0" smtClean="0">
                                       <a:latin typeface="Cambria Math" panose="02040503050406030204" pitchFamily="18" charset="0"/>
                                     </a:rPr>
                                   </m:ctrlPr>
                                 </m:sSubPr>
                                 <m:e>
                                   <m:r>
-                                    <a:rPr lang="it-IT" sz="1875" b="0" i="1" smtClean="0">
+                                    <a:rPr lang="en-US" sz="1875" b="0" i="1" noProof="0" smtClean="0">
                                       <a:latin typeface="Cambria Math" panose="02040503050406030204" pitchFamily="18" charset="0"/>
                                     </a:rPr>
                                     <m:t>𝑝</m:t>
@@ -7578,7 +7467,7 @@
                                 </m:e>
                                 <m:sub>
                                   <m:r>
-                                    <a:rPr lang="it-IT" sz="1875" i="1">
+                                    <a:rPr lang="en-US" sz="1875" i="1" noProof="0" smtClean="0">
                                       <a:latin typeface="Cambria Math" panose="02040503050406030204" pitchFamily="18" charset="0"/>
                                     </a:rPr>
                                     <m:t>𝑚</m:t>
@@ -7588,13 +7477,13 @@
                             </m:e>
                           </m:d>
                           <m:r>
-                            <a:rPr lang="it-IT" sz="1875" i="1">
+                            <a:rPr lang="en-US" sz="1875" i="1" noProof="0" smtClean="0">
                               <a:latin typeface="Cambria Math" panose="02040503050406030204" pitchFamily="18" charset="0"/>
                             </a:rPr>
                             <m:t>,</m:t>
                           </m:r>
                           <m:r>
-                            <a:rPr lang="it-IT" sz="1875" b="0" i="1" smtClean="0">
+                            <a:rPr lang="en-US" sz="1875" b="0" i="1" noProof="0" smtClean="0">
                               <a:latin typeface="Cambria Math" panose="02040503050406030204" pitchFamily="18" charset="0"/>
                             </a:rPr>
                             <m:t>𝑘</m:t>
@@ -7604,13 +7493,13 @@
                     </m:oMath>
                   </m:oMathPara>
                 </a14:m>
-                <a:endParaRPr lang="it-IT" sz="1875" b="0" dirty="0"/>
+                <a:endParaRPr lang="en-US" sz="1875" b="0" noProof="0" dirty="0"/>
               </a:p>
               <a:p>
                 <a:pPr marL="0" indent="0">
                   <a:buNone/>
                 </a:pPr>
-                <a:endParaRPr lang="it-IT" sz="1875" b="0" dirty="0"/>
+                <a:endParaRPr lang="en-US" sz="1875" b="0" noProof="0" dirty="0"/>
               </a:p>
               <a:p>
                 <a:pPr marL="0" indent="0">
@@ -7625,14 +7514,14 @@
                       <m:sSup>
                         <m:sSupPr>
                           <m:ctrlPr>
-                            <a:rPr lang="it-IT" sz="1875" b="0" i="1" smtClean="0">
+                            <a:rPr lang="en-US" sz="1875" b="0" i="1" noProof="0" smtClean="0">
                               <a:latin typeface="Cambria Math" panose="02040503050406030204" pitchFamily="18" charset="0"/>
                             </a:rPr>
                           </m:ctrlPr>
                         </m:sSupPr>
                         <m:e>
                           <m:r>
-                            <a:rPr lang="it-IT" sz="1875" b="0" i="1" smtClean="0">
+                            <a:rPr lang="en-US" sz="1875" b="0" i="1" noProof="0" smtClean="0">
                               <a:latin typeface="Cambria Math" panose="02040503050406030204" pitchFamily="18" charset="0"/>
                             </a:rPr>
                             <m:t>𝑉</m:t>
@@ -7640,7 +7529,7 @@
                         </m:e>
                         <m:sup>
                           <m:r>
-                            <a:rPr lang="it-IT" sz="1875" b="0" i="1" smtClean="0">
+                            <a:rPr lang="en-US" sz="1875" b="0" i="1" noProof="0" smtClean="0">
                               <a:latin typeface="Cambria Math" panose="02040503050406030204" pitchFamily="18" charset="0"/>
                             </a:rPr>
                             <m:t>′′</m:t>
@@ -7648,14 +7537,14 @@
                         </m:sup>
                       </m:sSup>
                       <m:r>
-                        <a:rPr lang="it-IT" sz="1875" b="0" i="1" smtClean="0">
+                        <a:rPr lang="en-US" sz="1875" b="0" i="1" noProof="0" smtClean="0">
                           <a:latin typeface="Cambria Math" panose="02040503050406030204" pitchFamily="18" charset="0"/>
                           <a:ea typeface="Cambria Math" panose="02040503050406030204" pitchFamily="18" charset="0"/>
                         </a:rPr>
                         <m:t>=</m:t>
                       </m:r>
                       <m:r>
-                        <a:rPr lang="it-IT" sz="1875" b="0" i="1" smtClean="0">
+                        <a:rPr lang="en-US" sz="1875" b="0" i="1" noProof="0" smtClean="0">
                           <a:latin typeface="Cambria Math" panose="02040503050406030204" pitchFamily="18" charset="0"/>
                           <a:ea typeface="Cambria Math" panose="02040503050406030204" pitchFamily="18" charset="0"/>
                         </a:rPr>
@@ -7664,7 +7553,7 @@
                       <m:d>
                         <m:dPr>
                           <m:ctrlPr>
-                            <a:rPr lang="it-IT" sz="1875" b="0" i="1" smtClean="0">
+                            <a:rPr lang="en-US" sz="1875" b="0" i="1" noProof="0" smtClean="0">
                               <a:latin typeface="Cambria Math" panose="02040503050406030204" pitchFamily="18" charset="0"/>
                               <a:ea typeface="Cambria Math" panose="02040503050406030204" pitchFamily="18" charset="0"/>
                             </a:rPr>
@@ -7672,14 +7561,14 @@
                         </m:dPr>
                         <m:e>
                           <m:r>
-                            <a:rPr lang="it-IT" sz="1875" b="0" i="1" smtClean="0">
+                            <a:rPr lang="en-US" sz="1875" b="0" i="1" noProof="0" smtClean="0">
                               <a:latin typeface="Cambria Math" panose="02040503050406030204" pitchFamily="18" charset="0"/>
                               <a:ea typeface="Cambria Math" panose="02040503050406030204" pitchFamily="18" charset="0"/>
                             </a:rPr>
                             <m:t>𝑈</m:t>
                           </m:r>
                           <m:r>
-                            <a:rPr lang="it-IT" sz="1875" b="0" i="1" smtClean="0">
+                            <a:rPr lang="en-US" sz="1875" b="0" i="1" noProof="0" smtClean="0">
                               <a:latin typeface="Cambria Math" panose="02040503050406030204" pitchFamily="18" charset="0"/>
                               <a:ea typeface="Cambria Math" panose="02040503050406030204" pitchFamily="18" charset="0"/>
                             </a:rPr>
@@ -7690,7 +7579,7 @@
                               <m:begChr m:val="{"/>
                               <m:endChr m:val="}"/>
                               <m:ctrlPr>
-                                <a:rPr lang="it-IT" sz="1875" b="0" i="1" smtClean="0">
+                                <a:rPr lang="en-US" sz="1875" b="0" i="1" noProof="0" smtClean="0">
                                   <a:latin typeface="Cambria Math" panose="02040503050406030204" pitchFamily="18" charset="0"/>
                                   <a:ea typeface="Cambria Math" panose="02040503050406030204" pitchFamily="18" charset="0"/>
                                 </a:rPr>
@@ -7698,7 +7587,7 @@
                             </m:dPr>
                             <m:e>
                               <m:r>
-                                <a:rPr lang="it-IT" sz="1875" b="0" i="1" smtClean="0">
+                                <a:rPr lang="en-US" sz="1875" b="0" i="1" noProof="0" smtClean="0">
                                   <a:latin typeface="Cambria Math" panose="02040503050406030204" pitchFamily="18" charset="0"/>
                                   <a:ea typeface="Cambria Math" panose="02040503050406030204" pitchFamily="18" charset="0"/>
                                 </a:rPr>
@@ -7707,7 +7596,7 @@
                             </m:e>
                           </m:d>
                           <m:r>
-                            <a:rPr lang="it-IT" sz="1875" b="0" i="1" smtClean="0">
+                            <a:rPr lang="en-US" sz="1875" b="0" i="1" noProof="0" smtClean="0">
                               <a:latin typeface="Cambria Math" panose="02040503050406030204" pitchFamily="18" charset="0"/>
                               <a:ea typeface="Cambria Math" panose="02040503050406030204" pitchFamily="18" charset="0"/>
                             </a:rPr>
@@ -7718,7 +7607,7 @@
                               <m:begChr m:val="{"/>
                               <m:endChr m:val="}"/>
                               <m:ctrlPr>
-                                <a:rPr lang="it-IT" sz="1875" i="1">
+                                <a:rPr lang="en-US" sz="1875" i="1" noProof="0" smtClean="0">
                                   <a:latin typeface="Cambria Math" panose="02040503050406030204" pitchFamily="18" charset="0"/>
                                 </a:rPr>
                               </m:ctrlPr>
@@ -7727,14 +7616,14 @@
                               <m:sSub>
                                 <m:sSubPr>
                                   <m:ctrlPr>
-                                    <a:rPr lang="it-IT" sz="1875" i="1">
+                                    <a:rPr lang="en-US" sz="1875" i="1" noProof="0" smtClean="0">
                                       <a:latin typeface="Cambria Math" panose="02040503050406030204" pitchFamily="18" charset="0"/>
                                     </a:rPr>
                                   </m:ctrlPr>
                                 </m:sSubPr>
                                 <m:e>
                                   <m:r>
-                                    <a:rPr lang="it-IT" sz="1875" i="1">
+                                    <a:rPr lang="en-US" sz="1875" i="1" noProof="0" smtClean="0">
                                       <a:latin typeface="Cambria Math" panose="02040503050406030204" pitchFamily="18" charset="0"/>
                                     </a:rPr>
                                     <m:t>𝑖</m:t>
@@ -7742,7 +7631,7 @@
                                 </m:e>
                                 <m:sub>
                                   <m:r>
-                                    <a:rPr lang="it-IT" sz="1875" i="1">
+                                    <a:rPr lang="en-US" sz="1875" i="1" noProof="0" smtClean="0">
                                       <a:latin typeface="Cambria Math" panose="02040503050406030204" pitchFamily="18" charset="0"/>
                                     </a:rPr>
                                     <m:t>1</m:t>
@@ -7750,7 +7639,7 @@
                                 </m:sub>
                               </m:sSub>
                               <m:r>
-                                <a:rPr lang="it-IT" sz="1875" i="1">
+                                <a:rPr lang="en-US" sz="1875" i="1" noProof="0" smtClean="0">
                                   <a:latin typeface="Cambria Math" panose="02040503050406030204" pitchFamily="18" charset="0"/>
                                 </a:rPr>
                                 <m:t>,…,</m:t>
@@ -7758,14 +7647,14 @@
                               <m:sSub>
                                 <m:sSubPr>
                                   <m:ctrlPr>
-                                    <a:rPr lang="it-IT" sz="1875" i="1">
+                                    <a:rPr lang="en-US" sz="1875" i="1" noProof="0" smtClean="0">
                                       <a:latin typeface="Cambria Math" panose="02040503050406030204" pitchFamily="18" charset="0"/>
                                     </a:rPr>
                                   </m:ctrlPr>
                                 </m:sSubPr>
                                 <m:e>
                                   <m:r>
-                                    <a:rPr lang="it-IT" sz="1875" i="1">
+                                    <a:rPr lang="en-US" sz="1875" i="1" noProof="0" smtClean="0">
                                       <a:latin typeface="Cambria Math" panose="02040503050406030204" pitchFamily="18" charset="0"/>
                                     </a:rPr>
                                     <m:t>𝑖</m:t>
@@ -7773,13 +7662,13 @@
                                 </m:e>
                                 <m:sub>
                                   <m:r>
-                                    <a:rPr lang="it-IT" sz="1875" b="0" i="1" smtClean="0">
+                                    <a:rPr lang="en-US" sz="1875" b="0" i="1" noProof="0" smtClean="0">
                                       <a:latin typeface="Cambria Math" panose="02040503050406030204" pitchFamily="18" charset="0"/>
                                     </a:rPr>
                                     <m:t>𝑧</m:t>
                                   </m:r>
                                   <m:r>
-                                    <a:rPr lang="it-IT" sz="1875" b="0" i="1" smtClean="0">
+                                    <a:rPr lang="en-US" sz="1875" b="0" i="1" noProof="0" smtClean="0">
                                       <a:latin typeface="Cambria Math" panose="02040503050406030204" pitchFamily="18" charset="0"/>
                                     </a:rPr>
                                     <m:t>−1</m:t>
@@ -7787,19 +7676,19 @@
                                 </m:sub>
                               </m:sSub>
                               <m:r>
-                                <a:rPr lang="it-IT" sz="1875" b="0" i="1" smtClean="0">
+                                <a:rPr lang="en-US" sz="1875" b="0" i="1" noProof="0" smtClean="0">
                                   <a:latin typeface="Cambria Math" panose="02040503050406030204" pitchFamily="18" charset="0"/>
                                 </a:rPr>
                                 <m:t>,</m:t>
                               </m:r>
                               <m:r>
-                                <a:rPr lang="it-IT" sz="1875" b="0" i="1" smtClean="0">
+                                <a:rPr lang="en-US" sz="1875" b="0" i="1" noProof="0" smtClean="0">
                                   <a:latin typeface="Cambria Math" panose="02040503050406030204" pitchFamily="18" charset="0"/>
                                 </a:rPr>
                                 <m:t>𝑗</m:t>
                               </m:r>
                               <m:r>
-                                <a:rPr lang="it-IT" sz="1875" b="0" i="1" smtClean="0">
+                                <a:rPr lang="en-US" sz="1875" b="0" i="1" noProof="0" smtClean="0">
                                   <a:latin typeface="Cambria Math" panose="02040503050406030204" pitchFamily="18" charset="0"/>
                                 </a:rPr>
                                 <m:t>,</m:t>
@@ -7807,14 +7696,14 @@
                               <m:sSub>
                                 <m:sSubPr>
                                   <m:ctrlPr>
-                                    <a:rPr lang="it-IT" sz="1875" i="1">
+                                    <a:rPr lang="en-US" sz="1875" i="1" noProof="0" smtClean="0">
                                       <a:latin typeface="Cambria Math" panose="02040503050406030204" pitchFamily="18" charset="0"/>
                                     </a:rPr>
                                   </m:ctrlPr>
                                 </m:sSubPr>
                                 <m:e>
                                   <m:r>
-                                    <a:rPr lang="it-IT" sz="1875" i="1">
+                                    <a:rPr lang="en-US" sz="1875" i="1" noProof="0" smtClean="0">
                                       <a:latin typeface="Cambria Math" panose="02040503050406030204" pitchFamily="18" charset="0"/>
                                     </a:rPr>
                                     <m:t>𝑖</m:t>
@@ -7822,13 +7711,13 @@
                                 </m:e>
                                 <m:sub>
                                   <m:r>
-                                    <a:rPr lang="it-IT" sz="1875" b="0" i="1" smtClean="0">
+                                    <a:rPr lang="en-US" sz="1875" b="0" i="1" noProof="0" smtClean="0">
                                       <a:latin typeface="Cambria Math" panose="02040503050406030204" pitchFamily="18" charset="0"/>
                                     </a:rPr>
                                     <m:t>𝑧</m:t>
                                   </m:r>
                                   <m:r>
-                                    <a:rPr lang="it-IT" sz="1875" b="0" i="1" smtClean="0">
+                                    <a:rPr lang="en-US" sz="1875" b="0" i="1" noProof="0" smtClean="0">
                                       <a:latin typeface="Cambria Math" panose="02040503050406030204" pitchFamily="18" charset="0"/>
                                     </a:rPr>
                                     <m:t>+1</m:t>
@@ -7836,7 +7725,7 @@
                                 </m:sub>
                               </m:sSub>
                               <m:r>
-                                <a:rPr lang="it-IT" sz="1875" i="1">
+                                <a:rPr lang="en-US" sz="1875" i="1" noProof="0" smtClean="0">
                                   <a:latin typeface="Cambria Math" panose="02040503050406030204" pitchFamily="18" charset="0"/>
                                 </a:rPr>
                                 <m:t>,…,</m:t>
@@ -7844,14 +7733,14 @@
                               <m:sSub>
                                 <m:sSubPr>
                                   <m:ctrlPr>
-                                    <a:rPr lang="it-IT" sz="1875" i="1">
+                                    <a:rPr lang="en-US" sz="1875" i="1" noProof="0" smtClean="0">
                                       <a:latin typeface="Cambria Math" panose="02040503050406030204" pitchFamily="18" charset="0"/>
                                     </a:rPr>
                                   </m:ctrlPr>
                                 </m:sSubPr>
                                 <m:e>
                                   <m:r>
-                                    <a:rPr lang="it-IT" sz="1875" i="1">
+                                    <a:rPr lang="en-US" sz="1875" i="1" noProof="0" smtClean="0">
                                       <a:latin typeface="Cambria Math" panose="02040503050406030204" pitchFamily="18" charset="0"/>
                                     </a:rPr>
                                     <m:t>𝑖</m:t>
@@ -7859,7 +7748,7 @@
                                 </m:e>
                                 <m:sub>
                                   <m:r>
-                                    <a:rPr lang="it-IT" sz="1875" b="0" i="1" smtClean="0">
+                                    <a:rPr lang="en-US" sz="1875" b="0" i="1" noProof="0" smtClean="0">
                                       <a:latin typeface="Cambria Math" panose="02040503050406030204" pitchFamily="18" charset="0"/>
                                     </a:rPr>
                                     <m:t>𝑚</m:t>
@@ -7869,7 +7758,7 @@
                             </m:e>
                           </m:d>
                           <m:r>
-                            <a:rPr lang="it-IT" sz="1875" i="1">
+                            <a:rPr lang="en-US" sz="1875" i="1" noProof="0" smtClean="0">
                               <a:latin typeface="Cambria Math" panose="02040503050406030204" pitchFamily="18" charset="0"/>
                             </a:rPr>
                             <m:t>,</m:t>
@@ -7879,7 +7768,7 @@
                               <m:begChr m:val="{"/>
                               <m:endChr m:val="}"/>
                               <m:ctrlPr>
-                                <a:rPr lang="it-IT" sz="1875" i="1">
+                                <a:rPr lang="en-US" sz="1875" i="1" noProof="0" smtClean="0">
                                   <a:latin typeface="Cambria Math" panose="02040503050406030204" pitchFamily="18" charset="0"/>
                                 </a:rPr>
                               </m:ctrlPr>
@@ -7888,14 +7777,14 @@
                               <m:sSub>
                                 <m:sSubPr>
                                   <m:ctrlPr>
-                                    <a:rPr lang="it-IT" sz="1875" i="1">
+                                    <a:rPr lang="en-US" sz="1875" i="1" noProof="0" smtClean="0">
                                       <a:latin typeface="Cambria Math" panose="02040503050406030204" pitchFamily="18" charset="0"/>
                                     </a:rPr>
                                   </m:ctrlPr>
                                 </m:sSubPr>
                                 <m:e>
                                   <m:r>
-                                    <a:rPr lang="it-IT" sz="1875" b="0" i="1" smtClean="0">
+                                    <a:rPr lang="en-US" sz="1875" b="0" i="1" noProof="0" smtClean="0">
                                       <a:latin typeface="Cambria Math" panose="02040503050406030204" pitchFamily="18" charset="0"/>
                                     </a:rPr>
                                     <m:t>𝑙</m:t>
@@ -7903,7 +7792,7 @@
                                 </m:e>
                                 <m:sub>
                                   <m:r>
-                                    <a:rPr lang="it-IT" sz="1875" i="1">
+                                    <a:rPr lang="en-US" sz="1875" i="1" noProof="0" smtClean="0">
                                       <a:latin typeface="Cambria Math" panose="02040503050406030204" pitchFamily="18" charset="0"/>
                                     </a:rPr>
                                     <m:t>1</m:t>
@@ -7911,7 +7800,7 @@
                                 </m:sub>
                               </m:sSub>
                               <m:r>
-                                <a:rPr lang="it-IT" sz="1875" i="1">
+                                <a:rPr lang="en-US" sz="1875" i="1" noProof="0" smtClean="0">
                                   <a:latin typeface="Cambria Math" panose="02040503050406030204" pitchFamily="18" charset="0"/>
                                 </a:rPr>
                                 <m:t>,…,</m:t>
@@ -7919,14 +7808,14 @@
                               <m:sSub>
                                 <m:sSubPr>
                                   <m:ctrlPr>
-                                    <a:rPr lang="it-IT" sz="1875" i="1">
+                                    <a:rPr lang="en-US" sz="1875" i="1" noProof="0" smtClean="0">
                                       <a:latin typeface="Cambria Math" panose="02040503050406030204" pitchFamily="18" charset="0"/>
                                     </a:rPr>
                                   </m:ctrlPr>
                                 </m:sSubPr>
                                 <m:e>
                                   <m:r>
-                                    <a:rPr lang="it-IT" sz="1875" b="0" i="1" smtClean="0">
+                                    <a:rPr lang="en-US" sz="1875" b="0" i="1" noProof="0" smtClean="0">
                                       <a:latin typeface="Cambria Math" panose="02040503050406030204" pitchFamily="18" charset="0"/>
                                     </a:rPr>
                                     <m:t>𝑙</m:t>
@@ -7934,13 +7823,13 @@
                                 </m:e>
                                 <m:sub>
                                   <m:r>
-                                    <a:rPr lang="it-IT" sz="1875" i="1">
+                                    <a:rPr lang="en-US" sz="1875" i="1" noProof="0" smtClean="0">
                                       <a:latin typeface="Cambria Math" panose="02040503050406030204" pitchFamily="18" charset="0"/>
                                     </a:rPr>
                                     <m:t>𝑧</m:t>
                                   </m:r>
                                   <m:r>
-                                    <a:rPr lang="it-IT" sz="1875" i="1">
+                                    <a:rPr lang="en-US" sz="1875" i="1" noProof="0" smtClean="0">
                                       <a:latin typeface="Cambria Math" panose="02040503050406030204" pitchFamily="18" charset="0"/>
                                     </a:rPr>
                                     <m:t>−1</m:t>
@@ -7948,28 +7837,22 @@
                                 </m:sub>
                               </m:sSub>
                               <m:r>
-                                <a:rPr lang="it-IT" sz="1875" i="1">
+                                <a:rPr lang="en-US" sz="1875" i="1" noProof="0" smtClean="0">
                                   <a:latin typeface="Cambria Math" panose="02040503050406030204" pitchFamily="18" charset="0"/>
                                 </a:rPr>
-                                <m:t>,</m:t>
-                              </m:r>
-                              <m:r>
-                                <a:rPr lang="it-IT" sz="1875" i="1" smtClean="0">
-                                  <a:latin typeface="Cambria Math" panose="02040503050406030204" pitchFamily="18" charset="0"/>
-                                </a:rPr>
-                                <m:t> </m:t>
+                                <m:t>, </m:t>
                               </m:r>
                               <m:sSub>
                                 <m:sSubPr>
                                   <m:ctrlPr>
-                                    <a:rPr lang="it-IT" sz="1875" b="0" i="1" smtClean="0">
+                                    <a:rPr lang="en-US" sz="1875" b="0" i="1" noProof="0" smtClean="0">
                                       <a:latin typeface="Cambria Math" panose="02040503050406030204" pitchFamily="18" charset="0"/>
                                     </a:rPr>
                                   </m:ctrlPr>
                                 </m:sSubPr>
                                 <m:e>
                                   <m:r>
-                                    <a:rPr lang="it-IT" sz="1875" b="0" i="1" smtClean="0">
+                                    <a:rPr lang="en-US" sz="1875" b="0" i="1" noProof="0" smtClean="0">
                                       <a:latin typeface="Cambria Math" panose="02040503050406030204" pitchFamily="18" charset="0"/>
                                     </a:rPr>
                                     <m:t>𝑑</m:t>
@@ -7977,7 +7860,7 @@
                                 </m:e>
                                 <m:sub>
                                   <m:r>
-                                    <a:rPr lang="it-IT" sz="1875" b="0" i="1" smtClean="0">
+                                    <a:rPr lang="en-US" sz="1875" b="0" i="1" noProof="0" smtClean="0">
                                       <a:latin typeface="Cambria Math" panose="02040503050406030204" pitchFamily="18" charset="0"/>
                                     </a:rPr>
                                     <m:t>𝑗</m:t>
@@ -7985,7 +7868,7 @@
                                 </m:sub>
                               </m:sSub>
                               <m:r>
-                                <a:rPr lang="it-IT" sz="1875" i="1">
+                                <a:rPr lang="en-US" sz="1875" i="1" noProof="0" smtClean="0">
                                   <a:latin typeface="Cambria Math" panose="02040503050406030204" pitchFamily="18" charset="0"/>
                                 </a:rPr>
                                 <m:t>,</m:t>
@@ -7993,14 +7876,14 @@
                               <m:sSub>
                                 <m:sSubPr>
                                   <m:ctrlPr>
-                                    <a:rPr lang="it-IT" sz="1875" i="1">
+                                    <a:rPr lang="en-US" sz="1875" i="1" noProof="0" smtClean="0">
                                       <a:latin typeface="Cambria Math" panose="02040503050406030204" pitchFamily="18" charset="0"/>
                                     </a:rPr>
                                   </m:ctrlPr>
                                 </m:sSubPr>
                                 <m:e>
                                   <m:r>
-                                    <a:rPr lang="it-IT" sz="1875" b="0" i="1" smtClean="0">
+                                    <a:rPr lang="en-US" sz="1875" b="0" i="1" noProof="0" smtClean="0">
                                       <a:latin typeface="Cambria Math" panose="02040503050406030204" pitchFamily="18" charset="0"/>
                                     </a:rPr>
                                     <m:t>𝑙</m:t>
@@ -8008,13 +7891,13 @@
                                 </m:e>
                                 <m:sub>
                                   <m:r>
-                                    <a:rPr lang="it-IT" sz="1875" i="1">
+                                    <a:rPr lang="en-US" sz="1875" i="1" noProof="0" smtClean="0">
                                       <a:latin typeface="Cambria Math" panose="02040503050406030204" pitchFamily="18" charset="0"/>
                                     </a:rPr>
                                     <m:t>𝑧</m:t>
                                   </m:r>
                                   <m:r>
-                                    <a:rPr lang="it-IT" sz="1875" i="1">
+                                    <a:rPr lang="en-US" sz="1875" i="1" noProof="0" smtClean="0">
                                       <a:latin typeface="Cambria Math" panose="02040503050406030204" pitchFamily="18" charset="0"/>
                                     </a:rPr>
                                     <m:t>+1</m:t>
@@ -8022,7 +7905,7 @@
                                 </m:sub>
                               </m:sSub>
                               <m:r>
-                                <a:rPr lang="it-IT" sz="1875" i="1">
+                                <a:rPr lang="en-US" sz="1875" i="1" noProof="0" smtClean="0">
                                   <a:latin typeface="Cambria Math" panose="02040503050406030204" pitchFamily="18" charset="0"/>
                                 </a:rPr>
                                 <m:t>,…,</m:t>
@@ -8030,14 +7913,14 @@
                               <m:sSub>
                                 <m:sSubPr>
                                   <m:ctrlPr>
-                                    <a:rPr lang="it-IT" sz="1875" i="1">
+                                    <a:rPr lang="en-US" sz="1875" i="1" noProof="0" smtClean="0">
                                       <a:latin typeface="Cambria Math" panose="02040503050406030204" pitchFamily="18" charset="0"/>
                                     </a:rPr>
                                   </m:ctrlPr>
                                 </m:sSubPr>
                                 <m:e>
                                   <m:r>
-                                    <a:rPr lang="it-IT" sz="1875" b="0" i="1" smtClean="0">
+                                    <a:rPr lang="en-US" sz="1875" b="0" i="1" noProof="0" smtClean="0">
                                       <a:latin typeface="Cambria Math" panose="02040503050406030204" pitchFamily="18" charset="0"/>
                                     </a:rPr>
                                     <m:t>𝑙</m:t>
@@ -8045,7 +7928,7 @@
                                 </m:e>
                                 <m:sub>
                                   <m:r>
-                                    <a:rPr lang="it-IT" sz="1875" i="1">
+                                    <a:rPr lang="en-US" sz="1875" i="1" noProof="0" smtClean="0">
                                       <a:latin typeface="Cambria Math" panose="02040503050406030204" pitchFamily="18" charset="0"/>
                                     </a:rPr>
                                     <m:t>𝑚</m:t>
@@ -8055,7 +7938,7 @@
                             </m:e>
                           </m:d>
                           <m:r>
-                            <a:rPr lang="it-IT" sz="1875" i="1">
+                            <a:rPr lang="en-US" sz="1875" i="1" noProof="0" smtClean="0">
                               <a:latin typeface="Cambria Math" panose="02040503050406030204" pitchFamily="18" charset="0"/>
                             </a:rPr>
                             <m:t>,</m:t>
@@ -8065,7 +7948,7 @@
                               <m:begChr m:val="{"/>
                               <m:endChr m:val="}"/>
                               <m:ctrlPr>
-                                <a:rPr lang="it-IT" sz="1875" i="1">
+                                <a:rPr lang="en-US" sz="1875" i="1" noProof="0" smtClean="0">
                                   <a:latin typeface="Cambria Math" panose="02040503050406030204" pitchFamily="18" charset="0"/>
                                 </a:rPr>
                               </m:ctrlPr>
@@ -8074,14 +7957,14 @@
                               <m:sSub>
                                 <m:sSubPr>
                                   <m:ctrlPr>
-                                    <a:rPr lang="it-IT" sz="1875" i="1">
+                                    <a:rPr lang="en-US" sz="1875" i="1" noProof="0" smtClean="0">
                                       <a:latin typeface="Cambria Math" panose="02040503050406030204" pitchFamily="18" charset="0"/>
                                     </a:rPr>
                                   </m:ctrlPr>
                                 </m:sSubPr>
                                 <m:e>
                                   <m:r>
-                                    <a:rPr lang="it-IT" sz="1875" b="0" i="1" smtClean="0">
+                                    <a:rPr lang="en-US" sz="1875" b="0" i="1" noProof="0" smtClean="0">
                                       <a:latin typeface="Cambria Math" panose="02040503050406030204" pitchFamily="18" charset="0"/>
                                     </a:rPr>
                                     <m:t>𝑝</m:t>
@@ -8089,7 +7972,7 @@
                                 </m:e>
                                 <m:sub>
                                   <m:r>
-                                    <a:rPr lang="it-IT" sz="1875" i="1">
+                                    <a:rPr lang="en-US" sz="1875" i="1" noProof="0" smtClean="0">
                                       <a:latin typeface="Cambria Math" panose="02040503050406030204" pitchFamily="18" charset="0"/>
                                     </a:rPr>
                                     <m:t>1</m:t>
@@ -8097,7 +7980,7 @@
                                 </m:sub>
                               </m:sSub>
                               <m:r>
-                                <a:rPr lang="it-IT" sz="1875" i="1">
+                                <a:rPr lang="en-US" sz="1875" i="1" noProof="0" smtClean="0">
                                   <a:latin typeface="Cambria Math" panose="02040503050406030204" pitchFamily="18" charset="0"/>
                                 </a:rPr>
                                 <m:t>,…,</m:t>
@@ -8105,14 +7988,14 @@
                               <m:sSub>
                                 <m:sSubPr>
                                   <m:ctrlPr>
-                                    <a:rPr lang="it-IT" sz="1875" i="1">
+                                    <a:rPr lang="en-US" sz="1875" i="1" noProof="0" smtClean="0">
                                       <a:latin typeface="Cambria Math" panose="02040503050406030204" pitchFamily="18" charset="0"/>
                                     </a:rPr>
                                   </m:ctrlPr>
                                 </m:sSubPr>
                                 <m:e>
                                   <m:r>
-                                    <a:rPr lang="it-IT" sz="1875" b="0" i="1" smtClean="0">
+                                    <a:rPr lang="en-US" sz="1875" b="0" i="1" noProof="0" smtClean="0">
                                       <a:latin typeface="Cambria Math" panose="02040503050406030204" pitchFamily="18" charset="0"/>
                                     </a:rPr>
                                     <m:t>𝑝</m:t>
@@ -8120,13 +8003,13 @@
                                 </m:e>
                                 <m:sub>
                                   <m:r>
-                                    <a:rPr lang="it-IT" sz="1875" i="1">
+                                    <a:rPr lang="en-US" sz="1875" i="1" noProof="0" smtClean="0">
                                       <a:latin typeface="Cambria Math" panose="02040503050406030204" pitchFamily="18" charset="0"/>
                                     </a:rPr>
                                     <m:t>𝑧</m:t>
                                   </m:r>
                                   <m:r>
-                                    <a:rPr lang="it-IT" sz="1875" i="1">
+                                    <a:rPr lang="en-US" sz="1875" i="1" noProof="0" smtClean="0">
                                       <a:latin typeface="Cambria Math" panose="02040503050406030204" pitchFamily="18" charset="0"/>
                                     </a:rPr>
                                     <m:t>−1</m:t>
@@ -8134,28 +8017,22 @@
                                 </m:sub>
                               </m:sSub>
                               <m:r>
-                                <a:rPr lang="it-IT" sz="1875" i="1">
+                                <a:rPr lang="en-US" sz="1875" i="1" noProof="0" smtClean="0">
                                   <a:latin typeface="Cambria Math" panose="02040503050406030204" pitchFamily="18" charset="0"/>
                                 </a:rPr>
-                                <m:t>,</m:t>
-                              </m:r>
-                              <m:r>
-                                <a:rPr lang="it-IT" sz="1875" i="1" smtClean="0">
-                                  <a:latin typeface="Cambria Math" panose="02040503050406030204" pitchFamily="18" charset="0"/>
-                                </a:rPr>
-                                <m:t> </m:t>
+                                <m:t>, </m:t>
                               </m:r>
                               <m:sSub>
                                 <m:sSubPr>
                                   <m:ctrlPr>
-                                    <a:rPr lang="it-IT" sz="1875" i="1">
+                                    <a:rPr lang="en-US" sz="1875" i="1" noProof="0" smtClean="0">
                                       <a:latin typeface="Cambria Math" panose="02040503050406030204" pitchFamily="18" charset="0"/>
                                     </a:rPr>
                                   </m:ctrlPr>
                                 </m:sSubPr>
                                 <m:e>
                                   <m:r>
-                                    <a:rPr lang="it-IT" sz="1875" b="0" i="1" smtClean="0">
+                                    <a:rPr lang="en-US" sz="1875" b="0" i="1" noProof="0" smtClean="0">
                                       <a:latin typeface="Cambria Math" panose="02040503050406030204" pitchFamily="18" charset="0"/>
                                     </a:rPr>
                                     <m:t>𝑐</m:t>
@@ -8163,13 +8040,13 @@
                                 </m:e>
                                 <m:sub>
                                   <m:r>
-                                    <a:rPr lang="it-IT" sz="1875" i="1" smtClean="0">
+                                    <a:rPr lang="en-US" sz="1875" i="1" noProof="0" smtClean="0">
                                       <a:latin typeface="Cambria Math" panose="02040503050406030204" pitchFamily="18" charset="0"/>
                                     </a:rPr>
                                     <m:t>0</m:t>
                                   </m:r>
                                   <m:r>
-                                    <a:rPr lang="it-IT" sz="1875" b="0" i="1" smtClean="0">
+                                    <a:rPr lang="en-US" sz="1875" b="0" i="1" noProof="0" smtClean="0">
                                       <a:latin typeface="Cambria Math" panose="02040503050406030204" pitchFamily="18" charset="0"/>
                                     </a:rPr>
                                     <m:t>𝑗</m:t>
@@ -8177,7 +8054,7 @@
                                 </m:sub>
                               </m:sSub>
                               <m:r>
-                                <a:rPr lang="it-IT" sz="1875" i="1">
+                                <a:rPr lang="en-US" sz="1875" i="1" noProof="0" smtClean="0">
                                   <a:latin typeface="Cambria Math" panose="02040503050406030204" pitchFamily="18" charset="0"/>
                                 </a:rPr>
                                 <m:t>,</m:t>
@@ -8185,14 +8062,14 @@
                               <m:sSub>
                                 <m:sSubPr>
                                   <m:ctrlPr>
-                                    <a:rPr lang="it-IT" sz="1875" i="1">
+                                    <a:rPr lang="en-US" sz="1875" i="1" noProof="0" smtClean="0">
                                       <a:latin typeface="Cambria Math" panose="02040503050406030204" pitchFamily="18" charset="0"/>
                                     </a:rPr>
                                   </m:ctrlPr>
                                 </m:sSubPr>
                                 <m:e>
                                   <m:r>
-                                    <a:rPr lang="it-IT" sz="1875" b="0" i="1" smtClean="0">
+                                    <a:rPr lang="en-US" sz="1875" b="0" i="1" noProof="0" smtClean="0">
                                       <a:latin typeface="Cambria Math" panose="02040503050406030204" pitchFamily="18" charset="0"/>
                                     </a:rPr>
                                     <m:t>𝑝</m:t>
@@ -8200,13 +8077,13 @@
                                 </m:e>
                                 <m:sub>
                                   <m:r>
-                                    <a:rPr lang="it-IT" sz="1875" i="1">
+                                    <a:rPr lang="en-US" sz="1875" i="1" noProof="0" smtClean="0">
                                       <a:latin typeface="Cambria Math" panose="02040503050406030204" pitchFamily="18" charset="0"/>
                                     </a:rPr>
                                     <m:t>𝑧</m:t>
                                   </m:r>
                                   <m:r>
-                                    <a:rPr lang="it-IT" sz="1875" i="1">
+                                    <a:rPr lang="en-US" sz="1875" i="1" noProof="0" smtClean="0">
                                       <a:latin typeface="Cambria Math" panose="02040503050406030204" pitchFamily="18" charset="0"/>
                                     </a:rPr>
                                     <m:t>+1</m:t>
@@ -8214,7 +8091,7 @@
                                 </m:sub>
                               </m:sSub>
                               <m:r>
-                                <a:rPr lang="it-IT" sz="1875" i="1">
+                                <a:rPr lang="en-US" sz="1875" i="1" noProof="0" smtClean="0">
                                   <a:latin typeface="Cambria Math" panose="02040503050406030204" pitchFamily="18" charset="0"/>
                                 </a:rPr>
                                 <m:t>,…,</m:t>
@@ -8222,14 +8099,14 @@
                               <m:sSub>
                                 <m:sSubPr>
                                   <m:ctrlPr>
-                                    <a:rPr lang="it-IT" sz="1875" i="1">
+                                    <a:rPr lang="en-US" sz="1875" i="1" noProof="0" smtClean="0">
                                       <a:latin typeface="Cambria Math" panose="02040503050406030204" pitchFamily="18" charset="0"/>
                                     </a:rPr>
                                   </m:ctrlPr>
                                 </m:sSubPr>
                                 <m:e>
                                   <m:r>
-                                    <a:rPr lang="it-IT" sz="1875" b="0" i="1" smtClean="0">
+                                    <a:rPr lang="en-US" sz="1875" b="0" i="1" noProof="0" smtClean="0">
                                       <a:latin typeface="Cambria Math" panose="02040503050406030204" pitchFamily="18" charset="0"/>
                                     </a:rPr>
                                     <m:t>𝑝</m:t>
@@ -8237,7 +8114,7 @@
                                 </m:e>
                                 <m:sub>
                                   <m:r>
-                                    <a:rPr lang="it-IT" sz="1875" i="1">
+                                    <a:rPr lang="en-US" sz="1875" i="1" noProof="0" smtClean="0">
                                       <a:latin typeface="Cambria Math" panose="02040503050406030204" pitchFamily="18" charset="0"/>
                                     </a:rPr>
                                     <m:t>𝑚</m:t>
@@ -8247,19 +8124,19 @@
                             </m:e>
                           </m:d>
                           <m:r>
-                            <a:rPr lang="it-IT" sz="1875" i="1">
+                            <a:rPr lang="en-US" sz="1875" i="1" noProof="0" smtClean="0">
                               <a:latin typeface="Cambria Math" panose="02040503050406030204" pitchFamily="18" charset="0"/>
                             </a:rPr>
                             <m:t>,</m:t>
                           </m:r>
                           <m:r>
-                            <a:rPr lang="it-IT" sz="1875" b="0" i="1" smtClean="0">
+                            <a:rPr lang="en-US" sz="1875" b="0" i="1" noProof="0" smtClean="0">
                               <a:latin typeface="Cambria Math" panose="02040503050406030204" pitchFamily="18" charset="0"/>
                             </a:rPr>
                             <m:t>𝑘</m:t>
                           </m:r>
                           <m:r>
-                            <a:rPr lang="it-IT" sz="1875" b="0" i="1" smtClean="0">
+                            <a:rPr lang="en-US" sz="1875" b="0" i="1" noProof="0" smtClean="0">
                               <a:latin typeface="Cambria Math" panose="02040503050406030204" pitchFamily="18" charset="0"/>
                             </a:rPr>
                             <m:t>+1</m:t>
@@ -8269,13 +8146,13 @@
                     </m:oMath>
                   </m:oMathPara>
                 </a14:m>
-                <a:endParaRPr lang="en-US" sz="1875" dirty="0"/>
+                <a:endParaRPr lang="en-US" sz="1875" noProof="0" dirty="0"/>
               </a:p>
               <a:p>
                 <a:pPr marL="0" indent="0">
                   <a:buNone/>
                 </a:pPr>
-                <a:endParaRPr lang="en-US" sz="1875" dirty="0"/>
+                <a:endParaRPr lang="en-US" sz="1875" noProof="0" dirty="0"/>
               </a:p>
               <a:p>
                 <a:pPr marL="0" indent="0">
@@ -8288,19 +8165,19 @@
                     </m:oMathParaPr>
                     <m:oMath xmlns:m="http://schemas.openxmlformats.org/officeDocument/2006/math">
                       <m:r>
-                        <a:rPr lang="it-IT" sz="1875" i="1">
+                        <a:rPr lang="en-US" sz="1875" i="1" noProof="0" smtClean="0">
                           <a:latin typeface="Cambria Math" panose="02040503050406030204" pitchFamily="18" charset="0"/>
                         </a:rPr>
                         <m:t>𝑉</m:t>
                       </m:r>
                       <m:r>
-                        <a:rPr lang="it-IT" sz="1875" i="1">
+                        <a:rPr lang="en-US" sz="1875" i="1" noProof="0" smtClean="0">
                           <a:latin typeface="Cambria Math" panose="02040503050406030204" pitchFamily="18" charset="0"/>
                         </a:rPr>
                         <m:t>′′′=</m:t>
                       </m:r>
                       <m:r>
-                        <a:rPr lang="it-IT" sz="1875" i="1">
+                        <a:rPr lang="en-US" sz="1875" i="1" noProof="0" smtClean="0">
                           <a:latin typeface="Cambria Math" panose="02040503050406030204" pitchFamily="18" charset="0"/>
                           <a:ea typeface="Cambria Math" panose="02040503050406030204" pitchFamily="18" charset="0"/>
                         </a:rPr>
@@ -8309,7 +8186,7 @@
                       <m:d>
                         <m:dPr>
                           <m:ctrlPr>
-                            <a:rPr lang="it-IT" sz="1875" i="1">
+                            <a:rPr lang="en-US" sz="1875" i="1" noProof="0" smtClean="0">
                               <a:latin typeface="Cambria Math" panose="02040503050406030204" pitchFamily="18" charset="0"/>
                               <a:ea typeface="Cambria Math" panose="02040503050406030204" pitchFamily="18" charset="0"/>
                             </a:rPr>
@@ -8317,14 +8194,14 @@
                         </m:dPr>
                         <m:e>
                           <m:r>
-                            <a:rPr lang="it-IT" sz="1875" b="0" i="1" smtClean="0">
+                            <a:rPr lang="en-US" sz="1875" b="0" i="1" noProof="0" smtClean="0">
                               <a:latin typeface="Cambria Math" panose="02040503050406030204" pitchFamily="18" charset="0"/>
                               <a:ea typeface="Cambria Math" panose="02040503050406030204" pitchFamily="18" charset="0"/>
                             </a:rPr>
                             <m:t>𝑈</m:t>
                           </m:r>
                           <m:r>
-                            <a:rPr lang="it-IT" sz="1875" i="1">
+                            <a:rPr lang="en-US" sz="1875" i="1" noProof="0" smtClean="0">
                               <a:latin typeface="Cambria Math" panose="02040503050406030204" pitchFamily="18" charset="0"/>
                               <a:ea typeface="Cambria Math" panose="02040503050406030204" pitchFamily="18" charset="0"/>
                             </a:rPr>
@@ -8335,7 +8212,7 @@
                               <m:begChr m:val="{"/>
                               <m:endChr m:val="}"/>
                               <m:ctrlPr>
-                                <a:rPr lang="it-IT" sz="1875" i="1">
+                                <a:rPr lang="en-US" sz="1875" i="1" noProof="0" smtClean="0">
                                   <a:latin typeface="Cambria Math" panose="02040503050406030204" pitchFamily="18" charset="0"/>
                                 </a:rPr>
                               </m:ctrlPr>
@@ -8344,14 +8221,14 @@
                               <m:sSub>
                                 <m:sSubPr>
                                   <m:ctrlPr>
-                                    <a:rPr lang="it-IT" sz="1875" i="1">
+                                    <a:rPr lang="en-US" sz="1875" i="1" noProof="0" smtClean="0">
                                       <a:latin typeface="Cambria Math" panose="02040503050406030204" pitchFamily="18" charset="0"/>
                                     </a:rPr>
                                   </m:ctrlPr>
                                 </m:sSubPr>
                                 <m:e>
                                   <m:r>
-                                    <a:rPr lang="it-IT" sz="1875" i="1">
+                                    <a:rPr lang="en-US" sz="1875" i="1" noProof="0" smtClean="0">
                                       <a:latin typeface="Cambria Math" panose="02040503050406030204" pitchFamily="18" charset="0"/>
                                     </a:rPr>
                                     <m:t>𝑖</m:t>
@@ -8359,7 +8236,7 @@
                                 </m:e>
                                 <m:sub>
                                   <m:r>
-                                    <a:rPr lang="it-IT" sz="1875" i="1">
+                                    <a:rPr lang="en-US" sz="1875" i="1" noProof="0" smtClean="0">
                                       <a:latin typeface="Cambria Math" panose="02040503050406030204" pitchFamily="18" charset="0"/>
                                     </a:rPr>
                                     <m:t>1</m:t>
@@ -8367,7 +8244,7 @@
                                 </m:sub>
                               </m:sSub>
                               <m:r>
-                                <a:rPr lang="it-IT" sz="1875" i="1">
+                                <a:rPr lang="en-US" sz="1875" i="1" noProof="0" smtClean="0">
                                   <a:latin typeface="Cambria Math" panose="02040503050406030204" pitchFamily="18" charset="0"/>
                                 </a:rPr>
                                 <m:t>,…,</m:t>
@@ -8375,14 +8252,14 @@
                               <m:sSub>
                                 <m:sSubPr>
                                   <m:ctrlPr>
-                                    <a:rPr lang="it-IT" sz="1875" i="1">
+                                    <a:rPr lang="en-US" sz="1875" i="1" noProof="0" smtClean="0">
                                       <a:latin typeface="Cambria Math" panose="02040503050406030204" pitchFamily="18" charset="0"/>
                                     </a:rPr>
                                   </m:ctrlPr>
                                 </m:sSubPr>
                                 <m:e>
                                   <m:r>
-                                    <a:rPr lang="it-IT" sz="1875" i="1">
+                                    <a:rPr lang="en-US" sz="1875" i="1" noProof="0" smtClean="0">
                                       <a:latin typeface="Cambria Math" panose="02040503050406030204" pitchFamily="18" charset="0"/>
                                     </a:rPr>
                                     <m:t>𝑖</m:t>
@@ -8390,13 +8267,13 @@
                                 </m:e>
                                 <m:sub>
                                   <m:r>
-                                    <a:rPr lang="it-IT" sz="1875" i="1">
+                                    <a:rPr lang="en-US" sz="1875" i="1" noProof="0" smtClean="0">
                                       <a:latin typeface="Cambria Math" panose="02040503050406030204" pitchFamily="18" charset="0"/>
                                     </a:rPr>
                                     <m:t>𝑧</m:t>
                                   </m:r>
                                   <m:r>
-                                    <a:rPr lang="it-IT" sz="1875" i="1">
+                                    <a:rPr lang="en-US" sz="1875" i="1" noProof="0" smtClean="0">
                                       <a:latin typeface="Cambria Math" panose="02040503050406030204" pitchFamily="18" charset="0"/>
                                     </a:rPr>
                                     <m:t>−1</m:t>
@@ -8404,19 +8281,19 @@
                                 </m:sub>
                               </m:sSub>
                               <m:r>
-                                <a:rPr lang="it-IT" sz="1875" i="1">
+                                <a:rPr lang="en-US" sz="1875" i="1" noProof="0" smtClean="0">
                                   <a:latin typeface="Cambria Math" panose="02040503050406030204" pitchFamily="18" charset="0"/>
                                 </a:rPr>
                                 <m:t>,</m:t>
                               </m:r>
                               <m:r>
-                                <a:rPr lang="it-IT" sz="1875" b="0" i="1" smtClean="0">
+                                <a:rPr lang="en-US" sz="1875" b="0" i="1" noProof="0" smtClean="0">
                                   <a:latin typeface="Cambria Math" panose="02040503050406030204" pitchFamily="18" charset="0"/>
                                 </a:rPr>
                                 <m:t>0</m:t>
                               </m:r>
                               <m:r>
-                                <a:rPr lang="it-IT" sz="1875" i="1">
+                                <a:rPr lang="en-US" sz="1875" i="1" noProof="0" smtClean="0">
                                   <a:latin typeface="Cambria Math" panose="02040503050406030204" pitchFamily="18" charset="0"/>
                                 </a:rPr>
                                 <m:t>,</m:t>
@@ -8424,14 +8301,14 @@
                               <m:sSub>
                                 <m:sSubPr>
                                   <m:ctrlPr>
-                                    <a:rPr lang="it-IT" sz="1875" i="1">
+                                    <a:rPr lang="en-US" sz="1875" i="1" noProof="0" smtClean="0">
                                       <a:latin typeface="Cambria Math" panose="02040503050406030204" pitchFamily="18" charset="0"/>
                                     </a:rPr>
                                   </m:ctrlPr>
                                 </m:sSubPr>
                                 <m:e>
                                   <m:r>
-                                    <a:rPr lang="it-IT" sz="1875" i="1">
+                                    <a:rPr lang="en-US" sz="1875" i="1" noProof="0" smtClean="0">
                                       <a:latin typeface="Cambria Math" panose="02040503050406030204" pitchFamily="18" charset="0"/>
                                     </a:rPr>
                                     <m:t>𝑖</m:t>
@@ -8439,13 +8316,13 @@
                                 </m:e>
                                 <m:sub>
                                   <m:r>
-                                    <a:rPr lang="it-IT" sz="1875" i="1">
+                                    <a:rPr lang="en-US" sz="1875" i="1" noProof="0" smtClean="0">
                                       <a:latin typeface="Cambria Math" panose="02040503050406030204" pitchFamily="18" charset="0"/>
                                     </a:rPr>
                                     <m:t>𝑧</m:t>
                                   </m:r>
                                   <m:r>
-                                    <a:rPr lang="it-IT" sz="1875" i="1">
+                                    <a:rPr lang="en-US" sz="1875" i="1" noProof="0" smtClean="0">
                                       <a:latin typeface="Cambria Math" panose="02040503050406030204" pitchFamily="18" charset="0"/>
                                     </a:rPr>
                                     <m:t>+1</m:t>
@@ -8453,7 +8330,7 @@
                                 </m:sub>
                               </m:sSub>
                               <m:r>
-                                <a:rPr lang="it-IT" sz="1875" i="1">
+                                <a:rPr lang="en-US" sz="1875" i="1" noProof="0" smtClean="0">
                                   <a:latin typeface="Cambria Math" panose="02040503050406030204" pitchFamily="18" charset="0"/>
                                 </a:rPr>
                                 <m:t>,…,</m:t>
@@ -8461,14 +8338,14 @@
                               <m:sSub>
                                 <m:sSubPr>
                                   <m:ctrlPr>
-                                    <a:rPr lang="it-IT" sz="1875" i="1">
+                                    <a:rPr lang="en-US" sz="1875" i="1" noProof="0" smtClean="0">
                                       <a:latin typeface="Cambria Math" panose="02040503050406030204" pitchFamily="18" charset="0"/>
                                     </a:rPr>
                                   </m:ctrlPr>
                                 </m:sSubPr>
                                 <m:e>
                                   <m:r>
-                                    <a:rPr lang="it-IT" sz="1875" i="1">
+                                    <a:rPr lang="en-US" sz="1875" i="1" noProof="0" smtClean="0">
                                       <a:latin typeface="Cambria Math" panose="02040503050406030204" pitchFamily="18" charset="0"/>
                                     </a:rPr>
                                     <m:t>𝑖</m:t>
@@ -8476,7 +8353,7 @@
                                 </m:e>
                                 <m:sub>
                                   <m:r>
-                                    <a:rPr lang="it-IT" sz="1875" i="1">
+                                    <a:rPr lang="en-US" sz="1875" i="1" noProof="0" smtClean="0">
                                       <a:latin typeface="Cambria Math" panose="02040503050406030204" pitchFamily="18" charset="0"/>
                                     </a:rPr>
                                     <m:t>𝑚</m:t>
@@ -8486,7 +8363,7 @@
                             </m:e>
                           </m:d>
                           <m:r>
-                            <a:rPr lang="it-IT" sz="1875" i="1">
+                            <a:rPr lang="en-US" sz="1875" i="1" noProof="0" smtClean="0">
                               <a:latin typeface="Cambria Math" panose="02040503050406030204" pitchFamily="18" charset="0"/>
                             </a:rPr>
                             <m:t>,</m:t>
@@ -8496,7 +8373,7 @@
                               <m:begChr m:val="{"/>
                               <m:endChr m:val="}"/>
                               <m:ctrlPr>
-                                <a:rPr lang="it-IT" sz="1875" i="1">
+                                <a:rPr lang="en-US" sz="1875" i="1" noProof="0" smtClean="0">
                                   <a:latin typeface="Cambria Math" panose="02040503050406030204" pitchFamily="18" charset="0"/>
                                 </a:rPr>
                               </m:ctrlPr>
@@ -8505,14 +8382,14 @@
                               <m:sSub>
                                 <m:sSubPr>
                                   <m:ctrlPr>
-                                    <a:rPr lang="it-IT" sz="1875" i="1">
+                                    <a:rPr lang="en-US" sz="1875" i="1" noProof="0" smtClean="0">
                                       <a:latin typeface="Cambria Math" panose="02040503050406030204" pitchFamily="18" charset="0"/>
                                     </a:rPr>
                                   </m:ctrlPr>
                                 </m:sSubPr>
                                 <m:e>
                                   <m:r>
-                                    <a:rPr lang="it-IT" sz="1875" i="1">
+                                    <a:rPr lang="en-US" sz="1875" i="1" noProof="0" smtClean="0">
                                       <a:latin typeface="Cambria Math" panose="02040503050406030204" pitchFamily="18" charset="0"/>
                                     </a:rPr>
                                     <m:t>𝑙</m:t>
@@ -8520,7 +8397,7 @@
                                 </m:e>
                                 <m:sub>
                                   <m:r>
-                                    <a:rPr lang="it-IT" sz="1875" i="1">
+                                    <a:rPr lang="en-US" sz="1875" i="1" noProof="0" smtClean="0">
                                       <a:latin typeface="Cambria Math" panose="02040503050406030204" pitchFamily="18" charset="0"/>
                                     </a:rPr>
                                     <m:t>1</m:t>
@@ -8528,7 +8405,7 @@
                                 </m:sub>
                               </m:sSub>
                               <m:r>
-                                <a:rPr lang="it-IT" sz="1875" i="1">
+                                <a:rPr lang="en-US" sz="1875" i="1" noProof="0" smtClean="0">
                                   <a:latin typeface="Cambria Math" panose="02040503050406030204" pitchFamily="18" charset="0"/>
                                 </a:rPr>
                                 <m:t>,…,</m:t>
@@ -8536,14 +8413,14 @@
                               <m:sSub>
                                 <m:sSubPr>
                                   <m:ctrlPr>
-                                    <a:rPr lang="it-IT" sz="1875" i="1">
+                                    <a:rPr lang="en-US" sz="1875" i="1" noProof="0" smtClean="0">
                                       <a:latin typeface="Cambria Math" panose="02040503050406030204" pitchFamily="18" charset="0"/>
                                     </a:rPr>
                                   </m:ctrlPr>
                                 </m:sSubPr>
                                 <m:e>
                                   <m:r>
-                                    <a:rPr lang="it-IT" sz="1875" i="1">
+                                    <a:rPr lang="en-US" sz="1875" i="1" noProof="0" smtClean="0">
                                       <a:latin typeface="Cambria Math" panose="02040503050406030204" pitchFamily="18" charset="0"/>
                                     </a:rPr>
                                     <m:t>𝑙</m:t>
@@ -8551,7 +8428,7 @@
                                 </m:e>
                                 <m:sub>
                                   <m:r>
-                                    <a:rPr lang="it-IT" sz="1875" b="0" i="1" smtClean="0">
+                                    <a:rPr lang="en-US" sz="1875" b="0" i="1" noProof="0" smtClean="0">
                                       <a:latin typeface="Cambria Math" panose="02040503050406030204" pitchFamily="18" charset="0"/>
                                     </a:rPr>
                                     <m:t>𝑚</m:t>
@@ -8559,7 +8436,7 @@
                                 </m:sub>
                               </m:sSub>
                               <m:r>
-                                <a:rPr lang="it-IT" sz="1875" i="1" smtClean="0">
+                                <a:rPr lang="en-US" sz="1875" i="1" noProof="0" smtClean="0">
                                   <a:latin typeface="Cambria Math" panose="02040503050406030204" pitchFamily="18" charset="0"/>
                                 </a:rPr>
                                 <m:t> </m:t>
@@ -8567,7 +8444,7 @@
                             </m:e>
                           </m:d>
                           <m:r>
-                            <a:rPr lang="it-IT" sz="1875" i="1">
+                            <a:rPr lang="en-US" sz="1875" i="1" noProof="0" smtClean="0">
                               <a:latin typeface="Cambria Math" panose="02040503050406030204" pitchFamily="18" charset="0"/>
                             </a:rPr>
                             <m:t>,</m:t>
@@ -8577,7 +8454,7 @@
                               <m:begChr m:val="{"/>
                               <m:endChr m:val="}"/>
                               <m:ctrlPr>
-                                <a:rPr lang="it-IT" sz="1875" i="1">
+                                <a:rPr lang="en-US" sz="1875" i="1" noProof="0" smtClean="0">
                                   <a:latin typeface="Cambria Math" panose="02040503050406030204" pitchFamily="18" charset="0"/>
                                 </a:rPr>
                               </m:ctrlPr>
@@ -8586,14 +8463,14 @@
                               <m:sSub>
                                 <m:sSubPr>
                                   <m:ctrlPr>
-                                    <a:rPr lang="it-IT" sz="1875" i="1">
+                                    <a:rPr lang="en-US" sz="1875" i="1" noProof="0" smtClean="0">
                                       <a:latin typeface="Cambria Math" panose="02040503050406030204" pitchFamily="18" charset="0"/>
                                     </a:rPr>
                                   </m:ctrlPr>
                                 </m:sSubPr>
                                 <m:e>
                                   <m:r>
-                                    <a:rPr lang="it-IT" sz="1875" i="1">
+                                    <a:rPr lang="en-US" sz="1875" i="1" noProof="0" smtClean="0">
                                       <a:latin typeface="Cambria Math" panose="02040503050406030204" pitchFamily="18" charset="0"/>
                                     </a:rPr>
                                     <m:t>𝑝</m:t>
@@ -8601,7 +8478,7 @@
                                 </m:e>
                                 <m:sub>
                                   <m:r>
-                                    <a:rPr lang="it-IT" sz="1875" i="1">
+                                    <a:rPr lang="en-US" sz="1875" i="1" noProof="0" smtClean="0">
                                       <a:latin typeface="Cambria Math" panose="02040503050406030204" pitchFamily="18" charset="0"/>
                                     </a:rPr>
                                     <m:t>1</m:t>
@@ -8609,7 +8486,7 @@
                                 </m:sub>
                               </m:sSub>
                               <m:r>
-                                <a:rPr lang="it-IT" sz="1875" i="1">
+                                <a:rPr lang="en-US" sz="1875" i="1" noProof="0" smtClean="0">
                                   <a:latin typeface="Cambria Math" panose="02040503050406030204" pitchFamily="18" charset="0"/>
                                 </a:rPr>
                                 <m:t>,…,</m:t>
@@ -8617,14 +8494,14 @@
                               <m:sSub>
                                 <m:sSubPr>
                                   <m:ctrlPr>
-                                    <a:rPr lang="it-IT" sz="1875" i="1">
+                                    <a:rPr lang="en-US" sz="1875" i="1" noProof="0" smtClean="0">
                                       <a:latin typeface="Cambria Math" panose="02040503050406030204" pitchFamily="18" charset="0"/>
                                     </a:rPr>
                                   </m:ctrlPr>
                                 </m:sSubPr>
                                 <m:e>
                                   <m:r>
-                                    <a:rPr lang="it-IT" sz="1875" i="1">
+                                    <a:rPr lang="en-US" sz="1875" i="1" noProof="0" smtClean="0">
                                       <a:latin typeface="Cambria Math" panose="02040503050406030204" pitchFamily="18" charset="0"/>
                                     </a:rPr>
                                     <m:t>𝑝</m:t>
@@ -8632,13 +8509,13 @@
                                 </m:e>
                                 <m:sub>
                                   <m:r>
-                                    <a:rPr lang="it-IT" sz="1875" i="1">
+                                    <a:rPr lang="en-US" sz="1875" i="1" noProof="0" smtClean="0">
                                       <a:latin typeface="Cambria Math" panose="02040503050406030204" pitchFamily="18" charset="0"/>
                                     </a:rPr>
                                     <m:t>𝑧</m:t>
                                   </m:r>
                                   <m:r>
-                                    <a:rPr lang="it-IT" sz="1875" i="1">
+                                    <a:rPr lang="en-US" sz="1875" i="1" noProof="0" smtClean="0">
                                       <a:latin typeface="Cambria Math" panose="02040503050406030204" pitchFamily="18" charset="0"/>
                                     </a:rPr>
                                     <m:t>−1</m:t>
@@ -8646,7 +8523,7 @@
                                 </m:sub>
                               </m:sSub>
                               <m:r>
-                                <a:rPr lang="it-IT" sz="1875" i="1">
+                                <a:rPr lang="en-US" sz="1875" i="1" noProof="0" smtClean="0">
                                   <a:latin typeface="Cambria Math" panose="02040503050406030204" pitchFamily="18" charset="0"/>
                                 </a:rPr>
                                 <m:t>,</m:t>
@@ -8654,14 +8531,14 @@
                               <m:sSub>
                                 <m:sSubPr>
                                   <m:ctrlPr>
-                                    <a:rPr lang="it-IT" sz="1875" i="1">
+                                    <a:rPr lang="en-US" sz="1875" i="1" noProof="0" smtClean="0">
                                       <a:latin typeface="Cambria Math" panose="02040503050406030204" pitchFamily="18" charset="0"/>
                                     </a:rPr>
                                   </m:ctrlPr>
                                 </m:sSubPr>
                                 <m:e>
                                   <m:r>
-                                    <a:rPr lang="it-IT" sz="1875" i="1">
+                                    <a:rPr lang="en-US" sz="1875" i="1" noProof="0" smtClean="0">
                                       <a:latin typeface="Cambria Math" panose="02040503050406030204" pitchFamily="18" charset="0"/>
                                     </a:rPr>
                                     <m:t>𝑝</m:t>
@@ -8669,7 +8546,7 @@
                                 </m:e>
                                 <m:sub>
                                   <m:r>
-                                    <a:rPr lang="it-IT" sz="1875" i="1">
+                                    <a:rPr lang="en-US" sz="1875" i="1" noProof="0" smtClean="0">
                                       <a:latin typeface="Cambria Math" panose="02040503050406030204" pitchFamily="18" charset="0"/>
                                     </a:rPr>
                                     <m:t>𝑧</m:t>
@@ -8677,7 +8554,7 @@
                                 </m:sub>
                               </m:sSub>
                               <m:r>
-                                <a:rPr lang="it-IT" sz="1875" i="1">
+                                <a:rPr lang="en-US" sz="1875" i="1" noProof="0" smtClean="0">
                                   <a:latin typeface="Cambria Math" panose="02040503050406030204" pitchFamily="18" charset="0"/>
                                 </a:rPr>
                                 <m:t>+</m:t>
@@ -8685,14 +8562,14 @@
                               <m:sSub>
                                 <m:sSubPr>
                                   <m:ctrlPr>
-                                    <a:rPr lang="it-IT" sz="1875" i="1">
+                                    <a:rPr lang="en-US" sz="1875" i="1" noProof="0" smtClean="0">
                                       <a:latin typeface="Cambria Math" panose="02040503050406030204" pitchFamily="18" charset="0"/>
                                     </a:rPr>
                                   </m:ctrlPr>
                                 </m:sSubPr>
                                 <m:e>
                                   <m:r>
-                                    <a:rPr lang="it-IT" sz="1875" i="1">
+                                    <a:rPr lang="en-US" sz="1875" i="1" noProof="0" smtClean="0">
                                       <a:latin typeface="Cambria Math" panose="02040503050406030204" pitchFamily="18" charset="0"/>
                                     </a:rPr>
                                     <m:t>𝑐</m:t>
@@ -8702,14 +8579,14 @@
                                   <m:sSub>
                                     <m:sSubPr>
                                       <m:ctrlPr>
-                                        <a:rPr lang="it-IT" sz="1875" i="1">
+                                        <a:rPr lang="en-US" sz="1875" i="1" noProof="0" smtClean="0">
                                           <a:latin typeface="Cambria Math" panose="02040503050406030204" pitchFamily="18" charset="0"/>
                                         </a:rPr>
                                       </m:ctrlPr>
                                     </m:sSubPr>
                                     <m:e>
                                       <m:r>
-                                        <a:rPr lang="it-IT" sz="1875" b="0" i="1" smtClean="0">
+                                        <a:rPr lang="en-US" sz="1875" b="0" i="1" noProof="0" smtClean="0">
                                           <a:latin typeface="Cambria Math" panose="02040503050406030204" pitchFamily="18" charset="0"/>
                                         </a:rPr>
                                         <m:t>𝑖</m:t>
@@ -8717,7 +8594,7 @@
                                     </m:e>
                                     <m:sub>
                                       <m:r>
-                                        <a:rPr lang="it-IT" sz="1875" i="1">
+                                        <a:rPr lang="en-US" sz="1875" i="1" noProof="0" smtClean="0">
                                           <a:latin typeface="Cambria Math" panose="02040503050406030204" pitchFamily="18" charset="0"/>
                                         </a:rPr>
                                         <m:t>𝑧</m:t>
@@ -8725,7 +8602,7 @@
                                     </m:sub>
                                   </m:sSub>
                                   <m:r>
-                                    <a:rPr lang="it-IT" sz="1875" b="0" i="1" smtClean="0">
+                                    <a:rPr lang="en-US" sz="1875" b="0" i="1" noProof="0" smtClean="0">
                                       <a:latin typeface="Cambria Math" panose="02040503050406030204" pitchFamily="18" charset="0"/>
                                     </a:rPr>
                                     <m:t>0</m:t>
@@ -8733,7 +8610,7 @@
                                 </m:sub>
                               </m:sSub>
                               <m:r>
-                                <a:rPr lang="it-IT" sz="1875" i="1">
+                                <a:rPr lang="en-US" sz="1875" i="1" noProof="0" smtClean="0">
                                   <a:latin typeface="Cambria Math" panose="02040503050406030204" pitchFamily="18" charset="0"/>
                                 </a:rPr>
                                 <m:t>,</m:t>
@@ -8741,14 +8618,14 @@
                               <m:sSub>
                                 <m:sSubPr>
                                   <m:ctrlPr>
-                                    <a:rPr lang="it-IT" sz="1875" i="1">
+                                    <a:rPr lang="en-US" sz="1875" i="1" noProof="0" smtClean="0">
                                       <a:latin typeface="Cambria Math" panose="02040503050406030204" pitchFamily="18" charset="0"/>
                                     </a:rPr>
                                   </m:ctrlPr>
                                 </m:sSubPr>
                                 <m:e>
                                   <m:r>
-                                    <a:rPr lang="it-IT" sz="1875" i="1">
+                                    <a:rPr lang="en-US" sz="1875" i="1" noProof="0" smtClean="0">
                                       <a:latin typeface="Cambria Math" panose="02040503050406030204" pitchFamily="18" charset="0"/>
                                     </a:rPr>
                                     <m:t>𝑝</m:t>
@@ -8756,13 +8633,13 @@
                                 </m:e>
                                 <m:sub>
                                   <m:r>
-                                    <a:rPr lang="it-IT" sz="1875" i="1">
+                                    <a:rPr lang="en-US" sz="1875" i="1" noProof="0" smtClean="0">
                                       <a:latin typeface="Cambria Math" panose="02040503050406030204" pitchFamily="18" charset="0"/>
                                     </a:rPr>
                                     <m:t>𝑧</m:t>
                                   </m:r>
                                   <m:r>
-                                    <a:rPr lang="it-IT" sz="1875" i="1">
+                                    <a:rPr lang="en-US" sz="1875" i="1" noProof="0" smtClean="0">
                                       <a:latin typeface="Cambria Math" panose="02040503050406030204" pitchFamily="18" charset="0"/>
                                     </a:rPr>
                                     <m:t>+1</m:t>
@@ -8770,7 +8647,7 @@
                                 </m:sub>
                               </m:sSub>
                               <m:r>
-                                <a:rPr lang="it-IT" sz="1875" i="1">
+                                <a:rPr lang="en-US" sz="1875" i="1" noProof="0" smtClean="0">
                                   <a:latin typeface="Cambria Math" panose="02040503050406030204" pitchFamily="18" charset="0"/>
                                 </a:rPr>
                                 <m:t>,…,</m:t>
@@ -8778,14 +8655,14 @@
                               <m:sSub>
                                 <m:sSubPr>
                                   <m:ctrlPr>
-                                    <a:rPr lang="it-IT" sz="1875" i="1">
+                                    <a:rPr lang="en-US" sz="1875" i="1" noProof="0" smtClean="0">
                                       <a:latin typeface="Cambria Math" panose="02040503050406030204" pitchFamily="18" charset="0"/>
                                     </a:rPr>
                                   </m:ctrlPr>
                                 </m:sSubPr>
                                 <m:e>
                                   <m:r>
-                                    <a:rPr lang="it-IT" sz="1875" i="1">
+                                    <a:rPr lang="en-US" sz="1875" i="1" noProof="0" smtClean="0">
                                       <a:latin typeface="Cambria Math" panose="02040503050406030204" pitchFamily="18" charset="0"/>
                                     </a:rPr>
                                     <m:t>𝑝</m:t>
@@ -8793,7 +8670,7 @@
                                 </m:e>
                                 <m:sub>
                                   <m:r>
-                                    <a:rPr lang="it-IT" sz="1875" i="1">
+                                    <a:rPr lang="en-US" sz="1875" i="1" noProof="0" smtClean="0">
                                       <a:latin typeface="Cambria Math" panose="02040503050406030204" pitchFamily="18" charset="0"/>
                                     </a:rPr>
                                     <m:t>𝑚</m:t>
@@ -8803,13 +8680,13 @@
                             </m:e>
                           </m:d>
                           <m:r>
-                            <a:rPr lang="it-IT" sz="1875" i="1">
+                            <a:rPr lang="en-US" sz="1875" i="1" noProof="0" smtClean="0">
                               <a:latin typeface="Cambria Math" panose="02040503050406030204" pitchFamily="18" charset="0"/>
                             </a:rPr>
                             <m:t>,</m:t>
                           </m:r>
                           <m:r>
-                            <a:rPr lang="it-IT" sz="1875" i="1">
+                            <a:rPr lang="en-US" sz="1875" i="1" noProof="0" smtClean="0">
                               <a:latin typeface="Cambria Math" panose="02040503050406030204" pitchFamily="18" charset="0"/>
                             </a:rPr>
                             <m:t>𝑘</m:t>
@@ -8819,7 +8696,7 @@
                     </m:oMath>
                   </m:oMathPara>
                 </a14:m>
-                <a:endParaRPr lang="en-US" sz="1875" dirty="0"/>
+                <a:endParaRPr lang="en-US" sz="1875" noProof="0" dirty="0"/>
               </a:p>
             </p:txBody>
           </p:sp>
@@ -8871,8 +8748,8 @@
           </p:sp>
         </mc:Fallback>
       </mc:AlternateContent>
-      <mc:AlternateContent xmlns:mc="http://schemas.openxmlformats.org/markup-compatibility/2006" xmlns:a14="http://schemas.microsoft.com/office/drawing/2010/main">
-        <mc:Choice Requires="a14">
+      <mc:AlternateContent xmlns:mc="http://schemas.openxmlformats.org/markup-compatibility/2006">
+        <mc:Choice xmlns:a14="http://schemas.microsoft.com/office/drawing/2010/main" Requires="a14">
           <p:sp>
             <p:nvSpPr>
               <p:cNvPr id="3" name="CasellaDiTesto 2">
@@ -8909,49 +8786,49 @@
                     </m:oMathParaPr>
                     <m:oMath xmlns:m="http://schemas.openxmlformats.org/officeDocument/2006/math">
                       <m:r>
-                        <a:rPr lang="it-IT" sz="1800" b="0" i="1" smtClean="0">
+                        <a:rPr lang="en-US" sz="1800" b="0" i="1" noProof="0" smtClean="0">
                           <a:latin typeface="Cambria Math" panose="02040503050406030204" pitchFamily="18" charset="0"/>
                           <a:ea typeface="Cambria Math" panose="02040503050406030204" pitchFamily="18" charset="0"/>
                         </a:rPr>
                         <m:t>𝑖𝑓</m:t>
                       </m:r>
                       <m:r>
-                        <a:rPr lang="it-IT" sz="1800" b="0" i="1" smtClean="0">
+                        <a:rPr lang="en-US" sz="1800" b="0" i="1" noProof="0" smtClean="0">
                           <a:latin typeface="Cambria Math" panose="02040503050406030204" pitchFamily="18" charset="0"/>
                           <a:ea typeface="Cambria Math" panose="02040503050406030204" pitchFamily="18" charset="0"/>
                         </a:rPr>
                         <m:t> </m:t>
                       </m:r>
                       <m:r>
-                        <a:rPr lang="it-IT" sz="1800" b="0" i="1" smtClean="0">
+                        <a:rPr lang="en-US" sz="1800" b="0" i="1" noProof="0" smtClean="0">
                           <a:latin typeface="Cambria Math" panose="02040503050406030204" pitchFamily="18" charset="0"/>
                           <a:ea typeface="Cambria Math" panose="02040503050406030204" pitchFamily="18" charset="0"/>
                         </a:rPr>
                         <m:t>𝑈</m:t>
                       </m:r>
                       <m:r>
-                        <a:rPr lang="it-IT" sz="1800" b="0" i="1" smtClean="0">
+                        <a:rPr lang="en-US" sz="1800" b="0" i="1" noProof="0" smtClean="0">
                           <a:latin typeface="Cambria Math" panose="02040503050406030204" pitchFamily="18" charset="0"/>
                           <a:ea typeface="Cambria Math" panose="02040503050406030204" pitchFamily="18" charset="0"/>
                         </a:rPr>
                         <m:t>≠∅, </m:t>
                       </m:r>
                       <m:r>
-                        <a:rPr lang="it-IT" sz="1800" b="0" i="1" smtClean="0">
+                        <a:rPr lang="en-US" sz="1800" b="0" i="1" noProof="0" smtClean="0">
                           <a:latin typeface="Cambria Math" panose="02040503050406030204" pitchFamily="18" charset="0"/>
                           <a:ea typeface="Cambria Math" panose="02040503050406030204" pitchFamily="18" charset="0"/>
                         </a:rPr>
                         <m:t>𝑘</m:t>
                       </m:r>
                       <m:r>
-                        <a:rPr lang="it-IT" sz="1800" b="0" i="1" smtClean="0">
+                        <a:rPr lang="en-US" sz="1800" b="0" i="1" noProof="0" smtClean="0">
                           <a:latin typeface="Cambria Math" panose="02040503050406030204" pitchFamily="18" charset="0"/>
                           <a:ea typeface="Cambria Math" panose="02040503050406030204" pitchFamily="18" charset="0"/>
                         </a:rPr>
                         <m:t>&lt;</m:t>
                       </m:r>
                       <m:r>
-                        <a:rPr lang="it-IT" sz="1800" b="0" i="1" smtClean="0">
+                        <a:rPr lang="en-US" sz="1800" b="0" i="1" noProof="0" smtClean="0">
                           <a:latin typeface="Cambria Math" panose="02040503050406030204" pitchFamily="18" charset="0"/>
                           <a:ea typeface="Cambria Math" panose="02040503050406030204" pitchFamily="18" charset="0"/>
                         </a:rPr>
@@ -8960,12 +8837,12 @@
                     </m:oMath>
                   </m:oMathPara>
                 </a14:m>
-                <a:endParaRPr lang="it-IT" dirty="0"/>
+                <a:endParaRPr lang="en-US" noProof="0" dirty="0"/>
               </a:p>
             </p:txBody>
           </p:sp>
         </mc:Choice>
-        <mc:Fallback xmlns="">
+        <mc:Fallback>
           <p:sp>
             <p:nvSpPr>
               <p:cNvPr id="3" name="CasellaDiTesto 2">
@@ -9010,8 +8887,8 @@
           </p:sp>
         </mc:Fallback>
       </mc:AlternateContent>
-      <mc:AlternateContent xmlns:mc="http://schemas.openxmlformats.org/markup-compatibility/2006" xmlns:a14="http://schemas.microsoft.com/office/drawing/2010/main">
-        <mc:Choice Requires="a14">
+      <mc:AlternateContent xmlns:mc="http://schemas.openxmlformats.org/markup-compatibility/2006">
+        <mc:Choice xmlns:a14="http://schemas.microsoft.com/office/drawing/2010/main" Requires="a14">
           <p:sp>
             <p:nvSpPr>
               <p:cNvPr id="5" name="CasellaDiTesto 4">
@@ -9048,49 +8925,49 @@
                     </m:oMathParaPr>
                     <m:oMath xmlns:m="http://schemas.openxmlformats.org/officeDocument/2006/math">
                       <m:r>
-                        <a:rPr lang="it-IT" sz="1800" b="0" i="1" smtClean="0">
+                        <a:rPr lang="en-US" sz="1800" b="0" i="1" noProof="0" smtClean="0">
                           <a:latin typeface="Cambria Math" panose="02040503050406030204" pitchFamily="18" charset="0"/>
                           <a:ea typeface="Cambria Math" panose="02040503050406030204" pitchFamily="18" charset="0"/>
                         </a:rPr>
                         <m:t>𝑖𝑓</m:t>
                       </m:r>
                       <m:r>
-                        <a:rPr lang="it-IT" sz="1800" b="0" i="1" smtClean="0">
+                        <a:rPr lang="en-US" sz="1800" b="0" i="1" noProof="0" smtClean="0">
                           <a:latin typeface="Cambria Math" panose="02040503050406030204" pitchFamily="18" charset="0"/>
                           <a:ea typeface="Cambria Math" panose="02040503050406030204" pitchFamily="18" charset="0"/>
                         </a:rPr>
                         <m:t> </m:t>
                       </m:r>
                       <m:r>
-                        <a:rPr lang="it-IT" sz="1800" b="0" i="1" smtClean="0">
+                        <a:rPr lang="en-US" sz="1800" b="0" i="1" noProof="0" smtClean="0">
                           <a:latin typeface="Cambria Math" panose="02040503050406030204" pitchFamily="18" charset="0"/>
                           <a:ea typeface="Cambria Math" panose="02040503050406030204" pitchFamily="18" charset="0"/>
                         </a:rPr>
                         <m:t>𝑈</m:t>
                       </m:r>
                       <m:r>
-                        <a:rPr lang="it-IT" sz="1800" b="0" i="1" smtClean="0">
+                        <a:rPr lang="en-US" sz="1800" b="0" i="1" noProof="0" smtClean="0">
                           <a:latin typeface="Cambria Math" panose="02040503050406030204" pitchFamily="18" charset="0"/>
                           <a:ea typeface="Cambria Math" panose="02040503050406030204" pitchFamily="18" charset="0"/>
                         </a:rPr>
                         <m:t>≠∅,</m:t>
                       </m:r>
                       <m:r>
-                        <a:rPr lang="it-IT" sz="1800" b="0" i="1" smtClean="0">
+                        <a:rPr lang="en-US" sz="1800" b="0" i="1" noProof="0" smtClean="0">
                           <a:latin typeface="Cambria Math" panose="02040503050406030204" pitchFamily="18" charset="0"/>
                           <a:ea typeface="Cambria Math" panose="02040503050406030204" pitchFamily="18" charset="0"/>
                         </a:rPr>
                         <m:t>𝑘</m:t>
                       </m:r>
                       <m:r>
-                        <a:rPr lang="it-IT" sz="1800" b="0" i="1" smtClean="0">
+                        <a:rPr lang="en-US" sz="1800" b="0" i="1" noProof="0" smtClean="0">
                           <a:latin typeface="Cambria Math" panose="02040503050406030204" pitchFamily="18" charset="0"/>
                           <a:ea typeface="Cambria Math" panose="02040503050406030204" pitchFamily="18" charset="0"/>
                         </a:rPr>
                         <m:t>=</m:t>
                       </m:r>
                       <m:r>
-                        <a:rPr lang="it-IT" sz="1800" b="0" i="1" smtClean="0">
+                        <a:rPr lang="en-US" sz="1800" b="0" i="1" noProof="0" smtClean="0">
                           <a:latin typeface="Cambria Math" panose="02040503050406030204" pitchFamily="18" charset="0"/>
                           <a:ea typeface="Cambria Math" panose="02040503050406030204" pitchFamily="18" charset="0"/>
                         </a:rPr>
@@ -9099,12 +8976,12 @@
                     </m:oMath>
                   </m:oMathPara>
                 </a14:m>
-                <a:endParaRPr lang="it-IT" dirty="0"/>
+                <a:endParaRPr lang="en-US" noProof="0" dirty="0"/>
               </a:p>
             </p:txBody>
           </p:sp>
         </mc:Choice>
-        <mc:Fallback xmlns="">
+        <mc:Fallback>
           <p:sp>
             <p:nvSpPr>
               <p:cNvPr id="5" name="CasellaDiTesto 4">
@@ -9202,19 +9079,19 @@
           <a:p>
             <a:pPr algn="ctr"/>
             <a:r>
-              <a:rPr lang="it-IT" dirty="0"/>
+              <a:rPr lang="en-US" noProof="0" dirty="0"/>
               <a:t>DIDP </a:t>
             </a:r>
             <a:r>
-              <a:rPr lang="it-IT" dirty="0" err="1"/>
+              <a:rPr lang="en-US" noProof="0" dirty="0" err="1"/>
               <a:t>Formultation</a:t>
             </a:r>
-            <a:endParaRPr lang="it-IT" dirty="0"/>
+            <a:endParaRPr lang="en-US" noProof="0" dirty="0"/>
           </a:p>
         </p:txBody>
       </p:sp>
-      <mc:AlternateContent xmlns:mc="http://schemas.openxmlformats.org/markup-compatibility/2006" xmlns:a14="http://schemas.microsoft.com/office/drawing/2010/main">
-        <mc:Choice Requires="a14">
+      <mc:AlternateContent xmlns:mc="http://schemas.openxmlformats.org/markup-compatibility/2006">
+        <mc:Choice xmlns:a14="http://schemas.microsoft.com/office/drawing/2010/main" Requires="a14">
           <p:sp>
             <p:nvSpPr>
               <p:cNvPr id="3" name="Segnaposto contenuto 2">
@@ -9244,30 +9121,18 @@
               <a:lstStyle/>
               <a:p>
                 <a:r>
-                  <a:rPr lang="it-IT" i="1" dirty="0">
+                  <a:rPr lang="en-US" i="1" noProof="0" dirty="0">
                     <a:latin typeface="Cambria Math" panose="02040503050406030204" pitchFamily="18" charset="0"/>
                   </a:rPr>
                   <a:t> </a:t>
                 </a:r>
                 <a:r>
-                  <a:rPr lang="it-IT" dirty="0">
+                  <a:rPr lang="en-US" noProof="0" dirty="0">
                     <a:latin typeface="Cambria Math" panose="02040503050406030204" pitchFamily="18" charset="0"/>
                   </a:rPr>
-                  <a:t>Resource </a:t>
+                  <a:t>Resource variables:</a:t>
                 </a:r>
-                <a:r>
-                  <a:rPr lang="it-IT" dirty="0" err="1">
-                    <a:latin typeface="Cambria Math" panose="02040503050406030204" pitchFamily="18" charset="0"/>
-                  </a:rPr>
-                  <a:t>variables</a:t>
-                </a:r>
-                <a:r>
-                  <a:rPr lang="it-IT" dirty="0">
-                    <a:latin typeface="Cambria Math" panose="02040503050406030204" pitchFamily="18" charset="0"/>
-                  </a:rPr>
-                  <a:t>:</a:t>
-                </a:r>
-                <a:endParaRPr lang="it-IT" i="1" dirty="0">
+                <a:endParaRPr lang="en-US" i="1" noProof="0" dirty="0">
                   <a:latin typeface="Cambria Math" panose="02040503050406030204" pitchFamily="18" charset="0"/>
                 </a:endParaRPr>
               </a:p>
@@ -9276,7 +9141,7 @@
                   <a:buNone/>
                 </a:pPr>
                 <a:br>
-                  <a:rPr lang="it-IT" i="1" dirty="0">
+                  <a:rPr lang="en-US" i="1" noProof="0" dirty="0">
                     <a:latin typeface="Cambria Math" panose="02040503050406030204" pitchFamily="18" charset="0"/>
                   </a:rPr>
                 </a:br>
@@ -9287,7 +9152,7 @@
                     </m:oMathParaPr>
                     <m:oMath xmlns:m="http://schemas.openxmlformats.org/officeDocument/2006/math">
                       <m:r>
-                        <a:rPr lang="it-IT" i="1" smtClean="0">
+                        <a:rPr lang="en-US" i="1" noProof="0" smtClean="0">
                           <a:latin typeface="Cambria Math" panose="02040503050406030204" pitchFamily="18" charset="0"/>
                         </a:rPr>
                         <m:t>𝑉</m:t>
@@ -9295,20 +9160,20 @@
                       <m:d>
                         <m:dPr>
                           <m:ctrlPr>
-                            <a:rPr lang="it-IT" i="1">
+                            <a:rPr lang="en-US" i="1" noProof="0" smtClean="0">
                               <a:latin typeface="Cambria Math" panose="02040503050406030204" pitchFamily="18" charset="0"/>
                             </a:rPr>
                           </m:ctrlPr>
                         </m:dPr>
                         <m:e>
                           <m:r>
-                            <a:rPr lang="it-IT" i="1">
+                            <a:rPr lang="en-US" i="1" noProof="0" smtClean="0">
                               <a:latin typeface="Cambria Math" panose="02040503050406030204" pitchFamily="18" charset="0"/>
                             </a:rPr>
                             <m:t>𝑈</m:t>
                           </m:r>
                           <m:r>
-                            <a:rPr lang="it-IT" i="1">
+                            <a:rPr lang="en-US" i="1" noProof="0" smtClean="0">
                               <a:latin typeface="Cambria Math" panose="02040503050406030204" pitchFamily="18" charset="0"/>
                             </a:rPr>
                             <m:t>,</m:t>
@@ -9318,7 +9183,7 @@
                               <m:begChr m:val="{"/>
                               <m:endChr m:val="}"/>
                               <m:ctrlPr>
-                                <a:rPr lang="it-IT" i="1">
+                                <a:rPr lang="en-US" i="1" noProof="0" smtClean="0">
                                   <a:latin typeface="Cambria Math" panose="02040503050406030204" pitchFamily="18" charset="0"/>
                                 </a:rPr>
                               </m:ctrlPr>
@@ -9327,14 +9192,14 @@
                               <m:sSub>
                                 <m:sSubPr>
                                   <m:ctrlPr>
-                                    <a:rPr lang="it-IT" i="1">
+                                    <a:rPr lang="en-US" i="1" noProof="0" smtClean="0">
                                       <a:latin typeface="Cambria Math" panose="02040503050406030204" pitchFamily="18" charset="0"/>
                                     </a:rPr>
                                   </m:ctrlPr>
                                 </m:sSubPr>
                                 <m:e>
                                   <m:r>
-                                    <a:rPr lang="it-IT" i="1">
+                                    <a:rPr lang="en-US" i="1" noProof="0" smtClean="0">
                                       <a:latin typeface="Cambria Math" panose="02040503050406030204" pitchFamily="18" charset="0"/>
                                     </a:rPr>
                                     <m:t>𝑖</m:t>
@@ -9342,7 +9207,7 @@
                                 </m:e>
                                 <m:sub>
                                   <m:r>
-                                    <a:rPr lang="it-IT" i="1">
+                                    <a:rPr lang="en-US" i="1" noProof="0" smtClean="0">
                                       <a:latin typeface="Cambria Math" panose="02040503050406030204" pitchFamily="18" charset="0"/>
                                     </a:rPr>
                                     <m:t>1</m:t>
@@ -9350,7 +9215,7 @@
                                 </m:sub>
                               </m:sSub>
                               <m:r>
-                                <a:rPr lang="it-IT" i="1">
+                                <a:rPr lang="en-US" i="1" noProof="0" smtClean="0">
                                   <a:latin typeface="Cambria Math" panose="02040503050406030204" pitchFamily="18" charset="0"/>
                                 </a:rPr>
                                 <m:t>,…,</m:t>
@@ -9358,14 +9223,14 @@
                               <m:sSub>
                                 <m:sSubPr>
                                   <m:ctrlPr>
-                                    <a:rPr lang="it-IT" i="1">
+                                    <a:rPr lang="en-US" i="1" noProof="0" smtClean="0">
                                       <a:latin typeface="Cambria Math" panose="02040503050406030204" pitchFamily="18" charset="0"/>
                                     </a:rPr>
                                   </m:ctrlPr>
                                 </m:sSubPr>
                                 <m:e>
                                   <m:r>
-                                    <a:rPr lang="it-IT" i="1">
+                                    <a:rPr lang="en-US" i="1" noProof="0" smtClean="0">
                                       <a:latin typeface="Cambria Math" panose="02040503050406030204" pitchFamily="18" charset="0"/>
                                     </a:rPr>
                                     <m:t>𝑖</m:t>
@@ -9373,7 +9238,7 @@
                                 </m:e>
                                 <m:sub>
                                   <m:r>
-                                    <a:rPr lang="it-IT" i="1">
+                                    <a:rPr lang="en-US" i="1" noProof="0" smtClean="0">
                                       <a:latin typeface="Cambria Math" panose="02040503050406030204" pitchFamily="18" charset="0"/>
                                     </a:rPr>
                                     <m:t>𝑚</m:t>
@@ -9383,7 +9248,7 @@
                             </m:e>
                           </m:d>
                           <m:r>
-                            <a:rPr lang="it-IT" i="1">
+                            <a:rPr lang="en-US" i="1" noProof="0" smtClean="0">
                               <a:latin typeface="Cambria Math" panose="02040503050406030204" pitchFamily="18" charset="0"/>
                             </a:rPr>
                             <m:t>,</m:t>
@@ -9393,7 +9258,7 @@
                               <m:begChr m:val="{"/>
                               <m:endChr m:val="}"/>
                               <m:ctrlPr>
-                                <a:rPr lang="it-IT" i="1">
+                                <a:rPr lang="en-US" i="1" noProof="0" smtClean="0">
                                   <a:latin typeface="Cambria Math" panose="02040503050406030204" pitchFamily="18" charset="0"/>
                                 </a:rPr>
                               </m:ctrlPr>
@@ -9402,14 +9267,14 @@
                               <m:sSub>
                                 <m:sSubPr>
                                   <m:ctrlPr>
-                                    <a:rPr lang="it-IT" i="1">
+                                    <a:rPr lang="en-US" i="1" noProof="0" smtClean="0">
                                       <a:latin typeface="Cambria Math" panose="02040503050406030204" pitchFamily="18" charset="0"/>
                                     </a:rPr>
                                   </m:ctrlPr>
                                 </m:sSubPr>
                                 <m:e>
                                   <m:r>
-                                    <a:rPr lang="it-IT" i="1">
+                                    <a:rPr lang="en-US" i="1" noProof="0" smtClean="0">
                                       <a:latin typeface="Cambria Math" panose="02040503050406030204" pitchFamily="18" charset="0"/>
                                     </a:rPr>
                                     <m:t>𝑙</m:t>
@@ -9417,7 +9282,7 @@
                                 </m:e>
                                 <m:sub>
                                   <m:r>
-                                    <a:rPr lang="it-IT" i="1">
+                                    <a:rPr lang="en-US" i="1" noProof="0" smtClean="0">
                                       <a:latin typeface="Cambria Math" panose="02040503050406030204" pitchFamily="18" charset="0"/>
                                     </a:rPr>
                                     <m:t>1</m:t>
@@ -9425,7 +9290,7 @@
                                 </m:sub>
                               </m:sSub>
                               <m:r>
-                                <a:rPr lang="it-IT" i="1">
+                                <a:rPr lang="en-US" i="1" noProof="0" smtClean="0">
                                   <a:latin typeface="Cambria Math" panose="02040503050406030204" pitchFamily="18" charset="0"/>
                                 </a:rPr>
                                 <m:t>,…,</m:t>
@@ -9433,14 +9298,14 @@
                               <m:sSub>
                                 <m:sSubPr>
                                   <m:ctrlPr>
-                                    <a:rPr lang="it-IT" i="1">
+                                    <a:rPr lang="en-US" i="1" noProof="0" smtClean="0">
                                       <a:latin typeface="Cambria Math" panose="02040503050406030204" pitchFamily="18" charset="0"/>
                                     </a:rPr>
                                   </m:ctrlPr>
                                 </m:sSubPr>
                                 <m:e>
                                   <m:r>
-                                    <a:rPr lang="it-IT" i="1">
+                                    <a:rPr lang="en-US" i="1" noProof="0" smtClean="0">
                                       <a:latin typeface="Cambria Math" panose="02040503050406030204" pitchFamily="18" charset="0"/>
                                     </a:rPr>
                                     <m:t>𝑙</m:t>
@@ -9448,7 +9313,7 @@
                                 </m:e>
                                 <m:sub>
                                   <m:r>
-                                    <a:rPr lang="it-IT" i="1">
+                                    <a:rPr lang="en-US" i="1" noProof="0" smtClean="0">
                                       <a:latin typeface="Cambria Math" panose="02040503050406030204" pitchFamily="18" charset="0"/>
                                     </a:rPr>
                                     <m:t>𝑚</m:t>
@@ -9458,7 +9323,7 @@
                             </m:e>
                           </m:d>
                           <m:r>
-                            <a:rPr lang="it-IT" i="1">
+                            <a:rPr lang="en-US" i="1" noProof="0" smtClean="0">
                               <a:latin typeface="Cambria Math" panose="02040503050406030204" pitchFamily="18" charset="0"/>
                             </a:rPr>
                             <m:t>,</m:t>
@@ -9468,7 +9333,7 @@
                               <m:begChr m:val="{"/>
                               <m:endChr m:val="}"/>
                               <m:ctrlPr>
-                                <a:rPr lang="it-IT" i="1">
+                                <a:rPr lang="en-US" i="1" noProof="0" smtClean="0">
                                   <a:latin typeface="Cambria Math" panose="02040503050406030204" pitchFamily="18" charset="0"/>
                                 </a:rPr>
                               </m:ctrlPr>
@@ -9477,14 +9342,14 @@
                               <m:sSub>
                                 <m:sSubPr>
                                   <m:ctrlPr>
-                                    <a:rPr lang="it-IT" i="1">
+                                    <a:rPr lang="en-US" i="1" noProof="0" smtClean="0">
                                       <a:latin typeface="Cambria Math" panose="02040503050406030204" pitchFamily="18" charset="0"/>
                                     </a:rPr>
                                   </m:ctrlPr>
                                 </m:sSubPr>
                                 <m:e>
                                   <m:r>
-                                    <a:rPr lang="it-IT" i="1">
+                                    <a:rPr lang="en-US" i="1" noProof="0" smtClean="0">
                                       <a:latin typeface="Cambria Math" panose="02040503050406030204" pitchFamily="18" charset="0"/>
                                     </a:rPr>
                                     <m:t>𝑝</m:t>
@@ -9492,7 +9357,7 @@
                                 </m:e>
                                 <m:sub>
                                   <m:r>
-                                    <a:rPr lang="it-IT" i="1">
+                                    <a:rPr lang="en-US" i="1" noProof="0" smtClean="0">
                                       <a:latin typeface="Cambria Math" panose="02040503050406030204" pitchFamily="18" charset="0"/>
                                     </a:rPr>
                                     <m:t>1</m:t>
@@ -9500,7 +9365,7 @@
                                 </m:sub>
                               </m:sSub>
                               <m:r>
-                                <a:rPr lang="it-IT" i="1">
+                                <a:rPr lang="en-US" i="1" noProof="0" smtClean="0">
                                   <a:latin typeface="Cambria Math" panose="02040503050406030204" pitchFamily="18" charset="0"/>
                                 </a:rPr>
                                 <m:t>,…,</m:t>
@@ -9508,14 +9373,14 @@
                               <m:sSub>
                                 <m:sSubPr>
                                   <m:ctrlPr>
-                                    <a:rPr lang="it-IT" i="1">
+                                    <a:rPr lang="en-US" i="1" noProof="0" smtClean="0">
                                       <a:latin typeface="Cambria Math" panose="02040503050406030204" pitchFamily="18" charset="0"/>
                                     </a:rPr>
                                   </m:ctrlPr>
                                 </m:sSubPr>
                                 <m:e>
                                   <m:r>
-                                    <a:rPr lang="it-IT" i="1">
+                                    <a:rPr lang="en-US" i="1" noProof="0" smtClean="0">
                                       <a:latin typeface="Cambria Math" panose="02040503050406030204" pitchFamily="18" charset="0"/>
                                     </a:rPr>
                                     <m:t>𝑝</m:t>
@@ -9523,7 +9388,7 @@
                                 </m:e>
                                 <m:sub>
                                   <m:r>
-                                    <a:rPr lang="it-IT" i="1">
+                                    <a:rPr lang="en-US" i="1" noProof="0" smtClean="0">
                                       <a:latin typeface="Cambria Math" panose="02040503050406030204" pitchFamily="18" charset="0"/>
                                     </a:rPr>
                                     <m:t>𝑚</m:t>
@@ -9533,13 +9398,13 @@
                             </m:e>
                           </m:d>
                           <m:r>
-                            <a:rPr lang="it-IT" i="1">
+                            <a:rPr lang="en-US" i="1" noProof="0" smtClean="0">
                               <a:latin typeface="Cambria Math" panose="02040503050406030204" pitchFamily="18" charset="0"/>
                             </a:rPr>
                             <m:t>,</m:t>
                           </m:r>
                           <m:r>
-                            <a:rPr lang="it-IT" i="1">
+                            <a:rPr lang="en-US" i="1" noProof="0" smtClean="0">
                               <a:latin typeface="Cambria Math" panose="02040503050406030204" pitchFamily="18" charset="0"/>
                             </a:rPr>
                             <m:t>𝑘</m:t>
@@ -9547,14 +9412,14 @@
                         </m:e>
                       </m:d>
                       <m:r>
-                        <a:rPr lang="it-IT" i="1" smtClean="0">
+                        <a:rPr lang="en-US" i="1" noProof="0" smtClean="0">
                           <a:latin typeface="Cambria Math" panose="02040503050406030204" pitchFamily="18" charset="0"/>
                           <a:ea typeface="Cambria Math" panose="02040503050406030204" pitchFamily="18" charset="0"/>
                         </a:rPr>
                         <m:t>≤</m:t>
                       </m:r>
                       <m:r>
-                        <a:rPr lang="it-IT" i="1">
+                        <a:rPr lang="en-US" i="1" noProof="0" smtClean="0">
                           <a:latin typeface="Cambria Math" panose="02040503050406030204" pitchFamily="18" charset="0"/>
                         </a:rPr>
                         <m:t>𝑉</m:t>
@@ -9562,20 +9427,20 @@
                       <m:d>
                         <m:dPr>
                           <m:ctrlPr>
-                            <a:rPr lang="it-IT" i="1">
+                            <a:rPr lang="en-US" i="1" noProof="0" smtClean="0">
                               <a:latin typeface="Cambria Math" panose="02040503050406030204" pitchFamily="18" charset="0"/>
                             </a:rPr>
                           </m:ctrlPr>
                         </m:dPr>
                         <m:e>
                           <m:r>
-                            <a:rPr lang="it-IT" i="1">
+                            <a:rPr lang="en-US" i="1" noProof="0" smtClean="0">
                               <a:latin typeface="Cambria Math" panose="02040503050406030204" pitchFamily="18" charset="0"/>
                             </a:rPr>
                             <m:t>𝑈</m:t>
                           </m:r>
                           <m:r>
-                            <a:rPr lang="it-IT" i="1">
+                            <a:rPr lang="en-US" i="1" noProof="0" smtClean="0">
                               <a:latin typeface="Cambria Math" panose="02040503050406030204" pitchFamily="18" charset="0"/>
                             </a:rPr>
                             <m:t>,</m:t>
@@ -9585,7 +9450,7 @@
                               <m:begChr m:val="{"/>
                               <m:endChr m:val="}"/>
                               <m:ctrlPr>
-                                <a:rPr lang="it-IT" i="1">
+                                <a:rPr lang="en-US" i="1" noProof="0" smtClean="0">
                                   <a:latin typeface="Cambria Math" panose="02040503050406030204" pitchFamily="18" charset="0"/>
                                 </a:rPr>
                               </m:ctrlPr>
@@ -9594,14 +9459,14 @@
                               <m:sSub>
                                 <m:sSubPr>
                                   <m:ctrlPr>
-                                    <a:rPr lang="it-IT" i="1">
+                                    <a:rPr lang="en-US" i="1" noProof="0" smtClean="0">
                                       <a:latin typeface="Cambria Math" panose="02040503050406030204" pitchFamily="18" charset="0"/>
                                     </a:rPr>
                                   </m:ctrlPr>
                                 </m:sSubPr>
                                 <m:e>
                                   <m:r>
-                                    <a:rPr lang="it-IT" i="1">
+                                    <a:rPr lang="en-US" i="1" noProof="0" smtClean="0">
                                       <a:latin typeface="Cambria Math" panose="02040503050406030204" pitchFamily="18" charset="0"/>
                                     </a:rPr>
                                     <m:t>𝑖</m:t>
@@ -9609,7 +9474,7 @@
                                 </m:e>
                                 <m:sub>
                                   <m:r>
-                                    <a:rPr lang="it-IT" i="1">
+                                    <a:rPr lang="en-US" i="1" noProof="0" smtClean="0">
                                       <a:latin typeface="Cambria Math" panose="02040503050406030204" pitchFamily="18" charset="0"/>
                                     </a:rPr>
                                     <m:t>1</m:t>
@@ -9617,7 +9482,7 @@
                                 </m:sub>
                               </m:sSub>
                               <m:r>
-                                <a:rPr lang="it-IT" i="1">
+                                <a:rPr lang="en-US" i="1" noProof="0" smtClean="0">
                                   <a:latin typeface="Cambria Math" panose="02040503050406030204" pitchFamily="18" charset="0"/>
                                 </a:rPr>
                                 <m:t>,…,</m:t>
@@ -9625,14 +9490,14 @@
                               <m:sSub>
                                 <m:sSubPr>
                                   <m:ctrlPr>
-                                    <a:rPr lang="it-IT" i="1">
+                                    <a:rPr lang="en-US" i="1" noProof="0" smtClean="0">
                                       <a:latin typeface="Cambria Math" panose="02040503050406030204" pitchFamily="18" charset="0"/>
                                     </a:rPr>
                                   </m:ctrlPr>
                                 </m:sSubPr>
                                 <m:e>
                                   <m:r>
-                                    <a:rPr lang="it-IT" i="1">
+                                    <a:rPr lang="en-US" i="1" noProof="0" smtClean="0">
                                       <a:latin typeface="Cambria Math" panose="02040503050406030204" pitchFamily="18" charset="0"/>
                                     </a:rPr>
                                     <m:t>𝑖</m:t>
@@ -9640,7 +9505,7 @@
                                 </m:e>
                                 <m:sub>
                                   <m:r>
-                                    <a:rPr lang="it-IT" i="1">
+                                    <a:rPr lang="en-US" i="1" noProof="0" smtClean="0">
                                       <a:latin typeface="Cambria Math" panose="02040503050406030204" pitchFamily="18" charset="0"/>
                                     </a:rPr>
                                     <m:t>𝑚</m:t>
@@ -9650,7 +9515,7 @@
                             </m:e>
                           </m:d>
                           <m:r>
-                            <a:rPr lang="it-IT" i="1">
+                            <a:rPr lang="en-US" i="1" noProof="0" smtClean="0">
                               <a:latin typeface="Cambria Math" panose="02040503050406030204" pitchFamily="18" charset="0"/>
                             </a:rPr>
                             <m:t>,</m:t>
@@ -9660,7 +9525,7 @@
                               <m:begChr m:val="{"/>
                               <m:endChr m:val="}"/>
                               <m:ctrlPr>
-                                <a:rPr lang="it-IT" i="1">
+                                <a:rPr lang="en-US" i="1" noProof="0" smtClean="0">
                                   <a:latin typeface="Cambria Math" panose="02040503050406030204" pitchFamily="18" charset="0"/>
                                 </a:rPr>
                               </m:ctrlPr>
@@ -9669,7 +9534,7 @@
                               <m:sSub>
                                 <m:sSubPr>
                                   <m:ctrlPr>
-                                    <a:rPr lang="it-IT" i="1">
+                                    <a:rPr lang="en-US" i="1" noProof="0" smtClean="0">
                                       <a:latin typeface="Cambria Math" panose="02040503050406030204" pitchFamily="18" charset="0"/>
                                     </a:rPr>
                                   </m:ctrlPr>
@@ -9678,14 +9543,14 @@
                                   <m:sSup>
                                     <m:sSupPr>
                                       <m:ctrlPr>
-                                        <a:rPr lang="it-IT" i="1">
+                                        <a:rPr lang="en-US" i="1" noProof="0" smtClean="0">
                                           <a:latin typeface="Cambria Math" panose="02040503050406030204" pitchFamily="18" charset="0"/>
                                         </a:rPr>
                                       </m:ctrlPr>
                                     </m:sSupPr>
                                     <m:e>
                                       <m:r>
-                                        <a:rPr lang="it-IT" i="1">
+                                        <a:rPr lang="en-US" i="1" noProof="0" smtClean="0">
                                           <a:latin typeface="Cambria Math" panose="02040503050406030204" pitchFamily="18" charset="0"/>
                                         </a:rPr>
                                         <m:t>𝑙</m:t>
@@ -9693,7 +9558,7 @@
                                     </m:e>
                                     <m:sup>
                                       <m:r>
-                                        <a:rPr lang="it-IT" i="1">
+                                        <a:rPr lang="en-US" i="1" noProof="0" smtClean="0">
                                           <a:latin typeface="Cambria Math" panose="02040503050406030204" pitchFamily="18" charset="0"/>
                                         </a:rPr>
                                         <m:t>′</m:t>
@@ -9703,7 +9568,7 @@
                                 </m:e>
                                 <m:sub>
                                   <m:r>
-                                    <a:rPr lang="it-IT" i="1">
+                                    <a:rPr lang="en-US" i="1" noProof="0" smtClean="0">
                                       <a:latin typeface="Cambria Math" panose="02040503050406030204" pitchFamily="18" charset="0"/>
                                     </a:rPr>
                                     <m:t>1</m:t>
@@ -9711,7 +9576,7 @@
                                 </m:sub>
                               </m:sSub>
                               <m:r>
-                                <a:rPr lang="it-IT" i="1">
+                                <a:rPr lang="en-US" i="1" noProof="0" smtClean="0">
                                   <a:latin typeface="Cambria Math" panose="02040503050406030204" pitchFamily="18" charset="0"/>
                                 </a:rPr>
                                 <m:t>,…,</m:t>
@@ -9719,7 +9584,7 @@
                               <m:sSub>
                                 <m:sSubPr>
                                   <m:ctrlPr>
-                                    <a:rPr lang="it-IT" i="1">
+                                    <a:rPr lang="en-US" i="1" noProof="0" smtClean="0">
                                       <a:latin typeface="Cambria Math" panose="02040503050406030204" pitchFamily="18" charset="0"/>
                                     </a:rPr>
                                   </m:ctrlPr>
@@ -9728,14 +9593,14 @@
                                   <m:sSup>
                                     <m:sSupPr>
                                       <m:ctrlPr>
-                                        <a:rPr lang="it-IT" i="1">
+                                        <a:rPr lang="en-US" i="1" noProof="0" smtClean="0">
                                           <a:latin typeface="Cambria Math" panose="02040503050406030204" pitchFamily="18" charset="0"/>
                                         </a:rPr>
                                       </m:ctrlPr>
                                     </m:sSupPr>
                                     <m:e>
                                       <m:r>
-                                        <a:rPr lang="it-IT" i="1">
+                                        <a:rPr lang="en-US" i="1" noProof="0" smtClean="0">
                                           <a:latin typeface="Cambria Math" panose="02040503050406030204" pitchFamily="18" charset="0"/>
                                         </a:rPr>
                                         <m:t>𝑙</m:t>
@@ -9743,7 +9608,7 @@
                                     </m:e>
                                     <m:sup>
                                       <m:r>
-                                        <a:rPr lang="it-IT" i="1">
+                                        <a:rPr lang="en-US" i="1" noProof="0" smtClean="0">
                                           <a:latin typeface="Cambria Math" panose="02040503050406030204" pitchFamily="18" charset="0"/>
                                         </a:rPr>
                                         <m:t>′</m:t>
@@ -9753,7 +9618,7 @@
                                 </m:e>
                                 <m:sub>
                                   <m:r>
-                                    <a:rPr lang="it-IT" i="1">
+                                    <a:rPr lang="en-US" i="1" noProof="0" smtClean="0">
                                       <a:latin typeface="Cambria Math" panose="02040503050406030204" pitchFamily="18" charset="0"/>
                                     </a:rPr>
                                     <m:t>𝑚</m:t>
@@ -9763,7 +9628,7 @@
                             </m:e>
                           </m:d>
                           <m:r>
-                            <a:rPr lang="it-IT" i="1">
+                            <a:rPr lang="en-US" i="1" noProof="0" smtClean="0">
                               <a:latin typeface="Cambria Math" panose="02040503050406030204" pitchFamily="18" charset="0"/>
                             </a:rPr>
                             <m:t>,</m:t>
@@ -9773,7 +9638,7 @@
                               <m:begChr m:val="{"/>
                               <m:endChr m:val="}"/>
                               <m:ctrlPr>
-                                <a:rPr lang="it-IT" i="1">
+                                <a:rPr lang="en-US" i="1" noProof="0" smtClean="0">
                                   <a:latin typeface="Cambria Math" panose="02040503050406030204" pitchFamily="18" charset="0"/>
                                 </a:rPr>
                               </m:ctrlPr>
@@ -9782,7 +9647,7 @@
                               <m:sSub>
                                 <m:sSubPr>
                                   <m:ctrlPr>
-                                    <a:rPr lang="it-IT" i="1">
+                                    <a:rPr lang="en-US" i="1" noProof="0" smtClean="0">
                                       <a:latin typeface="Cambria Math" panose="02040503050406030204" pitchFamily="18" charset="0"/>
                                     </a:rPr>
                                   </m:ctrlPr>
@@ -9791,14 +9656,14 @@
                                   <m:sSup>
                                     <m:sSupPr>
                                       <m:ctrlPr>
-                                        <a:rPr lang="it-IT" i="1">
+                                        <a:rPr lang="en-US" i="1" noProof="0" smtClean="0">
                                           <a:latin typeface="Cambria Math" panose="02040503050406030204" pitchFamily="18" charset="0"/>
                                         </a:rPr>
                                       </m:ctrlPr>
                                     </m:sSupPr>
                                     <m:e>
                                       <m:r>
-                                        <a:rPr lang="it-IT" i="1">
+                                        <a:rPr lang="en-US" i="1" noProof="0" smtClean="0">
                                           <a:latin typeface="Cambria Math" panose="02040503050406030204" pitchFamily="18" charset="0"/>
                                         </a:rPr>
                                         <m:t>𝑝</m:t>
@@ -9806,7 +9671,7 @@
                                     </m:e>
                                     <m:sup>
                                       <m:r>
-                                        <a:rPr lang="it-IT" i="1">
+                                        <a:rPr lang="en-US" i="1" noProof="0" smtClean="0">
                                           <a:latin typeface="Cambria Math" panose="02040503050406030204" pitchFamily="18" charset="0"/>
                                         </a:rPr>
                                         <m:t>′</m:t>
@@ -9816,7 +9681,7 @@
                                 </m:e>
                                 <m:sub>
                                   <m:r>
-                                    <a:rPr lang="it-IT" i="1">
+                                    <a:rPr lang="en-US" i="1" noProof="0" smtClean="0">
                                       <a:latin typeface="Cambria Math" panose="02040503050406030204" pitchFamily="18" charset="0"/>
                                     </a:rPr>
                                     <m:t>1</m:t>
@@ -9824,7 +9689,7 @@
                                 </m:sub>
                               </m:sSub>
                               <m:r>
-                                <a:rPr lang="it-IT" i="1">
+                                <a:rPr lang="en-US" i="1" noProof="0" smtClean="0">
                                   <a:latin typeface="Cambria Math" panose="02040503050406030204" pitchFamily="18" charset="0"/>
                                 </a:rPr>
                                 <m:t>,…,</m:t>
@@ -9832,7 +9697,7 @@
                               <m:sSub>
                                 <m:sSubPr>
                                   <m:ctrlPr>
-                                    <a:rPr lang="it-IT" i="1">
+                                    <a:rPr lang="en-US" i="1" noProof="0" smtClean="0">
                                       <a:latin typeface="Cambria Math" panose="02040503050406030204" pitchFamily="18" charset="0"/>
                                     </a:rPr>
                                   </m:ctrlPr>
@@ -9841,14 +9706,14 @@
                                   <m:sSup>
                                     <m:sSupPr>
                                       <m:ctrlPr>
-                                        <a:rPr lang="it-IT" i="1">
+                                        <a:rPr lang="en-US" i="1" noProof="0" smtClean="0">
                                           <a:latin typeface="Cambria Math" panose="02040503050406030204" pitchFamily="18" charset="0"/>
                                         </a:rPr>
                                       </m:ctrlPr>
                                     </m:sSupPr>
                                     <m:e>
                                       <m:r>
-                                        <a:rPr lang="it-IT" i="1">
+                                        <a:rPr lang="en-US" i="1" noProof="0" smtClean="0">
                                           <a:latin typeface="Cambria Math" panose="02040503050406030204" pitchFamily="18" charset="0"/>
                                         </a:rPr>
                                         <m:t>𝑝</m:t>
@@ -9856,7 +9721,7 @@
                                     </m:e>
                                     <m:sup>
                                       <m:r>
-                                        <a:rPr lang="it-IT" i="1">
+                                        <a:rPr lang="en-US" i="1" noProof="0" smtClean="0">
                                           <a:latin typeface="Cambria Math" panose="02040503050406030204" pitchFamily="18" charset="0"/>
                                         </a:rPr>
                                         <m:t>′</m:t>
@@ -9866,7 +9731,7 @@
                                 </m:e>
                                 <m:sub>
                                   <m:r>
-                                    <a:rPr lang="it-IT" i="1">
+                                    <a:rPr lang="en-US" i="1" noProof="0" smtClean="0">
                                       <a:latin typeface="Cambria Math" panose="02040503050406030204" pitchFamily="18" charset="0"/>
                                     </a:rPr>
                                     <m:t>𝑚</m:t>
@@ -9876,7 +9741,7 @@
                             </m:e>
                           </m:d>
                           <m:r>
-                            <a:rPr lang="it-IT" i="1">
+                            <a:rPr lang="en-US" i="1" noProof="0" smtClean="0">
                               <a:latin typeface="Cambria Math" panose="02040503050406030204" pitchFamily="18" charset="0"/>
                             </a:rPr>
                             <m:t>,</m:t>
@@ -9884,14 +9749,14 @@
                           <m:sSup>
                             <m:sSupPr>
                               <m:ctrlPr>
-                                <a:rPr lang="it-IT" i="1">
+                                <a:rPr lang="en-US" i="1" noProof="0" smtClean="0">
                                   <a:latin typeface="Cambria Math" panose="02040503050406030204" pitchFamily="18" charset="0"/>
                                 </a:rPr>
                               </m:ctrlPr>
                             </m:sSupPr>
                             <m:e>
                               <m:r>
-                                <a:rPr lang="it-IT" i="1">
+                                <a:rPr lang="en-US" i="1" noProof="0" smtClean="0">
                                   <a:latin typeface="Cambria Math" panose="02040503050406030204" pitchFamily="18" charset="0"/>
                                 </a:rPr>
                                 <m:t>𝑘</m:t>
@@ -9899,7 +9764,7 @@
                             </m:e>
                             <m:sup>
                               <m:r>
-                                <a:rPr lang="it-IT" i="1">
+                                <a:rPr lang="en-US" i="1" noProof="0" smtClean="0">
                                   <a:latin typeface="Cambria Math" panose="02040503050406030204" pitchFamily="18" charset="0"/>
                                 </a:rPr>
                                 <m:t>′</m:t>
@@ -9909,7 +9774,7 @@
                         </m:e>
                       </m:d>
                       <m:r>
-                        <a:rPr lang="it-IT" b="0" i="0" smtClean="0">
+                        <a:rPr lang="en-US" b="0" i="0" noProof="0" smtClean="0">
                           <a:latin typeface="Cambria Math" panose="02040503050406030204" pitchFamily="18" charset="0"/>
                         </a:rPr>
                         <m:t> </m:t>
@@ -9917,7 +9782,7 @@
                     </m:oMath>
                   </m:oMathPara>
                 </a14:m>
-                <a:endParaRPr lang="it-IT" b="0" i="0" dirty="0">
+                <a:endParaRPr lang="en-US" b="0" i="0" noProof="0" dirty="0">
                   <a:latin typeface="Cambria Math" panose="02040503050406030204" pitchFamily="18" charset="0"/>
                 </a:endParaRPr>
               </a:p>
@@ -9935,13 +9800,13 @@
                         <m:rPr>
                           <m:sty m:val="p"/>
                         </m:rPr>
-                        <a:rPr lang="it-IT" b="0" i="0" smtClean="0">
+                        <a:rPr lang="en-US" b="0" i="0" noProof="0" smtClean="0">
                           <a:latin typeface="Cambria Math" panose="02040503050406030204" pitchFamily="18" charset="0"/>
                         </a:rPr>
                         <m:t>if</m:t>
                       </m:r>
                       <m:r>
-                        <a:rPr lang="it-IT" b="0" i="0" smtClean="0">
+                        <a:rPr lang="en-US" b="0" i="0" noProof="0" smtClean="0">
                           <a:latin typeface="Cambria Math" panose="02040503050406030204" pitchFamily="18" charset="0"/>
                         </a:rPr>
                         <m:t> </m:t>
@@ -9950,19 +9815,19 @@
                         <m:rPr>
                           <m:sty m:val="p"/>
                         </m:rPr>
-                        <a:rPr lang="it-IT" b="0" i="0" smtClean="0">
+                        <a:rPr lang="en-US" b="0" i="0" noProof="0" smtClean="0">
                           <a:latin typeface="Cambria Math" panose="02040503050406030204" pitchFamily="18" charset="0"/>
                         </a:rPr>
                         <m:t>k</m:t>
                       </m:r>
                       <m:r>
-                        <a:rPr lang="it-IT" b="0" i="0" smtClean="0">
+                        <a:rPr lang="en-US" b="0" i="0" noProof="0" smtClean="0">
                           <a:latin typeface="Cambria Math" panose="02040503050406030204" pitchFamily="18" charset="0"/>
                         </a:rPr>
                         <m:t> </m:t>
                       </m:r>
                       <m:r>
-                        <a:rPr lang="it-IT" b="0" i="1" smtClean="0">
+                        <a:rPr lang="en-US" b="0" i="1" noProof="0" smtClean="0">
                           <a:latin typeface="Cambria Math" panose="02040503050406030204" pitchFamily="18" charset="0"/>
                           <a:ea typeface="Cambria Math" panose="02040503050406030204" pitchFamily="18" charset="0"/>
                         </a:rPr>
@@ -9971,7 +9836,7 @@
                       <m:sSup>
                         <m:sSupPr>
                           <m:ctrlPr>
-                            <a:rPr lang="it-IT" b="0" i="1" smtClean="0">
+                            <a:rPr lang="en-US" b="0" i="1" noProof="0" smtClean="0">
                               <a:latin typeface="Cambria Math" panose="02040503050406030204" pitchFamily="18" charset="0"/>
                               <a:ea typeface="Cambria Math" panose="02040503050406030204" pitchFamily="18" charset="0"/>
                             </a:rPr>
@@ -9979,7 +9844,7 @@
                         </m:sSupPr>
                         <m:e>
                           <m:r>
-                            <a:rPr lang="it-IT" b="0" i="1" smtClean="0">
+                            <a:rPr lang="en-US" b="0" i="1" noProof="0" smtClean="0">
                               <a:latin typeface="Cambria Math" panose="02040503050406030204" pitchFamily="18" charset="0"/>
                               <a:ea typeface="Cambria Math" panose="02040503050406030204" pitchFamily="18" charset="0"/>
                             </a:rPr>
@@ -9988,7 +9853,7 @@
                         </m:e>
                         <m:sup>
                           <m:r>
-                            <a:rPr lang="it-IT" b="0" i="1" smtClean="0">
+                            <a:rPr lang="en-US" b="0" i="1" noProof="0" smtClean="0">
                               <a:latin typeface="Cambria Math" panose="02040503050406030204" pitchFamily="18" charset="0"/>
                               <a:ea typeface="Cambria Math" panose="02040503050406030204" pitchFamily="18" charset="0"/>
                             </a:rPr>
@@ -9997,7 +9862,7 @@
                         </m:sup>
                       </m:sSup>
                       <m:r>
-                        <a:rPr lang="it-IT" b="0" i="1" smtClean="0">
+                        <a:rPr lang="en-US" b="0" i="1" noProof="0" smtClean="0">
                           <a:latin typeface="Cambria Math" panose="02040503050406030204" pitchFamily="18" charset="0"/>
                           <a:ea typeface="Cambria Math" panose="02040503050406030204" pitchFamily="18" charset="0"/>
                         </a:rPr>
@@ -10006,7 +9871,7 @@
                       <m:sSub>
                         <m:sSubPr>
                           <m:ctrlPr>
-                            <a:rPr lang="it-IT" b="0" i="1" smtClean="0">
+                            <a:rPr lang="en-US" b="0" i="1" noProof="0" smtClean="0">
                               <a:latin typeface="Cambria Math" panose="02040503050406030204" pitchFamily="18" charset="0"/>
                               <a:ea typeface="Cambria Math" panose="02040503050406030204" pitchFamily="18" charset="0"/>
                             </a:rPr>
@@ -10014,14 +9879,14 @@
                         </m:sSubPr>
                         <m:e>
                           <m:r>
-                            <a:rPr lang="it-IT" b="0" i="1" smtClean="0">
+                            <a:rPr lang="en-US" b="0" i="1" noProof="0" smtClean="0">
                               <a:latin typeface="Cambria Math" panose="02040503050406030204" pitchFamily="18" charset="0"/>
                               <a:ea typeface="Cambria Math" panose="02040503050406030204" pitchFamily="18" charset="0"/>
                             </a:rPr>
                             <m:t> </m:t>
                           </m:r>
                           <m:r>
-                            <a:rPr lang="it-IT" b="0" i="1" smtClean="0">
+                            <a:rPr lang="en-US" b="0" i="1" noProof="0" smtClean="0">
                               <a:latin typeface="Cambria Math" panose="02040503050406030204" pitchFamily="18" charset="0"/>
                               <a:ea typeface="Cambria Math" panose="02040503050406030204" pitchFamily="18" charset="0"/>
                             </a:rPr>
@@ -10030,7 +9895,7 @@
                         </m:e>
                         <m:sub>
                           <m:r>
-                            <a:rPr lang="it-IT" b="0" i="1" smtClean="0">
+                            <a:rPr lang="en-US" b="0" i="1" noProof="0" smtClean="0">
                               <a:latin typeface="Cambria Math" panose="02040503050406030204" pitchFamily="18" charset="0"/>
                               <a:ea typeface="Cambria Math" panose="02040503050406030204" pitchFamily="18" charset="0"/>
                             </a:rPr>
@@ -10039,7 +9904,7 @@
                         </m:sub>
                       </m:sSub>
                       <m:r>
-                        <a:rPr lang="it-IT" b="0" i="1" smtClean="0">
+                        <a:rPr lang="en-US" b="0" i="1" noProof="0" smtClean="0">
                           <a:latin typeface="Cambria Math" panose="02040503050406030204" pitchFamily="18" charset="0"/>
                           <a:ea typeface="Cambria Math" panose="02040503050406030204" pitchFamily="18" charset="0"/>
                         </a:rPr>
@@ -10048,7 +9913,7 @@
                       <m:sSub>
                         <m:sSubPr>
                           <m:ctrlPr>
-                            <a:rPr lang="it-IT" b="0" i="1" smtClean="0">
+                            <a:rPr lang="en-US" b="0" i="1" noProof="0" smtClean="0">
                               <a:latin typeface="Cambria Math" panose="02040503050406030204" pitchFamily="18" charset="0"/>
                               <a:ea typeface="Cambria Math" panose="02040503050406030204" pitchFamily="18" charset="0"/>
                             </a:rPr>
@@ -10058,7 +9923,7 @@
                           <m:sSup>
                             <m:sSupPr>
                               <m:ctrlPr>
-                                <a:rPr lang="it-IT" b="0" i="1" smtClean="0">
+                                <a:rPr lang="en-US" b="0" i="1" noProof="0" smtClean="0">
                                   <a:latin typeface="Cambria Math" panose="02040503050406030204" pitchFamily="18" charset="0"/>
                                   <a:ea typeface="Cambria Math" panose="02040503050406030204" pitchFamily="18" charset="0"/>
                                 </a:rPr>
@@ -10066,7 +9931,7 @@
                             </m:sSupPr>
                             <m:e>
                               <m:r>
-                                <a:rPr lang="it-IT" b="0" i="1" smtClean="0">
+                                <a:rPr lang="en-US" b="0" i="1" noProof="0" smtClean="0">
                                   <a:latin typeface="Cambria Math" panose="02040503050406030204" pitchFamily="18" charset="0"/>
                                   <a:ea typeface="Cambria Math" panose="02040503050406030204" pitchFamily="18" charset="0"/>
                                 </a:rPr>
@@ -10075,7 +9940,7 @@
                             </m:e>
                             <m:sup>
                               <m:r>
-                                <a:rPr lang="it-IT" b="0" i="1" smtClean="0">
+                                <a:rPr lang="en-US" b="0" i="1" noProof="0" smtClean="0">
                                   <a:latin typeface="Cambria Math" panose="02040503050406030204" pitchFamily="18" charset="0"/>
                                   <a:ea typeface="Cambria Math" panose="02040503050406030204" pitchFamily="18" charset="0"/>
                                 </a:rPr>
@@ -10086,7 +9951,7 @@
                         </m:e>
                         <m:sub>
                           <m:r>
-                            <a:rPr lang="it-IT" b="0" i="1" smtClean="0">
+                            <a:rPr lang="en-US" b="0" i="1" noProof="0" smtClean="0">
                               <a:latin typeface="Cambria Math" panose="02040503050406030204" pitchFamily="18" charset="0"/>
                               <a:ea typeface="Cambria Math" panose="02040503050406030204" pitchFamily="18" charset="0"/>
                             </a:rPr>
@@ -10095,7 +9960,7 @@
                         </m:sub>
                       </m:sSub>
                       <m:r>
-                        <a:rPr lang="it-IT" b="0" i="1" smtClean="0">
+                        <a:rPr lang="en-US" b="0" i="1" noProof="0" smtClean="0">
                           <a:latin typeface="Cambria Math" panose="02040503050406030204" pitchFamily="18" charset="0"/>
                           <a:ea typeface="Cambria Math" panose="02040503050406030204" pitchFamily="18" charset="0"/>
                         </a:rPr>
@@ -10104,7 +9969,7 @@
                       <m:sSub>
                         <m:sSubPr>
                           <m:ctrlPr>
-                            <a:rPr lang="it-IT" b="0" i="1" smtClean="0">
+                            <a:rPr lang="en-US" b="0" i="1" noProof="0" smtClean="0">
                               <a:latin typeface="Cambria Math" panose="02040503050406030204" pitchFamily="18" charset="0"/>
                               <a:ea typeface="Cambria Math" panose="02040503050406030204" pitchFamily="18" charset="0"/>
                             </a:rPr>
@@ -10112,14 +9977,14 @@
                         </m:sSubPr>
                         <m:e>
                           <m:r>
-                            <a:rPr lang="it-IT" b="0" i="1" smtClean="0">
+                            <a:rPr lang="en-US" b="0" i="1" noProof="0" smtClean="0">
                               <a:latin typeface="Cambria Math" panose="02040503050406030204" pitchFamily="18" charset="0"/>
                               <a:ea typeface="Cambria Math" panose="02040503050406030204" pitchFamily="18" charset="0"/>
                             </a:rPr>
                             <m:t> </m:t>
                           </m:r>
                           <m:r>
-                            <a:rPr lang="it-IT" b="0" i="1" smtClean="0">
+                            <a:rPr lang="en-US" b="0" i="1" noProof="0" smtClean="0">
                               <a:latin typeface="Cambria Math" panose="02040503050406030204" pitchFamily="18" charset="0"/>
                               <a:ea typeface="Cambria Math" panose="02040503050406030204" pitchFamily="18" charset="0"/>
                             </a:rPr>
@@ -10128,7 +9993,7 @@
                         </m:e>
                         <m:sub>
                           <m:r>
-                            <a:rPr lang="it-IT" b="0" i="1" smtClean="0">
+                            <a:rPr lang="en-US" b="0" i="1" noProof="0" smtClean="0">
                               <a:latin typeface="Cambria Math" panose="02040503050406030204" pitchFamily="18" charset="0"/>
                               <a:ea typeface="Cambria Math" panose="02040503050406030204" pitchFamily="18" charset="0"/>
                             </a:rPr>
@@ -10137,7 +10002,7 @@
                         </m:sub>
                       </m:sSub>
                       <m:r>
-                        <a:rPr lang="it-IT" b="0" i="1" smtClean="0">
+                        <a:rPr lang="en-US" b="0" i="1" noProof="0" smtClean="0">
                           <a:latin typeface="Cambria Math" panose="02040503050406030204" pitchFamily="18" charset="0"/>
                           <a:ea typeface="Cambria Math" panose="02040503050406030204" pitchFamily="18" charset="0"/>
                         </a:rPr>
@@ -10146,7 +10011,7 @@
                       <m:sSub>
                         <m:sSubPr>
                           <m:ctrlPr>
-                            <a:rPr lang="it-IT" b="0" i="1" smtClean="0">
+                            <a:rPr lang="en-US" b="0" i="1" noProof="0" smtClean="0">
                               <a:latin typeface="Cambria Math" panose="02040503050406030204" pitchFamily="18" charset="0"/>
                               <a:ea typeface="Cambria Math" panose="02040503050406030204" pitchFamily="18" charset="0"/>
                             </a:rPr>
@@ -10156,7 +10021,7 @@
                           <m:sSup>
                             <m:sSupPr>
                               <m:ctrlPr>
-                                <a:rPr lang="it-IT" b="0" i="1" smtClean="0">
+                                <a:rPr lang="en-US" b="0" i="1" noProof="0" smtClean="0">
                                   <a:latin typeface="Cambria Math" panose="02040503050406030204" pitchFamily="18" charset="0"/>
                                   <a:ea typeface="Cambria Math" panose="02040503050406030204" pitchFamily="18" charset="0"/>
                                 </a:rPr>
@@ -10164,7 +10029,7 @@
                             </m:sSupPr>
                             <m:e>
                               <m:r>
-                                <a:rPr lang="it-IT" b="0" i="1" smtClean="0">
+                                <a:rPr lang="en-US" b="0" i="1" noProof="0" smtClean="0">
                                   <a:latin typeface="Cambria Math" panose="02040503050406030204" pitchFamily="18" charset="0"/>
                                   <a:ea typeface="Cambria Math" panose="02040503050406030204" pitchFamily="18" charset="0"/>
                                 </a:rPr>
@@ -10173,7 +10038,7 @@
                             </m:e>
                             <m:sup>
                               <m:r>
-                                <a:rPr lang="it-IT" b="0" i="1" smtClean="0">
+                                <a:rPr lang="en-US" b="0" i="1" noProof="0" smtClean="0">
                                   <a:latin typeface="Cambria Math" panose="02040503050406030204" pitchFamily="18" charset="0"/>
                                   <a:ea typeface="Cambria Math" panose="02040503050406030204" pitchFamily="18" charset="0"/>
                                 </a:rPr>
@@ -10184,7 +10049,7 @@
                         </m:e>
                         <m:sub>
                           <m:r>
-                            <a:rPr lang="it-IT" b="0" i="1" smtClean="0">
+                            <a:rPr lang="en-US" b="0" i="1" noProof="0" smtClean="0">
                               <a:latin typeface="Cambria Math" panose="02040503050406030204" pitchFamily="18" charset="0"/>
                               <a:ea typeface="Cambria Math" panose="02040503050406030204" pitchFamily="18" charset="0"/>
                             </a:rPr>
@@ -10193,21 +10058,21 @@
                         </m:sub>
                       </m:sSub>
                       <m:r>
-                        <a:rPr lang="it-IT" b="0" i="1" smtClean="0">
+                        <a:rPr lang="en-US" b="0" i="1" noProof="0" smtClean="0">
                           <a:latin typeface="Cambria Math" panose="02040503050406030204" pitchFamily="18" charset="0"/>
                           <a:ea typeface="Cambria Math" panose="02040503050406030204" pitchFamily="18" charset="0"/>
                         </a:rPr>
                         <m:t> ∀ </m:t>
                       </m:r>
                       <m:r>
-                        <a:rPr lang="it-IT" b="0" i="1" smtClean="0">
+                        <a:rPr lang="en-US" b="0" i="1" noProof="0" smtClean="0">
                           <a:latin typeface="Cambria Math" panose="02040503050406030204" pitchFamily="18" charset="0"/>
                           <a:ea typeface="Cambria Math" panose="02040503050406030204" pitchFamily="18" charset="0"/>
                         </a:rPr>
                         <m:t>𝑧</m:t>
                       </m:r>
                       <m:r>
-                        <a:rPr lang="it-IT" b="0" i="1" smtClean="0">
+                        <a:rPr lang="en-US" b="0" i="1" noProof="0" smtClean="0">
                           <a:latin typeface="Cambria Math" panose="02040503050406030204" pitchFamily="18" charset="0"/>
                           <a:ea typeface="Cambria Math" panose="02040503050406030204" pitchFamily="18" charset="0"/>
                         </a:rPr>
@@ -10218,7 +10083,7 @@
                           <m:begChr m:val="{"/>
                           <m:endChr m:val="}"/>
                           <m:ctrlPr>
-                            <a:rPr lang="it-IT" b="0" i="1" smtClean="0">
+                            <a:rPr lang="en-US" b="0" i="1" noProof="0" smtClean="0">
                               <a:latin typeface="Cambria Math" panose="02040503050406030204" pitchFamily="18" charset="0"/>
                               <a:ea typeface="Cambria Math" panose="02040503050406030204" pitchFamily="18" charset="0"/>
                             </a:rPr>
@@ -10226,14 +10091,14 @@
                         </m:dPr>
                         <m:e>
                           <m:r>
-                            <a:rPr lang="it-IT" b="0" i="1" smtClean="0">
+                            <a:rPr lang="en-US" b="0" i="1" noProof="0" smtClean="0">
                               <a:latin typeface="Cambria Math" panose="02040503050406030204" pitchFamily="18" charset="0"/>
                               <a:ea typeface="Cambria Math" panose="02040503050406030204" pitchFamily="18" charset="0"/>
                             </a:rPr>
                             <m:t>1,…,</m:t>
                           </m:r>
                           <m:r>
-                            <a:rPr lang="it-IT" b="0" i="1" smtClean="0">
+                            <a:rPr lang="en-US" b="0" i="1" noProof="0" smtClean="0">
                               <a:latin typeface="Cambria Math" panose="02040503050406030204" pitchFamily="18" charset="0"/>
                               <a:ea typeface="Cambria Math" panose="02040503050406030204" pitchFamily="18" charset="0"/>
                             </a:rPr>
@@ -10242,7 +10107,7 @@
                         </m:e>
                       </m:d>
                       <m:r>
-                        <a:rPr lang="it-IT" b="0" i="1" smtClean="0">
+                        <a:rPr lang="en-US" b="0" i="1" noProof="0" smtClean="0">
                           <a:latin typeface="Cambria Math" panose="02040503050406030204" pitchFamily="18" charset="0"/>
                           <a:ea typeface="Cambria Math" panose="02040503050406030204" pitchFamily="18" charset="0"/>
                         </a:rPr>
@@ -10251,27 +10116,19 @@
                     </m:oMath>
                   </m:oMathPara>
                 </a14:m>
-                <a:endParaRPr lang="it-IT" dirty="0"/>
+                <a:endParaRPr lang="en-US" noProof="0" dirty="0"/>
               </a:p>
               <a:p>
                 <a:r>
-                  <a:rPr lang="it-IT" dirty="0"/>
-                  <a:t>Dual </a:t>
-                </a:r>
-                <a:r>
-                  <a:rPr lang="it-IT" dirty="0" err="1"/>
-                  <a:t>bound</a:t>
-                </a:r>
-                <a:r>
-                  <a:rPr lang="it-IT" dirty="0"/>
-                  <a:t>:</a:t>
+                  <a:rPr lang="en-US" noProof="0" dirty="0"/>
+                  <a:t>Dual bound:</a:t>
                 </a:r>
               </a:p>
               <a:p>
                 <a:pPr marL="0" indent="0">
                   <a:buNone/>
                 </a:pPr>
-                <a:endParaRPr lang="it-IT" dirty="0"/>
+                <a:endParaRPr lang="en-US" noProof="0" dirty="0"/>
               </a:p>
               <a:p>
                 <a:pPr marL="0" indent="0">
@@ -10284,7 +10141,7 @@
                     </m:oMathParaPr>
                     <m:oMath xmlns:m="http://schemas.openxmlformats.org/officeDocument/2006/math">
                       <m:r>
-                        <a:rPr lang="it-IT" i="1">
+                        <a:rPr lang="en-US" i="1" noProof="0" smtClean="0">
                           <a:latin typeface="Cambria Math" panose="02040503050406030204" pitchFamily="18" charset="0"/>
                         </a:rPr>
                         <m:t>𝑉</m:t>
@@ -10292,20 +10149,20 @@
                       <m:d>
                         <m:dPr>
                           <m:ctrlPr>
-                            <a:rPr lang="it-IT" i="1">
+                            <a:rPr lang="en-US" i="1" noProof="0" smtClean="0">
                               <a:latin typeface="Cambria Math" panose="02040503050406030204" pitchFamily="18" charset="0"/>
                             </a:rPr>
                           </m:ctrlPr>
                         </m:dPr>
                         <m:e>
                           <m:r>
-                            <a:rPr lang="it-IT" i="1">
+                            <a:rPr lang="en-US" i="1" noProof="0" smtClean="0">
                               <a:latin typeface="Cambria Math" panose="02040503050406030204" pitchFamily="18" charset="0"/>
                             </a:rPr>
                             <m:t>𝑈</m:t>
                           </m:r>
                           <m:r>
-                            <a:rPr lang="it-IT" i="1">
+                            <a:rPr lang="en-US" i="1" noProof="0" smtClean="0">
                               <a:latin typeface="Cambria Math" panose="02040503050406030204" pitchFamily="18" charset="0"/>
                             </a:rPr>
                             <m:t>,</m:t>
@@ -10315,7 +10172,7 @@
                               <m:begChr m:val="{"/>
                               <m:endChr m:val="}"/>
                               <m:ctrlPr>
-                                <a:rPr lang="it-IT" i="1">
+                                <a:rPr lang="en-US" i="1" noProof="0" smtClean="0">
                                   <a:latin typeface="Cambria Math" panose="02040503050406030204" pitchFamily="18" charset="0"/>
                                 </a:rPr>
                               </m:ctrlPr>
@@ -10324,14 +10181,14 @@
                               <m:sSub>
                                 <m:sSubPr>
                                   <m:ctrlPr>
-                                    <a:rPr lang="it-IT" i="1">
+                                    <a:rPr lang="en-US" i="1" noProof="0" smtClean="0">
                                       <a:latin typeface="Cambria Math" panose="02040503050406030204" pitchFamily="18" charset="0"/>
                                     </a:rPr>
                                   </m:ctrlPr>
                                 </m:sSubPr>
                                 <m:e>
                                   <m:r>
-                                    <a:rPr lang="it-IT" i="1">
+                                    <a:rPr lang="en-US" i="1" noProof="0" smtClean="0">
                                       <a:latin typeface="Cambria Math" panose="02040503050406030204" pitchFamily="18" charset="0"/>
                                     </a:rPr>
                                     <m:t>𝑖</m:t>
@@ -10339,7 +10196,7 @@
                                 </m:e>
                                 <m:sub>
                                   <m:r>
-                                    <a:rPr lang="it-IT" i="1">
+                                    <a:rPr lang="en-US" i="1" noProof="0" smtClean="0">
                                       <a:latin typeface="Cambria Math" panose="02040503050406030204" pitchFamily="18" charset="0"/>
                                     </a:rPr>
                                     <m:t>1</m:t>
@@ -10347,7 +10204,7 @@
                                 </m:sub>
                               </m:sSub>
                               <m:r>
-                                <a:rPr lang="it-IT" i="1">
+                                <a:rPr lang="en-US" i="1" noProof="0" smtClean="0">
                                   <a:latin typeface="Cambria Math" panose="02040503050406030204" pitchFamily="18" charset="0"/>
                                 </a:rPr>
                                 <m:t>,…,</m:t>
@@ -10355,14 +10212,14 @@
                               <m:sSub>
                                 <m:sSubPr>
                                   <m:ctrlPr>
-                                    <a:rPr lang="it-IT" i="1">
+                                    <a:rPr lang="en-US" i="1" noProof="0" smtClean="0">
                                       <a:latin typeface="Cambria Math" panose="02040503050406030204" pitchFamily="18" charset="0"/>
                                     </a:rPr>
                                   </m:ctrlPr>
                                 </m:sSubPr>
                                 <m:e>
                                   <m:r>
-                                    <a:rPr lang="it-IT" i="1">
+                                    <a:rPr lang="en-US" i="1" noProof="0" smtClean="0">
                                       <a:latin typeface="Cambria Math" panose="02040503050406030204" pitchFamily="18" charset="0"/>
                                     </a:rPr>
                                     <m:t>𝑖</m:t>
@@ -10370,7 +10227,7 @@
                                 </m:e>
                                 <m:sub>
                                   <m:r>
-                                    <a:rPr lang="it-IT" i="1">
+                                    <a:rPr lang="en-US" i="1" noProof="0" smtClean="0">
                                       <a:latin typeface="Cambria Math" panose="02040503050406030204" pitchFamily="18" charset="0"/>
                                     </a:rPr>
                                     <m:t>𝑚</m:t>
@@ -10380,7 +10237,7 @@
                             </m:e>
                           </m:d>
                           <m:r>
-                            <a:rPr lang="it-IT" i="1">
+                            <a:rPr lang="en-US" i="1" noProof="0" smtClean="0">
                               <a:latin typeface="Cambria Math" panose="02040503050406030204" pitchFamily="18" charset="0"/>
                             </a:rPr>
                             <m:t>,</m:t>
@@ -10390,7 +10247,7 @@
                               <m:begChr m:val="{"/>
                               <m:endChr m:val="}"/>
                               <m:ctrlPr>
-                                <a:rPr lang="it-IT" i="1">
+                                <a:rPr lang="en-US" i="1" noProof="0" smtClean="0">
                                   <a:latin typeface="Cambria Math" panose="02040503050406030204" pitchFamily="18" charset="0"/>
                                 </a:rPr>
                               </m:ctrlPr>
@@ -10399,14 +10256,14 @@
                               <m:sSub>
                                 <m:sSubPr>
                                   <m:ctrlPr>
-                                    <a:rPr lang="it-IT" i="1">
+                                    <a:rPr lang="en-US" i="1" noProof="0" smtClean="0">
                                       <a:latin typeface="Cambria Math" panose="02040503050406030204" pitchFamily="18" charset="0"/>
                                     </a:rPr>
                                   </m:ctrlPr>
                                 </m:sSubPr>
                                 <m:e>
                                   <m:r>
-                                    <a:rPr lang="it-IT" i="1">
+                                    <a:rPr lang="en-US" i="1" noProof="0" smtClean="0">
                                       <a:latin typeface="Cambria Math" panose="02040503050406030204" pitchFamily="18" charset="0"/>
                                     </a:rPr>
                                     <m:t>𝑙</m:t>
@@ -10414,7 +10271,7 @@
                                 </m:e>
                                 <m:sub>
                                   <m:r>
-                                    <a:rPr lang="it-IT" i="1">
+                                    <a:rPr lang="en-US" i="1" noProof="0" smtClean="0">
                                       <a:latin typeface="Cambria Math" panose="02040503050406030204" pitchFamily="18" charset="0"/>
                                     </a:rPr>
                                     <m:t>1</m:t>
@@ -10422,7 +10279,7 @@
                                 </m:sub>
                               </m:sSub>
                               <m:r>
-                                <a:rPr lang="it-IT" i="1">
+                                <a:rPr lang="en-US" i="1" noProof="0" smtClean="0">
                                   <a:latin typeface="Cambria Math" panose="02040503050406030204" pitchFamily="18" charset="0"/>
                                 </a:rPr>
                                 <m:t>,…,</m:t>
@@ -10430,14 +10287,14 @@
                               <m:sSub>
                                 <m:sSubPr>
                                   <m:ctrlPr>
-                                    <a:rPr lang="it-IT" i="1">
+                                    <a:rPr lang="en-US" i="1" noProof="0" smtClean="0">
                                       <a:latin typeface="Cambria Math" panose="02040503050406030204" pitchFamily="18" charset="0"/>
                                     </a:rPr>
                                   </m:ctrlPr>
                                 </m:sSubPr>
                                 <m:e>
                                   <m:r>
-                                    <a:rPr lang="it-IT" i="1">
+                                    <a:rPr lang="en-US" i="1" noProof="0" smtClean="0">
                                       <a:latin typeface="Cambria Math" panose="02040503050406030204" pitchFamily="18" charset="0"/>
                                     </a:rPr>
                                     <m:t>𝑙</m:t>
@@ -10445,7 +10302,7 @@
                                 </m:e>
                                 <m:sub>
                                   <m:r>
-                                    <a:rPr lang="it-IT" i="1">
+                                    <a:rPr lang="en-US" i="1" noProof="0" smtClean="0">
                                       <a:latin typeface="Cambria Math" panose="02040503050406030204" pitchFamily="18" charset="0"/>
                                     </a:rPr>
                                     <m:t>𝑚</m:t>
@@ -10455,7 +10312,7 @@
                             </m:e>
                           </m:d>
                           <m:r>
-                            <a:rPr lang="it-IT" i="1">
+                            <a:rPr lang="en-US" i="1" noProof="0" smtClean="0">
                               <a:latin typeface="Cambria Math" panose="02040503050406030204" pitchFamily="18" charset="0"/>
                             </a:rPr>
                             <m:t>,</m:t>
@@ -10465,7 +10322,7 @@
                               <m:begChr m:val="{"/>
                               <m:endChr m:val="}"/>
                               <m:ctrlPr>
-                                <a:rPr lang="it-IT" i="1">
+                                <a:rPr lang="en-US" i="1" noProof="0" smtClean="0">
                                   <a:latin typeface="Cambria Math" panose="02040503050406030204" pitchFamily="18" charset="0"/>
                                 </a:rPr>
                               </m:ctrlPr>
@@ -10474,14 +10331,14 @@
                               <m:sSub>
                                 <m:sSubPr>
                                   <m:ctrlPr>
-                                    <a:rPr lang="it-IT" i="1">
+                                    <a:rPr lang="en-US" i="1" noProof="0" smtClean="0">
                                       <a:latin typeface="Cambria Math" panose="02040503050406030204" pitchFamily="18" charset="0"/>
                                     </a:rPr>
                                   </m:ctrlPr>
                                 </m:sSubPr>
                                 <m:e>
                                   <m:r>
-                                    <a:rPr lang="it-IT" i="1">
+                                    <a:rPr lang="en-US" i="1" noProof="0" smtClean="0">
                                       <a:latin typeface="Cambria Math" panose="02040503050406030204" pitchFamily="18" charset="0"/>
                                     </a:rPr>
                                     <m:t>𝑝</m:t>
@@ -10489,7 +10346,7 @@
                                 </m:e>
                                 <m:sub>
                                   <m:r>
-                                    <a:rPr lang="it-IT" i="1">
+                                    <a:rPr lang="en-US" i="1" noProof="0" smtClean="0">
                                       <a:latin typeface="Cambria Math" panose="02040503050406030204" pitchFamily="18" charset="0"/>
                                     </a:rPr>
                                     <m:t>1</m:t>
@@ -10497,7 +10354,7 @@
                                 </m:sub>
                               </m:sSub>
                               <m:r>
-                                <a:rPr lang="it-IT" i="1">
+                                <a:rPr lang="en-US" i="1" noProof="0" smtClean="0">
                                   <a:latin typeface="Cambria Math" panose="02040503050406030204" pitchFamily="18" charset="0"/>
                                 </a:rPr>
                                 <m:t>,…,</m:t>
@@ -10505,14 +10362,14 @@
                               <m:sSub>
                                 <m:sSubPr>
                                   <m:ctrlPr>
-                                    <a:rPr lang="it-IT" i="1">
+                                    <a:rPr lang="en-US" i="1" noProof="0" smtClean="0">
                                       <a:latin typeface="Cambria Math" panose="02040503050406030204" pitchFamily="18" charset="0"/>
                                     </a:rPr>
                                   </m:ctrlPr>
                                 </m:sSubPr>
                                 <m:e>
                                   <m:r>
-                                    <a:rPr lang="it-IT" i="1">
+                                    <a:rPr lang="en-US" i="1" noProof="0" smtClean="0">
                                       <a:latin typeface="Cambria Math" panose="02040503050406030204" pitchFamily="18" charset="0"/>
                                     </a:rPr>
                                     <m:t>𝑝</m:t>
@@ -10520,7 +10377,7 @@
                                 </m:e>
                                 <m:sub>
                                   <m:r>
-                                    <a:rPr lang="it-IT" i="1">
+                                    <a:rPr lang="en-US" i="1" noProof="0" smtClean="0">
                                       <a:latin typeface="Cambria Math" panose="02040503050406030204" pitchFamily="18" charset="0"/>
                                     </a:rPr>
                                     <m:t>𝑚</m:t>
@@ -10530,13 +10387,13 @@
                             </m:e>
                           </m:d>
                           <m:r>
-                            <a:rPr lang="it-IT" i="1">
+                            <a:rPr lang="en-US" i="1" noProof="0" smtClean="0">
                               <a:latin typeface="Cambria Math" panose="02040503050406030204" pitchFamily="18" charset="0"/>
                             </a:rPr>
                             <m:t>,</m:t>
                           </m:r>
                           <m:r>
-                            <a:rPr lang="it-IT" i="1">
+                            <a:rPr lang="en-US" i="1" noProof="0" smtClean="0">
                               <a:latin typeface="Cambria Math" panose="02040503050406030204" pitchFamily="18" charset="0"/>
                             </a:rPr>
                             <m:t>𝑘</m:t>
@@ -10544,7 +10401,7 @@
                         </m:e>
                       </m:d>
                       <m:r>
-                        <a:rPr lang="it-IT" i="1" smtClean="0">
+                        <a:rPr lang="en-US" i="1" noProof="0" smtClean="0">
                           <a:latin typeface="Cambria Math" panose="02040503050406030204" pitchFamily="18" charset="0"/>
                           <a:ea typeface="Cambria Math" panose="02040503050406030204" pitchFamily="18" charset="0"/>
                         </a:rPr>
@@ -10553,7 +10410,7 @@
                       <m:func>
                         <m:funcPr>
                           <m:ctrlPr>
-                            <a:rPr lang="it-IT" i="1" smtClean="0">
+                            <a:rPr lang="en-US" i="1" noProof="0" smtClean="0">
                               <a:latin typeface="Cambria Math" panose="02040503050406030204" pitchFamily="18" charset="0"/>
                               <a:ea typeface="Cambria Math" panose="02040503050406030204" pitchFamily="18" charset="0"/>
                             </a:rPr>
@@ -10563,7 +10420,7 @@
                           <m:limLow>
                             <m:limLowPr>
                               <m:ctrlPr>
-                                <a:rPr lang="it-IT" i="1" smtClean="0">
+                                <a:rPr lang="en-US" i="1" noProof="0" smtClean="0">
                                   <a:latin typeface="Cambria Math" panose="02040503050406030204" pitchFamily="18" charset="0"/>
                                   <a:ea typeface="Cambria Math" panose="02040503050406030204" pitchFamily="18" charset="0"/>
                                 </a:rPr>
@@ -10574,7 +10431,7 @@
                                 <m:rPr>
                                   <m:sty m:val="p"/>
                                 </m:rPr>
-                                <a:rPr lang="it-IT" i="0" smtClean="0">
+                                <a:rPr lang="en-US" i="0" noProof="0" smtClean="0">
                                   <a:latin typeface="Cambria Math" panose="02040503050406030204" pitchFamily="18" charset="0"/>
                                   <a:ea typeface="Cambria Math" panose="02040503050406030204" pitchFamily="18" charset="0"/>
                                 </a:rPr>
@@ -10583,21 +10440,21 @@
                             </m:e>
                             <m:lim>
                               <m:r>
-                                <a:rPr lang="it-IT" b="0" i="1" smtClean="0">
+                                <a:rPr lang="en-US" b="0" i="1" noProof="0" smtClean="0">
                                   <a:latin typeface="Cambria Math" panose="02040503050406030204" pitchFamily="18" charset="0"/>
                                   <a:ea typeface="Cambria Math" panose="02040503050406030204" pitchFamily="18" charset="0"/>
                                 </a:rPr>
                                 <m:t>𝑗</m:t>
                               </m:r>
                               <m:r>
-                                <a:rPr lang="it-IT" b="0" i="1" smtClean="0">
+                                <a:rPr lang="en-US" b="0" i="1" noProof="0" smtClean="0">
                                   <a:latin typeface="Cambria Math" panose="02040503050406030204" pitchFamily="18" charset="0"/>
                                   <a:ea typeface="Cambria Math" panose="02040503050406030204" pitchFamily="18" charset="0"/>
                                 </a:rPr>
                                 <m:t> ∈</m:t>
                               </m:r>
                               <m:r>
-                                <a:rPr lang="it-IT" b="0" i="1" smtClean="0">
+                                <a:rPr lang="en-US" b="0" i="1" noProof="0" smtClean="0">
                                   <a:latin typeface="Cambria Math" panose="02040503050406030204" pitchFamily="18" charset="0"/>
                                   <a:ea typeface="Cambria Math" panose="02040503050406030204" pitchFamily="18" charset="0"/>
                                 </a:rPr>
@@ -10610,7 +10467,7 @@
                           <m:d>
                             <m:dPr>
                               <m:ctrlPr>
-                                <a:rPr lang="it-IT" i="1" smtClean="0">
+                                <a:rPr lang="en-US" i="1" noProof="0" smtClean="0">
                                   <a:latin typeface="Cambria Math" panose="02040503050406030204" pitchFamily="18" charset="0"/>
                                   <a:ea typeface="Cambria Math" panose="02040503050406030204" pitchFamily="18" charset="0"/>
                                 </a:rPr>
@@ -10620,7 +10477,7 @@
                               <m:sSub>
                                 <m:sSubPr>
                                   <m:ctrlPr>
-                                    <a:rPr lang="it-IT" i="1" smtClean="0">
+                                    <a:rPr lang="en-US" i="1" noProof="0" smtClean="0">
                                       <a:latin typeface="Cambria Math" panose="02040503050406030204" pitchFamily="18" charset="0"/>
                                       <a:ea typeface="Cambria Math" panose="02040503050406030204" pitchFamily="18" charset="0"/>
                                     </a:rPr>
@@ -10628,7 +10485,7 @@
                                 </m:sSubPr>
                                 <m:e>
                                   <m:r>
-                                    <a:rPr lang="it-IT" b="0" i="1" smtClean="0">
+                                    <a:rPr lang="en-US" b="0" i="1" noProof="0" smtClean="0">
                                       <a:latin typeface="Cambria Math" panose="02040503050406030204" pitchFamily="18" charset="0"/>
                                       <a:ea typeface="Cambria Math" panose="02040503050406030204" pitchFamily="18" charset="0"/>
                                     </a:rPr>
@@ -10637,14 +10494,14 @@
                                 </m:e>
                                 <m:sub>
                                   <m:r>
-                                    <a:rPr lang="it-IT" b="0" i="1" smtClean="0">
+                                    <a:rPr lang="en-US" b="0" i="1" noProof="0" smtClean="0">
                                       <a:latin typeface="Cambria Math" panose="02040503050406030204" pitchFamily="18" charset="0"/>
                                       <a:ea typeface="Cambria Math" panose="02040503050406030204" pitchFamily="18" charset="0"/>
                                     </a:rPr>
                                     <m:t>0</m:t>
                                   </m:r>
                                   <m:r>
-                                    <a:rPr lang="it-IT" b="0" i="1" smtClean="0">
+                                    <a:rPr lang="en-US" b="0" i="1" noProof="0" smtClean="0">
                                       <a:latin typeface="Cambria Math" panose="02040503050406030204" pitchFamily="18" charset="0"/>
                                       <a:ea typeface="Cambria Math" panose="02040503050406030204" pitchFamily="18" charset="0"/>
                                     </a:rPr>
@@ -10653,7 +10510,7 @@
                                 </m:sub>
                               </m:sSub>
                               <m:r>
-                                <a:rPr lang="it-IT" b="0" i="1" smtClean="0">
+                                <a:rPr lang="en-US" b="0" i="1" noProof="0" smtClean="0">
                                   <a:latin typeface="Cambria Math" panose="02040503050406030204" pitchFamily="18" charset="0"/>
                                   <a:ea typeface="Cambria Math" panose="02040503050406030204" pitchFamily="18" charset="0"/>
                                 </a:rPr>
@@ -10662,7 +10519,7 @@
                               <m:sSub>
                                 <m:sSubPr>
                                   <m:ctrlPr>
-                                    <a:rPr lang="it-IT" b="0" i="1" smtClean="0">
+                                    <a:rPr lang="en-US" b="0" i="1" noProof="0" smtClean="0">
                                       <a:latin typeface="Cambria Math" panose="02040503050406030204" pitchFamily="18" charset="0"/>
                                       <a:ea typeface="Cambria Math" panose="02040503050406030204" pitchFamily="18" charset="0"/>
                                     </a:rPr>
@@ -10670,7 +10527,7 @@
                                 </m:sSubPr>
                                 <m:e>
                                   <m:r>
-                                    <a:rPr lang="it-IT" b="0" i="1" smtClean="0">
+                                    <a:rPr lang="en-US" b="0" i="1" noProof="0" smtClean="0">
                                       <a:latin typeface="Cambria Math" panose="02040503050406030204" pitchFamily="18" charset="0"/>
                                       <a:ea typeface="Cambria Math" panose="02040503050406030204" pitchFamily="18" charset="0"/>
                                     </a:rPr>
@@ -10679,14 +10536,14 @@
                                 </m:e>
                                 <m:sub>
                                   <m:r>
-                                    <a:rPr lang="it-IT" b="0" i="1" smtClean="0">
+                                    <a:rPr lang="en-US" b="0" i="1" noProof="0" smtClean="0">
                                       <a:latin typeface="Cambria Math" panose="02040503050406030204" pitchFamily="18" charset="0"/>
                                       <a:ea typeface="Cambria Math" panose="02040503050406030204" pitchFamily="18" charset="0"/>
                                     </a:rPr>
                                     <m:t>𝑗</m:t>
                                   </m:r>
                                   <m:r>
-                                    <a:rPr lang="it-IT" b="0" i="1" smtClean="0">
+                                    <a:rPr lang="en-US" b="0" i="1" noProof="0" smtClean="0">
                                       <a:latin typeface="Cambria Math" panose="02040503050406030204" pitchFamily="18" charset="0"/>
                                       <a:ea typeface="Cambria Math" panose="02040503050406030204" pitchFamily="18" charset="0"/>
                                     </a:rPr>
@@ -10701,18 +10558,18 @@
                     </m:oMath>
                   </m:oMathPara>
                 </a14:m>
-                <a:endParaRPr lang="it-IT" dirty="0"/>
+                <a:endParaRPr lang="en-US" noProof="0" dirty="0"/>
               </a:p>
               <a:p>
                 <a:pPr marL="0" indent="0">
                   <a:buNone/>
                 </a:pPr>
-                <a:endParaRPr lang="it-IT" dirty="0"/>
+                <a:endParaRPr lang="en-US" noProof="0" dirty="0"/>
               </a:p>
             </p:txBody>
           </p:sp>
         </mc:Choice>
-        <mc:Fallback xmlns="">
+        <mc:Fallback>
           <p:sp>
             <p:nvSpPr>
               <p:cNvPr id="3" name="Segnaposto contenuto 2">
@@ -10807,8 +10664,9 @@
           <a:bodyPr/>
           <a:lstStyle/>
           <a:p>
+            <a:pPr algn="ctr"/>
             <a:r>
-              <a:rPr lang="it-IT" dirty="0"/>
+              <a:rPr lang="en-US" noProof="0" dirty="0"/>
               <a:t>Testing the models</a:t>
             </a:r>
           </a:p>
@@ -10836,221 +10694,41 @@
           <a:lstStyle/>
           <a:p>
             <a:r>
-              <a:rPr lang="it-IT" dirty="0"/>
-              <a:t>Two </a:t>
+              <a:rPr lang="en-US" noProof="0" dirty="0"/>
+              <a:t>Two different models: bound vs. no bound.</a:t>
+            </a:r>
+          </a:p>
+          <a:p>
+            <a:r>
+              <a:rPr lang="en-US" noProof="0" dirty="0"/>
+              <a:t>Each model has been run on 21 instances with the LNBS solver and with a time limit of 5 minutes on an ASUS </a:t>
             </a:r>
             <a:r>
-              <a:rPr lang="it-IT" dirty="0" err="1"/>
-              <a:t>different</a:t>
-            </a:r>
-            <a:r>
-              <a:rPr lang="it-IT" dirty="0"/>
-              <a:t> models: </a:t>
-            </a:r>
-            <a:r>
-              <a:rPr lang="it-IT" dirty="0" err="1"/>
-              <a:t>bound</a:t>
-            </a:r>
-            <a:r>
-              <a:rPr lang="it-IT" dirty="0"/>
-              <a:t> vs no </a:t>
-            </a:r>
-            <a:r>
-              <a:rPr lang="it-IT" dirty="0" err="1"/>
-              <a:t>bound</a:t>
-            </a:r>
-            <a:r>
-              <a:rPr lang="it-IT" dirty="0"/>
-              <a:t>.</a:t>
-            </a:r>
-          </a:p>
-          <a:p>
-            <a:r>
-              <a:rPr lang="it-IT" dirty="0" err="1"/>
-              <a:t>Each</a:t>
-            </a:r>
-            <a:r>
-              <a:rPr lang="it-IT" dirty="0"/>
-              <a:t> model </a:t>
-            </a:r>
-            <a:r>
-              <a:rPr lang="it-IT" dirty="0" err="1"/>
-              <a:t>has</a:t>
-            </a:r>
-            <a:r>
-              <a:rPr lang="it-IT" dirty="0"/>
-              <a:t> </a:t>
-            </a:r>
-            <a:r>
-              <a:rPr lang="it-IT" dirty="0" err="1"/>
-              <a:t>been</a:t>
-            </a:r>
-            <a:r>
-              <a:rPr lang="it-IT" dirty="0"/>
-              <a:t> </a:t>
-            </a:r>
-            <a:r>
-              <a:rPr lang="it-IT" dirty="0" err="1"/>
-              <a:t>run</a:t>
-            </a:r>
-            <a:r>
-              <a:rPr lang="it-IT" dirty="0"/>
-              <a:t> on 21 </a:t>
-            </a:r>
-            <a:r>
-              <a:rPr lang="it-IT" dirty="0" err="1"/>
-              <a:t>instances</a:t>
-            </a:r>
-            <a:r>
-              <a:rPr lang="it-IT" dirty="0"/>
-              <a:t> with LNBS solver and  with a time </a:t>
-            </a:r>
-            <a:r>
-              <a:rPr lang="it-IT" dirty="0" err="1"/>
-              <a:t>limit</a:t>
-            </a:r>
-            <a:r>
-              <a:rPr lang="it-IT" dirty="0"/>
-              <a:t> of 5 minutes on an ASUS </a:t>
-            </a:r>
-            <a:r>
-              <a:rPr lang="it-IT" dirty="0" err="1"/>
+              <a:rPr lang="en-US" noProof="0" dirty="0" err="1"/>
               <a:t>Zenbook</a:t>
             </a:r>
             <a:r>
-              <a:rPr lang="it-IT" dirty="0"/>
+              <a:rPr lang="en-US" noProof="0" dirty="0"/>
               <a:t> UX431FN, Intel(R) Core(TM)i7-8565U CPU @ 1.80GHz, 8,00 GB RAM.</a:t>
             </a:r>
           </a:p>
           <a:p>
             <a:r>
-              <a:rPr lang="it-IT" dirty="0"/>
-              <a:t>Two </a:t>
+              <a:rPr lang="en-US" noProof="0" dirty="0"/>
+              <a:t>Two metrics computed: coverage and mean primal gap.</a:t>
             </a:r>
+          </a:p>
+          <a:p>
             <a:r>
-              <a:rPr lang="it-IT" dirty="0" err="1"/>
-              <a:t>metrics</a:t>
-            </a:r>
-            <a:r>
-              <a:rPr lang="it-IT" dirty="0"/>
-              <a:t> </a:t>
-            </a:r>
-            <a:r>
-              <a:rPr lang="it-IT" dirty="0" err="1"/>
-              <a:t>computed</a:t>
-            </a:r>
-            <a:r>
-              <a:rPr lang="it-IT" dirty="0"/>
-              <a:t>: coverage and </a:t>
-            </a:r>
-            <a:r>
-              <a:rPr lang="it-IT" dirty="0" err="1"/>
-              <a:t>mean</a:t>
-            </a:r>
-            <a:r>
-              <a:rPr lang="it-IT" dirty="0"/>
-              <a:t> </a:t>
-            </a:r>
-            <a:r>
-              <a:rPr lang="it-IT" dirty="0" err="1"/>
-              <a:t>primal</a:t>
-            </a:r>
-            <a:r>
-              <a:rPr lang="it-IT" dirty="0"/>
-              <a:t> gap.</a:t>
-            </a:r>
-          </a:p>
-          <a:p>
-            <a:r>
-              <a:rPr lang="it-IT" dirty="0"/>
-              <a:t>The </a:t>
-            </a:r>
-            <a:r>
-              <a:rPr lang="it-IT" dirty="0" err="1"/>
-              <a:t>performaces</a:t>
-            </a:r>
-            <a:r>
-              <a:rPr lang="it-IT" dirty="0"/>
-              <a:t> of the models </a:t>
-            </a:r>
-            <a:r>
-              <a:rPr lang="it-IT" dirty="0" err="1"/>
-              <a:t>have</a:t>
-            </a:r>
-            <a:r>
-              <a:rPr lang="it-IT" dirty="0"/>
-              <a:t> </a:t>
-            </a:r>
-            <a:r>
-              <a:rPr lang="it-IT" dirty="0" err="1"/>
-              <a:t>been</a:t>
-            </a:r>
-            <a:r>
-              <a:rPr lang="it-IT" dirty="0"/>
-              <a:t> </a:t>
-            </a:r>
-            <a:r>
-              <a:rPr lang="it-IT" dirty="0" err="1"/>
-              <a:t>evaluated</a:t>
-            </a:r>
-            <a:r>
-              <a:rPr lang="it-IT" dirty="0"/>
-              <a:t> </a:t>
-            </a:r>
-            <a:r>
-              <a:rPr lang="it-IT" dirty="0" err="1"/>
-              <a:t>against</a:t>
-            </a:r>
-            <a:r>
-              <a:rPr lang="it-IT" dirty="0"/>
-              <a:t> CP, SAT, SMT and MIP models </a:t>
-            </a:r>
-            <a:r>
-              <a:rPr lang="it-IT" dirty="0" err="1"/>
-              <a:t>developed</a:t>
-            </a:r>
-            <a:r>
-              <a:rPr lang="it-IT" dirty="0"/>
-              <a:t> to solve the </a:t>
-            </a:r>
-            <a:r>
-              <a:rPr lang="it-IT" dirty="0" err="1"/>
-              <a:t>same</a:t>
-            </a:r>
-            <a:r>
-              <a:rPr lang="it-IT" dirty="0"/>
-              <a:t> </a:t>
-            </a:r>
-            <a:r>
-              <a:rPr lang="it-IT" dirty="0" err="1"/>
-              <a:t>instances</a:t>
-            </a:r>
-            <a:r>
-              <a:rPr lang="it-IT" dirty="0"/>
-              <a:t> with the </a:t>
-            </a:r>
-            <a:r>
-              <a:rPr lang="it-IT" dirty="0" err="1"/>
-              <a:t>same</a:t>
-            </a:r>
-            <a:r>
-              <a:rPr lang="it-IT" dirty="0"/>
-              <a:t> </a:t>
-            </a:r>
-            <a:r>
-              <a:rPr lang="it-IT" dirty="0" err="1"/>
-              <a:t>experimental</a:t>
-            </a:r>
-            <a:r>
-              <a:rPr lang="it-IT" dirty="0"/>
-              <a:t> setup.</a:t>
+              <a:rPr lang="en-US" noProof="0" dirty="0"/>
+              <a:t>The performances of the models have been evaluated against CP, SAT, SMT, and MIP models developed to solve the same instances with the same experimental setup.</a:t>
             </a:r>
           </a:p>
           <a:p>
             <a:pPr marL="0" indent="0">
               <a:buNone/>
             </a:pPr>
-            <a:endParaRPr lang="it-IT" dirty="0"/>
+            <a:endParaRPr lang="en-US" noProof="0" dirty="0"/>
           </a:p>
         </p:txBody>
       </p:sp>
@@ -11148,7 +10826,7 @@
           <a:lstStyle/>
           <a:p>
             <a:pPr algn="ctr"/>
-            <a:endParaRPr lang="en-US"/>
+            <a:endParaRPr lang="en-US" noProof="0" dirty="0"/>
           </a:p>
         </p:txBody>
       </p:sp>
@@ -11180,11 +10858,11 @@
           </a:bodyPr>
           <a:lstStyle/>
           <a:p>
+            <a:pPr algn="ctr"/>
             <a:r>
-              <a:rPr lang="it-IT" sz="4000" dirty="0" err="1"/>
+              <a:rPr lang="en-US" sz="4000" noProof="0" dirty="0"/>
               <a:t>Results</a:t>
             </a:r>
-            <a:endParaRPr lang="it-IT" sz="4000" dirty="0"/>
           </a:p>
         </p:txBody>
       </p:sp>
@@ -11239,7 +10917,7 @@
           <p:nvPr>
             <p:extLst>
               <p:ext uri="{D42A27DB-BD31-4B8C-83A1-F6EECF244321}">
-                <p14:modId xmlns:p14="http://schemas.microsoft.com/office/powerpoint/2010/main" val="884042090"/>
+                <p14:modId xmlns:p14="http://schemas.microsoft.com/office/powerpoint/2010/main" val="3881551268"/>
               </p:ext>
             </p:extLst>
           </p:nvPr>
@@ -11278,7 +10956,7 @@
                     <a:p>
                       <a:pPr algn="ctr"/>
                       <a:r>
-                        <a:rPr lang="it-IT" dirty="0"/>
+                        <a:rPr lang="en-US" noProof="0" dirty="0"/>
                         <a:t>Model</a:t>
                       </a:r>
                     </a:p>
@@ -11292,16 +10970,8 @@
                     <a:p>
                       <a:pPr algn="ctr"/>
                       <a:r>
-                        <a:rPr lang="it-IT" dirty="0"/>
-                        <a:t>Mean </a:t>
-                      </a:r>
-                      <a:r>
-                        <a:rPr lang="it-IT" dirty="0" err="1"/>
-                        <a:t>primal</a:t>
-                      </a:r>
-                      <a:r>
-                        <a:rPr lang="it-IT" dirty="0"/>
-                        <a:t> gap</a:t>
+                        <a:rPr lang="en-US" noProof="0" dirty="0"/>
+                        <a:t>Mean primal gap</a:t>
                       </a:r>
                     </a:p>
                   </a:txBody>
@@ -11321,10 +10991,10 @@
                     <a:p>
                       <a:pPr algn="ctr"/>
                       <a:r>
-                        <a:rPr lang="it-IT" dirty="0" err="1"/>
+                        <a:rPr lang="en-US" noProof="0" dirty="0" err="1"/>
                         <a:t>DIDP_Bound</a:t>
                       </a:r>
-                      <a:endParaRPr lang="it-IT" dirty="0"/>
+                      <a:endParaRPr lang="en-US" noProof="0" dirty="0"/>
                     </a:p>
                   </a:txBody>
                   <a:tcPr/>
@@ -11336,7 +11006,7 @@
                     <a:p>
                       <a:pPr algn="ctr"/>
                       <a:r>
-                        <a:rPr lang="it-IT" dirty="0"/>
+                        <a:rPr lang="en-US" noProof="0" dirty="0"/>
                         <a:t>0.055</a:t>
                       </a:r>
                     </a:p>
@@ -11357,10 +11027,10 @@
                     <a:p>
                       <a:pPr algn="ctr"/>
                       <a:r>
-                        <a:rPr lang="it-IT" dirty="0" err="1"/>
+                        <a:rPr lang="en-US" noProof="0" dirty="0" err="1"/>
                         <a:t>DIDP_No_Bound</a:t>
                       </a:r>
-                      <a:endParaRPr lang="it-IT" dirty="0"/>
+                      <a:endParaRPr lang="en-US" noProof="0" dirty="0"/>
                     </a:p>
                   </a:txBody>
                   <a:tcPr/>
@@ -11372,7 +11042,7 @@
                     <a:p>
                       <a:pPr algn="ctr"/>
                       <a:r>
-                        <a:rPr lang="it-IT" b="1" dirty="0"/>
+                        <a:rPr lang="en-US" b="1" noProof="0" dirty="0"/>
                         <a:t>0.004</a:t>
                       </a:r>
                     </a:p>
@@ -11393,7 +11063,7 @@
                     <a:p>
                       <a:pPr algn="ctr"/>
                       <a:r>
-                        <a:rPr lang="it-IT" dirty="0"/>
+                        <a:rPr lang="en-US" noProof="0" dirty="0"/>
                         <a:t>CP</a:t>
                       </a:r>
                     </a:p>
@@ -11407,7 +11077,7 @@
                     <a:p>
                       <a:pPr algn="ctr"/>
                       <a:r>
-                        <a:rPr lang="it-IT" dirty="0"/>
+                        <a:rPr lang="en-US" noProof="0" dirty="0"/>
                         <a:t>0.100</a:t>
                       </a:r>
                     </a:p>
@@ -11428,7 +11098,7 @@
                     <a:p>
                       <a:pPr algn="ctr"/>
                       <a:r>
-                        <a:rPr lang="it-IT" dirty="0"/>
+                        <a:rPr lang="en-US" noProof="0" dirty="0"/>
                         <a:t>SAT</a:t>
                       </a:r>
                     </a:p>
@@ -11442,7 +11112,7 @@
                     <a:p>
                       <a:pPr algn="ctr"/>
                       <a:r>
-                        <a:rPr lang="it-IT" dirty="0"/>
+                        <a:rPr lang="en-US" noProof="0" dirty="0"/>
                         <a:t>0.475</a:t>
                       </a:r>
                     </a:p>
@@ -11463,7 +11133,7 @@
                     <a:p>
                       <a:pPr algn="ctr"/>
                       <a:r>
-                        <a:rPr lang="it-IT" dirty="0"/>
+                        <a:rPr lang="en-US" noProof="0" dirty="0"/>
                         <a:t>SMT</a:t>
                       </a:r>
                     </a:p>
@@ -11477,7 +11147,7 @@
                     <a:p>
                       <a:pPr algn="ctr"/>
                       <a:r>
-                        <a:rPr lang="it-IT" dirty="0"/>
+                        <a:rPr lang="en-US" noProof="0" dirty="0"/>
                         <a:t>0.237</a:t>
                       </a:r>
                     </a:p>
@@ -11498,7 +11168,7 @@
                     <a:p>
                       <a:pPr algn="ctr"/>
                       <a:r>
-                        <a:rPr lang="it-IT" dirty="0"/>
+                        <a:rPr lang="en-US" noProof="0" dirty="0"/>
                         <a:t>MIP</a:t>
                       </a:r>
                     </a:p>
@@ -11512,7 +11182,7 @@
                     <a:p>
                       <a:pPr algn="ctr"/>
                       <a:r>
-                        <a:rPr lang="it-IT" dirty="0"/>
+                        <a:rPr lang="en-US" noProof="0" dirty="0"/>
                         <a:t>0228</a:t>
                       </a:r>
                     </a:p>
@@ -11533,6 +11203,105 @@
     <p:extLst>
       <p:ext uri="{BB962C8B-B14F-4D97-AF65-F5344CB8AC3E}">
         <p14:creationId xmlns:p14="http://schemas.microsoft.com/office/powerpoint/2010/main" val="584465418"/>
+      </p:ext>
+    </p:extLst>
+  </p:cSld>
+  <p:clrMapOvr>
+    <a:masterClrMapping/>
+  </p:clrMapOvr>
+</p:sld>
+</file>
+
+<file path=ppt/slides/slide7.xml><?xml version="1.0" encoding="utf-8"?>
+<p:sld xmlns:a="http://schemas.openxmlformats.org/drawingml/2006/main" xmlns:r="http://schemas.openxmlformats.org/officeDocument/2006/relationships" xmlns:p="http://schemas.openxmlformats.org/presentationml/2006/main">
+  <p:cSld>
+    <p:spTree>
+      <p:nvGrpSpPr>
+        <p:cNvPr id="1" name=""/>
+        <p:cNvGrpSpPr/>
+        <p:nvPr/>
+      </p:nvGrpSpPr>
+      <p:grpSpPr>
+        <a:xfrm>
+          <a:off x="0" y="0"/>
+          <a:ext cx="0" cy="0"/>
+          <a:chOff x="0" y="0"/>
+          <a:chExt cx="0" cy="0"/>
+        </a:xfrm>
+      </p:grpSpPr>
+      <p:sp>
+        <p:nvSpPr>
+          <p:cNvPr id="2" name="Titolo 1">
+            <a:extLst>
+              <a:ext uri="{FF2B5EF4-FFF2-40B4-BE49-F238E27FC236}">
+                <a16:creationId xmlns:a16="http://schemas.microsoft.com/office/drawing/2014/main" id="{0B17823E-9F7F-6272-0E6D-C038BE3BD4F0}"/>
+              </a:ext>
+            </a:extLst>
+          </p:cNvPr>
+          <p:cNvSpPr>
+            <a:spLocks noGrp="1"/>
+          </p:cNvSpPr>
+          <p:nvPr>
+            <p:ph type="title"/>
+          </p:nvPr>
+        </p:nvSpPr>
+        <p:spPr/>
+        <p:txBody>
+          <a:bodyPr/>
+          <a:lstStyle/>
+          <a:p>
+            <a:pPr algn="ctr"/>
+            <a:r>
+              <a:rPr lang="en-US" noProof="0" dirty="0"/>
+              <a:t>Results</a:t>
+            </a:r>
+          </a:p>
+        </p:txBody>
+      </p:sp>
+      <p:sp>
+        <p:nvSpPr>
+          <p:cNvPr id="3" name="Segnaposto contenuto 2">
+            <a:extLst>
+              <a:ext uri="{FF2B5EF4-FFF2-40B4-BE49-F238E27FC236}">
+                <a16:creationId xmlns:a16="http://schemas.microsoft.com/office/drawing/2014/main" id="{80DBD58B-48B4-EDEB-F2AD-09A13856EF3B}"/>
+              </a:ext>
+            </a:extLst>
+          </p:cNvPr>
+          <p:cNvSpPr>
+            <a:spLocks noGrp="1"/>
+          </p:cNvSpPr>
+          <p:nvPr>
+            <p:ph idx="1"/>
+          </p:nvPr>
+        </p:nvSpPr>
+        <p:spPr/>
+        <p:txBody>
+          <a:bodyPr/>
+          <a:lstStyle/>
+          <a:p>
+            <a:r>
+              <a:rPr lang="en-US" noProof="0" dirty="0"/>
+              <a:t>In terms of coverage, the dual bound defined for the DIDP model is necessary to prove the optimality of the instances, effectively pruning states during the search.</a:t>
+            </a:r>
+          </a:p>
+          <a:p>
+            <a:r>
+              <a:rPr lang="en-US" noProof="0" dirty="0"/>
+              <a:t>On the contrary, the DIDP model without the bound is finding better quality solutions, probably because the bound is not as effective also for search guidance.</a:t>
+            </a:r>
+          </a:p>
+          <a:p>
+            <a:r>
+              <a:rPr lang="en-US" noProof="0" dirty="0"/>
+              <a:t>Overall, in terms of solution quality, both the DIDP models outperform the other approaches.</a:t>
+            </a:r>
+          </a:p>
+        </p:txBody>
+      </p:sp>
+    </p:spTree>
+    <p:extLst>
+      <p:ext uri="{BB962C8B-B14F-4D97-AF65-F5344CB8AC3E}">
+        <p14:creationId xmlns:p14="http://schemas.microsoft.com/office/powerpoint/2010/main" val="3991472721"/>
       </p:ext>
     </p:extLst>
   </p:cSld>
